--- a/poster_oukan.pptx
+++ b/poster_oukan.pptx
@@ -227,7 +227,7 @@
           <a:p>
             <a:fld id="{6744F44F-C54D-4C9B-8D0A-99995B90894A}" type="datetimeFigureOut">
               <a:rPr kumimoji="1" lang="ja-JP" altLang="en-US" smtClean="0"/>
-              <a:t>2025/11/28</a:t>
+              <a:t>2025/12/1</a:t>
             </a:fld>
             <a:endParaRPr kumimoji="1" lang="ja-JP" altLang="en-US"/>
           </a:p>
@@ -408,7 +408,7 @@
           <a:p>
             <a:fld id="{66AD0D6B-84F8-0A45-ADC1-3C71FDF4AF14}" type="datetimeFigureOut">
               <a:rPr lang="en-JP" smtClean="0"/>
-              <a:t>11/28/25</a:t>
+              <a:t>12/1/25</a:t>
             </a:fld>
             <a:endParaRPr lang="en-JP"/>
           </a:p>
@@ -824,7 +824,7 @@
           <a:p>
             <a:fld id="{349FECF2-E9B2-44FB-B3C1-6F1ABD30BEDF}" type="datetime1">
               <a:rPr lang="LID4096" altLang="ja-JP" smtClean="0"/>
-              <a:t>11/28/25</a:t>
+              <a:t>12/1/25</a:t>
             </a:fld>
             <a:endParaRPr lang="en-JP"/>
           </a:p>
@@ -1054,7 +1054,7 @@
           <a:p>
             <a:fld id="{E1716868-4E8C-4E9E-B32E-86466688C38E}" type="datetime1">
               <a:rPr lang="LID4096" altLang="ja-JP" smtClean="0"/>
-              <a:t>11/28/25</a:t>
+              <a:t>12/1/25</a:t>
             </a:fld>
             <a:endParaRPr lang="en-JP"/>
           </a:p>
@@ -1294,7 +1294,7 @@
           <a:p>
             <a:fld id="{02619D8D-BF18-40AE-BFF4-DB66FCFC9271}" type="datetime1">
               <a:rPr lang="LID4096" altLang="ja-JP" smtClean="0"/>
-              <a:t>11/28/25</a:t>
+              <a:t>12/1/25</a:t>
             </a:fld>
             <a:endParaRPr lang="en-JP"/>
           </a:p>
@@ -1524,7 +1524,7 @@
           <a:p>
             <a:fld id="{09202299-8DBC-4245-87C6-3E62A2ACA6A6}" type="datetime1">
               <a:rPr lang="LID4096" altLang="ja-JP" smtClean="0"/>
-              <a:t>11/28/25</a:t>
+              <a:t>12/1/25</a:t>
             </a:fld>
             <a:endParaRPr lang="en-JP"/>
           </a:p>
@@ -1799,7 +1799,7 @@
           <a:p>
             <a:fld id="{39490C1E-006A-471F-A583-7AAA8224009B}" type="datetime1">
               <a:rPr lang="LID4096" altLang="ja-JP" smtClean="0"/>
-              <a:t>11/28/25</a:t>
+              <a:t>12/1/25</a:t>
             </a:fld>
             <a:endParaRPr lang="en-JP"/>
           </a:p>
@@ -2128,7 +2128,7 @@
           <a:p>
             <a:fld id="{8F14F39A-FAA3-4B27-BC07-2AA343CBE051}" type="datetime1">
               <a:rPr lang="LID4096" altLang="ja-JP" smtClean="0"/>
-              <a:t>11/28/25</a:t>
+              <a:t>12/1/25</a:t>
             </a:fld>
             <a:endParaRPr lang="en-JP"/>
           </a:p>
@@ -2604,7 +2604,7 @@
           <a:p>
             <a:fld id="{350AD22A-55F2-4547-A5CA-A5A999E6556D}" type="datetime1">
               <a:rPr lang="LID4096" altLang="ja-JP" smtClean="0"/>
-              <a:t>11/28/25</a:t>
+              <a:t>12/1/25</a:t>
             </a:fld>
             <a:endParaRPr lang="en-JP"/>
           </a:p>
@@ -2745,7 +2745,7 @@
           <a:p>
             <a:fld id="{D1E7EEDF-E3BE-4535-8538-9CF15E9FEAAB}" type="datetime1">
               <a:rPr lang="LID4096" altLang="ja-JP" smtClean="0"/>
-              <a:t>11/28/25</a:t>
+              <a:t>12/1/25</a:t>
             </a:fld>
             <a:endParaRPr lang="en-JP"/>
           </a:p>
@@ -2858,7 +2858,7 @@
           <a:p>
             <a:fld id="{C90845DA-CECE-4290-9A52-6E01FD60E4F0}" type="datetime1">
               <a:rPr lang="LID4096" altLang="ja-JP" smtClean="0"/>
-              <a:t>11/28/25</a:t>
+              <a:t>12/1/25</a:t>
             </a:fld>
             <a:endParaRPr lang="en-JP"/>
           </a:p>
@@ -3201,7 +3201,7 @@
           <a:p>
             <a:fld id="{66506D8A-3A14-4426-A8F0-6A46E306C20B}" type="datetime1">
               <a:rPr lang="LID4096" altLang="ja-JP" smtClean="0"/>
-              <a:t>11/28/25</a:t>
+              <a:t>12/1/25</a:t>
             </a:fld>
             <a:endParaRPr lang="en-JP"/>
           </a:p>
@@ -3489,7 +3489,7 @@
           <a:p>
             <a:fld id="{CE7E1F37-E86F-4380-AB65-0EB41FBEEA80}" type="datetime1">
               <a:rPr lang="LID4096" altLang="ja-JP" smtClean="0"/>
-              <a:t>11/28/25</a:t>
+              <a:t>12/1/25</a:t>
             </a:fld>
             <a:endParaRPr lang="en-JP"/>
           </a:p>
@@ -3762,7 +3762,7 @@
           <a:p>
             <a:fld id="{1B4F68B4-EECE-4B65-B2C5-259CAB63F02A}" type="datetime1">
               <a:rPr lang="LID4096" altLang="ja-JP" smtClean="0"/>
-              <a:t>11/28/25</a:t>
+              <a:t>12/1/25</a:t>
             </a:fld>
             <a:endParaRPr lang="en-JP"/>
           </a:p>
@@ -4190,6 +4190,6899 @@
           <a:chExt cx="0" cy="0"/>
         </a:xfrm>
       </p:grpSpPr>
+      <p:grpSp>
+        <p:nvGrpSpPr>
+          <p:cNvPr id="12" name="グループ化 11">
+            <a:extLst>
+              <a:ext uri="{FF2B5EF4-FFF2-40B4-BE49-F238E27FC236}">
+                <a16:creationId xmlns:a16="http://schemas.microsoft.com/office/drawing/2014/main" id="{EC49079A-525A-7E17-0F95-5DF8120AFF90}"/>
+              </a:ext>
+            </a:extLst>
+          </p:cNvPr>
+          <p:cNvGrpSpPr/>
+          <p:nvPr/>
+        </p:nvGrpSpPr>
+        <p:grpSpPr>
+          <a:xfrm>
+            <a:off x="468000" y="305513"/>
+            <a:ext cx="29340000" cy="2700000"/>
+            <a:chOff x="438527" y="1219264"/>
+            <a:chExt cx="29340000" cy="2700000"/>
+          </a:xfrm>
+          <a:solidFill>
+            <a:schemeClr val="bg1"/>
+          </a:solidFill>
+        </p:grpSpPr>
+        <p:sp>
+          <p:nvSpPr>
+            <p:cNvPr id="14" name="正方形/長方形 13">
+              <a:extLst>
+                <a:ext uri="{FF2B5EF4-FFF2-40B4-BE49-F238E27FC236}">
+                  <a16:creationId xmlns:a16="http://schemas.microsoft.com/office/drawing/2014/main" id="{863602BB-5A0C-1842-50B6-9B7D670AC766}"/>
+                </a:ext>
+              </a:extLst>
+            </p:cNvPr>
+            <p:cNvSpPr/>
+            <p:nvPr/>
+          </p:nvSpPr>
+          <p:spPr>
+            <a:xfrm>
+              <a:off x="438527" y="1219264"/>
+              <a:ext cx="29340000" cy="2700000"/>
+            </a:xfrm>
+            <a:prstGeom prst="rect">
+              <a:avLst/>
+            </a:prstGeom>
+            <a:grpFill/>
+            <a:ln w="76200"/>
+          </p:spPr>
+          <p:style>
+            <a:lnRef idx="2">
+              <a:schemeClr val="accent1">
+                <a:shade val="15000"/>
+              </a:schemeClr>
+            </a:lnRef>
+            <a:fillRef idx="1">
+              <a:schemeClr val="accent1"/>
+            </a:fillRef>
+            <a:effectRef idx="0">
+              <a:schemeClr val="accent1"/>
+            </a:effectRef>
+            <a:fontRef idx="minor">
+              <a:schemeClr val="lt1"/>
+            </a:fontRef>
+          </p:style>
+          <p:txBody>
+            <a:bodyPr rtlCol="0" anchor="ctr"/>
+            <a:lstStyle/>
+            <a:p>
+              <a:pPr algn="ctr"/>
+              <a:endParaRPr kumimoji="1" lang="ja-JP" altLang="en-US" dirty="0">
+                <a:solidFill>
+                  <a:schemeClr val="tx1"/>
+                </a:solidFill>
+              </a:endParaRPr>
+            </a:p>
+          </p:txBody>
+        </p:sp>
+        <p:sp>
+          <p:nvSpPr>
+            <p:cNvPr id="15" name="テキスト ボックス 14">
+              <a:extLst>
+                <a:ext uri="{FF2B5EF4-FFF2-40B4-BE49-F238E27FC236}">
+                  <a16:creationId xmlns:a16="http://schemas.microsoft.com/office/drawing/2014/main" id="{9DC0B4C4-845C-F5B3-9893-B00FC469A730}"/>
+                </a:ext>
+              </a:extLst>
+            </p:cNvPr>
+            <p:cNvSpPr txBox="1"/>
+            <p:nvPr/>
+          </p:nvSpPr>
+          <p:spPr>
+            <a:xfrm>
+              <a:off x="2280743" y="1460305"/>
+              <a:ext cx="26134505" cy="923330"/>
+            </a:xfrm>
+            <a:prstGeom prst="rect">
+              <a:avLst/>
+            </a:prstGeom>
+            <a:grpFill/>
+          </p:spPr>
+          <p:txBody>
+            <a:bodyPr wrap="square" rtlCol="0">
+              <a:spAutoFit/>
+            </a:bodyPr>
+            <a:lstStyle/>
+            <a:p>
+              <a:r>
+                <a:rPr lang="ja-JP" altLang="en-US" sz="5400" b="1" i="0" u="none" strike="noStrike" dirty="0">
+                  <a:effectLst/>
+                  <a:latin typeface="Roboto" panose="02000000000000000000" pitchFamily="2" charset="0"/>
+                </a:rPr>
+                <a:t>グルコース</a:t>
+              </a:r>
+              <a:r>
+                <a:rPr lang="en-US" altLang="ja-JP" sz="5400" b="1" i="0" u="none" strike="noStrike" dirty="0">
+                  <a:effectLst/>
+                  <a:latin typeface="Roboto" panose="02000000000000000000" pitchFamily="2" charset="0"/>
+                </a:rPr>
+                <a:t>–</a:t>
+              </a:r>
+              <a:r>
+                <a:rPr lang="ja-JP" altLang="en-US" sz="5400" b="1" i="0" u="none" strike="noStrike" dirty="0">
+                  <a:effectLst/>
+                  <a:latin typeface="Roboto" panose="02000000000000000000" pitchFamily="2" charset="0"/>
+                </a:rPr>
+                <a:t>インスリン動態切り換えモデルに対する状態推定</a:t>
+              </a:r>
+              <a:r>
+                <a:rPr lang="ja-JP" altLang="en-US" sz="5400" b="1" dirty="0">
+                  <a:latin typeface="Roboto" panose="02000000000000000000" pitchFamily="2" charset="0"/>
+                </a:rPr>
+                <a:t>器</a:t>
+              </a:r>
+              <a:r>
+                <a:rPr lang="ja-JP" altLang="en-US" sz="5400" b="1">
+                  <a:latin typeface="Roboto" panose="02000000000000000000" pitchFamily="2" charset="0"/>
+                </a:rPr>
+                <a:t>の構築に関する考察</a:t>
+              </a:r>
+              <a:endParaRPr kumimoji="1" lang="ja-JP" altLang="en-US" sz="5400" dirty="0"/>
+            </a:p>
+          </p:txBody>
+        </p:sp>
+        <p:sp>
+          <p:nvSpPr>
+            <p:cNvPr id="16" name="テキスト ボックス 15">
+              <a:extLst>
+                <a:ext uri="{FF2B5EF4-FFF2-40B4-BE49-F238E27FC236}">
+                  <a16:creationId xmlns:a16="http://schemas.microsoft.com/office/drawing/2014/main" id="{F8E73365-5806-BF36-19E8-DEDD7F79AA81}"/>
+                </a:ext>
+              </a:extLst>
+            </p:cNvPr>
+            <p:cNvSpPr txBox="1"/>
+            <p:nvPr/>
+          </p:nvSpPr>
+          <p:spPr>
+            <a:xfrm>
+              <a:off x="6140047" y="2445030"/>
+              <a:ext cx="17995111" cy="923330"/>
+            </a:xfrm>
+            <a:prstGeom prst="rect">
+              <a:avLst/>
+            </a:prstGeom>
+            <a:grpFill/>
+          </p:spPr>
+          <p:txBody>
+            <a:bodyPr wrap="square" rtlCol="0">
+              <a:spAutoFit/>
+            </a:bodyPr>
+            <a:lstStyle/>
+            <a:p>
+              <a:r>
+                <a:rPr lang="en-US" altLang="ja-JP" sz="3600" dirty="0">
+                  <a:latin typeface="Helvetica" pitchFamily="2" charset="0"/>
+                </a:rPr>
+                <a:t>On Construction of a State Estimator for a Switched Glucose-insulin Dynamics Model</a:t>
+              </a:r>
+            </a:p>
+            <a:p>
+              <a:endParaRPr kumimoji="1" lang="ja-JP" altLang="en-US" dirty="0"/>
+            </a:p>
+          </p:txBody>
+        </p:sp>
+        <p:sp>
+          <p:nvSpPr>
+            <p:cNvPr id="17" name="テキスト ボックス 16">
+              <a:extLst>
+                <a:ext uri="{FF2B5EF4-FFF2-40B4-BE49-F238E27FC236}">
+                  <a16:creationId xmlns:a16="http://schemas.microsoft.com/office/drawing/2014/main" id="{8A793E4A-42BB-629D-84C8-0C092AFA8C68}"/>
+                </a:ext>
+              </a:extLst>
+            </p:cNvPr>
+            <p:cNvSpPr txBox="1"/>
+            <p:nvPr/>
+          </p:nvSpPr>
+          <p:spPr>
+            <a:xfrm>
+              <a:off x="11908627" y="3075555"/>
+              <a:ext cx="6457950" cy="580013"/>
+            </a:xfrm>
+            <a:prstGeom prst="rect">
+              <a:avLst/>
+            </a:prstGeom>
+            <a:grpFill/>
+          </p:spPr>
+          <p:txBody>
+            <a:bodyPr wrap="square" rtlCol="0">
+              <a:spAutoFit/>
+            </a:bodyPr>
+            <a:lstStyle/>
+            <a:p>
+              <a:r>
+                <a:rPr kumimoji="1" lang="ja-JP" altLang="en-US" sz="3200" b="1" dirty="0"/>
+                <a:t>田辺</a:t>
+              </a:r>
+              <a:r>
+                <a:rPr kumimoji="1" lang="en-US" altLang="ja-JP" sz="3200" b="1" dirty="0"/>
+                <a:t> </a:t>
+              </a:r>
+              <a:r>
+                <a:rPr lang="ja-JP" altLang="en-US" sz="3200" b="1" dirty="0"/>
+                <a:t>裕翔</a:t>
+              </a:r>
+              <a:r>
+                <a:rPr lang="en-US" altLang="ja-JP" sz="3200" b="1" dirty="0"/>
+                <a:t>   </a:t>
+              </a:r>
+              <a:r>
+                <a:rPr lang="ja-JP" altLang="en-US" sz="3200" b="1" dirty="0"/>
+                <a:t>平田</a:t>
+              </a:r>
+              <a:r>
+                <a:rPr lang="en-US" altLang="ja-JP" sz="3200" b="1" dirty="0"/>
+                <a:t> </a:t>
+              </a:r>
+              <a:r>
+                <a:rPr lang="ja-JP" altLang="en-US" sz="3200" b="1" dirty="0"/>
+                <a:t>研二</a:t>
+              </a:r>
+              <a:r>
+                <a:rPr lang="en-US" altLang="ja-JP" sz="3200" b="1" dirty="0"/>
+                <a:t>   (</a:t>
+              </a:r>
+              <a:r>
+                <a:rPr lang="ja-JP" altLang="en-US" sz="3200" b="1" dirty="0"/>
+                <a:t>富山大学</a:t>
+              </a:r>
+              <a:r>
+                <a:rPr lang="en-US" altLang="ja-JP" sz="3200" b="1" dirty="0"/>
+                <a:t>)</a:t>
+              </a:r>
+              <a:endParaRPr kumimoji="1" lang="ja-JP" altLang="en-US" sz="3200" b="1" dirty="0"/>
+            </a:p>
+          </p:txBody>
+        </p:sp>
+      </p:grpSp>
+      <p:grpSp>
+        <p:nvGrpSpPr>
+          <p:cNvPr id="99" name="グループ化 98">
+            <a:extLst>
+              <a:ext uri="{FF2B5EF4-FFF2-40B4-BE49-F238E27FC236}">
+                <a16:creationId xmlns:a16="http://schemas.microsoft.com/office/drawing/2014/main" id="{66D952D5-F299-6ACC-B250-A291C2AAE734}"/>
+              </a:ext>
+            </a:extLst>
+          </p:cNvPr>
+          <p:cNvGrpSpPr/>
+          <p:nvPr/>
+        </p:nvGrpSpPr>
+        <p:grpSpPr>
+          <a:xfrm>
+            <a:off x="468000" y="3279620"/>
+            <a:ext cx="29340000" cy="5040000"/>
+            <a:chOff x="467604" y="3420000"/>
+            <a:chExt cx="29340000" cy="5040000"/>
+          </a:xfrm>
+        </p:grpSpPr>
+        <p:grpSp>
+          <p:nvGrpSpPr>
+            <p:cNvPr id="98" name="グループ化 97">
+              <a:extLst>
+                <a:ext uri="{FF2B5EF4-FFF2-40B4-BE49-F238E27FC236}">
+                  <a16:creationId xmlns:a16="http://schemas.microsoft.com/office/drawing/2014/main" id="{4405AD4C-03E7-303A-F529-7E225C2EA867}"/>
+                </a:ext>
+              </a:extLst>
+            </p:cNvPr>
+            <p:cNvGrpSpPr/>
+            <p:nvPr/>
+          </p:nvGrpSpPr>
+          <p:grpSpPr>
+            <a:xfrm>
+              <a:off x="467604" y="3420000"/>
+              <a:ext cx="29340000" cy="5040000"/>
+              <a:chOff x="467604" y="3420000"/>
+              <a:chExt cx="29340000" cy="5040000"/>
+            </a:xfrm>
+          </p:grpSpPr>
+          <p:grpSp>
+            <p:nvGrpSpPr>
+              <p:cNvPr id="18" name="グループ化 17">
+                <a:extLst>
+                  <a:ext uri="{FF2B5EF4-FFF2-40B4-BE49-F238E27FC236}">
+                    <a16:creationId xmlns:a16="http://schemas.microsoft.com/office/drawing/2014/main" id="{FA0C50E5-6174-8DD0-2B2F-0C3CB2F3300C}"/>
+                  </a:ext>
+                </a:extLst>
+              </p:cNvPr>
+              <p:cNvGrpSpPr/>
+              <p:nvPr/>
+            </p:nvGrpSpPr>
+            <p:grpSpPr>
+              <a:xfrm>
+                <a:off x="467604" y="3420000"/>
+                <a:ext cx="29340000" cy="5040000"/>
+                <a:chOff x="478129" y="5290673"/>
+                <a:chExt cx="29260800" cy="4899368"/>
+              </a:xfrm>
+              <a:solidFill>
+                <a:schemeClr val="bg1"/>
+              </a:solidFill>
+            </p:grpSpPr>
+            <p:sp>
+              <p:nvSpPr>
+                <p:cNvPr id="19" name="正方形/長方形 18">
+                  <a:extLst>
+                    <a:ext uri="{FF2B5EF4-FFF2-40B4-BE49-F238E27FC236}">
+                      <a16:creationId xmlns:a16="http://schemas.microsoft.com/office/drawing/2014/main" id="{BAB11EC0-E28A-7672-B114-A70896BB53F2}"/>
+                    </a:ext>
+                  </a:extLst>
+                </p:cNvPr>
+                <p:cNvSpPr>
+                  <a:spLocks/>
+                </p:cNvSpPr>
+                <p:nvPr/>
+              </p:nvSpPr>
+              <p:spPr>
+                <a:xfrm>
+                  <a:off x="478129" y="5290673"/>
+                  <a:ext cx="29260800" cy="4899368"/>
+                </a:xfrm>
+                <a:prstGeom prst="rect">
+                  <a:avLst/>
+                </a:prstGeom>
+                <a:grpFill/>
+                <a:ln w="127000">
+                  <a:solidFill>
+                    <a:schemeClr val="tx2"/>
+                  </a:solidFill>
+                  <a:extLst>
+                    <a:ext uri="{C807C97D-BFC1-408E-A445-0C87EB9F89A2}">
+                      <ask:lineSketchStyleProps xmlns:ask="http://schemas.microsoft.com/office/drawing/2018/sketchyshapes" sd="981765707">
+                        <a:custGeom>
+                          <a:avLst/>
+                          <a:gdLst>
+                            <a:gd name="connsiteX0" fmla="*/ 0 w 27965400"/>
+                            <a:gd name="connsiteY0" fmla="*/ 0 h 5715000"/>
+                            <a:gd name="connsiteX1" fmla="*/ 27965400 w 27965400"/>
+                            <a:gd name="connsiteY1" fmla="*/ 0 h 5715000"/>
+                            <a:gd name="connsiteX2" fmla="*/ 27965400 w 27965400"/>
+                            <a:gd name="connsiteY2" fmla="*/ 5715000 h 5715000"/>
+                            <a:gd name="connsiteX3" fmla="*/ 0 w 27965400"/>
+                            <a:gd name="connsiteY3" fmla="*/ 5715000 h 5715000"/>
+                            <a:gd name="connsiteX4" fmla="*/ 0 w 27965400"/>
+                            <a:gd name="connsiteY4" fmla="*/ 0 h 5715000"/>
+                          </a:gdLst>
+                          <a:ahLst/>
+                          <a:cxnLst>
+                            <a:cxn ang="0">
+                              <a:pos x="connsiteX0" y="connsiteY0"/>
+                            </a:cxn>
+                            <a:cxn ang="0">
+                              <a:pos x="connsiteX1" y="connsiteY1"/>
+                            </a:cxn>
+                            <a:cxn ang="0">
+                              <a:pos x="connsiteX2" y="connsiteY2"/>
+                            </a:cxn>
+                            <a:cxn ang="0">
+                              <a:pos x="connsiteX3" y="connsiteY3"/>
+                            </a:cxn>
+                            <a:cxn ang="0">
+                              <a:pos x="connsiteX4" y="connsiteY4"/>
+                            </a:cxn>
+                          </a:cxnLst>
+                          <a:rect l="l" t="t" r="r" b="b"/>
+                          <a:pathLst>
+                            <a:path w="27965400" h="5715000" fill="none" extrusionOk="0">
+                              <a:moveTo>
+                                <a:pt x="0" y="0"/>
+                              </a:moveTo>
+                              <a:cubicBezTo>
+                                <a:pt x="12822961" y="-33775"/>
+                                <a:pt x="23266028" y="138873"/>
+                                <a:pt x="27965400" y="0"/>
+                              </a:cubicBezTo>
+                              <a:cubicBezTo>
+                                <a:pt x="27891629" y="1430944"/>
+                                <a:pt x="27809517" y="3154282"/>
+                                <a:pt x="27965400" y="5715000"/>
+                              </a:cubicBezTo>
+                              <a:cubicBezTo>
+                                <a:pt x="16913084" y="5577670"/>
+                                <a:pt x="9222407" y="5577144"/>
+                                <a:pt x="0" y="5715000"/>
+                              </a:cubicBezTo>
+                              <a:cubicBezTo>
+                                <a:pt x="152408" y="3190664"/>
+                                <a:pt x="73868" y="1414017"/>
+                                <a:pt x="0" y="0"/>
+                              </a:cubicBezTo>
+                              <a:close/>
+                            </a:path>
+                            <a:path w="27965400" h="5715000" stroke="0" extrusionOk="0">
+                              <a:moveTo>
+                                <a:pt x="0" y="0"/>
+                              </a:moveTo>
+                              <a:cubicBezTo>
+                                <a:pt x="6780586" y="-101487"/>
+                                <a:pt x="18516925" y="-162162"/>
+                                <a:pt x="27965400" y="0"/>
+                              </a:cubicBezTo>
+                              <a:cubicBezTo>
+                                <a:pt x="28026113" y="2805299"/>
+                                <a:pt x="27904328" y="3460224"/>
+                                <a:pt x="27965400" y="5715000"/>
+                              </a:cubicBezTo>
+                              <a:cubicBezTo>
+                                <a:pt x="19875670" y="5765065"/>
+                                <a:pt x="9433509" y="5556551"/>
+                                <a:pt x="0" y="5715000"/>
+                              </a:cubicBezTo>
+                              <a:cubicBezTo>
+                                <a:pt x="-24452" y="3845266"/>
+                                <a:pt x="-67663" y="2490616"/>
+                                <a:pt x="0" y="0"/>
+                              </a:cubicBezTo>
+                              <a:close/>
+                            </a:path>
+                          </a:pathLst>
+                        </a:custGeom>
+                        <ask:type>
+                          <ask:lineSketchNone/>
+                        </ask:type>
+                      </ask:lineSketchStyleProps>
+                    </a:ext>
+                  </a:extLst>
+                </a:ln>
+              </p:spPr>
+              <p:style>
+                <a:lnRef idx="2">
+                  <a:schemeClr val="accent6"/>
+                </a:lnRef>
+                <a:fillRef idx="1">
+                  <a:schemeClr val="lt1"/>
+                </a:fillRef>
+                <a:effectRef idx="0">
+                  <a:schemeClr val="accent6"/>
+                </a:effectRef>
+                <a:fontRef idx="minor">
+                  <a:schemeClr val="dk1"/>
+                </a:fontRef>
+              </p:style>
+              <p:txBody>
+                <a:bodyPr rtlCol="0" anchor="ctr"/>
+                <a:lstStyle/>
+                <a:p>
+                  <a:pPr algn="ctr"/>
+                  <a:endParaRPr kumimoji="1" lang="ja-JP" altLang="en-US" dirty="0"/>
+                </a:p>
+              </p:txBody>
+            </p:sp>
+            <p:sp>
+              <p:nvSpPr>
+                <p:cNvPr id="20" name="テキスト ボックス 19">
+                  <a:extLst>
+                    <a:ext uri="{FF2B5EF4-FFF2-40B4-BE49-F238E27FC236}">
+                      <a16:creationId xmlns:a16="http://schemas.microsoft.com/office/drawing/2014/main" id="{FA0E2650-C7C7-E339-DFA2-A6913B7F68CD}"/>
+                    </a:ext>
+                  </a:extLst>
+                </p:cNvPr>
+                <p:cNvSpPr txBox="1">
+                  <a:spLocks/>
+                </p:cNvSpPr>
+                <p:nvPr/>
+              </p:nvSpPr>
+              <p:spPr>
+                <a:xfrm>
+                  <a:off x="981222" y="5601948"/>
+                  <a:ext cx="4324353" cy="769441"/>
+                </a:xfrm>
+                <a:prstGeom prst="rect">
+                  <a:avLst/>
+                </a:prstGeom>
+                <a:grpFill/>
+              </p:spPr>
+              <p:txBody>
+                <a:bodyPr wrap="square" rtlCol="0">
+                  <a:spAutoFit/>
+                </a:bodyPr>
+                <a:lstStyle/>
+                <a:p>
+                  <a:r>
+                    <a:rPr lang="ja-JP" altLang="en-US" sz="4400" b="1">
+                      <a:solidFill>
+                        <a:schemeClr val="tx2">
+                          <a:lumMod val="90000"/>
+                          <a:lumOff val="10000"/>
+                        </a:schemeClr>
+                      </a:solidFill>
+                      <a:latin typeface="メイリオ" panose="020B0604030504040204" pitchFamily="50" charset="-128"/>
+                      <a:ea typeface="メイリオ" panose="020B0604030504040204" pitchFamily="50" charset="-128"/>
+                    </a:rPr>
+                    <a:t>研究背景と目的</a:t>
+                  </a:r>
+                  <a:endParaRPr kumimoji="1" lang="ja-JP" altLang="en-US" sz="4400" b="1" dirty="0">
+                    <a:solidFill>
+                      <a:schemeClr val="tx2">
+                        <a:lumMod val="90000"/>
+                        <a:lumOff val="10000"/>
+                      </a:schemeClr>
+                    </a:solidFill>
+                    <a:latin typeface="メイリオ" panose="020B0604030504040204" pitchFamily="50" charset="-128"/>
+                    <a:ea typeface="メイリオ" panose="020B0604030504040204" pitchFamily="50" charset="-128"/>
+                  </a:endParaRPr>
+                </a:p>
+              </p:txBody>
+            </p:sp>
+          </p:grpSp>
+          <p:sp>
+            <p:nvSpPr>
+              <p:cNvPr id="22" name="テキスト ボックス 21">
+                <a:extLst>
+                  <a:ext uri="{FF2B5EF4-FFF2-40B4-BE49-F238E27FC236}">
+                    <a16:creationId xmlns:a16="http://schemas.microsoft.com/office/drawing/2014/main" id="{9C2A2F50-FA4F-8D80-889A-C8FF6147EE17}"/>
+                  </a:ext>
+                </a:extLst>
+              </p:cNvPr>
+              <p:cNvSpPr txBox="1"/>
+              <p:nvPr/>
+            </p:nvSpPr>
+            <p:spPr>
+              <a:xfrm>
+                <a:off x="1034415" y="4388071"/>
+                <a:ext cx="17084783" cy="3970318"/>
+              </a:xfrm>
+              <a:prstGeom prst="rect">
+                <a:avLst/>
+              </a:prstGeom>
+              <a:noFill/>
+            </p:spPr>
+            <p:txBody>
+              <a:bodyPr wrap="square" rtlCol="0">
+                <a:spAutoFit/>
+              </a:bodyPr>
+              <a:lstStyle/>
+              <a:p>
+                <a:r>
+                  <a:rPr kumimoji="1" lang="en-US" altLang="ja-JP" sz="2800" dirty="0"/>
+                  <a:t>1</a:t>
+                </a:r>
+                <a:r>
+                  <a:rPr lang="ja-JP" altLang="en-US" sz="2800"/>
+                  <a:t>型糖尿病は，血糖値調整を担うインスリンホルモンの体内分泌が停止することによって発症する．患者は外部よりインスリンを投与する必要があり，投与量は患者自身が判断しなければならない．そのため，過剰投与による低血糖リスクなどが生じる．課題解決に向けて人工膵臓の開発が進められている．人工膵臓は血糖値を連続的に計測しながら，適切な投与量を制御アルゴリズムに従い計算し，インスリンを自動投与することによって血糖値を一定の範囲にコントロールする．制御アルゴリズムとしてモデル予測制御</a:t>
+                </a:r>
+                <a:r>
+                  <a:rPr lang="en-US" altLang="ja-JP" sz="2800" dirty="0"/>
+                  <a:t>(MPC)</a:t>
+                </a:r>
+                <a:r>
+                  <a:rPr lang="ja-JP" altLang="en-US" sz="2800"/>
+                  <a:t>が主に用いられている．</a:t>
+                </a:r>
+                <a:r>
+                  <a:rPr lang="en-US" altLang="ja-JP" sz="2800" dirty="0"/>
+                  <a:t>MPC</a:t>
+                </a:r>
+                <a:r>
+                  <a:rPr lang="ja-JP" altLang="en-US" sz="2800"/>
+                  <a:t>に基づく制御では，血糖値の変化を記述するモデルを用いて将来の血糖値を予測し，投与量を決定する．そのためには，モデル内部で扱う状態が現在どのような値であるかを適切に把握する必要がある．本研究では，当研究室で提案されたグルコース</a:t>
+                </a:r>
+                <a:r>
+                  <a:rPr lang="en-US" altLang="ja-JP" sz="2800" dirty="0"/>
+                  <a:t>-</a:t>
+                </a:r>
+                <a:r>
+                  <a:rPr lang="ja-JP" altLang="en-US" sz="2800"/>
+                  <a:t>インスリン動態切り換えモデルに対し，血糖値データからモデルの状態を推定する状態推定器の構築を行う．</a:t>
+                </a:r>
+                <a:endParaRPr lang="en-US" altLang="ja-JP" sz="2800" dirty="0"/>
+              </a:p>
+            </p:txBody>
+          </p:sp>
+          <p:grpSp>
+            <p:nvGrpSpPr>
+              <p:cNvPr id="23" name="グループ化 22">
+                <a:extLst>
+                  <a:ext uri="{FF2B5EF4-FFF2-40B4-BE49-F238E27FC236}">
+                    <a16:creationId xmlns:a16="http://schemas.microsoft.com/office/drawing/2014/main" id="{59D43F7F-8D8D-0935-35A0-46BFF9815FCE}"/>
+                  </a:ext>
+                </a:extLst>
+              </p:cNvPr>
+              <p:cNvGrpSpPr/>
+              <p:nvPr/>
+            </p:nvGrpSpPr>
+            <p:grpSpPr>
+              <a:xfrm>
+                <a:off x="18086269" y="3634690"/>
+                <a:ext cx="11312270" cy="4574516"/>
+                <a:chOff x="666370" y="1296365"/>
+                <a:chExt cx="11312270" cy="4574516"/>
+              </a:xfrm>
+            </p:grpSpPr>
+            <p:sp>
+              <p:nvSpPr>
+                <p:cNvPr id="24" name="正方形/長方形 23">
+                  <a:extLst>
+                    <a:ext uri="{FF2B5EF4-FFF2-40B4-BE49-F238E27FC236}">
+                      <a16:creationId xmlns:a16="http://schemas.microsoft.com/office/drawing/2014/main" id="{18E63978-B7C3-0819-58CD-778276F23E2E}"/>
+                    </a:ext>
+                  </a:extLst>
+                </p:cNvPr>
+                <p:cNvSpPr/>
+                <p:nvPr/>
+              </p:nvSpPr>
+              <p:spPr>
+                <a:xfrm>
+                  <a:off x="9029075" y="3536821"/>
+                  <a:ext cx="2195384" cy="793092"/>
+                </a:xfrm>
+                <a:prstGeom prst="rect">
+                  <a:avLst/>
+                </a:prstGeom>
+                <a:ln>
+                  <a:solidFill>
+                    <a:schemeClr val="tx2">
+                      <a:lumMod val="90000"/>
+                      <a:lumOff val="10000"/>
+                    </a:schemeClr>
+                  </a:solidFill>
+                </a:ln>
+              </p:spPr>
+              <p:style>
+                <a:lnRef idx="2">
+                  <a:schemeClr val="accent1"/>
+                </a:lnRef>
+                <a:fillRef idx="1">
+                  <a:schemeClr val="lt1"/>
+                </a:fillRef>
+                <a:effectRef idx="0">
+                  <a:schemeClr val="accent1"/>
+                </a:effectRef>
+                <a:fontRef idx="minor">
+                  <a:schemeClr val="dk1"/>
+                </a:fontRef>
+              </p:style>
+              <p:txBody>
+                <a:bodyPr rtlCol="0" anchor="ctr"/>
+                <a:lstStyle/>
+                <a:p>
+                  <a:pPr algn="ctr"/>
+                  <a:r>
+                    <a:rPr lang="en-US" altLang="ja-JP" b="1" dirty="0">
+                      <a:latin typeface="Hiragino Kaku Gothic ProN W3" panose="020B0300000000000000" pitchFamily="34" charset="-128"/>
+                      <a:ea typeface="Hiragino Kaku Gothic ProN W3" panose="020B0300000000000000" pitchFamily="34" charset="-128"/>
+                      <a:cs typeface="Arial" panose="020B0604020202020204" pitchFamily="34" charset="0"/>
+                    </a:rPr>
+                    <a:t>Subject</a:t>
+                  </a:r>
+                </a:p>
+                <a:p>
+                  <a:pPr algn="ctr"/>
+                  <a:r>
+                    <a:rPr lang="en-US" altLang="ja-JP" sz="1400" b="1" dirty="0">
+                      <a:latin typeface="Hiragino Kaku Gothic ProN W3" panose="020B0300000000000000" pitchFamily="34" charset="-128"/>
+                      <a:ea typeface="Hiragino Kaku Gothic ProN W3" panose="020B0300000000000000" pitchFamily="34" charset="-128"/>
+                      <a:cs typeface="Arial" panose="020B0604020202020204" pitchFamily="34" charset="0"/>
+                    </a:rPr>
+                    <a:t>(UVA/Padova Model)</a:t>
+                  </a:r>
+                  <a:endParaRPr kumimoji="1" lang="ja-JP" altLang="en-US" sz="1400" b="1">
+                    <a:latin typeface="Hiragino Kaku Gothic ProN W3" panose="020B0300000000000000" pitchFamily="34" charset="-128"/>
+                    <a:ea typeface="Hiragino Kaku Gothic ProN W3" panose="020B0300000000000000" pitchFamily="34" charset="-128"/>
+                    <a:cs typeface="Arial" panose="020B0604020202020204" pitchFamily="34" charset="0"/>
+                  </a:endParaRPr>
+                </a:p>
+              </p:txBody>
+            </p:sp>
+            <p:sp>
+              <p:nvSpPr>
+                <p:cNvPr id="25" name="正方形/長方形 24">
+                  <a:extLst>
+                    <a:ext uri="{FF2B5EF4-FFF2-40B4-BE49-F238E27FC236}">
+                      <a16:creationId xmlns:a16="http://schemas.microsoft.com/office/drawing/2014/main" id="{384FE5E2-A665-8572-DD2C-1CC1DD3C3776}"/>
+                    </a:ext>
+                  </a:extLst>
+                </p:cNvPr>
+                <p:cNvSpPr/>
+                <p:nvPr/>
+              </p:nvSpPr>
+              <p:spPr>
+                <a:xfrm>
+                  <a:off x="4712321" y="1931662"/>
+                  <a:ext cx="1952849" cy="734540"/>
+                </a:xfrm>
+                <a:prstGeom prst="rect">
+                  <a:avLst/>
+                </a:prstGeom>
+                <a:ln>
+                  <a:solidFill>
+                    <a:schemeClr val="tx2">
+                      <a:lumMod val="90000"/>
+                      <a:lumOff val="10000"/>
+                    </a:schemeClr>
+                  </a:solidFill>
+                </a:ln>
+              </p:spPr>
+              <p:style>
+                <a:lnRef idx="2">
+                  <a:schemeClr val="accent1"/>
+                </a:lnRef>
+                <a:fillRef idx="1">
+                  <a:schemeClr val="lt1"/>
+                </a:fillRef>
+                <a:effectRef idx="0">
+                  <a:schemeClr val="accent1"/>
+                </a:effectRef>
+                <a:fontRef idx="minor">
+                  <a:schemeClr val="dk1"/>
+                </a:fontRef>
+              </p:style>
+              <p:txBody>
+                <a:bodyPr rtlCol="0" anchor="ctr"/>
+                <a:lstStyle/>
+                <a:p>
+                  <a:pPr algn="ctr"/>
+                  <a:r>
+                    <a:rPr kumimoji="1" lang="en-US" altLang="ja-JP" sz="1400" b="1" dirty="0">
+                      <a:latin typeface="Hiragino Kaku Gothic ProN W3" panose="020B0300000000000000" pitchFamily="34" charset="-128"/>
+                      <a:ea typeface="Hiragino Kaku Gothic ProN W3" panose="020B0300000000000000" pitchFamily="34" charset="-128"/>
+                      <a:cs typeface="Arial" panose="020B0604020202020204" pitchFamily="34" charset="0"/>
+                    </a:rPr>
+                    <a:t>Gastrointestinal</a:t>
+                  </a:r>
+                </a:p>
+                <a:p>
+                  <a:pPr algn="ctr"/>
+                  <a:r>
+                    <a:rPr lang="en-US" altLang="ja-JP" sz="1400" b="1" dirty="0" err="1">
+                      <a:latin typeface="Hiragino Kaku Gothic ProN W3" panose="020B0300000000000000" pitchFamily="34" charset="-128"/>
+                      <a:ea typeface="Hiragino Kaku Gothic ProN W3" panose="020B0300000000000000" pitchFamily="34" charset="-128"/>
+                      <a:cs typeface="Arial" panose="020B0604020202020204" pitchFamily="34" charset="0"/>
+                    </a:rPr>
+                    <a:t>submodel</a:t>
+                  </a:r>
+                  <a:endParaRPr lang="en-US" altLang="ja-JP" sz="1400" b="1" dirty="0">
+                    <a:latin typeface="Hiragino Kaku Gothic ProN W3" panose="020B0300000000000000" pitchFamily="34" charset="-128"/>
+                    <a:ea typeface="Hiragino Kaku Gothic ProN W3" panose="020B0300000000000000" pitchFamily="34" charset="-128"/>
+                    <a:cs typeface="Arial" panose="020B0604020202020204" pitchFamily="34" charset="0"/>
+                  </a:endParaRPr>
+                </a:p>
+                <a:p>
+                  <a:pPr algn="ctr"/>
+                  <a:r>
+                    <a:rPr kumimoji="1" lang="en-US" altLang="ja-JP" sz="1400" b="1" dirty="0">
+                      <a:latin typeface="Hiragino Kaku Gothic ProN W3" panose="020B0300000000000000" pitchFamily="34" charset="-128"/>
+                      <a:ea typeface="Hiragino Kaku Gothic ProN W3" panose="020B0300000000000000" pitchFamily="34" charset="-128"/>
+                      <a:cs typeface="Arial" panose="020B0604020202020204" pitchFamily="34" charset="0"/>
+                    </a:rPr>
+                    <a:t>(</a:t>
+                  </a:r>
+                  <a:r>
+                    <a:rPr kumimoji="1" lang="en-US" altLang="ja-JP" sz="1400" b="1" dirty="0">
+                      <a:solidFill>
+                        <a:srgbClr val="FF0000"/>
+                      </a:solidFill>
+                      <a:latin typeface="Hiragino Kaku Gothic ProN W3" panose="020B0300000000000000" pitchFamily="34" charset="-128"/>
+                      <a:ea typeface="Hiragino Kaku Gothic ProN W3" panose="020B0300000000000000" pitchFamily="34" charset="-128"/>
+                      <a:cs typeface="Arial" panose="020B0604020202020204" pitchFamily="34" charset="0"/>
+                    </a:rPr>
+                    <a:t>switched system</a:t>
+                  </a:r>
+                  <a:r>
+                    <a:rPr kumimoji="1" lang="en-US" altLang="ja-JP" sz="1400" b="1" dirty="0">
+                      <a:latin typeface="Hiragino Kaku Gothic ProN W3" panose="020B0300000000000000" pitchFamily="34" charset="-128"/>
+                      <a:ea typeface="Hiragino Kaku Gothic ProN W3" panose="020B0300000000000000" pitchFamily="34" charset="-128"/>
+                      <a:cs typeface="Arial" panose="020B0604020202020204" pitchFamily="34" charset="0"/>
+                    </a:rPr>
+                    <a:t>)</a:t>
+                  </a:r>
+                  <a:endParaRPr kumimoji="1" lang="ja-JP" altLang="en-US" sz="1400" b="1">
+                    <a:latin typeface="Hiragino Kaku Gothic ProN W3" panose="020B0300000000000000" pitchFamily="34" charset="-128"/>
+                    <a:ea typeface="Hiragino Kaku Gothic ProN W3" panose="020B0300000000000000" pitchFamily="34" charset="-128"/>
+                    <a:cs typeface="Arial" panose="020B0604020202020204" pitchFamily="34" charset="0"/>
+                  </a:endParaRPr>
+                </a:p>
+              </p:txBody>
+            </p:sp>
+            <p:grpSp>
+              <p:nvGrpSpPr>
+                <p:cNvPr id="26" name="グループ化 25">
+                  <a:extLst>
+                    <a:ext uri="{FF2B5EF4-FFF2-40B4-BE49-F238E27FC236}">
+                      <a16:creationId xmlns:a16="http://schemas.microsoft.com/office/drawing/2014/main" id="{D1E44D45-3DA4-4CFA-F429-5BEDB64951B0}"/>
+                    </a:ext>
+                  </a:extLst>
+                </p:cNvPr>
+                <p:cNvGrpSpPr/>
+                <p:nvPr/>
+              </p:nvGrpSpPr>
+              <p:grpSpPr>
+                <a:xfrm>
+                  <a:off x="2244780" y="2938800"/>
+                  <a:ext cx="6094482" cy="1989135"/>
+                  <a:chOff x="3047283" y="2904075"/>
+                  <a:chExt cx="6094482" cy="1989135"/>
+                </a:xfrm>
+              </p:grpSpPr>
+              <p:sp>
+                <p:nvSpPr>
+                  <p:cNvPr id="45" name="正方形/長方形 44">
+                    <a:extLst>
+                      <a:ext uri="{FF2B5EF4-FFF2-40B4-BE49-F238E27FC236}">
+                        <a16:creationId xmlns:a16="http://schemas.microsoft.com/office/drawing/2014/main" id="{0486F3D7-C451-1203-4951-8DFA119C5689}"/>
+                      </a:ext>
+                    </a:extLst>
+                  </p:cNvPr>
+                  <p:cNvSpPr/>
+                  <p:nvPr/>
+                </p:nvSpPr>
+                <p:spPr>
+                  <a:xfrm>
+                    <a:off x="3047283" y="2904075"/>
+                    <a:ext cx="6094482" cy="1989135"/>
+                  </a:xfrm>
+                  <a:prstGeom prst="rect">
+                    <a:avLst/>
+                  </a:prstGeom>
+                  <a:ln>
+                    <a:solidFill>
+                      <a:schemeClr val="tx2">
+                        <a:lumMod val="90000"/>
+                        <a:lumOff val="10000"/>
+                      </a:schemeClr>
+                    </a:solidFill>
+                  </a:ln>
+                </p:spPr>
+                <p:style>
+                  <a:lnRef idx="2">
+                    <a:schemeClr val="accent1"/>
+                  </a:lnRef>
+                  <a:fillRef idx="1">
+                    <a:schemeClr val="lt1"/>
+                  </a:fillRef>
+                  <a:effectRef idx="0">
+                    <a:schemeClr val="accent1"/>
+                  </a:effectRef>
+                  <a:fontRef idx="minor">
+                    <a:schemeClr val="dk1"/>
+                  </a:fontRef>
+                </p:style>
+                <p:txBody>
+                  <a:bodyPr rtlCol="0" anchor="ctr"/>
+                  <a:lstStyle/>
+                  <a:p>
+                    <a:pPr algn="ctr"/>
+                    <a:endParaRPr kumimoji="1" lang="ja-JP" altLang="en-US">
+                      <a:ln w="0"/>
+                      <a:solidFill>
+                        <a:schemeClr val="tx1"/>
+                      </a:solidFill>
+                      <a:effectLst>
+                        <a:outerShdw blurRad="38100" dist="19050" dir="2700000" algn="tl" rotWithShape="0">
+                          <a:schemeClr val="dk1">
+                            <a:alpha val="40000"/>
+                          </a:schemeClr>
+                        </a:outerShdw>
+                      </a:effectLst>
+                    </a:endParaRPr>
+                  </a:p>
+                </p:txBody>
+              </p:sp>
+              <p:sp>
+                <p:nvSpPr>
+                  <p:cNvPr id="46" name="正方形/長方形 45">
+                    <a:extLst>
+                      <a:ext uri="{FF2B5EF4-FFF2-40B4-BE49-F238E27FC236}">
+                        <a16:creationId xmlns:a16="http://schemas.microsoft.com/office/drawing/2014/main" id="{C10EE236-4D83-450D-5298-0D79F44FFA44}"/>
+                      </a:ext>
+                    </a:extLst>
+                  </p:cNvPr>
+                  <p:cNvSpPr/>
+                  <p:nvPr/>
+                </p:nvSpPr>
+                <p:spPr>
+                  <a:xfrm>
+                    <a:off x="3175590" y="3899127"/>
+                    <a:ext cx="1952849" cy="734540"/>
+                  </a:xfrm>
+                  <a:prstGeom prst="rect">
+                    <a:avLst/>
+                  </a:prstGeom>
+                  <a:ln>
+                    <a:solidFill>
+                      <a:schemeClr val="tx2">
+                        <a:lumMod val="90000"/>
+                        <a:lumOff val="10000"/>
+                      </a:schemeClr>
+                    </a:solidFill>
+                  </a:ln>
+                </p:spPr>
+                <p:style>
+                  <a:lnRef idx="2">
+                    <a:schemeClr val="accent1"/>
+                  </a:lnRef>
+                  <a:fillRef idx="1">
+                    <a:schemeClr val="lt1"/>
+                  </a:fillRef>
+                  <a:effectRef idx="0">
+                    <a:schemeClr val="accent1"/>
+                  </a:effectRef>
+                  <a:fontRef idx="minor">
+                    <a:schemeClr val="dk1"/>
+                  </a:fontRef>
+                </p:style>
+                <p:txBody>
+                  <a:bodyPr rtlCol="0" anchor="ctr"/>
+                  <a:lstStyle/>
+                  <a:p>
+                    <a:pPr algn="ctr"/>
+                    <a:r>
+                      <a:rPr kumimoji="1" lang="en-US" altLang="ja-JP" sz="1400" b="1" dirty="0">
+                        <a:latin typeface="Hiragino Kaku Gothic ProN W3" panose="020B0300000000000000" pitchFamily="34" charset="-128"/>
+                        <a:ea typeface="Hiragino Kaku Gothic ProN W3" panose="020B0300000000000000" pitchFamily="34" charset="-128"/>
+                        <a:cs typeface="Arial" panose="020B0604020202020204" pitchFamily="34" charset="0"/>
+                      </a:rPr>
+                      <a:t>Subcutaneous</a:t>
+                    </a:r>
+                  </a:p>
+                  <a:p>
+                    <a:pPr algn="ctr"/>
+                    <a:r>
+                      <a:rPr lang="en-US" altLang="ja-JP" sz="1400" b="1" dirty="0">
+                        <a:latin typeface="Hiragino Kaku Gothic ProN W3" panose="020B0300000000000000" pitchFamily="34" charset="-128"/>
+                        <a:ea typeface="Hiragino Kaku Gothic ProN W3" panose="020B0300000000000000" pitchFamily="34" charset="-128"/>
+                        <a:cs typeface="Arial" panose="020B0604020202020204" pitchFamily="34" charset="0"/>
+                      </a:rPr>
+                      <a:t>Insulin</a:t>
+                    </a:r>
+                  </a:p>
+                  <a:p>
+                    <a:pPr algn="ctr"/>
+                    <a:r>
+                      <a:rPr kumimoji="1" lang="en-US" altLang="ja-JP" sz="1400" b="1" dirty="0">
+                        <a:latin typeface="Hiragino Kaku Gothic ProN W3" panose="020B0300000000000000" pitchFamily="34" charset="-128"/>
+                        <a:ea typeface="Hiragino Kaku Gothic ProN W3" panose="020B0300000000000000" pitchFamily="34" charset="-128"/>
+                        <a:cs typeface="Arial" panose="020B0604020202020204" pitchFamily="34" charset="0"/>
+                      </a:rPr>
+                      <a:t>Kinetic </a:t>
+                    </a:r>
+                    <a:r>
+                      <a:rPr kumimoji="1" lang="en-US" altLang="ja-JP" sz="1400" b="1" dirty="0" err="1">
+                        <a:latin typeface="Hiragino Kaku Gothic ProN W3" panose="020B0300000000000000" pitchFamily="34" charset="-128"/>
+                        <a:ea typeface="Hiragino Kaku Gothic ProN W3" panose="020B0300000000000000" pitchFamily="34" charset="-128"/>
+                        <a:cs typeface="Arial" panose="020B0604020202020204" pitchFamily="34" charset="0"/>
+                      </a:rPr>
+                      <a:t>submodel</a:t>
+                    </a:r>
+                    <a:endParaRPr kumimoji="1" lang="ja-JP" altLang="en-US" sz="1400" b="1">
+                      <a:latin typeface="Hiragino Kaku Gothic ProN W3" panose="020B0300000000000000" pitchFamily="34" charset="-128"/>
+                      <a:ea typeface="Hiragino Kaku Gothic ProN W3" panose="020B0300000000000000" pitchFamily="34" charset="-128"/>
+                      <a:cs typeface="Arial" panose="020B0604020202020204" pitchFamily="34" charset="0"/>
+                    </a:endParaRPr>
+                  </a:p>
+                </p:txBody>
+              </p:sp>
+              <p:sp>
+                <p:nvSpPr>
+                  <p:cNvPr id="47" name="正方形/長方形 46">
+                    <a:extLst>
+                      <a:ext uri="{FF2B5EF4-FFF2-40B4-BE49-F238E27FC236}">
+                        <a16:creationId xmlns:a16="http://schemas.microsoft.com/office/drawing/2014/main" id="{28A2D907-C95C-6165-61F0-3483B8157E57}"/>
+                      </a:ext>
+                    </a:extLst>
+                  </p:cNvPr>
+                  <p:cNvSpPr/>
+                  <p:nvPr/>
+                </p:nvSpPr>
+                <p:spPr>
+                  <a:xfrm>
+                    <a:off x="5190795" y="3307271"/>
+                    <a:ext cx="1810410" cy="734532"/>
+                  </a:xfrm>
+                  <a:prstGeom prst="rect">
+                    <a:avLst/>
+                  </a:prstGeom>
+                  <a:ln>
+                    <a:solidFill>
+                      <a:schemeClr val="tx2">
+                        <a:lumMod val="90000"/>
+                        <a:lumOff val="10000"/>
+                      </a:schemeClr>
+                    </a:solidFill>
+                  </a:ln>
+                </p:spPr>
+                <p:style>
+                  <a:lnRef idx="2">
+                    <a:schemeClr val="accent1"/>
+                  </a:lnRef>
+                  <a:fillRef idx="1">
+                    <a:schemeClr val="lt1"/>
+                  </a:fillRef>
+                  <a:effectRef idx="0">
+                    <a:schemeClr val="accent1"/>
+                  </a:effectRef>
+                  <a:fontRef idx="minor">
+                    <a:schemeClr val="dk1"/>
+                  </a:fontRef>
+                </p:style>
+                <p:txBody>
+                  <a:bodyPr rtlCol="0" anchor="ctr"/>
+                  <a:lstStyle/>
+                  <a:p>
+                    <a:pPr algn="ctr"/>
+                    <a:r>
+                      <a:rPr kumimoji="1" lang="en-US" altLang="ja-JP" sz="1400" b="1" dirty="0">
+                        <a:latin typeface="Hiragino Kaku Gothic ProN W3" panose="020B0300000000000000" pitchFamily="34" charset="-128"/>
+                        <a:ea typeface="Hiragino Kaku Gothic ProN W3" panose="020B0300000000000000" pitchFamily="34" charset="-128"/>
+                        <a:cs typeface="Arial" panose="020B0604020202020204" pitchFamily="34" charset="0"/>
+                      </a:rPr>
+                      <a:t>Core </a:t>
+                    </a:r>
+                    <a:r>
+                      <a:rPr kumimoji="1" lang="en-US" altLang="ja-JP" sz="1400" b="1" dirty="0" err="1">
+                        <a:latin typeface="Hiragino Kaku Gothic ProN W3" panose="020B0300000000000000" pitchFamily="34" charset="-128"/>
+                        <a:ea typeface="Hiragino Kaku Gothic ProN W3" panose="020B0300000000000000" pitchFamily="34" charset="-128"/>
+                        <a:cs typeface="Arial" panose="020B0604020202020204" pitchFamily="34" charset="0"/>
+                      </a:rPr>
+                      <a:t>submodel</a:t>
+                    </a:r>
+                    <a:endParaRPr kumimoji="1" lang="en-US" altLang="ja-JP" sz="1400" b="1" dirty="0">
+                      <a:latin typeface="Hiragino Kaku Gothic ProN W3" panose="020B0300000000000000" pitchFamily="34" charset="-128"/>
+                      <a:ea typeface="Hiragino Kaku Gothic ProN W3" panose="020B0300000000000000" pitchFamily="34" charset="-128"/>
+                      <a:cs typeface="Arial" panose="020B0604020202020204" pitchFamily="34" charset="0"/>
+                    </a:endParaRPr>
+                  </a:p>
+                  <a:p>
+                    <a:pPr algn="ctr"/>
+                    <a:r>
+                      <a:rPr lang="en-US" altLang="ja-JP" sz="1400" b="1" dirty="0">
+                        <a:latin typeface="Hiragino Kaku Gothic ProN W3" panose="020B0300000000000000" pitchFamily="34" charset="-128"/>
+                        <a:ea typeface="Hiragino Kaku Gothic ProN W3" panose="020B0300000000000000" pitchFamily="34" charset="-128"/>
+                        <a:cs typeface="Arial" panose="020B0604020202020204" pitchFamily="34" charset="0"/>
+                      </a:rPr>
+                      <a:t>(Bergman model)</a:t>
+                    </a:r>
+                    <a:endParaRPr kumimoji="1" lang="ja-JP" altLang="en-US" sz="1400" b="1">
+                      <a:latin typeface="Hiragino Kaku Gothic ProN W3" panose="020B0300000000000000" pitchFamily="34" charset="-128"/>
+                      <a:ea typeface="Hiragino Kaku Gothic ProN W3" panose="020B0300000000000000" pitchFamily="34" charset="-128"/>
+                      <a:cs typeface="Arial" panose="020B0604020202020204" pitchFamily="34" charset="0"/>
+                    </a:endParaRPr>
+                  </a:p>
+                </p:txBody>
+              </p:sp>
+              <p:cxnSp>
+                <p:nvCxnSpPr>
+                  <p:cNvPr id="48" name="カギ線コネクタ 47">
+                    <a:extLst>
+                      <a:ext uri="{FF2B5EF4-FFF2-40B4-BE49-F238E27FC236}">
+                        <a16:creationId xmlns:a16="http://schemas.microsoft.com/office/drawing/2014/main" id="{A1E9AACC-4CD1-9B92-0F0C-6539CFAD37A2}"/>
+                      </a:ext>
+                    </a:extLst>
+                  </p:cNvPr>
+                  <p:cNvCxnSpPr>
+                    <a:stCxn id="46" idx="3"/>
+                    <a:endCxn id="47" idx="2"/>
+                  </p:cNvCxnSpPr>
+                  <p:nvPr/>
+                </p:nvCxnSpPr>
+                <p:spPr>
+                  <a:xfrm flipV="1">
+                    <a:off x="5128439" y="4041803"/>
+                    <a:ext cx="967561" cy="224594"/>
+                  </a:xfrm>
+                  <a:prstGeom prst="bentConnector2">
+                    <a:avLst/>
+                  </a:prstGeom>
+                  <a:ln>
+                    <a:tailEnd type="triangle"/>
+                  </a:ln>
+                </p:spPr>
+                <p:style>
+                  <a:lnRef idx="2">
+                    <a:schemeClr val="dk1"/>
+                  </a:lnRef>
+                  <a:fillRef idx="0">
+                    <a:schemeClr val="dk1"/>
+                  </a:fillRef>
+                  <a:effectRef idx="1">
+                    <a:schemeClr val="dk1"/>
+                  </a:effectRef>
+                  <a:fontRef idx="minor">
+                    <a:schemeClr val="tx1"/>
+                  </a:fontRef>
+                </p:style>
+              </p:cxnSp>
+              <p:sp>
+                <p:nvSpPr>
+                  <p:cNvPr id="49" name="正方形/長方形 48">
+                    <a:extLst>
+                      <a:ext uri="{FF2B5EF4-FFF2-40B4-BE49-F238E27FC236}">
+                        <a16:creationId xmlns:a16="http://schemas.microsoft.com/office/drawing/2014/main" id="{169A1ADE-4340-ACF9-6ADC-5C0014862D57}"/>
+                      </a:ext>
+                    </a:extLst>
+                  </p:cNvPr>
+                  <p:cNvSpPr/>
+                  <p:nvPr/>
+                </p:nvSpPr>
+                <p:spPr>
+                  <a:xfrm>
+                    <a:off x="7215243" y="3307271"/>
+                    <a:ext cx="1810410" cy="734532"/>
+                  </a:xfrm>
+                  <a:prstGeom prst="rect">
+                    <a:avLst/>
+                  </a:prstGeom>
+                  <a:ln>
+                    <a:solidFill>
+                      <a:schemeClr val="tx2">
+                        <a:lumMod val="90000"/>
+                        <a:lumOff val="10000"/>
+                      </a:schemeClr>
+                    </a:solidFill>
+                  </a:ln>
+                </p:spPr>
+                <p:style>
+                  <a:lnRef idx="2">
+                    <a:schemeClr val="accent1"/>
+                  </a:lnRef>
+                  <a:fillRef idx="1">
+                    <a:schemeClr val="lt1"/>
+                  </a:fillRef>
+                  <a:effectRef idx="0">
+                    <a:schemeClr val="accent1"/>
+                  </a:effectRef>
+                  <a:fontRef idx="minor">
+                    <a:schemeClr val="dk1"/>
+                  </a:fontRef>
+                </p:style>
+                <p:txBody>
+                  <a:bodyPr rtlCol="0" anchor="ctr"/>
+                  <a:lstStyle/>
+                  <a:p>
+                    <a:pPr algn="ctr"/>
+                    <a:r>
+                      <a:rPr kumimoji="1" lang="en-US" altLang="ja-JP" sz="1400" b="1" dirty="0">
+                        <a:latin typeface="Hiragino Kaku Gothic ProN W3" panose="020B0300000000000000" pitchFamily="34" charset="-128"/>
+                        <a:ea typeface="Hiragino Kaku Gothic ProN W3" panose="020B0300000000000000" pitchFamily="34" charset="-128"/>
+                        <a:cs typeface="Arial" panose="020B0604020202020204" pitchFamily="34" charset="0"/>
+                      </a:rPr>
+                      <a:t>Nonlinear</a:t>
+                    </a:r>
+                  </a:p>
+                  <a:p>
+                    <a:pPr algn="ctr"/>
+                    <a:r>
+                      <a:rPr lang="en-US" altLang="ja-JP" sz="1400" b="1" dirty="0">
+                        <a:latin typeface="Hiragino Kaku Gothic ProN W3" panose="020B0300000000000000" pitchFamily="34" charset="-128"/>
+                        <a:ea typeface="Hiragino Kaku Gothic ProN W3" panose="020B0300000000000000" pitchFamily="34" charset="-128"/>
+                        <a:cs typeface="Arial" panose="020B0604020202020204" pitchFamily="34" charset="0"/>
+                      </a:rPr>
+                      <a:t>Programing</a:t>
+                    </a:r>
+                    <a:endParaRPr kumimoji="1" lang="ja-JP" altLang="en-US" sz="1400" b="1">
+                      <a:latin typeface="Hiragino Kaku Gothic ProN W3" panose="020B0300000000000000" pitchFamily="34" charset="-128"/>
+                      <a:ea typeface="Hiragino Kaku Gothic ProN W3" panose="020B0300000000000000" pitchFamily="34" charset="-128"/>
+                      <a:cs typeface="Arial" panose="020B0604020202020204" pitchFamily="34" charset="0"/>
+                    </a:endParaRPr>
+                  </a:p>
+                </p:txBody>
+              </p:sp>
+              <p:sp>
+                <p:nvSpPr>
+                  <p:cNvPr id="50" name="テキスト ボックス 49">
+                    <a:extLst>
+                      <a:ext uri="{FF2B5EF4-FFF2-40B4-BE49-F238E27FC236}">
+                        <a16:creationId xmlns:a16="http://schemas.microsoft.com/office/drawing/2014/main" id="{B07EE000-F797-AF5C-D4FE-E598A9DBD1EB}"/>
+                      </a:ext>
+                    </a:extLst>
+                  </p:cNvPr>
+                  <p:cNvSpPr txBox="1"/>
+                  <p:nvPr/>
+                </p:nvSpPr>
+                <p:spPr>
+                  <a:xfrm>
+                    <a:off x="7336463" y="2937939"/>
+                    <a:ext cx="1805302" cy="369332"/>
+                  </a:xfrm>
+                  <a:prstGeom prst="rect">
+                    <a:avLst/>
+                  </a:prstGeom>
+                  <a:noFill/>
+                </p:spPr>
+                <p:txBody>
+                  <a:bodyPr wrap="none" rtlCol="0">
+                    <a:spAutoFit/>
+                  </a:bodyPr>
+                  <a:lstStyle/>
+                  <a:p>
+                    <a:r>
+                      <a:rPr kumimoji="1" lang="en-US" altLang="ja-JP" dirty="0"/>
+                      <a:t>Nonlinear MPC</a:t>
+                    </a:r>
+                    <a:endParaRPr kumimoji="1" lang="ja-JP" altLang="en-US"/>
+                  </a:p>
+                </p:txBody>
+              </p:sp>
+            </p:grpSp>
+            <mc:AlternateContent xmlns:mc="http://schemas.openxmlformats.org/markup-compatibility/2006">
+              <mc:Choice xmlns:a14="http://schemas.microsoft.com/office/drawing/2010/main" Requires="a14">
+                <p:sp>
+                  <p:nvSpPr>
+                    <p:cNvPr id="27" name="テキスト ボックス 26">
+                      <a:extLst>
+                        <a:ext uri="{FF2B5EF4-FFF2-40B4-BE49-F238E27FC236}">
+                          <a16:creationId xmlns:a16="http://schemas.microsoft.com/office/drawing/2014/main" id="{12770728-D3E7-1402-48B8-94D9DF6CDD69}"/>
+                        </a:ext>
+                      </a:extLst>
+                    </p:cNvPr>
+                    <p:cNvSpPr txBox="1"/>
+                    <p:nvPr/>
+                  </p:nvSpPr>
+                  <p:spPr>
+                    <a:xfrm>
+                      <a:off x="4001906" y="1966727"/>
+                      <a:ext cx="648059" cy="276999"/>
+                    </a:xfrm>
+                    <a:prstGeom prst="rect">
+                      <a:avLst/>
+                    </a:prstGeom>
+                    <a:noFill/>
+                  </p:spPr>
+                  <p:txBody>
+                    <a:bodyPr wrap="square" lIns="0" tIns="0" rIns="0" bIns="0" rtlCol="0">
+                      <a:spAutoFit/>
+                    </a:bodyPr>
+                    <a:lstStyle/>
+                    <a:p>
+                      <a:pPr/>
+                      <a14:m>
+                        <m:oMathPara xmlns:m="http://schemas.openxmlformats.org/officeDocument/2006/math">
+                          <m:oMathParaPr>
+                            <m:jc m:val="centerGroup"/>
+                          </m:oMathParaPr>
+                          <m:oMath xmlns:m="http://schemas.openxmlformats.org/officeDocument/2006/math">
+                            <m:sSub>
+                              <m:sSubPr>
+                                <m:ctrlPr>
+                                  <a:rPr kumimoji="1" lang="en-US" altLang="ja-JP" b="0" i="1" smtClean="0">
+                                    <a:latin typeface="Cambria Math" panose="02040503050406030204" pitchFamily="18" charset="0"/>
+                                  </a:rPr>
+                                </m:ctrlPr>
+                              </m:sSubPr>
+                              <m:e>
+                                <m:r>
+                                  <a:rPr kumimoji="1" lang="en-US" altLang="ja-JP" b="0" i="1" smtClean="0">
+                                    <a:latin typeface="Cambria Math" panose="02040503050406030204" pitchFamily="18" charset="0"/>
+                                  </a:rPr>
+                                  <m:t>𝑅</m:t>
+                                </m:r>
+                              </m:e>
+                              <m:sub>
+                                <m:r>
+                                  <a:rPr kumimoji="1" lang="en-US" altLang="ja-JP" b="0" i="1" smtClean="0">
+                                    <a:latin typeface="Cambria Math" panose="02040503050406030204" pitchFamily="18" charset="0"/>
+                                  </a:rPr>
+                                  <m:t>𝑎</m:t>
+                                </m:r>
+                              </m:sub>
+                            </m:sSub>
+                          </m:oMath>
+                        </m:oMathPara>
+                      </a14:m>
+                      <a:endParaRPr kumimoji="1" lang="ja-JP" altLang="en-US"/>
+                    </a:p>
+                  </p:txBody>
+                </p:sp>
+              </mc:Choice>
+              <mc:Fallback>
+                <p:sp>
+                  <p:nvSpPr>
+                    <p:cNvPr id="27" name="テキスト ボックス 26">
+                      <a:extLst>
+                        <a:ext uri="{FF2B5EF4-FFF2-40B4-BE49-F238E27FC236}">
+                          <a16:creationId xmlns:a16="http://schemas.microsoft.com/office/drawing/2014/main" id="{12770728-D3E7-1402-48B8-94D9DF6CDD69}"/>
+                        </a:ext>
+                      </a:extLst>
+                    </p:cNvPr>
+                    <p:cNvSpPr txBox="1">
+                      <a:spLocks noRot="1" noChangeAspect="1" noMove="1" noResize="1" noEditPoints="1" noAdjustHandles="1" noChangeArrowheads="1" noChangeShapeType="1" noTextEdit="1"/>
+                    </p:cNvSpPr>
+                    <p:nvPr/>
+                  </p:nvSpPr>
+                  <p:spPr>
+                    <a:xfrm>
+                      <a:off x="4001906" y="1966727"/>
+                      <a:ext cx="648059" cy="276999"/>
+                    </a:xfrm>
+                    <a:prstGeom prst="rect">
+                      <a:avLst/>
+                    </a:prstGeom>
+                    <a:blipFill>
+                      <a:blip r:embed="rId2"/>
+                      <a:stretch>
+                        <a:fillRect b="-8696"/>
+                      </a:stretch>
+                    </a:blipFill>
+                  </p:spPr>
+                  <p:txBody>
+                    <a:bodyPr/>
+                    <a:lstStyle/>
+                    <a:p>
+                      <a:r>
+                        <a:rPr lang="ja-JP" altLang="en-US">
+                          <a:noFill/>
+                        </a:rPr>
+                        <a:t> </a:t>
+                      </a:r>
+                    </a:p>
+                  </p:txBody>
+                </p:sp>
+              </mc:Fallback>
+            </mc:AlternateContent>
+            <mc:AlternateContent xmlns:mc="http://schemas.openxmlformats.org/markup-compatibility/2006">
+              <mc:Choice xmlns:a14="http://schemas.microsoft.com/office/drawing/2010/main" Requires="a14">
+                <p:sp>
+                  <p:nvSpPr>
+                    <p:cNvPr id="28" name="テキスト ボックス 27">
+                      <a:extLst>
+                        <a:ext uri="{FF2B5EF4-FFF2-40B4-BE49-F238E27FC236}">
+                          <a16:creationId xmlns:a16="http://schemas.microsoft.com/office/drawing/2014/main" id="{6ACEC2D0-2C6B-F2EB-E9ED-C9F6A051773B}"/>
+                        </a:ext>
+                      </a:extLst>
+                    </p:cNvPr>
+                    <p:cNvSpPr txBox="1"/>
+                    <p:nvPr/>
+                  </p:nvSpPr>
+                  <p:spPr>
+                    <a:xfrm>
+                      <a:off x="10034169" y="1612983"/>
+                      <a:ext cx="812337" cy="369332"/>
+                    </a:xfrm>
+                    <a:prstGeom prst="rect">
+                      <a:avLst/>
+                    </a:prstGeom>
+                    <a:noFill/>
+                  </p:spPr>
+                  <p:txBody>
+                    <a:bodyPr wrap="square" rtlCol="0">
+                      <a:spAutoFit/>
+                    </a:bodyPr>
+                    <a:lstStyle/>
+                    <a:p>
+                      <a:pPr/>
+                      <a14:m>
+                        <m:oMathPara xmlns:m="http://schemas.openxmlformats.org/officeDocument/2006/math">
+                          <m:oMathParaPr>
+                            <m:jc m:val="centerGroup"/>
+                          </m:oMathParaPr>
+                          <m:oMath xmlns:m="http://schemas.openxmlformats.org/officeDocument/2006/math">
+                            <m:sSub>
+                              <m:sSubPr>
+                                <m:ctrlPr>
+                                  <a:rPr kumimoji="1" lang="en-US" altLang="ja-JP" i="1" smtClean="0">
+                                    <a:latin typeface="Cambria Math" panose="02040503050406030204" pitchFamily="18" charset="0"/>
+                                  </a:rPr>
+                                </m:ctrlPr>
+                              </m:sSubPr>
+                              <m:e>
+                                <m:r>
+                                  <a:rPr kumimoji="1" lang="en-US" altLang="ja-JP" b="0" i="1" smtClean="0">
+                                    <a:latin typeface="Cambria Math" panose="02040503050406030204" pitchFamily="18" charset="0"/>
+                                  </a:rPr>
+                                  <m:t>𝑑</m:t>
+                                </m:r>
+                              </m:e>
+                              <m:sub>
+                                <m:r>
+                                  <a:rPr kumimoji="1" lang="en-US" altLang="ja-JP" b="0" i="1" smtClean="0">
+                                    <a:latin typeface="Cambria Math" panose="02040503050406030204" pitchFamily="18" charset="0"/>
+                                  </a:rPr>
+                                  <m:t>𝑚𝑒𝑎𝑙</m:t>
+                                </m:r>
+                              </m:sub>
+                            </m:sSub>
+                          </m:oMath>
+                        </m:oMathPara>
+                      </a14:m>
+                      <a:endParaRPr kumimoji="1" lang="ja-JP" altLang="en-US"/>
+                    </a:p>
+                  </p:txBody>
+                </p:sp>
+              </mc:Choice>
+              <mc:Fallback>
+                <p:sp>
+                  <p:nvSpPr>
+                    <p:cNvPr id="28" name="テキスト ボックス 27">
+                      <a:extLst>
+                        <a:ext uri="{FF2B5EF4-FFF2-40B4-BE49-F238E27FC236}">
+                          <a16:creationId xmlns:a16="http://schemas.microsoft.com/office/drawing/2014/main" id="{6ACEC2D0-2C6B-F2EB-E9ED-C9F6A051773B}"/>
+                        </a:ext>
+                      </a:extLst>
+                    </p:cNvPr>
+                    <p:cNvSpPr txBox="1">
+                      <a:spLocks noRot="1" noChangeAspect="1" noMove="1" noResize="1" noEditPoints="1" noAdjustHandles="1" noChangeArrowheads="1" noChangeShapeType="1" noTextEdit="1"/>
+                    </p:cNvSpPr>
+                    <p:nvPr/>
+                  </p:nvSpPr>
+                  <p:spPr>
+                    <a:xfrm>
+                      <a:off x="10034169" y="1612983"/>
+                      <a:ext cx="812337" cy="369332"/>
+                    </a:xfrm>
+                    <a:prstGeom prst="rect">
+                      <a:avLst/>
+                    </a:prstGeom>
+                    <a:blipFill>
+                      <a:blip r:embed="rId3"/>
+                      <a:stretch>
+                        <a:fillRect/>
+                      </a:stretch>
+                    </a:blipFill>
+                  </p:spPr>
+                  <p:txBody>
+                    <a:bodyPr/>
+                    <a:lstStyle/>
+                    <a:p>
+                      <a:r>
+                        <a:rPr lang="ja-JP" altLang="en-US">
+                          <a:noFill/>
+                        </a:rPr>
+                        <a:t> </a:t>
+                      </a:r>
+                    </a:p>
+                  </p:txBody>
+                </p:sp>
+              </mc:Fallback>
+            </mc:AlternateContent>
+            <p:cxnSp>
+              <p:nvCxnSpPr>
+                <p:cNvPr id="29" name="直線矢印コネクタ 28">
+                  <a:extLst>
+                    <a:ext uri="{FF2B5EF4-FFF2-40B4-BE49-F238E27FC236}">
+                      <a16:creationId xmlns:a16="http://schemas.microsoft.com/office/drawing/2014/main" id="{1BA3840E-A789-7C62-8A58-089E15935AED}"/>
+                    </a:ext>
+                  </a:extLst>
+                </p:cNvPr>
+                <p:cNvCxnSpPr>
+                  <a:stCxn id="45" idx="3"/>
+                  <a:endCxn id="24" idx="1"/>
+                </p:cNvCxnSpPr>
+                <p:nvPr/>
+              </p:nvCxnSpPr>
+              <p:spPr>
+                <a:xfrm flipV="1">
+                  <a:off x="8339262" y="3933367"/>
+                  <a:ext cx="689813" cy="1"/>
+                </a:xfrm>
+                <a:prstGeom prst="straightConnector1">
+                  <a:avLst/>
+                </a:prstGeom>
+                <a:ln>
+                  <a:tailEnd type="triangle"/>
+                </a:ln>
+              </p:spPr>
+              <p:style>
+                <a:lnRef idx="2">
+                  <a:schemeClr val="dk1"/>
+                </a:lnRef>
+                <a:fillRef idx="0">
+                  <a:schemeClr val="dk1"/>
+                </a:fillRef>
+                <a:effectRef idx="1">
+                  <a:schemeClr val="dk1"/>
+                </a:effectRef>
+                <a:fontRef idx="minor">
+                  <a:schemeClr val="tx1"/>
+                </a:fontRef>
+              </p:style>
+            </p:cxnSp>
+            <p:sp>
+              <p:nvSpPr>
+                <p:cNvPr id="30" name="正方形/長方形 29">
+                  <a:extLst>
+                    <a:ext uri="{FF2B5EF4-FFF2-40B4-BE49-F238E27FC236}">
+                      <a16:creationId xmlns:a16="http://schemas.microsoft.com/office/drawing/2014/main" id="{30424CBC-224C-4F9B-54B8-2B8B8816E241}"/>
+                    </a:ext>
+                  </a:extLst>
+                </p:cNvPr>
+                <p:cNvSpPr/>
+                <p:nvPr/>
+              </p:nvSpPr>
+              <p:spPr>
+                <a:xfrm>
+                  <a:off x="5238679" y="5214256"/>
+                  <a:ext cx="1756657" cy="631688"/>
+                </a:xfrm>
+                <a:prstGeom prst="rect">
+                  <a:avLst/>
+                </a:prstGeom>
+                <a:ln>
+                  <a:solidFill>
+                    <a:schemeClr val="tx2">
+                      <a:lumMod val="90000"/>
+                      <a:lumOff val="10000"/>
+                    </a:schemeClr>
+                  </a:solidFill>
+                </a:ln>
+              </p:spPr>
+              <p:style>
+                <a:lnRef idx="2">
+                  <a:schemeClr val="accent1"/>
+                </a:lnRef>
+                <a:fillRef idx="1">
+                  <a:schemeClr val="lt1"/>
+                </a:fillRef>
+                <a:effectRef idx="0">
+                  <a:schemeClr val="accent1"/>
+                </a:effectRef>
+                <a:fontRef idx="minor">
+                  <a:schemeClr val="dk1"/>
+                </a:fontRef>
+              </p:style>
+              <p:txBody>
+                <a:bodyPr rtlCol="0" anchor="ctr"/>
+                <a:lstStyle/>
+                <a:p>
+                  <a:pPr algn="ctr"/>
+                  <a:r>
+                    <a:rPr kumimoji="1" lang="en-US" altLang="ja-JP" sz="1400" b="1" dirty="0">
+                      <a:latin typeface="Hiragino Kaku Gothic ProN W3" panose="020B0300000000000000" pitchFamily="34" charset="-128"/>
+                      <a:ea typeface="Hiragino Kaku Gothic ProN W3" panose="020B0300000000000000" pitchFamily="34" charset="-128"/>
+                      <a:cs typeface="Arial" panose="020B0604020202020204" pitchFamily="34" charset="0"/>
+                    </a:rPr>
+                    <a:t>Estimator</a:t>
+                  </a:r>
+                </a:p>
+              </p:txBody>
+            </p:sp>
+            <p:cxnSp>
+              <p:nvCxnSpPr>
+                <p:cNvPr id="31" name="カギ線コネクタ 30">
+                  <a:extLst>
+                    <a:ext uri="{FF2B5EF4-FFF2-40B4-BE49-F238E27FC236}">
+                      <a16:creationId xmlns:a16="http://schemas.microsoft.com/office/drawing/2014/main" id="{01D9516D-55C8-B5CD-0D5D-C8923CEAF24D}"/>
+                    </a:ext>
+                  </a:extLst>
+                </p:cNvPr>
+                <p:cNvCxnSpPr>
+                  <a:stCxn id="24" idx="3"/>
+                </p:cNvCxnSpPr>
+                <p:nvPr/>
+              </p:nvCxnSpPr>
+              <p:spPr>
+                <a:xfrm flipH="1">
+                  <a:off x="6995336" y="3933367"/>
+                  <a:ext cx="4229123" cy="1760272"/>
+                </a:xfrm>
+                <a:prstGeom prst="bentConnector3">
+                  <a:avLst>
+                    <a:gd name="adj1" fmla="val -5405"/>
+                  </a:avLst>
+                </a:prstGeom>
+                <a:ln>
+                  <a:tailEnd type="triangle"/>
+                </a:ln>
+              </p:spPr>
+              <p:style>
+                <a:lnRef idx="2">
+                  <a:schemeClr val="dk1"/>
+                </a:lnRef>
+                <a:fillRef idx="0">
+                  <a:schemeClr val="dk1"/>
+                </a:fillRef>
+                <a:effectRef idx="1">
+                  <a:schemeClr val="dk1"/>
+                </a:effectRef>
+                <a:fontRef idx="minor">
+                  <a:schemeClr val="tx1"/>
+                </a:fontRef>
+              </p:style>
+            </p:cxnSp>
+            <p:cxnSp>
+              <p:nvCxnSpPr>
+                <p:cNvPr id="32" name="カギ線コネクタ 31">
+                  <a:extLst>
+                    <a:ext uri="{FF2B5EF4-FFF2-40B4-BE49-F238E27FC236}">
+                      <a16:creationId xmlns:a16="http://schemas.microsoft.com/office/drawing/2014/main" id="{8DCF664D-52C1-B748-4EB9-43A0C5D233B6}"/>
+                    </a:ext>
+                  </a:extLst>
+                </p:cNvPr>
+                <p:cNvCxnSpPr/>
+                <p:nvPr/>
+              </p:nvCxnSpPr>
+              <p:spPr>
+                <a:xfrm rot="10800000" flipV="1">
+                  <a:off x="6995336" y="3933367"/>
+                  <a:ext cx="1688832" cy="1472010"/>
+                </a:xfrm>
+                <a:prstGeom prst="bentConnector3">
+                  <a:avLst>
+                    <a:gd name="adj1" fmla="val 654"/>
+                  </a:avLst>
+                </a:prstGeom>
+                <a:ln>
+                  <a:tailEnd type="triangle"/>
+                </a:ln>
+              </p:spPr>
+              <p:style>
+                <a:lnRef idx="2">
+                  <a:schemeClr val="dk1"/>
+                </a:lnRef>
+                <a:fillRef idx="0">
+                  <a:schemeClr val="dk1"/>
+                </a:fillRef>
+                <a:effectRef idx="1">
+                  <a:schemeClr val="dk1"/>
+                </a:effectRef>
+                <a:fontRef idx="minor">
+                  <a:schemeClr val="tx1"/>
+                </a:fontRef>
+              </p:style>
+            </p:cxnSp>
+            <mc:AlternateContent xmlns:mc="http://schemas.openxmlformats.org/markup-compatibility/2006">
+              <mc:Choice xmlns:a14="http://schemas.microsoft.com/office/drawing/2010/main" Requires="a14">
+                <p:sp>
+                  <p:nvSpPr>
+                    <p:cNvPr id="33" name="テキスト ボックス 32">
+                      <a:extLst>
+                        <a:ext uri="{FF2B5EF4-FFF2-40B4-BE49-F238E27FC236}">
+                          <a16:creationId xmlns:a16="http://schemas.microsoft.com/office/drawing/2014/main" id="{DF80E100-C5AF-8E0E-0A05-67E3AE962492}"/>
+                        </a:ext>
+                      </a:extLst>
+                    </p:cNvPr>
+                    <p:cNvSpPr txBox="1"/>
+                    <p:nvPr/>
+                  </p:nvSpPr>
+                  <p:spPr>
+                    <a:xfrm>
+                      <a:off x="8381703" y="3586482"/>
+                      <a:ext cx="561500" cy="298415"/>
+                    </a:xfrm>
+                    <a:prstGeom prst="rect">
+                      <a:avLst/>
+                    </a:prstGeom>
+                    <a:noFill/>
+                  </p:spPr>
+                  <p:txBody>
+                    <a:bodyPr wrap="none" lIns="0" tIns="0" rIns="0" bIns="0" rtlCol="0">
+                      <a:spAutoFit/>
+                    </a:bodyPr>
+                    <a:lstStyle/>
+                    <a:p>
+                      <a:pPr/>
+                      <a14:m>
+                        <m:oMathPara xmlns:m="http://schemas.openxmlformats.org/officeDocument/2006/math">
+                          <m:oMathParaPr>
+                            <m:jc m:val="centerGroup"/>
+                          </m:oMathParaPr>
+                          <m:oMath xmlns:m="http://schemas.openxmlformats.org/officeDocument/2006/math">
+                            <m:sSub>
+                              <m:sSubPr>
+                                <m:ctrlPr>
+                                  <a:rPr kumimoji="1" lang="en-US" altLang="ja-JP" b="0" i="1" smtClean="0">
+                                    <a:latin typeface="Cambria Math" panose="02040503050406030204" pitchFamily="18" charset="0"/>
+                                  </a:rPr>
+                                </m:ctrlPr>
+                              </m:sSubPr>
+                              <m:e>
+                                <m:r>
+                                  <a:rPr kumimoji="1" lang="en-US" altLang="ja-JP" b="0" i="1" smtClean="0">
+                                    <a:latin typeface="Cambria Math" panose="02040503050406030204" pitchFamily="18" charset="0"/>
+                                  </a:rPr>
+                                  <m:t>𝑢</m:t>
+                                </m:r>
+                              </m:e>
+                              <m:sub>
+                                <m:r>
+                                  <a:rPr kumimoji="1" lang="en-US" altLang="ja-JP" b="0" i="1" smtClean="0">
+                                    <a:latin typeface="Cambria Math" panose="02040503050406030204" pitchFamily="18" charset="0"/>
+                                  </a:rPr>
+                                  <m:t>𝑚𝑝𝑐</m:t>
+                                </m:r>
+                              </m:sub>
+                            </m:sSub>
+                          </m:oMath>
+                        </m:oMathPara>
+                      </a14:m>
+                      <a:endParaRPr kumimoji="1" lang="ja-JP" altLang="en-US"/>
+                    </a:p>
+                  </p:txBody>
+                </p:sp>
+              </mc:Choice>
+              <mc:Fallback>
+                <p:sp>
+                  <p:nvSpPr>
+                    <p:cNvPr id="33" name="テキスト ボックス 32">
+                      <a:extLst>
+                        <a:ext uri="{FF2B5EF4-FFF2-40B4-BE49-F238E27FC236}">
+                          <a16:creationId xmlns:a16="http://schemas.microsoft.com/office/drawing/2014/main" id="{DF80E100-C5AF-8E0E-0A05-67E3AE962492}"/>
+                        </a:ext>
+                      </a:extLst>
+                    </p:cNvPr>
+                    <p:cNvSpPr txBox="1">
+                      <a:spLocks noRot="1" noChangeAspect="1" noMove="1" noResize="1" noEditPoints="1" noAdjustHandles="1" noChangeArrowheads="1" noChangeShapeType="1" noTextEdit="1"/>
+                    </p:cNvSpPr>
+                    <p:nvPr/>
+                  </p:nvSpPr>
+                  <p:spPr>
+                    <a:xfrm>
+                      <a:off x="8381703" y="3586482"/>
+                      <a:ext cx="561500" cy="298415"/>
+                    </a:xfrm>
+                    <a:prstGeom prst="rect">
+                      <a:avLst/>
+                    </a:prstGeom>
+                    <a:blipFill>
+                      <a:blip r:embed="rId4"/>
+                      <a:stretch>
+                        <a:fillRect l="-4444" r="-2222" b="-16000"/>
+                      </a:stretch>
+                    </a:blipFill>
+                  </p:spPr>
+                  <p:txBody>
+                    <a:bodyPr/>
+                    <a:lstStyle/>
+                    <a:p>
+                      <a:r>
+                        <a:rPr lang="ja-JP" altLang="en-US">
+                          <a:noFill/>
+                        </a:rPr>
+                        <a:t> </a:t>
+                      </a:r>
+                    </a:p>
+                  </p:txBody>
+                </p:sp>
+              </mc:Fallback>
+            </mc:AlternateContent>
+            <mc:AlternateContent xmlns:mc="http://schemas.openxmlformats.org/markup-compatibility/2006">
+              <mc:Choice xmlns:a14="http://schemas.microsoft.com/office/drawing/2010/main" Requires="a14">
+                <p:sp>
+                  <p:nvSpPr>
+                    <p:cNvPr id="34" name="テキスト ボックス 33">
+                      <a:extLst>
+                        <a:ext uri="{FF2B5EF4-FFF2-40B4-BE49-F238E27FC236}">
+                          <a16:creationId xmlns:a16="http://schemas.microsoft.com/office/drawing/2014/main" id="{0601B682-AA34-2309-B1B9-3365FBCB14FD}"/>
+                        </a:ext>
+                      </a:extLst>
+                    </p:cNvPr>
+                    <p:cNvSpPr txBox="1"/>
+                    <p:nvPr/>
+                  </p:nvSpPr>
+                  <p:spPr>
+                    <a:xfrm>
+                      <a:off x="11490686" y="3656368"/>
+                      <a:ext cx="221727" cy="276999"/>
+                    </a:xfrm>
+                    <a:prstGeom prst="rect">
+                      <a:avLst/>
+                    </a:prstGeom>
+                    <a:noFill/>
+                  </p:spPr>
+                  <p:txBody>
+                    <a:bodyPr wrap="none" lIns="0" tIns="0" rIns="0" bIns="0" rtlCol="0">
+                      <a:spAutoFit/>
+                    </a:bodyPr>
+                    <a:lstStyle/>
+                    <a:p>
+                      <a:pPr/>
+                      <a14:m>
+                        <m:oMathPara xmlns:m="http://schemas.openxmlformats.org/officeDocument/2006/math">
+                          <m:oMathParaPr>
+                            <m:jc m:val="centerGroup"/>
+                          </m:oMathParaPr>
+                          <m:oMath xmlns:m="http://schemas.openxmlformats.org/officeDocument/2006/math">
+                            <m:r>
+                              <a:rPr kumimoji="1" lang="en-US" altLang="ja-JP" b="0" i="1" smtClean="0">
+                                <a:latin typeface="Cambria Math" panose="02040503050406030204" pitchFamily="18" charset="0"/>
+                              </a:rPr>
+                              <m:t>𝐺</m:t>
+                            </m:r>
+                          </m:oMath>
+                        </m:oMathPara>
+                      </a14:m>
+                      <a:endParaRPr kumimoji="1" lang="ja-JP" altLang="en-US"/>
+                    </a:p>
+                  </p:txBody>
+                </p:sp>
+              </mc:Choice>
+              <mc:Fallback>
+                <p:sp>
+                  <p:nvSpPr>
+                    <p:cNvPr id="34" name="テキスト ボックス 33">
+                      <a:extLst>
+                        <a:ext uri="{FF2B5EF4-FFF2-40B4-BE49-F238E27FC236}">
+                          <a16:creationId xmlns:a16="http://schemas.microsoft.com/office/drawing/2014/main" id="{0601B682-AA34-2309-B1B9-3365FBCB14FD}"/>
+                        </a:ext>
+                      </a:extLst>
+                    </p:cNvPr>
+                    <p:cNvSpPr txBox="1">
+                      <a:spLocks noRot="1" noChangeAspect="1" noMove="1" noResize="1" noEditPoints="1" noAdjustHandles="1" noChangeArrowheads="1" noChangeShapeType="1" noTextEdit="1"/>
+                    </p:cNvSpPr>
+                    <p:nvPr/>
+                  </p:nvSpPr>
+                  <p:spPr>
+                    <a:xfrm>
+                      <a:off x="11490686" y="3656368"/>
+                      <a:ext cx="221727" cy="276999"/>
+                    </a:xfrm>
+                    <a:prstGeom prst="rect">
+                      <a:avLst/>
+                    </a:prstGeom>
+                    <a:blipFill>
+                      <a:blip r:embed="rId5"/>
+                      <a:stretch>
+                        <a:fillRect l="-22222" r="-16667" b="-8696"/>
+                      </a:stretch>
+                    </a:blipFill>
+                  </p:spPr>
+                  <p:txBody>
+                    <a:bodyPr/>
+                    <a:lstStyle/>
+                    <a:p>
+                      <a:r>
+                        <a:rPr lang="ja-JP" altLang="en-US">
+                          <a:noFill/>
+                        </a:rPr>
+                        <a:t> </a:t>
+                      </a:r>
+                    </a:p>
+                  </p:txBody>
+                </p:sp>
+              </mc:Fallback>
+            </mc:AlternateContent>
+            <p:cxnSp>
+              <p:nvCxnSpPr>
+                <p:cNvPr id="35" name="カギ線コネクタ 34">
+                  <a:extLst>
+                    <a:ext uri="{FF2B5EF4-FFF2-40B4-BE49-F238E27FC236}">
+                      <a16:creationId xmlns:a16="http://schemas.microsoft.com/office/drawing/2014/main" id="{7240ACBB-94F6-041B-55FC-30FB6FE7B6CB}"/>
+                    </a:ext>
+                  </a:extLst>
+                </p:cNvPr>
+                <p:cNvCxnSpPr/>
+                <p:nvPr/>
+              </p:nvCxnSpPr>
+              <p:spPr>
+                <a:xfrm rot="10800000">
+                  <a:off x="2244780" y="4522090"/>
+                  <a:ext cx="2993900" cy="916761"/>
+                </a:xfrm>
+                <a:prstGeom prst="bentConnector3">
+                  <a:avLst>
+                    <a:gd name="adj1" fmla="val 115337"/>
+                  </a:avLst>
+                </a:prstGeom>
+                <a:ln>
+                  <a:tailEnd type="triangle"/>
+                </a:ln>
+              </p:spPr>
+              <p:style>
+                <a:lnRef idx="2">
+                  <a:schemeClr val="dk1"/>
+                </a:lnRef>
+                <a:fillRef idx="0">
+                  <a:schemeClr val="dk1"/>
+                </a:fillRef>
+                <a:effectRef idx="1">
+                  <a:schemeClr val="dk1"/>
+                </a:effectRef>
+                <a:fontRef idx="minor">
+                  <a:schemeClr val="tx1"/>
+                </a:fontRef>
+              </p:style>
+            </p:cxnSp>
+            <p:cxnSp>
+              <p:nvCxnSpPr>
+                <p:cNvPr id="36" name="直線矢印コネクタ 35">
+                  <a:extLst>
+                    <a:ext uri="{FF2B5EF4-FFF2-40B4-BE49-F238E27FC236}">
+                      <a16:creationId xmlns:a16="http://schemas.microsoft.com/office/drawing/2014/main" id="{93A409DF-4AB9-47E1-26DC-007822F7C9A1}"/>
+                    </a:ext>
+                  </a:extLst>
+                </p:cNvPr>
+                <p:cNvCxnSpPr/>
+                <p:nvPr/>
+              </p:nvCxnSpPr>
+              <p:spPr>
+                <a:xfrm>
+                  <a:off x="10126767" y="1296365"/>
+                  <a:ext cx="0" cy="2251586"/>
+                </a:xfrm>
+                <a:prstGeom prst="straightConnector1">
+                  <a:avLst/>
+                </a:prstGeom>
+                <a:ln>
+                  <a:tailEnd type="triangle"/>
+                </a:ln>
+              </p:spPr>
+              <p:style>
+                <a:lnRef idx="2">
+                  <a:schemeClr val="dk1"/>
+                </a:lnRef>
+                <a:fillRef idx="0">
+                  <a:schemeClr val="dk1"/>
+                </a:fillRef>
+                <a:effectRef idx="1">
+                  <a:schemeClr val="dk1"/>
+                </a:effectRef>
+                <a:fontRef idx="minor">
+                  <a:schemeClr val="tx1"/>
+                </a:fontRef>
+              </p:style>
+            </p:cxnSp>
+            <p:cxnSp>
+              <p:nvCxnSpPr>
+                <p:cNvPr id="37" name="直線矢印コネクタ 36">
+                  <a:extLst>
+                    <a:ext uri="{FF2B5EF4-FFF2-40B4-BE49-F238E27FC236}">
+                      <a16:creationId xmlns:a16="http://schemas.microsoft.com/office/drawing/2014/main" id="{D6E16A70-C23F-9261-3194-139D7EC5DDBC}"/>
+                    </a:ext>
+                  </a:extLst>
+                </p:cNvPr>
+                <p:cNvCxnSpPr>
+                  <a:endCxn id="25" idx="3"/>
+                </p:cNvCxnSpPr>
+                <p:nvPr/>
+              </p:nvCxnSpPr>
+              <p:spPr>
+                <a:xfrm flipH="1">
+                  <a:off x="6665170" y="2298932"/>
+                  <a:ext cx="3461597" cy="0"/>
+                </a:xfrm>
+                <a:prstGeom prst="straightConnector1">
+                  <a:avLst/>
+                </a:prstGeom>
+                <a:ln>
+                  <a:tailEnd type="triangle"/>
+                </a:ln>
+              </p:spPr>
+              <p:style>
+                <a:lnRef idx="2">
+                  <a:schemeClr val="dk1"/>
+                </a:lnRef>
+                <a:fillRef idx="0">
+                  <a:schemeClr val="dk1"/>
+                </a:fillRef>
+                <a:effectRef idx="1">
+                  <a:schemeClr val="dk1"/>
+                </a:effectRef>
+                <a:fontRef idx="minor">
+                  <a:schemeClr val="tx1"/>
+                </a:fontRef>
+              </p:style>
+            </p:cxnSp>
+            <p:sp>
+              <p:nvSpPr>
+                <p:cNvPr id="38" name="円/楕円 37">
+                  <a:extLst>
+                    <a:ext uri="{FF2B5EF4-FFF2-40B4-BE49-F238E27FC236}">
+                      <a16:creationId xmlns:a16="http://schemas.microsoft.com/office/drawing/2014/main" id="{E7459E71-6B15-73E0-D38B-B15414D6226D}"/>
+                    </a:ext>
+                  </a:extLst>
+                </p:cNvPr>
+                <p:cNvSpPr/>
+                <p:nvPr/>
+              </p:nvSpPr>
+              <p:spPr>
+                <a:xfrm>
+                  <a:off x="10090768" y="2262931"/>
+                  <a:ext cx="72000" cy="72001"/>
+                </a:xfrm>
+                <a:prstGeom prst="ellipse">
+                  <a:avLst/>
+                </a:prstGeom>
+              </p:spPr>
+              <p:style>
+                <a:lnRef idx="2">
+                  <a:schemeClr val="dk1">
+                    <a:shade val="15000"/>
+                  </a:schemeClr>
+                </a:lnRef>
+                <a:fillRef idx="1">
+                  <a:schemeClr val="dk1"/>
+                </a:fillRef>
+                <a:effectRef idx="0">
+                  <a:schemeClr val="dk1"/>
+                </a:effectRef>
+                <a:fontRef idx="minor">
+                  <a:schemeClr val="lt1"/>
+                </a:fontRef>
+              </p:style>
+              <p:txBody>
+                <a:bodyPr rtlCol="0" anchor="ctr"/>
+                <a:lstStyle/>
+                <a:p>
+                  <a:pPr algn="ctr"/>
+                  <a:endParaRPr kumimoji="1" lang="ja-JP" altLang="en-US"/>
+                </a:p>
+              </p:txBody>
+            </p:sp>
+            <p:cxnSp>
+              <p:nvCxnSpPr>
+                <p:cNvPr id="39" name="カギ線コネクタ 38">
+                  <a:extLst>
+                    <a:ext uri="{FF2B5EF4-FFF2-40B4-BE49-F238E27FC236}">
+                      <a16:creationId xmlns:a16="http://schemas.microsoft.com/office/drawing/2014/main" id="{080572E4-D6EF-9ABA-6F57-E1438F2CE662}"/>
+                    </a:ext>
+                  </a:extLst>
+                </p:cNvPr>
+                <p:cNvCxnSpPr>
+                  <a:cxnSpLocks/>
+                </p:cNvCxnSpPr>
+                <p:nvPr/>
+              </p:nvCxnSpPr>
+              <p:spPr>
+                <a:xfrm rot="10800000" flipH="1" flipV="1">
+                  <a:off x="4712321" y="2398933"/>
+                  <a:ext cx="526358" cy="3471948"/>
+                </a:xfrm>
+                <a:prstGeom prst="bentConnector4">
+                  <a:avLst>
+                    <a:gd name="adj1" fmla="val -618644"/>
+                    <a:gd name="adj2" fmla="val 100062"/>
+                  </a:avLst>
+                </a:prstGeom>
+                <a:ln>
+                  <a:tailEnd type="triangle"/>
+                </a:ln>
+              </p:spPr>
+              <p:style>
+                <a:lnRef idx="2">
+                  <a:schemeClr val="dk1"/>
+                </a:lnRef>
+                <a:fillRef idx="0">
+                  <a:schemeClr val="dk1"/>
+                </a:fillRef>
+                <a:effectRef idx="1">
+                  <a:schemeClr val="dk1"/>
+                </a:effectRef>
+                <a:fontRef idx="minor">
+                  <a:schemeClr val="tx1"/>
+                </a:fontRef>
+              </p:style>
+            </p:cxnSp>
+            <p:cxnSp>
+              <p:nvCxnSpPr>
+                <p:cNvPr id="40" name="直線矢印コネクタ 39">
+                  <a:extLst>
+                    <a:ext uri="{FF2B5EF4-FFF2-40B4-BE49-F238E27FC236}">
+                      <a16:creationId xmlns:a16="http://schemas.microsoft.com/office/drawing/2014/main" id="{F4698661-56F8-0B7A-BDFE-34E66376FE41}"/>
+                    </a:ext>
+                  </a:extLst>
+                </p:cNvPr>
+                <p:cNvCxnSpPr/>
+                <p:nvPr/>
+              </p:nvCxnSpPr>
+              <p:spPr>
+                <a:xfrm>
+                  <a:off x="1453480" y="4076528"/>
+                  <a:ext cx="791299" cy="0"/>
+                </a:xfrm>
+                <a:prstGeom prst="straightConnector1">
+                  <a:avLst/>
+                </a:prstGeom>
+                <a:ln>
+                  <a:tailEnd type="triangle"/>
+                </a:ln>
+              </p:spPr>
+              <p:style>
+                <a:lnRef idx="2">
+                  <a:schemeClr val="dk1"/>
+                </a:lnRef>
+                <a:fillRef idx="0">
+                  <a:schemeClr val="dk1"/>
+                </a:fillRef>
+                <a:effectRef idx="1">
+                  <a:schemeClr val="dk1"/>
+                </a:effectRef>
+                <a:fontRef idx="minor">
+                  <a:schemeClr val="tx1"/>
+                </a:fontRef>
+              </p:style>
+            </p:cxnSp>
+            <p:cxnSp>
+              <p:nvCxnSpPr>
+                <p:cNvPr id="41" name="直線矢印コネクタ 40">
+                  <a:extLst>
+                    <a:ext uri="{FF2B5EF4-FFF2-40B4-BE49-F238E27FC236}">
+                      <a16:creationId xmlns:a16="http://schemas.microsoft.com/office/drawing/2014/main" id="{8B67CF56-C791-6AC6-B07D-7A2F81D18C0A}"/>
+                    </a:ext>
+                  </a:extLst>
+                </p:cNvPr>
+                <p:cNvCxnSpPr>
+                  <a:stCxn id="24" idx="3"/>
+                </p:cNvCxnSpPr>
+                <p:nvPr/>
+              </p:nvCxnSpPr>
+              <p:spPr>
+                <a:xfrm>
+                  <a:off x="11224459" y="3933367"/>
+                  <a:ext cx="754181" cy="0"/>
+                </a:xfrm>
+                <a:prstGeom prst="straightConnector1">
+                  <a:avLst/>
+                </a:prstGeom>
+                <a:ln>
+                  <a:tailEnd type="triangle"/>
+                </a:ln>
+              </p:spPr>
+              <p:style>
+                <a:lnRef idx="2">
+                  <a:schemeClr val="dk1"/>
+                </a:lnRef>
+                <a:fillRef idx="0">
+                  <a:schemeClr val="dk1"/>
+                </a:fillRef>
+                <a:effectRef idx="1">
+                  <a:schemeClr val="dk1"/>
+                </a:effectRef>
+                <a:fontRef idx="minor">
+                  <a:schemeClr val="tx1"/>
+                </a:fontRef>
+              </p:style>
+            </p:cxnSp>
+            <p:cxnSp>
+              <p:nvCxnSpPr>
+                <p:cNvPr id="42" name="直線矢印コネクタ 41">
+                  <a:extLst>
+                    <a:ext uri="{FF2B5EF4-FFF2-40B4-BE49-F238E27FC236}">
+                      <a16:creationId xmlns:a16="http://schemas.microsoft.com/office/drawing/2014/main" id="{9C6A71AD-4A07-9694-67BD-C738C6A619AE}"/>
+                    </a:ext>
+                  </a:extLst>
+                </p:cNvPr>
+                <p:cNvCxnSpPr/>
+                <p:nvPr/>
+              </p:nvCxnSpPr>
+              <p:spPr>
+                <a:xfrm>
+                  <a:off x="666370" y="3614840"/>
+                  <a:ext cx="1574219" cy="0"/>
+                </a:xfrm>
+                <a:prstGeom prst="straightConnector1">
+                  <a:avLst/>
+                </a:prstGeom>
+                <a:ln>
+                  <a:tailEnd type="triangle"/>
+                </a:ln>
+              </p:spPr>
+              <p:style>
+                <a:lnRef idx="2">
+                  <a:schemeClr val="dk1"/>
+                </a:lnRef>
+                <a:fillRef idx="0">
+                  <a:schemeClr val="dk1"/>
+                </a:fillRef>
+                <a:effectRef idx="1">
+                  <a:schemeClr val="dk1"/>
+                </a:effectRef>
+                <a:fontRef idx="minor">
+                  <a:schemeClr val="tx1"/>
+                </a:fontRef>
+              </p:style>
+            </p:cxnSp>
+            <mc:AlternateContent xmlns:mc="http://schemas.openxmlformats.org/markup-compatibility/2006">
+              <mc:Choice xmlns:a14="http://schemas.microsoft.com/office/drawing/2010/main" Requires="a14">
+                <p:sp>
+                  <p:nvSpPr>
+                    <p:cNvPr id="43" name="テキスト ボックス 42">
+                      <a:extLst>
+                        <a:ext uri="{FF2B5EF4-FFF2-40B4-BE49-F238E27FC236}">
+                          <a16:creationId xmlns:a16="http://schemas.microsoft.com/office/drawing/2014/main" id="{271074BB-5BA5-35AE-C09C-069887E2FF41}"/>
+                        </a:ext>
+                      </a:extLst>
+                    </p:cNvPr>
+                    <p:cNvSpPr txBox="1"/>
+                    <p:nvPr/>
+                  </p:nvSpPr>
+                  <p:spPr>
+                    <a:xfrm>
+                      <a:off x="4956521" y="5166843"/>
+                      <a:ext cx="177933" cy="276999"/>
+                    </a:xfrm>
+                    <a:prstGeom prst="rect">
+                      <a:avLst/>
+                    </a:prstGeom>
+                    <a:noFill/>
+                  </p:spPr>
+                  <p:txBody>
+                    <a:bodyPr wrap="none" lIns="0" tIns="0" rIns="0" bIns="0" rtlCol="0">
+                      <a:spAutoFit/>
+                    </a:bodyPr>
+                    <a:lstStyle/>
+                    <a:p>
+                      <a:pPr/>
+                      <a14:m>
+                        <m:oMathPara xmlns:m="http://schemas.openxmlformats.org/officeDocument/2006/math">
+                          <m:oMathParaPr>
+                            <m:jc m:val="centerGroup"/>
+                          </m:oMathParaPr>
+                          <m:oMath xmlns:m="http://schemas.openxmlformats.org/officeDocument/2006/math">
+                            <m:r>
+                              <m:rPr>
+                                <m:sty m:val="p"/>
+                              </m:rPr>
+                              <a:rPr kumimoji="1" lang="en-US" altLang="ja-JP" b="0" i="1" smtClean="0">
+                                <a:latin typeface="Cambria Math" panose="02040503050406030204" pitchFamily="18" charset="0"/>
+                              </a:rPr>
+                              <m:t>x</m:t>
+                            </m:r>
+                            <m:r>
+                              <a:rPr kumimoji="1" lang="en-US" altLang="ja-JP" b="0" i="1" smtClean="0">
+                                <a:latin typeface="Cambria Math" panose="02040503050406030204" pitchFamily="18" charset="0"/>
+                              </a:rPr>
+                              <m:t>̂</m:t>
+                            </m:r>
+                          </m:oMath>
+                        </m:oMathPara>
+                      </a14:m>
+                      <a:endParaRPr kumimoji="1" lang="ja-JP" altLang="en-US"/>
+                    </a:p>
+                  </p:txBody>
+                </p:sp>
+              </mc:Choice>
+              <mc:Fallback>
+                <p:sp>
+                  <p:nvSpPr>
+                    <p:cNvPr id="43" name="テキスト ボックス 42">
+                      <a:extLst>
+                        <a:ext uri="{FF2B5EF4-FFF2-40B4-BE49-F238E27FC236}">
+                          <a16:creationId xmlns:a16="http://schemas.microsoft.com/office/drawing/2014/main" id="{271074BB-5BA5-35AE-C09C-069887E2FF41}"/>
+                        </a:ext>
+                      </a:extLst>
+                    </p:cNvPr>
+                    <p:cNvSpPr txBox="1">
+                      <a:spLocks noRot="1" noChangeAspect="1" noMove="1" noResize="1" noEditPoints="1" noAdjustHandles="1" noChangeArrowheads="1" noChangeShapeType="1" noTextEdit="1"/>
+                    </p:cNvSpPr>
+                    <p:nvPr/>
+                  </p:nvSpPr>
+                  <p:spPr>
+                    <a:xfrm>
+                      <a:off x="4956521" y="5166843"/>
+                      <a:ext cx="177933" cy="276999"/>
+                    </a:xfrm>
+                    <a:prstGeom prst="rect">
+                      <a:avLst/>
+                    </a:prstGeom>
+                    <a:blipFill>
+                      <a:blip r:embed="rId6"/>
+                      <a:stretch>
+                        <a:fillRect l="-33333" r="-20000" b="-8696"/>
+                      </a:stretch>
+                    </a:blipFill>
+                  </p:spPr>
+                  <p:txBody>
+                    <a:bodyPr/>
+                    <a:lstStyle/>
+                    <a:p>
+                      <a:r>
+                        <a:rPr lang="ja-JP" altLang="en-US">
+                          <a:noFill/>
+                        </a:rPr>
+                        <a:t> </a:t>
+                      </a:r>
+                    </a:p>
+                  </p:txBody>
+                </p:sp>
+              </mc:Fallback>
+            </mc:AlternateContent>
+            <mc:AlternateContent xmlns:mc="http://schemas.openxmlformats.org/markup-compatibility/2006">
+              <mc:Choice xmlns:a14="http://schemas.microsoft.com/office/drawing/2010/main" Requires="a14">
+                <p:sp>
+                  <p:nvSpPr>
+                    <p:cNvPr id="44" name="テキスト ボックス 43">
+                      <a:extLst>
+                        <a:ext uri="{FF2B5EF4-FFF2-40B4-BE49-F238E27FC236}">
+                          <a16:creationId xmlns:a16="http://schemas.microsoft.com/office/drawing/2014/main" id="{2FB85A9F-8801-B5D7-8938-A23C403B926F}"/>
+                        </a:ext>
+                      </a:extLst>
+                    </p:cNvPr>
+                    <p:cNvSpPr txBox="1"/>
+                    <p:nvPr/>
+                  </p:nvSpPr>
+                  <p:spPr>
+                    <a:xfrm>
+                      <a:off x="717023" y="3237572"/>
+                      <a:ext cx="501035" cy="299249"/>
+                    </a:xfrm>
+                    <a:prstGeom prst="rect">
+                      <a:avLst/>
+                    </a:prstGeom>
+                    <a:noFill/>
+                  </p:spPr>
+                  <p:txBody>
+                    <a:bodyPr wrap="none" lIns="0" tIns="0" rIns="0" bIns="0" rtlCol="0">
+                      <a:spAutoFit/>
+                    </a:bodyPr>
+                    <a:lstStyle/>
+                    <a:p>
+                      <a:pPr/>
+                      <a14:m>
+                        <m:oMathPara xmlns:m="http://schemas.openxmlformats.org/officeDocument/2006/math">
+                          <m:oMathParaPr>
+                            <m:jc m:val="centerGroup"/>
+                          </m:oMathParaPr>
+                          <m:oMath xmlns:m="http://schemas.openxmlformats.org/officeDocument/2006/math">
+                            <m:sSub>
+                              <m:sSubPr>
+                                <m:ctrlPr>
+                                  <a:rPr kumimoji="1" lang="en-US" altLang="ja-JP" b="0" i="1" smtClean="0">
+                                    <a:latin typeface="Cambria Math" panose="02040503050406030204" pitchFamily="18" charset="0"/>
+                                  </a:rPr>
+                                </m:ctrlPr>
+                              </m:sSubPr>
+                              <m:e>
+                                <m:r>
+                                  <a:rPr kumimoji="1" lang="en-US" altLang="ja-JP" b="0" i="1" smtClean="0">
+                                    <a:latin typeface="Cambria Math" panose="02040503050406030204" pitchFamily="18" charset="0"/>
+                                  </a:rPr>
+                                  <m:t>𝐺</m:t>
+                                </m:r>
+                              </m:e>
+                              <m:sub>
+                                <m:r>
+                                  <a:rPr kumimoji="1" lang="en-US" altLang="ja-JP" b="0" i="1" smtClean="0">
+                                    <a:latin typeface="Cambria Math" panose="02040503050406030204" pitchFamily="18" charset="0"/>
+                                  </a:rPr>
+                                  <m:t>𝑟𝑒𝑓</m:t>
+                                </m:r>
+                              </m:sub>
+                            </m:sSub>
+                          </m:oMath>
+                        </m:oMathPara>
+                      </a14:m>
+                      <a:endParaRPr kumimoji="1" lang="ja-JP" altLang="en-US"/>
+                    </a:p>
+                  </p:txBody>
+                </p:sp>
+              </mc:Choice>
+              <mc:Fallback>
+                <p:sp>
+                  <p:nvSpPr>
+                    <p:cNvPr id="44" name="テキスト ボックス 43">
+                      <a:extLst>
+                        <a:ext uri="{FF2B5EF4-FFF2-40B4-BE49-F238E27FC236}">
+                          <a16:creationId xmlns:a16="http://schemas.microsoft.com/office/drawing/2014/main" id="{2FB85A9F-8801-B5D7-8938-A23C403B926F}"/>
+                        </a:ext>
+                      </a:extLst>
+                    </p:cNvPr>
+                    <p:cNvSpPr txBox="1">
+                      <a:spLocks noRot="1" noChangeAspect="1" noMove="1" noResize="1" noEditPoints="1" noAdjustHandles="1" noChangeArrowheads="1" noChangeShapeType="1" noTextEdit="1"/>
+                    </p:cNvSpPr>
+                    <p:nvPr/>
+                  </p:nvSpPr>
+                  <p:spPr>
+                    <a:xfrm>
+                      <a:off x="717023" y="3237572"/>
+                      <a:ext cx="501035" cy="299249"/>
+                    </a:xfrm>
+                    <a:prstGeom prst="rect">
+                      <a:avLst/>
+                    </a:prstGeom>
+                    <a:blipFill>
+                      <a:blip r:embed="rId7"/>
+                      <a:stretch>
+                        <a:fillRect l="-10000" r="-5000" b="-25000"/>
+                      </a:stretch>
+                    </a:blipFill>
+                  </p:spPr>
+                  <p:txBody>
+                    <a:bodyPr/>
+                    <a:lstStyle/>
+                    <a:p>
+                      <a:r>
+                        <a:rPr lang="ja-JP" altLang="en-US">
+                          <a:noFill/>
+                        </a:rPr>
+                        <a:t> </a:t>
+                      </a:r>
+                    </a:p>
+                  </p:txBody>
+                </p:sp>
+              </mc:Fallback>
+            </mc:AlternateContent>
+          </p:grpSp>
+        </p:grpSp>
+        <p:sp>
+          <p:nvSpPr>
+            <p:cNvPr id="53" name="角丸四角形 52">
+              <a:extLst>
+                <a:ext uri="{FF2B5EF4-FFF2-40B4-BE49-F238E27FC236}">
+                  <a16:creationId xmlns:a16="http://schemas.microsoft.com/office/drawing/2014/main" id="{668605BC-1486-19E7-0A15-9427259D9092}"/>
+                </a:ext>
+              </a:extLst>
+            </p:cNvPr>
+            <p:cNvSpPr/>
+            <p:nvPr/>
+          </p:nvSpPr>
+          <p:spPr>
+            <a:xfrm>
+              <a:off x="22317528" y="7362413"/>
+              <a:ext cx="2275368" cy="956930"/>
+            </a:xfrm>
+            <a:prstGeom prst="roundRect">
+              <a:avLst/>
+            </a:prstGeom>
+            <a:noFill/>
+            <a:ln w="60325">
+              <a:solidFill>
+                <a:srgbClr val="FF0000"/>
+              </a:solidFill>
+            </a:ln>
+          </p:spPr>
+          <p:style>
+            <a:lnRef idx="2">
+              <a:schemeClr val="accent1">
+                <a:shade val="15000"/>
+              </a:schemeClr>
+            </a:lnRef>
+            <a:fillRef idx="1">
+              <a:schemeClr val="accent1"/>
+            </a:fillRef>
+            <a:effectRef idx="0">
+              <a:schemeClr val="accent1"/>
+            </a:effectRef>
+            <a:fontRef idx="minor">
+              <a:schemeClr val="lt1"/>
+            </a:fontRef>
+          </p:style>
+          <p:txBody>
+            <a:bodyPr rtlCol="0" anchor="ctr"/>
+            <a:lstStyle/>
+            <a:p>
+              <a:pPr algn="ctr"/>
+              <a:endParaRPr kumimoji="1" lang="ja-JP" altLang="en-US"/>
+            </a:p>
+          </p:txBody>
+        </p:sp>
+      </p:grpSp>
+      <p:grpSp>
+        <p:nvGrpSpPr>
+          <p:cNvPr id="54" name="グループ化 53">
+            <a:extLst>
+              <a:ext uri="{FF2B5EF4-FFF2-40B4-BE49-F238E27FC236}">
+                <a16:creationId xmlns:a16="http://schemas.microsoft.com/office/drawing/2014/main" id="{046FA8C1-4481-619E-D63F-5C0B63F23E0A}"/>
+              </a:ext>
+            </a:extLst>
+          </p:cNvPr>
+          <p:cNvGrpSpPr/>
+          <p:nvPr/>
+        </p:nvGrpSpPr>
+        <p:grpSpPr>
+          <a:xfrm>
+            <a:off x="20839329" y="20058420"/>
+            <a:ext cx="8559210" cy="2686921"/>
+            <a:chOff x="3000969" y="2447527"/>
+            <a:chExt cx="7642222" cy="1940603"/>
+          </a:xfrm>
+        </p:grpSpPr>
+        <p:sp>
+          <p:nvSpPr>
+            <p:cNvPr id="55" name="正方形/長方形 54">
+              <a:extLst>
+                <a:ext uri="{FF2B5EF4-FFF2-40B4-BE49-F238E27FC236}">
+                  <a16:creationId xmlns:a16="http://schemas.microsoft.com/office/drawing/2014/main" id="{E7072605-BAD7-AB83-4CE4-D69068BA7B6E}"/>
+                </a:ext>
+              </a:extLst>
+            </p:cNvPr>
+            <p:cNvSpPr/>
+            <p:nvPr/>
+          </p:nvSpPr>
+          <p:spPr>
+            <a:xfrm>
+              <a:off x="4937048" y="2449892"/>
+              <a:ext cx="1952849" cy="734540"/>
+            </a:xfrm>
+            <a:prstGeom prst="rect">
+              <a:avLst/>
+            </a:prstGeom>
+            <a:ln w="25400"/>
+          </p:spPr>
+          <p:style>
+            <a:lnRef idx="2">
+              <a:schemeClr val="dk1"/>
+            </a:lnRef>
+            <a:fillRef idx="1">
+              <a:schemeClr val="lt1"/>
+            </a:fillRef>
+            <a:effectRef idx="0">
+              <a:schemeClr val="dk1"/>
+            </a:effectRef>
+            <a:fontRef idx="minor">
+              <a:schemeClr val="dk1"/>
+            </a:fontRef>
+          </p:style>
+          <p:txBody>
+            <a:bodyPr rtlCol="0" anchor="ctr"/>
+            <a:lstStyle/>
+            <a:p>
+              <a:pPr algn="ctr"/>
+              <a:r>
+                <a:rPr kumimoji="1" lang="en-US" altLang="ja-JP" sz="1400" b="1" dirty="0">
+                  <a:latin typeface="Hiragino Kaku Gothic ProN W3" panose="020B0300000000000000" pitchFamily="34" charset="-128"/>
+                  <a:ea typeface="Hiragino Kaku Gothic ProN W3" panose="020B0300000000000000" pitchFamily="34" charset="-128"/>
+                  <a:cs typeface="Arial" panose="020B0604020202020204" pitchFamily="34" charset="0"/>
+                </a:rPr>
+                <a:t>Gastrointestinal</a:t>
+              </a:r>
+            </a:p>
+            <a:p>
+              <a:pPr algn="ctr"/>
+              <a:r>
+                <a:rPr lang="en-US" altLang="ja-JP" sz="1400" b="1" dirty="0" err="1">
+                  <a:latin typeface="Hiragino Kaku Gothic ProN W3" panose="020B0300000000000000" pitchFamily="34" charset="-128"/>
+                  <a:ea typeface="Hiragino Kaku Gothic ProN W3" panose="020B0300000000000000" pitchFamily="34" charset="-128"/>
+                  <a:cs typeface="Arial" panose="020B0604020202020204" pitchFamily="34" charset="0"/>
+                </a:rPr>
+                <a:t>submodel</a:t>
+              </a:r>
+              <a:endParaRPr lang="en-US" altLang="ja-JP" sz="1400" b="1" dirty="0">
+                <a:latin typeface="Hiragino Kaku Gothic ProN W3" panose="020B0300000000000000" pitchFamily="34" charset="-128"/>
+                <a:ea typeface="Hiragino Kaku Gothic ProN W3" panose="020B0300000000000000" pitchFamily="34" charset="-128"/>
+                <a:cs typeface="Arial" panose="020B0604020202020204" pitchFamily="34" charset="0"/>
+              </a:endParaRPr>
+            </a:p>
+            <a:p>
+              <a:pPr algn="ctr"/>
+              <a:r>
+                <a:rPr kumimoji="1" lang="en-US" altLang="ja-JP" sz="1400" b="1" dirty="0">
+                  <a:latin typeface="Hiragino Kaku Gothic ProN W3" panose="020B0300000000000000" pitchFamily="34" charset="-128"/>
+                  <a:ea typeface="Hiragino Kaku Gothic ProN W3" panose="020B0300000000000000" pitchFamily="34" charset="-128"/>
+                  <a:cs typeface="Arial" panose="020B0604020202020204" pitchFamily="34" charset="0"/>
+                </a:rPr>
+                <a:t>(</a:t>
+              </a:r>
+              <a:r>
+                <a:rPr kumimoji="1" lang="en-US" altLang="ja-JP" sz="1400" b="1" dirty="0">
+                  <a:solidFill>
+                    <a:srgbClr val="FF0000"/>
+                  </a:solidFill>
+                  <a:latin typeface="Hiragino Kaku Gothic ProN W3" panose="020B0300000000000000" pitchFamily="34" charset="-128"/>
+                  <a:ea typeface="Hiragino Kaku Gothic ProN W3" panose="020B0300000000000000" pitchFamily="34" charset="-128"/>
+                  <a:cs typeface="Arial" panose="020B0604020202020204" pitchFamily="34" charset="0"/>
+                </a:rPr>
+                <a:t>switched system</a:t>
+              </a:r>
+              <a:r>
+                <a:rPr kumimoji="1" lang="en-US" altLang="ja-JP" sz="1400" b="1" dirty="0">
+                  <a:latin typeface="Hiragino Kaku Gothic ProN W3" panose="020B0300000000000000" pitchFamily="34" charset="-128"/>
+                  <a:ea typeface="Hiragino Kaku Gothic ProN W3" panose="020B0300000000000000" pitchFamily="34" charset="-128"/>
+                  <a:cs typeface="Arial" panose="020B0604020202020204" pitchFamily="34" charset="0"/>
+                </a:rPr>
+                <a:t>)</a:t>
+              </a:r>
+              <a:endParaRPr kumimoji="1" lang="ja-JP" altLang="en-US" sz="1400" b="1">
+                <a:latin typeface="Hiragino Kaku Gothic ProN W3" panose="020B0300000000000000" pitchFamily="34" charset="-128"/>
+                <a:ea typeface="Hiragino Kaku Gothic ProN W3" panose="020B0300000000000000" pitchFamily="34" charset="-128"/>
+                <a:cs typeface="Arial" panose="020B0604020202020204" pitchFamily="34" charset="0"/>
+              </a:endParaRPr>
+            </a:p>
+          </p:txBody>
+        </p:sp>
+        <p:sp>
+          <p:nvSpPr>
+            <p:cNvPr id="56" name="正方形/長方形 55">
+              <a:extLst>
+                <a:ext uri="{FF2B5EF4-FFF2-40B4-BE49-F238E27FC236}">
+                  <a16:creationId xmlns:a16="http://schemas.microsoft.com/office/drawing/2014/main" id="{C1D5531A-7AC2-02DD-2E18-723593CA130D}"/>
+                </a:ext>
+              </a:extLst>
+            </p:cNvPr>
+            <p:cNvSpPr/>
+            <p:nvPr/>
+          </p:nvSpPr>
+          <p:spPr>
+            <a:xfrm>
+              <a:off x="4937048" y="3653590"/>
+              <a:ext cx="1952849" cy="734540"/>
+            </a:xfrm>
+            <a:prstGeom prst="rect">
+              <a:avLst/>
+            </a:prstGeom>
+            <a:ln w="25400"/>
+          </p:spPr>
+          <p:style>
+            <a:lnRef idx="2">
+              <a:schemeClr val="dk1"/>
+            </a:lnRef>
+            <a:fillRef idx="1">
+              <a:schemeClr val="lt1"/>
+            </a:fillRef>
+            <a:effectRef idx="0">
+              <a:schemeClr val="dk1"/>
+            </a:effectRef>
+            <a:fontRef idx="minor">
+              <a:schemeClr val="dk1"/>
+            </a:fontRef>
+          </p:style>
+          <p:txBody>
+            <a:bodyPr rtlCol="0" anchor="ctr"/>
+            <a:lstStyle/>
+            <a:p>
+              <a:pPr algn="ctr"/>
+              <a:r>
+                <a:rPr kumimoji="1" lang="en-US" altLang="ja-JP" sz="1400" b="1" dirty="0">
+                  <a:latin typeface="Hiragino Kaku Gothic ProN W3" panose="020B0300000000000000" pitchFamily="34" charset="-128"/>
+                  <a:ea typeface="Hiragino Kaku Gothic ProN W3" panose="020B0300000000000000" pitchFamily="34" charset="-128"/>
+                  <a:cs typeface="Arial" panose="020B0604020202020204" pitchFamily="34" charset="0"/>
+                </a:rPr>
+                <a:t>Subcutaneous</a:t>
+              </a:r>
+            </a:p>
+            <a:p>
+              <a:pPr algn="ctr"/>
+              <a:r>
+                <a:rPr lang="en-US" altLang="ja-JP" sz="1400" b="1" dirty="0">
+                  <a:latin typeface="Hiragino Kaku Gothic ProN W3" panose="020B0300000000000000" pitchFamily="34" charset="-128"/>
+                  <a:ea typeface="Hiragino Kaku Gothic ProN W3" panose="020B0300000000000000" pitchFamily="34" charset="-128"/>
+                  <a:cs typeface="Arial" panose="020B0604020202020204" pitchFamily="34" charset="0"/>
+                </a:rPr>
+                <a:t>Insulin</a:t>
+              </a:r>
+            </a:p>
+            <a:p>
+              <a:pPr algn="ctr"/>
+              <a:r>
+                <a:rPr kumimoji="1" lang="en-US" altLang="ja-JP" sz="1400" b="1" dirty="0">
+                  <a:latin typeface="Hiragino Kaku Gothic ProN W3" panose="020B0300000000000000" pitchFamily="34" charset="-128"/>
+                  <a:ea typeface="Hiragino Kaku Gothic ProN W3" panose="020B0300000000000000" pitchFamily="34" charset="-128"/>
+                  <a:cs typeface="Arial" panose="020B0604020202020204" pitchFamily="34" charset="0"/>
+                </a:rPr>
+                <a:t>Kinetic </a:t>
+              </a:r>
+              <a:r>
+                <a:rPr kumimoji="1" lang="en-US" altLang="ja-JP" sz="1400" b="1" dirty="0" err="1">
+                  <a:latin typeface="Hiragino Kaku Gothic ProN W3" panose="020B0300000000000000" pitchFamily="34" charset="-128"/>
+                  <a:ea typeface="Hiragino Kaku Gothic ProN W3" panose="020B0300000000000000" pitchFamily="34" charset="-128"/>
+                  <a:cs typeface="Arial" panose="020B0604020202020204" pitchFamily="34" charset="0"/>
+                </a:rPr>
+                <a:t>submodel</a:t>
+              </a:r>
+              <a:endParaRPr kumimoji="1" lang="ja-JP" altLang="en-US" sz="1400" b="1">
+                <a:latin typeface="Hiragino Kaku Gothic ProN W3" panose="020B0300000000000000" pitchFamily="34" charset="-128"/>
+                <a:ea typeface="Hiragino Kaku Gothic ProN W3" panose="020B0300000000000000" pitchFamily="34" charset="-128"/>
+                <a:cs typeface="Arial" panose="020B0604020202020204" pitchFamily="34" charset="0"/>
+              </a:endParaRPr>
+            </a:p>
+          </p:txBody>
+        </p:sp>
+        <p:sp>
+          <p:nvSpPr>
+            <p:cNvPr id="57" name="正方形/長方形 56">
+              <a:extLst>
+                <a:ext uri="{FF2B5EF4-FFF2-40B4-BE49-F238E27FC236}">
+                  <a16:creationId xmlns:a16="http://schemas.microsoft.com/office/drawing/2014/main" id="{40A3905C-745D-9790-8518-A82257A18640}"/>
+                </a:ext>
+              </a:extLst>
+            </p:cNvPr>
+            <p:cNvSpPr/>
+            <p:nvPr/>
+          </p:nvSpPr>
+          <p:spPr>
+            <a:xfrm>
+              <a:off x="7350268" y="3061734"/>
+              <a:ext cx="1810410" cy="734532"/>
+            </a:xfrm>
+            <a:prstGeom prst="rect">
+              <a:avLst/>
+            </a:prstGeom>
+            <a:ln w="25400"/>
+          </p:spPr>
+          <p:style>
+            <a:lnRef idx="2">
+              <a:schemeClr val="dk1"/>
+            </a:lnRef>
+            <a:fillRef idx="1">
+              <a:schemeClr val="lt1"/>
+            </a:fillRef>
+            <a:effectRef idx="0">
+              <a:schemeClr val="dk1"/>
+            </a:effectRef>
+            <a:fontRef idx="minor">
+              <a:schemeClr val="dk1"/>
+            </a:fontRef>
+          </p:style>
+          <p:txBody>
+            <a:bodyPr rtlCol="0" anchor="ctr"/>
+            <a:lstStyle/>
+            <a:p>
+              <a:pPr algn="ctr"/>
+              <a:r>
+                <a:rPr kumimoji="1" lang="en-US" altLang="ja-JP" sz="1400" b="1" dirty="0">
+                  <a:latin typeface="Hiragino Kaku Gothic ProN W3" panose="020B0300000000000000" pitchFamily="34" charset="-128"/>
+                  <a:ea typeface="Hiragino Kaku Gothic ProN W3" panose="020B0300000000000000" pitchFamily="34" charset="-128"/>
+                  <a:cs typeface="Arial" panose="020B0604020202020204" pitchFamily="34" charset="0"/>
+                </a:rPr>
+                <a:t>Core </a:t>
+              </a:r>
+              <a:r>
+                <a:rPr kumimoji="1" lang="en-US" altLang="ja-JP" sz="1400" b="1" dirty="0" err="1">
+                  <a:latin typeface="Hiragino Kaku Gothic ProN W3" panose="020B0300000000000000" pitchFamily="34" charset="-128"/>
+                  <a:ea typeface="Hiragino Kaku Gothic ProN W3" panose="020B0300000000000000" pitchFamily="34" charset="-128"/>
+                  <a:cs typeface="Arial" panose="020B0604020202020204" pitchFamily="34" charset="0"/>
+                </a:rPr>
+                <a:t>submodel</a:t>
+              </a:r>
+              <a:endParaRPr kumimoji="1" lang="en-US" altLang="ja-JP" sz="1400" b="1" dirty="0">
+                <a:latin typeface="Hiragino Kaku Gothic ProN W3" panose="020B0300000000000000" pitchFamily="34" charset="-128"/>
+                <a:ea typeface="Hiragino Kaku Gothic ProN W3" panose="020B0300000000000000" pitchFamily="34" charset="-128"/>
+                <a:cs typeface="Arial" panose="020B0604020202020204" pitchFamily="34" charset="0"/>
+              </a:endParaRPr>
+            </a:p>
+            <a:p>
+              <a:pPr algn="ctr"/>
+              <a:r>
+                <a:rPr lang="en-US" altLang="ja-JP" sz="1400" b="1" dirty="0">
+                  <a:latin typeface="Hiragino Kaku Gothic ProN W3" panose="020B0300000000000000" pitchFamily="34" charset="-128"/>
+                  <a:ea typeface="Hiragino Kaku Gothic ProN W3" panose="020B0300000000000000" pitchFamily="34" charset="-128"/>
+                  <a:cs typeface="Arial" panose="020B0604020202020204" pitchFamily="34" charset="0"/>
+                </a:rPr>
+                <a:t>(Bergman model)</a:t>
+              </a:r>
+              <a:endParaRPr kumimoji="1" lang="ja-JP" altLang="en-US" sz="1400" b="1">
+                <a:latin typeface="Hiragino Kaku Gothic ProN W3" panose="020B0300000000000000" pitchFamily="34" charset="-128"/>
+                <a:ea typeface="Hiragino Kaku Gothic ProN W3" panose="020B0300000000000000" pitchFamily="34" charset="-128"/>
+                <a:cs typeface="Arial" panose="020B0604020202020204" pitchFamily="34" charset="0"/>
+              </a:endParaRPr>
+            </a:p>
+          </p:txBody>
+        </p:sp>
+        <p:cxnSp>
+          <p:nvCxnSpPr>
+            <p:cNvPr id="58" name="直線矢印コネクタ 57">
+              <a:extLst>
+                <a:ext uri="{FF2B5EF4-FFF2-40B4-BE49-F238E27FC236}">
+                  <a16:creationId xmlns:a16="http://schemas.microsoft.com/office/drawing/2014/main" id="{B11D9A04-1E24-7449-5FA5-3BC71C24F6D6}"/>
+                </a:ext>
+              </a:extLst>
+            </p:cNvPr>
+            <p:cNvCxnSpPr>
+              <a:cxnSpLocks/>
+            </p:cNvCxnSpPr>
+            <p:nvPr/>
+          </p:nvCxnSpPr>
+          <p:spPr>
+            <a:xfrm>
+              <a:off x="3050396" y="2817162"/>
+              <a:ext cx="1886652" cy="12700"/>
+            </a:xfrm>
+            <a:prstGeom prst="straightConnector1">
+              <a:avLst/>
+            </a:prstGeom>
+            <a:ln>
+              <a:round/>
+              <a:tailEnd type="triangle"/>
+            </a:ln>
+          </p:spPr>
+          <p:style>
+            <a:lnRef idx="2">
+              <a:schemeClr val="dk1"/>
+            </a:lnRef>
+            <a:fillRef idx="0">
+              <a:schemeClr val="dk1"/>
+            </a:fillRef>
+            <a:effectRef idx="1">
+              <a:schemeClr val="dk1"/>
+            </a:effectRef>
+            <a:fontRef idx="minor">
+              <a:schemeClr val="tx1"/>
+            </a:fontRef>
+          </p:style>
+        </p:cxnSp>
+        <mc:AlternateContent xmlns:mc="http://schemas.openxmlformats.org/markup-compatibility/2006" xmlns:a14="http://schemas.microsoft.com/office/drawing/2010/main">
+          <mc:Choice Requires="a14">
+            <p:sp>
+              <p:nvSpPr>
+                <p:cNvPr id="59" name="テキスト ボックス 58">
+                  <a:extLst>
+                    <a:ext uri="{FF2B5EF4-FFF2-40B4-BE49-F238E27FC236}">
+                      <a16:creationId xmlns:a16="http://schemas.microsoft.com/office/drawing/2014/main" id="{6D56E9E6-2342-DF77-6FF7-20D58B57BD56}"/>
+                    </a:ext>
+                  </a:extLst>
+                </p:cNvPr>
+                <p:cNvSpPr txBox="1"/>
+                <p:nvPr/>
+              </p:nvSpPr>
+              <p:spPr>
+                <a:xfrm>
+                  <a:off x="3000969" y="2461629"/>
+                  <a:ext cx="812337" cy="369332"/>
+                </a:xfrm>
+                <a:prstGeom prst="rect">
+                  <a:avLst/>
+                </a:prstGeom>
+                <a:noFill/>
+              </p:spPr>
+              <p:txBody>
+                <a:bodyPr wrap="square" rtlCol="0">
+                  <a:spAutoFit/>
+                </a:bodyPr>
+                <a:lstStyle/>
+                <a:p>
+                  <a:pPr/>
+                  <a14:m>
+                    <m:oMathPara xmlns:m="http://schemas.openxmlformats.org/officeDocument/2006/math">
+                      <m:oMathParaPr>
+                        <m:jc m:val="centerGroup"/>
+                      </m:oMathParaPr>
+                      <m:oMath xmlns:m="http://schemas.openxmlformats.org/officeDocument/2006/math">
+                        <m:sSub>
+                          <m:sSubPr>
+                            <m:ctrlPr>
+                              <a:rPr kumimoji="1" lang="en-US" altLang="ja-JP" i="1" smtClean="0">
+                                <a:latin typeface="Cambria Math" panose="02040503050406030204" pitchFamily="18" charset="0"/>
+                              </a:rPr>
+                            </m:ctrlPr>
+                          </m:sSubPr>
+                          <m:e>
+                            <m:r>
+                              <a:rPr kumimoji="1" lang="en-US" altLang="ja-JP" b="0" i="1" smtClean="0">
+                                <a:latin typeface="Cambria Math" panose="02040503050406030204" pitchFamily="18" charset="0"/>
+                              </a:rPr>
+                              <m:t>𝑑</m:t>
+                            </m:r>
+                          </m:e>
+                          <m:sub>
+                            <m:r>
+                              <a:rPr kumimoji="1" lang="en-US" altLang="ja-JP" b="0" i="1" smtClean="0">
+                                <a:latin typeface="Cambria Math" panose="02040503050406030204" pitchFamily="18" charset="0"/>
+                              </a:rPr>
+                              <m:t>𝑚𝑒𝑎𝑙</m:t>
+                            </m:r>
+                          </m:sub>
+                        </m:sSub>
+                      </m:oMath>
+                    </m:oMathPara>
+                  </a14:m>
+                  <a:endParaRPr kumimoji="1" lang="ja-JP" altLang="en-US"/>
+                </a:p>
+              </p:txBody>
+            </p:sp>
+          </mc:Choice>
+          <mc:Fallback xmlns="">
+            <p:sp>
+              <p:nvSpPr>
+                <p:cNvPr id="10" name="テキスト ボックス 9">
+                  <a:extLst>
+                    <a:ext uri="{FF2B5EF4-FFF2-40B4-BE49-F238E27FC236}">
+                      <a16:creationId xmlns:a16="http://schemas.microsoft.com/office/drawing/2014/main" id="{5C54B51D-CCC4-5A26-AEFA-FD7C3C9BD46E}"/>
+                    </a:ext>
+                  </a:extLst>
+                </p:cNvPr>
+                <p:cNvSpPr txBox="1">
+                  <a:spLocks noRot="1" noChangeAspect="1" noMove="1" noResize="1" noEditPoints="1" noAdjustHandles="1" noChangeArrowheads="1" noChangeShapeType="1" noTextEdit="1"/>
+                </p:cNvSpPr>
+                <p:nvPr/>
+              </p:nvSpPr>
+              <p:spPr>
+                <a:xfrm>
+                  <a:off x="3000969" y="2461629"/>
+                  <a:ext cx="812337" cy="369332"/>
+                </a:xfrm>
+                <a:prstGeom prst="rect">
+                  <a:avLst/>
+                </a:prstGeom>
+                <a:blipFill>
+                  <a:blip r:embed="rId8"/>
+                  <a:stretch>
+                    <a:fillRect/>
+                  </a:stretch>
+                </a:blipFill>
+              </p:spPr>
+              <p:txBody>
+                <a:bodyPr/>
+                <a:lstStyle/>
+                <a:p>
+                  <a:r>
+                    <a:rPr lang="ja-JP" altLang="en-US">
+                      <a:noFill/>
+                    </a:rPr>
+                    <a:t> </a:t>
+                  </a:r>
+                </a:p>
+              </p:txBody>
+            </p:sp>
+          </mc:Fallback>
+        </mc:AlternateContent>
+        <p:cxnSp>
+          <p:nvCxnSpPr>
+            <p:cNvPr id="60" name="カギ線コネクタ 59">
+              <a:extLst>
+                <a:ext uri="{FF2B5EF4-FFF2-40B4-BE49-F238E27FC236}">
+                  <a16:creationId xmlns:a16="http://schemas.microsoft.com/office/drawing/2014/main" id="{30710F11-AB5E-DFC9-EE2E-0E1651009C96}"/>
+                </a:ext>
+              </a:extLst>
+            </p:cNvPr>
+            <p:cNvCxnSpPr>
+              <a:cxnSpLocks/>
+              <a:stCxn id="55" idx="3"/>
+              <a:endCxn id="57" idx="0"/>
+            </p:cNvCxnSpPr>
+            <p:nvPr/>
+          </p:nvCxnSpPr>
+          <p:spPr>
+            <a:xfrm>
+              <a:off x="6889897" y="2817162"/>
+              <a:ext cx="1365576" cy="244572"/>
+            </a:xfrm>
+            <a:prstGeom prst="bentConnector2">
+              <a:avLst/>
+            </a:prstGeom>
+            <a:ln>
+              <a:tailEnd type="triangle"/>
+            </a:ln>
+          </p:spPr>
+          <p:style>
+            <a:lnRef idx="2">
+              <a:schemeClr val="dk1"/>
+            </a:lnRef>
+            <a:fillRef idx="0">
+              <a:schemeClr val="dk1"/>
+            </a:fillRef>
+            <a:effectRef idx="1">
+              <a:schemeClr val="dk1"/>
+            </a:effectRef>
+            <a:fontRef idx="minor">
+              <a:schemeClr val="tx1"/>
+            </a:fontRef>
+          </p:style>
+        </p:cxnSp>
+        <p:cxnSp>
+          <p:nvCxnSpPr>
+            <p:cNvPr id="61" name="カギ線コネクタ 60">
+              <a:extLst>
+                <a:ext uri="{FF2B5EF4-FFF2-40B4-BE49-F238E27FC236}">
+                  <a16:creationId xmlns:a16="http://schemas.microsoft.com/office/drawing/2014/main" id="{D73E586E-47FA-D9CB-33D0-B4E24682397D}"/>
+                </a:ext>
+              </a:extLst>
+            </p:cNvPr>
+            <p:cNvCxnSpPr>
+              <a:cxnSpLocks/>
+              <a:stCxn id="56" idx="3"/>
+              <a:endCxn id="57" idx="2"/>
+            </p:cNvCxnSpPr>
+            <p:nvPr/>
+          </p:nvCxnSpPr>
+          <p:spPr>
+            <a:xfrm flipV="1">
+              <a:off x="6889897" y="3796266"/>
+              <a:ext cx="1365576" cy="224594"/>
+            </a:xfrm>
+            <a:prstGeom prst="bentConnector2">
+              <a:avLst/>
+            </a:prstGeom>
+            <a:ln>
+              <a:tailEnd type="triangle"/>
+            </a:ln>
+          </p:spPr>
+          <p:style>
+            <a:lnRef idx="2">
+              <a:schemeClr val="dk1"/>
+            </a:lnRef>
+            <a:fillRef idx="0">
+              <a:schemeClr val="dk1"/>
+            </a:fillRef>
+            <a:effectRef idx="1">
+              <a:schemeClr val="dk1"/>
+            </a:effectRef>
+            <a:fontRef idx="minor">
+              <a:schemeClr val="tx1"/>
+            </a:fontRef>
+          </p:style>
+        </p:cxnSp>
+        <mc:AlternateContent xmlns:mc="http://schemas.openxmlformats.org/markup-compatibility/2006" xmlns:a14="http://schemas.microsoft.com/office/drawing/2010/main">
+          <mc:Choice Requires="a14">
+            <p:sp>
+              <p:nvSpPr>
+                <p:cNvPr id="62" name="テキスト ボックス 61">
+                  <a:extLst>
+                    <a:ext uri="{FF2B5EF4-FFF2-40B4-BE49-F238E27FC236}">
+                      <a16:creationId xmlns:a16="http://schemas.microsoft.com/office/drawing/2014/main" id="{AFB13473-AECD-22C3-F0CD-EEA0D237464E}"/>
+                    </a:ext>
+                  </a:extLst>
+                </p:cNvPr>
+                <p:cNvSpPr txBox="1"/>
+                <p:nvPr/>
+              </p:nvSpPr>
+              <p:spPr>
+                <a:xfrm>
+                  <a:off x="7589471" y="2447527"/>
+                  <a:ext cx="513346" cy="369332"/>
+                </a:xfrm>
+                <a:prstGeom prst="rect">
+                  <a:avLst/>
+                </a:prstGeom>
+                <a:noFill/>
+              </p:spPr>
+              <p:txBody>
+                <a:bodyPr wrap="square" rtlCol="0">
+                  <a:spAutoFit/>
+                </a:bodyPr>
+                <a:lstStyle/>
+                <a:p>
+                  <a:pPr/>
+                  <a14:m>
+                    <m:oMathPara xmlns:m="http://schemas.openxmlformats.org/officeDocument/2006/math">
+                      <m:oMathParaPr>
+                        <m:jc m:val="centerGroup"/>
+                      </m:oMathParaPr>
+                      <m:oMath xmlns:m="http://schemas.openxmlformats.org/officeDocument/2006/math">
+                        <m:sSub>
+                          <m:sSubPr>
+                            <m:ctrlPr>
+                              <a:rPr kumimoji="1" lang="en-US" altLang="ja-JP" i="1" smtClean="0">
+                                <a:latin typeface="Cambria Math" panose="02040503050406030204" pitchFamily="18" charset="0"/>
+                              </a:rPr>
+                            </m:ctrlPr>
+                          </m:sSubPr>
+                          <m:e>
+                            <m:r>
+                              <a:rPr kumimoji="1" lang="en-US" altLang="ja-JP" b="0" i="1" smtClean="0">
+                                <a:latin typeface="Cambria Math" panose="02040503050406030204" pitchFamily="18" charset="0"/>
+                              </a:rPr>
+                              <m:t>𝑅</m:t>
+                            </m:r>
+                          </m:e>
+                          <m:sub>
+                            <m:r>
+                              <a:rPr kumimoji="1" lang="en-US" altLang="ja-JP" b="0" i="1" smtClean="0">
+                                <a:latin typeface="Cambria Math" panose="02040503050406030204" pitchFamily="18" charset="0"/>
+                              </a:rPr>
+                              <m:t>𝑎</m:t>
+                            </m:r>
+                          </m:sub>
+                        </m:sSub>
+                      </m:oMath>
+                    </m:oMathPara>
+                  </a14:m>
+                  <a:endParaRPr kumimoji="1" lang="ja-JP" altLang="en-US"/>
+                </a:p>
+              </p:txBody>
+            </p:sp>
+          </mc:Choice>
+          <mc:Fallback xmlns="">
+            <p:sp>
+              <p:nvSpPr>
+                <p:cNvPr id="13" name="テキスト ボックス 12">
+                  <a:extLst>
+                    <a:ext uri="{FF2B5EF4-FFF2-40B4-BE49-F238E27FC236}">
+                      <a16:creationId xmlns:a16="http://schemas.microsoft.com/office/drawing/2014/main" id="{5F99FF0D-55C5-4ECF-2F99-505147AAD403}"/>
+                    </a:ext>
+                  </a:extLst>
+                </p:cNvPr>
+                <p:cNvSpPr txBox="1">
+                  <a:spLocks noRot="1" noChangeAspect="1" noMove="1" noResize="1" noEditPoints="1" noAdjustHandles="1" noChangeArrowheads="1" noChangeShapeType="1" noTextEdit="1"/>
+                </p:cNvSpPr>
+                <p:nvPr/>
+              </p:nvSpPr>
+              <p:spPr>
+                <a:xfrm>
+                  <a:off x="7589471" y="2447527"/>
+                  <a:ext cx="513346" cy="369332"/>
+                </a:xfrm>
+                <a:prstGeom prst="rect">
+                  <a:avLst/>
+                </a:prstGeom>
+                <a:blipFill>
+                  <a:blip r:embed="rId9"/>
+                  <a:stretch>
+                    <a:fillRect/>
+                  </a:stretch>
+                </a:blipFill>
+              </p:spPr>
+              <p:txBody>
+                <a:bodyPr/>
+                <a:lstStyle/>
+                <a:p>
+                  <a:r>
+                    <a:rPr lang="ja-JP" altLang="en-US">
+                      <a:noFill/>
+                    </a:rPr>
+                    <a:t> </a:t>
+                  </a:r>
+                </a:p>
+              </p:txBody>
+            </p:sp>
+          </mc:Fallback>
+        </mc:AlternateContent>
+        <mc:AlternateContent xmlns:mc="http://schemas.openxmlformats.org/markup-compatibility/2006" xmlns:a14="http://schemas.microsoft.com/office/drawing/2010/main">
+          <mc:Choice Requires="a14">
+            <p:sp>
+              <p:nvSpPr>
+                <p:cNvPr id="63" name="テキスト ボックス 62">
+                  <a:extLst>
+                    <a:ext uri="{FF2B5EF4-FFF2-40B4-BE49-F238E27FC236}">
+                      <a16:creationId xmlns:a16="http://schemas.microsoft.com/office/drawing/2014/main" id="{528612F8-DB7D-DE61-56A3-23FB68F0A1C0}"/>
+                    </a:ext>
+                  </a:extLst>
+                </p:cNvPr>
+                <p:cNvSpPr txBox="1"/>
+                <p:nvPr/>
+              </p:nvSpPr>
+              <p:spPr>
+                <a:xfrm>
+                  <a:off x="7619628" y="3984791"/>
+                  <a:ext cx="345864" cy="369332"/>
+                </a:xfrm>
+                <a:prstGeom prst="rect">
+                  <a:avLst/>
+                </a:prstGeom>
+                <a:noFill/>
+              </p:spPr>
+              <p:txBody>
+                <a:bodyPr wrap="square" rtlCol="0">
+                  <a:spAutoFit/>
+                </a:bodyPr>
+                <a:lstStyle/>
+                <a:p>
+                  <a:pPr/>
+                  <a14:m>
+                    <m:oMathPara xmlns:m="http://schemas.openxmlformats.org/officeDocument/2006/math">
+                      <m:oMathParaPr>
+                        <m:jc m:val="centerGroup"/>
+                      </m:oMathParaPr>
+                      <m:oMath xmlns:m="http://schemas.openxmlformats.org/officeDocument/2006/math">
+                        <m:r>
+                          <a:rPr kumimoji="1" lang="en-US" altLang="ja-JP" b="0" i="1" smtClean="0">
+                            <a:latin typeface="Cambria Math" panose="02040503050406030204" pitchFamily="18" charset="0"/>
+                          </a:rPr>
+                          <m:t>𝐼</m:t>
+                        </m:r>
+                      </m:oMath>
+                    </m:oMathPara>
+                  </a14:m>
+                  <a:endParaRPr kumimoji="1" lang="ja-JP" altLang="en-US"/>
+                </a:p>
+              </p:txBody>
+            </p:sp>
+          </mc:Choice>
+          <mc:Fallback xmlns="">
+            <p:sp>
+              <p:nvSpPr>
+                <p:cNvPr id="14" name="テキスト ボックス 13">
+                  <a:extLst>
+                    <a:ext uri="{FF2B5EF4-FFF2-40B4-BE49-F238E27FC236}">
+                      <a16:creationId xmlns:a16="http://schemas.microsoft.com/office/drawing/2014/main" id="{1CCA9E03-B3FB-A11B-6E43-837F144C10D3}"/>
+                    </a:ext>
+                  </a:extLst>
+                </p:cNvPr>
+                <p:cNvSpPr txBox="1">
+                  <a:spLocks noRot="1" noChangeAspect="1" noMove="1" noResize="1" noEditPoints="1" noAdjustHandles="1" noChangeArrowheads="1" noChangeShapeType="1" noTextEdit="1"/>
+                </p:cNvSpPr>
+                <p:nvPr/>
+              </p:nvSpPr>
+              <p:spPr>
+                <a:xfrm>
+                  <a:off x="7619628" y="3984791"/>
+                  <a:ext cx="345864" cy="369332"/>
+                </a:xfrm>
+                <a:prstGeom prst="rect">
+                  <a:avLst/>
+                </a:prstGeom>
+                <a:blipFill>
+                  <a:blip r:embed="rId10"/>
+                  <a:stretch>
+                    <a:fillRect/>
+                  </a:stretch>
+                </a:blipFill>
+              </p:spPr>
+              <p:txBody>
+                <a:bodyPr/>
+                <a:lstStyle/>
+                <a:p>
+                  <a:r>
+                    <a:rPr lang="ja-JP" altLang="en-US">
+                      <a:noFill/>
+                    </a:rPr>
+                    <a:t> </a:t>
+                  </a:r>
+                </a:p>
+              </p:txBody>
+            </p:sp>
+          </mc:Fallback>
+        </mc:AlternateContent>
+        <p:cxnSp>
+          <p:nvCxnSpPr>
+            <p:cNvPr id="64" name="直線矢印コネクタ 63">
+              <a:extLst>
+                <a:ext uri="{FF2B5EF4-FFF2-40B4-BE49-F238E27FC236}">
+                  <a16:creationId xmlns:a16="http://schemas.microsoft.com/office/drawing/2014/main" id="{1E5E0C58-874C-92D3-08D7-582D6BA2CAC3}"/>
+                </a:ext>
+              </a:extLst>
+            </p:cNvPr>
+            <p:cNvCxnSpPr>
+              <a:cxnSpLocks/>
+            </p:cNvCxnSpPr>
+            <p:nvPr/>
+          </p:nvCxnSpPr>
+          <p:spPr>
+            <a:xfrm>
+              <a:off x="3050396" y="4020860"/>
+              <a:ext cx="1886652" cy="12700"/>
+            </a:xfrm>
+            <a:prstGeom prst="straightConnector1">
+              <a:avLst/>
+            </a:prstGeom>
+            <a:ln>
+              <a:round/>
+              <a:tailEnd type="triangle"/>
+            </a:ln>
+          </p:spPr>
+          <p:style>
+            <a:lnRef idx="2">
+              <a:schemeClr val="dk1"/>
+            </a:lnRef>
+            <a:fillRef idx="0">
+              <a:schemeClr val="dk1"/>
+            </a:fillRef>
+            <a:effectRef idx="1">
+              <a:schemeClr val="dk1"/>
+            </a:effectRef>
+            <a:fontRef idx="minor">
+              <a:schemeClr val="tx1"/>
+            </a:fontRef>
+          </p:style>
+        </p:cxnSp>
+        <mc:AlternateContent xmlns:mc="http://schemas.openxmlformats.org/markup-compatibility/2006" xmlns:a14="http://schemas.microsoft.com/office/drawing/2010/main">
+          <mc:Choice Requires="a14">
+            <p:sp>
+              <p:nvSpPr>
+                <p:cNvPr id="65" name="テキスト ボックス 64">
+                  <a:extLst>
+                    <a:ext uri="{FF2B5EF4-FFF2-40B4-BE49-F238E27FC236}">
+                      <a16:creationId xmlns:a16="http://schemas.microsoft.com/office/drawing/2014/main" id="{DB1AC2A1-FFA9-4872-D2C9-308975BDEA76}"/>
+                    </a:ext>
+                  </a:extLst>
+                </p:cNvPr>
+                <p:cNvSpPr txBox="1"/>
+                <p:nvPr/>
+              </p:nvSpPr>
+              <p:spPr>
+                <a:xfrm>
+                  <a:off x="3176208" y="3631564"/>
+                  <a:ext cx="461858" cy="276999"/>
+                </a:xfrm>
+                <a:prstGeom prst="rect">
+                  <a:avLst/>
+                </a:prstGeom>
+                <a:noFill/>
+              </p:spPr>
+              <p:txBody>
+                <a:bodyPr wrap="square" lIns="0" tIns="0" rIns="0" bIns="0" rtlCol="0">
+                  <a:spAutoFit/>
+                </a:bodyPr>
+                <a:lstStyle/>
+                <a:p>
+                  <a:pPr/>
+                  <a14:m>
+                    <m:oMathPara xmlns:m="http://schemas.openxmlformats.org/officeDocument/2006/math">
+                      <m:oMathParaPr>
+                        <m:jc m:val="centerGroup"/>
+                      </m:oMathParaPr>
+                      <m:oMath xmlns:m="http://schemas.openxmlformats.org/officeDocument/2006/math">
+                        <m:sSub>
+                          <m:sSubPr>
+                            <m:ctrlPr>
+                              <a:rPr kumimoji="1" lang="en-US" altLang="ja-JP" i="1" smtClean="0">
+                                <a:latin typeface="Cambria Math" panose="02040503050406030204" pitchFamily="18" charset="0"/>
+                              </a:rPr>
+                            </m:ctrlPr>
+                          </m:sSubPr>
+                          <m:e>
+                            <m:r>
+                              <a:rPr kumimoji="1" lang="en-US" altLang="ja-JP" b="0" i="1" smtClean="0">
+                                <a:latin typeface="Cambria Math" panose="02040503050406030204" pitchFamily="18" charset="0"/>
+                              </a:rPr>
+                              <m:t>𝑢</m:t>
+                            </m:r>
+                          </m:e>
+                          <m:sub>
+                            <m:r>
+                              <a:rPr kumimoji="1" lang="en-US" altLang="ja-JP" b="0" i="1" smtClean="0">
+                                <a:latin typeface="Cambria Math" panose="02040503050406030204" pitchFamily="18" charset="0"/>
+                              </a:rPr>
+                              <m:t>𝑖𝑛𝑠</m:t>
+                            </m:r>
+                          </m:sub>
+                        </m:sSub>
+                      </m:oMath>
+                    </m:oMathPara>
+                  </a14:m>
+                  <a:endParaRPr kumimoji="1" lang="ja-JP" altLang="en-US"/>
+                </a:p>
+              </p:txBody>
+            </p:sp>
+          </mc:Choice>
+          <mc:Fallback xmlns="">
+            <p:sp>
+              <p:nvSpPr>
+                <p:cNvPr id="17" name="テキスト ボックス 16">
+                  <a:extLst>
+                    <a:ext uri="{FF2B5EF4-FFF2-40B4-BE49-F238E27FC236}">
+                      <a16:creationId xmlns:a16="http://schemas.microsoft.com/office/drawing/2014/main" id="{B0B1FFBF-8BEE-8990-8E12-3F069AC84244}"/>
+                    </a:ext>
+                  </a:extLst>
+                </p:cNvPr>
+                <p:cNvSpPr txBox="1">
+                  <a:spLocks noRot="1" noChangeAspect="1" noMove="1" noResize="1" noEditPoints="1" noAdjustHandles="1" noChangeArrowheads="1" noChangeShapeType="1" noTextEdit="1"/>
+                </p:cNvSpPr>
+                <p:nvPr/>
+              </p:nvSpPr>
+              <p:spPr>
+                <a:xfrm>
+                  <a:off x="3176208" y="3631564"/>
+                  <a:ext cx="461858" cy="276999"/>
+                </a:xfrm>
+                <a:prstGeom prst="rect">
+                  <a:avLst/>
+                </a:prstGeom>
+                <a:blipFill>
+                  <a:blip r:embed="rId11"/>
+                  <a:stretch>
+                    <a:fillRect/>
+                  </a:stretch>
+                </a:blipFill>
+              </p:spPr>
+              <p:txBody>
+                <a:bodyPr/>
+                <a:lstStyle/>
+                <a:p>
+                  <a:r>
+                    <a:rPr lang="ja-JP" altLang="en-US">
+                      <a:noFill/>
+                    </a:rPr>
+                    <a:t> </a:t>
+                  </a:r>
+                </a:p>
+              </p:txBody>
+            </p:sp>
+          </mc:Fallback>
+        </mc:AlternateContent>
+        <p:cxnSp>
+          <p:nvCxnSpPr>
+            <p:cNvPr id="66" name="直線矢印コネクタ 65">
+              <a:extLst>
+                <a:ext uri="{FF2B5EF4-FFF2-40B4-BE49-F238E27FC236}">
+                  <a16:creationId xmlns:a16="http://schemas.microsoft.com/office/drawing/2014/main" id="{8D51C55F-82D6-0922-2943-3C79AEBB302C}"/>
+                </a:ext>
+              </a:extLst>
+            </p:cNvPr>
+            <p:cNvCxnSpPr>
+              <a:cxnSpLocks/>
+            </p:cNvCxnSpPr>
+            <p:nvPr/>
+          </p:nvCxnSpPr>
+          <p:spPr>
+            <a:xfrm>
+              <a:off x="9160678" y="3429000"/>
+              <a:ext cx="1482513" cy="0"/>
+            </a:xfrm>
+            <a:prstGeom prst="straightConnector1">
+              <a:avLst/>
+            </a:prstGeom>
+            <a:ln>
+              <a:round/>
+              <a:tailEnd type="triangle"/>
+            </a:ln>
+          </p:spPr>
+          <p:style>
+            <a:lnRef idx="2">
+              <a:schemeClr val="dk1"/>
+            </a:lnRef>
+            <a:fillRef idx="0">
+              <a:schemeClr val="dk1"/>
+            </a:fillRef>
+            <a:effectRef idx="1">
+              <a:schemeClr val="dk1"/>
+            </a:effectRef>
+            <a:fontRef idx="minor">
+              <a:schemeClr val="tx1"/>
+            </a:fontRef>
+          </p:style>
+        </p:cxnSp>
+        <mc:AlternateContent xmlns:mc="http://schemas.openxmlformats.org/markup-compatibility/2006" xmlns:a14="http://schemas.microsoft.com/office/drawing/2010/main">
+          <mc:Choice Requires="a14">
+            <p:sp>
+              <p:nvSpPr>
+                <p:cNvPr id="67" name="テキスト ボックス 66">
+                  <a:extLst>
+                    <a:ext uri="{FF2B5EF4-FFF2-40B4-BE49-F238E27FC236}">
+                      <a16:creationId xmlns:a16="http://schemas.microsoft.com/office/drawing/2014/main" id="{A0604F26-475E-95AC-A46C-81388D833BAD}"/>
+                    </a:ext>
+                  </a:extLst>
+                </p:cNvPr>
+                <p:cNvSpPr txBox="1"/>
+                <p:nvPr/>
+              </p:nvSpPr>
+              <p:spPr>
+                <a:xfrm>
+                  <a:off x="9901934" y="3152001"/>
+                  <a:ext cx="221727" cy="276999"/>
+                </a:xfrm>
+                <a:prstGeom prst="rect">
+                  <a:avLst/>
+                </a:prstGeom>
+                <a:noFill/>
+              </p:spPr>
+              <p:txBody>
+                <a:bodyPr wrap="square" lIns="0" tIns="0" rIns="0" bIns="0" rtlCol="0">
+                  <a:spAutoFit/>
+                </a:bodyPr>
+                <a:lstStyle/>
+                <a:p>
+                  <a:pPr/>
+                  <a14:m>
+                    <m:oMathPara xmlns:m="http://schemas.openxmlformats.org/officeDocument/2006/math">
+                      <m:oMathParaPr>
+                        <m:jc m:val="centerGroup"/>
+                      </m:oMathParaPr>
+                      <m:oMath xmlns:m="http://schemas.openxmlformats.org/officeDocument/2006/math">
+                        <m:r>
+                          <a:rPr kumimoji="1" lang="en-US" altLang="ja-JP" b="0" i="1" smtClean="0">
+                            <a:latin typeface="Cambria Math" panose="02040503050406030204" pitchFamily="18" charset="0"/>
+                          </a:rPr>
+                          <m:t>𝐺</m:t>
+                        </m:r>
+                      </m:oMath>
+                    </m:oMathPara>
+                  </a14:m>
+                  <a:endParaRPr kumimoji="1" lang="ja-JP" altLang="en-US"/>
+                </a:p>
+              </p:txBody>
+            </p:sp>
+          </mc:Choice>
+          <mc:Fallback xmlns="">
+            <p:sp>
+              <p:nvSpPr>
+                <p:cNvPr id="20" name="テキスト ボックス 19">
+                  <a:extLst>
+                    <a:ext uri="{FF2B5EF4-FFF2-40B4-BE49-F238E27FC236}">
+                      <a16:creationId xmlns:a16="http://schemas.microsoft.com/office/drawing/2014/main" id="{812E6A73-63FC-A4CB-46EB-D73C5078096B}"/>
+                    </a:ext>
+                  </a:extLst>
+                </p:cNvPr>
+                <p:cNvSpPr txBox="1">
+                  <a:spLocks noRot="1" noChangeAspect="1" noMove="1" noResize="1" noEditPoints="1" noAdjustHandles="1" noChangeArrowheads="1" noChangeShapeType="1" noTextEdit="1"/>
+                </p:cNvSpPr>
+                <p:nvPr/>
+              </p:nvSpPr>
+              <p:spPr>
+                <a:xfrm>
+                  <a:off x="9901934" y="3152001"/>
+                  <a:ext cx="221727" cy="276999"/>
+                </a:xfrm>
+                <a:prstGeom prst="rect">
+                  <a:avLst/>
+                </a:prstGeom>
+                <a:blipFill>
+                  <a:blip r:embed="rId12"/>
+                  <a:stretch>
+                    <a:fillRect l="-14286" r="-4762"/>
+                  </a:stretch>
+                </a:blipFill>
+              </p:spPr>
+              <p:txBody>
+                <a:bodyPr/>
+                <a:lstStyle/>
+                <a:p>
+                  <a:r>
+                    <a:rPr lang="ja-JP" altLang="en-US">
+                      <a:noFill/>
+                    </a:rPr>
+                    <a:t> </a:t>
+                  </a:r>
+                </a:p>
+              </p:txBody>
+            </p:sp>
+          </mc:Fallback>
+        </mc:AlternateContent>
+      </p:grpSp>
+      <mc:AlternateContent xmlns:mc="http://schemas.openxmlformats.org/markup-compatibility/2006">
+        <mc:Choice xmlns:a14="http://schemas.microsoft.com/office/drawing/2010/main" Requires="a14">
+          <p:sp>
+            <p:nvSpPr>
+              <p:cNvPr id="68" name="TextBox 405">
+                <a:extLst>
+                  <a:ext uri="{FF2B5EF4-FFF2-40B4-BE49-F238E27FC236}">
+                    <a16:creationId xmlns:a16="http://schemas.microsoft.com/office/drawing/2014/main" id="{128C3838-9FFB-3854-F7DF-754E07F44FF4}"/>
+                  </a:ext>
+                </a:extLst>
+              </p:cNvPr>
+              <p:cNvSpPr txBox="1"/>
+              <p:nvPr/>
+            </p:nvSpPr>
+            <p:spPr>
+              <a:xfrm>
+                <a:off x="9634996" y="17907400"/>
+                <a:ext cx="8123621" cy="884281"/>
+              </a:xfrm>
+              <a:prstGeom prst="rect">
+                <a:avLst/>
+              </a:prstGeom>
+              <a:noFill/>
+            </p:spPr>
+            <p:txBody>
+              <a:bodyPr wrap="square" lIns="0" tIns="0" rIns="0" bIns="0" rtlCol="0">
+                <a:spAutoFit/>
+              </a:bodyPr>
+              <a:lstStyle/>
+              <a:p>
+                <a:pPr/>
+                <a14:m>
+                  <m:oMathPara xmlns:m="http://schemas.openxmlformats.org/officeDocument/2006/math">
+                    <m:oMathParaPr>
+                      <m:jc m:val="centerGroup"/>
+                    </m:oMathParaPr>
+                    <m:oMath xmlns:m="http://schemas.openxmlformats.org/officeDocument/2006/math">
+                      <m:r>
+                        <a:rPr lang="en-US" b="0" i="1" smtClean="0">
+                          <a:latin typeface="Cambria Math" panose="02040503050406030204" pitchFamily="18" charset="0"/>
+                        </a:rPr>
+                        <m:t>𝑥</m:t>
+                      </m:r>
+                      <m:d>
+                        <m:dPr>
+                          <m:ctrlPr>
+                            <a:rPr lang="en-US" b="0" i="1" smtClean="0">
+                              <a:latin typeface="Cambria Math" panose="02040503050406030204" pitchFamily="18" charset="0"/>
+                            </a:rPr>
+                          </m:ctrlPr>
+                        </m:dPr>
+                        <m:e>
+                          <m:r>
+                            <a:rPr lang="en-US" b="0" i="1" smtClean="0">
+                              <a:latin typeface="Cambria Math" panose="02040503050406030204" pitchFamily="18" charset="0"/>
+                            </a:rPr>
+                            <m:t>𝑘</m:t>
+                          </m:r>
+                          <m:r>
+                            <a:rPr lang="en-US" b="0" i="1" smtClean="0">
+                              <a:latin typeface="Cambria Math" panose="02040503050406030204" pitchFamily="18" charset="0"/>
+                            </a:rPr>
+                            <m:t>+1</m:t>
+                          </m:r>
+                        </m:e>
+                      </m:d>
+                      <m:r>
+                        <a:rPr lang="en-US" i="1" smtClean="0">
+                          <a:latin typeface="Cambria Math" panose="02040503050406030204" pitchFamily="18" charset="0"/>
+                        </a:rPr>
+                        <m:t>=</m:t>
+                      </m:r>
+                      <m:d>
+                        <m:dPr>
+                          <m:begChr m:val="{"/>
+                          <m:endChr m:val=""/>
+                          <m:ctrlPr>
+                            <a:rPr lang="en-US" i="1" smtClean="0">
+                              <a:latin typeface="Cambria Math" panose="02040503050406030204" pitchFamily="18" charset="0"/>
+                            </a:rPr>
+                          </m:ctrlPr>
+                        </m:dPr>
+                        <m:e>
+                          <m:eqArr>
+                            <m:eqArrPr>
+                              <m:ctrlPr>
+                                <a:rPr lang="en-US" i="1" smtClean="0">
+                                  <a:latin typeface="Cambria Math" panose="02040503050406030204" pitchFamily="18" charset="0"/>
+                                </a:rPr>
+                              </m:ctrlPr>
+                            </m:eqArrPr>
+                            <m:e>
+                              <m:r>
+                                <a:rPr lang="en-US" i="1" smtClean="0">
+                                  <a:latin typeface="Cambria Math" panose="02040503050406030204" pitchFamily="18" charset="0"/>
+                                </a:rPr>
+                                <m:t>&amp;</m:t>
+                              </m:r>
+                              <m:r>
+                                <a:rPr lang="en-US" b="0" i="1" smtClean="0">
+                                  <a:latin typeface="Cambria Math" panose="02040503050406030204" pitchFamily="18" charset="0"/>
+                                </a:rPr>
+                                <m:t>𝜓</m:t>
+                              </m:r>
+                              <m:d>
+                                <m:dPr>
+                                  <m:ctrlPr>
+                                    <a:rPr lang="en-US" b="0" i="1" smtClean="0">
+                                      <a:latin typeface="Cambria Math" panose="02040503050406030204" pitchFamily="18" charset="0"/>
+                                    </a:rPr>
+                                  </m:ctrlPr>
+                                </m:dPr>
+                                <m:e>
+                                  <m:r>
+                                    <a:rPr lang="en-US" b="0" i="1" smtClean="0">
+                                      <a:latin typeface="Cambria Math" panose="02040503050406030204" pitchFamily="18" charset="0"/>
+                                    </a:rPr>
+                                    <m:t>𝑥</m:t>
+                                  </m:r>
+                                  <m:d>
+                                    <m:dPr>
+                                      <m:ctrlPr>
+                                        <a:rPr lang="en-US" b="0" i="1" smtClean="0">
+                                          <a:latin typeface="Cambria Math" panose="02040503050406030204" pitchFamily="18" charset="0"/>
+                                        </a:rPr>
+                                      </m:ctrlPr>
+                                    </m:dPr>
+                                    <m:e>
+                                      <m:r>
+                                        <a:rPr lang="en-US" b="0" i="1" smtClean="0">
+                                          <a:latin typeface="Cambria Math" panose="02040503050406030204" pitchFamily="18" charset="0"/>
+                                        </a:rPr>
+                                        <m:t>𝑘</m:t>
+                                      </m:r>
+                                    </m:e>
+                                  </m:d>
+                                  <m:r>
+                                    <a:rPr lang="en-US" b="0" i="1" smtClean="0">
+                                      <a:latin typeface="Cambria Math" panose="02040503050406030204" pitchFamily="18" charset="0"/>
+                                    </a:rPr>
+                                    <m:t>,</m:t>
+                                  </m:r>
+                                  <m:r>
+                                    <a:rPr lang="en-US" b="0" i="1" smtClean="0">
+                                      <a:latin typeface="Cambria Math" panose="02040503050406030204" pitchFamily="18" charset="0"/>
+                                    </a:rPr>
+                                    <m:t>𝑢</m:t>
+                                  </m:r>
+                                  <m:d>
+                                    <m:dPr>
+                                      <m:ctrlPr>
+                                        <a:rPr lang="en-US" b="0" i="1" smtClean="0">
+                                          <a:latin typeface="Cambria Math" panose="02040503050406030204" pitchFamily="18" charset="0"/>
+                                        </a:rPr>
+                                      </m:ctrlPr>
+                                    </m:dPr>
+                                    <m:e>
+                                      <m:r>
+                                        <a:rPr lang="en-US" b="0" i="1" smtClean="0">
+                                          <a:latin typeface="Cambria Math" panose="02040503050406030204" pitchFamily="18" charset="0"/>
+                                        </a:rPr>
+                                        <m:t>𝑘</m:t>
+                                      </m:r>
+                                    </m:e>
+                                  </m:d>
+                                  <m:r>
+                                    <a:rPr lang="en-US" b="0" i="1" smtClean="0">
+                                      <a:latin typeface="Cambria Math" panose="02040503050406030204" pitchFamily="18" charset="0"/>
+                                    </a:rPr>
+                                    <m:t>,</m:t>
+                                  </m:r>
+                                  <m:r>
+                                    <a:rPr lang="en-US" b="0" i="1" smtClean="0">
+                                      <a:solidFill>
+                                        <a:srgbClr val="C00000"/>
+                                      </a:solidFill>
+                                      <a:latin typeface="Cambria Math" panose="02040503050406030204" pitchFamily="18" charset="0"/>
+                                    </a:rPr>
+                                    <m:t>𝜃</m:t>
+                                  </m:r>
+                                  <m:r>
+                                    <a:rPr lang="en-US" b="0" i="1" smtClean="0">
+                                      <a:latin typeface="Cambria Math" panose="02040503050406030204" pitchFamily="18" charset="0"/>
+                                    </a:rPr>
+                                    <m:t>,</m:t>
+                                  </m:r>
+                                  <m:sSub>
+                                    <m:sSubPr>
+                                      <m:ctrlPr>
+                                        <a:rPr lang="en-US" b="0" i="1" smtClean="0">
+                                          <a:solidFill>
+                                            <a:srgbClr val="C00000"/>
+                                          </a:solidFill>
+                                          <a:latin typeface="Cambria Math" panose="02040503050406030204" pitchFamily="18" charset="0"/>
+                                        </a:rPr>
+                                      </m:ctrlPr>
+                                    </m:sSubPr>
+                                    <m:e>
+                                      <m:r>
+                                        <a:rPr lang="en-US" b="0" i="1" smtClean="0">
+                                          <a:solidFill>
+                                            <a:srgbClr val="C00000"/>
+                                          </a:solidFill>
+                                          <a:latin typeface="Cambria Math" panose="02040503050406030204" pitchFamily="18" charset="0"/>
+                                        </a:rPr>
+                                        <m:t>𝑘</m:t>
+                                      </m:r>
+                                    </m:e>
+                                    <m:sub>
+                                      <m:r>
+                                        <a:rPr lang="en-US" b="0" i="1" smtClean="0">
+                                          <a:solidFill>
+                                            <a:srgbClr val="C00000"/>
+                                          </a:solidFill>
+                                          <a:latin typeface="Cambria Math" panose="02040503050406030204" pitchFamily="18" charset="0"/>
+                                        </a:rPr>
+                                        <m:t>𝛾</m:t>
+                                      </m:r>
+                                      <m:r>
+                                        <a:rPr lang="en-US" b="0" i="1" smtClean="0">
+                                          <a:solidFill>
+                                            <a:srgbClr val="C00000"/>
+                                          </a:solidFill>
+                                          <a:latin typeface="Cambria Math" panose="02040503050406030204" pitchFamily="18" charset="0"/>
+                                        </a:rPr>
+                                        <m:t>0</m:t>
+                                      </m:r>
+                                    </m:sub>
+                                  </m:sSub>
+                                </m:e>
+                              </m:d>
+                              <m:r>
+                                <a:rPr lang="en-US" b="0" i="1" smtClean="0">
+                                  <a:latin typeface="Cambria Math" panose="02040503050406030204" pitchFamily="18" charset="0"/>
+                                </a:rPr>
+                                <m:t>     </m:t>
+                              </m:r>
+                              <m:r>
+                                <m:rPr>
+                                  <m:sty m:val="p"/>
+                                </m:rPr>
+                                <a:rPr lang="en-US" b="0" i="0" smtClean="0">
+                                  <a:latin typeface="Cambria Math" panose="02040503050406030204" pitchFamily="18" charset="0"/>
+                                </a:rPr>
+                                <m:t>if</m:t>
+                              </m:r>
+                              <m:r>
+                                <a:rPr lang="en-US" b="0" i="1" smtClean="0">
+                                  <a:latin typeface="Cambria Math" panose="02040503050406030204" pitchFamily="18" charset="0"/>
+                                </a:rPr>
+                                <m:t>  </m:t>
+                              </m:r>
+                              <m:sSub>
+                                <m:sSubPr>
+                                  <m:ctrlPr>
+                                    <a:rPr lang="en-US" b="0" i="1" smtClean="0">
+                                      <a:solidFill>
+                                        <a:srgbClr val="C00000"/>
+                                      </a:solidFill>
+                                      <a:latin typeface="Cambria Math" panose="02040503050406030204" pitchFamily="18" charset="0"/>
+                                    </a:rPr>
+                                  </m:ctrlPr>
+                                </m:sSubPr>
+                                <m:e>
+                                  <m:r>
+                                    <a:rPr lang="en-US" b="0" i="1" smtClean="0">
+                                      <a:solidFill>
+                                        <a:srgbClr val="C00000"/>
+                                      </a:solidFill>
+                                      <a:latin typeface="Cambria Math" panose="02040503050406030204" pitchFamily="18" charset="0"/>
+                                    </a:rPr>
+                                    <m:t>𝑞</m:t>
+                                  </m:r>
+                                </m:e>
+                                <m:sub>
+                                  <m:r>
+                                    <a:rPr lang="en-US" b="0" i="1" smtClean="0">
+                                      <a:solidFill>
+                                        <a:srgbClr val="C00000"/>
+                                      </a:solidFill>
+                                      <a:latin typeface="Cambria Math" panose="02040503050406030204" pitchFamily="18" charset="0"/>
+                                    </a:rPr>
+                                    <m:t>1</m:t>
+                                  </m:r>
+                                </m:sub>
+                              </m:sSub>
+                              <m:r>
+                                <a:rPr lang="en-US" b="0" i="1" smtClean="0">
+                                  <a:latin typeface="Cambria Math" panose="02040503050406030204" pitchFamily="18" charset="0"/>
+                                </a:rPr>
+                                <m:t>𝐷</m:t>
+                              </m:r>
+                              <m:d>
+                                <m:dPr>
+                                  <m:ctrlPr>
+                                    <a:rPr lang="en-US" b="0" i="1" smtClean="0">
+                                      <a:latin typeface="Cambria Math" panose="02040503050406030204" pitchFamily="18" charset="0"/>
+                                    </a:rPr>
+                                  </m:ctrlPr>
+                                </m:dPr>
+                                <m:e>
+                                  <m:r>
+                                    <a:rPr lang="en-US" b="0" i="1" smtClean="0">
+                                      <a:latin typeface="Cambria Math" panose="02040503050406030204" pitchFamily="18" charset="0"/>
+                                    </a:rPr>
+                                    <m:t>𝑘</m:t>
+                                  </m:r>
+                                </m:e>
+                              </m:d>
+                              <m:r>
+                                <a:rPr lang="en-US" b="0" i="1" smtClean="0">
+                                  <a:latin typeface="Cambria Math" panose="02040503050406030204" pitchFamily="18" charset="0"/>
+                                </a:rPr>
+                                <m:t>≤</m:t>
+                              </m:r>
+                              <m:r>
+                                <a:rPr lang="en-US" b="0" i="1" smtClean="0">
+                                  <a:latin typeface="Cambria Math" panose="02040503050406030204" pitchFamily="18" charset="0"/>
+                                </a:rPr>
+                                <m:t>𝑆𝑥</m:t>
+                              </m:r>
+                              <m:d>
+                                <m:dPr>
+                                  <m:ctrlPr>
+                                    <a:rPr lang="en-US" b="0" i="1" smtClean="0">
+                                      <a:latin typeface="Cambria Math" panose="02040503050406030204" pitchFamily="18" charset="0"/>
+                                    </a:rPr>
+                                  </m:ctrlPr>
+                                </m:dPr>
+                                <m:e>
+                                  <m:r>
+                                    <a:rPr lang="en-US" b="0" i="1" smtClean="0">
+                                      <a:latin typeface="Cambria Math" panose="02040503050406030204" pitchFamily="18" charset="0"/>
+                                    </a:rPr>
+                                    <m:t>𝑘</m:t>
+                                  </m:r>
+                                </m:e>
+                              </m:d>
+                              <m:r>
+                                <a:rPr lang="en-US" b="0" i="1" smtClean="0">
+                                  <a:latin typeface="Cambria Math" panose="02040503050406030204" pitchFamily="18" charset="0"/>
+                                </a:rPr>
+                                <m:t>&lt;</m:t>
+                              </m:r>
+                              <m:sSub>
+                                <m:sSubPr>
+                                  <m:ctrlPr>
+                                    <a:rPr lang="en-US" b="0" i="1" smtClean="0">
+                                      <a:solidFill>
+                                        <a:srgbClr val="C00000"/>
+                                      </a:solidFill>
+                                      <a:latin typeface="Cambria Math" panose="02040503050406030204" pitchFamily="18" charset="0"/>
+                                    </a:rPr>
+                                  </m:ctrlPr>
+                                </m:sSubPr>
+                                <m:e>
+                                  <m:r>
+                                    <a:rPr lang="en-US" b="0" i="1" smtClean="0">
+                                      <a:solidFill>
+                                        <a:srgbClr val="C00000"/>
+                                      </a:solidFill>
+                                      <a:latin typeface="Cambria Math" panose="02040503050406030204" pitchFamily="18" charset="0"/>
+                                    </a:rPr>
+                                    <m:t>𝑞</m:t>
+                                  </m:r>
+                                </m:e>
+                                <m:sub>
+                                  <m:r>
+                                    <a:rPr lang="en-US" b="0" i="1" smtClean="0">
+                                      <a:solidFill>
+                                        <a:srgbClr val="C00000"/>
+                                      </a:solidFill>
+                                      <a:latin typeface="Cambria Math" panose="02040503050406030204" pitchFamily="18" charset="0"/>
+                                    </a:rPr>
+                                    <m:t>2</m:t>
+                                  </m:r>
+                                </m:sub>
+                              </m:sSub>
+                              <m:r>
+                                <a:rPr lang="en-US" b="0" i="1" smtClean="0">
+                                  <a:latin typeface="Cambria Math" panose="02040503050406030204" pitchFamily="18" charset="0"/>
+                                </a:rPr>
+                                <m:t>𝐷</m:t>
+                              </m:r>
+                              <m:d>
+                                <m:dPr>
+                                  <m:ctrlPr>
+                                    <a:rPr lang="en-US" b="0" i="1" smtClean="0">
+                                      <a:latin typeface="Cambria Math" panose="02040503050406030204" pitchFamily="18" charset="0"/>
+                                    </a:rPr>
+                                  </m:ctrlPr>
+                                </m:dPr>
+                                <m:e>
+                                  <m:r>
+                                    <a:rPr lang="en-US" b="0" i="1" smtClean="0">
+                                      <a:latin typeface="Cambria Math" panose="02040503050406030204" pitchFamily="18" charset="0"/>
+                                    </a:rPr>
+                                    <m:t>𝑘</m:t>
+                                  </m:r>
+                                </m:e>
+                              </m:d>
+                              <m:r>
+                                <a:rPr lang="en-US" b="0" i="1" smtClean="0">
+                                  <a:latin typeface="Cambria Math" panose="02040503050406030204" pitchFamily="18" charset="0"/>
+                                </a:rPr>
+                                <m:t>,</m:t>
+                              </m:r>
+                              <m:r>
+                                <a:rPr lang="ja-JP" altLang="en-US" b="0" i="1" smtClean="0">
+                                  <a:latin typeface="Cambria Math" panose="02040503050406030204" pitchFamily="18" charset="0"/>
+                                </a:rPr>
+                                <m:t>　</m:t>
+                              </m:r>
+                              <m:r>
+                                <a:rPr lang="en-US" altLang="ja-JP" b="0" i="1" smtClean="0">
+                                  <a:latin typeface="Cambria Math" panose="02040503050406030204" pitchFamily="18" charset="0"/>
+                                </a:rPr>
+                                <m:t>(</m:t>
+                              </m:r>
+                              <m:r>
+                                <m:rPr>
+                                  <m:sty m:val="p"/>
+                                </m:rPr>
+                                <a:rPr lang="en-US" altLang="ja-JP" b="0" i="0" smtClean="0">
+                                  <a:latin typeface="Cambria Math" panose="02040503050406030204" pitchFamily="18" charset="0"/>
+                                </a:rPr>
+                                <m:t>mode</m:t>
+                              </m:r>
+                              <m:r>
+                                <a:rPr lang="en-US" altLang="ja-JP" b="0" i="1" smtClean="0">
+                                  <a:latin typeface="Cambria Math" panose="02040503050406030204" pitchFamily="18" charset="0"/>
+                                </a:rPr>
+                                <m:t> 0)</m:t>
+                              </m:r>
+                            </m:e>
+                            <m:e>
+                              <m:r>
+                                <a:rPr lang="en-US" i="1" smtClean="0">
+                                  <a:latin typeface="Cambria Math" panose="02040503050406030204" pitchFamily="18" charset="0"/>
+                                </a:rPr>
+                                <m:t>&amp;</m:t>
+                              </m:r>
+                              <m:r>
+                                <a:rPr lang="en-US" b="0" i="1" smtClean="0">
+                                  <a:latin typeface="Cambria Math" panose="02040503050406030204" pitchFamily="18" charset="0"/>
+                                </a:rPr>
+                                <m:t>𝜓</m:t>
+                              </m:r>
+                              <m:d>
+                                <m:dPr>
+                                  <m:ctrlPr>
+                                    <a:rPr lang="en-US" b="0" i="1" smtClean="0">
+                                      <a:latin typeface="Cambria Math" panose="02040503050406030204" pitchFamily="18" charset="0"/>
+                                    </a:rPr>
+                                  </m:ctrlPr>
+                                </m:dPr>
+                                <m:e>
+                                  <m:r>
+                                    <a:rPr lang="en-US" b="0" i="1" smtClean="0">
+                                      <a:latin typeface="Cambria Math" panose="02040503050406030204" pitchFamily="18" charset="0"/>
+                                    </a:rPr>
+                                    <m:t>𝑥</m:t>
+                                  </m:r>
+                                  <m:d>
+                                    <m:dPr>
+                                      <m:ctrlPr>
+                                        <a:rPr lang="en-US" b="0" i="1" smtClean="0">
+                                          <a:latin typeface="Cambria Math" panose="02040503050406030204" pitchFamily="18" charset="0"/>
+                                        </a:rPr>
+                                      </m:ctrlPr>
+                                    </m:dPr>
+                                    <m:e>
+                                      <m:r>
+                                        <a:rPr lang="en-US" b="0" i="1" smtClean="0">
+                                          <a:latin typeface="Cambria Math" panose="02040503050406030204" pitchFamily="18" charset="0"/>
+                                        </a:rPr>
+                                        <m:t>𝑘</m:t>
+                                      </m:r>
+                                    </m:e>
+                                  </m:d>
+                                  <m:r>
+                                    <a:rPr lang="en-US" b="0" i="1" smtClean="0">
+                                      <a:latin typeface="Cambria Math" panose="02040503050406030204" pitchFamily="18" charset="0"/>
+                                    </a:rPr>
+                                    <m:t>,</m:t>
+                                  </m:r>
+                                  <m:r>
+                                    <a:rPr lang="en-US" b="0" i="1" smtClean="0">
+                                      <a:latin typeface="Cambria Math" panose="02040503050406030204" pitchFamily="18" charset="0"/>
+                                    </a:rPr>
+                                    <m:t>𝑢</m:t>
+                                  </m:r>
+                                  <m:d>
+                                    <m:dPr>
+                                      <m:ctrlPr>
+                                        <a:rPr lang="en-US" b="0" i="1" smtClean="0">
+                                          <a:latin typeface="Cambria Math" panose="02040503050406030204" pitchFamily="18" charset="0"/>
+                                        </a:rPr>
+                                      </m:ctrlPr>
+                                    </m:dPr>
+                                    <m:e>
+                                      <m:r>
+                                        <a:rPr lang="en-US" b="0" i="1" smtClean="0">
+                                          <a:latin typeface="Cambria Math" panose="02040503050406030204" pitchFamily="18" charset="0"/>
+                                        </a:rPr>
+                                        <m:t>𝑘</m:t>
+                                      </m:r>
+                                    </m:e>
+                                  </m:d>
+                                  <m:r>
+                                    <a:rPr lang="en-US" b="0" i="1" smtClean="0">
+                                      <a:latin typeface="Cambria Math" panose="02040503050406030204" pitchFamily="18" charset="0"/>
+                                    </a:rPr>
+                                    <m:t>,</m:t>
+                                  </m:r>
+                                  <m:r>
+                                    <a:rPr lang="en-US" b="0" i="1" smtClean="0">
+                                      <a:solidFill>
+                                        <a:srgbClr val="C00000"/>
+                                      </a:solidFill>
+                                      <a:latin typeface="Cambria Math" panose="02040503050406030204" pitchFamily="18" charset="0"/>
+                                    </a:rPr>
+                                    <m:t>𝜃</m:t>
+                                  </m:r>
+                                  <m:r>
+                                    <a:rPr lang="en-US" b="0" i="1" smtClean="0">
+                                      <a:latin typeface="Cambria Math" panose="02040503050406030204" pitchFamily="18" charset="0"/>
+                                    </a:rPr>
+                                    <m:t>,</m:t>
+                                  </m:r>
+                                  <m:sSub>
+                                    <m:sSubPr>
+                                      <m:ctrlPr>
+                                        <a:rPr lang="en-US" b="0" i="1" smtClean="0">
+                                          <a:solidFill>
+                                            <a:srgbClr val="C00000"/>
+                                          </a:solidFill>
+                                          <a:latin typeface="Cambria Math" panose="02040503050406030204" pitchFamily="18" charset="0"/>
+                                        </a:rPr>
+                                      </m:ctrlPr>
+                                    </m:sSubPr>
+                                    <m:e>
+                                      <m:r>
+                                        <a:rPr lang="en-US" b="0" i="1" smtClean="0">
+                                          <a:solidFill>
+                                            <a:srgbClr val="C00000"/>
+                                          </a:solidFill>
+                                          <a:latin typeface="Cambria Math" panose="02040503050406030204" pitchFamily="18" charset="0"/>
+                                        </a:rPr>
+                                        <m:t>𝑘</m:t>
+                                      </m:r>
+                                    </m:e>
+                                    <m:sub>
+                                      <m:r>
+                                        <a:rPr lang="en-US" b="0" i="1" smtClean="0">
+                                          <a:solidFill>
+                                            <a:srgbClr val="C00000"/>
+                                          </a:solidFill>
+                                          <a:latin typeface="Cambria Math" panose="02040503050406030204" pitchFamily="18" charset="0"/>
+                                        </a:rPr>
+                                        <m:t>𝛾</m:t>
+                                      </m:r>
+                                      <m:r>
+                                        <a:rPr lang="en-US" b="0" i="1" smtClean="0">
+                                          <a:solidFill>
+                                            <a:srgbClr val="C00000"/>
+                                          </a:solidFill>
+                                          <a:latin typeface="Cambria Math" panose="02040503050406030204" pitchFamily="18" charset="0"/>
+                                        </a:rPr>
+                                        <m:t>1</m:t>
+                                      </m:r>
+                                    </m:sub>
+                                  </m:sSub>
+                                </m:e>
+                              </m:d>
+                              <m:r>
+                                <a:rPr lang="en-US" b="0" i="1" smtClean="0">
+                                  <a:latin typeface="Cambria Math" panose="02040503050406030204" pitchFamily="18" charset="0"/>
+                                </a:rPr>
+                                <m:t>     </m:t>
+                              </m:r>
+                              <m:r>
+                                <m:rPr>
+                                  <m:sty m:val="p"/>
+                                </m:rPr>
+                                <a:rPr lang="en-US" b="0" i="0" smtClean="0">
+                                  <a:latin typeface="Cambria Math" panose="02040503050406030204" pitchFamily="18" charset="0"/>
+                                </a:rPr>
+                                <m:t>otherwise</m:t>
+                              </m:r>
+                              <m:r>
+                                <a:rPr lang="en-US" b="0" i="1" smtClean="0">
+                                  <a:latin typeface="Cambria Math" panose="02040503050406030204" pitchFamily="18" charset="0"/>
+                                </a:rPr>
+                                <m:t>,                                   (</m:t>
+                              </m:r>
+                              <m:r>
+                                <m:rPr>
+                                  <m:sty m:val="p"/>
+                                </m:rPr>
+                                <a:rPr lang="en-US" b="0" i="0" smtClean="0">
+                                  <a:latin typeface="Cambria Math" panose="02040503050406030204" pitchFamily="18" charset="0"/>
+                                </a:rPr>
+                                <m:t>mode</m:t>
+                              </m:r>
+                              <m:r>
+                                <a:rPr lang="en-US" b="0" i="1" smtClean="0">
+                                  <a:latin typeface="Cambria Math" panose="02040503050406030204" pitchFamily="18" charset="0"/>
+                                </a:rPr>
+                                <m:t> 1)</m:t>
+                              </m:r>
+                            </m:e>
+                          </m:eqArr>
+                        </m:e>
+                      </m:d>
+                    </m:oMath>
+                  </m:oMathPara>
+                </a14:m>
+                <a:endParaRPr lang="en-JP" dirty="0"/>
+              </a:p>
+            </p:txBody>
+          </p:sp>
+        </mc:Choice>
+        <mc:Fallback>
+          <p:sp>
+            <p:nvSpPr>
+              <p:cNvPr id="68" name="TextBox 405">
+                <a:extLst>
+                  <a:ext uri="{FF2B5EF4-FFF2-40B4-BE49-F238E27FC236}">
+                    <a16:creationId xmlns:a16="http://schemas.microsoft.com/office/drawing/2014/main" id="{128C3838-9FFB-3854-F7DF-754E07F44FF4}"/>
+                  </a:ext>
+                </a:extLst>
+              </p:cNvPr>
+              <p:cNvSpPr txBox="1">
+                <a:spLocks noRot="1" noChangeAspect="1" noMove="1" noResize="1" noEditPoints="1" noAdjustHandles="1" noChangeArrowheads="1" noChangeShapeType="1" noTextEdit="1"/>
+              </p:cNvSpPr>
+              <p:nvPr/>
+            </p:nvSpPr>
+            <p:spPr>
+              <a:xfrm>
+                <a:off x="9634996" y="17907400"/>
+                <a:ext cx="8123621" cy="884281"/>
+              </a:xfrm>
+              <a:prstGeom prst="rect">
+                <a:avLst/>
+              </a:prstGeom>
+              <a:blipFill>
+                <a:blip r:embed="rId13"/>
+                <a:stretch>
+                  <a:fillRect l="-3432" t="-231429" b="-330000"/>
+                </a:stretch>
+              </a:blipFill>
+            </p:spPr>
+            <p:txBody>
+              <a:bodyPr/>
+              <a:lstStyle/>
+              <a:p>
+                <a:r>
+                  <a:rPr lang="ja-JP" altLang="en-US">
+                    <a:noFill/>
+                  </a:rPr>
+                  <a:t> </a:t>
+                </a:r>
+              </a:p>
+            </p:txBody>
+          </p:sp>
+        </mc:Fallback>
+      </mc:AlternateContent>
+      <mc:AlternateContent xmlns:mc="http://schemas.openxmlformats.org/markup-compatibility/2006">
+        <mc:Choice xmlns:a14="http://schemas.microsoft.com/office/drawing/2010/main" Requires="a14">
+          <p:sp>
+            <p:nvSpPr>
+              <p:cNvPr id="69" name="TextBox 383">
+                <a:extLst>
+                  <a:ext uri="{FF2B5EF4-FFF2-40B4-BE49-F238E27FC236}">
+                    <a16:creationId xmlns:a16="http://schemas.microsoft.com/office/drawing/2014/main" id="{79FE7304-F249-43EA-A127-E84EA4DF7CA9}"/>
+                  </a:ext>
+                </a:extLst>
+              </p:cNvPr>
+              <p:cNvSpPr txBox="1"/>
+              <p:nvPr/>
+            </p:nvSpPr>
+            <p:spPr>
+              <a:xfrm>
+                <a:off x="9975891" y="19863608"/>
+                <a:ext cx="4731344" cy="884281"/>
+              </a:xfrm>
+              <a:prstGeom prst="rect">
+                <a:avLst/>
+              </a:prstGeom>
+              <a:noFill/>
+            </p:spPr>
+            <p:txBody>
+              <a:bodyPr wrap="square" lIns="0" tIns="0" rIns="0" bIns="0" rtlCol="0">
+                <a:spAutoFit/>
+              </a:bodyPr>
+              <a:lstStyle/>
+              <a:p>
+                <a:pPr/>
+                <a14:m>
+                  <m:oMathPara xmlns:m="http://schemas.openxmlformats.org/officeDocument/2006/math">
+                    <m:oMathParaPr>
+                      <m:jc m:val="centerGroup"/>
+                    </m:oMathParaPr>
+                    <m:oMath xmlns:m="http://schemas.openxmlformats.org/officeDocument/2006/math">
+                      <m:r>
+                        <a:rPr lang="en-US" b="0" i="1" smtClean="0">
+                          <a:latin typeface="Cambria Math" panose="02040503050406030204" pitchFamily="18" charset="0"/>
+                        </a:rPr>
+                        <m:t>𝑥</m:t>
+                      </m:r>
+                      <m:d>
+                        <m:dPr>
+                          <m:ctrlPr>
+                            <a:rPr lang="en-US" b="0" i="1" smtClean="0">
+                              <a:latin typeface="Cambria Math" panose="02040503050406030204" pitchFamily="18" charset="0"/>
+                            </a:rPr>
+                          </m:ctrlPr>
+                        </m:dPr>
+                        <m:e>
+                          <m:r>
+                            <a:rPr lang="en-US" b="0" i="1" smtClean="0">
+                              <a:latin typeface="Cambria Math" panose="02040503050406030204" pitchFamily="18" charset="0"/>
+                            </a:rPr>
+                            <m:t>𝑘</m:t>
+                          </m:r>
+                          <m:r>
+                            <a:rPr lang="en-US" b="0" i="1" smtClean="0">
+                              <a:latin typeface="Cambria Math" panose="02040503050406030204" pitchFamily="18" charset="0"/>
+                            </a:rPr>
+                            <m:t>+1</m:t>
+                          </m:r>
+                        </m:e>
+                      </m:d>
+                      <m:r>
+                        <a:rPr lang="en-US" i="1" smtClean="0">
+                          <a:latin typeface="Cambria Math" panose="02040503050406030204" pitchFamily="18" charset="0"/>
+                        </a:rPr>
+                        <m:t>=</m:t>
+                      </m:r>
+                      <m:d>
+                        <m:dPr>
+                          <m:begChr m:val="{"/>
+                          <m:endChr m:val=""/>
+                          <m:ctrlPr>
+                            <a:rPr lang="en-US" i="1" smtClean="0">
+                              <a:latin typeface="Cambria Math" panose="02040503050406030204" pitchFamily="18" charset="0"/>
+                            </a:rPr>
+                          </m:ctrlPr>
+                        </m:dPr>
+                        <m:e>
+                          <m:eqArr>
+                            <m:eqArrPr>
+                              <m:ctrlPr>
+                                <a:rPr lang="en-US" i="1" smtClean="0">
+                                  <a:latin typeface="Cambria Math" panose="02040503050406030204" pitchFamily="18" charset="0"/>
+                                </a:rPr>
+                              </m:ctrlPr>
+                            </m:eqArrPr>
+                            <m:e>
+                              <m:r>
+                                <a:rPr lang="en-US" i="1" smtClean="0">
+                                  <a:latin typeface="Cambria Math" panose="02040503050406030204" pitchFamily="18" charset="0"/>
+                                </a:rPr>
+                                <m:t>&amp;</m:t>
+                              </m:r>
+                              <m:r>
+                                <a:rPr lang="en-US" b="0" i="1" smtClean="0">
+                                  <a:latin typeface="Cambria Math" panose="02040503050406030204" pitchFamily="18" charset="0"/>
+                                </a:rPr>
+                                <m:t>𝜓</m:t>
+                              </m:r>
+                              <m:d>
+                                <m:dPr>
+                                  <m:ctrlPr>
+                                    <a:rPr lang="en-US" b="0" i="1" smtClean="0">
+                                      <a:latin typeface="Cambria Math" panose="02040503050406030204" pitchFamily="18" charset="0"/>
+                                    </a:rPr>
+                                  </m:ctrlPr>
+                                </m:dPr>
+                                <m:e>
+                                  <m:r>
+                                    <a:rPr lang="en-US" b="0" i="1" smtClean="0">
+                                      <a:latin typeface="Cambria Math" panose="02040503050406030204" pitchFamily="18" charset="0"/>
+                                    </a:rPr>
+                                    <m:t>𝑥</m:t>
+                                  </m:r>
+                                  <m:d>
+                                    <m:dPr>
+                                      <m:ctrlPr>
+                                        <a:rPr lang="en-US" b="0" i="1" smtClean="0">
+                                          <a:latin typeface="Cambria Math" panose="02040503050406030204" pitchFamily="18" charset="0"/>
+                                        </a:rPr>
+                                      </m:ctrlPr>
+                                    </m:dPr>
+                                    <m:e>
+                                      <m:r>
+                                        <a:rPr lang="en-US" b="0" i="1" smtClean="0">
+                                          <a:latin typeface="Cambria Math" panose="02040503050406030204" pitchFamily="18" charset="0"/>
+                                        </a:rPr>
+                                        <m:t>𝑘</m:t>
+                                      </m:r>
+                                    </m:e>
+                                  </m:d>
+                                  <m:r>
+                                    <a:rPr lang="en-US" b="0" i="1" smtClean="0">
+                                      <a:latin typeface="Cambria Math" panose="02040503050406030204" pitchFamily="18" charset="0"/>
+                                    </a:rPr>
+                                    <m:t>,</m:t>
+                                  </m:r>
+                                  <m:r>
+                                    <a:rPr lang="en-US" b="0" i="1" smtClean="0">
+                                      <a:latin typeface="Cambria Math" panose="02040503050406030204" pitchFamily="18" charset="0"/>
+                                    </a:rPr>
+                                    <m:t>𝑢</m:t>
+                                  </m:r>
+                                  <m:d>
+                                    <m:dPr>
+                                      <m:ctrlPr>
+                                        <a:rPr lang="en-US" b="0" i="1" smtClean="0">
+                                          <a:latin typeface="Cambria Math" panose="02040503050406030204" pitchFamily="18" charset="0"/>
+                                        </a:rPr>
+                                      </m:ctrlPr>
+                                    </m:dPr>
+                                    <m:e>
+                                      <m:r>
+                                        <a:rPr lang="en-US" b="0" i="1" smtClean="0">
+                                          <a:latin typeface="Cambria Math" panose="02040503050406030204" pitchFamily="18" charset="0"/>
+                                        </a:rPr>
+                                        <m:t>𝑘</m:t>
+                                      </m:r>
+                                    </m:e>
+                                  </m:d>
+                                  <m:r>
+                                    <a:rPr lang="en-US" b="0" i="1" smtClean="0">
+                                      <a:latin typeface="Cambria Math" panose="02040503050406030204" pitchFamily="18" charset="0"/>
+                                    </a:rPr>
+                                    <m:t>,</m:t>
+                                  </m:r>
+                                  <m:r>
+                                    <a:rPr lang="en-US" b="0" i="1" smtClean="0">
+                                      <a:solidFill>
+                                        <a:srgbClr val="C00000"/>
+                                      </a:solidFill>
+                                      <a:latin typeface="Cambria Math" panose="02040503050406030204" pitchFamily="18" charset="0"/>
+                                    </a:rPr>
+                                    <m:t>𝜃</m:t>
+                                  </m:r>
+                                  <m:r>
+                                    <a:rPr lang="en-US" b="0" i="1" smtClean="0">
+                                      <a:latin typeface="Cambria Math" panose="02040503050406030204" pitchFamily="18" charset="0"/>
+                                    </a:rPr>
+                                    <m:t>,</m:t>
+                                  </m:r>
+                                  <m:sSub>
+                                    <m:sSubPr>
+                                      <m:ctrlPr>
+                                        <a:rPr lang="en-US" b="0" i="1" smtClean="0">
+                                          <a:solidFill>
+                                            <a:srgbClr val="C00000"/>
+                                          </a:solidFill>
+                                          <a:latin typeface="Cambria Math" panose="02040503050406030204" pitchFamily="18" charset="0"/>
+                                        </a:rPr>
+                                      </m:ctrlPr>
+                                    </m:sSubPr>
+                                    <m:e>
+                                      <m:r>
+                                        <a:rPr lang="en-US" b="0" i="1" smtClean="0">
+                                          <a:solidFill>
+                                            <a:srgbClr val="C00000"/>
+                                          </a:solidFill>
+                                          <a:latin typeface="Cambria Math" panose="02040503050406030204" pitchFamily="18" charset="0"/>
+                                        </a:rPr>
+                                        <m:t>𝑘</m:t>
+                                      </m:r>
+                                    </m:e>
+                                    <m:sub>
+                                      <m:r>
+                                        <a:rPr lang="en-US" b="0" i="1" smtClean="0">
+                                          <a:solidFill>
+                                            <a:srgbClr val="C00000"/>
+                                          </a:solidFill>
+                                          <a:latin typeface="Cambria Math" panose="02040503050406030204" pitchFamily="18" charset="0"/>
+                                        </a:rPr>
+                                        <m:t>𝛾</m:t>
+                                      </m:r>
+                                      <m:r>
+                                        <a:rPr lang="en-US" b="0" i="1" smtClean="0">
+                                          <a:solidFill>
+                                            <a:srgbClr val="C00000"/>
+                                          </a:solidFill>
+                                          <a:latin typeface="Cambria Math" panose="02040503050406030204" pitchFamily="18" charset="0"/>
+                                        </a:rPr>
+                                        <m:t>0</m:t>
+                                      </m:r>
+                                    </m:sub>
+                                  </m:sSub>
+                                </m:e>
+                              </m:d>
+                              <m:r>
+                                <a:rPr lang="en-US" b="0" i="1" smtClean="0">
+                                  <a:latin typeface="Cambria Math" panose="02040503050406030204" pitchFamily="18" charset="0"/>
+                                </a:rPr>
+                                <m:t>     </m:t>
+                              </m:r>
+                              <m:r>
+                                <m:rPr>
+                                  <m:sty m:val="p"/>
+                                </m:rPr>
+                                <a:rPr lang="en-US" b="0" i="0" smtClean="0">
+                                  <a:latin typeface="Cambria Math" panose="02040503050406030204" pitchFamily="18" charset="0"/>
+                                </a:rPr>
+                                <m:t>if</m:t>
+                              </m:r>
+                              <m:r>
+                                <a:rPr lang="en-US" b="0" i="1" smtClean="0">
+                                  <a:latin typeface="Cambria Math" panose="02040503050406030204" pitchFamily="18" charset="0"/>
+                                </a:rPr>
+                                <m:t>  </m:t>
+                              </m:r>
+                              <m:acc>
+                                <m:accPr>
+                                  <m:chr m:val="̂"/>
+                                  <m:ctrlPr>
+                                    <a:rPr lang="en-US" b="0" i="1" smtClean="0">
+                                      <a:latin typeface="Cambria Math" panose="02040503050406030204" pitchFamily="18" charset="0"/>
+                                    </a:rPr>
+                                  </m:ctrlPr>
+                                </m:accPr>
+                                <m:e>
+                                  <m:r>
+                                    <a:rPr lang="en-US" b="0" i="1" smtClean="0">
+                                      <a:latin typeface="Cambria Math" panose="02040503050406030204" pitchFamily="18" charset="0"/>
+                                    </a:rPr>
+                                    <m:t>𝑚</m:t>
+                                  </m:r>
+                                </m:e>
+                              </m:acc>
+                              <m:r>
+                                <a:rPr lang="en-US" b="0" i="1" smtClean="0">
+                                  <a:latin typeface="Cambria Math" panose="02040503050406030204" pitchFamily="18" charset="0"/>
+                                </a:rPr>
+                                <m:t>(</m:t>
+                              </m:r>
+                              <m:r>
+                                <a:rPr lang="en-US" b="0" i="1" smtClean="0">
+                                  <a:latin typeface="Cambria Math" panose="02040503050406030204" pitchFamily="18" charset="0"/>
+                                </a:rPr>
+                                <m:t>𝑘</m:t>
+                              </m:r>
+                              <m:r>
+                                <a:rPr lang="en-US" b="0" i="1" smtClean="0">
+                                  <a:latin typeface="Cambria Math" panose="02040503050406030204" pitchFamily="18" charset="0"/>
+                                </a:rPr>
+                                <m:t>)=0</m:t>
+                              </m:r>
+                            </m:e>
+                            <m:e>
+                              <m:r>
+                                <a:rPr lang="en-US" i="1" smtClean="0">
+                                  <a:latin typeface="Cambria Math" panose="02040503050406030204" pitchFamily="18" charset="0"/>
+                                </a:rPr>
+                                <m:t>&amp;</m:t>
+                              </m:r>
+                              <m:r>
+                                <a:rPr lang="en-US" b="0" i="1" smtClean="0">
+                                  <a:latin typeface="Cambria Math" panose="02040503050406030204" pitchFamily="18" charset="0"/>
+                                </a:rPr>
+                                <m:t>𝜓</m:t>
+                              </m:r>
+                              <m:d>
+                                <m:dPr>
+                                  <m:ctrlPr>
+                                    <a:rPr lang="en-US" b="0" i="1" smtClean="0">
+                                      <a:latin typeface="Cambria Math" panose="02040503050406030204" pitchFamily="18" charset="0"/>
+                                    </a:rPr>
+                                  </m:ctrlPr>
+                                </m:dPr>
+                                <m:e>
+                                  <m:r>
+                                    <a:rPr lang="en-US" b="0" i="1" smtClean="0">
+                                      <a:latin typeface="Cambria Math" panose="02040503050406030204" pitchFamily="18" charset="0"/>
+                                    </a:rPr>
+                                    <m:t>𝑥</m:t>
+                                  </m:r>
+                                  <m:d>
+                                    <m:dPr>
+                                      <m:ctrlPr>
+                                        <a:rPr lang="en-US" b="0" i="1" smtClean="0">
+                                          <a:latin typeface="Cambria Math" panose="02040503050406030204" pitchFamily="18" charset="0"/>
+                                        </a:rPr>
+                                      </m:ctrlPr>
+                                    </m:dPr>
+                                    <m:e>
+                                      <m:r>
+                                        <a:rPr lang="en-US" b="0" i="1" smtClean="0">
+                                          <a:latin typeface="Cambria Math" panose="02040503050406030204" pitchFamily="18" charset="0"/>
+                                        </a:rPr>
+                                        <m:t>𝑘</m:t>
+                                      </m:r>
+                                    </m:e>
+                                  </m:d>
+                                  <m:r>
+                                    <a:rPr lang="en-US" b="0" i="1" smtClean="0">
+                                      <a:latin typeface="Cambria Math" panose="02040503050406030204" pitchFamily="18" charset="0"/>
+                                    </a:rPr>
+                                    <m:t>,</m:t>
+                                  </m:r>
+                                  <m:r>
+                                    <a:rPr lang="en-US" b="0" i="1" smtClean="0">
+                                      <a:latin typeface="Cambria Math" panose="02040503050406030204" pitchFamily="18" charset="0"/>
+                                    </a:rPr>
+                                    <m:t>𝑢</m:t>
+                                  </m:r>
+                                  <m:d>
+                                    <m:dPr>
+                                      <m:ctrlPr>
+                                        <a:rPr lang="en-US" b="0" i="1" smtClean="0">
+                                          <a:latin typeface="Cambria Math" panose="02040503050406030204" pitchFamily="18" charset="0"/>
+                                        </a:rPr>
+                                      </m:ctrlPr>
+                                    </m:dPr>
+                                    <m:e>
+                                      <m:r>
+                                        <a:rPr lang="en-US" b="0" i="1" smtClean="0">
+                                          <a:latin typeface="Cambria Math" panose="02040503050406030204" pitchFamily="18" charset="0"/>
+                                        </a:rPr>
+                                        <m:t>𝑘</m:t>
+                                      </m:r>
+                                    </m:e>
+                                  </m:d>
+                                  <m:r>
+                                    <a:rPr lang="en-US" b="0" i="1" smtClean="0">
+                                      <a:latin typeface="Cambria Math" panose="02040503050406030204" pitchFamily="18" charset="0"/>
+                                    </a:rPr>
+                                    <m:t>,</m:t>
+                                  </m:r>
+                                  <m:r>
+                                    <a:rPr lang="en-US" b="0" i="1" smtClean="0">
+                                      <a:solidFill>
+                                        <a:srgbClr val="C00000"/>
+                                      </a:solidFill>
+                                      <a:latin typeface="Cambria Math" panose="02040503050406030204" pitchFamily="18" charset="0"/>
+                                    </a:rPr>
+                                    <m:t>𝜃</m:t>
+                                  </m:r>
+                                  <m:r>
+                                    <a:rPr lang="en-US" b="0" i="1" smtClean="0">
+                                      <a:latin typeface="Cambria Math" panose="02040503050406030204" pitchFamily="18" charset="0"/>
+                                    </a:rPr>
+                                    <m:t>,</m:t>
+                                  </m:r>
+                                  <m:sSub>
+                                    <m:sSubPr>
+                                      <m:ctrlPr>
+                                        <a:rPr lang="en-US" b="0" i="1" smtClean="0">
+                                          <a:solidFill>
+                                            <a:srgbClr val="C00000"/>
+                                          </a:solidFill>
+                                          <a:latin typeface="Cambria Math" panose="02040503050406030204" pitchFamily="18" charset="0"/>
+                                        </a:rPr>
+                                      </m:ctrlPr>
+                                    </m:sSubPr>
+                                    <m:e>
+                                      <m:r>
+                                        <a:rPr lang="en-US" b="0" i="1" smtClean="0">
+                                          <a:solidFill>
+                                            <a:srgbClr val="C00000"/>
+                                          </a:solidFill>
+                                          <a:latin typeface="Cambria Math" panose="02040503050406030204" pitchFamily="18" charset="0"/>
+                                        </a:rPr>
+                                        <m:t>𝑘</m:t>
+                                      </m:r>
+                                    </m:e>
+                                    <m:sub>
+                                      <m:r>
+                                        <a:rPr lang="en-US" b="0" i="1" smtClean="0">
+                                          <a:solidFill>
+                                            <a:srgbClr val="C00000"/>
+                                          </a:solidFill>
+                                          <a:latin typeface="Cambria Math" panose="02040503050406030204" pitchFamily="18" charset="0"/>
+                                        </a:rPr>
+                                        <m:t>𝛾</m:t>
+                                      </m:r>
+                                      <m:r>
+                                        <a:rPr lang="en-US" b="0" i="1" smtClean="0">
+                                          <a:solidFill>
+                                            <a:srgbClr val="C00000"/>
+                                          </a:solidFill>
+                                          <a:latin typeface="Cambria Math" panose="02040503050406030204" pitchFamily="18" charset="0"/>
+                                        </a:rPr>
+                                        <m:t>1</m:t>
+                                      </m:r>
+                                    </m:sub>
+                                  </m:sSub>
+                                </m:e>
+                              </m:d>
+                              <m:r>
+                                <a:rPr lang="en-US" b="0" i="1" smtClean="0">
+                                  <a:latin typeface="Cambria Math" panose="02040503050406030204" pitchFamily="18" charset="0"/>
+                                </a:rPr>
+                                <m:t>     </m:t>
+                              </m:r>
+                              <m:r>
+                                <m:rPr>
+                                  <m:sty m:val="p"/>
+                                </m:rPr>
+                                <a:rPr lang="en-US" b="0" i="0" smtClean="0">
+                                  <a:latin typeface="Cambria Math" panose="02040503050406030204" pitchFamily="18" charset="0"/>
+                                </a:rPr>
+                                <m:t>if</m:t>
+                              </m:r>
+                              <m:r>
+                                <a:rPr lang="en-US" b="0" i="1" smtClean="0">
+                                  <a:latin typeface="Cambria Math" panose="02040503050406030204" pitchFamily="18" charset="0"/>
+                                </a:rPr>
+                                <m:t>  </m:t>
+                              </m:r>
+                              <m:acc>
+                                <m:accPr>
+                                  <m:chr m:val="̂"/>
+                                  <m:ctrlPr>
+                                    <a:rPr lang="en-US" i="1">
+                                      <a:latin typeface="Cambria Math" panose="02040503050406030204" pitchFamily="18" charset="0"/>
+                                    </a:rPr>
+                                  </m:ctrlPr>
+                                </m:accPr>
+                                <m:e>
+                                  <m:r>
+                                    <a:rPr lang="en-US" i="1">
+                                      <a:latin typeface="Cambria Math" panose="02040503050406030204" pitchFamily="18" charset="0"/>
+                                    </a:rPr>
+                                    <m:t>𝑚</m:t>
+                                  </m:r>
+                                </m:e>
+                              </m:acc>
+                              <m:r>
+                                <a:rPr lang="en-US" i="1">
+                                  <a:latin typeface="Cambria Math" panose="02040503050406030204" pitchFamily="18" charset="0"/>
+                                </a:rPr>
+                                <m:t>(</m:t>
+                              </m:r>
+                              <m:r>
+                                <a:rPr lang="en-US" i="1">
+                                  <a:latin typeface="Cambria Math" panose="02040503050406030204" pitchFamily="18" charset="0"/>
+                                </a:rPr>
+                                <m:t>𝑘</m:t>
+                              </m:r>
+                              <m:r>
+                                <a:rPr lang="en-US" i="1">
+                                  <a:latin typeface="Cambria Math" panose="02040503050406030204" pitchFamily="18" charset="0"/>
+                                </a:rPr>
+                                <m:t>)=1</m:t>
+                              </m:r>
+                            </m:e>
+                          </m:eqArr>
+                        </m:e>
+                      </m:d>
+                    </m:oMath>
+                  </m:oMathPara>
+                </a14:m>
+                <a:endParaRPr lang="en-JP" sz="1600" dirty="0"/>
+              </a:p>
+            </p:txBody>
+          </p:sp>
+        </mc:Choice>
+        <mc:Fallback>
+          <p:sp>
+            <p:nvSpPr>
+              <p:cNvPr id="69" name="TextBox 383">
+                <a:extLst>
+                  <a:ext uri="{FF2B5EF4-FFF2-40B4-BE49-F238E27FC236}">
+                    <a16:creationId xmlns:a16="http://schemas.microsoft.com/office/drawing/2014/main" id="{79FE7304-F249-43EA-A127-E84EA4DF7CA9}"/>
+                  </a:ext>
+                </a:extLst>
+              </p:cNvPr>
+              <p:cNvSpPr txBox="1">
+                <a:spLocks noRot="1" noChangeAspect="1" noMove="1" noResize="1" noEditPoints="1" noAdjustHandles="1" noChangeArrowheads="1" noChangeShapeType="1" noTextEdit="1"/>
+              </p:cNvSpPr>
+              <p:nvPr/>
+            </p:nvSpPr>
+            <p:spPr>
+              <a:xfrm>
+                <a:off x="9975891" y="19863608"/>
+                <a:ext cx="4731344" cy="884281"/>
+              </a:xfrm>
+              <a:prstGeom prst="rect">
+                <a:avLst/>
+              </a:prstGeom>
+              <a:blipFill>
+                <a:blip r:embed="rId14"/>
+                <a:stretch>
+                  <a:fillRect l="-10963" t="-228169" r="-1337" b="-325352"/>
+                </a:stretch>
+              </a:blipFill>
+            </p:spPr>
+            <p:txBody>
+              <a:bodyPr/>
+              <a:lstStyle/>
+              <a:p>
+                <a:r>
+                  <a:rPr lang="ja-JP" altLang="en-US">
+                    <a:noFill/>
+                  </a:rPr>
+                  <a:t> </a:t>
+                </a:r>
+              </a:p>
+            </p:txBody>
+          </p:sp>
+        </mc:Fallback>
+      </mc:AlternateContent>
+      <mc:AlternateContent xmlns:mc="http://schemas.openxmlformats.org/markup-compatibility/2006">
+        <mc:Choice xmlns:a14="http://schemas.microsoft.com/office/drawing/2010/main" Requires="a14">
+          <p:sp>
+            <p:nvSpPr>
+              <p:cNvPr id="70" name="TextBox 384">
+                <a:extLst>
+                  <a:ext uri="{FF2B5EF4-FFF2-40B4-BE49-F238E27FC236}">
+                    <a16:creationId xmlns:a16="http://schemas.microsoft.com/office/drawing/2014/main" id="{FFF121DB-907F-895A-F6C3-DA3C6590CEEC}"/>
+                  </a:ext>
+                </a:extLst>
+              </p:cNvPr>
+              <p:cNvSpPr txBox="1"/>
+              <p:nvPr/>
+            </p:nvSpPr>
+            <p:spPr>
+              <a:xfrm>
+                <a:off x="9975891" y="21970934"/>
+                <a:ext cx="2983810" cy="586699"/>
+              </a:xfrm>
+              <a:prstGeom prst="rect">
+                <a:avLst/>
+              </a:prstGeom>
+              <a:noFill/>
+            </p:spPr>
+            <p:txBody>
+              <a:bodyPr wrap="square" lIns="0" tIns="0" rIns="0" bIns="0" rtlCol="0">
+                <a:spAutoFit/>
+              </a:bodyPr>
+              <a:lstStyle/>
+              <a:p>
+                <a:pPr/>
+                <a14:m>
+                  <m:oMathPara xmlns:m="http://schemas.openxmlformats.org/officeDocument/2006/math">
+                    <m:oMathParaPr>
+                      <m:jc m:val="centerGroup"/>
+                    </m:oMathParaPr>
+                    <m:oMath xmlns:m="http://schemas.openxmlformats.org/officeDocument/2006/math">
+                      <m:sSub>
+                        <m:sSubPr>
+                          <m:ctrlPr>
+                            <a:rPr lang="en-US" b="0" i="1" smtClean="0">
+                              <a:solidFill>
+                                <a:srgbClr val="C00000"/>
+                              </a:solidFill>
+                              <a:latin typeface="Cambria Math" panose="02040503050406030204" pitchFamily="18" charset="0"/>
+                            </a:rPr>
+                          </m:ctrlPr>
+                        </m:sSubPr>
+                        <m:e>
+                          <m:r>
+                            <a:rPr lang="en-US" b="0" i="1" smtClean="0">
+                              <a:solidFill>
+                                <a:srgbClr val="C00000"/>
+                              </a:solidFill>
+                              <a:latin typeface="Cambria Math" panose="02040503050406030204" pitchFamily="18" charset="0"/>
+                            </a:rPr>
+                            <m:t>𝑞</m:t>
+                          </m:r>
+                        </m:e>
+                        <m:sub>
+                          <m:r>
+                            <a:rPr lang="en-US" b="0" i="1" smtClean="0">
+                              <a:solidFill>
+                                <a:srgbClr val="C00000"/>
+                              </a:solidFill>
+                              <a:latin typeface="Cambria Math" panose="02040503050406030204" pitchFamily="18" charset="0"/>
+                            </a:rPr>
+                            <m:t>1</m:t>
+                          </m:r>
+                        </m:sub>
+                      </m:sSub>
+                      <m:r>
+                        <a:rPr lang="en-US" b="0" i="1" smtClean="0">
+                          <a:latin typeface="Cambria Math" panose="02040503050406030204" pitchFamily="18" charset="0"/>
+                        </a:rPr>
+                        <m:t>=</m:t>
+                      </m:r>
+                      <m:f>
+                        <m:fPr>
+                          <m:ctrlPr>
+                            <a:rPr lang="en-US" b="0" i="1" smtClean="0">
+                              <a:latin typeface="Cambria Math" panose="02040503050406030204" pitchFamily="18" charset="0"/>
+                            </a:rPr>
+                          </m:ctrlPr>
+                        </m:fPr>
+                        <m:num>
+                          <m:r>
+                            <a:rPr lang="en-US" b="0" i="1" smtClean="0">
+                              <a:latin typeface="Cambria Math" panose="02040503050406030204" pitchFamily="18" charset="0"/>
+                            </a:rPr>
+                            <m:t>𝑆𝑥</m:t>
+                          </m:r>
+                          <m:d>
+                            <m:dPr>
+                              <m:ctrlPr>
+                                <a:rPr lang="en-US" b="0" i="1" smtClean="0">
+                                  <a:latin typeface="Cambria Math" panose="02040503050406030204" pitchFamily="18" charset="0"/>
+                                </a:rPr>
+                              </m:ctrlPr>
+                            </m:dPr>
+                            <m:e>
+                              <m:sSub>
+                                <m:sSubPr>
+                                  <m:ctrlPr>
+                                    <a:rPr lang="en-US" b="0" i="1" smtClean="0">
+                                      <a:latin typeface="Cambria Math" panose="02040503050406030204" pitchFamily="18" charset="0"/>
+                                    </a:rPr>
+                                  </m:ctrlPr>
+                                </m:sSubPr>
+                                <m:e>
+                                  <m:r>
+                                    <a:rPr lang="en-US" b="0" i="1" smtClean="0">
+                                      <a:latin typeface="Cambria Math" panose="02040503050406030204" pitchFamily="18" charset="0"/>
+                                    </a:rPr>
+                                    <m:t>𝑘</m:t>
+                                  </m:r>
+                                </m:e>
+                                <m:sub>
+                                  <m:r>
+                                    <a:rPr lang="en-US" b="0" i="1" smtClean="0">
+                                      <a:latin typeface="Cambria Math" panose="02040503050406030204" pitchFamily="18" charset="0"/>
+                                    </a:rPr>
+                                    <m:t>01</m:t>
+                                  </m:r>
+                                </m:sub>
+                              </m:sSub>
+                            </m:e>
+                          </m:d>
+                        </m:num>
+                        <m:den>
+                          <m:r>
+                            <a:rPr lang="en-US" b="0" i="1" smtClean="0">
+                              <a:latin typeface="Cambria Math" panose="02040503050406030204" pitchFamily="18" charset="0"/>
+                            </a:rPr>
+                            <m:t>𝐷</m:t>
+                          </m:r>
+                          <m:r>
+                            <a:rPr lang="en-US" b="0" i="1" smtClean="0">
+                              <a:latin typeface="Cambria Math" panose="02040503050406030204" pitchFamily="18" charset="0"/>
+                            </a:rPr>
+                            <m:t>(</m:t>
+                          </m:r>
+                          <m:sSub>
+                            <m:sSubPr>
+                              <m:ctrlPr>
+                                <a:rPr lang="en-US" b="0" i="1" smtClean="0">
+                                  <a:latin typeface="Cambria Math" panose="02040503050406030204" pitchFamily="18" charset="0"/>
+                                </a:rPr>
+                              </m:ctrlPr>
+                            </m:sSubPr>
+                            <m:e>
+                              <m:r>
+                                <a:rPr lang="en-US" b="0" i="1" smtClean="0">
+                                  <a:latin typeface="Cambria Math" panose="02040503050406030204" pitchFamily="18" charset="0"/>
+                                </a:rPr>
+                                <m:t>𝑘</m:t>
+                              </m:r>
+                            </m:e>
+                            <m:sub>
+                              <m:r>
+                                <a:rPr lang="en-US" b="0" i="1" smtClean="0">
+                                  <a:latin typeface="Cambria Math" panose="02040503050406030204" pitchFamily="18" charset="0"/>
+                                </a:rPr>
+                                <m:t>01</m:t>
+                              </m:r>
+                            </m:sub>
+                          </m:sSub>
+                          <m:r>
+                            <a:rPr lang="en-US" b="0" i="1" smtClean="0">
+                              <a:latin typeface="Cambria Math" panose="02040503050406030204" pitchFamily="18" charset="0"/>
+                            </a:rPr>
+                            <m:t>)</m:t>
+                          </m:r>
+                        </m:den>
+                      </m:f>
+                      <m:r>
+                        <a:rPr lang="en-US" b="0" i="1" smtClean="0">
+                          <a:latin typeface="Cambria Math" panose="02040503050406030204" pitchFamily="18" charset="0"/>
+                        </a:rPr>
+                        <m:t>, </m:t>
+                      </m:r>
+                      <m:sSub>
+                        <m:sSubPr>
+                          <m:ctrlPr>
+                            <a:rPr lang="en-US" b="0" i="1" smtClean="0">
+                              <a:solidFill>
+                                <a:srgbClr val="C00000"/>
+                              </a:solidFill>
+                              <a:latin typeface="Cambria Math" panose="02040503050406030204" pitchFamily="18" charset="0"/>
+                            </a:rPr>
+                          </m:ctrlPr>
+                        </m:sSubPr>
+                        <m:e>
+                          <m:r>
+                            <a:rPr lang="en-US" b="0" i="1" smtClean="0">
+                              <a:solidFill>
+                                <a:srgbClr val="C00000"/>
+                              </a:solidFill>
+                              <a:latin typeface="Cambria Math" panose="02040503050406030204" pitchFamily="18" charset="0"/>
+                            </a:rPr>
+                            <m:t> </m:t>
+                          </m:r>
+                          <m:r>
+                            <a:rPr lang="en-US" b="0" i="1" smtClean="0">
+                              <a:solidFill>
+                                <a:srgbClr val="C00000"/>
+                              </a:solidFill>
+                              <a:latin typeface="Cambria Math" panose="02040503050406030204" pitchFamily="18" charset="0"/>
+                            </a:rPr>
+                            <m:t>𝑞</m:t>
+                          </m:r>
+                        </m:e>
+                        <m:sub>
+                          <m:r>
+                            <a:rPr lang="en-US" b="0" i="1" smtClean="0">
+                              <a:solidFill>
+                                <a:srgbClr val="C00000"/>
+                              </a:solidFill>
+                              <a:latin typeface="Cambria Math" panose="02040503050406030204" pitchFamily="18" charset="0"/>
+                            </a:rPr>
+                            <m:t>2</m:t>
+                          </m:r>
+                        </m:sub>
+                      </m:sSub>
+                      <m:r>
+                        <a:rPr lang="en-US" b="0" i="1" smtClean="0">
+                          <a:latin typeface="Cambria Math" panose="02040503050406030204" pitchFamily="18" charset="0"/>
+                        </a:rPr>
+                        <m:t>=</m:t>
+                      </m:r>
+                      <m:f>
+                        <m:fPr>
+                          <m:ctrlPr>
+                            <a:rPr lang="en-US" b="0" i="1" smtClean="0">
+                              <a:latin typeface="Cambria Math" panose="02040503050406030204" pitchFamily="18" charset="0"/>
+                            </a:rPr>
+                          </m:ctrlPr>
+                        </m:fPr>
+                        <m:num>
+                          <m:r>
+                            <a:rPr lang="en-US" b="0" i="1" smtClean="0">
+                              <a:latin typeface="Cambria Math" panose="02040503050406030204" pitchFamily="18" charset="0"/>
+                            </a:rPr>
+                            <m:t>𝑆𝑥</m:t>
+                          </m:r>
+                          <m:d>
+                            <m:dPr>
+                              <m:ctrlPr>
+                                <a:rPr lang="en-US" b="0" i="1" smtClean="0">
+                                  <a:latin typeface="Cambria Math" panose="02040503050406030204" pitchFamily="18" charset="0"/>
+                                </a:rPr>
+                              </m:ctrlPr>
+                            </m:dPr>
+                            <m:e>
+                              <m:sSub>
+                                <m:sSubPr>
+                                  <m:ctrlPr>
+                                    <a:rPr lang="en-US" b="0" i="1" smtClean="0">
+                                      <a:latin typeface="Cambria Math" panose="02040503050406030204" pitchFamily="18" charset="0"/>
+                                    </a:rPr>
+                                  </m:ctrlPr>
+                                </m:sSubPr>
+                                <m:e>
+                                  <m:r>
+                                    <a:rPr lang="en-US" b="0" i="1" smtClean="0">
+                                      <a:latin typeface="Cambria Math" panose="02040503050406030204" pitchFamily="18" charset="0"/>
+                                    </a:rPr>
+                                    <m:t>𝑘</m:t>
+                                  </m:r>
+                                </m:e>
+                                <m:sub>
+                                  <m:r>
+                                    <a:rPr lang="en-US" b="0" i="1" smtClean="0">
+                                      <a:latin typeface="Cambria Math" panose="02040503050406030204" pitchFamily="18" charset="0"/>
+                                    </a:rPr>
+                                    <m:t>10</m:t>
+                                  </m:r>
+                                </m:sub>
+                              </m:sSub>
+                            </m:e>
+                          </m:d>
+                        </m:num>
+                        <m:den>
+                          <m:r>
+                            <a:rPr lang="en-US" b="0" i="1" smtClean="0">
+                              <a:latin typeface="Cambria Math" panose="02040503050406030204" pitchFamily="18" charset="0"/>
+                            </a:rPr>
+                            <m:t>𝐷</m:t>
+                          </m:r>
+                          <m:r>
+                            <a:rPr lang="en-US" b="0" i="1" smtClean="0">
+                              <a:latin typeface="Cambria Math" panose="02040503050406030204" pitchFamily="18" charset="0"/>
+                            </a:rPr>
+                            <m:t>(</m:t>
+                          </m:r>
+                          <m:sSub>
+                            <m:sSubPr>
+                              <m:ctrlPr>
+                                <a:rPr lang="en-US" b="0" i="1" smtClean="0">
+                                  <a:latin typeface="Cambria Math" panose="02040503050406030204" pitchFamily="18" charset="0"/>
+                                </a:rPr>
+                              </m:ctrlPr>
+                            </m:sSubPr>
+                            <m:e>
+                              <m:r>
+                                <a:rPr lang="en-US" b="0" i="1" smtClean="0">
+                                  <a:latin typeface="Cambria Math" panose="02040503050406030204" pitchFamily="18" charset="0"/>
+                                </a:rPr>
+                                <m:t>𝑘</m:t>
+                              </m:r>
+                            </m:e>
+                            <m:sub>
+                              <m:r>
+                                <a:rPr lang="en-US" b="0" i="1" smtClean="0">
+                                  <a:latin typeface="Cambria Math" panose="02040503050406030204" pitchFamily="18" charset="0"/>
+                                </a:rPr>
+                                <m:t>10</m:t>
+                              </m:r>
+                            </m:sub>
+                          </m:sSub>
+                          <m:r>
+                            <a:rPr lang="en-US" b="0" i="1" smtClean="0">
+                              <a:latin typeface="Cambria Math" panose="02040503050406030204" pitchFamily="18" charset="0"/>
+                            </a:rPr>
+                            <m:t>)</m:t>
+                          </m:r>
+                        </m:den>
+                      </m:f>
+                    </m:oMath>
+                  </m:oMathPara>
+                </a14:m>
+                <a:endParaRPr lang="en-JP" dirty="0"/>
+              </a:p>
+            </p:txBody>
+          </p:sp>
+        </mc:Choice>
+        <mc:Fallback>
+          <p:sp>
+            <p:nvSpPr>
+              <p:cNvPr id="70" name="TextBox 384">
+                <a:extLst>
+                  <a:ext uri="{FF2B5EF4-FFF2-40B4-BE49-F238E27FC236}">
+                    <a16:creationId xmlns:a16="http://schemas.microsoft.com/office/drawing/2014/main" id="{FFF121DB-907F-895A-F6C3-DA3C6590CEEC}"/>
+                  </a:ext>
+                </a:extLst>
+              </p:cNvPr>
+              <p:cNvSpPr txBox="1">
+                <a:spLocks noRot="1" noChangeAspect="1" noMove="1" noResize="1" noEditPoints="1" noAdjustHandles="1" noChangeArrowheads="1" noChangeShapeType="1" noTextEdit="1"/>
+              </p:cNvSpPr>
+              <p:nvPr/>
+            </p:nvSpPr>
+            <p:spPr>
+              <a:xfrm>
+                <a:off x="9975891" y="21970934"/>
+                <a:ext cx="2983810" cy="586699"/>
+              </a:xfrm>
+              <a:prstGeom prst="rect">
+                <a:avLst/>
+              </a:prstGeom>
+              <a:blipFill>
+                <a:blip r:embed="rId15"/>
+                <a:stretch>
+                  <a:fillRect b="-16667"/>
+                </a:stretch>
+              </a:blipFill>
+            </p:spPr>
+            <p:txBody>
+              <a:bodyPr/>
+              <a:lstStyle/>
+              <a:p>
+                <a:r>
+                  <a:rPr lang="ja-JP" altLang="en-US">
+                    <a:noFill/>
+                  </a:rPr>
+                  <a:t> </a:t>
+                </a:r>
+              </a:p>
+            </p:txBody>
+          </p:sp>
+        </mc:Fallback>
+      </mc:AlternateContent>
+      <mc:AlternateContent xmlns:mc="http://schemas.openxmlformats.org/markup-compatibility/2006">
+        <mc:Choice xmlns:a14="http://schemas.microsoft.com/office/drawing/2010/main" Requires="a14">
+          <p:sp>
+            <p:nvSpPr>
+              <p:cNvPr id="71" name="TextBox 399">
+                <a:extLst>
+                  <a:ext uri="{FF2B5EF4-FFF2-40B4-BE49-F238E27FC236}">
+                    <a16:creationId xmlns:a16="http://schemas.microsoft.com/office/drawing/2014/main" id="{D8ACCD75-664F-A22B-2073-A3E4956C99E5}"/>
+                  </a:ext>
+                </a:extLst>
+              </p:cNvPr>
+              <p:cNvSpPr txBox="1"/>
+              <p:nvPr/>
+            </p:nvSpPr>
+            <p:spPr>
+              <a:xfrm>
+                <a:off x="9430642" y="18889444"/>
+                <a:ext cx="3503918" cy="871457"/>
+              </a:xfrm>
+              <a:prstGeom prst="rect">
+                <a:avLst/>
+              </a:prstGeom>
+              <a:noFill/>
+            </p:spPr>
+            <p:txBody>
+              <a:bodyPr wrap="square" rtlCol="0">
+                <a:spAutoFit/>
+              </a:bodyPr>
+              <a:lstStyle/>
+              <a:p>
+                <a:pPr/>
+                <a14:m>
+                  <m:oMathPara xmlns:m="http://schemas.openxmlformats.org/officeDocument/2006/math">
+                    <m:oMathParaPr>
+                      <m:jc m:val="centerGroup"/>
+                    </m:oMathParaPr>
+                    <m:oMath xmlns:m="http://schemas.openxmlformats.org/officeDocument/2006/math">
+                      <m:func>
+                        <m:funcPr>
+                          <m:ctrlPr>
+                            <a:rPr lang="en-US" b="0" i="1" smtClean="0">
+                              <a:latin typeface="Cambria Math" panose="02040503050406030204" pitchFamily="18" charset="0"/>
+                            </a:rPr>
+                          </m:ctrlPr>
+                        </m:funcPr>
+                        <m:fName>
+                          <m:limLow>
+                            <m:limLowPr>
+                              <m:ctrlPr>
+                                <a:rPr lang="en-US" b="0" i="1" smtClean="0">
+                                  <a:latin typeface="Cambria Math" panose="02040503050406030204" pitchFamily="18" charset="0"/>
+                                </a:rPr>
+                              </m:ctrlPr>
+                            </m:limLowPr>
+                            <m:e>
+                              <m:r>
+                                <m:rPr>
+                                  <m:sty m:val="p"/>
+                                </m:rPr>
+                                <a:rPr lang="en-US" b="0" i="0" smtClean="0">
+                                  <a:latin typeface="Cambria Math" panose="02040503050406030204" pitchFamily="18" charset="0"/>
+                                </a:rPr>
+                                <m:t>min</m:t>
+                              </m:r>
+                            </m:e>
+                            <m:lim>
+                              <m:r>
+                                <a:rPr lang="en-US" b="0" i="1" smtClean="0">
+                                  <a:latin typeface="Cambria Math" panose="02040503050406030204" pitchFamily="18" charset="0"/>
+                                </a:rPr>
+                                <m:t>𝜃</m:t>
+                              </m:r>
+                              <m:r>
+                                <a:rPr lang="en-US" b="0" i="1" smtClean="0">
+                                  <a:latin typeface="Cambria Math" panose="02040503050406030204" pitchFamily="18" charset="0"/>
+                                </a:rPr>
+                                <m:t>,</m:t>
+                              </m:r>
+                              <m:sSub>
+                                <m:sSubPr>
+                                  <m:ctrlPr>
+                                    <a:rPr lang="en-US" b="0" i="1" smtClean="0">
+                                      <a:latin typeface="Cambria Math" panose="02040503050406030204" pitchFamily="18" charset="0"/>
+                                    </a:rPr>
+                                  </m:ctrlPr>
+                                </m:sSubPr>
+                                <m:e>
+                                  <m:r>
+                                    <a:rPr lang="en-US" b="0" i="1" smtClean="0">
+                                      <a:latin typeface="Cambria Math" panose="02040503050406030204" pitchFamily="18" charset="0"/>
+                                    </a:rPr>
+                                    <m:t>𝑘</m:t>
+                                  </m:r>
+                                </m:e>
+                                <m:sub>
+                                  <m:r>
+                                    <a:rPr lang="en-US" b="0" i="1" smtClean="0">
+                                      <a:latin typeface="Cambria Math" panose="02040503050406030204" pitchFamily="18" charset="0"/>
+                                    </a:rPr>
+                                    <m:t>𝛾</m:t>
+                                  </m:r>
+                                  <m:r>
+                                    <a:rPr lang="en-US" b="0" i="1" smtClean="0">
+                                      <a:latin typeface="Cambria Math" panose="02040503050406030204" pitchFamily="18" charset="0"/>
+                                    </a:rPr>
+                                    <m:t>0</m:t>
+                                  </m:r>
+                                </m:sub>
+                              </m:sSub>
+                              <m:r>
+                                <a:rPr lang="en-US" b="0" i="1" smtClean="0">
+                                  <a:latin typeface="Cambria Math" panose="02040503050406030204" pitchFamily="18" charset="0"/>
+                                </a:rPr>
+                                <m:t>,</m:t>
+                              </m:r>
+                              <m:sSub>
+                                <m:sSubPr>
+                                  <m:ctrlPr>
+                                    <a:rPr lang="en-US" b="0" i="1" smtClean="0">
+                                      <a:latin typeface="Cambria Math" panose="02040503050406030204" pitchFamily="18" charset="0"/>
+                                    </a:rPr>
+                                  </m:ctrlPr>
+                                </m:sSubPr>
+                                <m:e>
+                                  <m:r>
+                                    <a:rPr lang="en-US" b="0" i="1" smtClean="0">
+                                      <a:latin typeface="Cambria Math" panose="02040503050406030204" pitchFamily="18" charset="0"/>
+                                    </a:rPr>
+                                    <m:t>𝑘</m:t>
+                                  </m:r>
+                                </m:e>
+                                <m:sub>
+                                  <m:r>
+                                    <a:rPr lang="en-US" b="0" i="1" smtClean="0">
+                                      <a:latin typeface="Cambria Math" panose="02040503050406030204" pitchFamily="18" charset="0"/>
+                                    </a:rPr>
+                                    <m:t>𝛾</m:t>
+                                  </m:r>
+                                  <m:r>
+                                    <a:rPr lang="en-US" b="0" i="1" smtClean="0">
+                                      <a:latin typeface="Cambria Math" panose="02040503050406030204" pitchFamily="18" charset="0"/>
+                                    </a:rPr>
+                                    <m:t>1</m:t>
+                                  </m:r>
+                                </m:sub>
+                              </m:sSub>
+                            </m:lim>
+                          </m:limLow>
+                        </m:fName>
+                        <m:e>
+                          <m:nary>
+                            <m:naryPr>
+                              <m:chr m:val="∑"/>
+                              <m:ctrlPr>
+                                <a:rPr lang="en-US" b="0" i="1" smtClean="0">
+                                  <a:latin typeface="Cambria Math" panose="02040503050406030204" pitchFamily="18" charset="0"/>
+                                </a:rPr>
+                              </m:ctrlPr>
+                            </m:naryPr>
+                            <m:sub>
+                              <m:r>
+                                <m:rPr>
+                                  <m:brk m:alnAt="23"/>
+                                </m:rPr>
+                                <a:rPr lang="en-US" b="0" i="1" smtClean="0">
+                                  <a:latin typeface="Cambria Math" panose="02040503050406030204" pitchFamily="18" charset="0"/>
+                                </a:rPr>
+                                <m:t>𝑘</m:t>
+                              </m:r>
+                              <m:r>
+                                <a:rPr lang="en-US" b="0" i="1" smtClean="0">
+                                  <a:latin typeface="Cambria Math" panose="02040503050406030204" pitchFamily="18" charset="0"/>
+                                </a:rPr>
+                                <m:t>=0</m:t>
+                              </m:r>
+                            </m:sub>
+                            <m:sup>
+                              <m:r>
+                                <a:rPr lang="en-US" b="0" i="1" smtClean="0">
+                                  <a:latin typeface="Cambria Math" panose="02040503050406030204" pitchFamily="18" charset="0"/>
+                                </a:rPr>
+                                <m:t>𝑁</m:t>
+                              </m:r>
+                            </m:sup>
+                            <m:e>
+                              <m:sSub>
+                                <m:sSubPr>
+                                  <m:ctrlPr>
+                                    <a:rPr lang="en-US" b="0" i="1" smtClean="0">
+                                      <a:latin typeface="Cambria Math" panose="02040503050406030204" pitchFamily="18" charset="0"/>
+                                    </a:rPr>
+                                  </m:ctrlPr>
+                                </m:sSubPr>
+                                <m:e>
+                                  <m:d>
+                                    <m:dPr>
+                                      <m:begChr m:val="‖"/>
+                                      <m:endChr m:val="‖"/>
+                                      <m:ctrlPr>
+                                        <a:rPr lang="en-US" b="0" i="1" smtClean="0">
+                                          <a:latin typeface="Cambria Math" panose="02040503050406030204" pitchFamily="18" charset="0"/>
+                                        </a:rPr>
+                                      </m:ctrlPr>
+                                    </m:dPr>
+                                    <m:e>
+                                      <m:r>
+                                        <a:rPr lang="en-US" b="0" i="1" smtClean="0">
+                                          <a:latin typeface="Cambria Math" panose="02040503050406030204" pitchFamily="18" charset="0"/>
+                                        </a:rPr>
+                                        <m:t>𝑦</m:t>
+                                      </m:r>
+                                      <m:d>
+                                        <m:dPr>
+                                          <m:ctrlPr>
+                                            <a:rPr lang="en-US" b="0" i="1" smtClean="0">
+                                              <a:latin typeface="Cambria Math" panose="02040503050406030204" pitchFamily="18" charset="0"/>
+                                            </a:rPr>
+                                          </m:ctrlPr>
+                                        </m:dPr>
+                                        <m:e>
+                                          <m:r>
+                                            <a:rPr lang="en-US" b="0" i="1" smtClean="0">
+                                              <a:latin typeface="Cambria Math" panose="02040503050406030204" pitchFamily="18" charset="0"/>
+                                            </a:rPr>
+                                            <m:t>𝑘</m:t>
+                                          </m:r>
+                                        </m:e>
+                                      </m:d>
+                                      <m:r>
+                                        <a:rPr lang="en-US" b="0" i="1" smtClean="0">
+                                          <a:latin typeface="Cambria Math" panose="02040503050406030204" pitchFamily="18" charset="0"/>
+                                        </a:rPr>
+                                        <m:t>−</m:t>
+                                      </m:r>
+                                      <m:acc>
+                                        <m:accPr>
+                                          <m:chr m:val="̂"/>
+                                          <m:ctrlPr>
+                                            <a:rPr lang="en-US" b="0" i="1" smtClean="0">
+                                              <a:latin typeface="Cambria Math" panose="02040503050406030204" pitchFamily="18" charset="0"/>
+                                            </a:rPr>
+                                          </m:ctrlPr>
+                                        </m:accPr>
+                                        <m:e>
+                                          <m:r>
+                                            <a:rPr lang="en-US" b="0" i="1" smtClean="0">
+                                              <a:latin typeface="Cambria Math" panose="02040503050406030204" pitchFamily="18" charset="0"/>
+                                            </a:rPr>
+                                            <m:t>𝑦</m:t>
+                                          </m:r>
+                                        </m:e>
+                                      </m:acc>
+                                      <m:d>
+                                        <m:dPr>
+                                          <m:ctrlPr>
+                                            <a:rPr lang="en-US" b="0" i="1" smtClean="0">
+                                              <a:latin typeface="Cambria Math" panose="02040503050406030204" pitchFamily="18" charset="0"/>
+                                            </a:rPr>
+                                          </m:ctrlPr>
+                                        </m:dPr>
+                                        <m:e>
+                                          <m:r>
+                                            <a:rPr lang="en-US" b="0" i="1" smtClean="0">
+                                              <a:latin typeface="Cambria Math" panose="02040503050406030204" pitchFamily="18" charset="0"/>
+                                            </a:rPr>
+                                            <m:t>𝑘</m:t>
+                                          </m:r>
+                                        </m:e>
+                                      </m:d>
+                                    </m:e>
+                                  </m:d>
+                                </m:e>
+                                <m:sub>
+                                  <m:r>
+                                    <a:rPr lang="en-US" b="0" i="1" smtClean="0">
+                                      <a:latin typeface="Cambria Math" panose="02040503050406030204" pitchFamily="18" charset="0"/>
+                                    </a:rPr>
+                                    <m:t>2</m:t>
+                                  </m:r>
+                                </m:sub>
+                              </m:sSub>
+                            </m:e>
+                          </m:nary>
+                        </m:e>
+                      </m:func>
+                    </m:oMath>
+                  </m:oMathPara>
+                </a14:m>
+                <a:endParaRPr lang="en-JP" sz="1600" dirty="0"/>
+              </a:p>
+            </p:txBody>
+          </p:sp>
+        </mc:Choice>
+        <mc:Fallback>
+          <p:sp>
+            <p:nvSpPr>
+              <p:cNvPr id="71" name="TextBox 399">
+                <a:extLst>
+                  <a:ext uri="{FF2B5EF4-FFF2-40B4-BE49-F238E27FC236}">
+                    <a16:creationId xmlns:a16="http://schemas.microsoft.com/office/drawing/2014/main" id="{D8ACCD75-664F-A22B-2073-A3E4956C99E5}"/>
+                  </a:ext>
+                </a:extLst>
+              </p:cNvPr>
+              <p:cNvSpPr txBox="1">
+                <a:spLocks noRot="1" noChangeAspect="1" noMove="1" noResize="1" noEditPoints="1" noAdjustHandles="1" noChangeArrowheads="1" noChangeShapeType="1" noTextEdit="1"/>
+              </p:cNvSpPr>
+              <p:nvPr/>
+            </p:nvSpPr>
+            <p:spPr>
+              <a:xfrm>
+                <a:off x="9430642" y="18889444"/>
+                <a:ext cx="3503918" cy="871457"/>
+              </a:xfrm>
+              <a:prstGeom prst="rect">
+                <a:avLst/>
+              </a:prstGeom>
+              <a:blipFill>
+                <a:blip r:embed="rId16"/>
+                <a:stretch>
+                  <a:fillRect t="-94286" b="-148571"/>
+                </a:stretch>
+              </a:blipFill>
+            </p:spPr>
+            <p:txBody>
+              <a:bodyPr/>
+              <a:lstStyle/>
+              <a:p>
+                <a:r>
+                  <a:rPr lang="ja-JP" altLang="en-US">
+                    <a:noFill/>
+                  </a:rPr>
+                  <a:t> </a:t>
+                </a:r>
+              </a:p>
+            </p:txBody>
+          </p:sp>
+        </mc:Fallback>
+      </mc:AlternateContent>
+      <mc:AlternateContent xmlns:mc="http://schemas.openxmlformats.org/markup-compatibility/2006">
+        <mc:Choice xmlns:a14="http://schemas.microsoft.com/office/drawing/2010/main" Requires="a14">
+          <p:sp>
+            <p:nvSpPr>
+              <p:cNvPr id="72" name="TextBox 404">
+                <a:extLst>
+                  <a:ext uri="{FF2B5EF4-FFF2-40B4-BE49-F238E27FC236}">
+                    <a16:creationId xmlns:a16="http://schemas.microsoft.com/office/drawing/2014/main" id="{F77EC1F9-A600-B4D0-B4F8-0C7CCA0C0F84}"/>
+                  </a:ext>
+                </a:extLst>
+              </p:cNvPr>
+              <p:cNvSpPr txBox="1"/>
+              <p:nvPr/>
+            </p:nvSpPr>
+            <p:spPr>
+              <a:xfrm>
+                <a:off x="9966847" y="20983946"/>
+                <a:ext cx="4289444" cy="835870"/>
+              </a:xfrm>
+              <a:prstGeom prst="rect">
+                <a:avLst/>
+              </a:prstGeom>
+              <a:noFill/>
+            </p:spPr>
+            <p:txBody>
+              <a:bodyPr wrap="square" lIns="0" tIns="0" rIns="0" bIns="0" rtlCol="0">
+                <a:spAutoFit/>
+              </a:bodyPr>
+              <a:lstStyle/>
+              <a:p>
+                <a14:m>
+                  <m:oMath xmlns:m="http://schemas.openxmlformats.org/officeDocument/2006/math">
+                    <m:acc>
+                      <m:accPr>
+                        <m:chr m:val="̂"/>
+                        <m:ctrlPr>
+                          <a:rPr lang="en-US" b="0" i="1" smtClean="0">
+                            <a:latin typeface="Cambria Math" panose="02040503050406030204" pitchFamily="18" charset="0"/>
+                          </a:rPr>
+                        </m:ctrlPr>
+                      </m:accPr>
+                      <m:e>
+                        <m:r>
+                          <a:rPr lang="en-US" b="0" i="1" smtClean="0">
+                            <a:latin typeface="Cambria Math" panose="02040503050406030204" pitchFamily="18" charset="0"/>
+                          </a:rPr>
+                          <m:t>𝑦</m:t>
+                        </m:r>
+                      </m:e>
+                    </m:acc>
+                    <m:d>
+                      <m:dPr>
+                        <m:ctrlPr>
+                          <a:rPr lang="en-US" b="0" i="1" smtClean="0">
+                            <a:latin typeface="Cambria Math" panose="02040503050406030204" pitchFamily="18" charset="0"/>
+                          </a:rPr>
+                        </m:ctrlPr>
+                      </m:dPr>
+                      <m:e>
+                        <m:r>
+                          <a:rPr lang="en-US" b="0" i="1" smtClean="0">
+                            <a:latin typeface="Cambria Math" panose="02040503050406030204" pitchFamily="18" charset="0"/>
+                          </a:rPr>
+                          <m:t>𝑘</m:t>
+                        </m:r>
+                      </m:e>
+                    </m:d>
+                    <m:r>
+                      <a:rPr lang="en-US" b="0" i="1" smtClean="0">
+                        <a:latin typeface="Cambria Math" panose="02040503050406030204" pitchFamily="18" charset="0"/>
+                      </a:rPr>
+                      <m:t>=</m:t>
+                    </m:r>
+                    <m:r>
+                      <a:rPr lang="en-US" b="0" i="1" smtClean="0">
+                        <a:latin typeface="Cambria Math" panose="02040503050406030204" pitchFamily="18" charset="0"/>
+                      </a:rPr>
+                      <m:t>𝐶</m:t>
+                    </m:r>
+                    <m:d>
+                      <m:dPr>
+                        <m:ctrlPr>
+                          <a:rPr lang="en-US" b="0" i="1" smtClean="0">
+                            <a:latin typeface="Cambria Math" panose="02040503050406030204" pitchFamily="18" charset="0"/>
+                          </a:rPr>
+                        </m:ctrlPr>
+                      </m:dPr>
+                      <m:e>
+                        <m:r>
+                          <a:rPr lang="en-US" b="0" i="1" smtClean="0">
+                            <a:latin typeface="Cambria Math" panose="02040503050406030204" pitchFamily="18" charset="0"/>
+                          </a:rPr>
+                          <m:t>𝑥</m:t>
+                        </m:r>
+                        <m:d>
+                          <m:dPr>
+                            <m:ctrlPr>
+                              <a:rPr lang="en-US" b="0" i="1" smtClean="0">
+                                <a:latin typeface="Cambria Math" panose="02040503050406030204" pitchFamily="18" charset="0"/>
+                              </a:rPr>
+                            </m:ctrlPr>
+                          </m:dPr>
+                          <m:e>
+                            <m:r>
+                              <a:rPr lang="en-US" b="0" i="1" smtClean="0">
+                                <a:latin typeface="Cambria Math" panose="02040503050406030204" pitchFamily="18" charset="0"/>
+                              </a:rPr>
+                              <m:t>𝑘</m:t>
+                            </m:r>
+                          </m:e>
+                        </m:d>
+                      </m:e>
+                    </m:d>
+                    <m:r>
+                      <a:rPr lang="en-US" b="0" i="1" smtClean="0">
+                        <a:latin typeface="Cambria Math" panose="02040503050406030204" pitchFamily="18" charset="0"/>
+                      </a:rPr>
+                      <m:t>,</m:t>
+                    </m:r>
+                    <m:r>
+                      <a:rPr lang="en-US" b="0" i="1" smtClean="0">
+                        <a:latin typeface="Cambria Math" panose="02040503050406030204" pitchFamily="18" charset="0"/>
+                      </a:rPr>
+                      <m:t>𝑥</m:t>
+                    </m:r>
+                    <m:d>
+                      <m:dPr>
+                        <m:ctrlPr>
+                          <a:rPr lang="en-US" b="0" i="1" smtClean="0">
+                            <a:latin typeface="Cambria Math" panose="02040503050406030204" pitchFamily="18" charset="0"/>
+                          </a:rPr>
+                        </m:ctrlPr>
+                      </m:dPr>
+                      <m:e>
+                        <m:r>
+                          <a:rPr lang="en-US" b="0" i="1" smtClean="0">
+                            <a:latin typeface="Cambria Math" panose="02040503050406030204" pitchFamily="18" charset="0"/>
+                          </a:rPr>
+                          <m:t>0</m:t>
+                        </m:r>
+                      </m:e>
+                    </m:d>
+                    <m:r>
+                      <a:rPr lang="en-US" b="0" i="1" smtClean="0">
+                        <a:latin typeface="Cambria Math" panose="02040503050406030204" pitchFamily="18" charset="0"/>
+                      </a:rPr>
+                      <m:t>=</m:t>
+                    </m:r>
+                    <m:sSub>
+                      <m:sSubPr>
+                        <m:ctrlPr>
+                          <a:rPr lang="en-US" b="0" i="1" smtClean="0">
+                            <a:latin typeface="Cambria Math" panose="02040503050406030204" pitchFamily="18" charset="0"/>
+                          </a:rPr>
+                        </m:ctrlPr>
+                      </m:sSubPr>
+                      <m:e>
+                        <m:r>
+                          <a:rPr lang="en-US" b="0" i="1" smtClean="0">
+                            <a:latin typeface="Cambria Math" panose="02040503050406030204" pitchFamily="18" charset="0"/>
+                          </a:rPr>
+                          <m:t>𝑥</m:t>
+                        </m:r>
+                      </m:e>
+                      <m:sub>
+                        <m:r>
+                          <a:rPr lang="en-US" b="0" i="1" smtClean="0">
+                            <a:latin typeface="Cambria Math" panose="02040503050406030204" pitchFamily="18" charset="0"/>
+                          </a:rPr>
+                          <m:t>0</m:t>
+                        </m:r>
+                      </m:sub>
+                    </m:sSub>
+                  </m:oMath>
+                </a14:m>
+                <a:r>
+                  <a:rPr lang="en-JP" sz="1600" dirty="0"/>
+                  <a:t>, </a:t>
+                </a:r>
+              </a:p>
+              <a:p>
+                <a14:m>
+                  <m:oMath xmlns:m="http://schemas.openxmlformats.org/officeDocument/2006/math">
+                    <m:r>
+                      <a:rPr lang="en-US" i="1">
+                        <a:latin typeface="Cambria Math" panose="02040503050406030204" pitchFamily="18" charset="0"/>
+                      </a:rPr>
+                      <m:t>𝑆</m:t>
+                    </m:r>
+                    <m:r>
+                      <a:rPr lang="en-US" i="1">
+                        <a:latin typeface="Cambria Math" panose="02040503050406030204" pitchFamily="18" charset="0"/>
+                      </a:rPr>
+                      <m:t>=</m:t>
+                    </m:r>
+                    <m:d>
+                      <m:dPr>
+                        <m:begChr m:val="["/>
+                        <m:endChr m:val="]"/>
+                        <m:ctrlPr>
+                          <a:rPr lang="en-US" i="1">
+                            <a:latin typeface="Cambria Math" panose="02040503050406030204" pitchFamily="18" charset="0"/>
+                          </a:rPr>
+                        </m:ctrlPr>
+                      </m:dPr>
+                      <m:e>
+                        <m:r>
+                          <a:rPr lang="en-US" i="1">
+                            <a:latin typeface="Cambria Math" panose="02040503050406030204" pitchFamily="18" charset="0"/>
+                          </a:rPr>
+                          <m:t>0 0 1 1 0 0 0</m:t>
+                        </m:r>
+                      </m:e>
+                    </m:d>
+                    <m:r>
+                      <a:rPr lang="en-US" i="1">
+                        <a:latin typeface="Cambria Math" panose="02040503050406030204" pitchFamily="18" charset="0"/>
+                      </a:rPr>
+                      <m:t>, </m:t>
+                    </m:r>
+                  </m:oMath>
+                </a14:m>
+                <a:r>
+                  <a:rPr lang="en-JP" i="1" dirty="0">
+                    <a:latin typeface="Cambria Math" panose="02040503050406030204" pitchFamily="18" charset="0"/>
+                  </a:rPr>
+                  <a:t>C </a:t>
+                </a:r>
+                <a14:m>
+                  <m:oMath xmlns:m="http://schemas.openxmlformats.org/officeDocument/2006/math">
+                    <m:r>
+                      <a:rPr lang="en-US" i="1">
+                        <a:latin typeface="Cambria Math" panose="02040503050406030204" pitchFamily="18" charset="0"/>
+                      </a:rPr>
+                      <m:t>=</m:t>
+                    </m:r>
+                    <m:d>
+                      <m:dPr>
+                        <m:begChr m:val="["/>
+                        <m:endChr m:val="]"/>
+                        <m:ctrlPr>
+                          <a:rPr lang="en-US" i="1">
+                            <a:latin typeface="Cambria Math" panose="02040503050406030204" pitchFamily="18" charset="0"/>
+                          </a:rPr>
+                        </m:ctrlPr>
+                      </m:dPr>
+                      <m:e>
+                        <m:r>
+                          <a:rPr lang="en-US" i="1">
+                            <a:latin typeface="Cambria Math" panose="02040503050406030204" pitchFamily="18" charset="0"/>
+                          </a:rPr>
+                          <m:t>1 0 0 0 0 0 0</m:t>
+                        </m:r>
+                      </m:e>
+                    </m:d>
+                    <m:r>
+                      <a:rPr lang="en-US" b="0" i="1" smtClean="0">
+                        <a:latin typeface="Cambria Math" panose="02040503050406030204" pitchFamily="18" charset="0"/>
+                      </a:rPr>
+                      <m:t>,</m:t>
+                    </m:r>
+                    <m:r>
+                      <a:rPr lang="en-US" i="1">
+                        <a:latin typeface="Cambria Math" panose="02040503050406030204" pitchFamily="18" charset="0"/>
+                      </a:rPr>
+                      <m:t> </m:t>
+                    </m:r>
+                  </m:oMath>
+                </a14:m>
+                <a:r>
+                  <a:rPr lang="en-JP" sz="1600" i="1" dirty="0">
+                    <a:latin typeface="Cambria Math" panose="02040503050406030204" pitchFamily="18" charset="0"/>
+                  </a:rPr>
+                  <a:t> </a:t>
+                </a:r>
+                <a:endParaRPr lang="en-US" sz="1600" i="1" dirty="0">
+                  <a:latin typeface="Cambria Math" panose="02040503050406030204" pitchFamily="18" charset="0"/>
+                </a:endParaRPr>
+              </a:p>
+              <a:p>
+                <a:endParaRPr lang="en-JP" sz="1600" dirty="0"/>
+              </a:p>
+            </p:txBody>
+          </p:sp>
+        </mc:Choice>
+        <mc:Fallback>
+          <p:sp>
+            <p:nvSpPr>
+              <p:cNvPr id="72" name="TextBox 404">
+                <a:extLst>
+                  <a:ext uri="{FF2B5EF4-FFF2-40B4-BE49-F238E27FC236}">
+                    <a16:creationId xmlns:a16="http://schemas.microsoft.com/office/drawing/2014/main" id="{F77EC1F9-A600-B4D0-B4F8-0C7CCA0C0F84}"/>
+                  </a:ext>
+                </a:extLst>
+              </p:cNvPr>
+              <p:cNvSpPr txBox="1">
+                <a:spLocks noRot="1" noChangeAspect="1" noMove="1" noResize="1" noEditPoints="1" noAdjustHandles="1" noChangeArrowheads="1" noChangeShapeType="1" noTextEdit="1"/>
+              </p:cNvSpPr>
+              <p:nvPr/>
+            </p:nvSpPr>
+            <p:spPr>
+              <a:xfrm>
+                <a:off x="9966847" y="20983946"/>
+                <a:ext cx="4289444" cy="835870"/>
+              </a:xfrm>
+              <a:prstGeom prst="rect">
+                <a:avLst/>
+              </a:prstGeom>
+              <a:blipFill>
+                <a:blip r:embed="rId17"/>
+                <a:stretch>
+                  <a:fillRect l="-1770" t="-1515"/>
+                </a:stretch>
+              </a:blipFill>
+            </p:spPr>
+            <p:txBody>
+              <a:bodyPr/>
+              <a:lstStyle/>
+              <a:p>
+                <a:r>
+                  <a:rPr lang="ja-JP" altLang="en-US">
+                    <a:noFill/>
+                  </a:rPr>
+                  <a:t> </a:t>
+                </a:r>
+              </a:p>
+            </p:txBody>
+          </p:sp>
+        </mc:Fallback>
+      </mc:AlternateContent>
+      <p:grpSp>
+        <p:nvGrpSpPr>
+          <p:cNvPr id="73" name="Group 407">
+            <a:extLst>
+              <a:ext uri="{FF2B5EF4-FFF2-40B4-BE49-F238E27FC236}">
+                <a16:creationId xmlns:a16="http://schemas.microsoft.com/office/drawing/2014/main" id="{EA8F5996-9C0A-33FD-C573-CAB506693B02}"/>
+              </a:ext>
+            </a:extLst>
+          </p:cNvPr>
+          <p:cNvGrpSpPr/>
+          <p:nvPr/>
+        </p:nvGrpSpPr>
+        <p:grpSpPr>
+          <a:xfrm>
+            <a:off x="15088841" y="20236509"/>
+            <a:ext cx="5339552" cy="3468849"/>
+            <a:chOff x="492246" y="2763288"/>
+            <a:chExt cx="6971214" cy="3735506"/>
+          </a:xfrm>
+        </p:grpSpPr>
+        <p:grpSp>
+          <p:nvGrpSpPr>
+            <p:cNvPr id="74" name="グループ化 91">
+              <a:extLst>
+                <a:ext uri="{FF2B5EF4-FFF2-40B4-BE49-F238E27FC236}">
+                  <a16:creationId xmlns:a16="http://schemas.microsoft.com/office/drawing/2014/main" id="{E5475270-4BC6-E888-3486-FFB8B5F946ED}"/>
+                </a:ext>
+              </a:extLst>
+            </p:cNvPr>
+            <p:cNvGrpSpPr/>
+            <p:nvPr/>
+          </p:nvGrpSpPr>
+          <p:grpSpPr>
+            <a:xfrm>
+              <a:off x="1650590" y="2897727"/>
+              <a:ext cx="2636019" cy="1235034"/>
+              <a:chOff x="1074479" y="1180107"/>
+              <a:chExt cx="2636019" cy="1235034"/>
+            </a:xfrm>
+          </p:grpSpPr>
+          <p:sp>
+            <p:nvSpPr>
+              <p:cNvPr id="93" name="角丸四角形 28">
+                <a:extLst>
+                  <a:ext uri="{FF2B5EF4-FFF2-40B4-BE49-F238E27FC236}">
+                    <a16:creationId xmlns:a16="http://schemas.microsoft.com/office/drawing/2014/main" id="{A99F0E0E-0B2B-4719-94B2-7FE7A46869A6}"/>
+                  </a:ext>
+                </a:extLst>
+              </p:cNvPr>
+              <p:cNvSpPr/>
+              <p:nvPr/>
+            </p:nvSpPr>
+            <p:spPr>
+              <a:xfrm>
+                <a:off x="1074479" y="1180107"/>
+                <a:ext cx="2163040" cy="1235034"/>
+              </a:xfrm>
+              <a:prstGeom prst="roundRect">
+                <a:avLst/>
+              </a:prstGeom>
+              <a:solidFill>
+                <a:schemeClr val="bg1"/>
+              </a:solidFill>
+              <a:ln w="38100">
+                <a:solidFill>
+                  <a:schemeClr val="tx1"/>
+                </a:solidFill>
+              </a:ln>
+            </p:spPr>
+            <p:style>
+              <a:lnRef idx="2">
+                <a:schemeClr val="accent1">
+                  <a:shade val="15000"/>
+                </a:schemeClr>
+              </a:lnRef>
+              <a:fillRef idx="1">
+                <a:schemeClr val="accent1"/>
+              </a:fillRef>
+              <a:effectRef idx="0">
+                <a:schemeClr val="accent1"/>
+              </a:effectRef>
+              <a:fontRef idx="minor">
+                <a:schemeClr val="lt1"/>
+              </a:fontRef>
+            </p:style>
+            <p:txBody>
+              <a:bodyPr rtlCol="0" anchor="ctr"/>
+              <a:lstStyle/>
+              <a:p>
+                <a:pPr algn="ctr"/>
+                <a:endParaRPr lang="ja-JP" altLang="en-US" sz="1200"/>
+              </a:p>
+            </p:txBody>
+          </p:sp>
+          <p:sp>
+            <p:nvSpPr>
+              <p:cNvPr id="94" name="テキスト ボックス 93">
+                <a:extLst>
+                  <a:ext uri="{FF2B5EF4-FFF2-40B4-BE49-F238E27FC236}">
+                    <a16:creationId xmlns:a16="http://schemas.microsoft.com/office/drawing/2014/main" id="{92FB0167-E022-42E5-4E6D-77140D1F1813}"/>
+                  </a:ext>
+                </a:extLst>
+              </p:cNvPr>
+              <p:cNvSpPr txBox="1"/>
+              <p:nvPr/>
+            </p:nvSpPr>
+            <p:spPr>
+              <a:xfrm>
+                <a:off x="1216679" y="1218058"/>
+                <a:ext cx="2493819" cy="551562"/>
+              </a:xfrm>
+              <a:prstGeom prst="rect">
+                <a:avLst/>
+              </a:prstGeom>
+              <a:noFill/>
+            </p:spPr>
+            <p:txBody>
+              <a:bodyPr wrap="square" rtlCol="0">
+                <a:spAutoFit/>
+              </a:bodyPr>
+              <a:lstStyle/>
+              <a:p>
+                <a:r>
+                  <a:rPr lang="en-US" altLang="ja-JP" sz="1600" b="1" dirty="0"/>
+                  <a:t>Subject (UVA/Padova Model)</a:t>
+                </a:r>
+                <a:endParaRPr lang="ja-JP" altLang="en-US" sz="1600" b="1"/>
+              </a:p>
+            </p:txBody>
+          </p:sp>
+        </p:grpSp>
+        <p:sp>
+          <p:nvSpPr>
+            <p:cNvPr id="75" name="テキスト ボックス 93">
+              <a:extLst>
+                <a:ext uri="{FF2B5EF4-FFF2-40B4-BE49-F238E27FC236}">
+                  <a16:creationId xmlns:a16="http://schemas.microsoft.com/office/drawing/2014/main" id="{F83E27F6-AD73-CD0B-918A-16B41F7D1E84}"/>
+                </a:ext>
+              </a:extLst>
+            </p:cNvPr>
+            <p:cNvSpPr txBox="1"/>
+            <p:nvPr/>
+          </p:nvSpPr>
+          <p:spPr>
+            <a:xfrm>
+              <a:off x="492246" y="3030598"/>
+              <a:ext cx="676700" cy="319325"/>
+            </a:xfrm>
+            <a:prstGeom prst="rect">
+              <a:avLst/>
+            </a:prstGeom>
+            <a:noFill/>
+          </p:spPr>
+          <p:txBody>
+            <a:bodyPr wrap="none" rtlCol="0">
+              <a:spAutoFit/>
+            </a:bodyPr>
+            <a:lstStyle/>
+            <a:p>
+              <a:r>
+                <a:rPr lang="en-US" altLang="ja-JP" sz="1600" b="1" dirty="0"/>
+                <a:t>Input</a:t>
+              </a:r>
+              <a:endParaRPr lang="ja-JP" altLang="en-US" sz="1600" b="1"/>
+            </a:p>
+          </p:txBody>
+        </p:sp>
+        <p:cxnSp>
+          <p:nvCxnSpPr>
+            <p:cNvPr id="76" name="直線矢印コネクタ 94">
+              <a:extLst>
+                <a:ext uri="{FF2B5EF4-FFF2-40B4-BE49-F238E27FC236}">
+                  <a16:creationId xmlns:a16="http://schemas.microsoft.com/office/drawing/2014/main" id="{523BEA69-D7A3-7022-E735-83F21AC6B019}"/>
+                </a:ext>
+              </a:extLst>
+            </p:cNvPr>
+            <p:cNvCxnSpPr/>
+            <p:nvPr/>
+          </p:nvCxnSpPr>
+          <p:spPr>
+            <a:xfrm>
+              <a:off x="567469" y="3492262"/>
+              <a:ext cx="1083120" cy="0"/>
+            </a:xfrm>
+            <a:prstGeom prst="straightConnector1">
+              <a:avLst/>
+            </a:prstGeom>
+            <a:ln w="38100">
+              <a:solidFill>
+                <a:schemeClr val="tx1"/>
+              </a:solidFill>
+              <a:tailEnd type="triangle" w="lg" len="lg"/>
+            </a:ln>
+          </p:spPr>
+          <p:style>
+            <a:lnRef idx="2">
+              <a:schemeClr val="accent1"/>
+            </a:lnRef>
+            <a:fillRef idx="0">
+              <a:schemeClr val="accent1"/>
+            </a:fillRef>
+            <a:effectRef idx="1">
+              <a:schemeClr val="accent1"/>
+            </a:effectRef>
+            <a:fontRef idx="minor">
+              <a:schemeClr val="tx1"/>
+            </a:fontRef>
+          </p:style>
+        </p:cxnSp>
+        <p:cxnSp>
+          <p:nvCxnSpPr>
+            <p:cNvPr id="77" name="直線矢印コネクタ 99">
+              <a:extLst>
+                <a:ext uri="{FF2B5EF4-FFF2-40B4-BE49-F238E27FC236}">
+                  <a16:creationId xmlns:a16="http://schemas.microsoft.com/office/drawing/2014/main" id="{CB212F0B-CAAC-27D2-FAF7-FC4CDF7EF129}"/>
+                </a:ext>
+              </a:extLst>
+            </p:cNvPr>
+            <p:cNvCxnSpPr/>
+            <p:nvPr/>
+          </p:nvCxnSpPr>
+          <p:spPr>
+            <a:xfrm>
+              <a:off x="4524347" y="3592324"/>
+              <a:ext cx="0" cy="1557652"/>
+            </a:xfrm>
+            <a:prstGeom prst="straightConnector1">
+              <a:avLst/>
+            </a:prstGeom>
+            <a:ln w="38100">
+              <a:solidFill>
+                <a:schemeClr val="tx1"/>
+              </a:solidFill>
+              <a:prstDash val="solid"/>
+              <a:tailEnd type="triangle" w="lg" len="lg"/>
+            </a:ln>
+          </p:spPr>
+          <p:style>
+            <a:lnRef idx="2">
+              <a:schemeClr val="accent1"/>
+            </a:lnRef>
+            <a:fillRef idx="0">
+              <a:schemeClr val="accent1"/>
+            </a:fillRef>
+            <a:effectRef idx="1">
+              <a:schemeClr val="accent1"/>
+            </a:effectRef>
+            <a:fontRef idx="minor">
+              <a:schemeClr val="tx1"/>
+            </a:fontRef>
+          </p:style>
+        </p:cxnSp>
+        <p:cxnSp>
+          <p:nvCxnSpPr>
+            <p:cNvPr id="78" name="直線矢印コネクタ 103">
+              <a:extLst>
+                <a:ext uri="{FF2B5EF4-FFF2-40B4-BE49-F238E27FC236}">
+                  <a16:creationId xmlns:a16="http://schemas.microsoft.com/office/drawing/2014/main" id="{5BAD44D2-11EA-E83C-2238-4D70B8B2784B}"/>
+                </a:ext>
+              </a:extLst>
+            </p:cNvPr>
+            <p:cNvCxnSpPr/>
+            <p:nvPr/>
+          </p:nvCxnSpPr>
+          <p:spPr>
+            <a:xfrm>
+              <a:off x="3813630" y="3499881"/>
+              <a:ext cx="1223164" cy="0"/>
+            </a:xfrm>
+            <a:prstGeom prst="straightConnector1">
+              <a:avLst/>
+            </a:prstGeom>
+            <a:ln w="38100">
+              <a:solidFill>
+                <a:schemeClr val="tx1"/>
+              </a:solidFill>
+              <a:tailEnd type="triangle" w="lg" len="lg"/>
+            </a:ln>
+          </p:spPr>
+          <p:style>
+            <a:lnRef idx="2">
+              <a:schemeClr val="accent1"/>
+            </a:lnRef>
+            <a:fillRef idx="0">
+              <a:schemeClr val="accent1"/>
+            </a:fillRef>
+            <a:effectRef idx="1">
+              <a:schemeClr val="accent1"/>
+            </a:effectRef>
+            <a:fontRef idx="minor">
+              <a:schemeClr val="tx1"/>
+            </a:fontRef>
+          </p:style>
+        </p:cxnSp>
+        <p:sp>
+          <p:nvSpPr>
+            <p:cNvPr id="79" name="円/楕円 111">
+              <a:extLst>
+                <a:ext uri="{FF2B5EF4-FFF2-40B4-BE49-F238E27FC236}">
+                  <a16:creationId xmlns:a16="http://schemas.microsoft.com/office/drawing/2014/main" id="{67F52A42-B5B4-A488-FE91-88868C14007D}"/>
+                </a:ext>
+              </a:extLst>
+            </p:cNvPr>
+            <p:cNvSpPr/>
+            <p:nvPr/>
+          </p:nvSpPr>
+          <p:spPr>
+            <a:xfrm>
+              <a:off x="4447267" y="3422801"/>
+              <a:ext cx="154161" cy="154161"/>
+            </a:xfrm>
+            <a:prstGeom prst="ellipse">
+              <a:avLst/>
+            </a:prstGeom>
+            <a:solidFill>
+              <a:schemeClr val="tx1"/>
+            </a:solidFill>
+            <a:ln w="31750">
+              <a:solidFill>
+                <a:schemeClr val="tx1"/>
+              </a:solidFill>
+            </a:ln>
+          </p:spPr>
+          <p:style>
+            <a:lnRef idx="2">
+              <a:schemeClr val="accent1">
+                <a:shade val="15000"/>
+              </a:schemeClr>
+            </a:lnRef>
+            <a:fillRef idx="1">
+              <a:schemeClr val="accent1"/>
+            </a:fillRef>
+            <a:effectRef idx="0">
+              <a:schemeClr val="accent1"/>
+            </a:effectRef>
+            <a:fontRef idx="minor">
+              <a:schemeClr val="lt1"/>
+            </a:fontRef>
+          </p:style>
+          <p:txBody>
+            <a:bodyPr rtlCol="0" anchor="ctr"/>
+            <a:lstStyle/>
+            <a:p>
+              <a:pPr algn="ctr"/>
+              <a:endParaRPr lang="ja-JP" altLang="en-US" sz="1200"/>
+            </a:p>
+          </p:txBody>
+        </p:sp>
+        <p:cxnSp>
+          <p:nvCxnSpPr>
+            <p:cNvPr id="80" name="直線矢印コネクタ 130">
+              <a:extLst>
+                <a:ext uri="{FF2B5EF4-FFF2-40B4-BE49-F238E27FC236}">
+                  <a16:creationId xmlns:a16="http://schemas.microsoft.com/office/drawing/2014/main" id="{E2BD17BF-2FF4-FB0E-75A1-DD829A3E3F1F}"/>
+                </a:ext>
+              </a:extLst>
+            </p:cNvPr>
+            <p:cNvCxnSpPr>
+              <a:stCxn id="84" idx="2"/>
+            </p:cNvCxnSpPr>
+            <p:nvPr/>
+          </p:nvCxnSpPr>
+          <p:spPr>
+            <a:xfrm>
+              <a:off x="5966722" y="4589678"/>
+              <a:ext cx="4143" cy="580889"/>
+            </a:xfrm>
+            <a:prstGeom prst="straightConnector1">
+              <a:avLst/>
+            </a:prstGeom>
+            <a:ln w="38100">
+              <a:solidFill>
+                <a:schemeClr val="tx1"/>
+              </a:solidFill>
+              <a:prstDash val="solid"/>
+              <a:tailEnd type="triangle" w="lg" len="lg"/>
+            </a:ln>
+          </p:spPr>
+          <p:style>
+            <a:lnRef idx="2">
+              <a:schemeClr val="accent1"/>
+            </a:lnRef>
+            <a:fillRef idx="0">
+              <a:schemeClr val="accent1"/>
+            </a:fillRef>
+            <a:effectRef idx="1">
+              <a:schemeClr val="accent1"/>
+            </a:effectRef>
+            <a:fontRef idx="minor">
+              <a:schemeClr val="tx1"/>
+            </a:fontRef>
+          </p:style>
+        </p:cxnSp>
+        <p:grpSp>
+          <p:nvGrpSpPr>
+            <p:cNvPr id="81" name="グループ化 138">
+              <a:extLst>
+                <a:ext uri="{FF2B5EF4-FFF2-40B4-BE49-F238E27FC236}">
+                  <a16:creationId xmlns:a16="http://schemas.microsoft.com/office/drawing/2014/main" id="{B632445E-99BE-2922-2263-3C959B9B2F79}"/>
+                </a:ext>
+              </a:extLst>
+            </p:cNvPr>
+            <p:cNvGrpSpPr/>
+            <p:nvPr/>
+          </p:nvGrpSpPr>
+          <p:grpSpPr>
+            <a:xfrm>
+              <a:off x="3343067" y="5189686"/>
+              <a:ext cx="3611630" cy="1309108"/>
+              <a:chOff x="4289083" y="8237024"/>
+              <a:chExt cx="3611630" cy="1309108"/>
+            </a:xfrm>
+          </p:grpSpPr>
+          <p:grpSp>
+            <p:nvGrpSpPr>
+              <p:cNvPr id="88" name="グループ化 139">
+                <a:extLst>
+                  <a:ext uri="{FF2B5EF4-FFF2-40B4-BE49-F238E27FC236}">
+                    <a16:creationId xmlns:a16="http://schemas.microsoft.com/office/drawing/2014/main" id="{4E81C779-A14A-8E96-3B30-591CC666BA08}"/>
+                  </a:ext>
+                </a:extLst>
+              </p:cNvPr>
+              <p:cNvGrpSpPr/>
+              <p:nvPr/>
+            </p:nvGrpSpPr>
+            <p:grpSpPr>
+              <a:xfrm>
+                <a:off x="4289083" y="8237024"/>
+                <a:ext cx="3611630" cy="1309108"/>
+                <a:chOff x="4289083" y="8260008"/>
+                <a:chExt cx="3611630" cy="1309108"/>
+              </a:xfrm>
+            </p:grpSpPr>
+            <p:sp>
+              <p:nvSpPr>
+                <p:cNvPr id="90" name="角丸四角形 141">
+                  <a:extLst>
+                    <a:ext uri="{FF2B5EF4-FFF2-40B4-BE49-F238E27FC236}">
+                      <a16:creationId xmlns:a16="http://schemas.microsoft.com/office/drawing/2014/main" id="{F88A7DC7-9541-1750-A2F0-53448EA3E71B}"/>
+                    </a:ext>
+                  </a:extLst>
+                </p:cNvPr>
+                <p:cNvSpPr/>
+                <p:nvPr/>
+              </p:nvSpPr>
+              <p:spPr>
+                <a:xfrm>
+                  <a:off x="4289083" y="8260008"/>
+                  <a:ext cx="3490927" cy="1309108"/>
+                </a:xfrm>
+                <a:prstGeom prst="roundRect">
+                  <a:avLst/>
+                </a:prstGeom>
+                <a:solidFill>
+                  <a:schemeClr val="bg1"/>
+                </a:solidFill>
+                <a:ln w="38100">
+                  <a:solidFill>
+                    <a:schemeClr val="tx1"/>
+                  </a:solidFill>
+                </a:ln>
+              </p:spPr>
+              <p:style>
+                <a:lnRef idx="2">
+                  <a:schemeClr val="accent1">
+                    <a:shade val="15000"/>
+                  </a:schemeClr>
+                </a:lnRef>
+                <a:fillRef idx="1">
+                  <a:schemeClr val="accent1"/>
+                </a:fillRef>
+                <a:effectRef idx="0">
+                  <a:schemeClr val="accent1"/>
+                </a:effectRef>
+                <a:fontRef idx="minor">
+                  <a:schemeClr val="lt1"/>
+                </a:fontRef>
+              </p:style>
+              <p:txBody>
+                <a:bodyPr rtlCol="0" anchor="ctr"/>
+                <a:lstStyle/>
+                <a:p>
+                  <a:pPr algn="ctr"/>
+                  <a:endParaRPr lang="ja-JP" altLang="en-US" sz="1200"/>
+                </a:p>
+              </p:txBody>
+            </p:sp>
+            <p:sp>
+              <p:nvSpPr>
+                <p:cNvPr id="91" name="テキスト ボックス 142">
+                  <a:extLst>
+                    <a:ext uri="{FF2B5EF4-FFF2-40B4-BE49-F238E27FC236}">
+                      <a16:creationId xmlns:a16="http://schemas.microsoft.com/office/drawing/2014/main" id="{39A1B983-7A83-2BD8-07A4-BA11755EC1FB}"/>
+                    </a:ext>
+                  </a:extLst>
+                </p:cNvPr>
+                <p:cNvSpPr txBox="1"/>
+                <p:nvPr/>
+              </p:nvSpPr>
+              <p:spPr>
+                <a:xfrm>
+                  <a:off x="4473674" y="8294099"/>
+                  <a:ext cx="3427039" cy="319325"/>
+                </a:xfrm>
+                <a:prstGeom prst="rect">
+                  <a:avLst/>
+                </a:prstGeom>
+                <a:noFill/>
+              </p:spPr>
+              <p:txBody>
+                <a:bodyPr wrap="square" rtlCol="0">
+                  <a:spAutoFit/>
+                </a:bodyPr>
+                <a:lstStyle/>
+                <a:p>
+                  <a:r>
+                    <a:rPr lang="en-US" altLang="ja-JP" sz="1600" b="1" dirty="0"/>
+                    <a:t>Parameter Estimation</a:t>
+                  </a:r>
+                  <a:endParaRPr lang="ja-JP" altLang="en-US" sz="1600" b="1"/>
+                </a:p>
+              </p:txBody>
+            </p:sp>
+            <p:sp>
+              <p:nvSpPr>
+                <p:cNvPr id="92" name="角丸四角形 143">
+                  <a:extLst>
+                    <a:ext uri="{FF2B5EF4-FFF2-40B4-BE49-F238E27FC236}">
+                      <a16:creationId xmlns:a16="http://schemas.microsoft.com/office/drawing/2014/main" id="{14BA2FD9-486B-862A-0B3A-CCC3BE33AF03}"/>
+                    </a:ext>
+                  </a:extLst>
+                </p:cNvPr>
+                <p:cNvSpPr/>
+                <p:nvPr/>
+              </p:nvSpPr>
+              <p:spPr>
+                <a:xfrm>
+                  <a:off x="4694198" y="8776287"/>
+                  <a:ext cx="2718860" cy="659537"/>
+                </a:xfrm>
+                <a:prstGeom prst="roundRect">
+                  <a:avLst/>
+                </a:prstGeom>
+                <a:noFill/>
+                <a:ln w="38100">
+                  <a:solidFill>
+                    <a:schemeClr val="tx1"/>
+                  </a:solidFill>
+                </a:ln>
+              </p:spPr>
+              <p:style>
+                <a:lnRef idx="2">
+                  <a:schemeClr val="accent1">
+                    <a:shade val="15000"/>
+                  </a:schemeClr>
+                </a:lnRef>
+                <a:fillRef idx="1">
+                  <a:schemeClr val="accent1"/>
+                </a:fillRef>
+                <a:effectRef idx="0">
+                  <a:schemeClr val="accent1"/>
+                </a:effectRef>
+                <a:fontRef idx="minor">
+                  <a:schemeClr val="lt1"/>
+                </a:fontRef>
+              </p:style>
+              <p:txBody>
+                <a:bodyPr rtlCol="0" anchor="ctr"/>
+                <a:lstStyle/>
+                <a:p>
+                  <a:pPr algn="ctr"/>
+                  <a:endParaRPr lang="ja-JP" altLang="en-US" sz="1200"/>
+                </a:p>
+              </p:txBody>
+            </p:sp>
+          </p:grpSp>
+          <p:sp>
+            <p:nvSpPr>
+              <p:cNvPr id="89" name="テキスト ボックス 140">
+                <a:extLst>
+                  <a:ext uri="{FF2B5EF4-FFF2-40B4-BE49-F238E27FC236}">
+                    <a16:creationId xmlns:a16="http://schemas.microsoft.com/office/drawing/2014/main" id="{3CDBFD8A-88A1-6461-B435-063AFEBB2662}"/>
+                  </a:ext>
+                </a:extLst>
+              </p:cNvPr>
+              <p:cNvSpPr txBox="1"/>
+              <p:nvPr/>
+            </p:nvSpPr>
+            <p:spPr>
+              <a:xfrm>
+                <a:off x="5328057" y="8863648"/>
+                <a:ext cx="1666516" cy="319325"/>
+              </a:xfrm>
+              <a:prstGeom prst="rect">
+                <a:avLst/>
+              </a:prstGeom>
+              <a:noFill/>
+            </p:spPr>
+            <p:txBody>
+              <a:bodyPr wrap="square" rtlCol="0">
+                <a:spAutoFit/>
+              </a:bodyPr>
+              <a:lstStyle/>
+              <a:p>
+                <a:r>
+                  <a:rPr lang="en-US" altLang="ja-JP" sz="1600" b="1" dirty="0"/>
+                  <a:t>SSOGMM</a:t>
+                </a:r>
+                <a:endParaRPr lang="ja-JP" altLang="en-US" sz="1600" b="1"/>
+              </a:p>
+            </p:txBody>
+          </p:sp>
+        </p:grpSp>
+        <p:cxnSp>
+          <p:nvCxnSpPr>
+            <p:cNvPr id="82" name="直線矢印コネクタ 144">
+              <a:extLst>
+                <a:ext uri="{FF2B5EF4-FFF2-40B4-BE49-F238E27FC236}">
+                  <a16:creationId xmlns:a16="http://schemas.microsoft.com/office/drawing/2014/main" id="{DEFBA734-7591-F707-A1D2-10025BEF8B4A}"/>
+                </a:ext>
+              </a:extLst>
+            </p:cNvPr>
+            <p:cNvCxnSpPr/>
+            <p:nvPr/>
+          </p:nvCxnSpPr>
+          <p:spPr>
+            <a:xfrm>
+              <a:off x="6833995" y="5844240"/>
+              <a:ext cx="629465" cy="0"/>
+            </a:xfrm>
+            <a:prstGeom prst="straightConnector1">
+              <a:avLst/>
+            </a:prstGeom>
+            <a:ln w="38100">
+              <a:solidFill>
+                <a:schemeClr val="tx1"/>
+              </a:solidFill>
+              <a:tailEnd type="triangle" w="lg" len="lg"/>
+            </a:ln>
+          </p:spPr>
+          <p:style>
+            <a:lnRef idx="2">
+              <a:schemeClr val="accent1"/>
+            </a:lnRef>
+            <a:fillRef idx="0">
+              <a:schemeClr val="accent1"/>
+            </a:fillRef>
+            <a:effectRef idx="1">
+              <a:schemeClr val="accent1"/>
+            </a:effectRef>
+            <a:fontRef idx="minor">
+              <a:schemeClr val="tx1"/>
+            </a:fontRef>
+          </p:style>
+        </p:cxnSp>
+        <mc:AlternateContent xmlns:mc="http://schemas.openxmlformats.org/markup-compatibility/2006" xmlns:a14="http://schemas.microsoft.com/office/drawing/2010/main">
+          <mc:Choice Requires="a14">
+            <p:sp>
+              <p:nvSpPr>
+                <p:cNvPr id="83" name="テキスト ボックス 145">
+                  <a:extLst>
+                    <a:ext uri="{FF2B5EF4-FFF2-40B4-BE49-F238E27FC236}">
+                      <a16:creationId xmlns:a16="http://schemas.microsoft.com/office/drawing/2014/main" id="{DB26A18C-1A52-2FD2-5227-B28BC4798634}"/>
+                    </a:ext>
+                  </a:extLst>
+                </p:cNvPr>
+                <p:cNvSpPr txBox="1"/>
+                <p:nvPr/>
+              </p:nvSpPr>
+              <p:spPr>
+                <a:xfrm>
+                  <a:off x="7061851" y="5446978"/>
+                  <a:ext cx="253992" cy="232236"/>
+                </a:xfrm>
+                <a:prstGeom prst="rect">
+                  <a:avLst/>
+                </a:prstGeom>
+                <a:noFill/>
+              </p:spPr>
+              <p:txBody>
+                <a:bodyPr wrap="none" lIns="0" tIns="0" rIns="0" bIns="0" rtlCol="0">
+                  <a:spAutoFit/>
+                </a:bodyPr>
+                <a:lstStyle/>
+                <a:p>
+                  <a:pPr/>
+                  <a14:m>
+                    <m:oMathPara xmlns:m="http://schemas.openxmlformats.org/officeDocument/2006/math">
+                      <m:oMathParaPr>
+                        <m:jc m:val="centerGroup"/>
+                      </m:oMathParaPr>
+                      <m:oMath xmlns:m="http://schemas.openxmlformats.org/officeDocument/2006/math">
+                        <m:sSup>
+                          <m:sSupPr>
+                            <m:ctrlPr>
+                              <a:rPr lang="en-US" altLang="ja-JP" sz="1600" i="1">
+                                <a:latin typeface="Cambria Math" panose="02040503050406030204" pitchFamily="18" charset="0"/>
+                              </a:rPr>
+                            </m:ctrlPr>
+                          </m:sSupPr>
+                          <m:e>
+                            <m:r>
+                              <a:rPr lang="en-US" altLang="ja-JP" sz="1600" i="1">
+                                <a:latin typeface="Cambria Math" panose="02040503050406030204" pitchFamily="18" charset="0"/>
+                              </a:rPr>
+                              <m:t>𝜃</m:t>
+                            </m:r>
+                          </m:e>
+                          <m:sup>
+                            <m:r>
+                              <a:rPr lang="en-US" altLang="ja-JP" sz="1600" i="1">
+                                <a:latin typeface="Cambria Math" panose="02040503050406030204" pitchFamily="18" charset="0"/>
+                              </a:rPr>
+                              <m:t>∗</m:t>
+                            </m:r>
+                          </m:sup>
+                        </m:sSup>
+                      </m:oMath>
+                    </m:oMathPara>
+                  </a14:m>
+                  <a:endParaRPr lang="ja-JP" altLang="en-US" sz="1600"/>
+                </a:p>
+              </p:txBody>
+            </p:sp>
+          </mc:Choice>
+          <mc:Fallback xmlns="">
+            <p:sp>
+              <p:nvSpPr>
+                <p:cNvPr id="20" name="テキスト ボックス 145">
+                  <a:extLst>
+                    <a:ext uri="{FF2B5EF4-FFF2-40B4-BE49-F238E27FC236}">
+                      <a16:creationId xmlns:a16="http://schemas.microsoft.com/office/drawing/2014/main" id="{F3904DB0-02CE-39DD-9744-DD3D00569253}"/>
+                    </a:ext>
+                  </a:extLst>
+                </p:cNvPr>
+                <p:cNvSpPr txBox="1">
+                  <a:spLocks noRot="1" noChangeAspect="1" noMove="1" noResize="1" noEditPoints="1" noAdjustHandles="1" noChangeArrowheads="1" noChangeShapeType="1" noTextEdit="1"/>
+                </p:cNvSpPr>
+                <p:nvPr/>
+              </p:nvSpPr>
+              <p:spPr>
+                <a:xfrm>
+                  <a:off x="7061851" y="5446978"/>
+                  <a:ext cx="253992" cy="232236"/>
+                </a:xfrm>
+                <a:prstGeom prst="rect">
+                  <a:avLst/>
+                </a:prstGeom>
+                <a:blipFill>
+                  <a:blip r:embed="rId18"/>
+                  <a:stretch>
+                    <a:fillRect l="-40000" r="-26667" b="-22222"/>
+                  </a:stretch>
+                </a:blipFill>
+              </p:spPr>
+              <p:txBody>
+                <a:bodyPr/>
+                <a:lstStyle/>
+                <a:p>
+                  <a:r>
+                    <a:rPr lang="ja-JP" altLang="en-US">
+                      <a:noFill/>
+                    </a:rPr>
+                    <a:t> </a:t>
+                  </a:r>
+                </a:p>
+              </p:txBody>
+            </p:sp>
+          </mc:Fallback>
+        </mc:AlternateContent>
+        <p:sp>
+          <p:nvSpPr>
+            <p:cNvPr id="84" name="角丸四角形 168">
+              <a:extLst>
+                <a:ext uri="{FF2B5EF4-FFF2-40B4-BE49-F238E27FC236}">
+                  <a16:creationId xmlns:a16="http://schemas.microsoft.com/office/drawing/2014/main" id="{B70AE3C7-7D1C-57B4-3352-A25BE2435F33}"/>
+                </a:ext>
+              </a:extLst>
+            </p:cNvPr>
+            <p:cNvSpPr/>
+            <p:nvPr/>
+          </p:nvSpPr>
+          <p:spPr>
+            <a:xfrm>
+              <a:off x="5045235" y="2763288"/>
+              <a:ext cx="1842973" cy="1826390"/>
+            </a:xfrm>
+            <a:prstGeom prst="roundRect">
+              <a:avLst/>
+            </a:prstGeom>
+            <a:solidFill>
+              <a:schemeClr val="bg1"/>
+            </a:solidFill>
+            <a:ln w="38100">
+              <a:solidFill>
+                <a:schemeClr val="tx1"/>
+              </a:solidFill>
+              <a:prstDash val="sysDot"/>
+            </a:ln>
+          </p:spPr>
+          <p:style>
+            <a:lnRef idx="2">
+              <a:schemeClr val="accent1">
+                <a:shade val="15000"/>
+              </a:schemeClr>
+            </a:lnRef>
+            <a:fillRef idx="1">
+              <a:schemeClr val="accent1"/>
+            </a:fillRef>
+            <a:effectRef idx="0">
+              <a:schemeClr val="accent1"/>
+            </a:effectRef>
+            <a:fontRef idx="minor">
+              <a:schemeClr val="lt1"/>
+            </a:fontRef>
+          </p:style>
+          <p:txBody>
+            <a:bodyPr rtlCol="0" anchor="ctr"/>
+            <a:lstStyle/>
+            <a:p>
+              <a:pPr algn="ctr"/>
+              <a:endParaRPr lang="ja-JP" altLang="en-US" sz="1200"/>
+            </a:p>
+          </p:txBody>
+        </p:sp>
+        <p:sp>
+          <p:nvSpPr>
+            <p:cNvPr id="85" name="テキスト ボックス 169">
+              <a:extLst>
+                <a:ext uri="{FF2B5EF4-FFF2-40B4-BE49-F238E27FC236}">
+                  <a16:creationId xmlns:a16="http://schemas.microsoft.com/office/drawing/2014/main" id="{BC633504-64C9-4AC1-F1DF-2D45BA9482A8}"/>
+                </a:ext>
+              </a:extLst>
+            </p:cNvPr>
+            <p:cNvSpPr txBox="1"/>
+            <p:nvPr/>
+          </p:nvSpPr>
+          <p:spPr>
+            <a:xfrm>
+              <a:off x="5193632" y="3199429"/>
+              <a:ext cx="1897657" cy="609621"/>
+            </a:xfrm>
+            <a:prstGeom prst="rect">
+              <a:avLst/>
+            </a:prstGeom>
+            <a:noFill/>
+          </p:spPr>
+          <p:txBody>
+            <a:bodyPr wrap="square">
+              <a:spAutoFit/>
+            </a:bodyPr>
+            <a:lstStyle/>
+            <a:p>
+              <a:r>
+                <a:rPr lang="en-US" altLang="ja-JP" b="1" dirty="0"/>
+                <a:t>Mode </a:t>
+              </a:r>
+              <a:br>
+                <a:rPr lang="en-US" altLang="ja-JP" b="1" dirty="0"/>
+              </a:br>
+              <a:r>
+                <a:rPr lang="en-US" altLang="ja-JP" b="1" dirty="0"/>
+                <a:t>Estimator</a:t>
+              </a:r>
+              <a:endParaRPr lang="ja-JP" altLang="en-US"/>
+            </a:p>
+          </p:txBody>
+        </p:sp>
+        <p:sp>
+          <p:nvSpPr>
+            <p:cNvPr id="86" name="テキスト ボックス 93">
+              <a:extLst>
+                <a:ext uri="{FF2B5EF4-FFF2-40B4-BE49-F238E27FC236}">
+                  <a16:creationId xmlns:a16="http://schemas.microsoft.com/office/drawing/2014/main" id="{7D0674CF-2BA3-5D9C-7014-88E811F49BE3}"/>
+                </a:ext>
+              </a:extLst>
+            </p:cNvPr>
+            <p:cNvSpPr txBox="1"/>
+            <p:nvPr/>
+          </p:nvSpPr>
+          <p:spPr>
+            <a:xfrm>
+              <a:off x="3801038" y="3005609"/>
+              <a:ext cx="949710" cy="319325"/>
+            </a:xfrm>
+            <a:prstGeom prst="rect">
+              <a:avLst/>
+            </a:prstGeom>
+            <a:noFill/>
+          </p:spPr>
+          <p:txBody>
+            <a:bodyPr wrap="none" rtlCol="0">
+              <a:spAutoFit/>
+            </a:bodyPr>
+            <a:lstStyle/>
+            <a:p>
+              <a:r>
+                <a:rPr lang="en-US" altLang="ja-JP" sz="1600" b="1" dirty="0"/>
+                <a:t>Glucose</a:t>
+              </a:r>
+              <a:endParaRPr lang="ja-JP" altLang="en-US" sz="1600" b="1"/>
+            </a:p>
+          </p:txBody>
+        </p:sp>
+        <p:sp>
+          <p:nvSpPr>
+            <p:cNvPr id="87" name="テキスト ボックス 93">
+              <a:extLst>
+                <a:ext uri="{FF2B5EF4-FFF2-40B4-BE49-F238E27FC236}">
+                  <a16:creationId xmlns:a16="http://schemas.microsoft.com/office/drawing/2014/main" id="{295DD4A3-87C9-EEEC-9967-249C0C84DAB4}"/>
+                </a:ext>
+              </a:extLst>
+            </p:cNvPr>
+            <p:cNvSpPr txBox="1"/>
+            <p:nvPr/>
+          </p:nvSpPr>
+          <p:spPr>
+            <a:xfrm>
+              <a:off x="6080291" y="4649290"/>
+              <a:ext cx="716578" cy="319325"/>
+            </a:xfrm>
+            <a:prstGeom prst="rect">
+              <a:avLst/>
+            </a:prstGeom>
+            <a:noFill/>
+          </p:spPr>
+          <p:txBody>
+            <a:bodyPr wrap="none" rtlCol="0">
+              <a:spAutoFit/>
+            </a:bodyPr>
+            <a:lstStyle/>
+            <a:p>
+              <a:r>
+                <a:rPr lang="en-US" altLang="ja-JP" sz="1600" b="1" dirty="0"/>
+                <a:t>Mode</a:t>
+              </a:r>
+              <a:endParaRPr lang="ja-JP" altLang="en-US" sz="1600" b="1"/>
+            </a:p>
+          </p:txBody>
+        </p:sp>
+      </p:grpSp>
+      <p:sp>
+        <p:nvSpPr>
+          <p:cNvPr id="95" name="正方形/長方形 94">
+            <a:extLst>
+              <a:ext uri="{FF2B5EF4-FFF2-40B4-BE49-F238E27FC236}">
+                <a16:creationId xmlns:a16="http://schemas.microsoft.com/office/drawing/2014/main" id="{1165A60C-9357-D476-021C-E04828F07CD3}"/>
+              </a:ext>
+            </a:extLst>
+          </p:cNvPr>
+          <p:cNvSpPr>
+            <a:spLocks/>
+          </p:cNvSpPr>
+          <p:nvPr/>
+        </p:nvSpPr>
+        <p:spPr>
+          <a:xfrm>
+            <a:off x="468000" y="8749662"/>
+            <a:ext cx="29340000" cy="5040000"/>
+          </a:xfrm>
+          <a:prstGeom prst="rect">
+            <a:avLst/>
+          </a:prstGeom>
+          <a:solidFill>
+            <a:schemeClr val="bg1"/>
+          </a:solidFill>
+          <a:ln w="127000">
+            <a:solidFill>
+              <a:schemeClr val="tx2"/>
+            </a:solidFill>
+            <a:extLst>
+              <a:ext uri="{C807C97D-BFC1-408E-A445-0C87EB9F89A2}">
+                <ask:lineSketchStyleProps xmlns:ask="http://schemas.microsoft.com/office/drawing/2018/sketchyshapes" sd="981765707">
+                  <a:custGeom>
+                    <a:avLst/>
+                    <a:gdLst>
+                      <a:gd name="connsiteX0" fmla="*/ 0 w 27965400"/>
+                      <a:gd name="connsiteY0" fmla="*/ 0 h 5715000"/>
+                      <a:gd name="connsiteX1" fmla="*/ 27965400 w 27965400"/>
+                      <a:gd name="connsiteY1" fmla="*/ 0 h 5715000"/>
+                      <a:gd name="connsiteX2" fmla="*/ 27965400 w 27965400"/>
+                      <a:gd name="connsiteY2" fmla="*/ 5715000 h 5715000"/>
+                      <a:gd name="connsiteX3" fmla="*/ 0 w 27965400"/>
+                      <a:gd name="connsiteY3" fmla="*/ 5715000 h 5715000"/>
+                      <a:gd name="connsiteX4" fmla="*/ 0 w 27965400"/>
+                      <a:gd name="connsiteY4" fmla="*/ 0 h 5715000"/>
+                    </a:gdLst>
+                    <a:ahLst/>
+                    <a:cxnLst>
+                      <a:cxn ang="0">
+                        <a:pos x="connsiteX0" y="connsiteY0"/>
+                      </a:cxn>
+                      <a:cxn ang="0">
+                        <a:pos x="connsiteX1" y="connsiteY1"/>
+                      </a:cxn>
+                      <a:cxn ang="0">
+                        <a:pos x="connsiteX2" y="connsiteY2"/>
+                      </a:cxn>
+                      <a:cxn ang="0">
+                        <a:pos x="connsiteX3" y="connsiteY3"/>
+                      </a:cxn>
+                      <a:cxn ang="0">
+                        <a:pos x="connsiteX4" y="connsiteY4"/>
+                      </a:cxn>
+                    </a:cxnLst>
+                    <a:rect l="l" t="t" r="r" b="b"/>
+                    <a:pathLst>
+                      <a:path w="27965400" h="5715000" fill="none" extrusionOk="0">
+                        <a:moveTo>
+                          <a:pt x="0" y="0"/>
+                        </a:moveTo>
+                        <a:cubicBezTo>
+                          <a:pt x="12822961" y="-33775"/>
+                          <a:pt x="23266028" y="138873"/>
+                          <a:pt x="27965400" y="0"/>
+                        </a:cubicBezTo>
+                        <a:cubicBezTo>
+                          <a:pt x="27891629" y="1430944"/>
+                          <a:pt x="27809517" y="3154282"/>
+                          <a:pt x="27965400" y="5715000"/>
+                        </a:cubicBezTo>
+                        <a:cubicBezTo>
+                          <a:pt x="16913084" y="5577670"/>
+                          <a:pt x="9222407" y="5577144"/>
+                          <a:pt x="0" y="5715000"/>
+                        </a:cubicBezTo>
+                        <a:cubicBezTo>
+                          <a:pt x="152408" y="3190664"/>
+                          <a:pt x="73868" y="1414017"/>
+                          <a:pt x="0" y="0"/>
+                        </a:cubicBezTo>
+                        <a:close/>
+                      </a:path>
+                      <a:path w="27965400" h="5715000" stroke="0" extrusionOk="0">
+                        <a:moveTo>
+                          <a:pt x="0" y="0"/>
+                        </a:moveTo>
+                        <a:cubicBezTo>
+                          <a:pt x="6780586" y="-101487"/>
+                          <a:pt x="18516925" y="-162162"/>
+                          <a:pt x="27965400" y="0"/>
+                        </a:cubicBezTo>
+                        <a:cubicBezTo>
+                          <a:pt x="28026113" y="2805299"/>
+                          <a:pt x="27904328" y="3460224"/>
+                          <a:pt x="27965400" y="5715000"/>
+                        </a:cubicBezTo>
+                        <a:cubicBezTo>
+                          <a:pt x="19875670" y="5765065"/>
+                          <a:pt x="9433509" y="5556551"/>
+                          <a:pt x="0" y="5715000"/>
+                        </a:cubicBezTo>
+                        <a:cubicBezTo>
+                          <a:pt x="-24452" y="3845266"/>
+                          <a:pt x="-67663" y="2490616"/>
+                          <a:pt x="0" y="0"/>
+                        </a:cubicBezTo>
+                        <a:close/>
+                      </a:path>
+                    </a:pathLst>
+                  </a:custGeom>
+                  <ask:type>
+                    <ask:lineSketchNone/>
+                  </ask:type>
+                </ask:lineSketchStyleProps>
+              </a:ext>
+            </a:extLst>
+          </a:ln>
+        </p:spPr>
+        <p:style>
+          <a:lnRef idx="2">
+            <a:schemeClr val="accent6"/>
+          </a:lnRef>
+          <a:fillRef idx="1">
+            <a:schemeClr val="lt1"/>
+          </a:fillRef>
+          <a:effectRef idx="0">
+            <a:schemeClr val="accent6"/>
+          </a:effectRef>
+          <a:fontRef idx="minor">
+            <a:schemeClr val="dk1"/>
+          </a:fontRef>
+        </p:style>
+        <p:txBody>
+          <a:bodyPr rtlCol="0" anchor="ctr"/>
+          <a:lstStyle/>
+          <a:p>
+            <a:pPr algn="ctr"/>
+            <a:endParaRPr kumimoji="1" lang="ja-JP" altLang="en-US" dirty="0"/>
+          </a:p>
+        </p:txBody>
+      </p:sp>
+      <p:sp>
+        <p:nvSpPr>
+          <p:cNvPr id="101" name="テキスト ボックス 100">
+            <a:extLst>
+              <a:ext uri="{FF2B5EF4-FFF2-40B4-BE49-F238E27FC236}">
+                <a16:creationId xmlns:a16="http://schemas.microsoft.com/office/drawing/2014/main" id="{31ABE525-32CD-E19C-B238-20CAB5D99340}"/>
+              </a:ext>
+            </a:extLst>
+          </p:cNvPr>
+          <p:cNvSpPr txBox="1">
+            <a:spLocks/>
+          </p:cNvSpPr>
+          <p:nvPr/>
+        </p:nvSpPr>
+        <p:spPr>
+          <a:xfrm>
+            <a:off x="985652" y="9014822"/>
+            <a:ext cx="4336058" cy="791527"/>
+          </a:xfrm>
+          <a:prstGeom prst="rect">
+            <a:avLst/>
+          </a:prstGeom>
+          <a:solidFill>
+            <a:schemeClr val="bg1"/>
+          </a:solidFill>
+        </p:spPr>
+        <p:txBody>
+          <a:bodyPr wrap="square" rtlCol="0">
+            <a:spAutoFit/>
+          </a:bodyPr>
+          <a:lstStyle/>
+          <a:p>
+            <a:r>
+              <a:rPr lang="ja-JP" altLang="en-US" sz="4400" b="1">
+                <a:solidFill>
+                  <a:schemeClr val="tx2">
+                    <a:lumMod val="90000"/>
+                    <a:lumOff val="10000"/>
+                  </a:schemeClr>
+                </a:solidFill>
+                <a:latin typeface="メイリオ" panose="020B0604030504040204" pitchFamily="50" charset="-128"/>
+                <a:ea typeface="メイリオ" panose="020B0604030504040204" pitchFamily="50" charset="-128"/>
+              </a:rPr>
+              <a:t>モデルについて</a:t>
+            </a:r>
+            <a:endParaRPr kumimoji="1" lang="ja-JP" altLang="en-US" sz="4400" b="1" dirty="0">
+              <a:solidFill>
+                <a:schemeClr val="tx2">
+                  <a:lumMod val="90000"/>
+                  <a:lumOff val="10000"/>
+                </a:schemeClr>
+              </a:solidFill>
+              <a:latin typeface="メイリオ" panose="020B0604030504040204" pitchFamily="50" charset="-128"/>
+              <a:ea typeface="メイリオ" panose="020B0604030504040204" pitchFamily="50" charset="-128"/>
+            </a:endParaRPr>
+          </a:p>
+        </p:txBody>
+      </p:sp>
     </p:spTree>
     <p:extLst>
       <p:ext uri="{BB962C8B-B14F-4D97-AF65-F5344CB8AC3E}">
@@ -4200,6 +11093,81 @@
   <p:clrMapOvr>
     <a:masterClrMapping/>
   </p:clrMapOvr>
+  <p:timing>
+    <p:tnLst>
+      <p:par>
+        <p:cTn id="1" dur="indefinite" restart="never" nodeType="tmRoot">
+          <p:childTnLst>
+            <p:seq concurrent="1" nextAc="seek">
+              <p:cTn id="2" dur="indefinite" nodeType="mainSeq">
+                <p:childTnLst>
+                  <p:par>
+                    <p:cTn id="3" fill="hold">
+                      <p:stCondLst>
+                        <p:cond delay="indefinite"/>
+                      </p:stCondLst>
+                      <p:childTnLst>
+                        <p:par>
+                          <p:cTn id="4" fill="hold">
+                            <p:stCondLst>
+                              <p:cond delay="0"/>
+                            </p:stCondLst>
+                            <p:childTnLst>
+                              <p:par>
+                                <p:cTn id="5" presetID="1" presetClass="entr" presetSubtype="0" fill="hold" nodeType="clickEffect">
+                                  <p:stCondLst>
+                                    <p:cond delay="0"/>
+                                  </p:stCondLst>
+                                  <p:childTnLst>
+                                    <p:set>
+                                      <p:cBhvr>
+                                        <p:cTn id="6" dur="1" fill="hold">
+                                          <p:stCondLst>
+                                            <p:cond delay="0"/>
+                                          </p:stCondLst>
+                                        </p:cTn>
+                                        <p:tgtEl>
+                                          <p:spTgt spid="73"/>
+                                        </p:tgtEl>
+                                        <p:attrNameLst>
+                                          <p:attrName>style.visibility</p:attrName>
+                                        </p:attrNameLst>
+                                      </p:cBhvr>
+                                      <p:to>
+                                        <p:strVal val="visible"/>
+                                      </p:to>
+                                    </p:set>
+                                  </p:childTnLst>
+                                </p:cTn>
+                              </p:par>
+                            </p:childTnLst>
+                          </p:cTn>
+                        </p:par>
+                      </p:childTnLst>
+                    </p:cTn>
+                  </p:par>
+                </p:childTnLst>
+              </p:cTn>
+              <p:prevCondLst>
+                <p:cond evt="onPrev" delay="0">
+                  <p:tgtEl>
+                    <p:sldTgt/>
+                  </p:tgtEl>
+                </p:cond>
+              </p:prevCondLst>
+              <p:nextCondLst>
+                <p:cond evt="onNext" delay="0">
+                  <p:tgtEl>
+                    <p:sldTgt/>
+                  </p:tgtEl>
+                </p:cond>
+              </p:nextCondLst>
+            </p:seq>
+          </p:childTnLst>
+        </p:cTn>
+      </p:par>
+    </p:tnLst>
+  </p:timing>
 </p:sld>
 </file>
 

--- a/poster_oukan.pptx
+++ b/poster_oukan.pptx
@@ -227,7 +227,7 @@
           <a:p>
             <a:fld id="{6744F44F-C54D-4C9B-8D0A-99995B90894A}" type="datetimeFigureOut">
               <a:rPr kumimoji="1" lang="ja-JP" altLang="en-US" smtClean="0"/>
-              <a:t>2025/12/1</a:t>
+              <a:t>2025/12/2</a:t>
             </a:fld>
             <a:endParaRPr kumimoji="1" lang="ja-JP" altLang="en-US"/>
           </a:p>
@@ -408,7 +408,7 @@
           <a:p>
             <a:fld id="{66AD0D6B-84F8-0A45-ADC1-3C71FDF4AF14}" type="datetimeFigureOut">
               <a:rPr lang="en-JP" smtClean="0"/>
-              <a:t>12/1/25</a:t>
+              <a:t>12/2/25</a:t>
             </a:fld>
             <a:endParaRPr lang="en-JP"/>
           </a:p>
@@ -677,6 +677,89 @@
 </p:notesMaster>
 </file>
 
+<file path=ppt/notesSlides/notesSlide1.xml><?xml version="1.0" encoding="utf-8"?>
+<p:notes xmlns:a="http://schemas.openxmlformats.org/drawingml/2006/main" xmlns:r="http://schemas.openxmlformats.org/officeDocument/2006/relationships" xmlns:p="http://schemas.openxmlformats.org/presentationml/2006/main">
+  <p:cSld>
+    <p:spTree>
+      <p:nvGrpSpPr>
+        <p:cNvPr id="1" name=""/>
+        <p:cNvGrpSpPr/>
+        <p:nvPr/>
+      </p:nvGrpSpPr>
+      <p:grpSpPr>
+        <a:xfrm>
+          <a:off x="0" y="0"/>
+          <a:ext cx="0" cy="0"/>
+          <a:chOff x="0" y="0"/>
+          <a:chExt cx="0" cy="0"/>
+        </a:xfrm>
+      </p:grpSpPr>
+      <p:sp>
+        <p:nvSpPr>
+          <p:cNvPr id="2" name="スライド イメージ プレースホルダー 1"/>
+          <p:cNvSpPr>
+            <a:spLocks noGrp="1" noRot="1" noChangeAspect="1"/>
+          </p:cNvSpPr>
+          <p:nvPr>
+            <p:ph type="sldImg"/>
+          </p:nvPr>
+        </p:nvSpPr>
+        <p:spPr/>
+      </p:sp>
+      <p:sp>
+        <p:nvSpPr>
+          <p:cNvPr id="3" name="ノート プレースホルダー 2"/>
+          <p:cNvSpPr>
+            <a:spLocks noGrp="1"/>
+          </p:cNvSpPr>
+          <p:nvPr>
+            <p:ph type="body" idx="1"/>
+          </p:nvPr>
+        </p:nvSpPr>
+        <p:spPr/>
+        <p:txBody>
+          <a:bodyPr/>
+          <a:lstStyle/>
+          <a:p>
+            <a:endParaRPr kumimoji="1" lang="ja-JP" altLang="en-US"/>
+          </a:p>
+        </p:txBody>
+      </p:sp>
+      <p:sp>
+        <p:nvSpPr>
+          <p:cNvPr id="4" name="ヘッダー プレースホルダー 3"/>
+          <p:cNvSpPr>
+            <a:spLocks noGrp="1"/>
+          </p:cNvSpPr>
+          <p:nvPr>
+            <p:ph type="hdr" sz="quarter"/>
+          </p:nvPr>
+        </p:nvSpPr>
+        <p:spPr/>
+        <p:txBody>
+          <a:bodyPr/>
+          <a:lstStyle/>
+          <a:p>
+            <a:r>
+              <a:rPr lang="en-JP"/>
+              <a:t>CHPS Camp 2025.10.30-31</a:t>
+            </a:r>
+          </a:p>
+        </p:txBody>
+      </p:sp>
+    </p:spTree>
+    <p:extLst>
+      <p:ext uri="{BB962C8B-B14F-4D97-AF65-F5344CB8AC3E}">
+        <p14:creationId xmlns:p14="http://schemas.microsoft.com/office/powerpoint/2010/main" val="2982885497"/>
+      </p:ext>
+    </p:extLst>
+  </p:cSld>
+  <p:clrMapOvr>
+    <a:masterClrMapping/>
+  </p:clrMapOvr>
+</p:notes>
+</file>
+
 <file path=ppt/slideLayouts/slideLayout1.xml><?xml version="1.0" encoding="utf-8"?>
 <p:sldLayout xmlns:a="http://schemas.openxmlformats.org/drawingml/2006/main" xmlns:r="http://schemas.openxmlformats.org/officeDocument/2006/relationships" xmlns:p="http://schemas.openxmlformats.org/presentationml/2006/main" type="title" preserve="1">
   <p:cSld name="タイトル スライド">
@@ -824,7 +907,7 @@
           <a:p>
             <a:fld id="{349FECF2-E9B2-44FB-B3C1-6F1ABD30BEDF}" type="datetime1">
               <a:rPr lang="LID4096" altLang="ja-JP" smtClean="0"/>
-              <a:t>12/1/25</a:t>
+              <a:t>12/2/25</a:t>
             </a:fld>
             <a:endParaRPr lang="en-JP"/>
           </a:p>
@@ -1054,7 +1137,7 @@
           <a:p>
             <a:fld id="{E1716868-4E8C-4E9E-B32E-86466688C38E}" type="datetime1">
               <a:rPr lang="LID4096" altLang="ja-JP" smtClean="0"/>
-              <a:t>12/1/25</a:t>
+              <a:t>12/2/25</a:t>
             </a:fld>
             <a:endParaRPr lang="en-JP"/>
           </a:p>
@@ -1294,7 +1377,7 @@
           <a:p>
             <a:fld id="{02619D8D-BF18-40AE-BFF4-DB66FCFC9271}" type="datetime1">
               <a:rPr lang="LID4096" altLang="ja-JP" smtClean="0"/>
-              <a:t>12/1/25</a:t>
+              <a:t>12/2/25</a:t>
             </a:fld>
             <a:endParaRPr lang="en-JP"/>
           </a:p>
@@ -1524,7 +1607,7 @@
           <a:p>
             <a:fld id="{09202299-8DBC-4245-87C6-3E62A2ACA6A6}" type="datetime1">
               <a:rPr lang="LID4096" altLang="ja-JP" smtClean="0"/>
-              <a:t>12/1/25</a:t>
+              <a:t>12/2/25</a:t>
             </a:fld>
             <a:endParaRPr lang="en-JP"/>
           </a:p>
@@ -1799,7 +1882,7 @@
           <a:p>
             <a:fld id="{39490C1E-006A-471F-A583-7AAA8224009B}" type="datetime1">
               <a:rPr lang="LID4096" altLang="ja-JP" smtClean="0"/>
-              <a:t>12/1/25</a:t>
+              <a:t>12/2/25</a:t>
             </a:fld>
             <a:endParaRPr lang="en-JP"/>
           </a:p>
@@ -2128,7 +2211,7 @@
           <a:p>
             <a:fld id="{8F14F39A-FAA3-4B27-BC07-2AA343CBE051}" type="datetime1">
               <a:rPr lang="LID4096" altLang="ja-JP" smtClean="0"/>
-              <a:t>12/1/25</a:t>
+              <a:t>12/2/25</a:t>
             </a:fld>
             <a:endParaRPr lang="en-JP"/>
           </a:p>
@@ -2604,7 +2687,7 @@
           <a:p>
             <a:fld id="{350AD22A-55F2-4547-A5CA-A5A999E6556D}" type="datetime1">
               <a:rPr lang="LID4096" altLang="ja-JP" smtClean="0"/>
-              <a:t>12/1/25</a:t>
+              <a:t>12/2/25</a:t>
             </a:fld>
             <a:endParaRPr lang="en-JP"/>
           </a:p>
@@ -2745,7 +2828,7 @@
           <a:p>
             <a:fld id="{D1E7EEDF-E3BE-4535-8538-9CF15E9FEAAB}" type="datetime1">
               <a:rPr lang="LID4096" altLang="ja-JP" smtClean="0"/>
-              <a:t>12/1/25</a:t>
+              <a:t>12/2/25</a:t>
             </a:fld>
             <a:endParaRPr lang="en-JP"/>
           </a:p>
@@ -2858,7 +2941,7 @@
           <a:p>
             <a:fld id="{C90845DA-CECE-4290-9A52-6E01FD60E4F0}" type="datetime1">
               <a:rPr lang="LID4096" altLang="ja-JP" smtClean="0"/>
-              <a:t>12/1/25</a:t>
+              <a:t>12/2/25</a:t>
             </a:fld>
             <a:endParaRPr lang="en-JP"/>
           </a:p>
@@ -3201,7 +3284,7 @@
           <a:p>
             <a:fld id="{66506D8A-3A14-4426-A8F0-6A46E306C20B}" type="datetime1">
               <a:rPr lang="LID4096" altLang="ja-JP" smtClean="0"/>
-              <a:t>12/1/25</a:t>
+              <a:t>12/2/25</a:t>
             </a:fld>
             <a:endParaRPr lang="en-JP"/>
           </a:p>
@@ -3489,7 +3572,7 @@
           <a:p>
             <a:fld id="{CE7E1F37-E86F-4380-AB65-0EB41FBEEA80}" type="datetime1">
               <a:rPr lang="LID4096" altLang="ja-JP" smtClean="0"/>
-              <a:t>12/1/25</a:t>
+              <a:t>12/2/25</a:t>
             </a:fld>
             <a:endParaRPr lang="en-JP"/>
           </a:p>
@@ -3762,7 +3845,7 @@
           <a:p>
             <a:fld id="{1B4F68B4-EECE-4B65-B2C5-259CAB63F02A}" type="datetime1">
               <a:rPr lang="LID4096" altLang="ja-JP" smtClean="0"/>
-              <a:t>12/1/25</a:t>
+              <a:t>12/2/25</a:t>
             </a:fld>
             <a:endParaRPr lang="en-JP"/>
           </a:p>
@@ -4190,6 +4273,745 @@
           <a:chExt cx="0" cy="0"/>
         </a:xfrm>
       </p:grpSpPr>
+      <p:sp>
+        <p:nvSpPr>
+          <p:cNvPr id="4" name="正方形/長方形 3">
+            <a:extLst>
+              <a:ext uri="{FF2B5EF4-FFF2-40B4-BE49-F238E27FC236}">
+                <a16:creationId xmlns:a16="http://schemas.microsoft.com/office/drawing/2014/main" id="{7B61628E-0D1F-F621-55E5-6AFDAF917949}"/>
+              </a:ext>
+            </a:extLst>
+          </p:cNvPr>
+          <p:cNvSpPr/>
+          <p:nvPr/>
+        </p:nvSpPr>
+        <p:spPr>
+          <a:xfrm>
+            <a:off x="462116" y="22897822"/>
+            <a:ext cx="29339999" cy="16208398"/>
+          </a:xfrm>
+          <a:prstGeom prst="rect">
+            <a:avLst/>
+          </a:prstGeom>
+          <a:solidFill>
+            <a:schemeClr val="bg1"/>
+          </a:solidFill>
+          <a:ln w="127000">
+            <a:solidFill>
+              <a:schemeClr val="tx2"/>
+            </a:solidFill>
+            <a:extLst>
+              <a:ext uri="{C807C97D-BFC1-408E-A445-0C87EB9F89A2}">
+                <ask:lineSketchStyleProps xmlns:ask="http://schemas.microsoft.com/office/drawing/2018/sketchyshapes" sd="981765707">
+                  <a:custGeom>
+                    <a:avLst/>
+                    <a:gdLst>
+                      <a:gd name="connsiteX0" fmla="*/ 0 w 27965400"/>
+                      <a:gd name="connsiteY0" fmla="*/ 0 h 5715000"/>
+                      <a:gd name="connsiteX1" fmla="*/ 27965400 w 27965400"/>
+                      <a:gd name="connsiteY1" fmla="*/ 0 h 5715000"/>
+                      <a:gd name="connsiteX2" fmla="*/ 27965400 w 27965400"/>
+                      <a:gd name="connsiteY2" fmla="*/ 5715000 h 5715000"/>
+                      <a:gd name="connsiteX3" fmla="*/ 0 w 27965400"/>
+                      <a:gd name="connsiteY3" fmla="*/ 5715000 h 5715000"/>
+                      <a:gd name="connsiteX4" fmla="*/ 0 w 27965400"/>
+                      <a:gd name="connsiteY4" fmla="*/ 0 h 5715000"/>
+                    </a:gdLst>
+                    <a:ahLst/>
+                    <a:cxnLst>
+                      <a:cxn ang="0">
+                        <a:pos x="connsiteX0" y="connsiteY0"/>
+                      </a:cxn>
+                      <a:cxn ang="0">
+                        <a:pos x="connsiteX1" y="connsiteY1"/>
+                      </a:cxn>
+                      <a:cxn ang="0">
+                        <a:pos x="connsiteX2" y="connsiteY2"/>
+                      </a:cxn>
+                      <a:cxn ang="0">
+                        <a:pos x="connsiteX3" y="connsiteY3"/>
+                      </a:cxn>
+                      <a:cxn ang="0">
+                        <a:pos x="connsiteX4" y="connsiteY4"/>
+                      </a:cxn>
+                    </a:cxnLst>
+                    <a:rect l="l" t="t" r="r" b="b"/>
+                    <a:pathLst>
+                      <a:path w="27965400" h="5715000" fill="none" extrusionOk="0">
+                        <a:moveTo>
+                          <a:pt x="0" y="0"/>
+                        </a:moveTo>
+                        <a:cubicBezTo>
+                          <a:pt x="12822961" y="-33775"/>
+                          <a:pt x="23266028" y="138873"/>
+                          <a:pt x="27965400" y="0"/>
+                        </a:cubicBezTo>
+                        <a:cubicBezTo>
+                          <a:pt x="27891629" y="1430944"/>
+                          <a:pt x="27809517" y="3154282"/>
+                          <a:pt x="27965400" y="5715000"/>
+                        </a:cubicBezTo>
+                        <a:cubicBezTo>
+                          <a:pt x="16913084" y="5577670"/>
+                          <a:pt x="9222407" y="5577144"/>
+                          <a:pt x="0" y="5715000"/>
+                        </a:cubicBezTo>
+                        <a:cubicBezTo>
+                          <a:pt x="152408" y="3190664"/>
+                          <a:pt x="73868" y="1414017"/>
+                          <a:pt x="0" y="0"/>
+                        </a:cubicBezTo>
+                        <a:close/>
+                      </a:path>
+                      <a:path w="27965400" h="5715000" stroke="0" extrusionOk="0">
+                        <a:moveTo>
+                          <a:pt x="0" y="0"/>
+                        </a:moveTo>
+                        <a:cubicBezTo>
+                          <a:pt x="6780586" y="-101487"/>
+                          <a:pt x="18516925" y="-162162"/>
+                          <a:pt x="27965400" y="0"/>
+                        </a:cubicBezTo>
+                        <a:cubicBezTo>
+                          <a:pt x="28026113" y="2805299"/>
+                          <a:pt x="27904328" y="3460224"/>
+                          <a:pt x="27965400" y="5715000"/>
+                        </a:cubicBezTo>
+                        <a:cubicBezTo>
+                          <a:pt x="19875670" y="5765065"/>
+                          <a:pt x="9433509" y="5556551"/>
+                          <a:pt x="0" y="5715000"/>
+                        </a:cubicBezTo>
+                        <a:cubicBezTo>
+                          <a:pt x="-24452" y="3845266"/>
+                          <a:pt x="-67663" y="2490616"/>
+                          <a:pt x="0" y="0"/>
+                        </a:cubicBezTo>
+                        <a:close/>
+                      </a:path>
+                    </a:pathLst>
+                  </a:custGeom>
+                  <ask:type>
+                    <ask:lineSketchNone/>
+                  </ask:type>
+                </ask:lineSketchStyleProps>
+              </a:ext>
+            </a:extLst>
+          </a:ln>
+        </p:spPr>
+        <p:style>
+          <a:lnRef idx="2">
+            <a:schemeClr val="accent6"/>
+          </a:lnRef>
+          <a:fillRef idx="1">
+            <a:schemeClr val="lt1"/>
+          </a:fillRef>
+          <a:effectRef idx="0">
+            <a:schemeClr val="accent6"/>
+          </a:effectRef>
+          <a:fontRef idx="minor">
+            <a:schemeClr val="dk1"/>
+          </a:fontRef>
+        </p:style>
+        <p:txBody>
+          <a:bodyPr rtlCol="0" anchor="ctr"/>
+          <a:lstStyle/>
+          <a:p>
+            <a:pPr algn="ctr"/>
+            <a:endParaRPr kumimoji="1" lang="ja-JP" altLang="en-US" dirty="0"/>
+          </a:p>
+        </p:txBody>
+      </p:sp>
+      <p:sp>
+        <p:nvSpPr>
+          <p:cNvPr id="5" name="テキスト ボックス 4">
+            <a:extLst>
+              <a:ext uri="{FF2B5EF4-FFF2-40B4-BE49-F238E27FC236}">
+                <a16:creationId xmlns:a16="http://schemas.microsoft.com/office/drawing/2014/main" id="{F64FA5BB-EA9A-62A7-DC2A-8DEC6F5732C2}"/>
+              </a:ext>
+            </a:extLst>
+          </p:cNvPr>
+          <p:cNvSpPr txBox="1">
+            <a:spLocks/>
+          </p:cNvSpPr>
+          <p:nvPr/>
+        </p:nvSpPr>
+        <p:spPr>
+          <a:xfrm>
+            <a:off x="1671092" y="23153795"/>
+            <a:ext cx="4618993" cy="769441"/>
+          </a:xfrm>
+          <a:prstGeom prst="rect">
+            <a:avLst/>
+          </a:prstGeom>
+          <a:noFill/>
+        </p:spPr>
+        <p:txBody>
+          <a:bodyPr wrap="square" rtlCol="0">
+            <a:spAutoFit/>
+          </a:bodyPr>
+          <a:lstStyle/>
+          <a:p>
+            <a:r>
+              <a:rPr lang="ja-JP" altLang="en-US" sz="4400" b="1" dirty="0">
+                <a:solidFill>
+                  <a:schemeClr val="tx2">
+                    <a:lumMod val="90000"/>
+                    <a:lumOff val="10000"/>
+                  </a:schemeClr>
+                </a:solidFill>
+                <a:latin typeface="メイリオ" panose="020B0604030504040204" pitchFamily="50" charset="-128"/>
+                <a:ea typeface="メイリオ" panose="020B0604030504040204" pitchFamily="50" charset="-128"/>
+              </a:rPr>
+              <a:t>結果</a:t>
+            </a:r>
+            <a:endParaRPr lang="en-US" altLang="ja-JP" sz="3600" b="1" dirty="0">
+              <a:solidFill>
+                <a:schemeClr val="tx2">
+                  <a:lumMod val="90000"/>
+                  <a:lumOff val="10000"/>
+                </a:schemeClr>
+              </a:solidFill>
+              <a:latin typeface="メイリオ" panose="020B0604030504040204" pitchFamily="50" charset="-128"/>
+              <a:ea typeface="メイリオ" panose="020B0604030504040204" pitchFamily="50" charset="-128"/>
+            </a:endParaRPr>
+          </a:p>
+        </p:txBody>
+      </p:sp>
+      <p:pic>
+        <p:nvPicPr>
+          <p:cNvPr id="6" name="図 5">
+            <a:extLst>
+              <a:ext uri="{FF2B5EF4-FFF2-40B4-BE49-F238E27FC236}">
+                <a16:creationId xmlns:a16="http://schemas.microsoft.com/office/drawing/2014/main" id="{ABDD51D0-5EC6-F824-DB55-80E30C858156}"/>
+              </a:ext>
+            </a:extLst>
+          </p:cNvPr>
+          <p:cNvPicPr>
+            <a:picLocks noChangeAspect="1"/>
+          </p:cNvPicPr>
+          <p:nvPr/>
+        </p:nvPicPr>
+        <p:blipFill>
+          <a:blip r:embed="rId3"/>
+          <a:stretch>
+            <a:fillRect/>
+          </a:stretch>
+        </p:blipFill>
+        <p:spPr>
+          <a:xfrm>
+            <a:off x="1233108" y="26195689"/>
+            <a:ext cx="27419804" cy="4138829"/>
+          </a:xfrm>
+          <a:prstGeom prst="rect">
+            <a:avLst/>
+          </a:prstGeom>
+          <a:solidFill>
+            <a:schemeClr val="bg1"/>
+          </a:solidFill>
+        </p:spPr>
+      </p:pic>
+      <p:pic>
+        <p:nvPicPr>
+          <p:cNvPr id="7" name="図 6">
+            <a:extLst>
+              <a:ext uri="{FF2B5EF4-FFF2-40B4-BE49-F238E27FC236}">
+                <a16:creationId xmlns:a16="http://schemas.microsoft.com/office/drawing/2014/main" id="{1FAC6B4A-D3E3-2D44-ECF1-942500666026}"/>
+              </a:ext>
+            </a:extLst>
+          </p:cNvPr>
+          <p:cNvPicPr>
+            <a:picLocks noChangeAspect="1"/>
+          </p:cNvPicPr>
+          <p:nvPr/>
+        </p:nvPicPr>
+        <p:blipFill>
+          <a:blip r:embed="rId4"/>
+          <a:stretch>
+            <a:fillRect/>
+          </a:stretch>
+        </p:blipFill>
+        <p:spPr>
+          <a:xfrm>
+            <a:off x="1233108" y="32257166"/>
+            <a:ext cx="27747075" cy="4146954"/>
+          </a:xfrm>
+          <a:prstGeom prst="rect">
+            <a:avLst/>
+          </a:prstGeom>
+          <a:solidFill>
+            <a:schemeClr val="bg1"/>
+          </a:solidFill>
+        </p:spPr>
+      </p:pic>
+      <p:sp>
+        <p:nvSpPr>
+          <p:cNvPr id="8" name="テキスト ボックス 7">
+            <a:extLst>
+              <a:ext uri="{FF2B5EF4-FFF2-40B4-BE49-F238E27FC236}">
+                <a16:creationId xmlns:a16="http://schemas.microsoft.com/office/drawing/2014/main" id="{732AF667-B2A3-FE1B-5244-22EBE058393A}"/>
+              </a:ext>
+            </a:extLst>
+          </p:cNvPr>
+          <p:cNvSpPr txBox="1"/>
+          <p:nvPr/>
+        </p:nvSpPr>
+        <p:spPr>
+          <a:xfrm>
+            <a:off x="6500438" y="30489275"/>
+            <a:ext cx="17458554" cy="584775"/>
+          </a:xfrm>
+          <a:prstGeom prst="rect">
+            <a:avLst/>
+          </a:prstGeom>
+          <a:noFill/>
+        </p:spPr>
+        <p:txBody>
+          <a:bodyPr wrap="square" rtlCol="0">
+            <a:spAutoFit/>
+          </a:bodyPr>
+          <a:lstStyle/>
+          <a:p>
+            <a:r>
+              <a:rPr kumimoji="1" lang="ja-JP" altLang="en-US" sz="3200" b="1">
+                <a:latin typeface="メイリオ" panose="020B0604030504040204" pitchFamily="50" charset="-128"/>
+                <a:ea typeface="メイリオ" panose="020B0604030504040204" pitchFamily="50" charset="-128"/>
+              </a:rPr>
+              <a:t>オブザーバを用いた場合と血糖値の</a:t>
+            </a:r>
+            <a:r>
+              <a:rPr kumimoji="1" lang="en-US" altLang="ja-JP" sz="3200" b="1" dirty="0">
+                <a:latin typeface="メイリオ" panose="020B0604030504040204" pitchFamily="50" charset="-128"/>
+                <a:ea typeface="メイリオ" panose="020B0604030504040204" pitchFamily="50" charset="-128"/>
+              </a:rPr>
+              <a:t>RMSE</a:t>
+            </a:r>
+            <a:endParaRPr kumimoji="1" lang="ja-JP" altLang="en-US" sz="3200" b="1" dirty="0">
+              <a:latin typeface="メイリオ" panose="020B0604030504040204" pitchFamily="50" charset="-128"/>
+              <a:ea typeface="メイリオ" panose="020B0604030504040204" pitchFamily="50" charset="-128"/>
+            </a:endParaRPr>
+          </a:p>
+        </p:txBody>
+      </p:sp>
+      <p:sp>
+        <p:nvSpPr>
+          <p:cNvPr id="9" name="テキスト ボックス 8">
+            <a:extLst>
+              <a:ext uri="{FF2B5EF4-FFF2-40B4-BE49-F238E27FC236}">
+                <a16:creationId xmlns:a16="http://schemas.microsoft.com/office/drawing/2014/main" id="{98F8ADE3-B991-F985-9C42-B2BACD4EF6A8}"/>
+              </a:ext>
+            </a:extLst>
+          </p:cNvPr>
+          <p:cNvSpPr txBox="1"/>
+          <p:nvPr/>
+        </p:nvSpPr>
+        <p:spPr>
+          <a:xfrm>
+            <a:off x="7753796" y="36542919"/>
+            <a:ext cx="14827181" cy="584775"/>
+          </a:xfrm>
+          <a:prstGeom prst="rect">
+            <a:avLst/>
+          </a:prstGeom>
+          <a:noFill/>
+        </p:spPr>
+        <p:txBody>
+          <a:bodyPr wrap="square" rtlCol="0">
+            <a:spAutoFit/>
+          </a:bodyPr>
+          <a:lstStyle/>
+          <a:p>
+            <a:r>
+              <a:rPr kumimoji="1" lang="en-US" altLang="ja-JP" sz="3200" b="1" dirty="0">
+                <a:latin typeface="メイリオ" panose="020B0604030504040204" pitchFamily="50" charset="-128"/>
+                <a:ea typeface="メイリオ" panose="020B0604030504040204" pitchFamily="50" charset="-128"/>
+              </a:rPr>
+              <a:t>EKF</a:t>
+            </a:r>
+            <a:r>
+              <a:rPr kumimoji="1" lang="ja-JP" altLang="en-US" sz="3200" b="1">
+                <a:latin typeface="メイリオ" panose="020B0604030504040204" pitchFamily="50" charset="-128"/>
+                <a:ea typeface="メイリオ" panose="020B0604030504040204" pitchFamily="50" charset="-128"/>
+              </a:rPr>
+              <a:t>を用いた場合の血糖値の</a:t>
+            </a:r>
+            <a:r>
+              <a:rPr kumimoji="1" lang="en-US" altLang="ja-JP" sz="3200" b="1" dirty="0">
+                <a:latin typeface="メイリオ" panose="020B0604030504040204" pitchFamily="50" charset="-128"/>
+                <a:ea typeface="メイリオ" panose="020B0604030504040204" pitchFamily="50" charset="-128"/>
+              </a:rPr>
+              <a:t>RMSE</a:t>
+            </a:r>
+            <a:endParaRPr kumimoji="1" lang="ja-JP" altLang="en-US" sz="3200" b="1" dirty="0">
+              <a:latin typeface="メイリオ" panose="020B0604030504040204" pitchFamily="50" charset="-128"/>
+              <a:ea typeface="メイリオ" panose="020B0604030504040204" pitchFamily="50" charset="-128"/>
+            </a:endParaRPr>
+          </a:p>
+        </p:txBody>
+      </p:sp>
+      <p:pic>
+        <p:nvPicPr>
+          <p:cNvPr id="10" name="図 9">
+            <a:extLst>
+              <a:ext uri="{FF2B5EF4-FFF2-40B4-BE49-F238E27FC236}">
+                <a16:creationId xmlns:a16="http://schemas.microsoft.com/office/drawing/2014/main" id="{41A9CB97-DA8C-95C4-60B8-A730F9C6D088}"/>
+              </a:ext>
+            </a:extLst>
+          </p:cNvPr>
+          <p:cNvPicPr>
+            <a:picLocks noChangeAspect="1"/>
+          </p:cNvPicPr>
+          <p:nvPr/>
+        </p:nvPicPr>
+        <p:blipFill>
+          <a:blip r:embed="rId5"/>
+          <a:stretch>
+            <a:fillRect/>
+          </a:stretch>
+        </p:blipFill>
+        <p:spPr>
+          <a:xfrm>
+            <a:off x="6786333" y="31074050"/>
+            <a:ext cx="7353300" cy="800100"/>
+          </a:xfrm>
+          <a:prstGeom prst="rect">
+            <a:avLst/>
+          </a:prstGeom>
+        </p:spPr>
+      </p:pic>
+      <p:pic>
+        <p:nvPicPr>
+          <p:cNvPr id="11" name="図 10">
+            <a:extLst>
+              <a:ext uri="{FF2B5EF4-FFF2-40B4-BE49-F238E27FC236}">
+                <a16:creationId xmlns:a16="http://schemas.microsoft.com/office/drawing/2014/main" id="{3984E835-4FAF-0677-4FF6-1F06E8AF7B81}"/>
+              </a:ext>
+            </a:extLst>
+          </p:cNvPr>
+          <p:cNvPicPr>
+            <a:picLocks/>
+          </p:cNvPicPr>
+          <p:nvPr/>
+        </p:nvPicPr>
+        <p:blipFill>
+          <a:blip r:embed="rId6"/>
+          <a:stretch>
+            <a:fillRect/>
+          </a:stretch>
+        </p:blipFill>
+        <p:spPr>
+          <a:xfrm>
+            <a:off x="7185365" y="37062926"/>
+            <a:ext cx="7353300" cy="800100"/>
+          </a:xfrm>
+          <a:prstGeom prst="rect">
+            <a:avLst/>
+          </a:prstGeom>
+        </p:spPr>
+      </p:pic>
+      <p:sp>
+        <p:nvSpPr>
+          <p:cNvPr id="13" name="テキスト ボックス 12">
+            <a:extLst>
+              <a:ext uri="{FF2B5EF4-FFF2-40B4-BE49-F238E27FC236}">
+                <a16:creationId xmlns:a16="http://schemas.microsoft.com/office/drawing/2014/main" id="{31E07E08-7D44-EB35-500F-6DBEE8413345}"/>
+              </a:ext>
+            </a:extLst>
+          </p:cNvPr>
+          <p:cNvSpPr txBox="1"/>
+          <p:nvPr/>
+        </p:nvSpPr>
+        <p:spPr>
+          <a:xfrm>
+            <a:off x="1671092" y="23800496"/>
+            <a:ext cx="6452325" cy="523220"/>
+          </a:xfrm>
+          <a:prstGeom prst="rect">
+            <a:avLst/>
+          </a:prstGeom>
+          <a:noFill/>
+        </p:spPr>
+        <p:txBody>
+          <a:bodyPr wrap="square" rtlCol="0">
+            <a:spAutoFit/>
+          </a:bodyPr>
+          <a:lstStyle/>
+          <a:p>
+            <a:r>
+              <a:rPr kumimoji="1" lang="ja-JP" altLang="en-US" sz="2800" b="1">
+                <a:latin typeface="メイリオ" panose="020B0604030504040204" pitchFamily="50" charset="-128"/>
+                <a:ea typeface="メイリオ" panose="020B0604030504040204" pitchFamily="50" charset="-128"/>
+              </a:rPr>
+              <a:t>状態推定実験</a:t>
+            </a:r>
+            <a:endParaRPr kumimoji="1" lang="ja-JP" altLang="en-US" sz="2800" b="1" dirty="0">
+              <a:latin typeface="メイリオ" panose="020B0604030504040204" pitchFamily="50" charset="-128"/>
+              <a:ea typeface="メイリオ" panose="020B0604030504040204" pitchFamily="50" charset="-128"/>
+            </a:endParaRPr>
+          </a:p>
+        </p:txBody>
+      </p:sp>
+      <p:sp>
+        <p:nvSpPr>
+          <p:cNvPr id="21" name="テキスト ボックス 20">
+            <a:extLst>
+              <a:ext uri="{FF2B5EF4-FFF2-40B4-BE49-F238E27FC236}">
+                <a16:creationId xmlns:a16="http://schemas.microsoft.com/office/drawing/2014/main" id="{48FF2E25-026C-BC36-728D-1F6A1F60BC68}"/>
+              </a:ext>
+            </a:extLst>
+          </p:cNvPr>
+          <p:cNvSpPr txBox="1"/>
+          <p:nvPr/>
+        </p:nvSpPr>
+        <p:spPr>
+          <a:xfrm>
+            <a:off x="1684513" y="24190768"/>
+            <a:ext cx="26633798" cy="1508105"/>
+          </a:xfrm>
+          <a:prstGeom prst="rect">
+            <a:avLst/>
+          </a:prstGeom>
+          <a:noFill/>
+        </p:spPr>
+        <p:txBody>
+          <a:bodyPr wrap="square" rtlCol="0">
+            <a:spAutoFit/>
+          </a:bodyPr>
+          <a:lstStyle/>
+          <a:p>
+            <a:pPr marL="514350" indent="-514350">
+              <a:buFont typeface="+mj-lt"/>
+              <a:buAutoNum type="arabicPeriod"/>
+            </a:pPr>
+            <a:r>
+              <a:rPr kumimoji="1" lang="en-US" altLang="ja-JP" sz="2400" dirty="0">
+                <a:latin typeface="メイリオ" panose="020B0604030504040204" pitchFamily="50" charset="-128"/>
+                <a:ea typeface="メイリオ" panose="020B0604030504040204" pitchFamily="50" charset="-128"/>
+              </a:rPr>
+              <a:t>UVA/Padova</a:t>
+            </a:r>
+            <a:r>
+              <a:rPr kumimoji="1" lang="ja-JP" altLang="en-US" sz="2400">
+                <a:latin typeface="メイリオ" panose="020B0604030504040204" pitchFamily="50" charset="-128"/>
+                <a:ea typeface="メイリオ" panose="020B0604030504040204" pitchFamily="50" charset="-128"/>
+              </a:rPr>
+              <a:t>モデルより</a:t>
+            </a:r>
+            <a:r>
+              <a:rPr kumimoji="1" lang="en-US" altLang="ja-JP" sz="2400" dirty="0">
+                <a:latin typeface="メイリオ" panose="020B0604030504040204" pitchFamily="50" charset="-128"/>
+                <a:ea typeface="メイリオ" panose="020B0604030504040204" pitchFamily="50" charset="-128"/>
+              </a:rPr>
+              <a:t>4</a:t>
+            </a:r>
+            <a:r>
+              <a:rPr lang="ja-JP" altLang="en-US" sz="2400">
+                <a:latin typeface="メイリオ" panose="020B0604030504040204" pitchFamily="50" charset="-128"/>
+                <a:ea typeface="メイリオ" panose="020B0604030504040204" pitchFamily="50" charset="-128"/>
+              </a:rPr>
+              <a:t>日分の仮想的な入出力データ</a:t>
+            </a:r>
+            <a:r>
+              <a:rPr lang="en-US" altLang="ja-JP" sz="2400" dirty="0">
+                <a:latin typeface="メイリオ" panose="020B0604030504040204" pitchFamily="50" charset="-128"/>
+                <a:ea typeface="メイリオ" panose="020B0604030504040204" pitchFamily="50" charset="-128"/>
+              </a:rPr>
+              <a:t>10</a:t>
+            </a:r>
+            <a:r>
+              <a:rPr lang="ja-JP" altLang="en-US" sz="2400">
+                <a:latin typeface="メイリオ" panose="020B0604030504040204" pitchFamily="50" charset="-128"/>
+                <a:ea typeface="メイリオ" panose="020B0604030504040204" pitchFamily="50" charset="-128"/>
+              </a:rPr>
+              <a:t>人分を作成</a:t>
+            </a:r>
+            <a:endParaRPr lang="en-US" altLang="ja-JP" sz="2400" dirty="0">
+              <a:latin typeface="メイリオ" panose="020B0604030504040204" pitchFamily="50" charset="-128"/>
+              <a:ea typeface="メイリオ" panose="020B0604030504040204" pitchFamily="50" charset="-128"/>
+            </a:endParaRPr>
+          </a:p>
+          <a:p>
+            <a:pPr marL="514350" indent="-514350">
+              <a:buFont typeface="+mj-lt"/>
+              <a:buAutoNum type="arabicPeriod"/>
+            </a:pPr>
+            <a:r>
+              <a:rPr lang="ja-JP" altLang="en-US" sz="2400">
+                <a:latin typeface="メイリオ" panose="020B0604030504040204" pitchFamily="50" charset="-128"/>
+                <a:ea typeface="メイリオ" panose="020B0604030504040204" pitchFamily="50" charset="-128"/>
+              </a:rPr>
+              <a:t>オブザーバ，</a:t>
+            </a:r>
+            <a:r>
+              <a:rPr lang="en-US" altLang="ja-JP" sz="2400" dirty="0">
+                <a:latin typeface="メイリオ" panose="020B0604030504040204" pitchFamily="50" charset="-128"/>
+                <a:ea typeface="メイリオ" panose="020B0604030504040204" pitchFamily="50" charset="-128"/>
+              </a:rPr>
+              <a:t>EKF</a:t>
+            </a:r>
+            <a:r>
+              <a:rPr lang="ja-JP" altLang="en-US" sz="2400">
+                <a:latin typeface="メイリオ" panose="020B0604030504040204" pitchFamily="50" charset="-128"/>
+                <a:ea typeface="メイリオ" panose="020B0604030504040204" pitchFamily="50" charset="-128"/>
+              </a:rPr>
+              <a:t>を用いて状態推定を行う</a:t>
+            </a:r>
+            <a:endParaRPr lang="en-US" altLang="ja-JP" sz="2400" dirty="0">
+              <a:latin typeface="メイリオ" panose="020B0604030504040204" pitchFamily="50" charset="-128"/>
+              <a:ea typeface="メイリオ" panose="020B0604030504040204" pitchFamily="50" charset="-128"/>
+            </a:endParaRPr>
+          </a:p>
+          <a:p>
+            <a:pPr marL="514350" indent="-514350">
+              <a:buFont typeface="+mj-lt"/>
+              <a:buAutoNum type="arabicPeriod"/>
+            </a:pPr>
+            <a:r>
+              <a:rPr lang="ja-JP" altLang="en-US" sz="2400">
+                <a:latin typeface="メイリオ" panose="020B0604030504040204" pitchFamily="50" charset="-128"/>
+                <a:ea typeface="メイリオ" panose="020B0604030504040204" pitchFamily="50" charset="-128"/>
+              </a:rPr>
+              <a:t>各状態推定結果に対して，推定された血糖値と</a:t>
+            </a:r>
+            <a:r>
+              <a:rPr lang="en-US" altLang="ja-JP" sz="2400" dirty="0">
+                <a:latin typeface="メイリオ" panose="020B0604030504040204" pitchFamily="50" charset="-128"/>
+                <a:ea typeface="メイリオ" panose="020B0604030504040204" pitchFamily="50" charset="-128"/>
+              </a:rPr>
+              <a:t>UVA/Padova</a:t>
+            </a:r>
+            <a:r>
+              <a:rPr lang="ja-JP" altLang="en-US" sz="2400">
+                <a:latin typeface="メイリオ" panose="020B0604030504040204" pitchFamily="50" charset="-128"/>
+                <a:ea typeface="メイリオ" panose="020B0604030504040204" pitchFamily="50" charset="-128"/>
+              </a:rPr>
+              <a:t>モデルの</a:t>
+            </a:r>
+            <a:r>
+              <a:rPr lang="en-US" altLang="ja-JP" sz="2400" dirty="0">
+                <a:latin typeface="メイリオ" panose="020B0604030504040204" pitchFamily="50" charset="-128"/>
+                <a:ea typeface="メイリオ" panose="020B0604030504040204" pitchFamily="50" charset="-128"/>
+              </a:rPr>
+              <a:t>RMSE</a:t>
+            </a:r>
+            <a:r>
+              <a:rPr lang="ja-JP" altLang="en-US" sz="2400">
+                <a:latin typeface="メイリオ" panose="020B0604030504040204" pitchFamily="50" charset="-128"/>
+                <a:ea typeface="メイリオ" panose="020B0604030504040204" pitchFamily="50" charset="-128"/>
+              </a:rPr>
+              <a:t>を計算</a:t>
+            </a:r>
+            <a:endParaRPr lang="en-US" altLang="ja-JP" sz="2400" dirty="0">
+              <a:latin typeface="メイリオ" panose="020B0604030504040204" pitchFamily="50" charset="-128"/>
+              <a:ea typeface="メイリオ" panose="020B0604030504040204" pitchFamily="50" charset="-128"/>
+            </a:endParaRPr>
+          </a:p>
+          <a:p>
+            <a:r>
+              <a:rPr lang="en-US" altLang="ja-JP" dirty="0">
+                <a:latin typeface="メイリオ" panose="020B0604030504040204" pitchFamily="50" charset="-128"/>
+                <a:ea typeface="メイリオ" panose="020B0604030504040204" pitchFamily="50" charset="-128"/>
+              </a:rPr>
+              <a:t>※</a:t>
+            </a:r>
+            <a:r>
+              <a:rPr kumimoji="1" lang="ja-JP" altLang="en-US">
+                <a:latin typeface="メイリオ" panose="020B0604030504040204" pitchFamily="50" charset="-128"/>
+                <a:ea typeface="メイリオ" panose="020B0604030504040204" pitchFamily="50" charset="-128"/>
+              </a:rPr>
+              <a:t>その他の状態については，物理的な意味が一致していないため単純に比較はできない</a:t>
+            </a:r>
+            <a:endParaRPr kumimoji="1" lang="ja-JP" altLang="en-US" dirty="0">
+              <a:latin typeface="メイリオ" panose="020B0604030504040204" pitchFamily="50" charset="-128"/>
+              <a:ea typeface="メイリオ" panose="020B0604030504040204" pitchFamily="50" charset="-128"/>
+            </a:endParaRPr>
+          </a:p>
+        </p:txBody>
+      </p:sp>
+      <p:sp>
+        <p:nvSpPr>
+          <p:cNvPr id="51" name="テキスト ボックス 50">
+            <a:extLst>
+              <a:ext uri="{FF2B5EF4-FFF2-40B4-BE49-F238E27FC236}">
+                <a16:creationId xmlns:a16="http://schemas.microsoft.com/office/drawing/2014/main" id="{5C80B2B6-E8EC-1559-7C75-360EC3FF5FD2}"/>
+              </a:ext>
+            </a:extLst>
+          </p:cNvPr>
+          <p:cNvSpPr txBox="1"/>
+          <p:nvPr/>
+        </p:nvSpPr>
+        <p:spPr>
+          <a:xfrm>
+            <a:off x="1182998" y="38178157"/>
+            <a:ext cx="26633798" cy="707886"/>
+          </a:xfrm>
+          <a:prstGeom prst="rect">
+            <a:avLst/>
+          </a:prstGeom>
+          <a:noFill/>
+        </p:spPr>
+        <p:txBody>
+          <a:bodyPr wrap="square" rtlCol="0">
+            <a:spAutoFit/>
+          </a:bodyPr>
+          <a:lstStyle/>
+          <a:p>
+            <a:pPr marL="457200" indent="-457200">
+              <a:buFont typeface="Arial" panose="020B0604020202020204" pitchFamily="34" charset="0"/>
+              <a:buChar char="•"/>
+            </a:pPr>
+            <a:r>
+              <a:rPr lang="en-US" altLang="ja-JP" sz="2000" dirty="0">
+                <a:latin typeface="メイリオ" panose="020B0604030504040204" pitchFamily="50" charset="-128"/>
+                <a:ea typeface="メイリオ" panose="020B0604030504040204" pitchFamily="50" charset="-128"/>
+              </a:rPr>
+              <a:t>EKF</a:t>
+            </a:r>
+            <a:r>
+              <a:rPr lang="ja-JP" altLang="en-US" sz="2000">
+                <a:latin typeface="メイリオ" panose="020B0604030504040204" pitchFamily="50" charset="-128"/>
+                <a:ea typeface="メイリオ" panose="020B0604030504040204" pitchFamily="50" charset="-128"/>
+              </a:rPr>
+              <a:t>，オブザーバのどちらの場合も，よく血糖値を推定している</a:t>
+            </a:r>
+            <a:endParaRPr lang="en-US" altLang="ja-JP" sz="2000" dirty="0">
+              <a:latin typeface="メイリオ" panose="020B0604030504040204" pitchFamily="50" charset="-128"/>
+              <a:ea typeface="メイリオ" panose="020B0604030504040204" pitchFamily="50" charset="-128"/>
+            </a:endParaRPr>
+          </a:p>
+          <a:p>
+            <a:pPr marL="457200" indent="-457200">
+              <a:buFont typeface="Arial" panose="020B0604020202020204" pitchFamily="34" charset="0"/>
+              <a:buChar char="•"/>
+            </a:pPr>
+            <a:r>
+              <a:rPr kumimoji="1" lang="ja-JP" altLang="en-US" sz="2000">
+                <a:latin typeface="メイリオ" panose="020B0604030504040204" pitchFamily="50" charset="-128"/>
+                <a:ea typeface="メイリオ" panose="020B0604030504040204" pitchFamily="50" charset="-128"/>
+              </a:rPr>
+              <a:t>特に</a:t>
+            </a:r>
+            <a:r>
+              <a:rPr kumimoji="1" lang="en-US" altLang="ja-JP" sz="2000" dirty="0">
+                <a:latin typeface="メイリオ" panose="020B0604030504040204" pitchFamily="50" charset="-128"/>
+                <a:ea typeface="メイリオ" panose="020B0604030504040204" pitchFamily="50" charset="-128"/>
+              </a:rPr>
+              <a:t>EKF</a:t>
+            </a:r>
+            <a:r>
+              <a:rPr kumimoji="1" lang="ja-JP" altLang="en-US" sz="2000">
+                <a:latin typeface="メイリオ" panose="020B0604030504040204" pitchFamily="50" charset="-128"/>
+                <a:ea typeface="メイリオ" panose="020B0604030504040204" pitchFamily="50" charset="-128"/>
+              </a:rPr>
+              <a:t>は，内部状態の推定に関してオーバーシュートが小さい</a:t>
+            </a:r>
+            <a:endParaRPr kumimoji="1" lang="ja-JP" altLang="en-US" sz="2000" dirty="0">
+              <a:latin typeface="メイリオ" panose="020B0604030504040204" pitchFamily="50" charset="-128"/>
+              <a:ea typeface="メイリオ" panose="020B0604030504040204" pitchFamily="50" charset="-128"/>
+            </a:endParaRPr>
+          </a:p>
+        </p:txBody>
+      </p:sp>
       <p:grpSp>
         <p:nvGrpSpPr>
           <p:cNvPr id="12" name="グループ化 11">
@@ -4204,7 +5026,7 @@
         </p:nvGrpSpPr>
         <p:grpSpPr>
           <a:xfrm>
-            <a:off x="468000" y="305513"/>
+            <a:off x="462116" y="305513"/>
             <a:ext cx="29340000" cy="2700000"/>
             <a:chOff x="438527" y="1219264"/>
             <a:chExt cx="29340000" cy="2700000"/>
@@ -4457,7 +5279,7 @@
         </p:nvGrpSpPr>
         <p:grpSpPr>
           <a:xfrm>
-            <a:off x="468000" y="3279620"/>
+            <a:off x="462116" y="3377333"/>
             <a:ext cx="29340000" cy="5040000"/>
             <a:chOff x="467604" y="3420000"/>
             <a:chExt cx="29340000" cy="5040000"/>
@@ -5401,8 +6223,8 @@
                 </p:txBody>
               </p:sp>
             </p:grpSp>
-            <mc:AlternateContent xmlns:mc="http://schemas.openxmlformats.org/markup-compatibility/2006">
-              <mc:Choice xmlns:a14="http://schemas.microsoft.com/office/drawing/2010/main" Requires="a14">
+            <mc:AlternateContent xmlns:mc="http://schemas.openxmlformats.org/markup-compatibility/2006" xmlns:a14="http://schemas.microsoft.com/office/drawing/2010/main">
+              <mc:Choice Requires="a14">
                 <p:sp>
                   <p:nvSpPr>
                     <p:cNvPr id="27" name="テキスト ボックス 26">
@@ -5471,7 +6293,7 @@
                   </p:txBody>
                 </p:sp>
               </mc:Choice>
-              <mc:Fallback>
+              <mc:Fallback xmlns="">
                 <p:sp>
                   <p:nvSpPr>
                     <p:cNvPr id="27" name="テキスト ボックス 26">
@@ -5495,7 +6317,7 @@
                       <a:avLst/>
                     </a:prstGeom>
                     <a:blipFill>
-                      <a:blip r:embed="rId2"/>
+                      <a:blip r:embed="rId7"/>
                       <a:stretch>
                         <a:fillRect b="-8696"/>
                       </a:stretch>
@@ -5516,8 +6338,8 @@
                 </p:sp>
               </mc:Fallback>
             </mc:AlternateContent>
-            <mc:AlternateContent xmlns:mc="http://schemas.openxmlformats.org/markup-compatibility/2006">
-              <mc:Choice xmlns:a14="http://schemas.microsoft.com/office/drawing/2010/main" Requires="a14">
+            <mc:AlternateContent xmlns:mc="http://schemas.openxmlformats.org/markup-compatibility/2006" xmlns:a14="http://schemas.microsoft.com/office/drawing/2010/main">
+              <mc:Choice Requires="a14">
                 <p:sp>
                   <p:nvSpPr>
                     <p:cNvPr id="28" name="テキスト ボックス 27">
@@ -5586,7 +6408,7 @@
                   </p:txBody>
                 </p:sp>
               </mc:Choice>
-              <mc:Fallback>
+              <mc:Fallback xmlns="">
                 <p:sp>
                   <p:nvSpPr>
                     <p:cNvPr id="28" name="テキスト ボックス 27">
@@ -5610,7 +6432,7 @@
                       <a:avLst/>
                     </a:prstGeom>
                     <a:blipFill>
-                      <a:blip r:embed="rId3"/>
+                      <a:blip r:embed="rId8"/>
                       <a:stretch>
                         <a:fillRect/>
                       </a:stretch>
@@ -5727,7 +6549,7 @@
                       <a:ea typeface="Hiragino Kaku Gothic ProN W3" panose="020B0300000000000000" pitchFamily="34" charset="-128"/>
                       <a:cs typeface="Arial" panose="020B0604020202020204" pitchFamily="34" charset="0"/>
                     </a:rPr>
-                    <a:t>Estimator</a:t>
+                    <a:t>State Estimator</a:t>
                   </a:r>
                 </a:p>
               </p:txBody>
@@ -5816,8 +6638,8 @@
                 </a:fontRef>
               </p:style>
             </p:cxnSp>
-            <mc:AlternateContent xmlns:mc="http://schemas.openxmlformats.org/markup-compatibility/2006">
-              <mc:Choice xmlns:a14="http://schemas.microsoft.com/office/drawing/2010/main" Requires="a14">
+            <mc:AlternateContent xmlns:mc="http://schemas.openxmlformats.org/markup-compatibility/2006" xmlns:a14="http://schemas.microsoft.com/office/drawing/2010/main">
+              <mc:Choice Requires="a14">
                 <p:sp>
                   <p:nvSpPr>
                     <p:cNvPr id="33" name="テキスト ボックス 32">
@@ -5886,7 +6708,7 @@
                   </p:txBody>
                 </p:sp>
               </mc:Choice>
-              <mc:Fallback>
+              <mc:Fallback xmlns="">
                 <p:sp>
                   <p:nvSpPr>
                     <p:cNvPr id="33" name="テキスト ボックス 32">
@@ -5910,7 +6732,7 @@
                       <a:avLst/>
                     </a:prstGeom>
                     <a:blipFill>
-                      <a:blip r:embed="rId4"/>
+                      <a:blip r:embed="rId9"/>
                       <a:stretch>
                         <a:fillRect l="-4444" r="-2222" b="-16000"/>
                       </a:stretch>
@@ -5931,8 +6753,8 @@
                 </p:sp>
               </mc:Fallback>
             </mc:AlternateContent>
-            <mc:AlternateContent xmlns:mc="http://schemas.openxmlformats.org/markup-compatibility/2006">
-              <mc:Choice xmlns:a14="http://schemas.microsoft.com/office/drawing/2010/main" Requires="a14">
+            <mc:AlternateContent xmlns:mc="http://schemas.openxmlformats.org/markup-compatibility/2006" xmlns:a14="http://schemas.microsoft.com/office/drawing/2010/main">
+              <mc:Choice Requires="a14">
                 <p:sp>
                   <p:nvSpPr>
                     <p:cNvPr id="34" name="テキスト ボックス 33">
@@ -5982,7 +6804,7 @@
                   </p:txBody>
                 </p:sp>
               </mc:Choice>
-              <mc:Fallback>
+              <mc:Fallback xmlns="">
                 <p:sp>
                   <p:nvSpPr>
                     <p:cNvPr id="34" name="テキスト ボックス 33">
@@ -6006,7 +6828,7 @@
                       <a:avLst/>
                     </a:prstGeom>
                     <a:blipFill>
-                      <a:blip r:embed="rId5"/>
+                      <a:blip r:embed="rId10"/>
                       <a:stretch>
                         <a:fillRect l="-22222" r="-16667" b="-8696"/>
                       </a:stretch>
@@ -6357,8 +7179,8 @@
                 </a:fontRef>
               </p:style>
             </p:cxnSp>
-            <mc:AlternateContent xmlns:mc="http://schemas.openxmlformats.org/markup-compatibility/2006">
-              <mc:Choice xmlns:a14="http://schemas.microsoft.com/office/drawing/2010/main" Requires="a14">
+            <mc:AlternateContent xmlns:mc="http://schemas.openxmlformats.org/markup-compatibility/2006" xmlns:a14="http://schemas.microsoft.com/office/drawing/2010/main">
+              <mc:Choice Requires="a14">
                 <p:sp>
                   <p:nvSpPr>
                     <p:cNvPr id="43" name="テキスト ボックス 42">
@@ -6417,7 +7239,7 @@
                   </p:txBody>
                 </p:sp>
               </mc:Choice>
-              <mc:Fallback>
+              <mc:Fallback xmlns="">
                 <p:sp>
                   <p:nvSpPr>
                     <p:cNvPr id="43" name="テキスト ボックス 42">
@@ -6441,7 +7263,7 @@
                       <a:avLst/>
                     </a:prstGeom>
                     <a:blipFill>
-                      <a:blip r:embed="rId6"/>
+                      <a:blip r:embed="rId11"/>
                       <a:stretch>
                         <a:fillRect l="-33333" r="-20000" b="-8696"/>
                       </a:stretch>
@@ -6462,8 +7284,8 @@
                 </p:sp>
               </mc:Fallback>
             </mc:AlternateContent>
-            <mc:AlternateContent xmlns:mc="http://schemas.openxmlformats.org/markup-compatibility/2006">
-              <mc:Choice xmlns:a14="http://schemas.microsoft.com/office/drawing/2010/main" Requires="a14">
+            <mc:AlternateContent xmlns:mc="http://schemas.openxmlformats.org/markup-compatibility/2006" xmlns:a14="http://schemas.microsoft.com/office/drawing/2010/main">
+              <mc:Choice Requires="a14">
                 <p:sp>
                   <p:nvSpPr>
                     <p:cNvPr id="44" name="テキスト ボックス 43">
@@ -6532,7 +7354,7 @@
                   </p:txBody>
                 </p:sp>
               </mc:Choice>
-              <mc:Fallback>
+              <mc:Fallback xmlns="">
                 <p:sp>
                   <p:nvSpPr>
                     <p:cNvPr id="44" name="テキスト ボックス 43">
@@ -6556,7 +7378,7 @@
                       <a:avLst/>
                     </a:prstGeom>
                     <a:blipFill>
-                      <a:blip r:embed="rId7"/>
+                      <a:blip r:embed="rId12"/>
                       <a:stretch>
                         <a:fillRect l="-10000" r="-5000" b="-25000"/>
                       </a:stretch>
@@ -6632,3307 +7454,215 @@
           </p:txBody>
         </p:sp>
       </p:grpSp>
-      <p:grpSp>
-        <p:nvGrpSpPr>
-          <p:cNvPr id="54" name="グループ化 53">
+      <p:sp>
+        <p:nvSpPr>
+          <p:cNvPr id="95" name="正方形/長方形 94">
             <a:extLst>
               <a:ext uri="{FF2B5EF4-FFF2-40B4-BE49-F238E27FC236}">
-                <a16:creationId xmlns:a16="http://schemas.microsoft.com/office/drawing/2014/main" id="{046FA8C1-4481-619E-D63F-5C0B63F23E0A}"/>
+                <a16:creationId xmlns:a16="http://schemas.microsoft.com/office/drawing/2014/main" id="{1165A60C-9357-D476-021C-E04828F07CD3}"/>
               </a:ext>
             </a:extLst>
           </p:cNvPr>
-          <p:cNvGrpSpPr/>
+          <p:cNvSpPr>
+            <a:spLocks/>
+          </p:cNvSpPr>
           <p:nvPr/>
-        </p:nvGrpSpPr>
-        <p:grpSpPr>
+        </p:nvSpPr>
+        <p:spPr>
           <a:xfrm>
-            <a:off x="20839329" y="20058420"/>
-            <a:ext cx="8559210" cy="2686921"/>
-            <a:chOff x="3000969" y="2447527"/>
-            <a:chExt cx="7642222" cy="1940603"/>
+            <a:off x="436645" y="8835729"/>
+            <a:ext cx="29340000" cy="8573811"/>
           </a:xfrm>
-        </p:grpSpPr>
-        <p:sp>
-          <p:nvSpPr>
-            <p:cNvPr id="55" name="正方形/長方形 54">
-              <a:extLst>
-                <a:ext uri="{FF2B5EF4-FFF2-40B4-BE49-F238E27FC236}">
-                  <a16:creationId xmlns:a16="http://schemas.microsoft.com/office/drawing/2014/main" id="{E7072605-BAD7-AB83-4CE4-D69068BA7B6E}"/>
-                </a:ext>
-              </a:extLst>
-            </p:cNvPr>
-            <p:cNvSpPr/>
-            <p:nvPr/>
-          </p:nvSpPr>
-          <p:spPr>
-            <a:xfrm>
-              <a:off x="4937048" y="2449892"/>
-              <a:ext cx="1952849" cy="734540"/>
-            </a:xfrm>
-            <a:prstGeom prst="rect">
-              <a:avLst/>
-            </a:prstGeom>
-            <a:ln w="25400"/>
-          </p:spPr>
-          <p:style>
-            <a:lnRef idx="2">
-              <a:schemeClr val="dk1"/>
-            </a:lnRef>
-            <a:fillRef idx="1">
-              <a:schemeClr val="lt1"/>
-            </a:fillRef>
-            <a:effectRef idx="0">
-              <a:schemeClr val="dk1"/>
-            </a:effectRef>
-            <a:fontRef idx="minor">
-              <a:schemeClr val="dk1"/>
-            </a:fontRef>
-          </p:style>
-          <p:txBody>
-            <a:bodyPr rtlCol="0" anchor="ctr"/>
-            <a:lstStyle/>
-            <a:p>
-              <a:pPr algn="ctr"/>
-              <a:r>
-                <a:rPr kumimoji="1" lang="en-US" altLang="ja-JP" sz="1400" b="1" dirty="0">
-                  <a:latin typeface="Hiragino Kaku Gothic ProN W3" panose="020B0300000000000000" pitchFamily="34" charset="-128"/>
-                  <a:ea typeface="Hiragino Kaku Gothic ProN W3" panose="020B0300000000000000" pitchFamily="34" charset="-128"/>
-                  <a:cs typeface="Arial" panose="020B0604020202020204" pitchFamily="34" charset="0"/>
-                </a:rPr>
-                <a:t>Gastrointestinal</a:t>
-              </a:r>
-            </a:p>
-            <a:p>
-              <a:pPr algn="ctr"/>
-              <a:r>
-                <a:rPr lang="en-US" altLang="ja-JP" sz="1400" b="1" dirty="0" err="1">
-                  <a:latin typeface="Hiragino Kaku Gothic ProN W3" panose="020B0300000000000000" pitchFamily="34" charset="-128"/>
-                  <a:ea typeface="Hiragino Kaku Gothic ProN W3" panose="020B0300000000000000" pitchFamily="34" charset="-128"/>
-                  <a:cs typeface="Arial" panose="020B0604020202020204" pitchFamily="34" charset="0"/>
-                </a:rPr>
-                <a:t>submodel</a:t>
-              </a:r>
-              <a:endParaRPr lang="en-US" altLang="ja-JP" sz="1400" b="1" dirty="0">
-                <a:latin typeface="Hiragino Kaku Gothic ProN W3" panose="020B0300000000000000" pitchFamily="34" charset="-128"/>
-                <a:ea typeface="Hiragino Kaku Gothic ProN W3" panose="020B0300000000000000" pitchFamily="34" charset="-128"/>
-                <a:cs typeface="Arial" panose="020B0604020202020204" pitchFamily="34" charset="0"/>
-              </a:endParaRPr>
-            </a:p>
-            <a:p>
-              <a:pPr algn="ctr"/>
-              <a:r>
-                <a:rPr kumimoji="1" lang="en-US" altLang="ja-JP" sz="1400" b="1" dirty="0">
-                  <a:latin typeface="Hiragino Kaku Gothic ProN W3" panose="020B0300000000000000" pitchFamily="34" charset="-128"/>
-                  <a:ea typeface="Hiragino Kaku Gothic ProN W3" panose="020B0300000000000000" pitchFamily="34" charset="-128"/>
-                  <a:cs typeface="Arial" panose="020B0604020202020204" pitchFamily="34" charset="0"/>
-                </a:rPr>
-                <a:t>(</a:t>
-              </a:r>
-              <a:r>
-                <a:rPr kumimoji="1" lang="en-US" altLang="ja-JP" sz="1400" b="1" dirty="0">
-                  <a:solidFill>
-                    <a:srgbClr val="FF0000"/>
-                  </a:solidFill>
-                  <a:latin typeface="Hiragino Kaku Gothic ProN W3" panose="020B0300000000000000" pitchFamily="34" charset="-128"/>
-                  <a:ea typeface="Hiragino Kaku Gothic ProN W3" panose="020B0300000000000000" pitchFamily="34" charset="-128"/>
-                  <a:cs typeface="Arial" panose="020B0604020202020204" pitchFamily="34" charset="0"/>
-                </a:rPr>
-                <a:t>switched system</a:t>
-              </a:r>
-              <a:r>
-                <a:rPr kumimoji="1" lang="en-US" altLang="ja-JP" sz="1400" b="1" dirty="0">
-                  <a:latin typeface="Hiragino Kaku Gothic ProN W3" panose="020B0300000000000000" pitchFamily="34" charset="-128"/>
-                  <a:ea typeface="Hiragino Kaku Gothic ProN W3" panose="020B0300000000000000" pitchFamily="34" charset="-128"/>
-                  <a:cs typeface="Arial" panose="020B0604020202020204" pitchFamily="34" charset="0"/>
-                </a:rPr>
-                <a:t>)</a:t>
-              </a:r>
-              <a:endParaRPr kumimoji="1" lang="ja-JP" altLang="en-US" sz="1400" b="1">
-                <a:latin typeface="Hiragino Kaku Gothic ProN W3" panose="020B0300000000000000" pitchFamily="34" charset="-128"/>
-                <a:ea typeface="Hiragino Kaku Gothic ProN W3" panose="020B0300000000000000" pitchFamily="34" charset="-128"/>
-                <a:cs typeface="Arial" panose="020B0604020202020204" pitchFamily="34" charset="0"/>
-              </a:endParaRPr>
-            </a:p>
-          </p:txBody>
-        </p:sp>
-        <p:sp>
-          <p:nvSpPr>
-            <p:cNvPr id="56" name="正方形/長方形 55">
-              <a:extLst>
-                <a:ext uri="{FF2B5EF4-FFF2-40B4-BE49-F238E27FC236}">
-                  <a16:creationId xmlns:a16="http://schemas.microsoft.com/office/drawing/2014/main" id="{C1D5531A-7AC2-02DD-2E18-723593CA130D}"/>
-                </a:ext>
-              </a:extLst>
-            </p:cNvPr>
-            <p:cNvSpPr/>
-            <p:nvPr/>
-          </p:nvSpPr>
-          <p:spPr>
-            <a:xfrm>
-              <a:off x="4937048" y="3653590"/>
-              <a:ext cx="1952849" cy="734540"/>
-            </a:xfrm>
-            <a:prstGeom prst="rect">
-              <a:avLst/>
-            </a:prstGeom>
-            <a:ln w="25400"/>
-          </p:spPr>
-          <p:style>
-            <a:lnRef idx="2">
-              <a:schemeClr val="dk1"/>
-            </a:lnRef>
-            <a:fillRef idx="1">
-              <a:schemeClr val="lt1"/>
-            </a:fillRef>
-            <a:effectRef idx="0">
-              <a:schemeClr val="dk1"/>
-            </a:effectRef>
-            <a:fontRef idx="minor">
-              <a:schemeClr val="dk1"/>
-            </a:fontRef>
-          </p:style>
-          <p:txBody>
-            <a:bodyPr rtlCol="0" anchor="ctr"/>
-            <a:lstStyle/>
-            <a:p>
-              <a:pPr algn="ctr"/>
-              <a:r>
-                <a:rPr kumimoji="1" lang="en-US" altLang="ja-JP" sz="1400" b="1" dirty="0">
-                  <a:latin typeface="Hiragino Kaku Gothic ProN W3" panose="020B0300000000000000" pitchFamily="34" charset="-128"/>
-                  <a:ea typeface="Hiragino Kaku Gothic ProN W3" panose="020B0300000000000000" pitchFamily="34" charset="-128"/>
-                  <a:cs typeface="Arial" panose="020B0604020202020204" pitchFamily="34" charset="0"/>
-                </a:rPr>
-                <a:t>Subcutaneous</a:t>
-              </a:r>
-            </a:p>
-            <a:p>
-              <a:pPr algn="ctr"/>
-              <a:r>
-                <a:rPr lang="en-US" altLang="ja-JP" sz="1400" b="1" dirty="0">
-                  <a:latin typeface="Hiragino Kaku Gothic ProN W3" panose="020B0300000000000000" pitchFamily="34" charset="-128"/>
-                  <a:ea typeface="Hiragino Kaku Gothic ProN W3" panose="020B0300000000000000" pitchFamily="34" charset="-128"/>
-                  <a:cs typeface="Arial" panose="020B0604020202020204" pitchFamily="34" charset="0"/>
-                </a:rPr>
-                <a:t>Insulin</a:t>
-              </a:r>
-            </a:p>
-            <a:p>
-              <a:pPr algn="ctr"/>
-              <a:r>
-                <a:rPr kumimoji="1" lang="en-US" altLang="ja-JP" sz="1400" b="1" dirty="0">
-                  <a:latin typeface="Hiragino Kaku Gothic ProN W3" panose="020B0300000000000000" pitchFamily="34" charset="-128"/>
-                  <a:ea typeface="Hiragino Kaku Gothic ProN W3" panose="020B0300000000000000" pitchFamily="34" charset="-128"/>
-                  <a:cs typeface="Arial" panose="020B0604020202020204" pitchFamily="34" charset="0"/>
-                </a:rPr>
-                <a:t>Kinetic </a:t>
-              </a:r>
-              <a:r>
-                <a:rPr kumimoji="1" lang="en-US" altLang="ja-JP" sz="1400" b="1" dirty="0" err="1">
-                  <a:latin typeface="Hiragino Kaku Gothic ProN W3" panose="020B0300000000000000" pitchFamily="34" charset="-128"/>
-                  <a:ea typeface="Hiragino Kaku Gothic ProN W3" panose="020B0300000000000000" pitchFamily="34" charset="-128"/>
-                  <a:cs typeface="Arial" panose="020B0604020202020204" pitchFamily="34" charset="0"/>
-                </a:rPr>
-                <a:t>submodel</a:t>
-              </a:r>
-              <a:endParaRPr kumimoji="1" lang="ja-JP" altLang="en-US" sz="1400" b="1">
-                <a:latin typeface="Hiragino Kaku Gothic ProN W3" panose="020B0300000000000000" pitchFamily="34" charset="-128"/>
-                <a:ea typeface="Hiragino Kaku Gothic ProN W3" panose="020B0300000000000000" pitchFamily="34" charset="-128"/>
-                <a:cs typeface="Arial" panose="020B0604020202020204" pitchFamily="34" charset="0"/>
-              </a:endParaRPr>
-            </a:p>
-          </p:txBody>
-        </p:sp>
-        <p:sp>
-          <p:nvSpPr>
-            <p:cNvPr id="57" name="正方形/長方形 56">
-              <a:extLst>
-                <a:ext uri="{FF2B5EF4-FFF2-40B4-BE49-F238E27FC236}">
-                  <a16:creationId xmlns:a16="http://schemas.microsoft.com/office/drawing/2014/main" id="{40A3905C-745D-9790-8518-A82257A18640}"/>
-                </a:ext>
-              </a:extLst>
-            </p:cNvPr>
-            <p:cNvSpPr/>
-            <p:nvPr/>
-          </p:nvSpPr>
-          <p:spPr>
-            <a:xfrm>
-              <a:off x="7350268" y="3061734"/>
-              <a:ext cx="1810410" cy="734532"/>
-            </a:xfrm>
-            <a:prstGeom prst="rect">
-              <a:avLst/>
-            </a:prstGeom>
-            <a:ln w="25400"/>
-          </p:spPr>
-          <p:style>
-            <a:lnRef idx="2">
-              <a:schemeClr val="dk1"/>
-            </a:lnRef>
-            <a:fillRef idx="1">
-              <a:schemeClr val="lt1"/>
-            </a:fillRef>
-            <a:effectRef idx="0">
-              <a:schemeClr val="dk1"/>
-            </a:effectRef>
-            <a:fontRef idx="minor">
-              <a:schemeClr val="dk1"/>
-            </a:fontRef>
-          </p:style>
-          <p:txBody>
-            <a:bodyPr rtlCol="0" anchor="ctr"/>
-            <a:lstStyle/>
-            <a:p>
-              <a:pPr algn="ctr"/>
-              <a:r>
-                <a:rPr kumimoji="1" lang="en-US" altLang="ja-JP" sz="1400" b="1" dirty="0">
-                  <a:latin typeface="Hiragino Kaku Gothic ProN W3" panose="020B0300000000000000" pitchFamily="34" charset="-128"/>
-                  <a:ea typeface="Hiragino Kaku Gothic ProN W3" panose="020B0300000000000000" pitchFamily="34" charset="-128"/>
-                  <a:cs typeface="Arial" panose="020B0604020202020204" pitchFamily="34" charset="0"/>
-                </a:rPr>
-                <a:t>Core </a:t>
-              </a:r>
-              <a:r>
-                <a:rPr kumimoji="1" lang="en-US" altLang="ja-JP" sz="1400" b="1" dirty="0" err="1">
-                  <a:latin typeface="Hiragino Kaku Gothic ProN W3" panose="020B0300000000000000" pitchFamily="34" charset="-128"/>
-                  <a:ea typeface="Hiragino Kaku Gothic ProN W3" panose="020B0300000000000000" pitchFamily="34" charset="-128"/>
-                  <a:cs typeface="Arial" panose="020B0604020202020204" pitchFamily="34" charset="0"/>
-                </a:rPr>
-                <a:t>submodel</a:t>
-              </a:r>
-              <a:endParaRPr kumimoji="1" lang="en-US" altLang="ja-JP" sz="1400" b="1" dirty="0">
-                <a:latin typeface="Hiragino Kaku Gothic ProN W3" panose="020B0300000000000000" pitchFamily="34" charset="-128"/>
-                <a:ea typeface="Hiragino Kaku Gothic ProN W3" panose="020B0300000000000000" pitchFamily="34" charset="-128"/>
-                <a:cs typeface="Arial" panose="020B0604020202020204" pitchFamily="34" charset="0"/>
-              </a:endParaRPr>
-            </a:p>
-            <a:p>
-              <a:pPr algn="ctr"/>
-              <a:r>
-                <a:rPr lang="en-US" altLang="ja-JP" sz="1400" b="1" dirty="0">
-                  <a:latin typeface="Hiragino Kaku Gothic ProN W3" panose="020B0300000000000000" pitchFamily="34" charset="-128"/>
-                  <a:ea typeface="Hiragino Kaku Gothic ProN W3" panose="020B0300000000000000" pitchFamily="34" charset="-128"/>
-                  <a:cs typeface="Arial" panose="020B0604020202020204" pitchFamily="34" charset="0"/>
-                </a:rPr>
-                <a:t>(Bergman model)</a:t>
-              </a:r>
-              <a:endParaRPr kumimoji="1" lang="ja-JP" altLang="en-US" sz="1400" b="1">
-                <a:latin typeface="Hiragino Kaku Gothic ProN W3" panose="020B0300000000000000" pitchFamily="34" charset="-128"/>
-                <a:ea typeface="Hiragino Kaku Gothic ProN W3" panose="020B0300000000000000" pitchFamily="34" charset="-128"/>
-                <a:cs typeface="Arial" panose="020B0604020202020204" pitchFamily="34" charset="0"/>
-              </a:endParaRPr>
-            </a:p>
-          </p:txBody>
-        </p:sp>
-        <p:cxnSp>
-          <p:nvCxnSpPr>
-            <p:cNvPr id="58" name="直線矢印コネクタ 57">
-              <a:extLst>
-                <a:ext uri="{FF2B5EF4-FFF2-40B4-BE49-F238E27FC236}">
-                  <a16:creationId xmlns:a16="http://schemas.microsoft.com/office/drawing/2014/main" id="{B11D9A04-1E24-7449-5FA5-3BC71C24F6D6}"/>
-                </a:ext>
-              </a:extLst>
-            </p:cNvPr>
-            <p:cNvCxnSpPr>
-              <a:cxnSpLocks/>
-            </p:cNvCxnSpPr>
-            <p:nvPr/>
-          </p:nvCxnSpPr>
-          <p:spPr>
-            <a:xfrm>
-              <a:off x="3050396" y="2817162"/>
-              <a:ext cx="1886652" cy="12700"/>
-            </a:xfrm>
-            <a:prstGeom prst="straightConnector1">
-              <a:avLst/>
-            </a:prstGeom>
-            <a:ln>
-              <a:round/>
-              <a:tailEnd type="triangle"/>
-            </a:ln>
-          </p:spPr>
-          <p:style>
-            <a:lnRef idx="2">
-              <a:schemeClr val="dk1"/>
-            </a:lnRef>
-            <a:fillRef idx="0">
-              <a:schemeClr val="dk1"/>
-            </a:fillRef>
-            <a:effectRef idx="1">
-              <a:schemeClr val="dk1"/>
-            </a:effectRef>
-            <a:fontRef idx="minor">
-              <a:schemeClr val="tx1"/>
-            </a:fontRef>
-          </p:style>
-        </p:cxnSp>
-        <mc:AlternateContent xmlns:mc="http://schemas.openxmlformats.org/markup-compatibility/2006" xmlns:a14="http://schemas.microsoft.com/office/drawing/2010/main">
-          <mc:Choice Requires="a14">
-            <p:sp>
-              <p:nvSpPr>
-                <p:cNvPr id="59" name="テキスト ボックス 58">
-                  <a:extLst>
-                    <a:ext uri="{FF2B5EF4-FFF2-40B4-BE49-F238E27FC236}">
-                      <a16:creationId xmlns:a16="http://schemas.microsoft.com/office/drawing/2014/main" id="{6D56E9E6-2342-DF77-6FF7-20D58B57BD56}"/>
-                    </a:ext>
-                  </a:extLst>
-                </p:cNvPr>
-                <p:cNvSpPr txBox="1"/>
-                <p:nvPr/>
-              </p:nvSpPr>
-              <p:spPr>
-                <a:xfrm>
-                  <a:off x="3000969" y="2461629"/>
-                  <a:ext cx="812337" cy="369332"/>
-                </a:xfrm>
-                <a:prstGeom prst="rect">
-                  <a:avLst/>
-                </a:prstGeom>
-                <a:noFill/>
-              </p:spPr>
-              <p:txBody>
-                <a:bodyPr wrap="square" rtlCol="0">
-                  <a:spAutoFit/>
-                </a:bodyPr>
-                <a:lstStyle/>
-                <a:p>
-                  <a:pPr/>
-                  <a14:m>
-                    <m:oMathPara xmlns:m="http://schemas.openxmlformats.org/officeDocument/2006/math">
-                      <m:oMathParaPr>
-                        <m:jc m:val="centerGroup"/>
-                      </m:oMathParaPr>
-                      <m:oMath xmlns:m="http://schemas.openxmlformats.org/officeDocument/2006/math">
-                        <m:sSub>
-                          <m:sSubPr>
-                            <m:ctrlPr>
-                              <a:rPr kumimoji="1" lang="en-US" altLang="ja-JP" i="1" smtClean="0">
-                                <a:latin typeface="Cambria Math" panose="02040503050406030204" pitchFamily="18" charset="0"/>
-                              </a:rPr>
-                            </m:ctrlPr>
-                          </m:sSubPr>
-                          <m:e>
-                            <m:r>
-                              <a:rPr kumimoji="1" lang="en-US" altLang="ja-JP" b="0" i="1" smtClean="0">
-                                <a:latin typeface="Cambria Math" panose="02040503050406030204" pitchFamily="18" charset="0"/>
-                              </a:rPr>
-                              <m:t>𝑑</m:t>
-                            </m:r>
-                          </m:e>
-                          <m:sub>
-                            <m:r>
-                              <a:rPr kumimoji="1" lang="en-US" altLang="ja-JP" b="0" i="1" smtClean="0">
-                                <a:latin typeface="Cambria Math" panose="02040503050406030204" pitchFamily="18" charset="0"/>
-                              </a:rPr>
-                              <m:t>𝑚𝑒𝑎𝑙</m:t>
-                            </m:r>
-                          </m:sub>
-                        </m:sSub>
-                      </m:oMath>
-                    </m:oMathPara>
-                  </a14:m>
-                  <a:endParaRPr kumimoji="1" lang="ja-JP" altLang="en-US"/>
-                </a:p>
-              </p:txBody>
-            </p:sp>
-          </mc:Choice>
-          <mc:Fallback xmlns="">
-            <p:sp>
-              <p:nvSpPr>
-                <p:cNvPr id="10" name="テキスト ボックス 9">
-                  <a:extLst>
-                    <a:ext uri="{FF2B5EF4-FFF2-40B4-BE49-F238E27FC236}">
-                      <a16:creationId xmlns:a16="http://schemas.microsoft.com/office/drawing/2014/main" id="{5C54B51D-CCC4-5A26-AEFA-FD7C3C9BD46E}"/>
-                    </a:ext>
-                  </a:extLst>
-                </p:cNvPr>
-                <p:cNvSpPr txBox="1">
-                  <a:spLocks noRot="1" noChangeAspect="1" noMove="1" noResize="1" noEditPoints="1" noAdjustHandles="1" noChangeArrowheads="1" noChangeShapeType="1" noTextEdit="1"/>
-                </p:cNvSpPr>
-                <p:nvPr/>
-              </p:nvSpPr>
-              <p:spPr>
-                <a:xfrm>
-                  <a:off x="3000969" y="2461629"/>
-                  <a:ext cx="812337" cy="369332"/>
-                </a:xfrm>
-                <a:prstGeom prst="rect">
-                  <a:avLst/>
-                </a:prstGeom>
-                <a:blipFill>
-                  <a:blip r:embed="rId8"/>
-                  <a:stretch>
-                    <a:fillRect/>
-                  </a:stretch>
-                </a:blipFill>
-              </p:spPr>
-              <p:txBody>
-                <a:bodyPr/>
-                <a:lstStyle/>
-                <a:p>
-                  <a:r>
-                    <a:rPr lang="ja-JP" altLang="en-US">
-                      <a:noFill/>
-                    </a:rPr>
-                    <a:t> </a:t>
-                  </a:r>
-                </a:p>
-              </p:txBody>
-            </p:sp>
-          </mc:Fallback>
-        </mc:AlternateContent>
-        <p:cxnSp>
-          <p:nvCxnSpPr>
-            <p:cNvPr id="60" name="カギ線コネクタ 59">
-              <a:extLst>
-                <a:ext uri="{FF2B5EF4-FFF2-40B4-BE49-F238E27FC236}">
-                  <a16:creationId xmlns:a16="http://schemas.microsoft.com/office/drawing/2014/main" id="{30710F11-AB5E-DFC9-EE2E-0E1651009C96}"/>
-                </a:ext>
-              </a:extLst>
-            </p:cNvPr>
-            <p:cNvCxnSpPr>
-              <a:cxnSpLocks/>
-              <a:stCxn id="55" idx="3"/>
-              <a:endCxn id="57" idx="0"/>
-            </p:cNvCxnSpPr>
-            <p:nvPr/>
-          </p:nvCxnSpPr>
-          <p:spPr>
-            <a:xfrm>
-              <a:off x="6889897" y="2817162"/>
-              <a:ext cx="1365576" cy="244572"/>
-            </a:xfrm>
-            <a:prstGeom prst="bentConnector2">
-              <a:avLst/>
-            </a:prstGeom>
-            <a:ln>
-              <a:tailEnd type="triangle"/>
-            </a:ln>
-          </p:spPr>
-          <p:style>
-            <a:lnRef idx="2">
-              <a:schemeClr val="dk1"/>
-            </a:lnRef>
-            <a:fillRef idx="0">
-              <a:schemeClr val="dk1"/>
-            </a:fillRef>
-            <a:effectRef idx="1">
-              <a:schemeClr val="dk1"/>
-            </a:effectRef>
-            <a:fontRef idx="minor">
-              <a:schemeClr val="tx1"/>
-            </a:fontRef>
-          </p:style>
-        </p:cxnSp>
-        <p:cxnSp>
-          <p:nvCxnSpPr>
-            <p:cNvPr id="61" name="カギ線コネクタ 60">
-              <a:extLst>
-                <a:ext uri="{FF2B5EF4-FFF2-40B4-BE49-F238E27FC236}">
-                  <a16:creationId xmlns:a16="http://schemas.microsoft.com/office/drawing/2014/main" id="{D73E586E-47FA-D9CB-33D0-B4E24682397D}"/>
-                </a:ext>
-              </a:extLst>
-            </p:cNvPr>
-            <p:cNvCxnSpPr>
-              <a:cxnSpLocks/>
-              <a:stCxn id="56" idx="3"/>
-              <a:endCxn id="57" idx="2"/>
-            </p:cNvCxnSpPr>
-            <p:nvPr/>
-          </p:nvCxnSpPr>
-          <p:spPr>
-            <a:xfrm flipV="1">
-              <a:off x="6889897" y="3796266"/>
-              <a:ext cx="1365576" cy="224594"/>
-            </a:xfrm>
-            <a:prstGeom prst="bentConnector2">
-              <a:avLst/>
-            </a:prstGeom>
-            <a:ln>
-              <a:tailEnd type="triangle"/>
-            </a:ln>
-          </p:spPr>
-          <p:style>
-            <a:lnRef idx="2">
-              <a:schemeClr val="dk1"/>
-            </a:lnRef>
-            <a:fillRef idx="0">
-              <a:schemeClr val="dk1"/>
-            </a:fillRef>
-            <a:effectRef idx="1">
-              <a:schemeClr val="dk1"/>
-            </a:effectRef>
-            <a:fontRef idx="minor">
-              <a:schemeClr val="tx1"/>
-            </a:fontRef>
-          </p:style>
-        </p:cxnSp>
-        <mc:AlternateContent xmlns:mc="http://schemas.openxmlformats.org/markup-compatibility/2006" xmlns:a14="http://schemas.microsoft.com/office/drawing/2010/main">
-          <mc:Choice Requires="a14">
-            <p:sp>
-              <p:nvSpPr>
-                <p:cNvPr id="62" name="テキスト ボックス 61">
-                  <a:extLst>
-                    <a:ext uri="{FF2B5EF4-FFF2-40B4-BE49-F238E27FC236}">
-                      <a16:creationId xmlns:a16="http://schemas.microsoft.com/office/drawing/2014/main" id="{AFB13473-AECD-22C3-F0CD-EEA0D237464E}"/>
-                    </a:ext>
-                  </a:extLst>
-                </p:cNvPr>
-                <p:cNvSpPr txBox="1"/>
-                <p:nvPr/>
-              </p:nvSpPr>
-              <p:spPr>
-                <a:xfrm>
-                  <a:off x="7589471" y="2447527"/>
-                  <a:ext cx="513346" cy="369332"/>
-                </a:xfrm>
-                <a:prstGeom prst="rect">
-                  <a:avLst/>
-                </a:prstGeom>
-                <a:noFill/>
-              </p:spPr>
-              <p:txBody>
-                <a:bodyPr wrap="square" rtlCol="0">
-                  <a:spAutoFit/>
-                </a:bodyPr>
-                <a:lstStyle/>
-                <a:p>
-                  <a:pPr/>
-                  <a14:m>
-                    <m:oMathPara xmlns:m="http://schemas.openxmlformats.org/officeDocument/2006/math">
-                      <m:oMathParaPr>
-                        <m:jc m:val="centerGroup"/>
-                      </m:oMathParaPr>
-                      <m:oMath xmlns:m="http://schemas.openxmlformats.org/officeDocument/2006/math">
-                        <m:sSub>
-                          <m:sSubPr>
-                            <m:ctrlPr>
-                              <a:rPr kumimoji="1" lang="en-US" altLang="ja-JP" i="1" smtClean="0">
-                                <a:latin typeface="Cambria Math" panose="02040503050406030204" pitchFamily="18" charset="0"/>
-                              </a:rPr>
-                            </m:ctrlPr>
-                          </m:sSubPr>
-                          <m:e>
-                            <m:r>
-                              <a:rPr kumimoji="1" lang="en-US" altLang="ja-JP" b="0" i="1" smtClean="0">
-                                <a:latin typeface="Cambria Math" panose="02040503050406030204" pitchFamily="18" charset="0"/>
-                              </a:rPr>
-                              <m:t>𝑅</m:t>
-                            </m:r>
-                          </m:e>
-                          <m:sub>
-                            <m:r>
-                              <a:rPr kumimoji="1" lang="en-US" altLang="ja-JP" b="0" i="1" smtClean="0">
-                                <a:latin typeface="Cambria Math" panose="02040503050406030204" pitchFamily="18" charset="0"/>
-                              </a:rPr>
-                              <m:t>𝑎</m:t>
-                            </m:r>
-                          </m:sub>
-                        </m:sSub>
-                      </m:oMath>
-                    </m:oMathPara>
-                  </a14:m>
-                  <a:endParaRPr kumimoji="1" lang="ja-JP" altLang="en-US"/>
-                </a:p>
-              </p:txBody>
-            </p:sp>
-          </mc:Choice>
-          <mc:Fallback xmlns="">
-            <p:sp>
-              <p:nvSpPr>
-                <p:cNvPr id="13" name="テキスト ボックス 12">
-                  <a:extLst>
-                    <a:ext uri="{FF2B5EF4-FFF2-40B4-BE49-F238E27FC236}">
-                      <a16:creationId xmlns:a16="http://schemas.microsoft.com/office/drawing/2014/main" id="{5F99FF0D-55C5-4ECF-2F99-505147AAD403}"/>
-                    </a:ext>
-                  </a:extLst>
-                </p:cNvPr>
-                <p:cNvSpPr txBox="1">
-                  <a:spLocks noRot="1" noChangeAspect="1" noMove="1" noResize="1" noEditPoints="1" noAdjustHandles="1" noChangeArrowheads="1" noChangeShapeType="1" noTextEdit="1"/>
-                </p:cNvSpPr>
-                <p:nvPr/>
-              </p:nvSpPr>
-              <p:spPr>
-                <a:xfrm>
-                  <a:off x="7589471" y="2447527"/>
-                  <a:ext cx="513346" cy="369332"/>
-                </a:xfrm>
-                <a:prstGeom prst="rect">
-                  <a:avLst/>
-                </a:prstGeom>
-                <a:blipFill>
-                  <a:blip r:embed="rId9"/>
-                  <a:stretch>
-                    <a:fillRect/>
-                  </a:stretch>
-                </a:blipFill>
-              </p:spPr>
-              <p:txBody>
-                <a:bodyPr/>
-                <a:lstStyle/>
-                <a:p>
-                  <a:r>
-                    <a:rPr lang="ja-JP" altLang="en-US">
-                      <a:noFill/>
-                    </a:rPr>
-                    <a:t> </a:t>
-                  </a:r>
-                </a:p>
-              </p:txBody>
-            </p:sp>
-          </mc:Fallback>
-        </mc:AlternateContent>
-        <mc:AlternateContent xmlns:mc="http://schemas.openxmlformats.org/markup-compatibility/2006" xmlns:a14="http://schemas.microsoft.com/office/drawing/2010/main">
-          <mc:Choice Requires="a14">
-            <p:sp>
-              <p:nvSpPr>
-                <p:cNvPr id="63" name="テキスト ボックス 62">
-                  <a:extLst>
-                    <a:ext uri="{FF2B5EF4-FFF2-40B4-BE49-F238E27FC236}">
-                      <a16:creationId xmlns:a16="http://schemas.microsoft.com/office/drawing/2014/main" id="{528612F8-DB7D-DE61-56A3-23FB68F0A1C0}"/>
-                    </a:ext>
-                  </a:extLst>
-                </p:cNvPr>
-                <p:cNvSpPr txBox="1"/>
-                <p:nvPr/>
-              </p:nvSpPr>
-              <p:spPr>
-                <a:xfrm>
-                  <a:off x="7619628" y="3984791"/>
-                  <a:ext cx="345864" cy="369332"/>
-                </a:xfrm>
-                <a:prstGeom prst="rect">
-                  <a:avLst/>
-                </a:prstGeom>
-                <a:noFill/>
-              </p:spPr>
-              <p:txBody>
-                <a:bodyPr wrap="square" rtlCol="0">
-                  <a:spAutoFit/>
-                </a:bodyPr>
-                <a:lstStyle/>
-                <a:p>
-                  <a:pPr/>
-                  <a14:m>
-                    <m:oMathPara xmlns:m="http://schemas.openxmlformats.org/officeDocument/2006/math">
-                      <m:oMathParaPr>
-                        <m:jc m:val="centerGroup"/>
-                      </m:oMathParaPr>
-                      <m:oMath xmlns:m="http://schemas.openxmlformats.org/officeDocument/2006/math">
-                        <m:r>
-                          <a:rPr kumimoji="1" lang="en-US" altLang="ja-JP" b="0" i="1" smtClean="0">
-                            <a:latin typeface="Cambria Math" panose="02040503050406030204" pitchFamily="18" charset="0"/>
-                          </a:rPr>
-                          <m:t>𝐼</m:t>
-                        </m:r>
-                      </m:oMath>
-                    </m:oMathPara>
-                  </a14:m>
-                  <a:endParaRPr kumimoji="1" lang="ja-JP" altLang="en-US"/>
-                </a:p>
-              </p:txBody>
-            </p:sp>
-          </mc:Choice>
-          <mc:Fallback xmlns="">
-            <p:sp>
-              <p:nvSpPr>
-                <p:cNvPr id="14" name="テキスト ボックス 13">
-                  <a:extLst>
-                    <a:ext uri="{FF2B5EF4-FFF2-40B4-BE49-F238E27FC236}">
-                      <a16:creationId xmlns:a16="http://schemas.microsoft.com/office/drawing/2014/main" id="{1CCA9E03-B3FB-A11B-6E43-837F144C10D3}"/>
-                    </a:ext>
-                  </a:extLst>
-                </p:cNvPr>
-                <p:cNvSpPr txBox="1">
-                  <a:spLocks noRot="1" noChangeAspect="1" noMove="1" noResize="1" noEditPoints="1" noAdjustHandles="1" noChangeArrowheads="1" noChangeShapeType="1" noTextEdit="1"/>
-                </p:cNvSpPr>
-                <p:nvPr/>
-              </p:nvSpPr>
-              <p:spPr>
-                <a:xfrm>
-                  <a:off x="7619628" y="3984791"/>
-                  <a:ext cx="345864" cy="369332"/>
-                </a:xfrm>
-                <a:prstGeom prst="rect">
-                  <a:avLst/>
-                </a:prstGeom>
-                <a:blipFill>
-                  <a:blip r:embed="rId10"/>
-                  <a:stretch>
-                    <a:fillRect/>
-                  </a:stretch>
-                </a:blipFill>
-              </p:spPr>
-              <p:txBody>
-                <a:bodyPr/>
-                <a:lstStyle/>
-                <a:p>
-                  <a:r>
-                    <a:rPr lang="ja-JP" altLang="en-US">
-                      <a:noFill/>
-                    </a:rPr>
-                    <a:t> </a:t>
-                  </a:r>
-                </a:p>
-              </p:txBody>
-            </p:sp>
-          </mc:Fallback>
-        </mc:AlternateContent>
-        <p:cxnSp>
-          <p:nvCxnSpPr>
-            <p:cNvPr id="64" name="直線矢印コネクタ 63">
-              <a:extLst>
-                <a:ext uri="{FF2B5EF4-FFF2-40B4-BE49-F238E27FC236}">
-                  <a16:creationId xmlns:a16="http://schemas.microsoft.com/office/drawing/2014/main" id="{1E5E0C58-874C-92D3-08D7-582D6BA2CAC3}"/>
-                </a:ext>
-              </a:extLst>
-            </p:cNvPr>
-            <p:cNvCxnSpPr>
-              <a:cxnSpLocks/>
-            </p:cNvCxnSpPr>
-            <p:nvPr/>
-          </p:nvCxnSpPr>
-          <p:spPr>
-            <a:xfrm>
-              <a:off x="3050396" y="4020860"/>
-              <a:ext cx="1886652" cy="12700"/>
-            </a:xfrm>
-            <a:prstGeom prst="straightConnector1">
-              <a:avLst/>
-            </a:prstGeom>
-            <a:ln>
-              <a:round/>
-              <a:tailEnd type="triangle"/>
-            </a:ln>
-          </p:spPr>
-          <p:style>
-            <a:lnRef idx="2">
-              <a:schemeClr val="dk1"/>
-            </a:lnRef>
-            <a:fillRef idx="0">
-              <a:schemeClr val="dk1"/>
-            </a:fillRef>
-            <a:effectRef idx="1">
-              <a:schemeClr val="dk1"/>
-            </a:effectRef>
-            <a:fontRef idx="minor">
-              <a:schemeClr val="tx1"/>
-            </a:fontRef>
-          </p:style>
-        </p:cxnSp>
-        <mc:AlternateContent xmlns:mc="http://schemas.openxmlformats.org/markup-compatibility/2006" xmlns:a14="http://schemas.microsoft.com/office/drawing/2010/main">
-          <mc:Choice Requires="a14">
-            <p:sp>
-              <p:nvSpPr>
-                <p:cNvPr id="65" name="テキスト ボックス 64">
-                  <a:extLst>
-                    <a:ext uri="{FF2B5EF4-FFF2-40B4-BE49-F238E27FC236}">
-                      <a16:creationId xmlns:a16="http://schemas.microsoft.com/office/drawing/2014/main" id="{DB1AC2A1-FFA9-4872-D2C9-308975BDEA76}"/>
-                    </a:ext>
-                  </a:extLst>
-                </p:cNvPr>
-                <p:cNvSpPr txBox="1"/>
-                <p:nvPr/>
-              </p:nvSpPr>
-              <p:spPr>
-                <a:xfrm>
-                  <a:off x="3176208" y="3631564"/>
-                  <a:ext cx="461858" cy="276999"/>
-                </a:xfrm>
-                <a:prstGeom prst="rect">
-                  <a:avLst/>
-                </a:prstGeom>
-                <a:noFill/>
-              </p:spPr>
-              <p:txBody>
-                <a:bodyPr wrap="square" lIns="0" tIns="0" rIns="0" bIns="0" rtlCol="0">
-                  <a:spAutoFit/>
-                </a:bodyPr>
-                <a:lstStyle/>
-                <a:p>
-                  <a:pPr/>
-                  <a14:m>
-                    <m:oMathPara xmlns:m="http://schemas.openxmlformats.org/officeDocument/2006/math">
-                      <m:oMathParaPr>
-                        <m:jc m:val="centerGroup"/>
-                      </m:oMathParaPr>
-                      <m:oMath xmlns:m="http://schemas.openxmlformats.org/officeDocument/2006/math">
-                        <m:sSub>
-                          <m:sSubPr>
-                            <m:ctrlPr>
-                              <a:rPr kumimoji="1" lang="en-US" altLang="ja-JP" i="1" smtClean="0">
-                                <a:latin typeface="Cambria Math" panose="02040503050406030204" pitchFamily="18" charset="0"/>
-                              </a:rPr>
-                            </m:ctrlPr>
-                          </m:sSubPr>
-                          <m:e>
-                            <m:r>
-                              <a:rPr kumimoji="1" lang="en-US" altLang="ja-JP" b="0" i="1" smtClean="0">
-                                <a:latin typeface="Cambria Math" panose="02040503050406030204" pitchFamily="18" charset="0"/>
-                              </a:rPr>
-                              <m:t>𝑢</m:t>
-                            </m:r>
-                          </m:e>
-                          <m:sub>
-                            <m:r>
-                              <a:rPr kumimoji="1" lang="en-US" altLang="ja-JP" b="0" i="1" smtClean="0">
-                                <a:latin typeface="Cambria Math" panose="02040503050406030204" pitchFamily="18" charset="0"/>
-                              </a:rPr>
-                              <m:t>𝑖𝑛𝑠</m:t>
-                            </m:r>
-                          </m:sub>
-                        </m:sSub>
-                      </m:oMath>
-                    </m:oMathPara>
-                  </a14:m>
-                  <a:endParaRPr kumimoji="1" lang="ja-JP" altLang="en-US"/>
-                </a:p>
-              </p:txBody>
-            </p:sp>
-          </mc:Choice>
-          <mc:Fallback xmlns="">
-            <p:sp>
-              <p:nvSpPr>
-                <p:cNvPr id="17" name="テキスト ボックス 16">
-                  <a:extLst>
-                    <a:ext uri="{FF2B5EF4-FFF2-40B4-BE49-F238E27FC236}">
-                      <a16:creationId xmlns:a16="http://schemas.microsoft.com/office/drawing/2014/main" id="{B0B1FFBF-8BEE-8990-8E12-3F069AC84244}"/>
-                    </a:ext>
-                  </a:extLst>
-                </p:cNvPr>
-                <p:cNvSpPr txBox="1">
-                  <a:spLocks noRot="1" noChangeAspect="1" noMove="1" noResize="1" noEditPoints="1" noAdjustHandles="1" noChangeArrowheads="1" noChangeShapeType="1" noTextEdit="1"/>
-                </p:cNvSpPr>
-                <p:nvPr/>
-              </p:nvSpPr>
-              <p:spPr>
-                <a:xfrm>
-                  <a:off x="3176208" y="3631564"/>
-                  <a:ext cx="461858" cy="276999"/>
-                </a:xfrm>
-                <a:prstGeom prst="rect">
-                  <a:avLst/>
-                </a:prstGeom>
-                <a:blipFill>
-                  <a:blip r:embed="rId11"/>
-                  <a:stretch>
-                    <a:fillRect/>
-                  </a:stretch>
-                </a:blipFill>
-              </p:spPr>
-              <p:txBody>
-                <a:bodyPr/>
-                <a:lstStyle/>
-                <a:p>
-                  <a:r>
-                    <a:rPr lang="ja-JP" altLang="en-US">
-                      <a:noFill/>
-                    </a:rPr>
-                    <a:t> </a:t>
-                  </a:r>
-                </a:p>
-              </p:txBody>
-            </p:sp>
-          </mc:Fallback>
-        </mc:AlternateContent>
-        <p:cxnSp>
-          <p:nvCxnSpPr>
-            <p:cNvPr id="66" name="直線矢印コネクタ 65">
-              <a:extLst>
-                <a:ext uri="{FF2B5EF4-FFF2-40B4-BE49-F238E27FC236}">
-                  <a16:creationId xmlns:a16="http://schemas.microsoft.com/office/drawing/2014/main" id="{8D51C55F-82D6-0922-2943-3C79AEBB302C}"/>
-                </a:ext>
-              </a:extLst>
-            </p:cNvPr>
-            <p:cNvCxnSpPr>
-              <a:cxnSpLocks/>
-            </p:cNvCxnSpPr>
-            <p:nvPr/>
-          </p:nvCxnSpPr>
-          <p:spPr>
-            <a:xfrm>
-              <a:off x="9160678" y="3429000"/>
-              <a:ext cx="1482513" cy="0"/>
-            </a:xfrm>
-            <a:prstGeom prst="straightConnector1">
-              <a:avLst/>
-            </a:prstGeom>
-            <a:ln>
-              <a:round/>
-              <a:tailEnd type="triangle"/>
-            </a:ln>
-          </p:spPr>
-          <p:style>
-            <a:lnRef idx="2">
-              <a:schemeClr val="dk1"/>
-            </a:lnRef>
-            <a:fillRef idx="0">
-              <a:schemeClr val="dk1"/>
-            </a:fillRef>
-            <a:effectRef idx="1">
-              <a:schemeClr val="dk1"/>
-            </a:effectRef>
-            <a:fontRef idx="minor">
-              <a:schemeClr val="tx1"/>
-            </a:fontRef>
-          </p:style>
-        </p:cxnSp>
-        <mc:AlternateContent xmlns:mc="http://schemas.openxmlformats.org/markup-compatibility/2006" xmlns:a14="http://schemas.microsoft.com/office/drawing/2010/main">
-          <mc:Choice Requires="a14">
-            <p:sp>
-              <p:nvSpPr>
-                <p:cNvPr id="67" name="テキスト ボックス 66">
-                  <a:extLst>
-                    <a:ext uri="{FF2B5EF4-FFF2-40B4-BE49-F238E27FC236}">
-                      <a16:creationId xmlns:a16="http://schemas.microsoft.com/office/drawing/2014/main" id="{A0604F26-475E-95AC-A46C-81388D833BAD}"/>
-                    </a:ext>
-                  </a:extLst>
-                </p:cNvPr>
-                <p:cNvSpPr txBox="1"/>
-                <p:nvPr/>
-              </p:nvSpPr>
-              <p:spPr>
-                <a:xfrm>
-                  <a:off x="9901934" y="3152001"/>
-                  <a:ext cx="221727" cy="276999"/>
-                </a:xfrm>
-                <a:prstGeom prst="rect">
-                  <a:avLst/>
-                </a:prstGeom>
-                <a:noFill/>
-              </p:spPr>
-              <p:txBody>
-                <a:bodyPr wrap="square" lIns="0" tIns="0" rIns="0" bIns="0" rtlCol="0">
-                  <a:spAutoFit/>
-                </a:bodyPr>
-                <a:lstStyle/>
-                <a:p>
-                  <a:pPr/>
-                  <a14:m>
-                    <m:oMathPara xmlns:m="http://schemas.openxmlformats.org/officeDocument/2006/math">
-                      <m:oMathParaPr>
-                        <m:jc m:val="centerGroup"/>
-                      </m:oMathParaPr>
-                      <m:oMath xmlns:m="http://schemas.openxmlformats.org/officeDocument/2006/math">
-                        <m:r>
-                          <a:rPr kumimoji="1" lang="en-US" altLang="ja-JP" b="0" i="1" smtClean="0">
-                            <a:latin typeface="Cambria Math" panose="02040503050406030204" pitchFamily="18" charset="0"/>
-                          </a:rPr>
-                          <m:t>𝐺</m:t>
-                        </m:r>
-                      </m:oMath>
-                    </m:oMathPara>
-                  </a14:m>
-                  <a:endParaRPr kumimoji="1" lang="ja-JP" altLang="en-US"/>
-                </a:p>
-              </p:txBody>
-            </p:sp>
-          </mc:Choice>
-          <mc:Fallback xmlns="">
-            <p:sp>
-              <p:nvSpPr>
-                <p:cNvPr id="20" name="テキスト ボックス 19">
-                  <a:extLst>
-                    <a:ext uri="{FF2B5EF4-FFF2-40B4-BE49-F238E27FC236}">
-                      <a16:creationId xmlns:a16="http://schemas.microsoft.com/office/drawing/2014/main" id="{812E6A73-63FC-A4CB-46EB-D73C5078096B}"/>
-                    </a:ext>
-                  </a:extLst>
-                </p:cNvPr>
-                <p:cNvSpPr txBox="1">
-                  <a:spLocks noRot="1" noChangeAspect="1" noMove="1" noResize="1" noEditPoints="1" noAdjustHandles="1" noChangeArrowheads="1" noChangeShapeType="1" noTextEdit="1"/>
-                </p:cNvSpPr>
-                <p:nvPr/>
-              </p:nvSpPr>
-              <p:spPr>
-                <a:xfrm>
-                  <a:off x="9901934" y="3152001"/>
-                  <a:ext cx="221727" cy="276999"/>
-                </a:xfrm>
-                <a:prstGeom prst="rect">
-                  <a:avLst/>
-                </a:prstGeom>
-                <a:blipFill>
-                  <a:blip r:embed="rId12"/>
-                  <a:stretch>
-                    <a:fillRect l="-14286" r="-4762"/>
-                  </a:stretch>
-                </a:blipFill>
-              </p:spPr>
-              <p:txBody>
-                <a:bodyPr/>
-                <a:lstStyle/>
-                <a:p>
-                  <a:r>
-                    <a:rPr lang="ja-JP" altLang="en-US">
-                      <a:noFill/>
-                    </a:rPr>
-                    <a:t> </a:t>
-                  </a:r>
-                </a:p>
-              </p:txBody>
-            </p:sp>
-          </mc:Fallback>
-        </mc:AlternateContent>
-      </p:grpSp>
-      <mc:AlternateContent xmlns:mc="http://schemas.openxmlformats.org/markup-compatibility/2006">
-        <mc:Choice xmlns:a14="http://schemas.microsoft.com/office/drawing/2010/main" Requires="a14">
-          <p:sp>
-            <p:nvSpPr>
-              <p:cNvPr id="68" name="TextBox 405">
-                <a:extLst>
-                  <a:ext uri="{FF2B5EF4-FFF2-40B4-BE49-F238E27FC236}">
-                    <a16:creationId xmlns:a16="http://schemas.microsoft.com/office/drawing/2014/main" id="{128C3838-9FFB-3854-F7DF-754E07F44FF4}"/>
-                  </a:ext>
-                </a:extLst>
-              </p:cNvPr>
-              <p:cNvSpPr txBox="1"/>
-              <p:nvPr/>
-            </p:nvSpPr>
-            <p:spPr>
-              <a:xfrm>
-                <a:off x="9634996" y="17907400"/>
-                <a:ext cx="8123621" cy="884281"/>
-              </a:xfrm>
-              <a:prstGeom prst="rect">
-                <a:avLst/>
-              </a:prstGeom>
-              <a:noFill/>
-            </p:spPr>
-            <p:txBody>
-              <a:bodyPr wrap="square" lIns="0" tIns="0" rIns="0" bIns="0" rtlCol="0">
-                <a:spAutoFit/>
-              </a:bodyPr>
-              <a:lstStyle/>
-              <a:p>
-                <a:pPr/>
-                <a14:m>
-                  <m:oMathPara xmlns:m="http://schemas.openxmlformats.org/officeDocument/2006/math">
-                    <m:oMathParaPr>
-                      <m:jc m:val="centerGroup"/>
-                    </m:oMathParaPr>
-                    <m:oMath xmlns:m="http://schemas.openxmlformats.org/officeDocument/2006/math">
-                      <m:r>
-                        <a:rPr lang="en-US" b="0" i="1" smtClean="0">
-                          <a:latin typeface="Cambria Math" panose="02040503050406030204" pitchFamily="18" charset="0"/>
-                        </a:rPr>
-                        <m:t>𝑥</m:t>
-                      </m:r>
-                      <m:d>
-                        <m:dPr>
-                          <m:ctrlPr>
-                            <a:rPr lang="en-US" b="0" i="1" smtClean="0">
-                              <a:latin typeface="Cambria Math" panose="02040503050406030204" pitchFamily="18" charset="0"/>
-                            </a:rPr>
-                          </m:ctrlPr>
-                        </m:dPr>
-                        <m:e>
-                          <m:r>
-                            <a:rPr lang="en-US" b="0" i="1" smtClean="0">
-                              <a:latin typeface="Cambria Math" panose="02040503050406030204" pitchFamily="18" charset="0"/>
-                            </a:rPr>
-                            <m:t>𝑘</m:t>
-                          </m:r>
-                          <m:r>
-                            <a:rPr lang="en-US" b="0" i="1" smtClean="0">
-                              <a:latin typeface="Cambria Math" panose="02040503050406030204" pitchFamily="18" charset="0"/>
-                            </a:rPr>
-                            <m:t>+1</m:t>
-                          </m:r>
-                        </m:e>
-                      </m:d>
-                      <m:r>
-                        <a:rPr lang="en-US" i="1" smtClean="0">
-                          <a:latin typeface="Cambria Math" panose="02040503050406030204" pitchFamily="18" charset="0"/>
-                        </a:rPr>
-                        <m:t>=</m:t>
-                      </m:r>
-                      <m:d>
-                        <m:dPr>
-                          <m:begChr m:val="{"/>
-                          <m:endChr m:val=""/>
-                          <m:ctrlPr>
-                            <a:rPr lang="en-US" i="1" smtClean="0">
-                              <a:latin typeface="Cambria Math" panose="02040503050406030204" pitchFamily="18" charset="0"/>
-                            </a:rPr>
-                          </m:ctrlPr>
-                        </m:dPr>
-                        <m:e>
-                          <m:eqArr>
-                            <m:eqArrPr>
-                              <m:ctrlPr>
-                                <a:rPr lang="en-US" i="1" smtClean="0">
-                                  <a:latin typeface="Cambria Math" panose="02040503050406030204" pitchFamily="18" charset="0"/>
-                                </a:rPr>
-                              </m:ctrlPr>
-                            </m:eqArrPr>
-                            <m:e>
-                              <m:r>
-                                <a:rPr lang="en-US" i="1" smtClean="0">
-                                  <a:latin typeface="Cambria Math" panose="02040503050406030204" pitchFamily="18" charset="0"/>
-                                </a:rPr>
-                                <m:t>&amp;</m:t>
-                              </m:r>
-                              <m:r>
-                                <a:rPr lang="en-US" b="0" i="1" smtClean="0">
-                                  <a:latin typeface="Cambria Math" panose="02040503050406030204" pitchFamily="18" charset="0"/>
-                                </a:rPr>
-                                <m:t>𝜓</m:t>
-                              </m:r>
-                              <m:d>
-                                <m:dPr>
-                                  <m:ctrlPr>
-                                    <a:rPr lang="en-US" b="0" i="1" smtClean="0">
-                                      <a:latin typeface="Cambria Math" panose="02040503050406030204" pitchFamily="18" charset="0"/>
-                                    </a:rPr>
-                                  </m:ctrlPr>
-                                </m:dPr>
-                                <m:e>
-                                  <m:r>
-                                    <a:rPr lang="en-US" b="0" i="1" smtClean="0">
-                                      <a:latin typeface="Cambria Math" panose="02040503050406030204" pitchFamily="18" charset="0"/>
-                                    </a:rPr>
-                                    <m:t>𝑥</m:t>
-                                  </m:r>
-                                  <m:d>
-                                    <m:dPr>
-                                      <m:ctrlPr>
-                                        <a:rPr lang="en-US" b="0" i="1" smtClean="0">
-                                          <a:latin typeface="Cambria Math" panose="02040503050406030204" pitchFamily="18" charset="0"/>
-                                        </a:rPr>
-                                      </m:ctrlPr>
-                                    </m:dPr>
-                                    <m:e>
-                                      <m:r>
-                                        <a:rPr lang="en-US" b="0" i="1" smtClean="0">
-                                          <a:latin typeface="Cambria Math" panose="02040503050406030204" pitchFamily="18" charset="0"/>
-                                        </a:rPr>
-                                        <m:t>𝑘</m:t>
-                                      </m:r>
-                                    </m:e>
-                                  </m:d>
-                                  <m:r>
-                                    <a:rPr lang="en-US" b="0" i="1" smtClean="0">
-                                      <a:latin typeface="Cambria Math" panose="02040503050406030204" pitchFamily="18" charset="0"/>
-                                    </a:rPr>
-                                    <m:t>,</m:t>
-                                  </m:r>
-                                  <m:r>
-                                    <a:rPr lang="en-US" b="0" i="1" smtClean="0">
-                                      <a:latin typeface="Cambria Math" panose="02040503050406030204" pitchFamily="18" charset="0"/>
-                                    </a:rPr>
-                                    <m:t>𝑢</m:t>
-                                  </m:r>
-                                  <m:d>
-                                    <m:dPr>
-                                      <m:ctrlPr>
-                                        <a:rPr lang="en-US" b="0" i="1" smtClean="0">
-                                          <a:latin typeface="Cambria Math" panose="02040503050406030204" pitchFamily="18" charset="0"/>
-                                        </a:rPr>
-                                      </m:ctrlPr>
-                                    </m:dPr>
-                                    <m:e>
-                                      <m:r>
-                                        <a:rPr lang="en-US" b="0" i="1" smtClean="0">
-                                          <a:latin typeface="Cambria Math" panose="02040503050406030204" pitchFamily="18" charset="0"/>
-                                        </a:rPr>
-                                        <m:t>𝑘</m:t>
-                                      </m:r>
-                                    </m:e>
-                                  </m:d>
-                                  <m:r>
-                                    <a:rPr lang="en-US" b="0" i="1" smtClean="0">
-                                      <a:latin typeface="Cambria Math" panose="02040503050406030204" pitchFamily="18" charset="0"/>
-                                    </a:rPr>
-                                    <m:t>,</m:t>
-                                  </m:r>
-                                  <m:r>
-                                    <a:rPr lang="en-US" b="0" i="1" smtClean="0">
-                                      <a:solidFill>
-                                        <a:srgbClr val="C00000"/>
-                                      </a:solidFill>
-                                      <a:latin typeface="Cambria Math" panose="02040503050406030204" pitchFamily="18" charset="0"/>
-                                    </a:rPr>
-                                    <m:t>𝜃</m:t>
-                                  </m:r>
-                                  <m:r>
-                                    <a:rPr lang="en-US" b="0" i="1" smtClean="0">
-                                      <a:latin typeface="Cambria Math" panose="02040503050406030204" pitchFamily="18" charset="0"/>
-                                    </a:rPr>
-                                    <m:t>,</m:t>
-                                  </m:r>
-                                  <m:sSub>
-                                    <m:sSubPr>
-                                      <m:ctrlPr>
-                                        <a:rPr lang="en-US" b="0" i="1" smtClean="0">
-                                          <a:solidFill>
-                                            <a:srgbClr val="C00000"/>
-                                          </a:solidFill>
-                                          <a:latin typeface="Cambria Math" panose="02040503050406030204" pitchFamily="18" charset="0"/>
-                                        </a:rPr>
-                                      </m:ctrlPr>
-                                    </m:sSubPr>
-                                    <m:e>
-                                      <m:r>
-                                        <a:rPr lang="en-US" b="0" i="1" smtClean="0">
-                                          <a:solidFill>
-                                            <a:srgbClr val="C00000"/>
-                                          </a:solidFill>
-                                          <a:latin typeface="Cambria Math" panose="02040503050406030204" pitchFamily="18" charset="0"/>
-                                        </a:rPr>
-                                        <m:t>𝑘</m:t>
-                                      </m:r>
-                                    </m:e>
-                                    <m:sub>
-                                      <m:r>
-                                        <a:rPr lang="en-US" b="0" i="1" smtClean="0">
-                                          <a:solidFill>
-                                            <a:srgbClr val="C00000"/>
-                                          </a:solidFill>
-                                          <a:latin typeface="Cambria Math" panose="02040503050406030204" pitchFamily="18" charset="0"/>
-                                        </a:rPr>
-                                        <m:t>𝛾</m:t>
-                                      </m:r>
-                                      <m:r>
-                                        <a:rPr lang="en-US" b="0" i="1" smtClean="0">
-                                          <a:solidFill>
-                                            <a:srgbClr val="C00000"/>
-                                          </a:solidFill>
-                                          <a:latin typeface="Cambria Math" panose="02040503050406030204" pitchFamily="18" charset="0"/>
-                                        </a:rPr>
-                                        <m:t>0</m:t>
-                                      </m:r>
-                                    </m:sub>
-                                  </m:sSub>
-                                </m:e>
-                              </m:d>
-                              <m:r>
-                                <a:rPr lang="en-US" b="0" i="1" smtClean="0">
-                                  <a:latin typeface="Cambria Math" panose="02040503050406030204" pitchFamily="18" charset="0"/>
-                                </a:rPr>
-                                <m:t>     </m:t>
-                              </m:r>
-                              <m:r>
-                                <m:rPr>
-                                  <m:sty m:val="p"/>
-                                </m:rPr>
-                                <a:rPr lang="en-US" b="0" i="0" smtClean="0">
-                                  <a:latin typeface="Cambria Math" panose="02040503050406030204" pitchFamily="18" charset="0"/>
-                                </a:rPr>
-                                <m:t>if</m:t>
-                              </m:r>
-                              <m:r>
-                                <a:rPr lang="en-US" b="0" i="1" smtClean="0">
-                                  <a:latin typeface="Cambria Math" panose="02040503050406030204" pitchFamily="18" charset="0"/>
-                                </a:rPr>
-                                <m:t>  </m:t>
-                              </m:r>
-                              <m:sSub>
-                                <m:sSubPr>
-                                  <m:ctrlPr>
-                                    <a:rPr lang="en-US" b="0" i="1" smtClean="0">
-                                      <a:solidFill>
-                                        <a:srgbClr val="C00000"/>
-                                      </a:solidFill>
-                                      <a:latin typeface="Cambria Math" panose="02040503050406030204" pitchFamily="18" charset="0"/>
-                                    </a:rPr>
-                                  </m:ctrlPr>
-                                </m:sSubPr>
-                                <m:e>
-                                  <m:r>
-                                    <a:rPr lang="en-US" b="0" i="1" smtClean="0">
-                                      <a:solidFill>
-                                        <a:srgbClr val="C00000"/>
-                                      </a:solidFill>
-                                      <a:latin typeface="Cambria Math" panose="02040503050406030204" pitchFamily="18" charset="0"/>
-                                    </a:rPr>
-                                    <m:t>𝑞</m:t>
-                                  </m:r>
-                                </m:e>
-                                <m:sub>
-                                  <m:r>
-                                    <a:rPr lang="en-US" b="0" i="1" smtClean="0">
-                                      <a:solidFill>
-                                        <a:srgbClr val="C00000"/>
-                                      </a:solidFill>
-                                      <a:latin typeface="Cambria Math" panose="02040503050406030204" pitchFamily="18" charset="0"/>
-                                    </a:rPr>
-                                    <m:t>1</m:t>
-                                  </m:r>
-                                </m:sub>
-                              </m:sSub>
-                              <m:r>
-                                <a:rPr lang="en-US" b="0" i="1" smtClean="0">
-                                  <a:latin typeface="Cambria Math" panose="02040503050406030204" pitchFamily="18" charset="0"/>
-                                </a:rPr>
-                                <m:t>𝐷</m:t>
-                              </m:r>
-                              <m:d>
-                                <m:dPr>
-                                  <m:ctrlPr>
-                                    <a:rPr lang="en-US" b="0" i="1" smtClean="0">
-                                      <a:latin typeface="Cambria Math" panose="02040503050406030204" pitchFamily="18" charset="0"/>
-                                    </a:rPr>
-                                  </m:ctrlPr>
-                                </m:dPr>
-                                <m:e>
-                                  <m:r>
-                                    <a:rPr lang="en-US" b="0" i="1" smtClean="0">
-                                      <a:latin typeface="Cambria Math" panose="02040503050406030204" pitchFamily="18" charset="0"/>
-                                    </a:rPr>
-                                    <m:t>𝑘</m:t>
-                                  </m:r>
-                                </m:e>
-                              </m:d>
-                              <m:r>
-                                <a:rPr lang="en-US" b="0" i="1" smtClean="0">
-                                  <a:latin typeface="Cambria Math" panose="02040503050406030204" pitchFamily="18" charset="0"/>
-                                </a:rPr>
-                                <m:t>≤</m:t>
-                              </m:r>
-                              <m:r>
-                                <a:rPr lang="en-US" b="0" i="1" smtClean="0">
-                                  <a:latin typeface="Cambria Math" panose="02040503050406030204" pitchFamily="18" charset="0"/>
-                                </a:rPr>
-                                <m:t>𝑆𝑥</m:t>
-                              </m:r>
-                              <m:d>
-                                <m:dPr>
-                                  <m:ctrlPr>
-                                    <a:rPr lang="en-US" b="0" i="1" smtClean="0">
-                                      <a:latin typeface="Cambria Math" panose="02040503050406030204" pitchFamily="18" charset="0"/>
-                                    </a:rPr>
-                                  </m:ctrlPr>
-                                </m:dPr>
-                                <m:e>
-                                  <m:r>
-                                    <a:rPr lang="en-US" b="0" i="1" smtClean="0">
-                                      <a:latin typeface="Cambria Math" panose="02040503050406030204" pitchFamily="18" charset="0"/>
-                                    </a:rPr>
-                                    <m:t>𝑘</m:t>
-                                  </m:r>
-                                </m:e>
-                              </m:d>
-                              <m:r>
-                                <a:rPr lang="en-US" b="0" i="1" smtClean="0">
-                                  <a:latin typeface="Cambria Math" panose="02040503050406030204" pitchFamily="18" charset="0"/>
-                                </a:rPr>
-                                <m:t>&lt;</m:t>
-                              </m:r>
-                              <m:sSub>
-                                <m:sSubPr>
-                                  <m:ctrlPr>
-                                    <a:rPr lang="en-US" b="0" i="1" smtClean="0">
-                                      <a:solidFill>
-                                        <a:srgbClr val="C00000"/>
-                                      </a:solidFill>
-                                      <a:latin typeface="Cambria Math" panose="02040503050406030204" pitchFamily="18" charset="0"/>
-                                    </a:rPr>
-                                  </m:ctrlPr>
-                                </m:sSubPr>
-                                <m:e>
-                                  <m:r>
-                                    <a:rPr lang="en-US" b="0" i="1" smtClean="0">
-                                      <a:solidFill>
-                                        <a:srgbClr val="C00000"/>
-                                      </a:solidFill>
-                                      <a:latin typeface="Cambria Math" panose="02040503050406030204" pitchFamily="18" charset="0"/>
-                                    </a:rPr>
-                                    <m:t>𝑞</m:t>
-                                  </m:r>
-                                </m:e>
-                                <m:sub>
-                                  <m:r>
-                                    <a:rPr lang="en-US" b="0" i="1" smtClean="0">
-                                      <a:solidFill>
-                                        <a:srgbClr val="C00000"/>
-                                      </a:solidFill>
-                                      <a:latin typeface="Cambria Math" panose="02040503050406030204" pitchFamily="18" charset="0"/>
-                                    </a:rPr>
-                                    <m:t>2</m:t>
-                                  </m:r>
-                                </m:sub>
-                              </m:sSub>
-                              <m:r>
-                                <a:rPr lang="en-US" b="0" i="1" smtClean="0">
-                                  <a:latin typeface="Cambria Math" panose="02040503050406030204" pitchFamily="18" charset="0"/>
-                                </a:rPr>
-                                <m:t>𝐷</m:t>
-                              </m:r>
-                              <m:d>
-                                <m:dPr>
-                                  <m:ctrlPr>
-                                    <a:rPr lang="en-US" b="0" i="1" smtClean="0">
-                                      <a:latin typeface="Cambria Math" panose="02040503050406030204" pitchFamily="18" charset="0"/>
-                                    </a:rPr>
-                                  </m:ctrlPr>
-                                </m:dPr>
-                                <m:e>
-                                  <m:r>
-                                    <a:rPr lang="en-US" b="0" i="1" smtClean="0">
-                                      <a:latin typeface="Cambria Math" panose="02040503050406030204" pitchFamily="18" charset="0"/>
-                                    </a:rPr>
-                                    <m:t>𝑘</m:t>
-                                  </m:r>
-                                </m:e>
-                              </m:d>
-                              <m:r>
-                                <a:rPr lang="en-US" b="0" i="1" smtClean="0">
-                                  <a:latin typeface="Cambria Math" panose="02040503050406030204" pitchFamily="18" charset="0"/>
-                                </a:rPr>
-                                <m:t>,</m:t>
-                              </m:r>
-                              <m:r>
-                                <a:rPr lang="ja-JP" altLang="en-US" b="0" i="1" smtClean="0">
-                                  <a:latin typeface="Cambria Math" panose="02040503050406030204" pitchFamily="18" charset="0"/>
-                                </a:rPr>
-                                <m:t>　</m:t>
-                              </m:r>
-                              <m:r>
-                                <a:rPr lang="en-US" altLang="ja-JP" b="0" i="1" smtClean="0">
-                                  <a:latin typeface="Cambria Math" panose="02040503050406030204" pitchFamily="18" charset="0"/>
-                                </a:rPr>
-                                <m:t>(</m:t>
-                              </m:r>
-                              <m:r>
-                                <m:rPr>
-                                  <m:sty m:val="p"/>
-                                </m:rPr>
-                                <a:rPr lang="en-US" altLang="ja-JP" b="0" i="0" smtClean="0">
-                                  <a:latin typeface="Cambria Math" panose="02040503050406030204" pitchFamily="18" charset="0"/>
-                                </a:rPr>
-                                <m:t>mode</m:t>
-                              </m:r>
-                              <m:r>
-                                <a:rPr lang="en-US" altLang="ja-JP" b="0" i="1" smtClean="0">
-                                  <a:latin typeface="Cambria Math" panose="02040503050406030204" pitchFamily="18" charset="0"/>
-                                </a:rPr>
-                                <m:t> 0)</m:t>
-                              </m:r>
-                            </m:e>
-                            <m:e>
-                              <m:r>
-                                <a:rPr lang="en-US" i="1" smtClean="0">
-                                  <a:latin typeface="Cambria Math" panose="02040503050406030204" pitchFamily="18" charset="0"/>
-                                </a:rPr>
-                                <m:t>&amp;</m:t>
-                              </m:r>
-                              <m:r>
-                                <a:rPr lang="en-US" b="0" i="1" smtClean="0">
-                                  <a:latin typeface="Cambria Math" panose="02040503050406030204" pitchFamily="18" charset="0"/>
-                                </a:rPr>
-                                <m:t>𝜓</m:t>
-                              </m:r>
-                              <m:d>
-                                <m:dPr>
-                                  <m:ctrlPr>
-                                    <a:rPr lang="en-US" b="0" i="1" smtClean="0">
-                                      <a:latin typeface="Cambria Math" panose="02040503050406030204" pitchFamily="18" charset="0"/>
-                                    </a:rPr>
-                                  </m:ctrlPr>
-                                </m:dPr>
-                                <m:e>
-                                  <m:r>
-                                    <a:rPr lang="en-US" b="0" i="1" smtClean="0">
-                                      <a:latin typeface="Cambria Math" panose="02040503050406030204" pitchFamily="18" charset="0"/>
-                                    </a:rPr>
-                                    <m:t>𝑥</m:t>
-                                  </m:r>
-                                  <m:d>
-                                    <m:dPr>
-                                      <m:ctrlPr>
-                                        <a:rPr lang="en-US" b="0" i="1" smtClean="0">
-                                          <a:latin typeface="Cambria Math" panose="02040503050406030204" pitchFamily="18" charset="0"/>
-                                        </a:rPr>
-                                      </m:ctrlPr>
-                                    </m:dPr>
-                                    <m:e>
-                                      <m:r>
-                                        <a:rPr lang="en-US" b="0" i="1" smtClean="0">
-                                          <a:latin typeface="Cambria Math" panose="02040503050406030204" pitchFamily="18" charset="0"/>
-                                        </a:rPr>
-                                        <m:t>𝑘</m:t>
-                                      </m:r>
-                                    </m:e>
-                                  </m:d>
-                                  <m:r>
-                                    <a:rPr lang="en-US" b="0" i="1" smtClean="0">
-                                      <a:latin typeface="Cambria Math" panose="02040503050406030204" pitchFamily="18" charset="0"/>
-                                    </a:rPr>
-                                    <m:t>,</m:t>
-                                  </m:r>
-                                  <m:r>
-                                    <a:rPr lang="en-US" b="0" i="1" smtClean="0">
-                                      <a:latin typeface="Cambria Math" panose="02040503050406030204" pitchFamily="18" charset="0"/>
-                                    </a:rPr>
-                                    <m:t>𝑢</m:t>
-                                  </m:r>
-                                  <m:d>
-                                    <m:dPr>
-                                      <m:ctrlPr>
-                                        <a:rPr lang="en-US" b="0" i="1" smtClean="0">
-                                          <a:latin typeface="Cambria Math" panose="02040503050406030204" pitchFamily="18" charset="0"/>
-                                        </a:rPr>
-                                      </m:ctrlPr>
-                                    </m:dPr>
-                                    <m:e>
-                                      <m:r>
-                                        <a:rPr lang="en-US" b="0" i="1" smtClean="0">
-                                          <a:latin typeface="Cambria Math" panose="02040503050406030204" pitchFamily="18" charset="0"/>
-                                        </a:rPr>
-                                        <m:t>𝑘</m:t>
-                                      </m:r>
-                                    </m:e>
-                                  </m:d>
-                                  <m:r>
-                                    <a:rPr lang="en-US" b="0" i="1" smtClean="0">
-                                      <a:latin typeface="Cambria Math" panose="02040503050406030204" pitchFamily="18" charset="0"/>
-                                    </a:rPr>
-                                    <m:t>,</m:t>
-                                  </m:r>
-                                  <m:r>
-                                    <a:rPr lang="en-US" b="0" i="1" smtClean="0">
-                                      <a:solidFill>
-                                        <a:srgbClr val="C00000"/>
-                                      </a:solidFill>
-                                      <a:latin typeface="Cambria Math" panose="02040503050406030204" pitchFamily="18" charset="0"/>
-                                    </a:rPr>
-                                    <m:t>𝜃</m:t>
-                                  </m:r>
-                                  <m:r>
-                                    <a:rPr lang="en-US" b="0" i="1" smtClean="0">
-                                      <a:latin typeface="Cambria Math" panose="02040503050406030204" pitchFamily="18" charset="0"/>
-                                    </a:rPr>
-                                    <m:t>,</m:t>
-                                  </m:r>
-                                  <m:sSub>
-                                    <m:sSubPr>
-                                      <m:ctrlPr>
-                                        <a:rPr lang="en-US" b="0" i="1" smtClean="0">
-                                          <a:solidFill>
-                                            <a:srgbClr val="C00000"/>
-                                          </a:solidFill>
-                                          <a:latin typeface="Cambria Math" panose="02040503050406030204" pitchFamily="18" charset="0"/>
-                                        </a:rPr>
-                                      </m:ctrlPr>
-                                    </m:sSubPr>
-                                    <m:e>
-                                      <m:r>
-                                        <a:rPr lang="en-US" b="0" i="1" smtClean="0">
-                                          <a:solidFill>
-                                            <a:srgbClr val="C00000"/>
-                                          </a:solidFill>
-                                          <a:latin typeface="Cambria Math" panose="02040503050406030204" pitchFamily="18" charset="0"/>
-                                        </a:rPr>
-                                        <m:t>𝑘</m:t>
-                                      </m:r>
-                                    </m:e>
-                                    <m:sub>
-                                      <m:r>
-                                        <a:rPr lang="en-US" b="0" i="1" smtClean="0">
-                                          <a:solidFill>
-                                            <a:srgbClr val="C00000"/>
-                                          </a:solidFill>
-                                          <a:latin typeface="Cambria Math" panose="02040503050406030204" pitchFamily="18" charset="0"/>
-                                        </a:rPr>
-                                        <m:t>𝛾</m:t>
-                                      </m:r>
-                                      <m:r>
-                                        <a:rPr lang="en-US" b="0" i="1" smtClean="0">
-                                          <a:solidFill>
-                                            <a:srgbClr val="C00000"/>
-                                          </a:solidFill>
-                                          <a:latin typeface="Cambria Math" panose="02040503050406030204" pitchFamily="18" charset="0"/>
-                                        </a:rPr>
-                                        <m:t>1</m:t>
-                                      </m:r>
-                                    </m:sub>
-                                  </m:sSub>
-                                </m:e>
-                              </m:d>
-                              <m:r>
-                                <a:rPr lang="en-US" b="0" i="1" smtClean="0">
-                                  <a:latin typeface="Cambria Math" panose="02040503050406030204" pitchFamily="18" charset="0"/>
-                                </a:rPr>
-                                <m:t>     </m:t>
-                              </m:r>
-                              <m:r>
-                                <m:rPr>
-                                  <m:sty m:val="p"/>
-                                </m:rPr>
-                                <a:rPr lang="en-US" b="0" i="0" smtClean="0">
-                                  <a:latin typeface="Cambria Math" panose="02040503050406030204" pitchFamily="18" charset="0"/>
-                                </a:rPr>
-                                <m:t>otherwise</m:t>
-                              </m:r>
-                              <m:r>
-                                <a:rPr lang="en-US" b="0" i="1" smtClean="0">
-                                  <a:latin typeface="Cambria Math" panose="02040503050406030204" pitchFamily="18" charset="0"/>
-                                </a:rPr>
-                                <m:t>,                                   (</m:t>
-                              </m:r>
-                              <m:r>
-                                <m:rPr>
-                                  <m:sty m:val="p"/>
-                                </m:rPr>
-                                <a:rPr lang="en-US" b="0" i="0" smtClean="0">
-                                  <a:latin typeface="Cambria Math" panose="02040503050406030204" pitchFamily="18" charset="0"/>
-                                </a:rPr>
-                                <m:t>mode</m:t>
-                              </m:r>
-                              <m:r>
-                                <a:rPr lang="en-US" b="0" i="1" smtClean="0">
-                                  <a:latin typeface="Cambria Math" panose="02040503050406030204" pitchFamily="18" charset="0"/>
-                                </a:rPr>
-                                <m:t> 1)</m:t>
-                              </m:r>
-                            </m:e>
-                          </m:eqArr>
-                        </m:e>
-                      </m:d>
-                    </m:oMath>
-                  </m:oMathPara>
-                </a14:m>
-                <a:endParaRPr lang="en-JP" dirty="0"/>
-              </a:p>
-            </p:txBody>
-          </p:sp>
-        </mc:Choice>
-        <mc:Fallback>
-          <p:sp>
-            <p:nvSpPr>
-              <p:cNvPr id="68" name="TextBox 405">
-                <a:extLst>
-                  <a:ext uri="{FF2B5EF4-FFF2-40B4-BE49-F238E27FC236}">
-                    <a16:creationId xmlns:a16="http://schemas.microsoft.com/office/drawing/2014/main" id="{128C3838-9FFB-3854-F7DF-754E07F44FF4}"/>
-                  </a:ext>
-                </a:extLst>
-              </p:cNvPr>
-              <p:cNvSpPr txBox="1">
-                <a:spLocks noRot="1" noChangeAspect="1" noMove="1" noResize="1" noEditPoints="1" noAdjustHandles="1" noChangeArrowheads="1" noChangeShapeType="1" noTextEdit="1"/>
-              </p:cNvSpPr>
-              <p:nvPr/>
-            </p:nvSpPr>
-            <p:spPr>
-              <a:xfrm>
-                <a:off x="9634996" y="17907400"/>
-                <a:ext cx="8123621" cy="884281"/>
-              </a:xfrm>
-              <a:prstGeom prst="rect">
-                <a:avLst/>
-              </a:prstGeom>
-              <a:blipFill>
-                <a:blip r:embed="rId13"/>
-                <a:stretch>
-                  <a:fillRect l="-3432" t="-231429" b="-330000"/>
-                </a:stretch>
-              </a:blipFill>
-            </p:spPr>
-            <p:txBody>
-              <a:bodyPr/>
-              <a:lstStyle/>
-              <a:p>
-                <a:r>
-                  <a:rPr lang="ja-JP" altLang="en-US">
-                    <a:noFill/>
-                  </a:rPr>
-                  <a:t> </a:t>
-                </a:r>
-              </a:p>
-            </p:txBody>
-          </p:sp>
-        </mc:Fallback>
-      </mc:AlternateContent>
-      <mc:AlternateContent xmlns:mc="http://schemas.openxmlformats.org/markup-compatibility/2006">
-        <mc:Choice xmlns:a14="http://schemas.microsoft.com/office/drawing/2010/main" Requires="a14">
-          <p:sp>
-            <p:nvSpPr>
-              <p:cNvPr id="69" name="TextBox 383">
-                <a:extLst>
-                  <a:ext uri="{FF2B5EF4-FFF2-40B4-BE49-F238E27FC236}">
-                    <a16:creationId xmlns:a16="http://schemas.microsoft.com/office/drawing/2014/main" id="{79FE7304-F249-43EA-A127-E84EA4DF7CA9}"/>
-                  </a:ext>
-                </a:extLst>
-              </p:cNvPr>
-              <p:cNvSpPr txBox="1"/>
-              <p:nvPr/>
-            </p:nvSpPr>
-            <p:spPr>
-              <a:xfrm>
-                <a:off x="9975891" y="19863608"/>
-                <a:ext cx="4731344" cy="884281"/>
-              </a:xfrm>
-              <a:prstGeom prst="rect">
-                <a:avLst/>
-              </a:prstGeom>
-              <a:noFill/>
-            </p:spPr>
-            <p:txBody>
-              <a:bodyPr wrap="square" lIns="0" tIns="0" rIns="0" bIns="0" rtlCol="0">
-                <a:spAutoFit/>
-              </a:bodyPr>
-              <a:lstStyle/>
-              <a:p>
-                <a:pPr/>
-                <a14:m>
-                  <m:oMathPara xmlns:m="http://schemas.openxmlformats.org/officeDocument/2006/math">
-                    <m:oMathParaPr>
-                      <m:jc m:val="centerGroup"/>
-                    </m:oMathParaPr>
-                    <m:oMath xmlns:m="http://schemas.openxmlformats.org/officeDocument/2006/math">
-                      <m:r>
-                        <a:rPr lang="en-US" b="0" i="1" smtClean="0">
-                          <a:latin typeface="Cambria Math" panose="02040503050406030204" pitchFamily="18" charset="0"/>
-                        </a:rPr>
-                        <m:t>𝑥</m:t>
-                      </m:r>
-                      <m:d>
-                        <m:dPr>
-                          <m:ctrlPr>
-                            <a:rPr lang="en-US" b="0" i="1" smtClean="0">
-                              <a:latin typeface="Cambria Math" panose="02040503050406030204" pitchFamily="18" charset="0"/>
-                            </a:rPr>
-                          </m:ctrlPr>
-                        </m:dPr>
-                        <m:e>
-                          <m:r>
-                            <a:rPr lang="en-US" b="0" i="1" smtClean="0">
-                              <a:latin typeface="Cambria Math" panose="02040503050406030204" pitchFamily="18" charset="0"/>
-                            </a:rPr>
-                            <m:t>𝑘</m:t>
-                          </m:r>
-                          <m:r>
-                            <a:rPr lang="en-US" b="0" i="1" smtClean="0">
-                              <a:latin typeface="Cambria Math" panose="02040503050406030204" pitchFamily="18" charset="0"/>
-                            </a:rPr>
-                            <m:t>+1</m:t>
-                          </m:r>
-                        </m:e>
-                      </m:d>
-                      <m:r>
-                        <a:rPr lang="en-US" i="1" smtClean="0">
-                          <a:latin typeface="Cambria Math" panose="02040503050406030204" pitchFamily="18" charset="0"/>
-                        </a:rPr>
-                        <m:t>=</m:t>
-                      </m:r>
-                      <m:d>
-                        <m:dPr>
-                          <m:begChr m:val="{"/>
-                          <m:endChr m:val=""/>
-                          <m:ctrlPr>
-                            <a:rPr lang="en-US" i="1" smtClean="0">
-                              <a:latin typeface="Cambria Math" panose="02040503050406030204" pitchFamily="18" charset="0"/>
-                            </a:rPr>
-                          </m:ctrlPr>
-                        </m:dPr>
-                        <m:e>
-                          <m:eqArr>
-                            <m:eqArrPr>
-                              <m:ctrlPr>
-                                <a:rPr lang="en-US" i="1" smtClean="0">
-                                  <a:latin typeface="Cambria Math" panose="02040503050406030204" pitchFamily="18" charset="0"/>
-                                </a:rPr>
-                              </m:ctrlPr>
-                            </m:eqArrPr>
-                            <m:e>
-                              <m:r>
-                                <a:rPr lang="en-US" i="1" smtClean="0">
-                                  <a:latin typeface="Cambria Math" panose="02040503050406030204" pitchFamily="18" charset="0"/>
-                                </a:rPr>
-                                <m:t>&amp;</m:t>
-                              </m:r>
-                              <m:r>
-                                <a:rPr lang="en-US" b="0" i="1" smtClean="0">
-                                  <a:latin typeface="Cambria Math" panose="02040503050406030204" pitchFamily="18" charset="0"/>
-                                </a:rPr>
-                                <m:t>𝜓</m:t>
-                              </m:r>
-                              <m:d>
-                                <m:dPr>
-                                  <m:ctrlPr>
-                                    <a:rPr lang="en-US" b="0" i="1" smtClean="0">
-                                      <a:latin typeface="Cambria Math" panose="02040503050406030204" pitchFamily="18" charset="0"/>
-                                    </a:rPr>
-                                  </m:ctrlPr>
-                                </m:dPr>
-                                <m:e>
-                                  <m:r>
-                                    <a:rPr lang="en-US" b="0" i="1" smtClean="0">
-                                      <a:latin typeface="Cambria Math" panose="02040503050406030204" pitchFamily="18" charset="0"/>
-                                    </a:rPr>
-                                    <m:t>𝑥</m:t>
-                                  </m:r>
-                                  <m:d>
-                                    <m:dPr>
-                                      <m:ctrlPr>
-                                        <a:rPr lang="en-US" b="0" i="1" smtClean="0">
-                                          <a:latin typeface="Cambria Math" panose="02040503050406030204" pitchFamily="18" charset="0"/>
-                                        </a:rPr>
-                                      </m:ctrlPr>
-                                    </m:dPr>
-                                    <m:e>
-                                      <m:r>
-                                        <a:rPr lang="en-US" b="0" i="1" smtClean="0">
-                                          <a:latin typeface="Cambria Math" panose="02040503050406030204" pitchFamily="18" charset="0"/>
-                                        </a:rPr>
-                                        <m:t>𝑘</m:t>
-                                      </m:r>
-                                    </m:e>
-                                  </m:d>
-                                  <m:r>
-                                    <a:rPr lang="en-US" b="0" i="1" smtClean="0">
-                                      <a:latin typeface="Cambria Math" panose="02040503050406030204" pitchFamily="18" charset="0"/>
-                                    </a:rPr>
-                                    <m:t>,</m:t>
-                                  </m:r>
-                                  <m:r>
-                                    <a:rPr lang="en-US" b="0" i="1" smtClean="0">
-                                      <a:latin typeface="Cambria Math" panose="02040503050406030204" pitchFamily="18" charset="0"/>
-                                    </a:rPr>
-                                    <m:t>𝑢</m:t>
-                                  </m:r>
-                                  <m:d>
-                                    <m:dPr>
-                                      <m:ctrlPr>
-                                        <a:rPr lang="en-US" b="0" i="1" smtClean="0">
-                                          <a:latin typeface="Cambria Math" panose="02040503050406030204" pitchFamily="18" charset="0"/>
-                                        </a:rPr>
-                                      </m:ctrlPr>
-                                    </m:dPr>
-                                    <m:e>
-                                      <m:r>
-                                        <a:rPr lang="en-US" b="0" i="1" smtClean="0">
-                                          <a:latin typeface="Cambria Math" panose="02040503050406030204" pitchFamily="18" charset="0"/>
-                                        </a:rPr>
-                                        <m:t>𝑘</m:t>
-                                      </m:r>
-                                    </m:e>
-                                  </m:d>
-                                  <m:r>
-                                    <a:rPr lang="en-US" b="0" i="1" smtClean="0">
-                                      <a:latin typeface="Cambria Math" panose="02040503050406030204" pitchFamily="18" charset="0"/>
-                                    </a:rPr>
-                                    <m:t>,</m:t>
-                                  </m:r>
-                                  <m:r>
-                                    <a:rPr lang="en-US" b="0" i="1" smtClean="0">
-                                      <a:solidFill>
-                                        <a:srgbClr val="C00000"/>
-                                      </a:solidFill>
-                                      <a:latin typeface="Cambria Math" panose="02040503050406030204" pitchFamily="18" charset="0"/>
-                                    </a:rPr>
-                                    <m:t>𝜃</m:t>
-                                  </m:r>
-                                  <m:r>
-                                    <a:rPr lang="en-US" b="0" i="1" smtClean="0">
-                                      <a:latin typeface="Cambria Math" panose="02040503050406030204" pitchFamily="18" charset="0"/>
-                                    </a:rPr>
-                                    <m:t>,</m:t>
-                                  </m:r>
-                                  <m:sSub>
-                                    <m:sSubPr>
-                                      <m:ctrlPr>
-                                        <a:rPr lang="en-US" b="0" i="1" smtClean="0">
-                                          <a:solidFill>
-                                            <a:srgbClr val="C00000"/>
-                                          </a:solidFill>
-                                          <a:latin typeface="Cambria Math" panose="02040503050406030204" pitchFamily="18" charset="0"/>
-                                        </a:rPr>
-                                      </m:ctrlPr>
-                                    </m:sSubPr>
-                                    <m:e>
-                                      <m:r>
-                                        <a:rPr lang="en-US" b="0" i="1" smtClean="0">
-                                          <a:solidFill>
-                                            <a:srgbClr val="C00000"/>
-                                          </a:solidFill>
-                                          <a:latin typeface="Cambria Math" panose="02040503050406030204" pitchFamily="18" charset="0"/>
-                                        </a:rPr>
-                                        <m:t>𝑘</m:t>
-                                      </m:r>
-                                    </m:e>
-                                    <m:sub>
-                                      <m:r>
-                                        <a:rPr lang="en-US" b="0" i="1" smtClean="0">
-                                          <a:solidFill>
-                                            <a:srgbClr val="C00000"/>
-                                          </a:solidFill>
-                                          <a:latin typeface="Cambria Math" panose="02040503050406030204" pitchFamily="18" charset="0"/>
-                                        </a:rPr>
-                                        <m:t>𝛾</m:t>
-                                      </m:r>
-                                      <m:r>
-                                        <a:rPr lang="en-US" b="0" i="1" smtClean="0">
-                                          <a:solidFill>
-                                            <a:srgbClr val="C00000"/>
-                                          </a:solidFill>
-                                          <a:latin typeface="Cambria Math" panose="02040503050406030204" pitchFamily="18" charset="0"/>
-                                        </a:rPr>
-                                        <m:t>0</m:t>
-                                      </m:r>
-                                    </m:sub>
-                                  </m:sSub>
-                                </m:e>
-                              </m:d>
-                              <m:r>
-                                <a:rPr lang="en-US" b="0" i="1" smtClean="0">
-                                  <a:latin typeface="Cambria Math" panose="02040503050406030204" pitchFamily="18" charset="0"/>
-                                </a:rPr>
-                                <m:t>     </m:t>
-                              </m:r>
-                              <m:r>
-                                <m:rPr>
-                                  <m:sty m:val="p"/>
-                                </m:rPr>
-                                <a:rPr lang="en-US" b="0" i="0" smtClean="0">
-                                  <a:latin typeface="Cambria Math" panose="02040503050406030204" pitchFamily="18" charset="0"/>
-                                </a:rPr>
-                                <m:t>if</m:t>
-                              </m:r>
-                              <m:r>
-                                <a:rPr lang="en-US" b="0" i="1" smtClean="0">
-                                  <a:latin typeface="Cambria Math" panose="02040503050406030204" pitchFamily="18" charset="0"/>
-                                </a:rPr>
-                                <m:t>  </m:t>
-                              </m:r>
-                              <m:acc>
-                                <m:accPr>
-                                  <m:chr m:val="̂"/>
-                                  <m:ctrlPr>
-                                    <a:rPr lang="en-US" b="0" i="1" smtClean="0">
-                                      <a:latin typeface="Cambria Math" panose="02040503050406030204" pitchFamily="18" charset="0"/>
-                                    </a:rPr>
-                                  </m:ctrlPr>
-                                </m:accPr>
-                                <m:e>
-                                  <m:r>
-                                    <a:rPr lang="en-US" b="0" i="1" smtClean="0">
-                                      <a:latin typeface="Cambria Math" panose="02040503050406030204" pitchFamily="18" charset="0"/>
-                                    </a:rPr>
-                                    <m:t>𝑚</m:t>
-                                  </m:r>
-                                </m:e>
-                              </m:acc>
-                              <m:r>
-                                <a:rPr lang="en-US" b="0" i="1" smtClean="0">
-                                  <a:latin typeface="Cambria Math" panose="02040503050406030204" pitchFamily="18" charset="0"/>
-                                </a:rPr>
-                                <m:t>(</m:t>
-                              </m:r>
-                              <m:r>
-                                <a:rPr lang="en-US" b="0" i="1" smtClean="0">
-                                  <a:latin typeface="Cambria Math" panose="02040503050406030204" pitchFamily="18" charset="0"/>
-                                </a:rPr>
-                                <m:t>𝑘</m:t>
-                              </m:r>
-                              <m:r>
-                                <a:rPr lang="en-US" b="0" i="1" smtClean="0">
-                                  <a:latin typeface="Cambria Math" panose="02040503050406030204" pitchFamily="18" charset="0"/>
-                                </a:rPr>
-                                <m:t>)=0</m:t>
-                              </m:r>
-                            </m:e>
-                            <m:e>
-                              <m:r>
-                                <a:rPr lang="en-US" i="1" smtClean="0">
-                                  <a:latin typeface="Cambria Math" panose="02040503050406030204" pitchFamily="18" charset="0"/>
-                                </a:rPr>
-                                <m:t>&amp;</m:t>
-                              </m:r>
-                              <m:r>
-                                <a:rPr lang="en-US" b="0" i="1" smtClean="0">
-                                  <a:latin typeface="Cambria Math" panose="02040503050406030204" pitchFamily="18" charset="0"/>
-                                </a:rPr>
-                                <m:t>𝜓</m:t>
-                              </m:r>
-                              <m:d>
-                                <m:dPr>
-                                  <m:ctrlPr>
-                                    <a:rPr lang="en-US" b="0" i="1" smtClean="0">
-                                      <a:latin typeface="Cambria Math" panose="02040503050406030204" pitchFamily="18" charset="0"/>
-                                    </a:rPr>
-                                  </m:ctrlPr>
-                                </m:dPr>
-                                <m:e>
-                                  <m:r>
-                                    <a:rPr lang="en-US" b="0" i="1" smtClean="0">
-                                      <a:latin typeface="Cambria Math" panose="02040503050406030204" pitchFamily="18" charset="0"/>
-                                    </a:rPr>
-                                    <m:t>𝑥</m:t>
-                                  </m:r>
-                                  <m:d>
-                                    <m:dPr>
-                                      <m:ctrlPr>
-                                        <a:rPr lang="en-US" b="0" i="1" smtClean="0">
-                                          <a:latin typeface="Cambria Math" panose="02040503050406030204" pitchFamily="18" charset="0"/>
-                                        </a:rPr>
-                                      </m:ctrlPr>
-                                    </m:dPr>
-                                    <m:e>
-                                      <m:r>
-                                        <a:rPr lang="en-US" b="0" i="1" smtClean="0">
-                                          <a:latin typeface="Cambria Math" panose="02040503050406030204" pitchFamily="18" charset="0"/>
-                                        </a:rPr>
-                                        <m:t>𝑘</m:t>
-                                      </m:r>
-                                    </m:e>
-                                  </m:d>
-                                  <m:r>
-                                    <a:rPr lang="en-US" b="0" i="1" smtClean="0">
-                                      <a:latin typeface="Cambria Math" panose="02040503050406030204" pitchFamily="18" charset="0"/>
-                                    </a:rPr>
-                                    <m:t>,</m:t>
-                                  </m:r>
-                                  <m:r>
-                                    <a:rPr lang="en-US" b="0" i="1" smtClean="0">
-                                      <a:latin typeface="Cambria Math" panose="02040503050406030204" pitchFamily="18" charset="0"/>
-                                    </a:rPr>
-                                    <m:t>𝑢</m:t>
-                                  </m:r>
-                                  <m:d>
-                                    <m:dPr>
-                                      <m:ctrlPr>
-                                        <a:rPr lang="en-US" b="0" i="1" smtClean="0">
-                                          <a:latin typeface="Cambria Math" panose="02040503050406030204" pitchFamily="18" charset="0"/>
-                                        </a:rPr>
-                                      </m:ctrlPr>
-                                    </m:dPr>
-                                    <m:e>
-                                      <m:r>
-                                        <a:rPr lang="en-US" b="0" i="1" smtClean="0">
-                                          <a:latin typeface="Cambria Math" panose="02040503050406030204" pitchFamily="18" charset="0"/>
-                                        </a:rPr>
-                                        <m:t>𝑘</m:t>
-                                      </m:r>
-                                    </m:e>
-                                  </m:d>
-                                  <m:r>
-                                    <a:rPr lang="en-US" b="0" i="1" smtClean="0">
-                                      <a:latin typeface="Cambria Math" panose="02040503050406030204" pitchFamily="18" charset="0"/>
-                                    </a:rPr>
-                                    <m:t>,</m:t>
-                                  </m:r>
-                                  <m:r>
-                                    <a:rPr lang="en-US" b="0" i="1" smtClean="0">
-                                      <a:solidFill>
-                                        <a:srgbClr val="C00000"/>
-                                      </a:solidFill>
-                                      <a:latin typeface="Cambria Math" panose="02040503050406030204" pitchFamily="18" charset="0"/>
-                                    </a:rPr>
-                                    <m:t>𝜃</m:t>
-                                  </m:r>
-                                  <m:r>
-                                    <a:rPr lang="en-US" b="0" i="1" smtClean="0">
-                                      <a:latin typeface="Cambria Math" panose="02040503050406030204" pitchFamily="18" charset="0"/>
-                                    </a:rPr>
-                                    <m:t>,</m:t>
-                                  </m:r>
-                                  <m:sSub>
-                                    <m:sSubPr>
-                                      <m:ctrlPr>
-                                        <a:rPr lang="en-US" b="0" i="1" smtClean="0">
-                                          <a:solidFill>
-                                            <a:srgbClr val="C00000"/>
-                                          </a:solidFill>
-                                          <a:latin typeface="Cambria Math" panose="02040503050406030204" pitchFamily="18" charset="0"/>
-                                        </a:rPr>
-                                      </m:ctrlPr>
-                                    </m:sSubPr>
-                                    <m:e>
-                                      <m:r>
-                                        <a:rPr lang="en-US" b="0" i="1" smtClean="0">
-                                          <a:solidFill>
-                                            <a:srgbClr val="C00000"/>
-                                          </a:solidFill>
-                                          <a:latin typeface="Cambria Math" panose="02040503050406030204" pitchFamily="18" charset="0"/>
-                                        </a:rPr>
-                                        <m:t>𝑘</m:t>
-                                      </m:r>
-                                    </m:e>
-                                    <m:sub>
-                                      <m:r>
-                                        <a:rPr lang="en-US" b="0" i="1" smtClean="0">
-                                          <a:solidFill>
-                                            <a:srgbClr val="C00000"/>
-                                          </a:solidFill>
-                                          <a:latin typeface="Cambria Math" panose="02040503050406030204" pitchFamily="18" charset="0"/>
-                                        </a:rPr>
-                                        <m:t>𝛾</m:t>
-                                      </m:r>
-                                      <m:r>
-                                        <a:rPr lang="en-US" b="0" i="1" smtClean="0">
-                                          <a:solidFill>
-                                            <a:srgbClr val="C00000"/>
-                                          </a:solidFill>
-                                          <a:latin typeface="Cambria Math" panose="02040503050406030204" pitchFamily="18" charset="0"/>
-                                        </a:rPr>
-                                        <m:t>1</m:t>
-                                      </m:r>
-                                    </m:sub>
-                                  </m:sSub>
-                                </m:e>
-                              </m:d>
-                              <m:r>
-                                <a:rPr lang="en-US" b="0" i="1" smtClean="0">
-                                  <a:latin typeface="Cambria Math" panose="02040503050406030204" pitchFamily="18" charset="0"/>
-                                </a:rPr>
-                                <m:t>     </m:t>
-                              </m:r>
-                              <m:r>
-                                <m:rPr>
-                                  <m:sty m:val="p"/>
-                                </m:rPr>
-                                <a:rPr lang="en-US" b="0" i="0" smtClean="0">
-                                  <a:latin typeface="Cambria Math" panose="02040503050406030204" pitchFamily="18" charset="0"/>
-                                </a:rPr>
-                                <m:t>if</m:t>
-                              </m:r>
-                              <m:r>
-                                <a:rPr lang="en-US" b="0" i="1" smtClean="0">
-                                  <a:latin typeface="Cambria Math" panose="02040503050406030204" pitchFamily="18" charset="0"/>
-                                </a:rPr>
-                                <m:t>  </m:t>
-                              </m:r>
-                              <m:acc>
-                                <m:accPr>
-                                  <m:chr m:val="̂"/>
-                                  <m:ctrlPr>
-                                    <a:rPr lang="en-US" i="1">
-                                      <a:latin typeface="Cambria Math" panose="02040503050406030204" pitchFamily="18" charset="0"/>
-                                    </a:rPr>
-                                  </m:ctrlPr>
-                                </m:accPr>
-                                <m:e>
-                                  <m:r>
-                                    <a:rPr lang="en-US" i="1">
-                                      <a:latin typeface="Cambria Math" panose="02040503050406030204" pitchFamily="18" charset="0"/>
-                                    </a:rPr>
-                                    <m:t>𝑚</m:t>
-                                  </m:r>
-                                </m:e>
-                              </m:acc>
-                              <m:r>
-                                <a:rPr lang="en-US" i="1">
-                                  <a:latin typeface="Cambria Math" panose="02040503050406030204" pitchFamily="18" charset="0"/>
-                                </a:rPr>
-                                <m:t>(</m:t>
-                              </m:r>
-                              <m:r>
-                                <a:rPr lang="en-US" i="1">
-                                  <a:latin typeface="Cambria Math" panose="02040503050406030204" pitchFamily="18" charset="0"/>
-                                </a:rPr>
-                                <m:t>𝑘</m:t>
-                              </m:r>
-                              <m:r>
-                                <a:rPr lang="en-US" i="1">
-                                  <a:latin typeface="Cambria Math" panose="02040503050406030204" pitchFamily="18" charset="0"/>
-                                </a:rPr>
-                                <m:t>)=1</m:t>
-                              </m:r>
-                            </m:e>
-                          </m:eqArr>
-                        </m:e>
-                      </m:d>
-                    </m:oMath>
-                  </m:oMathPara>
-                </a14:m>
-                <a:endParaRPr lang="en-JP" sz="1600" dirty="0"/>
-              </a:p>
-            </p:txBody>
-          </p:sp>
-        </mc:Choice>
-        <mc:Fallback>
-          <p:sp>
-            <p:nvSpPr>
-              <p:cNvPr id="69" name="TextBox 383">
-                <a:extLst>
-                  <a:ext uri="{FF2B5EF4-FFF2-40B4-BE49-F238E27FC236}">
-                    <a16:creationId xmlns:a16="http://schemas.microsoft.com/office/drawing/2014/main" id="{79FE7304-F249-43EA-A127-E84EA4DF7CA9}"/>
-                  </a:ext>
-                </a:extLst>
-              </p:cNvPr>
-              <p:cNvSpPr txBox="1">
-                <a:spLocks noRot="1" noChangeAspect="1" noMove="1" noResize="1" noEditPoints="1" noAdjustHandles="1" noChangeArrowheads="1" noChangeShapeType="1" noTextEdit="1"/>
-              </p:cNvSpPr>
-              <p:nvPr/>
-            </p:nvSpPr>
-            <p:spPr>
-              <a:xfrm>
-                <a:off x="9975891" y="19863608"/>
-                <a:ext cx="4731344" cy="884281"/>
-              </a:xfrm>
-              <a:prstGeom prst="rect">
-                <a:avLst/>
-              </a:prstGeom>
-              <a:blipFill>
-                <a:blip r:embed="rId14"/>
-                <a:stretch>
-                  <a:fillRect l="-10963" t="-228169" r="-1337" b="-325352"/>
-                </a:stretch>
-              </a:blipFill>
-            </p:spPr>
-            <p:txBody>
-              <a:bodyPr/>
-              <a:lstStyle/>
-              <a:p>
-                <a:r>
-                  <a:rPr lang="ja-JP" altLang="en-US">
-                    <a:noFill/>
-                  </a:rPr>
-                  <a:t> </a:t>
-                </a:r>
-              </a:p>
-            </p:txBody>
-          </p:sp>
-        </mc:Fallback>
-      </mc:AlternateContent>
-      <mc:AlternateContent xmlns:mc="http://schemas.openxmlformats.org/markup-compatibility/2006">
-        <mc:Choice xmlns:a14="http://schemas.microsoft.com/office/drawing/2010/main" Requires="a14">
-          <p:sp>
-            <p:nvSpPr>
-              <p:cNvPr id="70" name="TextBox 384">
-                <a:extLst>
-                  <a:ext uri="{FF2B5EF4-FFF2-40B4-BE49-F238E27FC236}">
-                    <a16:creationId xmlns:a16="http://schemas.microsoft.com/office/drawing/2014/main" id="{FFF121DB-907F-895A-F6C3-DA3C6590CEEC}"/>
-                  </a:ext>
-                </a:extLst>
-              </p:cNvPr>
-              <p:cNvSpPr txBox="1"/>
-              <p:nvPr/>
-            </p:nvSpPr>
-            <p:spPr>
-              <a:xfrm>
-                <a:off x="9975891" y="21970934"/>
-                <a:ext cx="2983810" cy="586699"/>
-              </a:xfrm>
-              <a:prstGeom prst="rect">
-                <a:avLst/>
-              </a:prstGeom>
-              <a:noFill/>
-            </p:spPr>
-            <p:txBody>
-              <a:bodyPr wrap="square" lIns="0" tIns="0" rIns="0" bIns="0" rtlCol="0">
-                <a:spAutoFit/>
-              </a:bodyPr>
-              <a:lstStyle/>
-              <a:p>
-                <a:pPr/>
-                <a14:m>
-                  <m:oMathPara xmlns:m="http://schemas.openxmlformats.org/officeDocument/2006/math">
-                    <m:oMathParaPr>
-                      <m:jc m:val="centerGroup"/>
-                    </m:oMathParaPr>
-                    <m:oMath xmlns:m="http://schemas.openxmlformats.org/officeDocument/2006/math">
-                      <m:sSub>
-                        <m:sSubPr>
-                          <m:ctrlPr>
-                            <a:rPr lang="en-US" b="0" i="1" smtClean="0">
-                              <a:solidFill>
-                                <a:srgbClr val="C00000"/>
-                              </a:solidFill>
-                              <a:latin typeface="Cambria Math" panose="02040503050406030204" pitchFamily="18" charset="0"/>
-                            </a:rPr>
-                          </m:ctrlPr>
-                        </m:sSubPr>
-                        <m:e>
-                          <m:r>
-                            <a:rPr lang="en-US" b="0" i="1" smtClean="0">
-                              <a:solidFill>
-                                <a:srgbClr val="C00000"/>
-                              </a:solidFill>
-                              <a:latin typeface="Cambria Math" panose="02040503050406030204" pitchFamily="18" charset="0"/>
-                            </a:rPr>
-                            <m:t>𝑞</m:t>
-                          </m:r>
-                        </m:e>
-                        <m:sub>
-                          <m:r>
-                            <a:rPr lang="en-US" b="0" i="1" smtClean="0">
-                              <a:solidFill>
-                                <a:srgbClr val="C00000"/>
-                              </a:solidFill>
-                              <a:latin typeface="Cambria Math" panose="02040503050406030204" pitchFamily="18" charset="0"/>
-                            </a:rPr>
-                            <m:t>1</m:t>
-                          </m:r>
-                        </m:sub>
-                      </m:sSub>
-                      <m:r>
-                        <a:rPr lang="en-US" b="0" i="1" smtClean="0">
-                          <a:latin typeface="Cambria Math" panose="02040503050406030204" pitchFamily="18" charset="0"/>
-                        </a:rPr>
-                        <m:t>=</m:t>
-                      </m:r>
-                      <m:f>
-                        <m:fPr>
-                          <m:ctrlPr>
-                            <a:rPr lang="en-US" b="0" i="1" smtClean="0">
-                              <a:latin typeface="Cambria Math" panose="02040503050406030204" pitchFamily="18" charset="0"/>
-                            </a:rPr>
-                          </m:ctrlPr>
-                        </m:fPr>
-                        <m:num>
-                          <m:r>
-                            <a:rPr lang="en-US" b="0" i="1" smtClean="0">
-                              <a:latin typeface="Cambria Math" panose="02040503050406030204" pitchFamily="18" charset="0"/>
-                            </a:rPr>
-                            <m:t>𝑆𝑥</m:t>
-                          </m:r>
-                          <m:d>
-                            <m:dPr>
-                              <m:ctrlPr>
-                                <a:rPr lang="en-US" b="0" i="1" smtClean="0">
-                                  <a:latin typeface="Cambria Math" panose="02040503050406030204" pitchFamily="18" charset="0"/>
-                                </a:rPr>
-                              </m:ctrlPr>
-                            </m:dPr>
-                            <m:e>
-                              <m:sSub>
-                                <m:sSubPr>
-                                  <m:ctrlPr>
-                                    <a:rPr lang="en-US" b="0" i="1" smtClean="0">
-                                      <a:latin typeface="Cambria Math" panose="02040503050406030204" pitchFamily="18" charset="0"/>
-                                    </a:rPr>
-                                  </m:ctrlPr>
-                                </m:sSubPr>
-                                <m:e>
-                                  <m:r>
-                                    <a:rPr lang="en-US" b="0" i="1" smtClean="0">
-                                      <a:latin typeface="Cambria Math" panose="02040503050406030204" pitchFamily="18" charset="0"/>
-                                    </a:rPr>
-                                    <m:t>𝑘</m:t>
-                                  </m:r>
-                                </m:e>
-                                <m:sub>
-                                  <m:r>
-                                    <a:rPr lang="en-US" b="0" i="1" smtClean="0">
-                                      <a:latin typeface="Cambria Math" panose="02040503050406030204" pitchFamily="18" charset="0"/>
-                                    </a:rPr>
-                                    <m:t>01</m:t>
-                                  </m:r>
-                                </m:sub>
-                              </m:sSub>
-                            </m:e>
-                          </m:d>
-                        </m:num>
-                        <m:den>
-                          <m:r>
-                            <a:rPr lang="en-US" b="0" i="1" smtClean="0">
-                              <a:latin typeface="Cambria Math" panose="02040503050406030204" pitchFamily="18" charset="0"/>
-                            </a:rPr>
-                            <m:t>𝐷</m:t>
-                          </m:r>
-                          <m:r>
-                            <a:rPr lang="en-US" b="0" i="1" smtClean="0">
-                              <a:latin typeface="Cambria Math" panose="02040503050406030204" pitchFamily="18" charset="0"/>
-                            </a:rPr>
-                            <m:t>(</m:t>
-                          </m:r>
-                          <m:sSub>
-                            <m:sSubPr>
-                              <m:ctrlPr>
-                                <a:rPr lang="en-US" b="0" i="1" smtClean="0">
-                                  <a:latin typeface="Cambria Math" panose="02040503050406030204" pitchFamily="18" charset="0"/>
-                                </a:rPr>
-                              </m:ctrlPr>
-                            </m:sSubPr>
-                            <m:e>
-                              <m:r>
-                                <a:rPr lang="en-US" b="0" i="1" smtClean="0">
-                                  <a:latin typeface="Cambria Math" panose="02040503050406030204" pitchFamily="18" charset="0"/>
-                                </a:rPr>
-                                <m:t>𝑘</m:t>
-                              </m:r>
-                            </m:e>
-                            <m:sub>
-                              <m:r>
-                                <a:rPr lang="en-US" b="0" i="1" smtClean="0">
-                                  <a:latin typeface="Cambria Math" panose="02040503050406030204" pitchFamily="18" charset="0"/>
-                                </a:rPr>
-                                <m:t>01</m:t>
-                              </m:r>
-                            </m:sub>
-                          </m:sSub>
-                          <m:r>
-                            <a:rPr lang="en-US" b="0" i="1" smtClean="0">
-                              <a:latin typeface="Cambria Math" panose="02040503050406030204" pitchFamily="18" charset="0"/>
-                            </a:rPr>
-                            <m:t>)</m:t>
-                          </m:r>
-                        </m:den>
-                      </m:f>
-                      <m:r>
-                        <a:rPr lang="en-US" b="0" i="1" smtClean="0">
-                          <a:latin typeface="Cambria Math" panose="02040503050406030204" pitchFamily="18" charset="0"/>
-                        </a:rPr>
-                        <m:t>, </m:t>
-                      </m:r>
-                      <m:sSub>
-                        <m:sSubPr>
-                          <m:ctrlPr>
-                            <a:rPr lang="en-US" b="0" i="1" smtClean="0">
-                              <a:solidFill>
-                                <a:srgbClr val="C00000"/>
-                              </a:solidFill>
-                              <a:latin typeface="Cambria Math" panose="02040503050406030204" pitchFamily="18" charset="0"/>
-                            </a:rPr>
-                          </m:ctrlPr>
-                        </m:sSubPr>
-                        <m:e>
-                          <m:r>
-                            <a:rPr lang="en-US" b="0" i="1" smtClean="0">
-                              <a:solidFill>
-                                <a:srgbClr val="C00000"/>
-                              </a:solidFill>
-                              <a:latin typeface="Cambria Math" panose="02040503050406030204" pitchFamily="18" charset="0"/>
-                            </a:rPr>
-                            <m:t> </m:t>
-                          </m:r>
-                          <m:r>
-                            <a:rPr lang="en-US" b="0" i="1" smtClean="0">
-                              <a:solidFill>
-                                <a:srgbClr val="C00000"/>
-                              </a:solidFill>
-                              <a:latin typeface="Cambria Math" panose="02040503050406030204" pitchFamily="18" charset="0"/>
-                            </a:rPr>
-                            <m:t>𝑞</m:t>
-                          </m:r>
-                        </m:e>
-                        <m:sub>
-                          <m:r>
-                            <a:rPr lang="en-US" b="0" i="1" smtClean="0">
-                              <a:solidFill>
-                                <a:srgbClr val="C00000"/>
-                              </a:solidFill>
-                              <a:latin typeface="Cambria Math" panose="02040503050406030204" pitchFamily="18" charset="0"/>
-                            </a:rPr>
-                            <m:t>2</m:t>
-                          </m:r>
-                        </m:sub>
-                      </m:sSub>
-                      <m:r>
-                        <a:rPr lang="en-US" b="0" i="1" smtClean="0">
-                          <a:latin typeface="Cambria Math" panose="02040503050406030204" pitchFamily="18" charset="0"/>
-                        </a:rPr>
-                        <m:t>=</m:t>
-                      </m:r>
-                      <m:f>
-                        <m:fPr>
-                          <m:ctrlPr>
-                            <a:rPr lang="en-US" b="0" i="1" smtClean="0">
-                              <a:latin typeface="Cambria Math" panose="02040503050406030204" pitchFamily="18" charset="0"/>
-                            </a:rPr>
-                          </m:ctrlPr>
-                        </m:fPr>
-                        <m:num>
-                          <m:r>
-                            <a:rPr lang="en-US" b="0" i="1" smtClean="0">
-                              <a:latin typeface="Cambria Math" panose="02040503050406030204" pitchFamily="18" charset="0"/>
-                            </a:rPr>
-                            <m:t>𝑆𝑥</m:t>
-                          </m:r>
-                          <m:d>
-                            <m:dPr>
-                              <m:ctrlPr>
-                                <a:rPr lang="en-US" b="0" i="1" smtClean="0">
-                                  <a:latin typeface="Cambria Math" panose="02040503050406030204" pitchFamily="18" charset="0"/>
-                                </a:rPr>
-                              </m:ctrlPr>
-                            </m:dPr>
-                            <m:e>
-                              <m:sSub>
-                                <m:sSubPr>
-                                  <m:ctrlPr>
-                                    <a:rPr lang="en-US" b="0" i="1" smtClean="0">
-                                      <a:latin typeface="Cambria Math" panose="02040503050406030204" pitchFamily="18" charset="0"/>
-                                    </a:rPr>
-                                  </m:ctrlPr>
-                                </m:sSubPr>
-                                <m:e>
-                                  <m:r>
-                                    <a:rPr lang="en-US" b="0" i="1" smtClean="0">
-                                      <a:latin typeface="Cambria Math" panose="02040503050406030204" pitchFamily="18" charset="0"/>
-                                    </a:rPr>
-                                    <m:t>𝑘</m:t>
-                                  </m:r>
-                                </m:e>
-                                <m:sub>
-                                  <m:r>
-                                    <a:rPr lang="en-US" b="0" i="1" smtClean="0">
-                                      <a:latin typeface="Cambria Math" panose="02040503050406030204" pitchFamily="18" charset="0"/>
-                                    </a:rPr>
-                                    <m:t>10</m:t>
-                                  </m:r>
-                                </m:sub>
-                              </m:sSub>
-                            </m:e>
-                          </m:d>
-                        </m:num>
-                        <m:den>
-                          <m:r>
-                            <a:rPr lang="en-US" b="0" i="1" smtClean="0">
-                              <a:latin typeface="Cambria Math" panose="02040503050406030204" pitchFamily="18" charset="0"/>
-                            </a:rPr>
-                            <m:t>𝐷</m:t>
-                          </m:r>
-                          <m:r>
-                            <a:rPr lang="en-US" b="0" i="1" smtClean="0">
-                              <a:latin typeface="Cambria Math" panose="02040503050406030204" pitchFamily="18" charset="0"/>
-                            </a:rPr>
-                            <m:t>(</m:t>
-                          </m:r>
-                          <m:sSub>
-                            <m:sSubPr>
-                              <m:ctrlPr>
-                                <a:rPr lang="en-US" b="0" i="1" smtClean="0">
-                                  <a:latin typeface="Cambria Math" panose="02040503050406030204" pitchFamily="18" charset="0"/>
-                                </a:rPr>
-                              </m:ctrlPr>
-                            </m:sSubPr>
-                            <m:e>
-                              <m:r>
-                                <a:rPr lang="en-US" b="0" i="1" smtClean="0">
-                                  <a:latin typeface="Cambria Math" panose="02040503050406030204" pitchFamily="18" charset="0"/>
-                                </a:rPr>
-                                <m:t>𝑘</m:t>
-                              </m:r>
-                            </m:e>
-                            <m:sub>
-                              <m:r>
-                                <a:rPr lang="en-US" b="0" i="1" smtClean="0">
-                                  <a:latin typeface="Cambria Math" panose="02040503050406030204" pitchFamily="18" charset="0"/>
-                                </a:rPr>
-                                <m:t>10</m:t>
-                              </m:r>
-                            </m:sub>
-                          </m:sSub>
-                          <m:r>
-                            <a:rPr lang="en-US" b="0" i="1" smtClean="0">
-                              <a:latin typeface="Cambria Math" panose="02040503050406030204" pitchFamily="18" charset="0"/>
-                            </a:rPr>
-                            <m:t>)</m:t>
-                          </m:r>
-                        </m:den>
-                      </m:f>
-                    </m:oMath>
-                  </m:oMathPara>
-                </a14:m>
-                <a:endParaRPr lang="en-JP" dirty="0"/>
-              </a:p>
-            </p:txBody>
-          </p:sp>
-        </mc:Choice>
-        <mc:Fallback>
-          <p:sp>
-            <p:nvSpPr>
-              <p:cNvPr id="70" name="TextBox 384">
-                <a:extLst>
-                  <a:ext uri="{FF2B5EF4-FFF2-40B4-BE49-F238E27FC236}">
-                    <a16:creationId xmlns:a16="http://schemas.microsoft.com/office/drawing/2014/main" id="{FFF121DB-907F-895A-F6C3-DA3C6590CEEC}"/>
-                  </a:ext>
-                </a:extLst>
-              </p:cNvPr>
-              <p:cNvSpPr txBox="1">
-                <a:spLocks noRot="1" noChangeAspect="1" noMove="1" noResize="1" noEditPoints="1" noAdjustHandles="1" noChangeArrowheads="1" noChangeShapeType="1" noTextEdit="1"/>
-              </p:cNvSpPr>
-              <p:nvPr/>
-            </p:nvSpPr>
-            <p:spPr>
-              <a:xfrm>
-                <a:off x="9975891" y="21970934"/>
-                <a:ext cx="2983810" cy="586699"/>
-              </a:xfrm>
-              <a:prstGeom prst="rect">
-                <a:avLst/>
-              </a:prstGeom>
-              <a:blipFill>
-                <a:blip r:embed="rId15"/>
-                <a:stretch>
-                  <a:fillRect b="-16667"/>
-                </a:stretch>
-              </a:blipFill>
-            </p:spPr>
-            <p:txBody>
-              <a:bodyPr/>
-              <a:lstStyle/>
-              <a:p>
-                <a:r>
-                  <a:rPr lang="ja-JP" altLang="en-US">
-                    <a:noFill/>
-                  </a:rPr>
-                  <a:t> </a:t>
-                </a:r>
-              </a:p>
-            </p:txBody>
-          </p:sp>
-        </mc:Fallback>
-      </mc:AlternateContent>
-      <mc:AlternateContent xmlns:mc="http://schemas.openxmlformats.org/markup-compatibility/2006">
-        <mc:Choice xmlns:a14="http://schemas.microsoft.com/office/drawing/2010/main" Requires="a14">
-          <p:sp>
-            <p:nvSpPr>
-              <p:cNvPr id="71" name="TextBox 399">
-                <a:extLst>
-                  <a:ext uri="{FF2B5EF4-FFF2-40B4-BE49-F238E27FC236}">
-                    <a16:creationId xmlns:a16="http://schemas.microsoft.com/office/drawing/2014/main" id="{D8ACCD75-664F-A22B-2073-A3E4956C99E5}"/>
-                  </a:ext>
-                </a:extLst>
-              </p:cNvPr>
-              <p:cNvSpPr txBox="1"/>
-              <p:nvPr/>
-            </p:nvSpPr>
-            <p:spPr>
-              <a:xfrm>
-                <a:off x="9430642" y="18889444"/>
-                <a:ext cx="3503918" cy="871457"/>
-              </a:xfrm>
-              <a:prstGeom prst="rect">
-                <a:avLst/>
-              </a:prstGeom>
-              <a:noFill/>
-            </p:spPr>
-            <p:txBody>
-              <a:bodyPr wrap="square" rtlCol="0">
-                <a:spAutoFit/>
-              </a:bodyPr>
-              <a:lstStyle/>
-              <a:p>
-                <a:pPr/>
-                <a14:m>
-                  <m:oMathPara xmlns:m="http://schemas.openxmlformats.org/officeDocument/2006/math">
-                    <m:oMathParaPr>
-                      <m:jc m:val="centerGroup"/>
-                    </m:oMathParaPr>
-                    <m:oMath xmlns:m="http://schemas.openxmlformats.org/officeDocument/2006/math">
-                      <m:func>
-                        <m:funcPr>
-                          <m:ctrlPr>
-                            <a:rPr lang="en-US" b="0" i="1" smtClean="0">
-                              <a:latin typeface="Cambria Math" panose="02040503050406030204" pitchFamily="18" charset="0"/>
-                            </a:rPr>
-                          </m:ctrlPr>
-                        </m:funcPr>
-                        <m:fName>
-                          <m:limLow>
-                            <m:limLowPr>
-                              <m:ctrlPr>
-                                <a:rPr lang="en-US" b="0" i="1" smtClean="0">
-                                  <a:latin typeface="Cambria Math" panose="02040503050406030204" pitchFamily="18" charset="0"/>
-                                </a:rPr>
-                              </m:ctrlPr>
-                            </m:limLowPr>
-                            <m:e>
-                              <m:r>
-                                <m:rPr>
-                                  <m:sty m:val="p"/>
-                                </m:rPr>
-                                <a:rPr lang="en-US" b="0" i="0" smtClean="0">
-                                  <a:latin typeface="Cambria Math" panose="02040503050406030204" pitchFamily="18" charset="0"/>
-                                </a:rPr>
-                                <m:t>min</m:t>
-                              </m:r>
-                            </m:e>
-                            <m:lim>
-                              <m:r>
-                                <a:rPr lang="en-US" b="0" i="1" smtClean="0">
-                                  <a:latin typeface="Cambria Math" panose="02040503050406030204" pitchFamily="18" charset="0"/>
-                                </a:rPr>
-                                <m:t>𝜃</m:t>
-                              </m:r>
-                              <m:r>
-                                <a:rPr lang="en-US" b="0" i="1" smtClean="0">
-                                  <a:latin typeface="Cambria Math" panose="02040503050406030204" pitchFamily="18" charset="0"/>
-                                </a:rPr>
-                                <m:t>,</m:t>
-                              </m:r>
-                              <m:sSub>
-                                <m:sSubPr>
-                                  <m:ctrlPr>
-                                    <a:rPr lang="en-US" b="0" i="1" smtClean="0">
-                                      <a:latin typeface="Cambria Math" panose="02040503050406030204" pitchFamily="18" charset="0"/>
-                                    </a:rPr>
-                                  </m:ctrlPr>
-                                </m:sSubPr>
-                                <m:e>
-                                  <m:r>
-                                    <a:rPr lang="en-US" b="0" i="1" smtClean="0">
-                                      <a:latin typeface="Cambria Math" panose="02040503050406030204" pitchFamily="18" charset="0"/>
-                                    </a:rPr>
-                                    <m:t>𝑘</m:t>
-                                  </m:r>
-                                </m:e>
-                                <m:sub>
-                                  <m:r>
-                                    <a:rPr lang="en-US" b="0" i="1" smtClean="0">
-                                      <a:latin typeface="Cambria Math" panose="02040503050406030204" pitchFamily="18" charset="0"/>
-                                    </a:rPr>
-                                    <m:t>𝛾</m:t>
-                                  </m:r>
-                                  <m:r>
-                                    <a:rPr lang="en-US" b="0" i="1" smtClean="0">
-                                      <a:latin typeface="Cambria Math" panose="02040503050406030204" pitchFamily="18" charset="0"/>
-                                    </a:rPr>
-                                    <m:t>0</m:t>
-                                  </m:r>
-                                </m:sub>
-                              </m:sSub>
-                              <m:r>
-                                <a:rPr lang="en-US" b="0" i="1" smtClean="0">
-                                  <a:latin typeface="Cambria Math" panose="02040503050406030204" pitchFamily="18" charset="0"/>
-                                </a:rPr>
-                                <m:t>,</m:t>
-                              </m:r>
-                              <m:sSub>
-                                <m:sSubPr>
-                                  <m:ctrlPr>
-                                    <a:rPr lang="en-US" b="0" i="1" smtClean="0">
-                                      <a:latin typeface="Cambria Math" panose="02040503050406030204" pitchFamily="18" charset="0"/>
-                                    </a:rPr>
-                                  </m:ctrlPr>
-                                </m:sSubPr>
-                                <m:e>
-                                  <m:r>
-                                    <a:rPr lang="en-US" b="0" i="1" smtClean="0">
-                                      <a:latin typeface="Cambria Math" panose="02040503050406030204" pitchFamily="18" charset="0"/>
-                                    </a:rPr>
-                                    <m:t>𝑘</m:t>
-                                  </m:r>
-                                </m:e>
-                                <m:sub>
-                                  <m:r>
-                                    <a:rPr lang="en-US" b="0" i="1" smtClean="0">
-                                      <a:latin typeface="Cambria Math" panose="02040503050406030204" pitchFamily="18" charset="0"/>
-                                    </a:rPr>
-                                    <m:t>𝛾</m:t>
-                                  </m:r>
-                                  <m:r>
-                                    <a:rPr lang="en-US" b="0" i="1" smtClean="0">
-                                      <a:latin typeface="Cambria Math" panose="02040503050406030204" pitchFamily="18" charset="0"/>
-                                    </a:rPr>
-                                    <m:t>1</m:t>
-                                  </m:r>
-                                </m:sub>
-                              </m:sSub>
-                            </m:lim>
-                          </m:limLow>
-                        </m:fName>
-                        <m:e>
-                          <m:nary>
-                            <m:naryPr>
-                              <m:chr m:val="∑"/>
-                              <m:ctrlPr>
-                                <a:rPr lang="en-US" b="0" i="1" smtClean="0">
-                                  <a:latin typeface="Cambria Math" panose="02040503050406030204" pitchFamily="18" charset="0"/>
-                                </a:rPr>
-                              </m:ctrlPr>
-                            </m:naryPr>
-                            <m:sub>
-                              <m:r>
-                                <m:rPr>
-                                  <m:brk m:alnAt="23"/>
-                                </m:rPr>
-                                <a:rPr lang="en-US" b="0" i="1" smtClean="0">
-                                  <a:latin typeface="Cambria Math" panose="02040503050406030204" pitchFamily="18" charset="0"/>
-                                </a:rPr>
-                                <m:t>𝑘</m:t>
-                              </m:r>
-                              <m:r>
-                                <a:rPr lang="en-US" b="0" i="1" smtClean="0">
-                                  <a:latin typeface="Cambria Math" panose="02040503050406030204" pitchFamily="18" charset="0"/>
-                                </a:rPr>
-                                <m:t>=0</m:t>
-                              </m:r>
-                            </m:sub>
-                            <m:sup>
-                              <m:r>
-                                <a:rPr lang="en-US" b="0" i="1" smtClean="0">
-                                  <a:latin typeface="Cambria Math" panose="02040503050406030204" pitchFamily="18" charset="0"/>
-                                </a:rPr>
-                                <m:t>𝑁</m:t>
-                              </m:r>
-                            </m:sup>
-                            <m:e>
-                              <m:sSub>
-                                <m:sSubPr>
-                                  <m:ctrlPr>
-                                    <a:rPr lang="en-US" b="0" i="1" smtClean="0">
-                                      <a:latin typeface="Cambria Math" panose="02040503050406030204" pitchFamily="18" charset="0"/>
-                                    </a:rPr>
-                                  </m:ctrlPr>
-                                </m:sSubPr>
-                                <m:e>
-                                  <m:d>
-                                    <m:dPr>
-                                      <m:begChr m:val="‖"/>
-                                      <m:endChr m:val="‖"/>
-                                      <m:ctrlPr>
-                                        <a:rPr lang="en-US" b="0" i="1" smtClean="0">
-                                          <a:latin typeface="Cambria Math" panose="02040503050406030204" pitchFamily="18" charset="0"/>
-                                        </a:rPr>
-                                      </m:ctrlPr>
-                                    </m:dPr>
-                                    <m:e>
-                                      <m:r>
-                                        <a:rPr lang="en-US" b="0" i="1" smtClean="0">
-                                          <a:latin typeface="Cambria Math" panose="02040503050406030204" pitchFamily="18" charset="0"/>
-                                        </a:rPr>
-                                        <m:t>𝑦</m:t>
-                                      </m:r>
-                                      <m:d>
-                                        <m:dPr>
-                                          <m:ctrlPr>
-                                            <a:rPr lang="en-US" b="0" i="1" smtClean="0">
-                                              <a:latin typeface="Cambria Math" panose="02040503050406030204" pitchFamily="18" charset="0"/>
-                                            </a:rPr>
-                                          </m:ctrlPr>
-                                        </m:dPr>
-                                        <m:e>
-                                          <m:r>
-                                            <a:rPr lang="en-US" b="0" i="1" smtClean="0">
-                                              <a:latin typeface="Cambria Math" panose="02040503050406030204" pitchFamily="18" charset="0"/>
-                                            </a:rPr>
-                                            <m:t>𝑘</m:t>
-                                          </m:r>
-                                        </m:e>
-                                      </m:d>
-                                      <m:r>
-                                        <a:rPr lang="en-US" b="0" i="1" smtClean="0">
-                                          <a:latin typeface="Cambria Math" panose="02040503050406030204" pitchFamily="18" charset="0"/>
-                                        </a:rPr>
-                                        <m:t>−</m:t>
-                                      </m:r>
-                                      <m:acc>
-                                        <m:accPr>
-                                          <m:chr m:val="̂"/>
-                                          <m:ctrlPr>
-                                            <a:rPr lang="en-US" b="0" i="1" smtClean="0">
-                                              <a:latin typeface="Cambria Math" panose="02040503050406030204" pitchFamily="18" charset="0"/>
-                                            </a:rPr>
-                                          </m:ctrlPr>
-                                        </m:accPr>
-                                        <m:e>
-                                          <m:r>
-                                            <a:rPr lang="en-US" b="0" i="1" smtClean="0">
-                                              <a:latin typeface="Cambria Math" panose="02040503050406030204" pitchFamily="18" charset="0"/>
-                                            </a:rPr>
-                                            <m:t>𝑦</m:t>
-                                          </m:r>
-                                        </m:e>
-                                      </m:acc>
-                                      <m:d>
-                                        <m:dPr>
-                                          <m:ctrlPr>
-                                            <a:rPr lang="en-US" b="0" i="1" smtClean="0">
-                                              <a:latin typeface="Cambria Math" panose="02040503050406030204" pitchFamily="18" charset="0"/>
-                                            </a:rPr>
-                                          </m:ctrlPr>
-                                        </m:dPr>
-                                        <m:e>
-                                          <m:r>
-                                            <a:rPr lang="en-US" b="0" i="1" smtClean="0">
-                                              <a:latin typeface="Cambria Math" panose="02040503050406030204" pitchFamily="18" charset="0"/>
-                                            </a:rPr>
-                                            <m:t>𝑘</m:t>
-                                          </m:r>
-                                        </m:e>
-                                      </m:d>
-                                    </m:e>
-                                  </m:d>
-                                </m:e>
-                                <m:sub>
-                                  <m:r>
-                                    <a:rPr lang="en-US" b="0" i="1" smtClean="0">
-                                      <a:latin typeface="Cambria Math" panose="02040503050406030204" pitchFamily="18" charset="0"/>
-                                    </a:rPr>
-                                    <m:t>2</m:t>
-                                  </m:r>
-                                </m:sub>
-                              </m:sSub>
-                            </m:e>
-                          </m:nary>
-                        </m:e>
-                      </m:func>
-                    </m:oMath>
-                  </m:oMathPara>
-                </a14:m>
-                <a:endParaRPr lang="en-JP" sz="1600" dirty="0"/>
-              </a:p>
-            </p:txBody>
-          </p:sp>
-        </mc:Choice>
-        <mc:Fallback>
-          <p:sp>
-            <p:nvSpPr>
-              <p:cNvPr id="71" name="TextBox 399">
-                <a:extLst>
-                  <a:ext uri="{FF2B5EF4-FFF2-40B4-BE49-F238E27FC236}">
-                    <a16:creationId xmlns:a16="http://schemas.microsoft.com/office/drawing/2014/main" id="{D8ACCD75-664F-A22B-2073-A3E4956C99E5}"/>
-                  </a:ext>
-                </a:extLst>
-              </p:cNvPr>
-              <p:cNvSpPr txBox="1">
-                <a:spLocks noRot="1" noChangeAspect="1" noMove="1" noResize="1" noEditPoints="1" noAdjustHandles="1" noChangeArrowheads="1" noChangeShapeType="1" noTextEdit="1"/>
-              </p:cNvSpPr>
-              <p:nvPr/>
-            </p:nvSpPr>
-            <p:spPr>
-              <a:xfrm>
-                <a:off x="9430642" y="18889444"/>
-                <a:ext cx="3503918" cy="871457"/>
-              </a:xfrm>
-              <a:prstGeom prst="rect">
-                <a:avLst/>
-              </a:prstGeom>
-              <a:blipFill>
-                <a:blip r:embed="rId16"/>
-                <a:stretch>
-                  <a:fillRect t="-94286" b="-148571"/>
-                </a:stretch>
-              </a:blipFill>
-            </p:spPr>
-            <p:txBody>
-              <a:bodyPr/>
-              <a:lstStyle/>
-              <a:p>
-                <a:r>
-                  <a:rPr lang="ja-JP" altLang="en-US">
-                    <a:noFill/>
-                  </a:rPr>
-                  <a:t> </a:t>
-                </a:r>
-              </a:p>
-            </p:txBody>
-          </p:sp>
-        </mc:Fallback>
-      </mc:AlternateContent>
-      <mc:AlternateContent xmlns:mc="http://schemas.openxmlformats.org/markup-compatibility/2006">
-        <mc:Choice xmlns:a14="http://schemas.microsoft.com/office/drawing/2010/main" Requires="a14">
-          <p:sp>
-            <p:nvSpPr>
-              <p:cNvPr id="72" name="TextBox 404">
-                <a:extLst>
-                  <a:ext uri="{FF2B5EF4-FFF2-40B4-BE49-F238E27FC236}">
-                    <a16:creationId xmlns:a16="http://schemas.microsoft.com/office/drawing/2014/main" id="{F77EC1F9-A600-B4D0-B4F8-0C7CCA0C0F84}"/>
-                  </a:ext>
-                </a:extLst>
-              </p:cNvPr>
-              <p:cNvSpPr txBox="1"/>
-              <p:nvPr/>
-            </p:nvSpPr>
-            <p:spPr>
-              <a:xfrm>
-                <a:off x="9966847" y="20983946"/>
-                <a:ext cx="4289444" cy="835870"/>
-              </a:xfrm>
-              <a:prstGeom prst="rect">
-                <a:avLst/>
-              </a:prstGeom>
-              <a:noFill/>
-            </p:spPr>
-            <p:txBody>
-              <a:bodyPr wrap="square" lIns="0" tIns="0" rIns="0" bIns="0" rtlCol="0">
-                <a:spAutoFit/>
-              </a:bodyPr>
-              <a:lstStyle/>
-              <a:p>
-                <a14:m>
-                  <m:oMath xmlns:m="http://schemas.openxmlformats.org/officeDocument/2006/math">
-                    <m:acc>
-                      <m:accPr>
-                        <m:chr m:val="̂"/>
-                        <m:ctrlPr>
-                          <a:rPr lang="en-US" b="0" i="1" smtClean="0">
-                            <a:latin typeface="Cambria Math" panose="02040503050406030204" pitchFamily="18" charset="0"/>
-                          </a:rPr>
-                        </m:ctrlPr>
-                      </m:accPr>
-                      <m:e>
-                        <m:r>
-                          <a:rPr lang="en-US" b="0" i="1" smtClean="0">
-                            <a:latin typeface="Cambria Math" panose="02040503050406030204" pitchFamily="18" charset="0"/>
-                          </a:rPr>
-                          <m:t>𝑦</m:t>
-                        </m:r>
-                      </m:e>
-                    </m:acc>
-                    <m:d>
-                      <m:dPr>
-                        <m:ctrlPr>
-                          <a:rPr lang="en-US" b="0" i="1" smtClean="0">
-                            <a:latin typeface="Cambria Math" panose="02040503050406030204" pitchFamily="18" charset="0"/>
-                          </a:rPr>
-                        </m:ctrlPr>
-                      </m:dPr>
-                      <m:e>
-                        <m:r>
-                          <a:rPr lang="en-US" b="0" i="1" smtClean="0">
-                            <a:latin typeface="Cambria Math" panose="02040503050406030204" pitchFamily="18" charset="0"/>
-                          </a:rPr>
-                          <m:t>𝑘</m:t>
-                        </m:r>
-                      </m:e>
-                    </m:d>
-                    <m:r>
-                      <a:rPr lang="en-US" b="0" i="1" smtClean="0">
-                        <a:latin typeface="Cambria Math" panose="02040503050406030204" pitchFamily="18" charset="0"/>
-                      </a:rPr>
-                      <m:t>=</m:t>
-                    </m:r>
-                    <m:r>
-                      <a:rPr lang="en-US" b="0" i="1" smtClean="0">
-                        <a:latin typeface="Cambria Math" panose="02040503050406030204" pitchFamily="18" charset="0"/>
-                      </a:rPr>
-                      <m:t>𝐶</m:t>
-                    </m:r>
-                    <m:d>
-                      <m:dPr>
-                        <m:ctrlPr>
-                          <a:rPr lang="en-US" b="0" i="1" smtClean="0">
-                            <a:latin typeface="Cambria Math" panose="02040503050406030204" pitchFamily="18" charset="0"/>
-                          </a:rPr>
-                        </m:ctrlPr>
-                      </m:dPr>
-                      <m:e>
-                        <m:r>
-                          <a:rPr lang="en-US" b="0" i="1" smtClean="0">
-                            <a:latin typeface="Cambria Math" panose="02040503050406030204" pitchFamily="18" charset="0"/>
-                          </a:rPr>
-                          <m:t>𝑥</m:t>
-                        </m:r>
-                        <m:d>
-                          <m:dPr>
-                            <m:ctrlPr>
-                              <a:rPr lang="en-US" b="0" i="1" smtClean="0">
-                                <a:latin typeface="Cambria Math" panose="02040503050406030204" pitchFamily="18" charset="0"/>
-                              </a:rPr>
-                            </m:ctrlPr>
-                          </m:dPr>
-                          <m:e>
-                            <m:r>
-                              <a:rPr lang="en-US" b="0" i="1" smtClean="0">
-                                <a:latin typeface="Cambria Math" panose="02040503050406030204" pitchFamily="18" charset="0"/>
-                              </a:rPr>
-                              <m:t>𝑘</m:t>
-                            </m:r>
-                          </m:e>
-                        </m:d>
-                      </m:e>
-                    </m:d>
-                    <m:r>
-                      <a:rPr lang="en-US" b="0" i="1" smtClean="0">
-                        <a:latin typeface="Cambria Math" panose="02040503050406030204" pitchFamily="18" charset="0"/>
-                      </a:rPr>
-                      <m:t>,</m:t>
-                    </m:r>
-                    <m:r>
-                      <a:rPr lang="en-US" b="0" i="1" smtClean="0">
-                        <a:latin typeface="Cambria Math" panose="02040503050406030204" pitchFamily="18" charset="0"/>
-                      </a:rPr>
-                      <m:t>𝑥</m:t>
-                    </m:r>
-                    <m:d>
-                      <m:dPr>
-                        <m:ctrlPr>
-                          <a:rPr lang="en-US" b="0" i="1" smtClean="0">
-                            <a:latin typeface="Cambria Math" panose="02040503050406030204" pitchFamily="18" charset="0"/>
-                          </a:rPr>
-                        </m:ctrlPr>
-                      </m:dPr>
-                      <m:e>
-                        <m:r>
-                          <a:rPr lang="en-US" b="0" i="1" smtClean="0">
-                            <a:latin typeface="Cambria Math" panose="02040503050406030204" pitchFamily="18" charset="0"/>
-                          </a:rPr>
-                          <m:t>0</m:t>
-                        </m:r>
-                      </m:e>
-                    </m:d>
-                    <m:r>
-                      <a:rPr lang="en-US" b="0" i="1" smtClean="0">
-                        <a:latin typeface="Cambria Math" panose="02040503050406030204" pitchFamily="18" charset="0"/>
-                      </a:rPr>
-                      <m:t>=</m:t>
-                    </m:r>
-                    <m:sSub>
-                      <m:sSubPr>
-                        <m:ctrlPr>
-                          <a:rPr lang="en-US" b="0" i="1" smtClean="0">
-                            <a:latin typeface="Cambria Math" panose="02040503050406030204" pitchFamily="18" charset="0"/>
-                          </a:rPr>
-                        </m:ctrlPr>
-                      </m:sSubPr>
-                      <m:e>
-                        <m:r>
-                          <a:rPr lang="en-US" b="0" i="1" smtClean="0">
-                            <a:latin typeface="Cambria Math" panose="02040503050406030204" pitchFamily="18" charset="0"/>
-                          </a:rPr>
-                          <m:t>𝑥</m:t>
-                        </m:r>
-                      </m:e>
-                      <m:sub>
-                        <m:r>
-                          <a:rPr lang="en-US" b="0" i="1" smtClean="0">
-                            <a:latin typeface="Cambria Math" panose="02040503050406030204" pitchFamily="18" charset="0"/>
-                          </a:rPr>
-                          <m:t>0</m:t>
-                        </m:r>
-                      </m:sub>
-                    </m:sSub>
-                  </m:oMath>
-                </a14:m>
-                <a:r>
-                  <a:rPr lang="en-JP" sz="1600" dirty="0"/>
-                  <a:t>, </a:t>
-                </a:r>
-              </a:p>
-              <a:p>
-                <a14:m>
-                  <m:oMath xmlns:m="http://schemas.openxmlformats.org/officeDocument/2006/math">
-                    <m:r>
-                      <a:rPr lang="en-US" i="1">
-                        <a:latin typeface="Cambria Math" panose="02040503050406030204" pitchFamily="18" charset="0"/>
-                      </a:rPr>
-                      <m:t>𝑆</m:t>
-                    </m:r>
-                    <m:r>
-                      <a:rPr lang="en-US" i="1">
-                        <a:latin typeface="Cambria Math" panose="02040503050406030204" pitchFamily="18" charset="0"/>
-                      </a:rPr>
-                      <m:t>=</m:t>
-                    </m:r>
-                    <m:d>
-                      <m:dPr>
-                        <m:begChr m:val="["/>
-                        <m:endChr m:val="]"/>
-                        <m:ctrlPr>
-                          <a:rPr lang="en-US" i="1">
-                            <a:latin typeface="Cambria Math" panose="02040503050406030204" pitchFamily="18" charset="0"/>
-                          </a:rPr>
-                        </m:ctrlPr>
-                      </m:dPr>
-                      <m:e>
-                        <m:r>
-                          <a:rPr lang="en-US" i="1">
-                            <a:latin typeface="Cambria Math" panose="02040503050406030204" pitchFamily="18" charset="0"/>
-                          </a:rPr>
-                          <m:t>0 0 1 1 0 0 0</m:t>
-                        </m:r>
-                      </m:e>
-                    </m:d>
-                    <m:r>
-                      <a:rPr lang="en-US" i="1">
-                        <a:latin typeface="Cambria Math" panose="02040503050406030204" pitchFamily="18" charset="0"/>
-                      </a:rPr>
-                      <m:t>, </m:t>
-                    </m:r>
-                  </m:oMath>
-                </a14:m>
-                <a:r>
-                  <a:rPr lang="en-JP" i="1" dirty="0">
-                    <a:latin typeface="Cambria Math" panose="02040503050406030204" pitchFamily="18" charset="0"/>
-                  </a:rPr>
-                  <a:t>C </a:t>
-                </a:r>
-                <a14:m>
-                  <m:oMath xmlns:m="http://schemas.openxmlformats.org/officeDocument/2006/math">
-                    <m:r>
-                      <a:rPr lang="en-US" i="1">
-                        <a:latin typeface="Cambria Math" panose="02040503050406030204" pitchFamily="18" charset="0"/>
-                      </a:rPr>
-                      <m:t>=</m:t>
-                    </m:r>
-                    <m:d>
-                      <m:dPr>
-                        <m:begChr m:val="["/>
-                        <m:endChr m:val="]"/>
-                        <m:ctrlPr>
-                          <a:rPr lang="en-US" i="1">
-                            <a:latin typeface="Cambria Math" panose="02040503050406030204" pitchFamily="18" charset="0"/>
-                          </a:rPr>
-                        </m:ctrlPr>
-                      </m:dPr>
-                      <m:e>
-                        <m:r>
-                          <a:rPr lang="en-US" i="1">
-                            <a:latin typeface="Cambria Math" panose="02040503050406030204" pitchFamily="18" charset="0"/>
-                          </a:rPr>
-                          <m:t>1 0 0 0 0 0 0</m:t>
-                        </m:r>
-                      </m:e>
-                    </m:d>
-                    <m:r>
-                      <a:rPr lang="en-US" b="0" i="1" smtClean="0">
-                        <a:latin typeface="Cambria Math" panose="02040503050406030204" pitchFamily="18" charset="0"/>
-                      </a:rPr>
-                      <m:t>,</m:t>
-                    </m:r>
-                    <m:r>
-                      <a:rPr lang="en-US" i="1">
-                        <a:latin typeface="Cambria Math" panose="02040503050406030204" pitchFamily="18" charset="0"/>
-                      </a:rPr>
-                      <m:t> </m:t>
-                    </m:r>
-                  </m:oMath>
-                </a14:m>
-                <a:r>
-                  <a:rPr lang="en-JP" sz="1600" i="1" dirty="0">
-                    <a:latin typeface="Cambria Math" panose="02040503050406030204" pitchFamily="18" charset="0"/>
-                  </a:rPr>
-                  <a:t> </a:t>
-                </a:r>
-                <a:endParaRPr lang="en-US" sz="1600" i="1" dirty="0">
-                  <a:latin typeface="Cambria Math" panose="02040503050406030204" pitchFamily="18" charset="0"/>
-                </a:endParaRPr>
-              </a:p>
-              <a:p>
-                <a:endParaRPr lang="en-JP" sz="1600" dirty="0"/>
-              </a:p>
-            </p:txBody>
-          </p:sp>
-        </mc:Choice>
-        <mc:Fallback>
-          <p:sp>
-            <p:nvSpPr>
-              <p:cNvPr id="72" name="TextBox 404">
-                <a:extLst>
-                  <a:ext uri="{FF2B5EF4-FFF2-40B4-BE49-F238E27FC236}">
-                    <a16:creationId xmlns:a16="http://schemas.microsoft.com/office/drawing/2014/main" id="{F77EC1F9-A600-B4D0-B4F8-0C7CCA0C0F84}"/>
-                  </a:ext>
-                </a:extLst>
-              </p:cNvPr>
-              <p:cNvSpPr txBox="1">
-                <a:spLocks noRot="1" noChangeAspect="1" noMove="1" noResize="1" noEditPoints="1" noAdjustHandles="1" noChangeArrowheads="1" noChangeShapeType="1" noTextEdit="1"/>
-              </p:cNvSpPr>
-              <p:nvPr/>
-            </p:nvSpPr>
-            <p:spPr>
-              <a:xfrm>
-                <a:off x="9966847" y="20983946"/>
-                <a:ext cx="4289444" cy="835870"/>
-              </a:xfrm>
-              <a:prstGeom prst="rect">
-                <a:avLst/>
-              </a:prstGeom>
-              <a:blipFill>
-                <a:blip r:embed="rId17"/>
-                <a:stretch>
-                  <a:fillRect l="-1770" t="-1515"/>
-                </a:stretch>
-              </a:blipFill>
-            </p:spPr>
-            <p:txBody>
-              <a:bodyPr/>
-              <a:lstStyle/>
-              <a:p>
-                <a:r>
-                  <a:rPr lang="ja-JP" altLang="en-US">
-                    <a:noFill/>
-                  </a:rPr>
-                  <a:t> </a:t>
-                </a:r>
-              </a:p>
-            </p:txBody>
-          </p:sp>
-        </mc:Fallback>
-      </mc:AlternateContent>
+          <a:prstGeom prst="rect">
+            <a:avLst/>
+          </a:prstGeom>
+          <a:solidFill>
+            <a:schemeClr val="bg1"/>
+          </a:solidFill>
+          <a:ln w="127000">
+            <a:solidFill>
+              <a:schemeClr val="tx2"/>
+            </a:solidFill>
+            <a:extLst>
+              <a:ext uri="{C807C97D-BFC1-408E-A445-0C87EB9F89A2}">
+                <ask:lineSketchStyleProps xmlns:ask="http://schemas.microsoft.com/office/drawing/2018/sketchyshapes" sd="981765707">
+                  <a:custGeom>
+                    <a:avLst/>
+                    <a:gdLst>
+                      <a:gd name="connsiteX0" fmla="*/ 0 w 27965400"/>
+                      <a:gd name="connsiteY0" fmla="*/ 0 h 5715000"/>
+                      <a:gd name="connsiteX1" fmla="*/ 27965400 w 27965400"/>
+                      <a:gd name="connsiteY1" fmla="*/ 0 h 5715000"/>
+                      <a:gd name="connsiteX2" fmla="*/ 27965400 w 27965400"/>
+                      <a:gd name="connsiteY2" fmla="*/ 5715000 h 5715000"/>
+                      <a:gd name="connsiteX3" fmla="*/ 0 w 27965400"/>
+                      <a:gd name="connsiteY3" fmla="*/ 5715000 h 5715000"/>
+                      <a:gd name="connsiteX4" fmla="*/ 0 w 27965400"/>
+                      <a:gd name="connsiteY4" fmla="*/ 0 h 5715000"/>
+                    </a:gdLst>
+                    <a:ahLst/>
+                    <a:cxnLst>
+                      <a:cxn ang="0">
+                        <a:pos x="connsiteX0" y="connsiteY0"/>
+                      </a:cxn>
+                      <a:cxn ang="0">
+                        <a:pos x="connsiteX1" y="connsiteY1"/>
+                      </a:cxn>
+                      <a:cxn ang="0">
+                        <a:pos x="connsiteX2" y="connsiteY2"/>
+                      </a:cxn>
+                      <a:cxn ang="0">
+                        <a:pos x="connsiteX3" y="connsiteY3"/>
+                      </a:cxn>
+                      <a:cxn ang="0">
+                        <a:pos x="connsiteX4" y="connsiteY4"/>
+                      </a:cxn>
+                    </a:cxnLst>
+                    <a:rect l="l" t="t" r="r" b="b"/>
+                    <a:pathLst>
+                      <a:path w="27965400" h="5715000" fill="none" extrusionOk="0">
+                        <a:moveTo>
+                          <a:pt x="0" y="0"/>
+                        </a:moveTo>
+                        <a:cubicBezTo>
+                          <a:pt x="12822961" y="-33775"/>
+                          <a:pt x="23266028" y="138873"/>
+                          <a:pt x="27965400" y="0"/>
+                        </a:cubicBezTo>
+                        <a:cubicBezTo>
+                          <a:pt x="27891629" y="1430944"/>
+                          <a:pt x="27809517" y="3154282"/>
+                          <a:pt x="27965400" y="5715000"/>
+                        </a:cubicBezTo>
+                        <a:cubicBezTo>
+                          <a:pt x="16913084" y="5577670"/>
+                          <a:pt x="9222407" y="5577144"/>
+                          <a:pt x="0" y="5715000"/>
+                        </a:cubicBezTo>
+                        <a:cubicBezTo>
+                          <a:pt x="152408" y="3190664"/>
+                          <a:pt x="73868" y="1414017"/>
+                          <a:pt x="0" y="0"/>
+                        </a:cubicBezTo>
+                        <a:close/>
+                      </a:path>
+                      <a:path w="27965400" h="5715000" stroke="0" extrusionOk="0">
+                        <a:moveTo>
+                          <a:pt x="0" y="0"/>
+                        </a:moveTo>
+                        <a:cubicBezTo>
+                          <a:pt x="6780586" y="-101487"/>
+                          <a:pt x="18516925" y="-162162"/>
+                          <a:pt x="27965400" y="0"/>
+                        </a:cubicBezTo>
+                        <a:cubicBezTo>
+                          <a:pt x="28026113" y="2805299"/>
+                          <a:pt x="27904328" y="3460224"/>
+                          <a:pt x="27965400" y="5715000"/>
+                        </a:cubicBezTo>
+                        <a:cubicBezTo>
+                          <a:pt x="19875670" y="5765065"/>
+                          <a:pt x="9433509" y="5556551"/>
+                          <a:pt x="0" y="5715000"/>
+                        </a:cubicBezTo>
+                        <a:cubicBezTo>
+                          <a:pt x="-24452" y="3845266"/>
+                          <a:pt x="-67663" y="2490616"/>
+                          <a:pt x="0" y="0"/>
+                        </a:cubicBezTo>
+                        <a:close/>
+                      </a:path>
+                    </a:pathLst>
+                  </a:custGeom>
+                  <ask:type>
+                    <ask:lineSketchNone/>
+                  </ask:type>
+                </ask:lineSketchStyleProps>
+              </a:ext>
+            </a:extLst>
+          </a:ln>
+        </p:spPr>
+        <p:style>
+          <a:lnRef idx="2">
+            <a:schemeClr val="accent6"/>
+          </a:lnRef>
+          <a:fillRef idx="1">
+            <a:schemeClr val="lt1"/>
+          </a:fillRef>
+          <a:effectRef idx="0">
+            <a:schemeClr val="accent6"/>
+          </a:effectRef>
+          <a:fontRef idx="minor">
+            <a:schemeClr val="dk1"/>
+          </a:fontRef>
+        </p:style>
+        <p:txBody>
+          <a:bodyPr rtlCol="0" anchor="ctr"/>
+          <a:lstStyle/>
+          <a:p>
+            <a:pPr algn="ctr"/>
+            <a:endParaRPr kumimoji="1" lang="ja-JP" altLang="en-US" dirty="0"/>
+          </a:p>
+        </p:txBody>
+      </p:sp>
+      <p:sp>
+        <p:nvSpPr>
+          <p:cNvPr id="101" name="テキスト ボックス 100">
+            <a:extLst>
+              <a:ext uri="{FF2B5EF4-FFF2-40B4-BE49-F238E27FC236}">
+                <a16:creationId xmlns:a16="http://schemas.microsoft.com/office/drawing/2014/main" id="{31ABE525-32CD-E19C-B238-20CAB5D99340}"/>
+              </a:ext>
+            </a:extLst>
+          </p:cNvPr>
+          <p:cNvSpPr txBox="1">
+            <a:spLocks/>
+          </p:cNvSpPr>
+          <p:nvPr/>
+        </p:nvSpPr>
+        <p:spPr>
+          <a:xfrm>
+            <a:off x="985651" y="9014822"/>
+            <a:ext cx="5550323" cy="769441"/>
+          </a:xfrm>
+          <a:prstGeom prst="rect">
+            <a:avLst/>
+          </a:prstGeom>
+          <a:solidFill>
+            <a:schemeClr val="bg1"/>
+          </a:solidFill>
+        </p:spPr>
+        <p:txBody>
+          <a:bodyPr wrap="square" rtlCol="0">
+            <a:spAutoFit/>
+          </a:bodyPr>
+          <a:lstStyle/>
+          <a:p>
+            <a:r>
+              <a:rPr lang="ja-JP" altLang="en-US" sz="4400" b="1">
+                <a:solidFill>
+                  <a:schemeClr val="tx2">
+                    <a:lumMod val="90000"/>
+                    <a:lumOff val="10000"/>
+                  </a:schemeClr>
+                </a:solidFill>
+                <a:latin typeface="メイリオ" panose="020B0604030504040204" pitchFamily="50" charset="-128"/>
+                <a:ea typeface="メイリオ" panose="020B0604030504040204" pitchFamily="50" charset="-128"/>
+              </a:rPr>
+              <a:t>パラメータ推定まで</a:t>
+            </a:r>
+            <a:endParaRPr kumimoji="1" lang="ja-JP" altLang="en-US" sz="4400" b="1" dirty="0">
+              <a:solidFill>
+                <a:schemeClr val="tx2">
+                  <a:lumMod val="90000"/>
+                  <a:lumOff val="10000"/>
+                </a:schemeClr>
+              </a:solidFill>
+              <a:latin typeface="メイリオ" panose="020B0604030504040204" pitchFamily="50" charset="-128"/>
+              <a:ea typeface="メイリオ" panose="020B0604030504040204" pitchFamily="50" charset="-128"/>
+            </a:endParaRPr>
+          </a:p>
+        </p:txBody>
+      </p:sp>
       <p:grpSp>
         <p:nvGrpSpPr>
           <p:cNvPr id="73" name="Group 407">
@@ -9947,7 +7677,7 @@
         </p:nvGrpSpPr>
         <p:grpSpPr>
           <a:xfrm>
-            <a:off x="15088841" y="20236509"/>
+            <a:off x="24059383" y="9680997"/>
             <a:ext cx="5339552" cy="3468849"/>
             <a:chOff x="492246" y="2763288"/>
             <a:chExt cx="6971214" cy="3735506"/>
@@ -10874,215 +8604,4138 @@
           </p:txBody>
         </p:sp>
       </p:grpSp>
-      <p:sp>
-        <p:nvSpPr>
-          <p:cNvPr id="95" name="正方形/長方形 94">
+      <p:grpSp>
+        <p:nvGrpSpPr>
+          <p:cNvPr id="54" name="グループ化 53">
             <a:extLst>
               <a:ext uri="{FF2B5EF4-FFF2-40B4-BE49-F238E27FC236}">
-                <a16:creationId xmlns:a16="http://schemas.microsoft.com/office/drawing/2014/main" id="{1165A60C-9357-D476-021C-E04828F07CD3}"/>
+                <a16:creationId xmlns:a16="http://schemas.microsoft.com/office/drawing/2014/main" id="{046FA8C1-4481-619E-D63F-5C0B63F23E0A}"/>
               </a:ext>
             </a:extLst>
           </p:cNvPr>
-          <p:cNvSpPr>
-            <a:spLocks/>
-          </p:cNvSpPr>
+          <p:cNvGrpSpPr/>
           <p:nvPr/>
-        </p:nvSpPr>
+        </p:nvGrpSpPr>
+        <p:grpSpPr>
+          <a:xfrm>
+            <a:off x="9330209" y="14394780"/>
+            <a:ext cx="5581838" cy="2341191"/>
+            <a:chOff x="3000969" y="2449892"/>
+            <a:chExt cx="7642222" cy="1938238"/>
+          </a:xfrm>
+        </p:grpSpPr>
+        <p:sp>
+          <p:nvSpPr>
+            <p:cNvPr id="55" name="正方形/長方形 54">
+              <a:extLst>
+                <a:ext uri="{FF2B5EF4-FFF2-40B4-BE49-F238E27FC236}">
+                  <a16:creationId xmlns:a16="http://schemas.microsoft.com/office/drawing/2014/main" id="{E7072605-BAD7-AB83-4CE4-D69068BA7B6E}"/>
+                </a:ext>
+              </a:extLst>
+            </p:cNvPr>
+            <p:cNvSpPr/>
+            <p:nvPr/>
+          </p:nvSpPr>
+          <p:spPr>
+            <a:xfrm>
+              <a:off x="4937048" y="2449892"/>
+              <a:ext cx="1952849" cy="734540"/>
+            </a:xfrm>
+            <a:prstGeom prst="rect">
+              <a:avLst/>
+            </a:prstGeom>
+            <a:ln w="25400"/>
+          </p:spPr>
+          <p:style>
+            <a:lnRef idx="2">
+              <a:schemeClr val="dk1"/>
+            </a:lnRef>
+            <a:fillRef idx="1">
+              <a:schemeClr val="lt1"/>
+            </a:fillRef>
+            <a:effectRef idx="0">
+              <a:schemeClr val="dk1"/>
+            </a:effectRef>
+            <a:fontRef idx="minor">
+              <a:schemeClr val="dk1"/>
+            </a:fontRef>
+          </p:style>
+          <p:txBody>
+            <a:bodyPr rtlCol="0" anchor="ctr"/>
+            <a:lstStyle/>
+            <a:p>
+              <a:pPr algn="ctr"/>
+              <a:r>
+                <a:rPr kumimoji="1" lang="en-US" altLang="ja-JP" sz="1100" b="1" dirty="0">
+                  <a:latin typeface="Hiragino Kaku Gothic ProN W3" panose="020B0300000000000000" pitchFamily="34" charset="-128"/>
+                  <a:ea typeface="Hiragino Kaku Gothic ProN W3" panose="020B0300000000000000" pitchFamily="34" charset="-128"/>
+                  <a:cs typeface="Arial" panose="020B0604020202020204" pitchFamily="34" charset="0"/>
+                </a:rPr>
+                <a:t>Gastrointestinal</a:t>
+              </a:r>
+            </a:p>
+            <a:p>
+              <a:pPr algn="ctr"/>
+              <a:r>
+                <a:rPr lang="en-US" altLang="ja-JP" sz="1100" b="1" dirty="0" err="1">
+                  <a:latin typeface="Hiragino Kaku Gothic ProN W3" panose="020B0300000000000000" pitchFamily="34" charset="-128"/>
+                  <a:ea typeface="Hiragino Kaku Gothic ProN W3" panose="020B0300000000000000" pitchFamily="34" charset="-128"/>
+                  <a:cs typeface="Arial" panose="020B0604020202020204" pitchFamily="34" charset="0"/>
+                </a:rPr>
+                <a:t>submodel</a:t>
+              </a:r>
+              <a:endParaRPr lang="en-US" altLang="ja-JP" sz="1100" b="1" dirty="0">
+                <a:latin typeface="Hiragino Kaku Gothic ProN W3" panose="020B0300000000000000" pitchFamily="34" charset="-128"/>
+                <a:ea typeface="Hiragino Kaku Gothic ProN W3" panose="020B0300000000000000" pitchFamily="34" charset="-128"/>
+                <a:cs typeface="Arial" panose="020B0604020202020204" pitchFamily="34" charset="0"/>
+              </a:endParaRPr>
+            </a:p>
+            <a:p>
+              <a:pPr algn="ctr"/>
+              <a:r>
+                <a:rPr kumimoji="1" lang="en-US" altLang="ja-JP" sz="1100" b="1" dirty="0">
+                  <a:latin typeface="Hiragino Kaku Gothic ProN W3" panose="020B0300000000000000" pitchFamily="34" charset="-128"/>
+                  <a:ea typeface="Hiragino Kaku Gothic ProN W3" panose="020B0300000000000000" pitchFamily="34" charset="-128"/>
+                  <a:cs typeface="Arial" panose="020B0604020202020204" pitchFamily="34" charset="0"/>
+                </a:rPr>
+                <a:t>(</a:t>
+              </a:r>
+              <a:r>
+                <a:rPr kumimoji="1" lang="en-US" altLang="ja-JP" sz="1100" b="1" dirty="0">
+                  <a:solidFill>
+                    <a:srgbClr val="FF0000"/>
+                  </a:solidFill>
+                  <a:latin typeface="Hiragino Kaku Gothic ProN W3" panose="020B0300000000000000" pitchFamily="34" charset="-128"/>
+                  <a:ea typeface="Hiragino Kaku Gothic ProN W3" panose="020B0300000000000000" pitchFamily="34" charset="-128"/>
+                  <a:cs typeface="Arial" panose="020B0604020202020204" pitchFamily="34" charset="0"/>
+                </a:rPr>
+                <a:t>switched system</a:t>
+              </a:r>
+              <a:r>
+                <a:rPr kumimoji="1" lang="en-US" altLang="ja-JP" sz="1100" b="1" dirty="0">
+                  <a:latin typeface="Hiragino Kaku Gothic ProN W3" panose="020B0300000000000000" pitchFamily="34" charset="-128"/>
+                  <a:ea typeface="Hiragino Kaku Gothic ProN W3" panose="020B0300000000000000" pitchFamily="34" charset="-128"/>
+                  <a:cs typeface="Arial" panose="020B0604020202020204" pitchFamily="34" charset="0"/>
+                </a:rPr>
+                <a:t>)</a:t>
+              </a:r>
+              <a:endParaRPr kumimoji="1" lang="ja-JP" altLang="en-US" sz="1100" b="1">
+                <a:latin typeface="Hiragino Kaku Gothic ProN W3" panose="020B0300000000000000" pitchFamily="34" charset="-128"/>
+                <a:ea typeface="Hiragino Kaku Gothic ProN W3" panose="020B0300000000000000" pitchFamily="34" charset="-128"/>
+                <a:cs typeface="Arial" panose="020B0604020202020204" pitchFamily="34" charset="0"/>
+              </a:endParaRPr>
+            </a:p>
+          </p:txBody>
+        </p:sp>
+        <p:sp>
+          <p:nvSpPr>
+            <p:cNvPr id="56" name="正方形/長方形 55">
+              <a:extLst>
+                <a:ext uri="{FF2B5EF4-FFF2-40B4-BE49-F238E27FC236}">
+                  <a16:creationId xmlns:a16="http://schemas.microsoft.com/office/drawing/2014/main" id="{C1D5531A-7AC2-02DD-2E18-723593CA130D}"/>
+                </a:ext>
+              </a:extLst>
+            </p:cNvPr>
+            <p:cNvSpPr/>
+            <p:nvPr/>
+          </p:nvSpPr>
+          <p:spPr>
+            <a:xfrm>
+              <a:off x="4937048" y="3653590"/>
+              <a:ext cx="1952849" cy="734540"/>
+            </a:xfrm>
+            <a:prstGeom prst="rect">
+              <a:avLst/>
+            </a:prstGeom>
+            <a:ln w="25400"/>
+          </p:spPr>
+          <p:style>
+            <a:lnRef idx="2">
+              <a:schemeClr val="dk1"/>
+            </a:lnRef>
+            <a:fillRef idx="1">
+              <a:schemeClr val="lt1"/>
+            </a:fillRef>
+            <a:effectRef idx="0">
+              <a:schemeClr val="dk1"/>
+            </a:effectRef>
+            <a:fontRef idx="minor">
+              <a:schemeClr val="dk1"/>
+            </a:fontRef>
+          </p:style>
+          <p:txBody>
+            <a:bodyPr rtlCol="0" anchor="ctr"/>
+            <a:lstStyle/>
+            <a:p>
+              <a:pPr algn="ctr"/>
+              <a:r>
+                <a:rPr kumimoji="1" lang="en-US" altLang="ja-JP" sz="1100" b="1" dirty="0">
+                  <a:latin typeface="Hiragino Kaku Gothic ProN W3" panose="020B0300000000000000" pitchFamily="34" charset="-128"/>
+                  <a:ea typeface="Hiragino Kaku Gothic ProN W3" panose="020B0300000000000000" pitchFamily="34" charset="-128"/>
+                  <a:cs typeface="Arial" panose="020B0604020202020204" pitchFamily="34" charset="0"/>
+                </a:rPr>
+                <a:t>Subcutaneous</a:t>
+              </a:r>
+            </a:p>
+            <a:p>
+              <a:pPr algn="ctr"/>
+              <a:r>
+                <a:rPr lang="en-US" altLang="ja-JP" sz="1100" b="1" dirty="0">
+                  <a:latin typeface="Hiragino Kaku Gothic ProN W3" panose="020B0300000000000000" pitchFamily="34" charset="-128"/>
+                  <a:ea typeface="Hiragino Kaku Gothic ProN W3" panose="020B0300000000000000" pitchFamily="34" charset="-128"/>
+                  <a:cs typeface="Arial" panose="020B0604020202020204" pitchFamily="34" charset="0"/>
+                </a:rPr>
+                <a:t>Insulin</a:t>
+              </a:r>
+            </a:p>
+            <a:p>
+              <a:pPr algn="ctr"/>
+              <a:r>
+                <a:rPr kumimoji="1" lang="en-US" altLang="ja-JP" sz="1100" b="1" dirty="0">
+                  <a:latin typeface="Hiragino Kaku Gothic ProN W3" panose="020B0300000000000000" pitchFamily="34" charset="-128"/>
+                  <a:ea typeface="Hiragino Kaku Gothic ProN W3" panose="020B0300000000000000" pitchFamily="34" charset="-128"/>
+                  <a:cs typeface="Arial" panose="020B0604020202020204" pitchFamily="34" charset="0"/>
+                </a:rPr>
+                <a:t>Kinetic </a:t>
+              </a:r>
+              <a:r>
+                <a:rPr kumimoji="1" lang="en-US" altLang="ja-JP" sz="1100" b="1" dirty="0" err="1">
+                  <a:latin typeface="Hiragino Kaku Gothic ProN W3" panose="020B0300000000000000" pitchFamily="34" charset="-128"/>
+                  <a:ea typeface="Hiragino Kaku Gothic ProN W3" panose="020B0300000000000000" pitchFamily="34" charset="-128"/>
+                  <a:cs typeface="Arial" panose="020B0604020202020204" pitchFamily="34" charset="0"/>
+                </a:rPr>
+                <a:t>submodel</a:t>
+              </a:r>
+              <a:endParaRPr kumimoji="1" lang="ja-JP" altLang="en-US" sz="1100" b="1">
+                <a:latin typeface="Hiragino Kaku Gothic ProN W3" panose="020B0300000000000000" pitchFamily="34" charset="-128"/>
+                <a:ea typeface="Hiragino Kaku Gothic ProN W3" panose="020B0300000000000000" pitchFamily="34" charset="-128"/>
+                <a:cs typeface="Arial" panose="020B0604020202020204" pitchFamily="34" charset="0"/>
+              </a:endParaRPr>
+            </a:p>
+          </p:txBody>
+        </p:sp>
+        <p:sp>
+          <p:nvSpPr>
+            <p:cNvPr id="57" name="正方形/長方形 56">
+              <a:extLst>
+                <a:ext uri="{FF2B5EF4-FFF2-40B4-BE49-F238E27FC236}">
+                  <a16:creationId xmlns:a16="http://schemas.microsoft.com/office/drawing/2014/main" id="{40A3905C-745D-9790-8518-A82257A18640}"/>
+                </a:ext>
+              </a:extLst>
+            </p:cNvPr>
+            <p:cNvSpPr/>
+            <p:nvPr/>
+          </p:nvSpPr>
+          <p:spPr>
+            <a:xfrm>
+              <a:off x="7350268" y="3061734"/>
+              <a:ext cx="1810410" cy="734532"/>
+            </a:xfrm>
+            <a:prstGeom prst="rect">
+              <a:avLst/>
+            </a:prstGeom>
+            <a:ln w="25400"/>
+          </p:spPr>
+          <p:style>
+            <a:lnRef idx="2">
+              <a:schemeClr val="dk1"/>
+            </a:lnRef>
+            <a:fillRef idx="1">
+              <a:schemeClr val="lt1"/>
+            </a:fillRef>
+            <a:effectRef idx="0">
+              <a:schemeClr val="dk1"/>
+            </a:effectRef>
+            <a:fontRef idx="minor">
+              <a:schemeClr val="dk1"/>
+            </a:fontRef>
+          </p:style>
+          <p:txBody>
+            <a:bodyPr rtlCol="0" anchor="ctr"/>
+            <a:lstStyle/>
+            <a:p>
+              <a:pPr algn="ctr"/>
+              <a:r>
+                <a:rPr kumimoji="1" lang="en-US" altLang="ja-JP" sz="1100" b="1" dirty="0">
+                  <a:latin typeface="Hiragino Kaku Gothic ProN W3" panose="020B0300000000000000" pitchFamily="34" charset="-128"/>
+                  <a:ea typeface="Hiragino Kaku Gothic ProN W3" panose="020B0300000000000000" pitchFamily="34" charset="-128"/>
+                  <a:cs typeface="Arial" panose="020B0604020202020204" pitchFamily="34" charset="0"/>
+                </a:rPr>
+                <a:t>Core </a:t>
+              </a:r>
+              <a:r>
+                <a:rPr kumimoji="1" lang="en-US" altLang="ja-JP" sz="1100" b="1" dirty="0" err="1">
+                  <a:latin typeface="Hiragino Kaku Gothic ProN W3" panose="020B0300000000000000" pitchFamily="34" charset="-128"/>
+                  <a:ea typeface="Hiragino Kaku Gothic ProN W3" panose="020B0300000000000000" pitchFamily="34" charset="-128"/>
+                  <a:cs typeface="Arial" panose="020B0604020202020204" pitchFamily="34" charset="0"/>
+                </a:rPr>
+                <a:t>submodel</a:t>
+              </a:r>
+              <a:endParaRPr kumimoji="1" lang="en-US" altLang="ja-JP" sz="1100" b="1" dirty="0">
+                <a:latin typeface="Hiragino Kaku Gothic ProN W3" panose="020B0300000000000000" pitchFamily="34" charset="-128"/>
+                <a:ea typeface="Hiragino Kaku Gothic ProN W3" panose="020B0300000000000000" pitchFamily="34" charset="-128"/>
+                <a:cs typeface="Arial" panose="020B0604020202020204" pitchFamily="34" charset="0"/>
+              </a:endParaRPr>
+            </a:p>
+            <a:p>
+              <a:pPr algn="ctr"/>
+              <a:r>
+                <a:rPr lang="en-US" altLang="ja-JP" sz="1100" b="1" dirty="0">
+                  <a:latin typeface="Hiragino Kaku Gothic ProN W3" panose="020B0300000000000000" pitchFamily="34" charset="-128"/>
+                  <a:ea typeface="Hiragino Kaku Gothic ProN W3" panose="020B0300000000000000" pitchFamily="34" charset="-128"/>
+                  <a:cs typeface="Arial" panose="020B0604020202020204" pitchFamily="34" charset="0"/>
+                </a:rPr>
+                <a:t>(Bergman model)</a:t>
+              </a:r>
+              <a:endParaRPr kumimoji="1" lang="ja-JP" altLang="en-US" sz="1100" b="1">
+                <a:latin typeface="Hiragino Kaku Gothic ProN W3" panose="020B0300000000000000" pitchFamily="34" charset="-128"/>
+                <a:ea typeface="Hiragino Kaku Gothic ProN W3" panose="020B0300000000000000" pitchFamily="34" charset="-128"/>
+                <a:cs typeface="Arial" panose="020B0604020202020204" pitchFamily="34" charset="0"/>
+              </a:endParaRPr>
+            </a:p>
+          </p:txBody>
+        </p:sp>
+        <p:cxnSp>
+          <p:nvCxnSpPr>
+            <p:cNvPr id="58" name="直線矢印コネクタ 57">
+              <a:extLst>
+                <a:ext uri="{FF2B5EF4-FFF2-40B4-BE49-F238E27FC236}">
+                  <a16:creationId xmlns:a16="http://schemas.microsoft.com/office/drawing/2014/main" id="{B11D9A04-1E24-7449-5FA5-3BC71C24F6D6}"/>
+                </a:ext>
+              </a:extLst>
+            </p:cNvPr>
+            <p:cNvCxnSpPr>
+              <a:cxnSpLocks/>
+            </p:cNvCxnSpPr>
+            <p:nvPr/>
+          </p:nvCxnSpPr>
+          <p:spPr>
+            <a:xfrm>
+              <a:off x="3050396" y="2817162"/>
+              <a:ext cx="1886652" cy="12700"/>
+            </a:xfrm>
+            <a:prstGeom prst="straightConnector1">
+              <a:avLst/>
+            </a:prstGeom>
+            <a:ln>
+              <a:round/>
+              <a:tailEnd type="triangle"/>
+            </a:ln>
+          </p:spPr>
+          <p:style>
+            <a:lnRef idx="2">
+              <a:schemeClr val="dk1"/>
+            </a:lnRef>
+            <a:fillRef idx="0">
+              <a:schemeClr val="dk1"/>
+            </a:fillRef>
+            <a:effectRef idx="1">
+              <a:schemeClr val="dk1"/>
+            </a:effectRef>
+            <a:fontRef idx="minor">
+              <a:schemeClr val="tx1"/>
+            </a:fontRef>
+          </p:style>
+        </p:cxnSp>
+        <mc:AlternateContent xmlns:mc="http://schemas.openxmlformats.org/markup-compatibility/2006">
+          <mc:Choice xmlns:a14="http://schemas.microsoft.com/office/drawing/2010/main" Requires="a14">
+            <p:sp>
+              <p:nvSpPr>
+                <p:cNvPr id="59" name="テキスト ボックス 58">
+                  <a:extLst>
+                    <a:ext uri="{FF2B5EF4-FFF2-40B4-BE49-F238E27FC236}">
+                      <a16:creationId xmlns:a16="http://schemas.microsoft.com/office/drawing/2014/main" id="{6D56E9E6-2342-DF77-6FF7-20D58B57BD56}"/>
+                    </a:ext>
+                  </a:extLst>
+                </p:cNvPr>
+                <p:cNvSpPr txBox="1"/>
+                <p:nvPr/>
+              </p:nvSpPr>
+              <p:spPr>
+                <a:xfrm>
+                  <a:off x="3000969" y="2461629"/>
+                  <a:ext cx="812337" cy="201476"/>
+                </a:xfrm>
+                <a:prstGeom prst="rect">
+                  <a:avLst/>
+                </a:prstGeom>
+                <a:noFill/>
+              </p:spPr>
+              <p:txBody>
+                <a:bodyPr wrap="square" rtlCol="0">
+                  <a:spAutoFit/>
+                </a:bodyPr>
+                <a:lstStyle/>
+                <a:p>
+                  <a:pPr/>
+                  <a14:m>
+                    <m:oMathPara xmlns:m="http://schemas.openxmlformats.org/officeDocument/2006/math">
+                      <m:oMathParaPr>
+                        <m:jc m:val="centerGroup"/>
+                      </m:oMathParaPr>
+                      <m:oMath xmlns:m="http://schemas.openxmlformats.org/officeDocument/2006/math">
+                        <m:sSub>
+                          <m:sSubPr>
+                            <m:ctrlPr>
+                              <a:rPr kumimoji="1" lang="en-US" altLang="ja-JP" sz="1400" i="1" smtClean="0">
+                                <a:latin typeface="Cambria Math" panose="02040503050406030204" pitchFamily="18" charset="0"/>
+                              </a:rPr>
+                            </m:ctrlPr>
+                          </m:sSubPr>
+                          <m:e>
+                            <m:r>
+                              <a:rPr kumimoji="1" lang="en-US" altLang="ja-JP" sz="1400" b="0" i="1" smtClean="0">
+                                <a:latin typeface="Cambria Math" panose="02040503050406030204" pitchFamily="18" charset="0"/>
+                              </a:rPr>
+                              <m:t>𝑑</m:t>
+                            </m:r>
+                          </m:e>
+                          <m:sub>
+                            <m:r>
+                              <a:rPr kumimoji="1" lang="en-US" altLang="ja-JP" sz="1400" b="0" i="1" smtClean="0">
+                                <a:latin typeface="Cambria Math" panose="02040503050406030204" pitchFamily="18" charset="0"/>
+                              </a:rPr>
+                              <m:t>𝑚𝑒𝑎𝑙</m:t>
+                            </m:r>
+                          </m:sub>
+                        </m:sSub>
+                      </m:oMath>
+                    </m:oMathPara>
+                  </a14:m>
+                  <a:endParaRPr kumimoji="1" lang="ja-JP" altLang="en-US" sz="1400"/>
+                </a:p>
+              </p:txBody>
+            </p:sp>
+          </mc:Choice>
+          <mc:Fallback>
+            <p:sp>
+              <p:nvSpPr>
+                <p:cNvPr id="59" name="テキスト ボックス 58">
+                  <a:extLst>
+                    <a:ext uri="{FF2B5EF4-FFF2-40B4-BE49-F238E27FC236}">
+                      <a16:creationId xmlns:a16="http://schemas.microsoft.com/office/drawing/2014/main" id="{6D56E9E6-2342-DF77-6FF7-20D58B57BD56}"/>
+                    </a:ext>
+                  </a:extLst>
+                </p:cNvPr>
+                <p:cNvSpPr txBox="1">
+                  <a:spLocks noRot="1" noChangeAspect="1" noMove="1" noResize="1" noEditPoints="1" noAdjustHandles="1" noChangeArrowheads="1" noChangeShapeType="1" noTextEdit="1"/>
+                </p:cNvSpPr>
+                <p:nvPr/>
+              </p:nvSpPr>
+              <p:spPr>
+                <a:xfrm>
+                  <a:off x="3000969" y="2461629"/>
+                  <a:ext cx="812337" cy="201476"/>
+                </a:xfrm>
+                <a:prstGeom prst="rect">
+                  <a:avLst/>
+                </a:prstGeom>
+                <a:blipFill>
+                  <a:blip r:embed="rId19"/>
+                  <a:stretch>
+                    <a:fillRect b="-20000"/>
+                  </a:stretch>
+                </a:blipFill>
+              </p:spPr>
+              <p:txBody>
+                <a:bodyPr/>
+                <a:lstStyle/>
+                <a:p>
+                  <a:r>
+                    <a:rPr lang="ja-JP" altLang="en-US">
+                      <a:noFill/>
+                    </a:rPr>
+                    <a:t> </a:t>
+                  </a:r>
+                </a:p>
+              </p:txBody>
+            </p:sp>
+          </mc:Fallback>
+        </mc:AlternateContent>
+        <p:cxnSp>
+          <p:nvCxnSpPr>
+            <p:cNvPr id="60" name="カギ線コネクタ 59">
+              <a:extLst>
+                <a:ext uri="{FF2B5EF4-FFF2-40B4-BE49-F238E27FC236}">
+                  <a16:creationId xmlns:a16="http://schemas.microsoft.com/office/drawing/2014/main" id="{30710F11-AB5E-DFC9-EE2E-0E1651009C96}"/>
+                </a:ext>
+              </a:extLst>
+            </p:cNvPr>
+            <p:cNvCxnSpPr>
+              <a:cxnSpLocks/>
+              <a:stCxn id="55" idx="3"/>
+              <a:endCxn id="57" idx="0"/>
+            </p:cNvCxnSpPr>
+            <p:nvPr/>
+          </p:nvCxnSpPr>
+          <p:spPr>
+            <a:xfrm>
+              <a:off x="6889897" y="2817162"/>
+              <a:ext cx="1365576" cy="244572"/>
+            </a:xfrm>
+            <a:prstGeom prst="bentConnector2">
+              <a:avLst/>
+            </a:prstGeom>
+            <a:ln>
+              <a:tailEnd type="triangle"/>
+            </a:ln>
+          </p:spPr>
+          <p:style>
+            <a:lnRef idx="2">
+              <a:schemeClr val="dk1"/>
+            </a:lnRef>
+            <a:fillRef idx="0">
+              <a:schemeClr val="dk1"/>
+            </a:fillRef>
+            <a:effectRef idx="1">
+              <a:schemeClr val="dk1"/>
+            </a:effectRef>
+            <a:fontRef idx="minor">
+              <a:schemeClr val="tx1"/>
+            </a:fontRef>
+          </p:style>
+        </p:cxnSp>
+        <p:cxnSp>
+          <p:nvCxnSpPr>
+            <p:cNvPr id="61" name="カギ線コネクタ 60">
+              <a:extLst>
+                <a:ext uri="{FF2B5EF4-FFF2-40B4-BE49-F238E27FC236}">
+                  <a16:creationId xmlns:a16="http://schemas.microsoft.com/office/drawing/2014/main" id="{D73E586E-47FA-D9CB-33D0-B4E24682397D}"/>
+                </a:ext>
+              </a:extLst>
+            </p:cNvPr>
+            <p:cNvCxnSpPr>
+              <a:cxnSpLocks/>
+              <a:stCxn id="56" idx="3"/>
+              <a:endCxn id="57" idx="2"/>
+            </p:cNvCxnSpPr>
+            <p:nvPr/>
+          </p:nvCxnSpPr>
+          <p:spPr>
+            <a:xfrm flipV="1">
+              <a:off x="6889897" y="3796266"/>
+              <a:ext cx="1365576" cy="224594"/>
+            </a:xfrm>
+            <a:prstGeom prst="bentConnector2">
+              <a:avLst/>
+            </a:prstGeom>
+            <a:ln>
+              <a:tailEnd type="triangle"/>
+            </a:ln>
+          </p:spPr>
+          <p:style>
+            <a:lnRef idx="2">
+              <a:schemeClr val="dk1"/>
+            </a:lnRef>
+            <a:fillRef idx="0">
+              <a:schemeClr val="dk1"/>
+            </a:fillRef>
+            <a:effectRef idx="1">
+              <a:schemeClr val="dk1"/>
+            </a:effectRef>
+            <a:fontRef idx="minor">
+              <a:schemeClr val="tx1"/>
+            </a:fontRef>
+          </p:style>
+        </p:cxnSp>
+        <mc:AlternateContent xmlns:mc="http://schemas.openxmlformats.org/markup-compatibility/2006">
+          <mc:Choice xmlns:a14="http://schemas.microsoft.com/office/drawing/2010/main" Requires="a14">
+            <p:sp>
+              <p:nvSpPr>
+                <p:cNvPr id="62" name="テキスト ボックス 61">
+                  <a:extLst>
+                    <a:ext uri="{FF2B5EF4-FFF2-40B4-BE49-F238E27FC236}">
+                      <a16:creationId xmlns:a16="http://schemas.microsoft.com/office/drawing/2014/main" id="{AFB13473-AECD-22C3-F0CD-EEA0D237464E}"/>
+                    </a:ext>
+                  </a:extLst>
+                </p:cNvPr>
+                <p:cNvSpPr txBox="1"/>
+                <p:nvPr/>
+              </p:nvSpPr>
+              <p:spPr>
+                <a:xfrm>
+                  <a:off x="7567841" y="2537524"/>
+                  <a:ext cx="513346" cy="201476"/>
+                </a:xfrm>
+                <a:prstGeom prst="rect">
+                  <a:avLst/>
+                </a:prstGeom>
+                <a:noFill/>
+              </p:spPr>
+              <p:txBody>
+                <a:bodyPr wrap="square" rtlCol="0">
+                  <a:spAutoFit/>
+                </a:bodyPr>
+                <a:lstStyle/>
+                <a:p>
+                  <a:pPr/>
+                  <a14:m>
+                    <m:oMathPara xmlns:m="http://schemas.openxmlformats.org/officeDocument/2006/math">
+                      <m:oMathParaPr>
+                        <m:jc m:val="centerGroup"/>
+                      </m:oMathParaPr>
+                      <m:oMath xmlns:m="http://schemas.openxmlformats.org/officeDocument/2006/math">
+                        <m:sSub>
+                          <m:sSubPr>
+                            <m:ctrlPr>
+                              <a:rPr kumimoji="1" lang="en-US" altLang="ja-JP" sz="1400" i="1" smtClean="0">
+                                <a:latin typeface="Cambria Math" panose="02040503050406030204" pitchFamily="18" charset="0"/>
+                              </a:rPr>
+                            </m:ctrlPr>
+                          </m:sSubPr>
+                          <m:e>
+                            <m:r>
+                              <a:rPr kumimoji="1" lang="en-US" altLang="ja-JP" sz="1400" b="0" i="1" smtClean="0">
+                                <a:latin typeface="Cambria Math" panose="02040503050406030204" pitchFamily="18" charset="0"/>
+                              </a:rPr>
+                              <m:t>𝑅</m:t>
+                            </m:r>
+                          </m:e>
+                          <m:sub>
+                            <m:r>
+                              <a:rPr kumimoji="1" lang="en-US" altLang="ja-JP" sz="1400" b="0" i="1" smtClean="0">
+                                <a:latin typeface="Cambria Math" panose="02040503050406030204" pitchFamily="18" charset="0"/>
+                              </a:rPr>
+                              <m:t>𝑎</m:t>
+                            </m:r>
+                          </m:sub>
+                        </m:sSub>
+                      </m:oMath>
+                    </m:oMathPara>
+                  </a14:m>
+                  <a:endParaRPr kumimoji="1" lang="ja-JP" altLang="en-US" sz="1400"/>
+                </a:p>
+              </p:txBody>
+            </p:sp>
+          </mc:Choice>
+          <mc:Fallback>
+            <p:sp>
+              <p:nvSpPr>
+                <p:cNvPr id="62" name="テキスト ボックス 61">
+                  <a:extLst>
+                    <a:ext uri="{FF2B5EF4-FFF2-40B4-BE49-F238E27FC236}">
+                      <a16:creationId xmlns:a16="http://schemas.microsoft.com/office/drawing/2014/main" id="{AFB13473-AECD-22C3-F0CD-EEA0D237464E}"/>
+                    </a:ext>
+                  </a:extLst>
+                </p:cNvPr>
+                <p:cNvSpPr txBox="1">
+                  <a:spLocks noRot="1" noChangeAspect="1" noMove="1" noResize="1" noEditPoints="1" noAdjustHandles="1" noChangeArrowheads="1" noChangeShapeType="1" noTextEdit="1"/>
+                </p:cNvSpPr>
+                <p:nvPr/>
+              </p:nvSpPr>
+              <p:spPr>
+                <a:xfrm>
+                  <a:off x="7567841" y="2537524"/>
+                  <a:ext cx="513346" cy="201476"/>
+                </a:xfrm>
+                <a:prstGeom prst="rect">
+                  <a:avLst/>
+                </a:prstGeom>
+                <a:blipFill>
+                  <a:blip r:embed="rId20"/>
+                  <a:stretch>
+                    <a:fillRect b="-9524"/>
+                  </a:stretch>
+                </a:blipFill>
+              </p:spPr>
+              <p:txBody>
+                <a:bodyPr/>
+                <a:lstStyle/>
+                <a:p>
+                  <a:r>
+                    <a:rPr lang="ja-JP" altLang="en-US">
+                      <a:noFill/>
+                    </a:rPr>
+                    <a:t> </a:t>
+                  </a:r>
+                </a:p>
+              </p:txBody>
+            </p:sp>
+          </mc:Fallback>
+        </mc:AlternateContent>
+        <mc:AlternateContent xmlns:mc="http://schemas.openxmlformats.org/markup-compatibility/2006">
+          <mc:Choice xmlns:a14="http://schemas.microsoft.com/office/drawing/2010/main" Requires="a14">
+            <p:sp>
+              <p:nvSpPr>
+                <p:cNvPr id="63" name="テキスト ボックス 62">
+                  <a:extLst>
+                    <a:ext uri="{FF2B5EF4-FFF2-40B4-BE49-F238E27FC236}">
+                      <a16:creationId xmlns:a16="http://schemas.microsoft.com/office/drawing/2014/main" id="{528612F8-DB7D-DE61-56A3-23FB68F0A1C0}"/>
+                    </a:ext>
+                  </a:extLst>
+                </p:cNvPr>
+                <p:cNvSpPr txBox="1"/>
+                <p:nvPr/>
+              </p:nvSpPr>
+              <p:spPr>
+                <a:xfrm>
+                  <a:off x="7619628" y="3984791"/>
+                  <a:ext cx="345864" cy="201476"/>
+                </a:xfrm>
+                <a:prstGeom prst="rect">
+                  <a:avLst/>
+                </a:prstGeom>
+                <a:noFill/>
+              </p:spPr>
+              <p:txBody>
+                <a:bodyPr wrap="square" rtlCol="0">
+                  <a:spAutoFit/>
+                </a:bodyPr>
+                <a:lstStyle/>
+                <a:p>
+                  <a:pPr/>
+                  <a14:m>
+                    <m:oMathPara xmlns:m="http://schemas.openxmlformats.org/officeDocument/2006/math">
+                      <m:oMathParaPr>
+                        <m:jc m:val="centerGroup"/>
+                      </m:oMathParaPr>
+                      <m:oMath xmlns:m="http://schemas.openxmlformats.org/officeDocument/2006/math">
+                        <m:r>
+                          <a:rPr kumimoji="1" lang="en-US" altLang="ja-JP" sz="1400" b="0" i="1" smtClean="0">
+                            <a:latin typeface="Cambria Math" panose="02040503050406030204" pitchFamily="18" charset="0"/>
+                          </a:rPr>
+                          <m:t>𝐼</m:t>
+                        </m:r>
+                      </m:oMath>
+                    </m:oMathPara>
+                  </a14:m>
+                  <a:endParaRPr kumimoji="1" lang="ja-JP" altLang="en-US" sz="1400"/>
+                </a:p>
+              </p:txBody>
+            </p:sp>
+          </mc:Choice>
+          <mc:Fallback>
+            <p:sp>
+              <p:nvSpPr>
+                <p:cNvPr id="63" name="テキスト ボックス 62">
+                  <a:extLst>
+                    <a:ext uri="{FF2B5EF4-FFF2-40B4-BE49-F238E27FC236}">
+                      <a16:creationId xmlns:a16="http://schemas.microsoft.com/office/drawing/2014/main" id="{528612F8-DB7D-DE61-56A3-23FB68F0A1C0}"/>
+                    </a:ext>
+                  </a:extLst>
+                </p:cNvPr>
+                <p:cNvSpPr txBox="1">
+                  <a:spLocks noRot="1" noChangeAspect="1" noMove="1" noResize="1" noEditPoints="1" noAdjustHandles="1" noChangeArrowheads="1" noChangeShapeType="1" noTextEdit="1"/>
+                </p:cNvSpPr>
+                <p:nvPr/>
+              </p:nvSpPr>
+              <p:spPr>
+                <a:xfrm>
+                  <a:off x="7619628" y="3984791"/>
+                  <a:ext cx="345864" cy="201476"/>
+                </a:xfrm>
+                <a:prstGeom prst="rect">
+                  <a:avLst/>
+                </a:prstGeom>
+                <a:blipFill>
+                  <a:blip r:embed="rId21"/>
+                  <a:stretch>
+                    <a:fillRect b="-10000"/>
+                  </a:stretch>
+                </a:blipFill>
+              </p:spPr>
+              <p:txBody>
+                <a:bodyPr/>
+                <a:lstStyle/>
+                <a:p>
+                  <a:r>
+                    <a:rPr lang="ja-JP" altLang="en-US">
+                      <a:noFill/>
+                    </a:rPr>
+                    <a:t> </a:t>
+                  </a:r>
+                </a:p>
+              </p:txBody>
+            </p:sp>
+          </mc:Fallback>
+        </mc:AlternateContent>
+        <p:cxnSp>
+          <p:nvCxnSpPr>
+            <p:cNvPr id="64" name="直線矢印コネクタ 63">
+              <a:extLst>
+                <a:ext uri="{FF2B5EF4-FFF2-40B4-BE49-F238E27FC236}">
+                  <a16:creationId xmlns:a16="http://schemas.microsoft.com/office/drawing/2014/main" id="{1E5E0C58-874C-92D3-08D7-582D6BA2CAC3}"/>
+                </a:ext>
+              </a:extLst>
+            </p:cNvPr>
+            <p:cNvCxnSpPr>
+              <a:cxnSpLocks/>
+            </p:cNvCxnSpPr>
+            <p:nvPr/>
+          </p:nvCxnSpPr>
+          <p:spPr>
+            <a:xfrm>
+              <a:off x="3050396" y="4020860"/>
+              <a:ext cx="1886652" cy="12700"/>
+            </a:xfrm>
+            <a:prstGeom prst="straightConnector1">
+              <a:avLst/>
+            </a:prstGeom>
+            <a:ln>
+              <a:round/>
+              <a:tailEnd type="triangle"/>
+            </a:ln>
+          </p:spPr>
+          <p:style>
+            <a:lnRef idx="2">
+              <a:schemeClr val="dk1"/>
+            </a:lnRef>
+            <a:fillRef idx="0">
+              <a:schemeClr val="dk1"/>
+            </a:fillRef>
+            <a:effectRef idx="1">
+              <a:schemeClr val="dk1"/>
+            </a:effectRef>
+            <a:fontRef idx="minor">
+              <a:schemeClr val="tx1"/>
+            </a:fontRef>
+          </p:style>
+        </p:cxnSp>
+        <mc:AlternateContent xmlns:mc="http://schemas.openxmlformats.org/markup-compatibility/2006">
+          <mc:Choice xmlns:a14="http://schemas.microsoft.com/office/drawing/2010/main" Requires="a14">
+            <p:sp>
+              <p:nvSpPr>
+                <p:cNvPr id="65" name="テキスト ボックス 64">
+                  <a:extLst>
+                    <a:ext uri="{FF2B5EF4-FFF2-40B4-BE49-F238E27FC236}">
+                      <a16:creationId xmlns:a16="http://schemas.microsoft.com/office/drawing/2014/main" id="{DB1AC2A1-FFA9-4872-D2C9-308975BDEA76}"/>
+                    </a:ext>
+                  </a:extLst>
+                </p:cNvPr>
+                <p:cNvSpPr txBox="1"/>
+                <p:nvPr/>
+              </p:nvSpPr>
+              <p:spPr>
+                <a:xfrm>
+                  <a:off x="3176208" y="3631564"/>
+                  <a:ext cx="461858" cy="141034"/>
+                </a:xfrm>
+                <a:prstGeom prst="rect">
+                  <a:avLst/>
+                </a:prstGeom>
+                <a:noFill/>
+              </p:spPr>
+              <p:txBody>
+                <a:bodyPr wrap="square" lIns="0" tIns="0" rIns="0" bIns="0" rtlCol="0">
+                  <a:spAutoFit/>
+                </a:bodyPr>
+                <a:lstStyle/>
+                <a:p>
+                  <a:pPr/>
+                  <a14:m>
+                    <m:oMathPara xmlns:m="http://schemas.openxmlformats.org/officeDocument/2006/math">
+                      <m:oMathParaPr>
+                        <m:jc m:val="centerGroup"/>
+                      </m:oMathParaPr>
+                      <m:oMath xmlns:m="http://schemas.openxmlformats.org/officeDocument/2006/math">
+                        <m:sSub>
+                          <m:sSubPr>
+                            <m:ctrlPr>
+                              <a:rPr kumimoji="1" lang="en-US" altLang="ja-JP" sz="1400" i="1" smtClean="0">
+                                <a:latin typeface="Cambria Math" panose="02040503050406030204" pitchFamily="18" charset="0"/>
+                              </a:rPr>
+                            </m:ctrlPr>
+                          </m:sSubPr>
+                          <m:e>
+                            <m:r>
+                              <a:rPr kumimoji="1" lang="en-US" altLang="ja-JP" sz="1400" b="0" i="1" smtClean="0">
+                                <a:latin typeface="Cambria Math" panose="02040503050406030204" pitchFamily="18" charset="0"/>
+                              </a:rPr>
+                              <m:t>𝑢</m:t>
+                            </m:r>
+                          </m:e>
+                          <m:sub>
+                            <m:r>
+                              <a:rPr kumimoji="1" lang="en-US" altLang="ja-JP" sz="1400" b="0" i="1" smtClean="0">
+                                <a:latin typeface="Cambria Math" panose="02040503050406030204" pitchFamily="18" charset="0"/>
+                              </a:rPr>
+                              <m:t>𝑖𝑛𝑠</m:t>
+                            </m:r>
+                          </m:sub>
+                        </m:sSub>
+                      </m:oMath>
+                    </m:oMathPara>
+                  </a14:m>
+                  <a:endParaRPr kumimoji="1" lang="ja-JP" altLang="en-US" sz="1400"/>
+                </a:p>
+              </p:txBody>
+            </p:sp>
+          </mc:Choice>
+          <mc:Fallback>
+            <p:sp>
+              <p:nvSpPr>
+                <p:cNvPr id="65" name="テキスト ボックス 64">
+                  <a:extLst>
+                    <a:ext uri="{FF2B5EF4-FFF2-40B4-BE49-F238E27FC236}">
+                      <a16:creationId xmlns:a16="http://schemas.microsoft.com/office/drawing/2014/main" id="{DB1AC2A1-FFA9-4872-D2C9-308975BDEA76}"/>
+                    </a:ext>
+                  </a:extLst>
+                </p:cNvPr>
+                <p:cNvSpPr txBox="1">
+                  <a:spLocks noRot="1" noChangeAspect="1" noMove="1" noResize="1" noEditPoints="1" noAdjustHandles="1" noChangeArrowheads="1" noChangeShapeType="1" noTextEdit="1"/>
+                </p:cNvSpPr>
+                <p:nvPr/>
+              </p:nvSpPr>
+              <p:spPr>
+                <a:xfrm>
+                  <a:off x="3176208" y="3631564"/>
+                  <a:ext cx="461858" cy="141034"/>
+                </a:xfrm>
+                <a:prstGeom prst="rect">
+                  <a:avLst/>
+                </a:prstGeom>
+                <a:blipFill>
+                  <a:blip r:embed="rId22"/>
+                  <a:stretch>
+                    <a:fillRect l="-7143" r="-3571" b="-40000"/>
+                  </a:stretch>
+                </a:blipFill>
+              </p:spPr>
+              <p:txBody>
+                <a:bodyPr/>
+                <a:lstStyle/>
+                <a:p>
+                  <a:r>
+                    <a:rPr lang="ja-JP" altLang="en-US">
+                      <a:noFill/>
+                    </a:rPr>
+                    <a:t> </a:t>
+                  </a:r>
+                </a:p>
+              </p:txBody>
+            </p:sp>
+          </mc:Fallback>
+        </mc:AlternateContent>
+        <p:cxnSp>
+          <p:nvCxnSpPr>
+            <p:cNvPr id="66" name="直線矢印コネクタ 65">
+              <a:extLst>
+                <a:ext uri="{FF2B5EF4-FFF2-40B4-BE49-F238E27FC236}">
+                  <a16:creationId xmlns:a16="http://schemas.microsoft.com/office/drawing/2014/main" id="{8D51C55F-82D6-0922-2943-3C79AEBB302C}"/>
+                </a:ext>
+              </a:extLst>
+            </p:cNvPr>
+            <p:cNvCxnSpPr>
+              <a:cxnSpLocks/>
+            </p:cNvCxnSpPr>
+            <p:nvPr/>
+          </p:nvCxnSpPr>
+          <p:spPr>
+            <a:xfrm>
+              <a:off x="9160678" y="3429000"/>
+              <a:ext cx="1482513" cy="0"/>
+            </a:xfrm>
+            <a:prstGeom prst="straightConnector1">
+              <a:avLst/>
+            </a:prstGeom>
+            <a:ln>
+              <a:round/>
+              <a:tailEnd type="triangle"/>
+            </a:ln>
+          </p:spPr>
+          <p:style>
+            <a:lnRef idx="2">
+              <a:schemeClr val="dk1"/>
+            </a:lnRef>
+            <a:fillRef idx="0">
+              <a:schemeClr val="dk1"/>
+            </a:fillRef>
+            <a:effectRef idx="1">
+              <a:schemeClr val="dk1"/>
+            </a:effectRef>
+            <a:fontRef idx="minor">
+              <a:schemeClr val="tx1"/>
+            </a:fontRef>
+          </p:style>
+        </p:cxnSp>
+        <mc:AlternateContent xmlns:mc="http://schemas.openxmlformats.org/markup-compatibility/2006">
+          <mc:Choice xmlns:a14="http://schemas.microsoft.com/office/drawing/2010/main" Requires="a14">
+            <p:sp>
+              <p:nvSpPr>
+                <p:cNvPr id="67" name="テキスト ボックス 66">
+                  <a:extLst>
+                    <a:ext uri="{FF2B5EF4-FFF2-40B4-BE49-F238E27FC236}">
+                      <a16:creationId xmlns:a16="http://schemas.microsoft.com/office/drawing/2014/main" id="{A0604F26-475E-95AC-A46C-81388D833BAD}"/>
+                    </a:ext>
+                  </a:extLst>
+                </p:cNvPr>
+                <p:cNvSpPr txBox="1"/>
+                <p:nvPr/>
+              </p:nvSpPr>
+              <p:spPr>
+                <a:xfrm>
+                  <a:off x="9901934" y="3152001"/>
+                  <a:ext cx="221727" cy="141034"/>
+                </a:xfrm>
+                <a:prstGeom prst="rect">
+                  <a:avLst/>
+                </a:prstGeom>
+                <a:noFill/>
+              </p:spPr>
+              <p:txBody>
+                <a:bodyPr wrap="square" lIns="0" tIns="0" rIns="0" bIns="0" rtlCol="0">
+                  <a:spAutoFit/>
+                </a:bodyPr>
+                <a:lstStyle/>
+                <a:p>
+                  <a:pPr/>
+                  <a14:m>
+                    <m:oMathPara xmlns:m="http://schemas.openxmlformats.org/officeDocument/2006/math">
+                      <m:oMathParaPr>
+                        <m:jc m:val="centerGroup"/>
+                      </m:oMathParaPr>
+                      <m:oMath xmlns:m="http://schemas.openxmlformats.org/officeDocument/2006/math">
+                        <m:r>
+                          <a:rPr kumimoji="1" lang="en-US" altLang="ja-JP" sz="1400" b="0" i="1" smtClean="0">
+                            <a:latin typeface="Cambria Math" panose="02040503050406030204" pitchFamily="18" charset="0"/>
+                          </a:rPr>
+                          <m:t>𝐺</m:t>
+                        </m:r>
+                      </m:oMath>
+                    </m:oMathPara>
+                  </a14:m>
+                  <a:endParaRPr kumimoji="1" lang="ja-JP" altLang="en-US" sz="1400"/>
+                </a:p>
+              </p:txBody>
+            </p:sp>
+          </mc:Choice>
+          <mc:Fallback>
+            <p:sp>
+              <p:nvSpPr>
+                <p:cNvPr id="67" name="テキスト ボックス 66">
+                  <a:extLst>
+                    <a:ext uri="{FF2B5EF4-FFF2-40B4-BE49-F238E27FC236}">
+                      <a16:creationId xmlns:a16="http://schemas.microsoft.com/office/drawing/2014/main" id="{A0604F26-475E-95AC-A46C-81388D833BAD}"/>
+                    </a:ext>
+                  </a:extLst>
+                </p:cNvPr>
+                <p:cNvSpPr txBox="1">
+                  <a:spLocks noRot="1" noChangeAspect="1" noMove="1" noResize="1" noEditPoints="1" noAdjustHandles="1" noChangeArrowheads="1" noChangeShapeType="1" noTextEdit="1"/>
+                </p:cNvSpPr>
+                <p:nvPr/>
+              </p:nvSpPr>
+              <p:spPr>
+                <a:xfrm>
+                  <a:off x="9901934" y="3152001"/>
+                  <a:ext cx="221727" cy="141034"/>
+                </a:xfrm>
+                <a:prstGeom prst="rect">
+                  <a:avLst/>
+                </a:prstGeom>
+                <a:blipFill>
+                  <a:blip r:embed="rId23"/>
+                  <a:stretch>
+                    <a:fillRect l="-21429" r="-14286" b="-28571"/>
+                  </a:stretch>
+                </a:blipFill>
+              </p:spPr>
+              <p:txBody>
+                <a:bodyPr/>
+                <a:lstStyle/>
+                <a:p>
+                  <a:r>
+                    <a:rPr lang="ja-JP" altLang="en-US">
+                      <a:noFill/>
+                    </a:rPr>
+                    <a:t> </a:t>
+                  </a:r>
+                </a:p>
+              </p:txBody>
+            </p:sp>
+          </mc:Fallback>
+        </mc:AlternateContent>
+      </p:grpSp>
+      <mc:AlternateContent xmlns:mc="http://schemas.openxmlformats.org/markup-compatibility/2006">
+        <mc:Choice xmlns:a14="http://schemas.microsoft.com/office/drawing/2010/main" Requires="a14">
+          <p:sp>
+            <p:nvSpPr>
+              <p:cNvPr id="68" name="TextBox 405">
+                <a:extLst>
+                  <a:ext uri="{FF2B5EF4-FFF2-40B4-BE49-F238E27FC236}">
+                    <a16:creationId xmlns:a16="http://schemas.microsoft.com/office/drawing/2014/main" id="{128C3838-9FFB-3854-F7DF-754E07F44FF4}"/>
+                  </a:ext>
+                </a:extLst>
+              </p:cNvPr>
+              <p:cNvSpPr txBox="1"/>
+              <p:nvPr/>
+            </p:nvSpPr>
+            <p:spPr>
+              <a:xfrm>
+                <a:off x="15439338" y="15707654"/>
+                <a:ext cx="10908253" cy="1179105"/>
+              </a:xfrm>
+              <a:prstGeom prst="rect">
+                <a:avLst/>
+              </a:prstGeom>
+              <a:noFill/>
+            </p:spPr>
+            <p:txBody>
+              <a:bodyPr wrap="square" lIns="0" tIns="0" rIns="0" bIns="0" rtlCol="0">
+                <a:spAutoFit/>
+              </a:bodyPr>
+              <a:lstStyle/>
+              <a:p>
+                <a:pPr/>
+                <a14:m>
+                  <m:oMathPara xmlns:m="http://schemas.openxmlformats.org/officeDocument/2006/math">
+                    <m:oMathParaPr>
+                      <m:jc m:val="centerGroup"/>
+                    </m:oMathParaPr>
+                    <m:oMath xmlns:m="http://schemas.openxmlformats.org/officeDocument/2006/math">
+                      <m:r>
+                        <a:rPr lang="en-US" sz="2400" b="0" i="1" smtClean="0">
+                          <a:latin typeface="Cambria Math" panose="02040503050406030204" pitchFamily="18" charset="0"/>
+                        </a:rPr>
+                        <m:t>𝑥</m:t>
+                      </m:r>
+                      <m:d>
+                        <m:dPr>
+                          <m:ctrlPr>
+                            <a:rPr lang="en-US" sz="2400" b="0" i="1" smtClean="0">
+                              <a:latin typeface="Cambria Math" panose="02040503050406030204" pitchFamily="18" charset="0"/>
+                            </a:rPr>
+                          </m:ctrlPr>
+                        </m:dPr>
+                        <m:e>
+                          <m:r>
+                            <a:rPr lang="en-US" sz="2400" b="0" i="1" smtClean="0">
+                              <a:latin typeface="Cambria Math" panose="02040503050406030204" pitchFamily="18" charset="0"/>
+                            </a:rPr>
+                            <m:t>𝑘</m:t>
+                          </m:r>
+                          <m:r>
+                            <a:rPr lang="en-US" sz="2400" b="0" i="1" smtClean="0">
+                              <a:latin typeface="Cambria Math" panose="02040503050406030204" pitchFamily="18" charset="0"/>
+                            </a:rPr>
+                            <m:t>+1</m:t>
+                          </m:r>
+                        </m:e>
+                      </m:d>
+                      <m:r>
+                        <a:rPr lang="en-US" sz="2400" i="1" smtClean="0">
+                          <a:latin typeface="Cambria Math" panose="02040503050406030204" pitchFamily="18" charset="0"/>
+                        </a:rPr>
+                        <m:t>=</m:t>
+                      </m:r>
+                      <m:d>
+                        <m:dPr>
+                          <m:begChr m:val="{"/>
+                          <m:endChr m:val=""/>
+                          <m:ctrlPr>
+                            <a:rPr lang="en-US" sz="2400" i="1" smtClean="0">
+                              <a:latin typeface="Cambria Math" panose="02040503050406030204" pitchFamily="18" charset="0"/>
+                            </a:rPr>
+                          </m:ctrlPr>
+                        </m:dPr>
+                        <m:e>
+                          <m:eqArr>
+                            <m:eqArrPr>
+                              <m:ctrlPr>
+                                <a:rPr lang="en-US" sz="2400" i="1" smtClean="0">
+                                  <a:latin typeface="Cambria Math" panose="02040503050406030204" pitchFamily="18" charset="0"/>
+                                </a:rPr>
+                              </m:ctrlPr>
+                            </m:eqArrPr>
+                            <m:e>
+                              <m:r>
+                                <a:rPr lang="en-US" sz="2400" i="1" smtClean="0">
+                                  <a:latin typeface="Cambria Math" panose="02040503050406030204" pitchFamily="18" charset="0"/>
+                                </a:rPr>
+                                <m:t>&amp;</m:t>
+                              </m:r>
+                              <m:r>
+                                <a:rPr lang="en-US" sz="2400" b="0" i="1" smtClean="0">
+                                  <a:latin typeface="Cambria Math" panose="02040503050406030204" pitchFamily="18" charset="0"/>
+                                </a:rPr>
+                                <m:t>𝜓</m:t>
+                              </m:r>
+                              <m:d>
+                                <m:dPr>
+                                  <m:ctrlPr>
+                                    <a:rPr lang="en-US" sz="2400" b="0" i="1" smtClean="0">
+                                      <a:latin typeface="Cambria Math" panose="02040503050406030204" pitchFamily="18" charset="0"/>
+                                    </a:rPr>
+                                  </m:ctrlPr>
+                                </m:dPr>
+                                <m:e>
+                                  <m:r>
+                                    <a:rPr lang="en-US" sz="2400" b="0" i="1" smtClean="0">
+                                      <a:latin typeface="Cambria Math" panose="02040503050406030204" pitchFamily="18" charset="0"/>
+                                    </a:rPr>
+                                    <m:t>𝑥</m:t>
+                                  </m:r>
+                                  <m:d>
+                                    <m:dPr>
+                                      <m:ctrlPr>
+                                        <a:rPr lang="en-US" sz="2400" b="0" i="1" smtClean="0">
+                                          <a:latin typeface="Cambria Math" panose="02040503050406030204" pitchFamily="18" charset="0"/>
+                                        </a:rPr>
+                                      </m:ctrlPr>
+                                    </m:dPr>
+                                    <m:e>
+                                      <m:r>
+                                        <a:rPr lang="en-US" sz="2400" b="0" i="1" smtClean="0">
+                                          <a:latin typeface="Cambria Math" panose="02040503050406030204" pitchFamily="18" charset="0"/>
+                                        </a:rPr>
+                                        <m:t>𝑘</m:t>
+                                      </m:r>
+                                    </m:e>
+                                  </m:d>
+                                  <m:r>
+                                    <a:rPr lang="en-US" sz="2400" b="0" i="1" smtClean="0">
+                                      <a:latin typeface="Cambria Math" panose="02040503050406030204" pitchFamily="18" charset="0"/>
+                                    </a:rPr>
+                                    <m:t>,</m:t>
+                                  </m:r>
+                                  <m:r>
+                                    <a:rPr lang="en-US" sz="2400" b="0" i="1" smtClean="0">
+                                      <a:latin typeface="Cambria Math" panose="02040503050406030204" pitchFamily="18" charset="0"/>
+                                    </a:rPr>
+                                    <m:t>𝑢</m:t>
+                                  </m:r>
+                                  <m:d>
+                                    <m:dPr>
+                                      <m:ctrlPr>
+                                        <a:rPr lang="en-US" sz="2400" b="0" i="1" smtClean="0">
+                                          <a:latin typeface="Cambria Math" panose="02040503050406030204" pitchFamily="18" charset="0"/>
+                                        </a:rPr>
+                                      </m:ctrlPr>
+                                    </m:dPr>
+                                    <m:e>
+                                      <m:r>
+                                        <a:rPr lang="en-US" sz="2400" b="0" i="1" smtClean="0">
+                                          <a:latin typeface="Cambria Math" panose="02040503050406030204" pitchFamily="18" charset="0"/>
+                                        </a:rPr>
+                                        <m:t>𝑘</m:t>
+                                      </m:r>
+                                    </m:e>
+                                  </m:d>
+                                  <m:r>
+                                    <a:rPr lang="en-US" sz="2400" b="0" i="1" smtClean="0">
+                                      <a:latin typeface="Cambria Math" panose="02040503050406030204" pitchFamily="18" charset="0"/>
+                                    </a:rPr>
+                                    <m:t>,</m:t>
+                                  </m:r>
+                                  <m:r>
+                                    <a:rPr lang="en-US" sz="2400" b="0" i="1" smtClean="0">
+                                      <a:solidFill>
+                                        <a:srgbClr val="C00000"/>
+                                      </a:solidFill>
+                                      <a:latin typeface="Cambria Math" panose="02040503050406030204" pitchFamily="18" charset="0"/>
+                                    </a:rPr>
+                                    <m:t>𝜃</m:t>
+                                  </m:r>
+                                  <m:r>
+                                    <a:rPr lang="en-US" sz="2400" b="0" i="1" smtClean="0">
+                                      <a:latin typeface="Cambria Math" panose="02040503050406030204" pitchFamily="18" charset="0"/>
+                                    </a:rPr>
+                                    <m:t>,</m:t>
+                                  </m:r>
+                                  <m:sSub>
+                                    <m:sSubPr>
+                                      <m:ctrlPr>
+                                        <a:rPr lang="en-US" sz="2400" b="0" i="1" smtClean="0">
+                                          <a:solidFill>
+                                            <a:srgbClr val="C00000"/>
+                                          </a:solidFill>
+                                          <a:latin typeface="Cambria Math" panose="02040503050406030204" pitchFamily="18" charset="0"/>
+                                        </a:rPr>
+                                      </m:ctrlPr>
+                                    </m:sSubPr>
+                                    <m:e>
+                                      <m:r>
+                                        <a:rPr lang="en-US" sz="2400" b="0" i="1" smtClean="0">
+                                          <a:solidFill>
+                                            <a:srgbClr val="C00000"/>
+                                          </a:solidFill>
+                                          <a:latin typeface="Cambria Math" panose="02040503050406030204" pitchFamily="18" charset="0"/>
+                                        </a:rPr>
+                                        <m:t>𝑘</m:t>
+                                      </m:r>
+                                    </m:e>
+                                    <m:sub>
+                                      <m:r>
+                                        <a:rPr lang="en-US" sz="2400" b="0" i="1" smtClean="0">
+                                          <a:solidFill>
+                                            <a:srgbClr val="C00000"/>
+                                          </a:solidFill>
+                                          <a:latin typeface="Cambria Math" panose="02040503050406030204" pitchFamily="18" charset="0"/>
+                                        </a:rPr>
+                                        <m:t>𝛾</m:t>
+                                      </m:r>
+                                      <m:r>
+                                        <a:rPr lang="en-US" sz="2400" b="0" i="1" smtClean="0">
+                                          <a:solidFill>
+                                            <a:srgbClr val="C00000"/>
+                                          </a:solidFill>
+                                          <a:latin typeface="Cambria Math" panose="02040503050406030204" pitchFamily="18" charset="0"/>
+                                        </a:rPr>
+                                        <m:t>0</m:t>
+                                      </m:r>
+                                    </m:sub>
+                                  </m:sSub>
+                                </m:e>
+                              </m:d>
+                              <m:r>
+                                <a:rPr lang="en-US" sz="2400" b="0" i="1" smtClean="0">
+                                  <a:latin typeface="Cambria Math" panose="02040503050406030204" pitchFamily="18" charset="0"/>
+                                </a:rPr>
+                                <m:t>     </m:t>
+                              </m:r>
+                              <m:r>
+                                <m:rPr>
+                                  <m:sty m:val="p"/>
+                                </m:rPr>
+                                <a:rPr lang="en-US" sz="2400" b="0" i="0" smtClean="0">
+                                  <a:latin typeface="Cambria Math" panose="02040503050406030204" pitchFamily="18" charset="0"/>
+                                </a:rPr>
+                                <m:t>if</m:t>
+                              </m:r>
+                              <m:r>
+                                <a:rPr lang="en-US" sz="2400" b="0" i="1" smtClean="0">
+                                  <a:latin typeface="Cambria Math" panose="02040503050406030204" pitchFamily="18" charset="0"/>
+                                </a:rPr>
+                                <m:t>  </m:t>
+                              </m:r>
+                              <m:sSub>
+                                <m:sSubPr>
+                                  <m:ctrlPr>
+                                    <a:rPr lang="en-US" sz="2400" b="0" i="1" smtClean="0">
+                                      <a:solidFill>
+                                        <a:srgbClr val="C00000"/>
+                                      </a:solidFill>
+                                      <a:latin typeface="Cambria Math" panose="02040503050406030204" pitchFamily="18" charset="0"/>
+                                    </a:rPr>
+                                  </m:ctrlPr>
+                                </m:sSubPr>
+                                <m:e>
+                                  <m:r>
+                                    <a:rPr lang="en-US" sz="2400" b="0" i="1" smtClean="0">
+                                      <a:solidFill>
+                                        <a:srgbClr val="C00000"/>
+                                      </a:solidFill>
+                                      <a:latin typeface="Cambria Math" panose="02040503050406030204" pitchFamily="18" charset="0"/>
+                                    </a:rPr>
+                                    <m:t>𝑞</m:t>
+                                  </m:r>
+                                </m:e>
+                                <m:sub>
+                                  <m:r>
+                                    <a:rPr lang="en-US" sz="2400" b="0" i="1" smtClean="0">
+                                      <a:solidFill>
+                                        <a:srgbClr val="C00000"/>
+                                      </a:solidFill>
+                                      <a:latin typeface="Cambria Math" panose="02040503050406030204" pitchFamily="18" charset="0"/>
+                                    </a:rPr>
+                                    <m:t>1</m:t>
+                                  </m:r>
+                                </m:sub>
+                              </m:sSub>
+                              <m:r>
+                                <a:rPr lang="en-US" sz="2400" b="0" i="1" smtClean="0">
+                                  <a:latin typeface="Cambria Math" panose="02040503050406030204" pitchFamily="18" charset="0"/>
+                                </a:rPr>
+                                <m:t>𝐷</m:t>
+                              </m:r>
+                              <m:d>
+                                <m:dPr>
+                                  <m:ctrlPr>
+                                    <a:rPr lang="en-US" sz="2400" b="0" i="1" smtClean="0">
+                                      <a:latin typeface="Cambria Math" panose="02040503050406030204" pitchFamily="18" charset="0"/>
+                                    </a:rPr>
+                                  </m:ctrlPr>
+                                </m:dPr>
+                                <m:e>
+                                  <m:r>
+                                    <a:rPr lang="en-US" sz="2400" b="0" i="1" smtClean="0">
+                                      <a:latin typeface="Cambria Math" panose="02040503050406030204" pitchFamily="18" charset="0"/>
+                                    </a:rPr>
+                                    <m:t>𝑘</m:t>
+                                  </m:r>
+                                </m:e>
+                              </m:d>
+                              <m:r>
+                                <a:rPr lang="en-US" sz="2400" b="0" i="1" smtClean="0">
+                                  <a:latin typeface="Cambria Math" panose="02040503050406030204" pitchFamily="18" charset="0"/>
+                                </a:rPr>
+                                <m:t>≤</m:t>
+                              </m:r>
+                              <m:r>
+                                <a:rPr lang="en-US" sz="2400" b="0" i="1" smtClean="0">
+                                  <a:latin typeface="Cambria Math" panose="02040503050406030204" pitchFamily="18" charset="0"/>
+                                </a:rPr>
+                                <m:t>𝑆𝑥</m:t>
+                              </m:r>
+                              <m:d>
+                                <m:dPr>
+                                  <m:ctrlPr>
+                                    <a:rPr lang="en-US" sz="2400" b="0" i="1" smtClean="0">
+                                      <a:latin typeface="Cambria Math" panose="02040503050406030204" pitchFamily="18" charset="0"/>
+                                    </a:rPr>
+                                  </m:ctrlPr>
+                                </m:dPr>
+                                <m:e>
+                                  <m:r>
+                                    <a:rPr lang="en-US" sz="2400" b="0" i="1" smtClean="0">
+                                      <a:latin typeface="Cambria Math" panose="02040503050406030204" pitchFamily="18" charset="0"/>
+                                    </a:rPr>
+                                    <m:t>𝑘</m:t>
+                                  </m:r>
+                                </m:e>
+                              </m:d>
+                              <m:r>
+                                <a:rPr lang="en-US" sz="2400" b="0" i="1" smtClean="0">
+                                  <a:latin typeface="Cambria Math" panose="02040503050406030204" pitchFamily="18" charset="0"/>
+                                </a:rPr>
+                                <m:t>&lt;</m:t>
+                              </m:r>
+                              <m:sSub>
+                                <m:sSubPr>
+                                  <m:ctrlPr>
+                                    <a:rPr lang="en-US" sz="2400" b="0" i="1" smtClean="0">
+                                      <a:solidFill>
+                                        <a:srgbClr val="C00000"/>
+                                      </a:solidFill>
+                                      <a:latin typeface="Cambria Math" panose="02040503050406030204" pitchFamily="18" charset="0"/>
+                                    </a:rPr>
+                                  </m:ctrlPr>
+                                </m:sSubPr>
+                                <m:e>
+                                  <m:r>
+                                    <a:rPr lang="en-US" sz="2400" b="0" i="1" smtClean="0">
+                                      <a:solidFill>
+                                        <a:srgbClr val="C00000"/>
+                                      </a:solidFill>
+                                      <a:latin typeface="Cambria Math" panose="02040503050406030204" pitchFamily="18" charset="0"/>
+                                    </a:rPr>
+                                    <m:t>𝑞</m:t>
+                                  </m:r>
+                                </m:e>
+                                <m:sub>
+                                  <m:r>
+                                    <a:rPr lang="en-US" sz="2400" b="0" i="1" smtClean="0">
+                                      <a:solidFill>
+                                        <a:srgbClr val="C00000"/>
+                                      </a:solidFill>
+                                      <a:latin typeface="Cambria Math" panose="02040503050406030204" pitchFamily="18" charset="0"/>
+                                    </a:rPr>
+                                    <m:t>2</m:t>
+                                  </m:r>
+                                </m:sub>
+                              </m:sSub>
+                              <m:r>
+                                <a:rPr lang="en-US" sz="2400" b="0" i="1" smtClean="0">
+                                  <a:latin typeface="Cambria Math" panose="02040503050406030204" pitchFamily="18" charset="0"/>
+                                </a:rPr>
+                                <m:t>𝐷</m:t>
+                              </m:r>
+                              <m:d>
+                                <m:dPr>
+                                  <m:ctrlPr>
+                                    <a:rPr lang="en-US" sz="2400" b="0" i="1" smtClean="0">
+                                      <a:latin typeface="Cambria Math" panose="02040503050406030204" pitchFamily="18" charset="0"/>
+                                    </a:rPr>
+                                  </m:ctrlPr>
+                                </m:dPr>
+                                <m:e>
+                                  <m:r>
+                                    <a:rPr lang="en-US" sz="2400" b="0" i="1" smtClean="0">
+                                      <a:latin typeface="Cambria Math" panose="02040503050406030204" pitchFamily="18" charset="0"/>
+                                    </a:rPr>
+                                    <m:t>𝑘</m:t>
+                                  </m:r>
+                                </m:e>
+                              </m:d>
+                              <m:r>
+                                <a:rPr lang="en-US" sz="2400" b="0" i="1" smtClean="0">
+                                  <a:latin typeface="Cambria Math" panose="02040503050406030204" pitchFamily="18" charset="0"/>
+                                </a:rPr>
+                                <m:t>,</m:t>
+                              </m:r>
+                              <m:r>
+                                <a:rPr lang="ja-JP" altLang="en-US" sz="2400" b="0" i="1" smtClean="0">
+                                  <a:latin typeface="Cambria Math" panose="02040503050406030204" pitchFamily="18" charset="0"/>
+                                </a:rPr>
+                                <m:t>　</m:t>
+                              </m:r>
+                              <m:r>
+                                <a:rPr lang="en-US" altLang="ja-JP" sz="2400" b="0" i="1" smtClean="0">
+                                  <a:latin typeface="Cambria Math" panose="02040503050406030204" pitchFamily="18" charset="0"/>
+                                </a:rPr>
+                                <m:t>(</m:t>
+                              </m:r>
+                              <m:r>
+                                <m:rPr>
+                                  <m:sty m:val="p"/>
+                                </m:rPr>
+                                <a:rPr lang="en-US" altLang="ja-JP" sz="2400" b="0" i="0" smtClean="0">
+                                  <a:latin typeface="Cambria Math" panose="02040503050406030204" pitchFamily="18" charset="0"/>
+                                </a:rPr>
+                                <m:t>mode</m:t>
+                              </m:r>
+                              <m:r>
+                                <a:rPr lang="en-US" altLang="ja-JP" sz="2400" b="0" i="1" smtClean="0">
+                                  <a:latin typeface="Cambria Math" panose="02040503050406030204" pitchFamily="18" charset="0"/>
+                                </a:rPr>
+                                <m:t> 0)</m:t>
+                              </m:r>
+                            </m:e>
+                            <m:e>
+                              <m:r>
+                                <a:rPr lang="en-US" sz="2400" i="1" smtClean="0">
+                                  <a:latin typeface="Cambria Math" panose="02040503050406030204" pitchFamily="18" charset="0"/>
+                                </a:rPr>
+                                <m:t>&amp;</m:t>
+                              </m:r>
+                              <m:r>
+                                <a:rPr lang="en-US" sz="2400" b="0" i="1" smtClean="0">
+                                  <a:latin typeface="Cambria Math" panose="02040503050406030204" pitchFamily="18" charset="0"/>
+                                </a:rPr>
+                                <m:t>𝜓</m:t>
+                              </m:r>
+                              <m:d>
+                                <m:dPr>
+                                  <m:ctrlPr>
+                                    <a:rPr lang="en-US" sz="2400" b="0" i="1" smtClean="0">
+                                      <a:latin typeface="Cambria Math" panose="02040503050406030204" pitchFamily="18" charset="0"/>
+                                    </a:rPr>
+                                  </m:ctrlPr>
+                                </m:dPr>
+                                <m:e>
+                                  <m:r>
+                                    <a:rPr lang="en-US" sz="2400" b="0" i="1" smtClean="0">
+                                      <a:latin typeface="Cambria Math" panose="02040503050406030204" pitchFamily="18" charset="0"/>
+                                    </a:rPr>
+                                    <m:t>𝑥</m:t>
+                                  </m:r>
+                                  <m:d>
+                                    <m:dPr>
+                                      <m:ctrlPr>
+                                        <a:rPr lang="en-US" sz="2400" b="0" i="1" smtClean="0">
+                                          <a:latin typeface="Cambria Math" panose="02040503050406030204" pitchFamily="18" charset="0"/>
+                                        </a:rPr>
+                                      </m:ctrlPr>
+                                    </m:dPr>
+                                    <m:e>
+                                      <m:r>
+                                        <a:rPr lang="en-US" sz="2400" b="0" i="1" smtClean="0">
+                                          <a:latin typeface="Cambria Math" panose="02040503050406030204" pitchFamily="18" charset="0"/>
+                                        </a:rPr>
+                                        <m:t>𝑘</m:t>
+                                      </m:r>
+                                    </m:e>
+                                  </m:d>
+                                  <m:r>
+                                    <a:rPr lang="en-US" sz="2400" b="0" i="1" smtClean="0">
+                                      <a:latin typeface="Cambria Math" panose="02040503050406030204" pitchFamily="18" charset="0"/>
+                                    </a:rPr>
+                                    <m:t>,</m:t>
+                                  </m:r>
+                                  <m:r>
+                                    <a:rPr lang="en-US" sz="2400" b="0" i="1" smtClean="0">
+                                      <a:latin typeface="Cambria Math" panose="02040503050406030204" pitchFamily="18" charset="0"/>
+                                    </a:rPr>
+                                    <m:t>𝑢</m:t>
+                                  </m:r>
+                                  <m:d>
+                                    <m:dPr>
+                                      <m:ctrlPr>
+                                        <a:rPr lang="en-US" sz="2400" b="0" i="1" smtClean="0">
+                                          <a:latin typeface="Cambria Math" panose="02040503050406030204" pitchFamily="18" charset="0"/>
+                                        </a:rPr>
+                                      </m:ctrlPr>
+                                    </m:dPr>
+                                    <m:e>
+                                      <m:r>
+                                        <a:rPr lang="en-US" sz="2400" b="0" i="1" smtClean="0">
+                                          <a:latin typeface="Cambria Math" panose="02040503050406030204" pitchFamily="18" charset="0"/>
+                                        </a:rPr>
+                                        <m:t>𝑘</m:t>
+                                      </m:r>
+                                    </m:e>
+                                  </m:d>
+                                  <m:r>
+                                    <a:rPr lang="en-US" sz="2400" b="0" i="1" smtClean="0">
+                                      <a:latin typeface="Cambria Math" panose="02040503050406030204" pitchFamily="18" charset="0"/>
+                                    </a:rPr>
+                                    <m:t>,</m:t>
+                                  </m:r>
+                                  <m:r>
+                                    <a:rPr lang="en-US" sz="2400" b="0" i="1" smtClean="0">
+                                      <a:solidFill>
+                                        <a:srgbClr val="C00000"/>
+                                      </a:solidFill>
+                                      <a:latin typeface="Cambria Math" panose="02040503050406030204" pitchFamily="18" charset="0"/>
+                                    </a:rPr>
+                                    <m:t>𝜃</m:t>
+                                  </m:r>
+                                  <m:r>
+                                    <a:rPr lang="en-US" sz="2400" b="0" i="1" smtClean="0">
+                                      <a:latin typeface="Cambria Math" panose="02040503050406030204" pitchFamily="18" charset="0"/>
+                                    </a:rPr>
+                                    <m:t>,</m:t>
+                                  </m:r>
+                                  <m:sSub>
+                                    <m:sSubPr>
+                                      <m:ctrlPr>
+                                        <a:rPr lang="en-US" sz="2400" b="0" i="1" smtClean="0">
+                                          <a:solidFill>
+                                            <a:srgbClr val="C00000"/>
+                                          </a:solidFill>
+                                          <a:latin typeface="Cambria Math" panose="02040503050406030204" pitchFamily="18" charset="0"/>
+                                        </a:rPr>
+                                      </m:ctrlPr>
+                                    </m:sSubPr>
+                                    <m:e>
+                                      <m:r>
+                                        <a:rPr lang="en-US" sz="2400" b="0" i="1" smtClean="0">
+                                          <a:solidFill>
+                                            <a:srgbClr val="C00000"/>
+                                          </a:solidFill>
+                                          <a:latin typeface="Cambria Math" panose="02040503050406030204" pitchFamily="18" charset="0"/>
+                                        </a:rPr>
+                                        <m:t>𝑘</m:t>
+                                      </m:r>
+                                    </m:e>
+                                    <m:sub>
+                                      <m:r>
+                                        <a:rPr lang="en-US" sz="2400" b="0" i="1" smtClean="0">
+                                          <a:solidFill>
+                                            <a:srgbClr val="C00000"/>
+                                          </a:solidFill>
+                                          <a:latin typeface="Cambria Math" panose="02040503050406030204" pitchFamily="18" charset="0"/>
+                                        </a:rPr>
+                                        <m:t>𝛾</m:t>
+                                      </m:r>
+                                      <m:r>
+                                        <a:rPr lang="en-US" sz="2400" b="0" i="1" smtClean="0">
+                                          <a:solidFill>
+                                            <a:srgbClr val="C00000"/>
+                                          </a:solidFill>
+                                          <a:latin typeface="Cambria Math" panose="02040503050406030204" pitchFamily="18" charset="0"/>
+                                        </a:rPr>
+                                        <m:t>1</m:t>
+                                      </m:r>
+                                    </m:sub>
+                                  </m:sSub>
+                                </m:e>
+                              </m:d>
+                              <m:r>
+                                <a:rPr lang="en-US" sz="2400" b="0" i="1" smtClean="0">
+                                  <a:latin typeface="Cambria Math" panose="02040503050406030204" pitchFamily="18" charset="0"/>
+                                </a:rPr>
+                                <m:t>     </m:t>
+                              </m:r>
+                              <m:r>
+                                <m:rPr>
+                                  <m:sty m:val="p"/>
+                                </m:rPr>
+                                <a:rPr lang="en-US" sz="2400" b="0" i="0" smtClean="0">
+                                  <a:latin typeface="Cambria Math" panose="02040503050406030204" pitchFamily="18" charset="0"/>
+                                </a:rPr>
+                                <m:t>otherwise</m:t>
+                              </m:r>
+                              <m:r>
+                                <a:rPr lang="en-US" sz="2400" b="0" i="1" smtClean="0">
+                                  <a:latin typeface="Cambria Math" panose="02040503050406030204" pitchFamily="18" charset="0"/>
+                                </a:rPr>
+                                <m:t>,                                   (</m:t>
+                              </m:r>
+                              <m:r>
+                                <m:rPr>
+                                  <m:sty m:val="p"/>
+                                </m:rPr>
+                                <a:rPr lang="en-US" sz="2400" b="0" i="0" smtClean="0">
+                                  <a:latin typeface="Cambria Math" panose="02040503050406030204" pitchFamily="18" charset="0"/>
+                                </a:rPr>
+                                <m:t>mode</m:t>
+                              </m:r>
+                              <m:r>
+                                <a:rPr lang="en-US" sz="2400" b="0" i="1" smtClean="0">
+                                  <a:latin typeface="Cambria Math" panose="02040503050406030204" pitchFamily="18" charset="0"/>
+                                </a:rPr>
+                                <m:t> 1)</m:t>
+                              </m:r>
+                            </m:e>
+                          </m:eqArr>
+                        </m:e>
+                      </m:d>
+                    </m:oMath>
+                  </m:oMathPara>
+                </a14:m>
+                <a:endParaRPr lang="en-JP" sz="2400" dirty="0"/>
+              </a:p>
+            </p:txBody>
+          </p:sp>
+        </mc:Choice>
+        <mc:Fallback>
+          <p:sp>
+            <p:nvSpPr>
+              <p:cNvPr id="68" name="TextBox 405">
+                <a:extLst>
+                  <a:ext uri="{FF2B5EF4-FFF2-40B4-BE49-F238E27FC236}">
+                    <a16:creationId xmlns:a16="http://schemas.microsoft.com/office/drawing/2014/main" id="{128C3838-9FFB-3854-F7DF-754E07F44FF4}"/>
+                  </a:ext>
+                </a:extLst>
+              </p:cNvPr>
+              <p:cNvSpPr txBox="1">
+                <a:spLocks noRot="1" noChangeAspect="1" noMove="1" noResize="1" noEditPoints="1" noAdjustHandles="1" noChangeArrowheads="1" noChangeShapeType="1" noTextEdit="1"/>
+              </p:cNvSpPr>
+              <p:nvPr/>
+            </p:nvSpPr>
+            <p:spPr>
+              <a:xfrm>
+                <a:off x="15439338" y="15707654"/>
+                <a:ext cx="10908253" cy="1179105"/>
+              </a:xfrm>
+              <a:prstGeom prst="rect">
+                <a:avLst/>
+              </a:prstGeom>
+              <a:blipFill>
+                <a:blip r:embed="rId24"/>
+                <a:stretch>
+                  <a:fillRect l="-2907" t="-229787" b="-327660"/>
+                </a:stretch>
+              </a:blipFill>
+            </p:spPr>
+            <p:txBody>
+              <a:bodyPr/>
+              <a:lstStyle/>
+              <a:p>
+                <a:r>
+                  <a:rPr lang="ja-JP" altLang="en-US">
+                    <a:noFill/>
+                  </a:rPr>
+                  <a:t> </a:t>
+                </a:r>
+              </a:p>
+            </p:txBody>
+          </p:sp>
+        </mc:Fallback>
+      </mc:AlternateContent>
+      <mc:AlternateContent xmlns:mc="http://schemas.openxmlformats.org/markup-compatibility/2006">
+        <mc:Choice xmlns:a14="http://schemas.microsoft.com/office/drawing/2010/main" Requires="a14">
+          <p:sp>
+            <p:nvSpPr>
+              <p:cNvPr id="69" name="TextBox 383">
+                <a:extLst>
+                  <a:ext uri="{FF2B5EF4-FFF2-40B4-BE49-F238E27FC236}">
+                    <a16:creationId xmlns:a16="http://schemas.microsoft.com/office/drawing/2014/main" id="{79FE7304-F249-43EA-A127-E84EA4DF7CA9}"/>
+                  </a:ext>
+                </a:extLst>
+              </p:cNvPr>
+              <p:cNvSpPr txBox="1"/>
+              <p:nvPr/>
+            </p:nvSpPr>
+            <p:spPr>
+              <a:xfrm>
+                <a:off x="15886964" y="11376162"/>
+                <a:ext cx="7277836" cy="1179105"/>
+              </a:xfrm>
+              <a:prstGeom prst="rect">
+                <a:avLst/>
+              </a:prstGeom>
+              <a:noFill/>
+            </p:spPr>
+            <p:txBody>
+              <a:bodyPr wrap="square" lIns="0" tIns="0" rIns="0" bIns="0" rtlCol="0">
+                <a:spAutoFit/>
+              </a:bodyPr>
+              <a:lstStyle/>
+              <a:p>
+                <a:pPr/>
+                <a14:m>
+                  <m:oMathPara xmlns:m="http://schemas.openxmlformats.org/officeDocument/2006/math">
+                    <m:oMathParaPr>
+                      <m:jc m:val="centerGroup"/>
+                    </m:oMathParaPr>
+                    <m:oMath xmlns:m="http://schemas.openxmlformats.org/officeDocument/2006/math">
+                      <m:r>
+                        <a:rPr lang="en-US" sz="2400" b="0" i="1" smtClean="0">
+                          <a:latin typeface="Cambria Math" panose="02040503050406030204" pitchFamily="18" charset="0"/>
+                        </a:rPr>
+                        <m:t>𝑥</m:t>
+                      </m:r>
+                      <m:d>
+                        <m:dPr>
+                          <m:ctrlPr>
+                            <a:rPr lang="en-US" sz="2400" b="0" i="1" smtClean="0">
+                              <a:latin typeface="Cambria Math" panose="02040503050406030204" pitchFamily="18" charset="0"/>
+                            </a:rPr>
+                          </m:ctrlPr>
+                        </m:dPr>
+                        <m:e>
+                          <m:r>
+                            <a:rPr lang="en-US" sz="2400" b="0" i="1" smtClean="0">
+                              <a:latin typeface="Cambria Math" panose="02040503050406030204" pitchFamily="18" charset="0"/>
+                            </a:rPr>
+                            <m:t>𝑘</m:t>
+                          </m:r>
+                          <m:r>
+                            <a:rPr lang="en-US" sz="2400" b="0" i="1" smtClean="0">
+                              <a:latin typeface="Cambria Math" panose="02040503050406030204" pitchFamily="18" charset="0"/>
+                            </a:rPr>
+                            <m:t>+1</m:t>
+                          </m:r>
+                        </m:e>
+                      </m:d>
+                      <m:r>
+                        <a:rPr lang="en-US" sz="2400" i="1" smtClean="0">
+                          <a:latin typeface="Cambria Math" panose="02040503050406030204" pitchFamily="18" charset="0"/>
+                        </a:rPr>
+                        <m:t>=</m:t>
+                      </m:r>
+                      <m:d>
+                        <m:dPr>
+                          <m:begChr m:val="{"/>
+                          <m:endChr m:val=""/>
+                          <m:ctrlPr>
+                            <a:rPr lang="en-US" sz="2400" i="1" smtClean="0">
+                              <a:latin typeface="Cambria Math" panose="02040503050406030204" pitchFamily="18" charset="0"/>
+                            </a:rPr>
+                          </m:ctrlPr>
+                        </m:dPr>
+                        <m:e>
+                          <m:eqArr>
+                            <m:eqArrPr>
+                              <m:ctrlPr>
+                                <a:rPr lang="en-US" sz="2400" i="1" smtClean="0">
+                                  <a:latin typeface="Cambria Math" panose="02040503050406030204" pitchFamily="18" charset="0"/>
+                                </a:rPr>
+                              </m:ctrlPr>
+                            </m:eqArrPr>
+                            <m:e>
+                              <m:r>
+                                <a:rPr lang="en-US" sz="2400" i="1" smtClean="0">
+                                  <a:latin typeface="Cambria Math" panose="02040503050406030204" pitchFamily="18" charset="0"/>
+                                </a:rPr>
+                                <m:t>&amp;</m:t>
+                              </m:r>
+                              <m:r>
+                                <a:rPr lang="en-US" sz="2400" b="0" i="1" smtClean="0">
+                                  <a:latin typeface="Cambria Math" panose="02040503050406030204" pitchFamily="18" charset="0"/>
+                                </a:rPr>
+                                <m:t>𝜓</m:t>
+                              </m:r>
+                              <m:d>
+                                <m:dPr>
+                                  <m:ctrlPr>
+                                    <a:rPr lang="en-US" sz="2400" b="0" i="1" smtClean="0">
+                                      <a:latin typeface="Cambria Math" panose="02040503050406030204" pitchFamily="18" charset="0"/>
+                                    </a:rPr>
+                                  </m:ctrlPr>
+                                </m:dPr>
+                                <m:e>
+                                  <m:r>
+                                    <a:rPr lang="en-US" sz="2400" b="0" i="1" smtClean="0">
+                                      <a:latin typeface="Cambria Math" panose="02040503050406030204" pitchFamily="18" charset="0"/>
+                                    </a:rPr>
+                                    <m:t>𝑥</m:t>
+                                  </m:r>
+                                  <m:d>
+                                    <m:dPr>
+                                      <m:ctrlPr>
+                                        <a:rPr lang="en-US" sz="2400" b="0" i="1" smtClean="0">
+                                          <a:latin typeface="Cambria Math" panose="02040503050406030204" pitchFamily="18" charset="0"/>
+                                        </a:rPr>
+                                      </m:ctrlPr>
+                                    </m:dPr>
+                                    <m:e>
+                                      <m:r>
+                                        <a:rPr lang="en-US" sz="2400" b="0" i="1" smtClean="0">
+                                          <a:latin typeface="Cambria Math" panose="02040503050406030204" pitchFamily="18" charset="0"/>
+                                        </a:rPr>
+                                        <m:t>𝑘</m:t>
+                                      </m:r>
+                                    </m:e>
+                                  </m:d>
+                                  <m:r>
+                                    <a:rPr lang="en-US" sz="2400" b="0" i="1" smtClean="0">
+                                      <a:latin typeface="Cambria Math" panose="02040503050406030204" pitchFamily="18" charset="0"/>
+                                    </a:rPr>
+                                    <m:t>,</m:t>
+                                  </m:r>
+                                  <m:r>
+                                    <a:rPr lang="en-US" sz="2400" b="0" i="1" smtClean="0">
+                                      <a:latin typeface="Cambria Math" panose="02040503050406030204" pitchFamily="18" charset="0"/>
+                                    </a:rPr>
+                                    <m:t>𝑢</m:t>
+                                  </m:r>
+                                  <m:d>
+                                    <m:dPr>
+                                      <m:ctrlPr>
+                                        <a:rPr lang="en-US" sz="2400" b="0" i="1" smtClean="0">
+                                          <a:latin typeface="Cambria Math" panose="02040503050406030204" pitchFamily="18" charset="0"/>
+                                        </a:rPr>
+                                      </m:ctrlPr>
+                                    </m:dPr>
+                                    <m:e>
+                                      <m:r>
+                                        <a:rPr lang="en-US" sz="2400" b="0" i="1" smtClean="0">
+                                          <a:latin typeface="Cambria Math" panose="02040503050406030204" pitchFamily="18" charset="0"/>
+                                        </a:rPr>
+                                        <m:t>𝑘</m:t>
+                                      </m:r>
+                                    </m:e>
+                                  </m:d>
+                                  <m:r>
+                                    <a:rPr lang="en-US" sz="2400" b="0" i="1" smtClean="0">
+                                      <a:latin typeface="Cambria Math" panose="02040503050406030204" pitchFamily="18" charset="0"/>
+                                    </a:rPr>
+                                    <m:t>,</m:t>
+                                  </m:r>
+                                  <m:r>
+                                    <a:rPr lang="en-US" sz="2400" b="0" i="1" smtClean="0">
+                                      <a:solidFill>
+                                        <a:srgbClr val="C00000"/>
+                                      </a:solidFill>
+                                      <a:latin typeface="Cambria Math" panose="02040503050406030204" pitchFamily="18" charset="0"/>
+                                    </a:rPr>
+                                    <m:t>𝜃</m:t>
+                                  </m:r>
+                                  <m:r>
+                                    <a:rPr lang="en-US" sz="2400" b="0" i="1" smtClean="0">
+                                      <a:latin typeface="Cambria Math" panose="02040503050406030204" pitchFamily="18" charset="0"/>
+                                    </a:rPr>
+                                    <m:t>,</m:t>
+                                  </m:r>
+                                  <m:sSub>
+                                    <m:sSubPr>
+                                      <m:ctrlPr>
+                                        <a:rPr lang="en-US" sz="2400" b="0" i="1" smtClean="0">
+                                          <a:solidFill>
+                                            <a:srgbClr val="C00000"/>
+                                          </a:solidFill>
+                                          <a:latin typeface="Cambria Math" panose="02040503050406030204" pitchFamily="18" charset="0"/>
+                                        </a:rPr>
+                                      </m:ctrlPr>
+                                    </m:sSubPr>
+                                    <m:e>
+                                      <m:r>
+                                        <a:rPr lang="en-US" sz="2400" b="0" i="1" smtClean="0">
+                                          <a:solidFill>
+                                            <a:srgbClr val="C00000"/>
+                                          </a:solidFill>
+                                          <a:latin typeface="Cambria Math" panose="02040503050406030204" pitchFamily="18" charset="0"/>
+                                        </a:rPr>
+                                        <m:t>𝑘</m:t>
+                                      </m:r>
+                                    </m:e>
+                                    <m:sub>
+                                      <m:r>
+                                        <a:rPr lang="en-US" sz="2400" b="0" i="1" smtClean="0">
+                                          <a:solidFill>
+                                            <a:srgbClr val="C00000"/>
+                                          </a:solidFill>
+                                          <a:latin typeface="Cambria Math" panose="02040503050406030204" pitchFamily="18" charset="0"/>
+                                        </a:rPr>
+                                        <m:t>𝛾</m:t>
+                                      </m:r>
+                                      <m:r>
+                                        <a:rPr lang="en-US" sz="2400" b="0" i="1" smtClean="0">
+                                          <a:solidFill>
+                                            <a:srgbClr val="C00000"/>
+                                          </a:solidFill>
+                                          <a:latin typeface="Cambria Math" panose="02040503050406030204" pitchFamily="18" charset="0"/>
+                                        </a:rPr>
+                                        <m:t>0</m:t>
+                                      </m:r>
+                                    </m:sub>
+                                  </m:sSub>
+                                </m:e>
+                              </m:d>
+                              <m:r>
+                                <a:rPr lang="en-US" sz="2400" b="0" i="1" smtClean="0">
+                                  <a:latin typeface="Cambria Math" panose="02040503050406030204" pitchFamily="18" charset="0"/>
+                                </a:rPr>
+                                <m:t>     </m:t>
+                              </m:r>
+                              <m:r>
+                                <m:rPr>
+                                  <m:sty m:val="p"/>
+                                </m:rPr>
+                                <a:rPr lang="en-US" sz="2400" b="0" i="0" smtClean="0">
+                                  <a:latin typeface="Cambria Math" panose="02040503050406030204" pitchFamily="18" charset="0"/>
+                                </a:rPr>
+                                <m:t>if</m:t>
+                              </m:r>
+                              <m:r>
+                                <a:rPr lang="en-US" sz="2400" b="0" i="1" smtClean="0">
+                                  <a:latin typeface="Cambria Math" panose="02040503050406030204" pitchFamily="18" charset="0"/>
+                                </a:rPr>
+                                <m:t>  </m:t>
+                              </m:r>
+                              <m:acc>
+                                <m:accPr>
+                                  <m:chr m:val="̂"/>
+                                  <m:ctrlPr>
+                                    <a:rPr lang="en-US" sz="2400" b="0" i="1" smtClean="0">
+                                      <a:latin typeface="Cambria Math" panose="02040503050406030204" pitchFamily="18" charset="0"/>
+                                    </a:rPr>
+                                  </m:ctrlPr>
+                                </m:accPr>
+                                <m:e>
+                                  <m:r>
+                                    <a:rPr lang="en-US" sz="2400" b="0" i="1" smtClean="0">
+                                      <a:latin typeface="Cambria Math" panose="02040503050406030204" pitchFamily="18" charset="0"/>
+                                    </a:rPr>
+                                    <m:t>𝑚</m:t>
+                                  </m:r>
+                                </m:e>
+                              </m:acc>
+                              <m:r>
+                                <a:rPr lang="en-US" sz="2400" b="0" i="1" smtClean="0">
+                                  <a:latin typeface="Cambria Math" panose="02040503050406030204" pitchFamily="18" charset="0"/>
+                                </a:rPr>
+                                <m:t>(</m:t>
+                              </m:r>
+                              <m:r>
+                                <a:rPr lang="en-US" sz="2400" b="0" i="1" smtClean="0">
+                                  <a:latin typeface="Cambria Math" panose="02040503050406030204" pitchFamily="18" charset="0"/>
+                                </a:rPr>
+                                <m:t>𝑘</m:t>
+                              </m:r>
+                              <m:r>
+                                <a:rPr lang="en-US" sz="2400" b="0" i="1" smtClean="0">
+                                  <a:latin typeface="Cambria Math" panose="02040503050406030204" pitchFamily="18" charset="0"/>
+                                </a:rPr>
+                                <m:t>)=0</m:t>
+                              </m:r>
+                            </m:e>
+                            <m:e>
+                              <m:r>
+                                <a:rPr lang="en-US" sz="2400" i="1" smtClean="0">
+                                  <a:latin typeface="Cambria Math" panose="02040503050406030204" pitchFamily="18" charset="0"/>
+                                </a:rPr>
+                                <m:t>&amp;</m:t>
+                              </m:r>
+                              <m:r>
+                                <a:rPr lang="en-US" sz="2400" b="0" i="1" smtClean="0">
+                                  <a:latin typeface="Cambria Math" panose="02040503050406030204" pitchFamily="18" charset="0"/>
+                                </a:rPr>
+                                <m:t>𝜓</m:t>
+                              </m:r>
+                              <m:d>
+                                <m:dPr>
+                                  <m:ctrlPr>
+                                    <a:rPr lang="en-US" sz="2400" b="0" i="1" smtClean="0">
+                                      <a:latin typeface="Cambria Math" panose="02040503050406030204" pitchFamily="18" charset="0"/>
+                                    </a:rPr>
+                                  </m:ctrlPr>
+                                </m:dPr>
+                                <m:e>
+                                  <m:r>
+                                    <a:rPr lang="en-US" sz="2400" b="0" i="1" smtClean="0">
+                                      <a:latin typeface="Cambria Math" panose="02040503050406030204" pitchFamily="18" charset="0"/>
+                                    </a:rPr>
+                                    <m:t>𝑥</m:t>
+                                  </m:r>
+                                  <m:d>
+                                    <m:dPr>
+                                      <m:ctrlPr>
+                                        <a:rPr lang="en-US" sz="2400" b="0" i="1" smtClean="0">
+                                          <a:latin typeface="Cambria Math" panose="02040503050406030204" pitchFamily="18" charset="0"/>
+                                        </a:rPr>
+                                      </m:ctrlPr>
+                                    </m:dPr>
+                                    <m:e>
+                                      <m:r>
+                                        <a:rPr lang="en-US" sz="2400" b="0" i="1" smtClean="0">
+                                          <a:latin typeface="Cambria Math" panose="02040503050406030204" pitchFamily="18" charset="0"/>
+                                        </a:rPr>
+                                        <m:t>𝑘</m:t>
+                                      </m:r>
+                                    </m:e>
+                                  </m:d>
+                                  <m:r>
+                                    <a:rPr lang="en-US" sz="2400" b="0" i="1" smtClean="0">
+                                      <a:latin typeface="Cambria Math" panose="02040503050406030204" pitchFamily="18" charset="0"/>
+                                    </a:rPr>
+                                    <m:t>,</m:t>
+                                  </m:r>
+                                  <m:r>
+                                    <a:rPr lang="en-US" sz="2400" b="0" i="1" smtClean="0">
+                                      <a:latin typeface="Cambria Math" panose="02040503050406030204" pitchFamily="18" charset="0"/>
+                                    </a:rPr>
+                                    <m:t>𝑢</m:t>
+                                  </m:r>
+                                  <m:d>
+                                    <m:dPr>
+                                      <m:ctrlPr>
+                                        <a:rPr lang="en-US" sz="2400" b="0" i="1" smtClean="0">
+                                          <a:latin typeface="Cambria Math" panose="02040503050406030204" pitchFamily="18" charset="0"/>
+                                        </a:rPr>
+                                      </m:ctrlPr>
+                                    </m:dPr>
+                                    <m:e>
+                                      <m:r>
+                                        <a:rPr lang="en-US" sz="2400" b="0" i="1" smtClean="0">
+                                          <a:latin typeface="Cambria Math" panose="02040503050406030204" pitchFamily="18" charset="0"/>
+                                        </a:rPr>
+                                        <m:t>𝑘</m:t>
+                                      </m:r>
+                                    </m:e>
+                                  </m:d>
+                                  <m:r>
+                                    <a:rPr lang="en-US" sz="2400" b="0" i="1" smtClean="0">
+                                      <a:latin typeface="Cambria Math" panose="02040503050406030204" pitchFamily="18" charset="0"/>
+                                    </a:rPr>
+                                    <m:t>,</m:t>
+                                  </m:r>
+                                  <m:r>
+                                    <a:rPr lang="en-US" sz="2400" b="0" i="1" smtClean="0">
+                                      <a:solidFill>
+                                        <a:srgbClr val="C00000"/>
+                                      </a:solidFill>
+                                      <a:latin typeface="Cambria Math" panose="02040503050406030204" pitchFamily="18" charset="0"/>
+                                    </a:rPr>
+                                    <m:t>𝜃</m:t>
+                                  </m:r>
+                                  <m:r>
+                                    <a:rPr lang="en-US" sz="2400" b="0" i="1" smtClean="0">
+                                      <a:latin typeface="Cambria Math" panose="02040503050406030204" pitchFamily="18" charset="0"/>
+                                    </a:rPr>
+                                    <m:t>,</m:t>
+                                  </m:r>
+                                  <m:sSub>
+                                    <m:sSubPr>
+                                      <m:ctrlPr>
+                                        <a:rPr lang="en-US" sz="2400" b="0" i="1" smtClean="0">
+                                          <a:solidFill>
+                                            <a:srgbClr val="C00000"/>
+                                          </a:solidFill>
+                                          <a:latin typeface="Cambria Math" panose="02040503050406030204" pitchFamily="18" charset="0"/>
+                                        </a:rPr>
+                                      </m:ctrlPr>
+                                    </m:sSubPr>
+                                    <m:e>
+                                      <m:r>
+                                        <a:rPr lang="en-US" sz="2400" b="0" i="1" smtClean="0">
+                                          <a:solidFill>
+                                            <a:srgbClr val="C00000"/>
+                                          </a:solidFill>
+                                          <a:latin typeface="Cambria Math" panose="02040503050406030204" pitchFamily="18" charset="0"/>
+                                        </a:rPr>
+                                        <m:t>𝑘</m:t>
+                                      </m:r>
+                                    </m:e>
+                                    <m:sub>
+                                      <m:r>
+                                        <a:rPr lang="en-US" sz="2400" b="0" i="1" smtClean="0">
+                                          <a:solidFill>
+                                            <a:srgbClr val="C00000"/>
+                                          </a:solidFill>
+                                          <a:latin typeface="Cambria Math" panose="02040503050406030204" pitchFamily="18" charset="0"/>
+                                        </a:rPr>
+                                        <m:t>𝛾</m:t>
+                                      </m:r>
+                                      <m:r>
+                                        <a:rPr lang="en-US" sz="2400" b="0" i="1" smtClean="0">
+                                          <a:solidFill>
+                                            <a:srgbClr val="C00000"/>
+                                          </a:solidFill>
+                                          <a:latin typeface="Cambria Math" panose="02040503050406030204" pitchFamily="18" charset="0"/>
+                                        </a:rPr>
+                                        <m:t>1</m:t>
+                                      </m:r>
+                                    </m:sub>
+                                  </m:sSub>
+                                </m:e>
+                              </m:d>
+                              <m:r>
+                                <a:rPr lang="en-US" sz="2400" b="0" i="1" smtClean="0">
+                                  <a:latin typeface="Cambria Math" panose="02040503050406030204" pitchFamily="18" charset="0"/>
+                                </a:rPr>
+                                <m:t>     </m:t>
+                              </m:r>
+                              <m:r>
+                                <m:rPr>
+                                  <m:sty m:val="p"/>
+                                </m:rPr>
+                                <a:rPr lang="en-US" sz="2400" b="0" i="0" smtClean="0">
+                                  <a:latin typeface="Cambria Math" panose="02040503050406030204" pitchFamily="18" charset="0"/>
+                                </a:rPr>
+                                <m:t>if</m:t>
+                              </m:r>
+                              <m:r>
+                                <a:rPr lang="en-US" sz="2400" b="0" i="1" smtClean="0">
+                                  <a:latin typeface="Cambria Math" panose="02040503050406030204" pitchFamily="18" charset="0"/>
+                                </a:rPr>
+                                <m:t>  </m:t>
+                              </m:r>
+                              <m:acc>
+                                <m:accPr>
+                                  <m:chr m:val="̂"/>
+                                  <m:ctrlPr>
+                                    <a:rPr lang="en-US" sz="2400" i="1">
+                                      <a:latin typeface="Cambria Math" panose="02040503050406030204" pitchFamily="18" charset="0"/>
+                                    </a:rPr>
+                                  </m:ctrlPr>
+                                </m:accPr>
+                                <m:e>
+                                  <m:r>
+                                    <a:rPr lang="en-US" sz="2400" i="1">
+                                      <a:latin typeface="Cambria Math" panose="02040503050406030204" pitchFamily="18" charset="0"/>
+                                    </a:rPr>
+                                    <m:t>𝑚</m:t>
+                                  </m:r>
+                                </m:e>
+                              </m:acc>
+                              <m:r>
+                                <a:rPr lang="en-US" sz="2400" i="1">
+                                  <a:latin typeface="Cambria Math" panose="02040503050406030204" pitchFamily="18" charset="0"/>
+                                </a:rPr>
+                                <m:t>(</m:t>
+                              </m:r>
+                              <m:r>
+                                <a:rPr lang="en-US" sz="2400" i="1">
+                                  <a:latin typeface="Cambria Math" panose="02040503050406030204" pitchFamily="18" charset="0"/>
+                                </a:rPr>
+                                <m:t>𝑘</m:t>
+                              </m:r>
+                              <m:r>
+                                <a:rPr lang="en-US" sz="2400" i="1">
+                                  <a:latin typeface="Cambria Math" panose="02040503050406030204" pitchFamily="18" charset="0"/>
+                                </a:rPr>
+                                <m:t>)=1</m:t>
+                              </m:r>
+                            </m:e>
+                          </m:eqArr>
+                        </m:e>
+                      </m:d>
+                    </m:oMath>
+                  </m:oMathPara>
+                </a14:m>
+                <a:endParaRPr lang="en-JP" sz="2000" dirty="0"/>
+              </a:p>
+            </p:txBody>
+          </p:sp>
+        </mc:Choice>
+        <mc:Fallback>
+          <p:sp>
+            <p:nvSpPr>
+              <p:cNvPr id="69" name="TextBox 383">
+                <a:extLst>
+                  <a:ext uri="{FF2B5EF4-FFF2-40B4-BE49-F238E27FC236}">
+                    <a16:creationId xmlns:a16="http://schemas.microsoft.com/office/drawing/2014/main" id="{79FE7304-F249-43EA-A127-E84EA4DF7CA9}"/>
+                  </a:ext>
+                </a:extLst>
+              </p:cNvPr>
+              <p:cNvSpPr txBox="1">
+                <a:spLocks noRot="1" noChangeAspect="1" noMove="1" noResize="1" noEditPoints="1" noAdjustHandles="1" noChangeArrowheads="1" noChangeShapeType="1" noTextEdit="1"/>
+              </p:cNvSpPr>
+              <p:nvPr/>
+            </p:nvSpPr>
+            <p:spPr>
+              <a:xfrm>
+                <a:off x="15886964" y="11376162"/>
+                <a:ext cx="7277836" cy="1179105"/>
+              </a:xfrm>
+              <a:prstGeom prst="rect">
+                <a:avLst/>
+              </a:prstGeom>
+              <a:blipFill>
+                <a:blip r:embed="rId25"/>
+                <a:stretch>
+                  <a:fillRect l="-2783" t="-229787" b="-326596"/>
+                </a:stretch>
+              </a:blipFill>
+            </p:spPr>
+            <p:txBody>
+              <a:bodyPr/>
+              <a:lstStyle/>
+              <a:p>
+                <a:r>
+                  <a:rPr lang="ja-JP" altLang="en-US">
+                    <a:noFill/>
+                  </a:rPr>
+                  <a:t> </a:t>
+                </a:r>
+              </a:p>
+            </p:txBody>
+          </p:sp>
+        </mc:Fallback>
+      </mc:AlternateContent>
+      <mc:AlternateContent xmlns:mc="http://schemas.openxmlformats.org/markup-compatibility/2006">
+        <mc:Choice xmlns:a14="http://schemas.microsoft.com/office/drawing/2010/main" Requires="a14">
+          <p:sp>
+            <p:nvSpPr>
+              <p:cNvPr id="70" name="TextBox 384">
+                <a:extLst>
+                  <a:ext uri="{FF2B5EF4-FFF2-40B4-BE49-F238E27FC236}">
+                    <a16:creationId xmlns:a16="http://schemas.microsoft.com/office/drawing/2014/main" id="{FFF121DB-907F-895A-F6C3-DA3C6590CEEC}"/>
+                  </a:ext>
+                </a:extLst>
+              </p:cNvPr>
+              <p:cNvSpPr txBox="1"/>
+              <p:nvPr/>
+            </p:nvSpPr>
+            <p:spPr>
+              <a:xfrm>
+                <a:off x="15106645" y="14272311"/>
+                <a:ext cx="5496783" cy="782265"/>
+              </a:xfrm>
+              <a:prstGeom prst="rect">
+                <a:avLst/>
+              </a:prstGeom>
+              <a:noFill/>
+            </p:spPr>
+            <p:txBody>
+              <a:bodyPr wrap="square" lIns="0" tIns="0" rIns="0" bIns="0" rtlCol="0">
+                <a:spAutoFit/>
+              </a:bodyPr>
+              <a:lstStyle/>
+              <a:p>
+                <a:pPr/>
+                <a14:m>
+                  <m:oMathPara xmlns:m="http://schemas.openxmlformats.org/officeDocument/2006/math">
+                    <m:oMathParaPr>
+                      <m:jc m:val="centerGroup"/>
+                    </m:oMathParaPr>
+                    <m:oMath xmlns:m="http://schemas.openxmlformats.org/officeDocument/2006/math">
+                      <m:sSub>
+                        <m:sSubPr>
+                          <m:ctrlPr>
+                            <a:rPr lang="en-US" sz="2400" b="0" i="1" smtClean="0">
+                              <a:solidFill>
+                                <a:srgbClr val="C00000"/>
+                              </a:solidFill>
+                              <a:latin typeface="Cambria Math" panose="02040503050406030204" pitchFamily="18" charset="0"/>
+                            </a:rPr>
+                          </m:ctrlPr>
+                        </m:sSubPr>
+                        <m:e>
+                          <m:r>
+                            <a:rPr lang="en-US" sz="2400" b="0" i="1" smtClean="0">
+                              <a:solidFill>
+                                <a:srgbClr val="C00000"/>
+                              </a:solidFill>
+                              <a:latin typeface="Cambria Math" panose="02040503050406030204" pitchFamily="18" charset="0"/>
+                            </a:rPr>
+                            <m:t>𝑞</m:t>
+                          </m:r>
+                        </m:e>
+                        <m:sub>
+                          <m:r>
+                            <a:rPr lang="en-US" sz="2400" b="0" i="1" smtClean="0">
+                              <a:solidFill>
+                                <a:srgbClr val="C00000"/>
+                              </a:solidFill>
+                              <a:latin typeface="Cambria Math" panose="02040503050406030204" pitchFamily="18" charset="0"/>
+                            </a:rPr>
+                            <m:t>1</m:t>
+                          </m:r>
+                        </m:sub>
+                      </m:sSub>
+                      <m:r>
+                        <a:rPr lang="en-US" sz="2400" b="0" i="1" smtClean="0">
+                          <a:latin typeface="Cambria Math" panose="02040503050406030204" pitchFamily="18" charset="0"/>
+                        </a:rPr>
+                        <m:t>=</m:t>
+                      </m:r>
+                      <m:f>
+                        <m:fPr>
+                          <m:ctrlPr>
+                            <a:rPr lang="en-US" sz="2400" b="0" i="1" smtClean="0">
+                              <a:latin typeface="Cambria Math" panose="02040503050406030204" pitchFamily="18" charset="0"/>
+                            </a:rPr>
+                          </m:ctrlPr>
+                        </m:fPr>
+                        <m:num>
+                          <m:r>
+                            <a:rPr lang="en-US" sz="2400" b="0" i="1" smtClean="0">
+                              <a:latin typeface="Cambria Math" panose="02040503050406030204" pitchFamily="18" charset="0"/>
+                            </a:rPr>
+                            <m:t>𝑆𝑥</m:t>
+                          </m:r>
+                          <m:d>
+                            <m:dPr>
+                              <m:ctrlPr>
+                                <a:rPr lang="en-US" sz="2400" b="0" i="1" smtClean="0">
+                                  <a:latin typeface="Cambria Math" panose="02040503050406030204" pitchFamily="18" charset="0"/>
+                                </a:rPr>
+                              </m:ctrlPr>
+                            </m:dPr>
+                            <m:e>
+                              <m:sSub>
+                                <m:sSubPr>
+                                  <m:ctrlPr>
+                                    <a:rPr lang="en-US" sz="2400" b="0" i="1" smtClean="0">
+                                      <a:latin typeface="Cambria Math" panose="02040503050406030204" pitchFamily="18" charset="0"/>
+                                    </a:rPr>
+                                  </m:ctrlPr>
+                                </m:sSubPr>
+                                <m:e>
+                                  <m:r>
+                                    <a:rPr lang="en-US" sz="2400" b="0" i="1" smtClean="0">
+                                      <a:latin typeface="Cambria Math" panose="02040503050406030204" pitchFamily="18" charset="0"/>
+                                    </a:rPr>
+                                    <m:t>𝑘</m:t>
+                                  </m:r>
+                                </m:e>
+                                <m:sub>
+                                  <m:r>
+                                    <a:rPr lang="en-US" sz="2400" b="0" i="1" smtClean="0">
+                                      <a:latin typeface="Cambria Math" panose="02040503050406030204" pitchFamily="18" charset="0"/>
+                                    </a:rPr>
+                                    <m:t>01</m:t>
+                                  </m:r>
+                                </m:sub>
+                              </m:sSub>
+                            </m:e>
+                          </m:d>
+                        </m:num>
+                        <m:den>
+                          <m:r>
+                            <a:rPr lang="en-US" sz="2400" b="0" i="1" smtClean="0">
+                              <a:latin typeface="Cambria Math" panose="02040503050406030204" pitchFamily="18" charset="0"/>
+                            </a:rPr>
+                            <m:t>𝐷</m:t>
+                          </m:r>
+                          <m:r>
+                            <a:rPr lang="en-US" sz="2400" b="0" i="1" smtClean="0">
+                              <a:latin typeface="Cambria Math" panose="02040503050406030204" pitchFamily="18" charset="0"/>
+                            </a:rPr>
+                            <m:t>(</m:t>
+                          </m:r>
+                          <m:sSub>
+                            <m:sSubPr>
+                              <m:ctrlPr>
+                                <a:rPr lang="en-US" sz="2400" b="0" i="1" smtClean="0">
+                                  <a:latin typeface="Cambria Math" panose="02040503050406030204" pitchFamily="18" charset="0"/>
+                                </a:rPr>
+                              </m:ctrlPr>
+                            </m:sSubPr>
+                            <m:e>
+                              <m:r>
+                                <a:rPr lang="en-US" sz="2400" b="0" i="1" smtClean="0">
+                                  <a:latin typeface="Cambria Math" panose="02040503050406030204" pitchFamily="18" charset="0"/>
+                                </a:rPr>
+                                <m:t>𝑘</m:t>
+                              </m:r>
+                            </m:e>
+                            <m:sub>
+                              <m:r>
+                                <a:rPr lang="en-US" sz="2400" b="0" i="1" smtClean="0">
+                                  <a:latin typeface="Cambria Math" panose="02040503050406030204" pitchFamily="18" charset="0"/>
+                                </a:rPr>
+                                <m:t>01</m:t>
+                              </m:r>
+                            </m:sub>
+                          </m:sSub>
+                          <m:r>
+                            <a:rPr lang="en-US" sz="2400" b="0" i="1" smtClean="0">
+                              <a:latin typeface="Cambria Math" panose="02040503050406030204" pitchFamily="18" charset="0"/>
+                            </a:rPr>
+                            <m:t>)</m:t>
+                          </m:r>
+                        </m:den>
+                      </m:f>
+                      <m:r>
+                        <a:rPr lang="en-US" sz="2400" b="0" i="1" smtClean="0">
+                          <a:latin typeface="Cambria Math" panose="02040503050406030204" pitchFamily="18" charset="0"/>
+                        </a:rPr>
+                        <m:t>, </m:t>
+                      </m:r>
+                      <m:sSub>
+                        <m:sSubPr>
+                          <m:ctrlPr>
+                            <a:rPr lang="en-US" sz="2400" b="0" i="1" smtClean="0">
+                              <a:solidFill>
+                                <a:srgbClr val="C00000"/>
+                              </a:solidFill>
+                              <a:latin typeface="Cambria Math" panose="02040503050406030204" pitchFamily="18" charset="0"/>
+                            </a:rPr>
+                          </m:ctrlPr>
+                        </m:sSubPr>
+                        <m:e>
+                          <m:r>
+                            <a:rPr lang="en-US" sz="2400" b="0" i="1" smtClean="0">
+                              <a:solidFill>
+                                <a:srgbClr val="C00000"/>
+                              </a:solidFill>
+                              <a:latin typeface="Cambria Math" panose="02040503050406030204" pitchFamily="18" charset="0"/>
+                            </a:rPr>
+                            <m:t> </m:t>
+                          </m:r>
+                          <m:r>
+                            <a:rPr lang="en-US" sz="2400" b="0" i="1" smtClean="0">
+                              <a:solidFill>
+                                <a:srgbClr val="C00000"/>
+                              </a:solidFill>
+                              <a:latin typeface="Cambria Math" panose="02040503050406030204" pitchFamily="18" charset="0"/>
+                            </a:rPr>
+                            <m:t>𝑞</m:t>
+                          </m:r>
+                        </m:e>
+                        <m:sub>
+                          <m:r>
+                            <a:rPr lang="en-US" sz="2400" b="0" i="1" smtClean="0">
+                              <a:solidFill>
+                                <a:srgbClr val="C00000"/>
+                              </a:solidFill>
+                              <a:latin typeface="Cambria Math" panose="02040503050406030204" pitchFamily="18" charset="0"/>
+                            </a:rPr>
+                            <m:t>2</m:t>
+                          </m:r>
+                        </m:sub>
+                      </m:sSub>
+                      <m:r>
+                        <a:rPr lang="en-US" sz="2400" b="0" i="1" smtClean="0">
+                          <a:latin typeface="Cambria Math" panose="02040503050406030204" pitchFamily="18" charset="0"/>
+                        </a:rPr>
+                        <m:t>=</m:t>
+                      </m:r>
+                      <m:f>
+                        <m:fPr>
+                          <m:ctrlPr>
+                            <a:rPr lang="en-US" sz="2400" b="0" i="1" smtClean="0">
+                              <a:latin typeface="Cambria Math" panose="02040503050406030204" pitchFamily="18" charset="0"/>
+                            </a:rPr>
+                          </m:ctrlPr>
+                        </m:fPr>
+                        <m:num>
+                          <m:r>
+                            <a:rPr lang="en-US" sz="2400" b="0" i="1" smtClean="0">
+                              <a:latin typeface="Cambria Math" panose="02040503050406030204" pitchFamily="18" charset="0"/>
+                            </a:rPr>
+                            <m:t>𝑆𝑥</m:t>
+                          </m:r>
+                          <m:d>
+                            <m:dPr>
+                              <m:ctrlPr>
+                                <a:rPr lang="en-US" sz="2400" b="0" i="1" smtClean="0">
+                                  <a:latin typeface="Cambria Math" panose="02040503050406030204" pitchFamily="18" charset="0"/>
+                                </a:rPr>
+                              </m:ctrlPr>
+                            </m:dPr>
+                            <m:e>
+                              <m:sSub>
+                                <m:sSubPr>
+                                  <m:ctrlPr>
+                                    <a:rPr lang="en-US" sz="2400" b="0" i="1" smtClean="0">
+                                      <a:latin typeface="Cambria Math" panose="02040503050406030204" pitchFamily="18" charset="0"/>
+                                    </a:rPr>
+                                  </m:ctrlPr>
+                                </m:sSubPr>
+                                <m:e>
+                                  <m:r>
+                                    <a:rPr lang="en-US" sz="2400" b="0" i="1" smtClean="0">
+                                      <a:latin typeface="Cambria Math" panose="02040503050406030204" pitchFamily="18" charset="0"/>
+                                    </a:rPr>
+                                    <m:t>𝑘</m:t>
+                                  </m:r>
+                                </m:e>
+                                <m:sub>
+                                  <m:r>
+                                    <a:rPr lang="en-US" sz="2400" b="0" i="1" smtClean="0">
+                                      <a:latin typeface="Cambria Math" panose="02040503050406030204" pitchFamily="18" charset="0"/>
+                                    </a:rPr>
+                                    <m:t>10</m:t>
+                                  </m:r>
+                                </m:sub>
+                              </m:sSub>
+                            </m:e>
+                          </m:d>
+                        </m:num>
+                        <m:den>
+                          <m:r>
+                            <a:rPr lang="en-US" sz="2400" b="0" i="1" smtClean="0">
+                              <a:latin typeface="Cambria Math" panose="02040503050406030204" pitchFamily="18" charset="0"/>
+                            </a:rPr>
+                            <m:t>𝐷</m:t>
+                          </m:r>
+                          <m:r>
+                            <a:rPr lang="en-US" sz="2400" b="0" i="1" smtClean="0">
+                              <a:latin typeface="Cambria Math" panose="02040503050406030204" pitchFamily="18" charset="0"/>
+                            </a:rPr>
+                            <m:t>(</m:t>
+                          </m:r>
+                          <m:sSub>
+                            <m:sSubPr>
+                              <m:ctrlPr>
+                                <a:rPr lang="en-US" sz="2400" b="0" i="1" smtClean="0">
+                                  <a:latin typeface="Cambria Math" panose="02040503050406030204" pitchFamily="18" charset="0"/>
+                                </a:rPr>
+                              </m:ctrlPr>
+                            </m:sSubPr>
+                            <m:e>
+                              <m:r>
+                                <a:rPr lang="en-US" sz="2400" b="0" i="1" smtClean="0">
+                                  <a:latin typeface="Cambria Math" panose="02040503050406030204" pitchFamily="18" charset="0"/>
+                                </a:rPr>
+                                <m:t>𝑘</m:t>
+                              </m:r>
+                            </m:e>
+                            <m:sub>
+                              <m:r>
+                                <a:rPr lang="en-US" sz="2400" b="0" i="1" smtClean="0">
+                                  <a:latin typeface="Cambria Math" panose="02040503050406030204" pitchFamily="18" charset="0"/>
+                                </a:rPr>
+                                <m:t>10</m:t>
+                              </m:r>
+                            </m:sub>
+                          </m:sSub>
+                          <m:r>
+                            <a:rPr lang="en-US" sz="2400" b="0" i="1" smtClean="0">
+                              <a:latin typeface="Cambria Math" panose="02040503050406030204" pitchFamily="18" charset="0"/>
+                            </a:rPr>
+                            <m:t>)</m:t>
+                          </m:r>
+                        </m:den>
+                      </m:f>
+                    </m:oMath>
+                  </m:oMathPara>
+                </a14:m>
+                <a:endParaRPr lang="en-JP" sz="2400" dirty="0"/>
+              </a:p>
+            </p:txBody>
+          </p:sp>
+        </mc:Choice>
+        <mc:Fallback>
+          <p:sp>
+            <p:nvSpPr>
+              <p:cNvPr id="70" name="TextBox 384">
+                <a:extLst>
+                  <a:ext uri="{FF2B5EF4-FFF2-40B4-BE49-F238E27FC236}">
+                    <a16:creationId xmlns:a16="http://schemas.microsoft.com/office/drawing/2014/main" id="{FFF121DB-907F-895A-F6C3-DA3C6590CEEC}"/>
+                  </a:ext>
+                </a:extLst>
+              </p:cNvPr>
+              <p:cNvSpPr txBox="1">
+                <a:spLocks noRot="1" noChangeAspect="1" noMove="1" noResize="1" noEditPoints="1" noAdjustHandles="1" noChangeArrowheads="1" noChangeShapeType="1" noTextEdit="1"/>
+              </p:cNvSpPr>
+              <p:nvPr/>
+            </p:nvSpPr>
+            <p:spPr>
+              <a:xfrm>
+                <a:off x="15106645" y="14272311"/>
+                <a:ext cx="5496783" cy="782265"/>
+              </a:xfrm>
+              <a:prstGeom prst="rect">
+                <a:avLst/>
+              </a:prstGeom>
+              <a:blipFill>
+                <a:blip r:embed="rId26"/>
+                <a:stretch>
+                  <a:fillRect b="-17460"/>
+                </a:stretch>
+              </a:blipFill>
+            </p:spPr>
+            <p:txBody>
+              <a:bodyPr/>
+              <a:lstStyle/>
+              <a:p>
+                <a:r>
+                  <a:rPr lang="ja-JP" altLang="en-US">
+                    <a:noFill/>
+                  </a:rPr>
+                  <a:t> </a:t>
+                </a:r>
+              </a:p>
+            </p:txBody>
+          </p:sp>
+        </mc:Fallback>
+      </mc:AlternateContent>
+      <mc:AlternateContent xmlns:mc="http://schemas.openxmlformats.org/markup-compatibility/2006">
+        <mc:Choice xmlns:a14="http://schemas.microsoft.com/office/drawing/2010/main" Requires="a14">
+          <p:sp>
+            <p:nvSpPr>
+              <p:cNvPr id="71" name="TextBox 399">
+                <a:extLst>
+                  <a:ext uri="{FF2B5EF4-FFF2-40B4-BE49-F238E27FC236}">
+                    <a16:creationId xmlns:a16="http://schemas.microsoft.com/office/drawing/2014/main" id="{D8ACCD75-664F-A22B-2073-A3E4956C99E5}"/>
+                  </a:ext>
+                </a:extLst>
+              </p:cNvPr>
+              <p:cNvSpPr txBox="1"/>
+              <p:nvPr/>
+            </p:nvSpPr>
+            <p:spPr>
+              <a:xfrm>
+                <a:off x="15363166" y="9614765"/>
+                <a:ext cx="4813235" cy="1131143"/>
+              </a:xfrm>
+              <a:prstGeom prst="rect">
+                <a:avLst/>
+              </a:prstGeom>
+              <a:noFill/>
+            </p:spPr>
+            <p:txBody>
+              <a:bodyPr wrap="square" rtlCol="0">
+                <a:spAutoFit/>
+              </a:bodyPr>
+              <a:lstStyle/>
+              <a:p>
+                <a:pPr/>
+                <a14:m>
+                  <m:oMathPara xmlns:m="http://schemas.openxmlformats.org/officeDocument/2006/math">
+                    <m:oMathParaPr>
+                      <m:jc m:val="centerGroup"/>
+                    </m:oMathParaPr>
+                    <m:oMath xmlns:m="http://schemas.openxmlformats.org/officeDocument/2006/math">
+                      <m:func>
+                        <m:funcPr>
+                          <m:ctrlPr>
+                            <a:rPr lang="en-US" sz="2400" b="0" i="1" smtClean="0">
+                              <a:latin typeface="Cambria Math" panose="02040503050406030204" pitchFamily="18" charset="0"/>
+                            </a:rPr>
+                          </m:ctrlPr>
+                        </m:funcPr>
+                        <m:fName>
+                          <m:limLow>
+                            <m:limLowPr>
+                              <m:ctrlPr>
+                                <a:rPr lang="en-US" sz="2400" b="0" i="1" smtClean="0">
+                                  <a:latin typeface="Cambria Math" panose="02040503050406030204" pitchFamily="18" charset="0"/>
+                                </a:rPr>
+                              </m:ctrlPr>
+                            </m:limLowPr>
+                            <m:e>
+                              <m:r>
+                                <m:rPr>
+                                  <m:sty m:val="p"/>
+                                </m:rPr>
+                                <a:rPr lang="en-US" sz="2400" b="0" i="0" smtClean="0">
+                                  <a:latin typeface="Cambria Math" panose="02040503050406030204" pitchFamily="18" charset="0"/>
+                                </a:rPr>
+                                <m:t>min</m:t>
+                              </m:r>
+                            </m:e>
+                            <m:lim>
+                              <m:r>
+                                <a:rPr lang="en-US" sz="2400" b="0" i="1" smtClean="0">
+                                  <a:latin typeface="Cambria Math" panose="02040503050406030204" pitchFamily="18" charset="0"/>
+                                </a:rPr>
+                                <m:t>𝜃</m:t>
+                              </m:r>
+                              <m:r>
+                                <a:rPr lang="en-US" sz="2400" b="0" i="1" smtClean="0">
+                                  <a:latin typeface="Cambria Math" panose="02040503050406030204" pitchFamily="18" charset="0"/>
+                                </a:rPr>
+                                <m:t>,</m:t>
+                              </m:r>
+                              <m:sSub>
+                                <m:sSubPr>
+                                  <m:ctrlPr>
+                                    <a:rPr lang="en-US" sz="2400" b="0" i="1" smtClean="0">
+                                      <a:latin typeface="Cambria Math" panose="02040503050406030204" pitchFamily="18" charset="0"/>
+                                    </a:rPr>
+                                  </m:ctrlPr>
+                                </m:sSubPr>
+                                <m:e>
+                                  <m:r>
+                                    <a:rPr lang="en-US" sz="2400" b="0" i="1" smtClean="0">
+                                      <a:latin typeface="Cambria Math" panose="02040503050406030204" pitchFamily="18" charset="0"/>
+                                    </a:rPr>
+                                    <m:t>𝑘</m:t>
+                                  </m:r>
+                                </m:e>
+                                <m:sub>
+                                  <m:r>
+                                    <a:rPr lang="en-US" sz="2400" b="0" i="1" smtClean="0">
+                                      <a:latin typeface="Cambria Math" panose="02040503050406030204" pitchFamily="18" charset="0"/>
+                                    </a:rPr>
+                                    <m:t>𝛾</m:t>
+                                  </m:r>
+                                  <m:r>
+                                    <a:rPr lang="en-US" sz="2400" b="0" i="1" smtClean="0">
+                                      <a:latin typeface="Cambria Math" panose="02040503050406030204" pitchFamily="18" charset="0"/>
+                                    </a:rPr>
+                                    <m:t>0</m:t>
+                                  </m:r>
+                                </m:sub>
+                              </m:sSub>
+                              <m:r>
+                                <a:rPr lang="en-US" sz="2400" b="0" i="1" smtClean="0">
+                                  <a:latin typeface="Cambria Math" panose="02040503050406030204" pitchFamily="18" charset="0"/>
+                                </a:rPr>
+                                <m:t>,</m:t>
+                              </m:r>
+                              <m:sSub>
+                                <m:sSubPr>
+                                  <m:ctrlPr>
+                                    <a:rPr lang="en-US" sz="2400" b="0" i="1" smtClean="0">
+                                      <a:latin typeface="Cambria Math" panose="02040503050406030204" pitchFamily="18" charset="0"/>
+                                    </a:rPr>
+                                  </m:ctrlPr>
+                                </m:sSubPr>
+                                <m:e>
+                                  <m:r>
+                                    <a:rPr lang="en-US" sz="2400" b="0" i="1" smtClean="0">
+                                      <a:latin typeface="Cambria Math" panose="02040503050406030204" pitchFamily="18" charset="0"/>
+                                    </a:rPr>
+                                    <m:t>𝑘</m:t>
+                                  </m:r>
+                                </m:e>
+                                <m:sub>
+                                  <m:r>
+                                    <a:rPr lang="en-US" sz="2400" b="0" i="1" smtClean="0">
+                                      <a:latin typeface="Cambria Math" panose="02040503050406030204" pitchFamily="18" charset="0"/>
+                                    </a:rPr>
+                                    <m:t>𝛾</m:t>
+                                  </m:r>
+                                  <m:r>
+                                    <a:rPr lang="en-US" sz="2400" b="0" i="1" smtClean="0">
+                                      <a:latin typeface="Cambria Math" panose="02040503050406030204" pitchFamily="18" charset="0"/>
+                                    </a:rPr>
+                                    <m:t>1</m:t>
+                                  </m:r>
+                                </m:sub>
+                              </m:sSub>
+                            </m:lim>
+                          </m:limLow>
+                        </m:fName>
+                        <m:e>
+                          <m:nary>
+                            <m:naryPr>
+                              <m:chr m:val="∑"/>
+                              <m:ctrlPr>
+                                <a:rPr lang="en-US" sz="2400" b="0" i="1" smtClean="0">
+                                  <a:latin typeface="Cambria Math" panose="02040503050406030204" pitchFamily="18" charset="0"/>
+                                </a:rPr>
+                              </m:ctrlPr>
+                            </m:naryPr>
+                            <m:sub>
+                              <m:r>
+                                <m:rPr>
+                                  <m:brk m:alnAt="23"/>
+                                </m:rPr>
+                                <a:rPr lang="en-US" sz="2400" b="0" i="1" smtClean="0">
+                                  <a:latin typeface="Cambria Math" panose="02040503050406030204" pitchFamily="18" charset="0"/>
+                                </a:rPr>
+                                <m:t>𝑘</m:t>
+                              </m:r>
+                              <m:r>
+                                <a:rPr lang="en-US" sz="2400" b="0" i="1" smtClean="0">
+                                  <a:latin typeface="Cambria Math" panose="02040503050406030204" pitchFamily="18" charset="0"/>
+                                </a:rPr>
+                                <m:t>=0</m:t>
+                              </m:r>
+                            </m:sub>
+                            <m:sup>
+                              <m:r>
+                                <a:rPr lang="en-US" sz="2400" b="0" i="1" smtClean="0">
+                                  <a:latin typeface="Cambria Math" panose="02040503050406030204" pitchFamily="18" charset="0"/>
+                                </a:rPr>
+                                <m:t>𝑁</m:t>
+                              </m:r>
+                            </m:sup>
+                            <m:e>
+                              <m:sSub>
+                                <m:sSubPr>
+                                  <m:ctrlPr>
+                                    <a:rPr lang="en-US" sz="2400" b="0" i="1" smtClean="0">
+                                      <a:latin typeface="Cambria Math" panose="02040503050406030204" pitchFamily="18" charset="0"/>
+                                    </a:rPr>
+                                  </m:ctrlPr>
+                                </m:sSubPr>
+                                <m:e>
+                                  <m:d>
+                                    <m:dPr>
+                                      <m:begChr m:val="‖"/>
+                                      <m:endChr m:val="‖"/>
+                                      <m:ctrlPr>
+                                        <a:rPr lang="en-US" sz="2400" b="0" i="1" smtClean="0">
+                                          <a:latin typeface="Cambria Math" panose="02040503050406030204" pitchFamily="18" charset="0"/>
+                                        </a:rPr>
+                                      </m:ctrlPr>
+                                    </m:dPr>
+                                    <m:e>
+                                      <m:r>
+                                        <a:rPr lang="en-US" sz="2400" b="0" i="1" smtClean="0">
+                                          <a:latin typeface="Cambria Math" panose="02040503050406030204" pitchFamily="18" charset="0"/>
+                                        </a:rPr>
+                                        <m:t>𝑦</m:t>
+                                      </m:r>
+                                      <m:d>
+                                        <m:dPr>
+                                          <m:ctrlPr>
+                                            <a:rPr lang="en-US" sz="2400" b="0" i="1" smtClean="0">
+                                              <a:latin typeface="Cambria Math" panose="02040503050406030204" pitchFamily="18" charset="0"/>
+                                            </a:rPr>
+                                          </m:ctrlPr>
+                                        </m:dPr>
+                                        <m:e>
+                                          <m:r>
+                                            <a:rPr lang="en-US" sz="2400" b="0" i="1" smtClean="0">
+                                              <a:latin typeface="Cambria Math" panose="02040503050406030204" pitchFamily="18" charset="0"/>
+                                            </a:rPr>
+                                            <m:t>𝑘</m:t>
+                                          </m:r>
+                                        </m:e>
+                                      </m:d>
+                                      <m:r>
+                                        <a:rPr lang="en-US" sz="2400" b="0" i="1" smtClean="0">
+                                          <a:latin typeface="Cambria Math" panose="02040503050406030204" pitchFamily="18" charset="0"/>
+                                        </a:rPr>
+                                        <m:t>−</m:t>
+                                      </m:r>
+                                      <m:acc>
+                                        <m:accPr>
+                                          <m:chr m:val="̂"/>
+                                          <m:ctrlPr>
+                                            <a:rPr lang="en-US" sz="2400" b="0" i="1" smtClean="0">
+                                              <a:latin typeface="Cambria Math" panose="02040503050406030204" pitchFamily="18" charset="0"/>
+                                            </a:rPr>
+                                          </m:ctrlPr>
+                                        </m:accPr>
+                                        <m:e>
+                                          <m:r>
+                                            <a:rPr lang="en-US" sz="2400" b="0" i="1" smtClean="0">
+                                              <a:latin typeface="Cambria Math" panose="02040503050406030204" pitchFamily="18" charset="0"/>
+                                            </a:rPr>
+                                            <m:t>𝑦</m:t>
+                                          </m:r>
+                                        </m:e>
+                                      </m:acc>
+                                      <m:d>
+                                        <m:dPr>
+                                          <m:ctrlPr>
+                                            <a:rPr lang="en-US" sz="2400" b="0" i="1" smtClean="0">
+                                              <a:latin typeface="Cambria Math" panose="02040503050406030204" pitchFamily="18" charset="0"/>
+                                            </a:rPr>
+                                          </m:ctrlPr>
+                                        </m:dPr>
+                                        <m:e>
+                                          <m:r>
+                                            <a:rPr lang="en-US" sz="2400" b="0" i="1" smtClean="0">
+                                              <a:latin typeface="Cambria Math" panose="02040503050406030204" pitchFamily="18" charset="0"/>
+                                            </a:rPr>
+                                            <m:t>𝑘</m:t>
+                                          </m:r>
+                                        </m:e>
+                                      </m:d>
+                                    </m:e>
+                                  </m:d>
+                                </m:e>
+                                <m:sub>
+                                  <m:r>
+                                    <a:rPr lang="en-US" sz="2400" b="0" i="1" smtClean="0">
+                                      <a:latin typeface="Cambria Math" panose="02040503050406030204" pitchFamily="18" charset="0"/>
+                                    </a:rPr>
+                                    <m:t>2</m:t>
+                                  </m:r>
+                                </m:sub>
+                              </m:sSub>
+                            </m:e>
+                          </m:nary>
+                        </m:e>
+                      </m:func>
+                    </m:oMath>
+                  </m:oMathPara>
+                </a14:m>
+                <a:endParaRPr lang="en-JP" sz="2000" dirty="0"/>
+              </a:p>
+            </p:txBody>
+          </p:sp>
+        </mc:Choice>
+        <mc:Fallback>
+          <p:sp>
+            <p:nvSpPr>
+              <p:cNvPr id="71" name="TextBox 399">
+                <a:extLst>
+                  <a:ext uri="{FF2B5EF4-FFF2-40B4-BE49-F238E27FC236}">
+                    <a16:creationId xmlns:a16="http://schemas.microsoft.com/office/drawing/2014/main" id="{D8ACCD75-664F-A22B-2073-A3E4956C99E5}"/>
+                  </a:ext>
+                </a:extLst>
+              </p:cNvPr>
+              <p:cNvSpPr txBox="1">
+                <a:spLocks noRot="1" noChangeAspect="1" noMove="1" noResize="1" noEditPoints="1" noAdjustHandles="1" noChangeArrowheads="1" noChangeShapeType="1" noTextEdit="1"/>
+              </p:cNvSpPr>
+              <p:nvPr/>
+            </p:nvSpPr>
+            <p:spPr>
+              <a:xfrm>
+                <a:off x="15363166" y="9614765"/>
+                <a:ext cx="4813235" cy="1131143"/>
+              </a:xfrm>
+              <a:prstGeom prst="rect">
+                <a:avLst/>
+              </a:prstGeom>
+              <a:blipFill>
+                <a:blip r:embed="rId27"/>
+                <a:stretch>
+                  <a:fillRect t="-100000" b="-154945"/>
+                </a:stretch>
+              </a:blipFill>
+            </p:spPr>
+            <p:txBody>
+              <a:bodyPr/>
+              <a:lstStyle/>
+              <a:p>
+                <a:r>
+                  <a:rPr lang="ja-JP" altLang="en-US">
+                    <a:noFill/>
+                  </a:rPr>
+                  <a:t> </a:t>
+                </a:r>
+              </a:p>
+            </p:txBody>
+          </p:sp>
+        </mc:Fallback>
+      </mc:AlternateContent>
+      <mc:AlternateContent xmlns:mc="http://schemas.openxmlformats.org/markup-compatibility/2006">
+        <mc:Choice xmlns:a14="http://schemas.microsoft.com/office/drawing/2010/main" Requires="a14">
+          <p:sp>
+            <p:nvSpPr>
+              <p:cNvPr id="72" name="TextBox 404">
+                <a:extLst>
+                  <a:ext uri="{FF2B5EF4-FFF2-40B4-BE49-F238E27FC236}">
+                    <a16:creationId xmlns:a16="http://schemas.microsoft.com/office/drawing/2014/main" id="{F77EC1F9-A600-B4D0-B4F8-0C7CCA0C0F84}"/>
+                  </a:ext>
+                </a:extLst>
+              </p:cNvPr>
+              <p:cNvSpPr txBox="1"/>
+              <p:nvPr/>
+            </p:nvSpPr>
+            <p:spPr>
+              <a:xfrm>
+                <a:off x="15886963" y="12982580"/>
+                <a:ext cx="6425073" cy="1093954"/>
+              </a:xfrm>
+              <a:prstGeom prst="rect">
+                <a:avLst/>
+              </a:prstGeom>
+              <a:noFill/>
+            </p:spPr>
+            <p:txBody>
+              <a:bodyPr wrap="square" lIns="0" tIns="0" rIns="0" bIns="0" rtlCol="0">
+                <a:spAutoFit/>
+              </a:bodyPr>
+              <a:lstStyle/>
+              <a:p>
+                <a14:m>
+                  <m:oMath xmlns:m="http://schemas.openxmlformats.org/officeDocument/2006/math">
+                    <m:acc>
+                      <m:accPr>
+                        <m:chr m:val="̂"/>
+                        <m:ctrlPr>
+                          <a:rPr lang="en-US" sz="2400" b="0" i="1" smtClean="0">
+                            <a:latin typeface="Cambria Math" panose="02040503050406030204" pitchFamily="18" charset="0"/>
+                          </a:rPr>
+                        </m:ctrlPr>
+                      </m:accPr>
+                      <m:e>
+                        <m:r>
+                          <a:rPr lang="en-US" sz="2400" b="0" i="1" smtClean="0">
+                            <a:latin typeface="Cambria Math" panose="02040503050406030204" pitchFamily="18" charset="0"/>
+                          </a:rPr>
+                          <m:t>𝑦</m:t>
+                        </m:r>
+                      </m:e>
+                    </m:acc>
+                    <m:d>
+                      <m:dPr>
+                        <m:ctrlPr>
+                          <a:rPr lang="en-US" sz="2400" b="0" i="1" smtClean="0">
+                            <a:latin typeface="Cambria Math" panose="02040503050406030204" pitchFamily="18" charset="0"/>
+                          </a:rPr>
+                        </m:ctrlPr>
+                      </m:dPr>
+                      <m:e>
+                        <m:r>
+                          <a:rPr lang="en-US" sz="2400" b="0" i="1" smtClean="0">
+                            <a:latin typeface="Cambria Math" panose="02040503050406030204" pitchFamily="18" charset="0"/>
+                          </a:rPr>
+                          <m:t>𝑘</m:t>
+                        </m:r>
+                      </m:e>
+                    </m:d>
+                    <m:r>
+                      <a:rPr lang="en-US" sz="2400" b="0" i="1" smtClean="0">
+                        <a:latin typeface="Cambria Math" panose="02040503050406030204" pitchFamily="18" charset="0"/>
+                      </a:rPr>
+                      <m:t>=</m:t>
+                    </m:r>
+                    <m:r>
+                      <a:rPr lang="en-US" sz="2400" b="0" i="1" smtClean="0">
+                        <a:latin typeface="Cambria Math" panose="02040503050406030204" pitchFamily="18" charset="0"/>
+                      </a:rPr>
+                      <m:t>𝐶</m:t>
+                    </m:r>
+                    <m:d>
+                      <m:dPr>
+                        <m:ctrlPr>
+                          <a:rPr lang="en-US" sz="2400" b="0" i="1" smtClean="0">
+                            <a:latin typeface="Cambria Math" panose="02040503050406030204" pitchFamily="18" charset="0"/>
+                          </a:rPr>
+                        </m:ctrlPr>
+                      </m:dPr>
+                      <m:e>
+                        <m:r>
+                          <a:rPr lang="en-US" sz="2400" b="0" i="1" smtClean="0">
+                            <a:latin typeface="Cambria Math" panose="02040503050406030204" pitchFamily="18" charset="0"/>
+                          </a:rPr>
+                          <m:t>𝑥</m:t>
+                        </m:r>
+                        <m:d>
+                          <m:dPr>
+                            <m:ctrlPr>
+                              <a:rPr lang="en-US" sz="2400" b="0" i="1" smtClean="0">
+                                <a:latin typeface="Cambria Math" panose="02040503050406030204" pitchFamily="18" charset="0"/>
+                              </a:rPr>
+                            </m:ctrlPr>
+                          </m:dPr>
+                          <m:e>
+                            <m:r>
+                              <a:rPr lang="en-US" sz="2400" b="0" i="1" smtClean="0">
+                                <a:latin typeface="Cambria Math" panose="02040503050406030204" pitchFamily="18" charset="0"/>
+                              </a:rPr>
+                              <m:t>𝑘</m:t>
+                            </m:r>
+                          </m:e>
+                        </m:d>
+                      </m:e>
+                    </m:d>
+                    <m:r>
+                      <a:rPr lang="en-US" sz="2400" b="0" i="1" smtClean="0">
+                        <a:latin typeface="Cambria Math" panose="02040503050406030204" pitchFamily="18" charset="0"/>
+                      </a:rPr>
+                      <m:t>,</m:t>
+                    </m:r>
+                    <m:r>
+                      <a:rPr lang="en-US" sz="2400" b="0" i="1" smtClean="0">
+                        <a:latin typeface="Cambria Math" panose="02040503050406030204" pitchFamily="18" charset="0"/>
+                      </a:rPr>
+                      <m:t>𝑥</m:t>
+                    </m:r>
+                    <m:d>
+                      <m:dPr>
+                        <m:ctrlPr>
+                          <a:rPr lang="en-US" sz="2400" b="0" i="1" smtClean="0">
+                            <a:latin typeface="Cambria Math" panose="02040503050406030204" pitchFamily="18" charset="0"/>
+                          </a:rPr>
+                        </m:ctrlPr>
+                      </m:dPr>
+                      <m:e>
+                        <m:r>
+                          <a:rPr lang="en-US" sz="2400" b="0" i="1" smtClean="0">
+                            <a:latin typeface="Cambria Math" panose="02040503050406030204" pitchFamily="18" charset="0"/>
+                          </a:rPr>
+                          <m:t>0</m:t>
+                        </m:r>
+                      </m:e>
+                    </m:d>
+                    <m:r>
+                      <a:rPr lang="en-US" sz="2400" b="0" i="1" smtClean="0">
+                        <a:latin typeface="Cambria Math" panose="02040503050406030204" pitchFamily="18" charset="0"/>
+                      </a:rPr>
+                      <m:t>=</m:t>
+                    </m:r>
+                    <m:sSub>
+                      <m:sSubPr>
+                        <m:ctrlPr>
+                          <a:rPr lang="en-US" sz="2400" b="0" i="1" smtClean="0">
+                            <a:latin typeface="Cambria Math" panose="02040503050406030204" pitchFamily="18" charset="0"/>
+                          </a:rPr>
+                        </m:ctrlPr>
+                      </m:sSubPr>
+                      <m:e>
+                        <m:r>
+                          <a:rPr lang="en-US" sz="2400" b="0" i="1" smtClean="0">
+                            <a:latin typeface="Cambria Math" panose="02040503050406030204" pitchFamily="18" charset="0"/>
+                          </a:rPr>
+                          <m:t>𝑥</m:t>
+                        </m:r>
+                      </m:e>
+                      <m:sub>
+                        <m:r>
+                          <a:rPr lang="en-US" sz="2400" b="0" i="1" smtClean="0">
+                            <a:latin typeface="Cambria Math" panose="02040503050406030204" pitchFamily="18" charset="0"/>
+                          </a:rPr>
+                          <m:t>0</m:t>
+                        </m:r>
+                      </m:sub>
+                    </m:sSub>
+                  </m:oMath>
+                </a14:m>
+                <a:r>
+                  <a:rPr lang="en-JP" sz="2000" dirty="0"/>
+                  <a:t>, </a:t>
+                </a:r>
+              </a:p>
+              <a:p>
+                <a14:m>
+                  <m:oMath xmlns:m="http://schemas.openxmlformats.org/officeDocument/2006/math">
+                    <m:r>
+                      <a:rPr lang="en-US" sz="2400" i="1">
+                        <a:latin typeface="Cambria Math" panose="02040503050406030204" pitchFamily="18" charset="0"/>
+                      </a:rPr>
+                      <m:t>𝑆</m:t>
+                    </m:r>
+                    <m:r>
+                      <a:rPr lang="en-US" sz="2400" i="1">
+                        <a:latin typeface="Cambria Math" panose="02040503050406030204" pitchFamily="18" charset="0"/>
+                      </a:rPr>
+                      <m:t>=</m:t>
+                    </m:r>
+                    <m:d>
+                      <m:dPr>
+                        <m:begChr m:val="["/>
+                        <m:endChr m:val="]"/>
+                        <m:ctrlPr>
+                          <a:rPr lang="en-US" sz="2400" i="1">
+                            <a:latin typeface="Cambria Math" panose="02040503050406030204" pitchFamily="18" charset="0"/>
+                          </a:rPr>
+                        </m:ctrlPr>
+                      </m:dPr>
+                      <m:e>
+                        <m:r>
+                          <a:rPr lang="en-US" sz="2400" i="1">
+                            <a:latin typeface="Cambria Math" panose="02040503050406030204" pitchFamily="18" charset="0"/>
+                          </a:rPr>
+                          <m:t>0 0 1 1 0 0 0</m:t>
+                        </m:r>
+                      </m:e>
+                    </m:d>
+                    <m:r>
+                      <a:rPr lang="en-US" sz="2400" i="1">
+                        <a:latin typeface="Cambria Math" panose="02040503050406030204" pitchFamily="18" charset="0"/>
+                      </a:rPr>
+                      <m:t>, </m:t>
+                    </m:r>
+                  </m:oMath>
+                </a14:m>
+                <a:r>
+                  <a:rPr lang="en-JP" sz="2400" i="1" dirty="0">
+                    <a:latin typeface="Cambria Math" panose="02040503050406030204" pitchFamily="18" charset="0"/>
+                  </a:rPr>
+                  <a:t>C </a:t>
+                </a:r>
+                <a14:m>
+                  <m:oMath xmlns:m="http://schemas.openxmlformats.org/officeDocument/2006/math">
+                    <m:r>
+                      <a:rPr lang="en-US" sz="2400" i="1">
+                        <a:latin typeface="Cambria Math" panose="02040503050406030204" pitchFamily="18" charset="0"/>
+                      </a:rPr>
+                      <m:t>=</m:t>
+                    </m:r>
+                    <m:d>
+                      <m:dPr>
+                        <m:begChr m:val="["/>
+                        <m:endChr m:val="]"/>
+                        <m:ctrlPr>
+                          <a:rPr lang="en-US" sz="2400" i="1">
+                            <a:latin typeface="Cambria Math" panose="02040503050406030204" pitchFamily="18" charset="0"/>
+                          </a:rPr>
+                        </m:ctrlPr>
+                      </m:dPr>
+                      <m:e>
+                        <m:r>
+                          <a:rPr lang="en-US" sz="2400" i="1">
+                            <a:latin typeface="Cambria Math" panose="02040503050406030204" pitchFamily="18" charset="0"/>
+                          </a:rPr>
+                          <m:t>1 0 0 0 0 0 0</m:t>
+                        </m:r>
+                      </m:e>
+                    </m:d>
+                    <m:r>
+                      <a:rPr lang="en-US" sz="2400" b="0" i="1" smtClean="0">
+                        <a:latin typeface="Cambria Math" panose="02040503050406030204" pitchFamily="18" charset="0"/>
+                      </a:rPr>
+                      <m:t>,</m:t>
+                    </m:r>
+                    <m:r>
+                      <a:rPr lang="en-US" sz="2400" i="1">
+                        <a:latin typeface="Cambria Math" panose="02040503050406030204" pitchFamily="18" charset="0"/>
+                      </a:rPr>
+                      <m:t> </m:t>
+                    </m:r>
+                  </m:oMath>
+                </a14:m>
+                <a:r>
+                  <a:rPr lang="en-JP" sz="2000" i="1" dirty="0">
+                    <a:latin typeface="Cambria Math" panose="02040503050406030204" pitchFamily="18" charset="0"/>
+                  </a:rPr>
+                  <a:t> </a:t>
+                </a:r>
+                <a:endParaRPr lang="en-US" sz="2000" i="1" dirty="0">
+                  <a:latin typeface="Cambria Math" panose="02040503050406030204" pitchFamily="18" charset="0"/>
+                </a:endParaRPr>
+              </a:p>
+              <a:p>
+                <a:endParaRPr lang="en-JP" sz="2000" dirty="0"/>
+              </a:p>
+            </p:txBody>
+          </p:sp>
+        </mc:Choice>
+        <mc:Fallback>
+          <p:sp>
+            <p:nvSpPr>
+              <p:cNvPr id="72" name="TextBox 404">
+                <a:extLst>
+                  <a:ext uri="{FF2B5EF4-FFF2-40B4-BE49-F238E27FC236}">
+                    <a16:creationId xmlns:a16="http://schemas.microsoft.com/office/drawing/2014/main" id="{F77EC1F9-A600-B4D0-B4F8-0C7CCA0C0F84}"/>
+                  </a:ext>
+                </a:extLst>
+              </p:cNvPr>
+              <p:cNvSpPr txBox="1">
+                <a:spLocks noRot="1" noChangeAspect="1" noMove="1" noResize="1" noEditPoints="1" noAdjustHandles="1" noChangeArrowheads="1" noChangeShapeType="1" noTextEdit="1"/>
+              </p:cNvSpPr>
+              <p:nvPr/>
+            </p:nvSpPr>
+            <p:spPr>
+              <a:xfrm>
+                <a:off x="15886963" y="12982580"/>
+                <a:ext cx="6425073" cy="1093954"/>
+              </a:xfrm>
+              <a:prstGeom prst="rect">
+                <a:avLst/>
+              </a:prstGeom>
+              <a:blipFill>
+                <a:blip r:embed="rId28"/>
+                <a:stretch>
+                  <a:fillRect l="-1578" t="-2299"/>
+                </a:stretch>
+              </a:blipFill>
+            </p:spPr>
+            <p:txBody>
+              <a:bodyPr/>
+              <a:lstStyle/>
+              <a:p>
+                <a:r>
+                  <a:rPr lang="ja-JP" altLang="en-US">
+                    <a:noFill/>
+                  </a:rPr>
+                  <a:t> </a:t>
+                </a:r>
+              </a:p>
+            </p:txBody>
+          </p:sp>
+        </mc:Fallback>
+      </mc:AlternateContent>
+      <p:pic>
+        <p:nvPicPr>
+          <p:cNvPr id="52" name="図 51">
+            <a:extLst>
+              <a:ext uri="{FF2B5EF4-FFF2-40B4-BE49-F238E27FC236}">
+                <a16:creationId xmlns:a16="http://schemas.microsoft.com/office/drawing/2014/main" id="{EF5FC00A-01C3-0296-FC1D-0AE5E201C5C3}"/>
+              </a:ext>
+            </a:extLst>
+          </p:cNvPr>
+          <p:cNvPicPr>
+            <a:picLocks noChangeAspect="1"/>
+          </p:cNvPicPr>
+          <p:nvPr/>
+        </p:nvPicPr>
+        <p:blipFill>
+          <a:blip r:embed="rId29"/>
+          <a:stretch>
+            <a:fillRect/>
+          </a:stretch>
+        </p:blipFill>
         <p:spPr>
           <a:xfrm>
-            <a:off x="468000" y="8749662"/>
-            <a:ext cx="29340000" cy="5040000"/>
+            <a:off x="2883740" y="18845413"/>
+            <a:ext cx="11255893" cy="2428497"/>
           </a:xfrm>
           <a:prstGeom prst="rect">
             <a:avLst/>
           </a:prstGeom>
-          <a:solidFill>
-            <a:schemeClr val="bg1"/>
-          </a:solidFill>
-          <a:ln w="127000">
-            <a:solidFill>
-              <a:schemeClr val="tx2"/>
-            </a:solidFill>
+        </p:spPr>
+      </p:pic>
+      <p:grpSp>
+        <p:nvGrpSpPr>
+          <p:cNvPr id="100" name="グループ化 99">
             <a:extLst>
-              <a:ext uri="{C807C97D-BFC1-408E-A445-0C87EB9F89A2}">
-                <ask:lineSketchStyleProps xmlns:ask="http://schemas.microsoft.com/office/drawing/2018/sketchyshapes" sd="981765707">
-                  <a:custGeom>
-                    <a:avLst/>
-                    <a:gdLst>
-                      <a:gd name="connsiteX0" fmla="*/ 0 w 27965400"/>
-                      <a:gd name="connsiteY0" fmla="*/ 0 h 5715000"/>
-                      <a:gd name="connsiteX1" fmla="*/ 27965400 w 27965400"/>
-                      <a:gd name="connsiteY1" fmla="*/ 0 h 5715000"/>
-                      <a:gd name="connsiteX2" fmla="*/ 27965400 w 27965400"/>
-                      <a:gd name="connsiteY2" fmla="*/ 5715000 h 5715000"/>
-                      <a:gd name="connsiteX3" fmla="*/ 0 w 27965400"/>
-                      <a:gd name="connsiteY3" fmla="*/ 5715000 h 5715000"/>
-                      <a:gd name="connsiteX4" fmla="*/ 0 w 27965400"/>
-                      <a:gd name="connsiteY4" fmla="*/ 0 h 5715000"/>
-                    </a:gdLst>
-                    <a:ahLst/>
-                    <a:cxnLst>
-                      <a:cxn ang="0">
-                        <a:pos x="connsiteX0" y="connsiteY0"/>
-                      </a:cxn>
-                      <a:cxn ang="0">
-                        <a:pos x="connsiteX1" y="connsiteY1"/>
-                      </a:cxn>
-                      <a:cxn ang="0">
-                        <a:pos x="connsiteX2" y="connsiteY2"/>
-                      </a:cxn>
-                      <a:cxn ang="0">
-                        <a:pos x="connsiteX3" y="connsiteY3"/>
-                      </a:cxn>
-                      <a:cxn ang="0">
-                        <a:pos x="connsiteX4" y="connsiteY4"/>
-                      </a:cxn>
-                    </a:cxnLst>
-                    <a:rect l="l" t="t" r="r" b="b"/>
-                    <a:pathLst>
-                      <a:path w="27965400" h="5715000" fill="none" extrusionOk="0">
-                        <a:moveTo>
-                          <a:pt x="0" y="0"/>
-                        </a:moveTo>
-                        <a:cubicBezTo>
-                          <a:pt x="12822961" y="-33775"/>
-                          <a:pt x="23266028" y="138873"/>
-                          <a:pt x="27965400" y="0"/>
-                        </a:cubicBezTo>
-                        <a:cubicBezTo>
-                          <a:pt x="27891629" y="1430944"/>
-                          <a:pt x="27809517" y="3154282"/>
-                          <a:pt x="27965400" y="5715000"/>
-                        </a:cubicBezTo>
-                        <a:cubicBezTo>
-                          <a:pt x="16913084" y="5577670"/>
-                          <a:pt x="9222407" y="5577144"/>
-                          <a:pt x="0" y="5715000"/>
-                        </a:cubicBezTo>
-                        <a:cubicBezTo>
-                          <a:pt x="152408" y="3190664"/>
-                          <a:pt x="73868" y="1414017"/>
-                          <a:pt x="0" y="0"/>
-                        </a:cubicBezTo>
-                        <a:close/>
-                      </a:path>
-                      <a:path w="27965400" h="5715000" stroke="0" extrusionOk="0">
-                        <a:moveTo>
-                          <a:pt x="0" y="0"/>
-                        </a:moveTo>
-                        <a:cubicBezTo>
-                          <a:pt x="6780586" y="-101487"/>
-                          <a:pt x="18516925" y="-162162"/>
-                          <a:pt x="27965400" y="0"/>
-                        </a:cubicBezTo>
-                        <a:cubicBezTo>
-                          <a:pt x="28026113" y="2805299"/>
-                          <a:pt x="27904328" y="3460224"/>
-                          <a:pt x="27965400" y="5715000"/>
-                        </a:cubicBezTo>
-                        <a:cubicBezTo>
-                          <a:pt x="19875670" y="5765065"/>
-                          <a:pt x="9433509" y="5556551"/>
-                          <a:pt x="0" y="5715000"/>
-                        </a:cubicBezTo>
-                        <a:cubicBezTo>
-                          <a:pt x="-24452" y="3845266"/>
-                          <a:pt x="-67663" y="2490616"/>
-                          <a:pt x="0" y="0"/>
-                        </a:cubicBezTo>
-                        <a:close/>
-                      </a:path>
-                    </a:pathLst>
-                  </a:custGeom>
-                  <ask:type>
-                    <ask:lineSketchNone/>
-                  </ask:type>
-                </ask:lineSketchStyleProps>
+              <a:ext uri="{FF2B5EF4-FFF2-40B4-BE49-F238E27FC236}">
+                <a16:creationId xmlns:a16="http://schemas.microsoft.com/office/drawing/2014/main" id="{CBB4C7DB-40D9-1DC2-5C77-A320B012B8A8}"/>
               </a:ext>
             </a:extLst>
-          </a:ln>
+          </p:cNvPr>
+          <p:cNvGrpSpPr/>
+          <p:nvPr/>
+        </p:nvGrpSpPr>
+        <p:grpSpPr>
+          <a:xfrm>
+            <a:off x="883694" y="12759542"/>
+            <a:ext cx="13939495" cy="2322445"/>
+            <a:chOff x="2047374" y="18738768"/>
+            <a:chExt cx="13939495" cy="2322445"/>
+          </a:xfrm>
+        </p:grpSpPr>
+        <p:cxnSp>
+          <p:nvCxnSpPr>
+            <p:cNvPr id="102" name="直線コネクタ 101">
+              <a:extLst>
+                <a:ext uri="{FF2B5EF4-FFF2-40B4-BE49-F238E27FC236}">
+                  <a16:creationId xmlns:a16="http://schemas.microsoft.com/office/drawing/2014/main" id="{8276A6F7-2E3C-65AC-503A-2709D2EEAEAD}"/>
+                </a:ext>
+              </a:extLst>
+            </p:cNvPr>
+            <p:cNvCxnSpPr>
+              <a:cxnSpLocks/>
+            </p:cNvCxnSpPr>
+            <p:nvPr/>
+          </p:nvCxnSpPr>
+          <p:spPr>
+            <a:xfrm>
+              <a:off x="2047374" y="18738768"/>
+              <a:ext cx="0" cy="1917666"/>
+            </a:xfrm>
+            <a:prstGeom prst="line">
+              <a:avLst/>
+            </a:prstGeom>
+            <a:ln w="31750"/>
+          </p:spPr>
+          <p:style>
+            <a:lnRef idx="2">
+              <a:schemeClr val="dk1"/>
+            </a:lnRef>
+            <a:fillRef idx="0">
+              <a:schemeClr val="dk1"/>
+            </a:fillRef>
+            <a:effectRef idx="1">
+              <a:schemeClr val="dk1"/>
+            </a:effectRef>
+            <a:fontRef idx="minor">
+              <a:schemeClr val="tx1"/>
+            </a:fontRef>
+          </p:style>
+        </p:cxnSp>
+        <p:sp>
+          <p:nvSpPr>
+            <p:cNvPr id="103" name="テキスト ボックス 102">
+              <a:extLst>
+                <a:ext uri="{FF2B5EF4-FFF2-40B4-BE49-F238E27FC236}">
+                  <a16:creationId xmlns:a16="http://schemas.microsoft.com/office/drawing/2014/main" id="{158B99F2-ACAA-7F4E-8525-11A5041BC536}"/>
+                </a:ext>
+              </a:extLst>
+            </p:cNvPr>
+            <p:cNvSpPr txBox="1"/>
+            <p:nvPr/>
+          </p:nvSpPr>
+          <p:spPr>
+            <a:xfrm>
+              <a:off x="2047374" y="18738768"/>
+              <a:ext cx="13939495" cy="584775"/>
+            </a:xfrm>
+            <a:prstGeom prst="rect">
+              <a:avLst/>
+            </a:prstGeom>
+            <a:noFill/>
+          </p:spPr>
+          <p:txBody>
+            <a:bodyPr wrap="square" rtlCol="0">
+              <a:spAutoFit/>
+            </a:bodyPr>
+            <a:lstStyle/>
+            <a:p>
+              <a:r>
+                <a:rPr lang="en-US" altLang="ja-JP" sz="3200" b="1" dirty="0">
+                  <a:latin typeface="メイリオ" panose="020B0604030504040204" pitchFamily="50" charset="-128"/>
+                  <a:ea typeface="メイリオ" panose="020B0604030504040204" pitchFamily="50" charset="-128"/>
+                </a:rPr>
+                <a:t>SSOGMM</a:t>
+              </a:r>
+              <a:r>
+                <a:rPr lang="en-US" altLang="ja-JP" sz="3200" b="1" baseline="30000" dirty="0">
+                  <a:latin typeface="メイリオ" panose="020B0604030504040204" pitchFamily="50" charset="-128"/>
+                  <a:ea typeface="メイリオ" panose="020B0604030504040204" pitchFamily="50" charset="-128"/>
+                </a:rPr>
+                <a:t>[3] </a:t>
+              </a:r>
+              <a:r>
+                <a:rPr lang="en-US" altLang="ja-JP" sz="2800" b="1" dirty="0">
+                  <a:latin typeface="メイリオ" panose="020B0604030504040204" pitchFamily="50" charset="-128"/>
+                  <a:ea typeface="メイリオ" panose="020B0604030504040204" pitchFamily="50" charset="-128"/>
+                </a:rPr>
+                <a:t>(</a:t>
+              </a:r>
+              <a:r>
+                <a:rPr lang="en-US" altLang="ja-JP" sz="2000" b="1" dirty="0">
+                  <a:latin typeface="メイリオ" panose="020B0604030504040204" pitchFamily="50" charset="-128"/>
+                  <a:ea typeface="メイリオ" panose="020B0604030504040204" pitchFamily="50" charset="-128"/>
+                </a:rPr>
+                <a:t>Switched Subcutaneous Oral Glucose Minimal Mode</a:t>
+              </a:r>
+              <a:r>
+                <a:rPr lang="en-US" altLang="ja-JP" sz="2400" b="1" dirty="0">
+                  <a:latin typeface="メイリオ" panose="020B0604030504040204" pitchFamily="50" charset="-128"/>
+                  <a:ea typeface="メイリオ" panose="020B0604030504040204" pitchFamily="50" charset="-128"/>
+                </a:rPr>
+                <a:t>l</a:t>
+              </a:r>
+              <a:r>
+                <a:rPr lang="en-US" altLang="ja-JP" sz="2800" b="1" dirty="0">
+                  <a:latin typeface="メイリオ" panose="020B0604030504040204" pitchFamily="50" charset="-128"/>
+                  <a:ea typeface="メイリオ" panose="020B0604030504040204" pitchFamily="50" charset="-128"/>
+                </a:rPr>
+                <a:t>)</a:t>
+              </a:r>
+              <a:endParaRPr kumimoji="1" lang="ja-JP" altLang="en-US" sz="3200" b="1" dirty="0">
+                <a:latin typeface="メイリオ" panose="020B0604030504040204" pitchFamily="50" charset="-128"/>
+                <a:ea typeface="メイリオ" panose="020B0604030504040204" pitchFamily="50" charset="-128"/>
+              </a:endParaRPr>
+            </a:p>
+          </p:txBody>
+        </p:sp>
+        <p:sp>
+          <p:nvSpPr>
+            <p:cNvPr id="104" name="テキスト ボックス 103">
+              <a:extLst>
+                <a:ext uri="{FF2B5EF4-FFF2-40B4-BE49-F238E27FC236}">
+                  <a16:creationId xmlns:a16="http://schemas.microsoft.com/office/drawing/2014/main" id="{4C538B7D-AE1E-7507-C1A3-E4F209B07656}"/>
+                </a:ext>
+              </a:extLst>
+            </p:cNvPr>
+            <p:cNvSpPr txBox="1"/>
+            <p:nvPr/>
+          </p:nvSpPr>
+          <p:spPr>
+            <a:xfrm>
+              <a:off x="2047374" y="19429997"/>
+              <a:ext cx="12392526" cy="1631216"/>
+            </a:xfrm>
+            <a:prstGeom prst="rect">
+              <a:avLst/>
+            </a:prstGeom>
+            <a:noFill/>
+          </p:spPr>
+          <p:txBody>
+            <a:bodyPr wrap="square" rtlCol="0">
+              <a:spAutoFit/>
+            </a:bodyPr>
+            <a:lstStyle/>
+            <a:p>
+              <a:r>
+                <a:rPr kumimoji="1" lang="en-US" altLang="ja-JP" sz="2400" dirty="0">
+                  <a:latin typeface="メイリオ" panose="020B0604030504040204" pitchFamily="50" charset="-128"/>
+                  <a:ea typeface="メイリオ" panose="020B0604030504040204" pitchFamily="50" charset="-128"/>
+                </a:rPr>
+                <a:t>SOGMM</a:t>
+              </a:r>
+              <a:r>
+                <a:rPr kumimoji="1" lang="en-US" altLang="ja-JP" sz="2400" baseline="30000" dirty="0">
+                  <a:latin typeface="メイリオ" panose="020B0604030504040204" pitchFamily="50" charset="-128"/>
+                  <a:ea typeface="メイリオ" panose="020B0604030504040204" pitchFamily="50" charset="-128"/>
+                </a:rPr>
+                <a:t>[4]</a:t>
+              </a:r>
+              <a:r>
+                <a:rPr lang="en-US" altLang="ja-JP" sz="2400" dirty="0">
+                  <a:latin typeface="メイリオ" panose="020B0604030504040204" pitchFamily="50" charset="-128"/>
+                  <a:ea typeface="メイリオ" panose="020B0604030504040204" pitchFamily="50" charset="-128"/>
+                </a:rPr>
+                <a:t>(Subcutaneous Oral Glucose Minimal Model)</a:t>
+              </a:r>
+              <a:r>
+                <a:rPr lang="ja-JP" altLang="en-US" sz="2400" dirty="0">
+                  <a:latin typeface="メイリオ" panose="020B0604030504040204" pitchFamily="50" charset="-128"/>
+                  <a:ea typeface="メイリオ" panose="020B0604030504040204" pitchFamily="50" charset="-128"/>
+                </a:rPr>
+                <a:t>に消化吸収式の線形切り替えシステムを追加した制御志向モデルである．</a:t>
+              </a:r>
+              <a:r>
+                <a:rPr lang="en-US" altLang="ja-JP" sz="2400" dirty="0">
+                  <a:latin typeface="Meiryo" panose="020B0604030504040204" pitchFamily="34" charset="-128"/>
+                  <a:ea typeface="Meiryo" panose="020B0604030504040204" pitchFamily="34" charset="-128"/>
+                </a:rPr>
+                <a:t>7</a:t>
+              </a:r>
+              <a:r>
+                <a:rPr lang="ja-JP" altLang="en-US" sz="2400" dirty="0">
+                  <a:latin typeface="Meiryo" panose="020B0604030504040204" pitchFamily="34" charset="-128"/>
+                  <a:ea typeface="Meiryo" panose="020B0604030504040204" pitchFamily="34" charset="-128"/>
+                </a:rPr>
+                <a:t>次元の状態次元と</a:t>
+              </a:r>
+              <a:r>
+                <a:rPr lang="en-US" altLang="ja-JP" sz="2400" dirty="0">
+                  <a:latin typeface="Meiryo" panose="020B0604030504040204" pitchFamily="34" charset="-128"/>
+                  <a:ea typeface="Meiryo" panose="020B0604030504040204" pitchFamily="34" charset="-128"/>
+                </a:rPr>
+                <a:t>12</a:t>
+              </a:r>
+              <a:r>
+                <a:rPr lang="ja-JP" altLang="en-US" sz="2400" dirty="0">
+                  <a:latin typeface="Meiryo" panose="020B0604030504040204" pitchFamily="34" charset="-128"/>
+                  <a:ea typeface="Meiryo" panose="020B0604030504040204" pitchFamily="34" charset="-128"/>
+                </a:rPr>
+                <a:t>の代謝パラメータを含む．</a:t>
+              </a:r>
+              <a:r>
+                <a:rPr lang="en-US" altLang="ja-JP" sz="2400" dirty="0">
+                  <a:latin typeface="Meiryo" panose="020B0604030504040204" pitchFamily="34" charset="-128"/>
+                  <a:ea typeface="Meiryo" panose="020B0604030504040204" pitchFamily="34" charset="-128"/>
+                </a:rPr>
+                <a:t>2</a:t>
+              </a:r>
+              <a:r>
+                <a:rPr lang="ja-JP" altLang="en-US" sz="2400" dirty="0">
+                  <a:latin typeface="Meiryo" panose="020B0604030504040204" pitchFamily="34" charset="-128"/>
+                  <a:ea typeface="Meiryo" panose="020B0604030504040204" pitchFamily="34" charset="-128"/>
+                </a:rPr>
+                <a:t>つの非線形項（</a:t>
+              </a:r>
+              <a:r>
+                <a:rPr lang="ja-JP" altLang="en-US" sz="2400" b="1" dirty="0">
+                  <a:latin typeface="Meiryo" panose="020B0604030504040204" pitchFamily="34" charset="-128"/>
+                  <a:ea typeface="Meiryo" panose="020B0604030504040204" pitchFamily="34" charset="-128"/>
+                </a:rPr>
+                <a:t>双線形＋</a:t>
+              </a:r>
+              <a:r>
+                <a:rPr lang="ja-JP" altLang="en-US" sz="2400" b="1" dirty="0">
+                  <a:solidFill>
+                    <a:srgbClr val="C00000"/>
+                  </a:solidFill>
+                  <a:latin typeface="Meiryo" panose="020B0604030504040204" pitchFamily="34" charset="-128"/>
+                  <a:ea typeface="Meiryo" panose="020B0604030504040204" pitchFamily="34" charset="-128"/>
+                </a:rPr>
+                <a:t>切り換え項</a:t>
+              </a:r>
+              <a:r>
+                <a:rPr lang="ja-JP" altLang="en-US" sz="2400" dirty="0">
+                  <a:latin typeface="Meiryo" panose="020B0604030504040204" pitchFamily="34" charset="-128"/>
+                  <a:ea typeface="Meiryo" panose="020B0604030504040204" pitchFamily="34" charset="-128"/>
+                </a:rPr>
+                <a:t>）を含む．</a:t>
+              </a:r>
+            </a:p>
+            <a:p>
+              <a:endParaRPr kumimoji="1" lang="ja-JP" altLang="en-US" sz="2800" dirty="0">
+                <a:latin typeface="メイリオ" panose="020B0604030504040204" pitchFamily="50" charset="-128"/>
+                <a:ea typeface="メイリオ" panose="020B0604030504040204" pitchFamily="50" charset="-128"/>
+              </a:endParaRPr>
+            </a:p>
+          </p:txBody>
+        </p:sp>
+      </p:grpSp>
+      <p:cxnSp>
+        <p:nvCxnSpPr>
+          <p:cNvPr id="105" name="直線コネクタ 104">
+            <a:extLst>
+              <a:ext uri="{FF2B5EF4-FFF2-40B4-BE49-F238E27FC236}">
+                <a16:creationId xmlns:a16="http://schemas.microsoft.com/office/drawing/2014/main" id="{26B1A89F-7C44-57BE-783B-92262ED7AFA1}"/>
+              </a:ext>
+            </a:extLst>
+          </p:cNvPr>
+          <p:cNvCxnSpPr>
+            <a:cxnSpLocks/>
+          </p:cNvCxnSpPr>
+          <p:nvPr/>
+        </p:nvCxnSpPr>
+        <p:spPr>
+          <a:xfrm>
+            <a:off x="15137606" y="9216862"/>
+            <a:ext cx="0" cy="7669571"/>
+          </a:xfrm>
+          <a:prstGeom prst="line">
+            <a:avLst/>
+          </a:prstGeom>
+          <a:ln w="31750"/>
         </p:spPr>
         <p:style>
           <a:lnRef idx="2">
-            <a:schemeClr val="accent6"/>
+            <a:schemeClr val="dk1"/>
           </a:lnRef>
-          <a:fillRef idx="1">
-            <a:schemeClr val="lt1"/>
+          <a:fillRef idx="0">
+            <a:schemeClr val="dk1"/>
           </a:fillRef>
-          <a:effectRef idx="0">
-            <a:schemeClr val="accent6"/>
+          <a:effectRef idx="1">
+            <a:schemeClr val="dk1"/>
           </a:effectRef>
           <a:fontRef idx="minor">
-            <a:schemeClr val="dk1"/>
+            <a:schemeClr val="tx1"/>
           </a:fontRef>
         </p:style>
-        <p:txBody>
-          <a:bodyPr rtlCol="0" anchor="ctr"/>
-          <a:lstStyle/>
-          <a:p>
-            <a:pPr algn="ctr"/>
-            <a:endParaRPr kumimoji="1" lang="ja-JP" altLang="en-US" dirty="0"/>
-          </a:p>
-        </p:txBody>
-      </p:sp>
-      <p:sp>
-        <p:nvSpPr>
-          <p:cNvPr id="101" name="テキスト ボックス 100">
+      </p:cxnSp>
+      <p:pic>
+        <p:nvPicPr>
+          <p:cNvPr id="108" name="図 107" descr="グラフ, 折れ線グラフ&#10;&#10;AI 生成コンテンツは誤りを含む可能性があります。">
             <a:extLst>
               <a:ext uri="{FF2B5EF4-FFF2-40B4-BE49-F238E27FC236}">
-                <a16:creationId xmlns:a16="http://schemas.microsoft.com/office/drawing/2014/main" id="{31ABE525-32CD-E19C-B238-20CAB5D99340}"/>
+                <a16:creationId xmlns:a16="http://schemas.microsoft.com/office/drawing/2014/main" id="{7E6B3CD6-986A-CFE1-942A-585FC7194E38}"/>
               </a:ext>
             </a:extLst>
           </p:cNvPr>
-          <p:cNvSpPr txBox="1">
-            <a:spLocks/>
-          </p:cNvSpPr>
+          <p:cNvPicPr>
+            <a:picLocks noChangeAspect="1"/>
+          </p:cNvPicPr>
           <p:nvPr/>
-        </p:nvSpPr>
+        </p:nvPicPr>
+        <p:blipFill>
+          <a:blip r:embed="rId30"/>
+          <a:stretch>
+            <a:fillRect/>
+          </a:stretch>
+        </p:blipFill>
         <p:spPr>
           <a:xfrm>
-            <a:off x="985652" y="9014822"/>
-            <a:ext cx="4336058" cy="791527"/>
+            <a:off x="1012437" y="14954373"/>
+            <a:ext cx="7772400" cy="1945232"/>
           </a:xfrm>
           <a:prstGeom prst="rect">
             <a:avLst/>
           </a:prstGeom>
-          <a:solidFill>
-            <a:schemeClr val="bg1"/>
-          </a:solidFill>
         </p:spPr>
-        <p:txBody>
-          <a:bodyPr wrap="square" rtlCol="0">
-            <a:spAutoFit/>
-          </a:bodyPr>
-          <a:lstStyle/>
-          <a:p>
-            <a:r>
-              <a:rPr lang="ja-JP" altLang="en-US" sz="4400" b="1">
-                <a:solidFill>
-                  <a:schemeClr val="tx2">
-                    <a:lumMod val="90000"/>
-                    <a:lumOff val="10000"/>
-                  </a:schemeClr>
-                </a:solidFill>
+      </p:pic>
+      <mc:AlternateContent xmlns:mc="http://schemas.openxmlformats.org/markup-compatibility/2006">
+        <mc:Choice xmlns:a14="http://schemas.microsoft.com/office/drawing/2010/main" Requires="a14">
+          <p:sp>
+            <p:nvSpPr>
+              <p:cNvPr id="112" name="TextBox 401">
+                <a:extLst>
+                  <a:ext uri="{FF2B5EF4-FFF2-40B4-BE49-F238E27FC236}">
+                    <a16:creationId xmlns:a16="http://schemas.microsoft.com/office/drawing/2014/main" id="{C0225721-D288-7787-A42C-B488DB2BF0F4}"/>
+                  </a:ext>
+                </a:extLst>
+              </p:cNvPr>
+              <p:cNvSpPr txBox="1"/>
+              <p:nvPr/>
+            </p:nvSpPr>
+            <p:spPr>
+              <a:xfrm>
+                <a:off x="15536577" y="10689037"/>
+                <a:ext cx="1591782" cy="430887"/>
+              </a:xfrm>
+              <a:prstGeom prst="rect">
+                <a:avLst/>
+              </a:prstGeom>
+              <a:noFill/>
+            </p:spPr>
+            <p:txBody>
+              <a:bodyPr wrap="none" lIns="0" tIns="0" rIns="0" bIns="0" rtlCol="0">
+                <a:spAutoFit/>
+              </a:bodyPr>
+              <a:lstStyle/>
+              <a:p>
+                <a:pPr/>
+                <a14:m>
+                  <m:oMathPara xmlns:m="http://schemas.openxmlformats.org/officeDocument/2006/math">
+                    <m:oMathParaPr>
+                      <m:jc m:val="centerGroup"/>
+                    </m:oMathParaPr>
+                    <m:oMath xmlns:m="http://schemas.openxmlformats.org/officeDocument/2006/math">
+                      <m:r>
+                        <m:rPr>
+                          <m:sty m:val="p"/>
+                        </m:rPr>
+                        <a:rPr lang="en-US" sz="2800" b="0" i="0" smtClean="0">
+                          <a:latin typeface="Cambria Math" panose="02040503050406030204" pitchFamily="18" charset="0"/>
+                        </a:rPr>
+                        <m:t>subject</m:t>
+                      </m:r>
+                      <m:r>
+                        <a:rPr lang="en-US" sz="2800" b="0" i="0" smtClean="0">
+                          <a:latin typeface="Cambria Math" panose="02040503050406030204" pitchFamily="18" charset="0"/>
+                        </a:rPr>
+                        <m:t> </m:t>
+                      </m:r>
+                      <m:r>
+                        <m:rPr>
+                          <m:sty m:val="p"/>
+                        </m:rPr>
+                        <a:rPr lang="en-US" sz="2800" b="0" i="0" smtClean="0">
+                          <a:latin typeface="Cambria Math" panose="02040503050406030204" pitchFamily="18" charset="0"/>
+                        </a:rPr>
+                        <m:t>to</m:t>
+                      </m:r>
+                    </m:oMath>
+                  </m:oMathPara>
+                </a14:m>
+                <a:endParaRPr lang="en-JP" sz="2800" dirty="0"/>
+              </a:p>
+            </p:txBody>
+          </p:sp>
+        </mc:Choice>
+        <mc:Fallback>
+          <p:sp>
+            <p:nvSpPr>
+              <p:cNvPr id="112" name="TextBox 401">
+                <a:extLst>
+                  <a:ext uri="{FF2B5EF4-FFF2-40B4-BE49-F238E27FC236}">
+                    <a16:creationId xmlns:a16="http://schemas.microsoft.com/office/drawing/2014/main" id="{C0225721-D288-7787-A42C-B488DB2BF0F4}"/>
+                  </a:ext>
+                </a:extLst>
+              </p:cNvPr>
+              <p:cNvSpPr txBox="1">
+                <a:spLocks noRot="1" noChangeAspect="1" noMove="1" noResize="1" noEditPoints="1" noAdjustHandles="1" noChangeArrowheads="1" noChangeShapeType="1" noTextEdit="1"/>
+              </p:cNvSpPr>
+              <p:nvPr/>
+            </p:nvSpPr>
+            <p:spPr>
+              <a:xfrm>
+                <a:off x="15536577" y="10689037"/>
+                <a:ext cx="1591782" cy="430887"/>
+              </a:xfrm>
+              <a:prstGeom prst="rect">
+                <a:avLst/>
+              </a:prstGeom>
+              <a:blipFill>
+                <a:blip r:embed="rId31"/>
+                <a:stretch>
+                  <a:fillRect l="-7143" t="-8571" r="-3175" b="-37143"/>
+                </a:stretch>
+              </a:blipFill>
+            </p:spPr>
+            <p:txBody>
+              <a:bodyPr/>
+              <a:lstStyle/>
+              <a:p>
+                <a:r>
+                  <a:rPr lang="ja-JP" altLang="en-US">
+                    <a:noFill/>
+                  </a:rPr>
+                  <a:t> </a:t>
+                </a:r>
+              </a:p>
+            </p:txBody>
+          </p:sp>
+        </mc:Fallback>
+      </mc:AlternateContent>
+      <p:grpSp>
+        <p:nvGrpSpPr>
+          <p:cNvPr id="113" name="グループ化 112">
+            <a:extLst>
+              <a:ext uri="{FF2B5EF4-FFF2-40B4-BE49-F238E27FC236}">
+                <a16:creationId xmlns:a16="http://schemas.microsoft.com/office/drawing/2014/main" id="{21E18409-1FBB-B7CA-95EB-B2BB6BEE87AB}"/>
+              </a:ext>
+            </a:extLst>
+          </p:cNvPr>
+          <p:cNvGrpSpPr/>
+          <p:nvPr/>
+        </p:nvGrpSpPr>
+        <p:grpSpPr>
+          <a:xfrm>
+            <a:off x="883694" y="9753953"/>
+            <a:ext cx="12503344" cy="2526989"/>
+            <a:chOff x="1936556" y="12558136"/>
+            <a:chExt cx="12503344" cy="2526989"/>
+          </a:xfrm>
+        </p:grpSpPr>
+        <p:cxnSp>
+          <p:nvCxnSpPr>
+            <p:cNvPr id="114" name="直線コネクタ 113">
+              <a:extLst>
+                <a:ext uri="{FF2B5EF4-FFF2-40B4-BE49-F238E27FC236}">
+                  <a16:creationId xmlns:a16="http://schemas.microsoft.com/office/drawing/2014/main" id="{727A4DFD-8430-3ED4-9800-346C968331C3}"/>
+                </a:ext>
+              </a:extLst>
+            </p:cNvPr>
+            <p:cNvCxnSpPr>
+              <a:cxnSpLocks/>
+            </p:cNvCxnSpPr>
+            <p:nvPr/>
+          </p:nvCxnSpPr>
+          <p:spPr>
+            <a:xfrm>
+              <a:off x="1936556" y="12558136"/>
+              <a:ext cx="0" cy="2526989"/>
+            </a:xfrm>
+            <a:prstGeom prst="line">
+              <a:avLst/>
+            </a:prstGeom>
+            <a:ln w="31750"/>
+          </p:spPr>
+          <p:style>
+            <a:lnRef idx="2">
+              <a:schemeClr val="dk1"/>
+            </a:lnRef>
+            <a:fillRef idx="0">
+              <a:schemeClr val="dk1"/>
+            </a:fillRef>
+            <a:effectRef idx="1">
+              <a:schemeClr val="dk1"/>
+            </a:effectRef>
+            <a:fontRef idx="minor">
+              <a:schemeClr val="tx1"/>
+            </a:fontRef>
+          </p:style>
+        </p:cxnSp>
+        <p:sp>
+          <p:nvSpPr>
+            <p:cNvPr id="115" name="テキスト ボックス 114">
+              <a:extLst>
+                <a:ext uri="{FF2B5EF4-FFF2-40B4-BE49-F238E27FC236}">
+                  <a16:creationId xmlns:a16="http://schemas.microsoft.com/office/drawing/2014/main" id="{8DDCB98E-F1AB-1053-C55F-CB83BA433931}"/>
+                </a:ext>
+              </a:extLst>
+            </p:cNvPr>
+            <p:cNvSpPr txBox="1">
+              <a:spLocks/>
+            </p:cNvSpPr>
+            <p:nvPr/>
+          </p:nvSpPr>
+          <p:spPr>
+            <a:xfrm>
+              <a:off x="2047375" y="12687300"/>
+              <a:ext cx="8707878" cy="523220"/>
+            </a:xfrm>
+            <a:prstGeom prst="rect">
+              <a:avLst/>
+            </a:prstGeom>
+            <a:noFill/>
+          </p:spPr>
+          <p:txBody>
+            <a:bodyPr wrap="square" lIns="90000" rtlCol="0">
+              <a:spAutoFit/>
+            </a:bodyPr>
+            <a:lstStyle/>
+            <a:p>
+              <a:r>
+                <a:rPr kumimoji="1" lang="en-US" altLang="ja-JP" sz="2800" b="1" dirty="0">
+                  <a:latin typeface="メイリオ" panose="020B0604030504040204" pitchFamily="50" charset="-128"/>
+                  <a:ea typeface="メイリオ" panose="020B0604030504040204" pitchFamily="50" charset="-128"/>
+                </a:rPr>
+                <a:t>UVA/Padova </a:t>
+              </a:r>
+              <a:r>
+                <a:rPr kumimoji="1" lang="ja-JP" altLang="en-US" sz="2800" b="1">
+                  <a:latin typeface="メイリオ" panose="020B0604030504040204" pitchFamily="50" charset="-128"/>
+                  <a:ea typeface="メイリオ" panose="020B0604030504040204" pitchFamily="50" charset="-128"/>
+                </a:rPr>
+                <a:t>モデル</a:t>
+              </a:r>
+              <a:r>
+                <a:rPr kumimoji="1" lang="en-US" altLang="ja-JP" sz="2800" b="1" baseline="30000" dirty="0">
+                  <a:latin typeface="メイリオ" panose="020B0604030504040204" pitchFamily="50" charset="-128"/>
+                  <a:ea typeface="メイリオ" panose="020B0604030504040204" pitchFamily="50" charset="-128"/>
+                </a:rPr>
+                <a:t>[1][2]</a:t>
+              </a:r>
+              <a:endParaRPr kumimoji="1" lang="ja-JP" altLang="en-US" sz="2800" b="1" baseline="30000" dirty="0">
                 <a:latin typeface="メイリオ" panose="020B0604030504040204" pitchFamily="50" charset="-128"/>
                 <a:ea typeface="メイリオ" panose="020B0604030504040204" pitchFamily="50" charset="-128"/>
-              </a:rPr>
-              <a:t>モデルについて</a:t>
-            </a:r>
-            <a:endParaRPr kumimoji="1" lang="ja-JP" altLang="en-US" sz="4400" b="1" dirty="0">
-              <a:solidFill>
-                <a:schemeClr val="tx2">
-                  <a:lumMod val="90000"/>
-                  <a:lumOff val="10000"/>
-                </a:schemeClr>
-              </a:solidFill>
-              <a:latin typeface="メイリオ" panose="020B0604030504040204" pitchFamily="50" charset="-128"/>
-              <a:ea typeface="メイリオ" panose="020B0604030504040204" pitchFamily="50" charset="-128"/>
-            </a:endParaRPr>
-          </a:p>
-        </p:txBody>
-      </p:sp>
+              </a:endParaRPr>
+            </a:p>
+          </p:txBody>
+        </p:sp>
+        <p:sp>
+          <p:nvSpPr>
+            <p:cNvPr id="116" name="テキスト ボックス 115">
+              <a:extLst>
+                <a:ext uri="{FF2B5EF4-FFF2-40B4-BE49-F238E27FC236}">
+                  <a16:creationId xmlns:a16="http://schemas.microsoft.com/office/drawing/2014/main" id="{8B9BE608-7B05-3BC0-F124-D87B5544C0DC}"/>
+                </a:ext>
+              </a:extLst>
+            </p:cNvPr>
+            <p:cNvSpPr txBox="1"/>
+            <p:nvPr/>
+          </p:nvSpPr>
+          <p:spPr>
+            <a:xfrm>
+              <a:off x="2047374" y="13081214"/>
+              <a:ext cx="12392526" cy="1938992"/>
+            </a:xfrm>
+            <a:prstGeom prst="rect">
+              <a:avLst/>
+            </a:prstGeom>
+            <a:noFill/>
+          </p:spPr>
+          <p:txBody>
+            <a:bodyPr wrap="square" rtlCol="0">
+              <a:spAutoFit/>
+            </a:bodyPr>
+            <a:lstStyle/>
+            <a:p>
+              <a:r>
+                <a:rPr kumimoji="1" lang="ja-JP" altLang="en-US" sz="2400" dirty="0">
+                  <a:latin typeface="メイリオ" panose="020B0604030504040204" pitchFamily="50" charset="-128"/>
+                  <a:ea typeface="メイリオ" panose="020B0604030504040204" pitchFamily="50" charset="-128"/>
+                </a:rPr>
+                <a:t>アメリカ</a:t>
+              </a:r>
+              <a:r>
+                <a:rPr kumimoji="1" lang="en-US" altLang="ja-JP" sz="2400" dirty="0">
+                  <a:latin typeface="メイリオ" panose="020B0604030504040204" pitchFamily="50" charset="-128"/>
+                  <a:ea typeface="メイリオ" panose="020B0604030504040204" pitchFamily="50" charset="-128"/>
+                </a:rPr>
+                <a:t>FDA</a:t>
+              </a:r>
+              <a:r>
+                <a:rPr kumimoji="1" lang="ja-JP" altLang="en-US" sz="2400" dirty="0">
+                  <a:latin typeface="メイリオ" panose="020B0604030504040204" pitchFamily="50" charset="-128"/>
+                  <a:ea typeface="メイリオ" panose="020B0604030504040204" pitchFamily="50" charset="-128"/>
+                </a:rPr>
+                <a:t>が動物実験の代替として承認</a:t>
+              </a:r>
+              <a:r>
+                <a:rPr kumimoji="1" lang="ja-JP" altLang="en-US" sz="2400">
+                  <a:latin typeface="メイリオ" panose="020B0604030504040204" pitchFamily="50" charset="-128"/>
+                  <a:ea typeface="メイリオ" panose="020B0604030504040204" pitchFamily="50" charset="-128"/>
+                </a:rPr>
+                <a:t>した，</a:t>
+              </a:r>
+              <a:endParaRPr kumimoji="1" lang="en-US" altLang="ja-JP" sz="2400" dirty="0">
+                <a:latin typeface="メイリオ" panose="020B0604030504040204" pitchFamily="50" charset="-128"/>
+                <a:ea typeface="メイリオ" panose="020B0604030504040204" pitchFamily="50" charset="-128"/>
+              </a:endParaRPr>
+            </a:p>
+            <a:p>
+              <a:r>
+                <a:rPr kumimoji="1" lang="ja-JP" altLang="en-US" sz="2400">
+                  <a:latin typeface="メイリオ" panose="020B0604030504040204" pitchFamily="50" charset="-128"/>
+                  <a:ea typeface="メイリオ" panose="020B0604030504040204" pitchFamily="50" charset="-128"/>
+                </a:rPr>
+                <a:t>糖</a:t>
+              </a:r>
+              <a:r>
+                <a:rPr kumimoji="1" lang="ja-JP" altLang="en-US" sz="2400" dirty="0">
+                  <a:latin typeface="メイリオ" panose="020B0604030504040204" pitchFamily="50" charset="-128"/>
+                  <a:ea typeface="メイリオ" panose="020B0604030504040204" pitchFamily="50" charset="-128"/>
+                </a:rPr>
+                <a:t>代謝シミュレーションモデルで</a:t>
+              </a:r>
+              <a:r>
+                <a:rPr kumimoji="1" lang="ja-JP" altLang="en-US" sz="2400">
+                  <a:latin typeface="メイリオ" panose="020B0604030504040204" pitchFamily="50" charset="-128"/>
+                  <a:ea typeface="メイリオ" panose="020B0604030504040204" pitchFamily="50" charset="-128"/>
+                </a:rPr>
+                <a:t>ある．</a:t>
+              </a:r>
+              <a:endParaRPr kumimoji="1" lang="en-US" altLang="ja-JP" sz="2400" dirty="0">
+                <a:latin typeface="メイリオ" panose="020B0604030504040204" pitchFamily="50" charset="-128"/>
+                <a:ea typeface="メイリオ" panose="020B0604030504040204" pitchFamily="50" charset="-128"/>
+              </a:endParaRPr>
+            </a:p>
+            <a:p>
+              <a:r>
+                <a:rPr kumimoji="1" lang="en-US" altLang="ja-JP" sz="2400" dirty="0">
+                  <a:latin typeface="メイリオ" panose="020B0604030504040204" pitchFamily="50" charset="-128"/>
+                  <a:ea typeface="メイリオ" panose="020B0604030504040204" pitchFamily="50" charset="-128"/>
+                </a:rPr>
+                <a:t>1</a:t>
+              </a:r>
+              <a:r>
+                <a:rPr kumimoji="1" lang="ja-JP" altLang="en-US" sz="2400" dirty="0">
+                  <a:latin typeface="メイリオ" panose="020B0604030504040204" pitchFamily="50" charset="-128"/>
+                  <a:ea typeface="メイリオ" panose="020B0604030504040204" pitchFamily="50" charset="-128"/>
+                </a:rPr>
+                <a:t>型糖尿病患者を精密に再現する</a:t>
+              </a:r>
+              <a:r>
+                <a:rPr kumimoji="1" lang="ja-JP" altLang="en-US" sz="2400">
+                  <a:latin typeface="メイリオ" panose="020B0604030504040204" pitchFamily="50" charset="-128"/>
+                  <a:ea typeface="メイリオ" panose="020B0604030504040204" pitchFamily="50" charset="-128"/>
+                </a:rPr>
+                <a:t>ために</a:t>
+              </a:r>
+              <a:r>
+                <a:rPr kumimoji="1" lang="en-US" altLang="ja-JP" sz="2400" dirty="0">
+                  <a:latin typeface="メイリオ" panose="020B0604030504040204" pitchFamily="50" charset="-128"/>
+                  <a:ea typeface="メイリオ" panose="020B0604030504040204" pitchFamily="50" charset="-128"/>
+                </a:rPr>
+                <a:t>15</a:t>
+              </a:r>
+              <a:r>
+                <a:rPr kumimoji="1" lang="ja-JP" altLang="en-US" sz="2400">
+                  <a:latin typeface="メイリオ" panose="020B0604030504040204" pitchFamily="50" charset="-128"/>
+                  <a:ea typeface="メイリオ" panose="020B0604030504040204" pitchFamily="50" charset="-128"/>
+                </a:rPr>
+                <a:t>次元</a:t>
+              </a:r>
+              <a:r>
+                <a:rPr kumimoji="1" lang="ja-JP" altLang="en-US" sz="2400" dirty="0">
+                  <a:latin typeface="メイリオ" panose="020B0604030504040204" pitchFamily="50" charset="-128"/>
+                  <a:ea typeface="メイリオ" panose="020B0604030504040204" pitchFamily="50" charset="-128"/>
+                </a:rPr>
+                <a:t>の</a:t>
+              </a:r>
+              <a:r>
+                <a:rPr kumimoji="1" lang="ja-JP" altLang="en-US" sz="2400">
+                  <a:latin typeface="メイリオ" panose="020B0604030504040204" pitchFamily="50" charset="-128"/>
+                  <a:ea typeface="メイリオ" panose="020B0604030504040204" pitchFamily="50" charset="-128"/>
+                </a:rPr>
+                <a:t>状態次元</a:t>
+              </a:r>
+              <a:endParaRPr kumimoji="1" lang="en-US" altLang="ja-JP" sz="2400" dirty="0">
+                <a:latin typeface="メイリオ" panose="020B0604030504040204" pitchFamily="50" charset="-128"/>
+                <a:ea typeface="メイリオ" panose="020B0604030504040204" pitchFamily="50" charset="-128"/>
+              </a:endParaRPr>
+            </a:p>
+            <a:p>
+              <a:r>
+                <a:rPr kumimoji="1" lang="ja-JP" altLang="en-US" sz="2400">
+                  <a:latin typeface="メイリオ" panose="020B0604030504040204" pitchFamily="50" charset="-128"/>
+                  <a:ea typeface="メイリオ" panose="020B0604030504040204" pitchFamily="50" charset="-128"/>
+                </a:rPr>
+                <a:t>と約</a:t>
+              </a:r>
+              <a:r>
+                <a:rPr lang="en-US" altLang="ja-JP" sz="2400" dirty="0">
+                  <a:latin typeface="メイリオ" panose="020B0604030504040204" pitchFamily="50" charset="-128"/>
+                  <a:ea typeface="メイリオ" panose="020B0604030504040204" pitchFamily="50" charset="-128"/>
+                </a:rPr>
+                <a:t>30</a:t>
+              </a:r>
+              <a:r>
+                <a:rPr kumimoji="1" lang="ja-JP" altLang="en-US" sz="2400">
+                  <a:latin typeface="メイリオ" panose="020B0604030504040204" pitchFamily="50" charset="-128"/>
+                  <a:ea typeface="メイリオ" panose="020B0604030504040204" pitchFamily="50" charset="-128"/>
+                </a:rPr>
+                <a:t>の</a:t>
+              </a:r>
+              <a:r>
+                <a:rPr kumimoji="1" lang="ja-JP" altLang="en-US" sz="2400" dirty="0">
+                  <a:latin typeface="メイリオ" panose="020B0604030504040204" pitchFamily="50" charset="-128"/>
+                  <a:ea typeface="メイリオ" panose="020B0604030504040204" pitchFamily="50" charset="-128"/>
+                </a:rPr>
+                <a:t>代謝パラメータを</a:t>
+              </a:r>
+              <a:r>
+                <a:rPr kumimoji="1" lang="ja-JP" altLang="en-US" sz="2400">
+                  <a:latin typeface="メイリオ" panose="020B0604030504040204" pitchFamily="50" charset="-128"/>
+                  <a:ea typeface="メイリオ" panose="020B0604030504040204" pitchFamily="50" charset="-128"/>
+                </a:rPr>
+                <a:t>含む．</a:t>
+              </a:r>
+              <a:endParaRPr kumimoji="1" lang="en-US" altLang="ja-JP" sz="2400" dirty="0">
+                <a:latin typeface="メイリオ" panose="020B0604030504040204" pitchFamily="50" charset="-128"/>
+                <a:ea typeface="メイリオ" panose="020B0604030504040204" pitchFamily="50" charset="-128"/>
+              </a:endParaRPr>
+            </a:p>
+            <a:p>
+              <a:r>
+                <a:rPr kumimoji="1" lang="ja-JP" altLang="en-US" sz="2400">
+                  <a:latin typeface="メイリオ" panose="020B0604030504040204" pitchFamily="50" charset="-128"/>
+                  <a:ea typeface="メイリオ" panose="020B0604030504040204" pitchFamily="50" charset="-128"/>
+                </a:rPr>
+                <a:t>また</a:t>
+              </a:r>
+              <a:r>
+                <a:rPr kumimoji="1" lang="ja-JP" altLang="en-US" sz="2400" dirty="0">
+                  <a:latin typeface="メイリオ" panose="020B0604030504040204" pitchFamily="50" charset="-128"/>
+                  <a:ea typeface="メイリオ" panose="020B0604030504040204" pitchFamily="50" charset="-128"/>
+                </a:rPr>
+                <a:t>，複数の非線形項を含む．</a:t>
+              </a:r>
+            </a:p>
+          </p:txBody>
+        </p:sp>
+      </p:grpSp>
+      <p:pic>
+        <p:nvPicPr>
+          <p:cNvPr id="120" name="図 119">
+            <a:extLst>
+              <a:ext uri="{FF2B5EF4-FFF2-40B4-BE49-F238E27FC236}">
+                <a16:creationId xmlns:a16="http://schemas.microsoft.com/office/drawing/2014/main" id="{7F7ED59F-9592-712B-990C-AEC9D1E40718}"/>
+              </a:ext>
+            </a:extLst>
+          </p:cNvPr>
+          <p:cNvPicPr>
+            <a:picLocks noChangeAspect="1"/>
+          </p:cNvPicPr>
+          <p:nvPr/>
+        </p:nvPicPr>
+        <p:blipFill>
+          <a:blip r:embed="rId32"/>
+          <a:stretch>
+            <a:fillRect/>
+          </a:stretch>
+        </p:blipFill>
+        <p:spPr>
+          <a:xfrm>
+            <a:off x="9402534" y="10099026"/>
+            <a:ext cx="5543619" cy="2060129"/>
+          </a:xfrm>
+          <a:prstGeom prst="rect">
+            <a:avLst/>
+          </a:prstGeom>
+        </p:spPr>
+      </p:pic>
     </p:spTree>
     <p:extLst>
       <p:ext uri="{BB962C8B-B14F-4D97-AF65-F5344CB8AC3E}">

--- a/poster_oukan.pptx
+++ b/poster_oukan.pptx
@@ -747,6 +747,193 @@
             </a:r>
           </a:p>
           <a:p>
+            <a:br>
+              <a:rPr lang="ja-JP" altLang="en-US" sz="4603" kern="1200">
+                <a:solidFill>
+                  <a:schemeClr val="tx1"/>
+                </a:solidFill>
+                <a:effectLst/>
+                <a:latin typeface="+mn-lt"/>
+                <a:ea typeface="+mn-ea"/>
+                <a:cs typeface="+mn-cs"/>
+              </a:rPr>
+            </a:br>
+            <a:endParaRPr lang="ja-JP" altLang="en-US" sz="4603" kern="1200">
+              <a:solidFill>
+                <a:schemeClr val="tx1"/>
+              </a:solidFill>
+              <a:effectLst/>
+              <a:latin typeface="+mn-lt"/>
+              <a:ea typeface="+mn-ea"/>
+              <a:cs typeface="+mn-cs"/>
+            </a:endParaRPr>
+          </a:p>
+          <a:p>
+            <a:r>
+              <a:rPr lang="ja-JP" altLang="en-US" sz="4603" kern="1200">
+                <a:solidFill>
+                  <a:schemeClr val="tx1"/>
+                </a:solidFill>
+                <a:effectLst/>
+                <a:latin typeface="+mn-lt"/>
+                <a:ea typeface="+mn-ea"/>
+                <a:cs typeface="+mn-cs"/>
+              </a:rPr>
+              <a:t>しかし，制御対象である人間の特性は時々刻々と変化し，また個人間の差異も存在する．適切な制御のためには，この変動性への対処が必要である．そのためには，観測可能なデータ（血糖値，インスリン，食事データ）から各個人のモデル同定を行う必要がある</a:t>
+            </a:r>
+          </a:p>
+          <a:p>
+            <a:br>
+              <a:rPr lang="ja-JP" altLang="en-US" sz="4603" kern="1200">
+                <a:solidFill>
+                  <a:schemeClr val="tx1"/>
+                </a:solidFill>
+                <a:effectLst/>
+                <a:latin typeface="+mn-lt"/>
+                <a:ea typeface="+mn-ea"/>
+                <a:cs typeface="+mn-cs"/>
+              </a:rPr>
+            </a:br>
+            <a:endParaRPr lang="ja-JP" altLang="en-US" sz="4603" kern="1200">
+              <a:solidFill>
+                <a:schemeClr val="tx1"/>
+              </a:solidFill>
+              <a:effectLst/>
+              <a:latin typeface="+mn-lt"/>
+              <a:ea typeface="+mn-ea"/>
+              <a:cs typeface="+mn-cs"/>
+            </a:endParaRPr>
+          </a:p>
+          <a:p>
+            <a:r>
+              <a:rPr lang="ja-JP" altLang="en-US" sz="4603" kern="1200">
+                <a:solidFill>
+                  <a:schemeClr val="tx1"/>
+                </a:solidFill>
+                <a:effectLst/>
+                <a:latin typeface="+mn-lt"/>
+                <a:ea typeface="+mn-ea"/>
+                <a:cs typeface="+mn-cs"/>
+              </a:rPr>
+              <a:t>当研究室では，</a:t>
+            </a:r>
+            <a:r>
+              <a:rPr lang="ja-JP" altLang="en-US" sz="4603" b="1" kern="1200">
+                <a:solidFill>
+                  <a:schemeClr val="tx1"/>
+                </a:solidFill>
+                <a:effectLst/>
+                <a:latin typeface="+mn-lt"/>
+                <a:ea typeface="+mn-ea"/>
+                <a:cs typeface="+mn-cs"/>
+              </a:rPr>
+              <a:t>グルコース</a:t>
+            </a:r>
+            <a:r>
+              <a:rPr lang="en-US" altLang="ja-JP" sz="4603" b="1" kern="1200" dirty="0">
+                <a:solidFill>
+                  <a:schemeClr val="tx1"/>
+                </a:solidFill>
+                <a:effectLst/>
+                <a:latin typeface="+mn-lt"/>
+                <a:ea typeface="+mn-ea"/>
+                <a:cs typeface="+mn-cs"/>
+              </a:rPr>
+              <a:t>-</a:t>
+            </a:r>
+            <a:r>
+              <a:rPr lang="ja-JP" altLang="en-US" sz="4603" b="1" kern="1200">
+                <a:solidFill>
+                  <a:schemeClr val="tx1"/>
+                </a:solidFill>
+                <a:effectLst/>
+                <a:latin typeface="+mn-lt"/>
+                <a:ea typeface="+mn-ea"/>
+                <a:cs typeface="+mn-cs"/>
+              </a:rPr>
+              <a:t>インスリン動態切り換えモデルが提案され，また観測可能なデータのみを用いたパラメータ推定法について検討された．</a:t>
+            </a:r>
+            <a:endParaRPr lang="ja-JP" altLang="en-US" sz="4603" kern="1200">
+              <a:solidFill>
+                <a:schemeClr val="tx1"/>
+              </a:solidFill>
+              <a:effectLst/>
+              <a:latin typeface="+mn-lt"/>
+              <a:ea typeface="+mn-ea"/>
+              <a:cs typeface="+mn-cs"/>
+            </a:endParaRPr>
+          </a:p>
+          <a:p>
+            <a:br>
+              <a:rPr lang="ja-JP" altLang="en-US" sz="4603" kern="1200">
+                <a:solidFill>
+                  <a:schemeClr val="tx1"/>
+                </a:solidFill>
+                <a:effectLst/>
+                <a:latin typeface="+mn-lt"/>
+                <a:ea typeface="+mn-ea"/>
+                <a:cs typeface="+mn-cs"/>
+              </a:rPr>
+            </a:br>
+            <a:endParaRPr lang="ja-JP" altLang="en-US" sz="4603" kern="1200">
+              <a:solidFill>
+                <a:schemeClr val="tx1"/>
+              </a:solidFill>
+              <a:effectLst/>
+              <a:latin typeface="+mn-lt"/>
+              <a:ea typeface="+mn-ea"/>
+              <a:cs typeface="+mn-cs"/>
+            </a:endParaRPr>
+          </a:p>
+          <a:p>
+            <a:r>
+              <a:rPr lang="ja-JP" altLang="en-US" sz="4603" kern="1200">
+                <a:solidFill>
+                  <a:schemeClr val="tx1"/>
+                </a:solidFill>
+                <a:effectLst/>
+                <a:latin typeface="+mn-lt"/>
+                <a:ea typeface="+mn-ea"/>
+                <a:cs typeface="+mn-cs"/>
+              </a:rPr>
+              <a:t>次のステップとして提案されたモデルを用いた制御系の構築を考えていきたい．</a:t>
+            </a:r>
+          </a:p>
+          <a:p>
+            <a:br>
+              <a:rPr lang="ja-JP" altLang="en-US" sz="4603" kern="1200">
+                <a:solidFill>
+                  <a:schemeClr val="tx1"/>
+                </a:solidFill>
+                <a:effectLst/>
+                <a:latin typeface="+mn-lt"/>
+                <a:ea typeface="+mn-ea"/>
+                <a:cs typeface="+mn-cs"/>
+              </a:rPr>
+            </a:br>
+            <a:endParaRPr lang="ja-JP" altLang="en-US" sz="4603" kern="1200">
+              <a:solidFill>
+                <a:schemeClr val="tx1"/>
+              </a:solidFill>
+              <a:effectLst/>
+              <a:latin typeface="+mn-lt"/>
+              <a:ea typeface="+mn-ea"/>
+              <a:cs typeface="+mn-cs"/>
+            </a:endParaRPr>
+          </a:p>
+          <a:p>
+            <a:r>
+              <a:rPr lang="ja-JP" altLang="en-US" sz="4603" kern="1200">
+                <a:solidFill>
+                  <a:schemeClr val="tx1"/>
+                </a:solidFill>
+                <a:effectLst/>
+                <a:latin typeface="+mn-lt"/>
+                <a:ea typeface="+mn-ea"/>
+                <a:cs typeface="+mn-cs"/>
+              </a:rPr>
+              <a:t>人工膵臓の制御アルゴリズムとしてモデル予測制御</a:t>
+            </a:r>
             <a:r>
               <a:rPr lang="en-US" altLang="ja-JP" sz="4603" kern="1200" dirty="0">
                 <a:solidFill>
@@ -760,6 +947,18 @@
               <a:t>(</a:t>
             </a:r>
             <a:r>
+              <a:rPr lang="en" altLang="ja-JP" sz="4603" kern="1200" dirty="0">
+                <a:solidFill>
+                  <a:schemeClr val="tx1"/>
+                </a:solidFill>
+                <a:effectLst/>
+                <a:latin typeface="+mn-lt"/>
+                <a:ea typeface="+mn-ea"/>
+                <a:cs typeface="+mn-cs"/>
+              </a:rPr>
+              <a:t>MPC)</a:t>
+            </a:r>
+            <a:r>
               <a:rPr lang="ja-JP" altLang="en-US" sz="4603" kern="1200">
                 <a:solidFill>
                   <a:schemeClr val="tx1"/>
@@ -769,24 +968,12 @@
                 <a:ea typeface="+mn-ea"/>
                 <a:cs typeface="+mn-cs"/>
               </a:rPr>
-              <a:t>ここまでは一旦決定</a:t>
-            </a:r>
-            <a:r>
-              <a:rPr lang="en-US" altLang="ja-JP" sz="4603" kern="1200" dirty="0">
-                <a:solidFill>
-                  <a:schemeClr val="tx1"/>
-                </a:solidFill>
-                <a:effectLst/>
-                <a:latin typeface="+mn-lt"/>
-                <a:ea typeface="+mn-ea"/>
-                <a:cs typeface="+mn-cs"/>
-              </a:rPr>
-              <a:t>)</a:t>
+              <a:t>が主に用いられているため，</a:t>
             </a:r>
           </a:p>
           <a:p>
             <a:br>
-              <a:rPr lang="en-US" altLang="ja-JP" sz="4603" kern="1200" dirty="0">
+              <a:rPr lang="ja-JP" altLang="en-US" sz="4603" kern="1200">
                 <a:solidFill>
                   <a:schemeClr val="tx1"/>
                 </a:solidFill>
@@ -796,7 +983,7 @@
                 <a:cs typeface="+mn-cs"/>
               </a:rPr>
             </a:br>
-            <a:endParaRPr lang="en-US" altLang="ja-JP" sz="4603" kern="1200" dirty="0">
+            <a:endParaRPr lang="ja-JP" altLang="en-US" sz="4603" kern="1200">
               <a:solidFill>
                 <a:schemeClr val="tx1"/>
               </a:solidFill>
@@ -4818,10 +5005,10 @@
       </p:grpSp>
       <p:grpSp>
         <p:nvGrpSpPr>
-          <p:cNvPr id="99" name="グループ化 98">
+          <p:cNvPr id="18" name="グループ化 17">
             <a:extLst>
               <a:ext uri="{FF2B5EF4-FFF2-40B4-BE49-F238E27FC236}">
-                <a16:creationId xmlns:a16="http://schemas.microsoft.com/office/drawing/2014/main" id="{66D952D5-F299-6ACC-B250-A291C2AAE734}"/>
+                <a16:creationId xmlns:a16="http://schemas.microsoft.com/office/drawing/2014/main" id="{FA0C50E5-6174-8DD0-2B2F-0C3CB2F3300C}"/>
               </a:ext>
             </a:extLst>
           </p:cNvPr>
@@ -4830,18 +5017,318 @@
         </p:nvGrpSpPr>
         <p:grpSpPr>
           <a:xfrm>
-            <a:off x="494350" y="3809099"/>
-            <a:ext cx="29340000" cy="5040000"/>
-            <a:chOff x="467604" y="3420000"/>
-            <a:chExt cx="29340000" cy="5040000"/>
+            <a:off x="460647" y="3697547"/>
+            <a:ext cx="29340000" cy="6875446"/>
+            <a:chOff x="478129" y="5290673"/>
+            <a:chExt cx="29260800" cy="6683599"/>
+          </a:xfrm>
+          <a:solidFill>
+            <a:schemeClr val="bg1"/>
+          </a:solidFill>
+        </p:grpSpPr>
+        <p:sp>
+          <p:nvSpPr>
+            <p:cNvPr id="19" name="正方形/長方形 18">
+              <a:extLst>
+                <a:ext uri="{FF2B5EF4-FFF2-40B4-BE49-F238E27FC236}">
+                  <a16:creationId xmlns:a16="http://schemas.microsoft.com/office/drawing/2014/main" id="{BAB11EC0-E28A-7672-B114-A70896BB53F2}"/>
+                </a:ext>
+              </a:extLst>
+            </p:cNvPr>
+            <p:cNvSpPr>
+              <a:spLocks/>
+            </p:cNvSpPr>
+            <p:nvPr/>
+          </p:nvSpPr>
+          <p:spPr>
+            <a:xfrm>
+              <a:off x="478129" y="5290673"/>
+              <a:ext cx="29260800" cy="6683599"/>
+            </a:xfrm>
+            <a:prstGeom prst="rect">
+              <a:avLst/>
+            </a:prstGeom>
+            <a:grpFill/>
+            <a:ln w="127000">
+              <a:solidFill>
+                <a:schemeClr val="tx2"/>
+              </a:solidFill>
+              <a:extLst>
+                <a:ext uri="{C807C97D-BFC1-408E-A445-0C87EB9F89A2}">
+                  <ask:lineSketchStyleProps xmlns:ask="http://schemas.microsoft.com/office/drawing/2018/sketchyshapes" sd="981765707">
+                    <a:custGeom>
+                      <a:avLst/>
+                      <a:gdLst>
+                        <a:gd name="connsiteX0" fmla="*/ 0 w 27965400"/>
+                        <a:gd name="connsiteY0" fmla="*/ 0 h 5715000"/>
+                        <a:gd name="connsiteX1" fmla="*/ 27965400 w 27965400"/>
+                        <a:gd name="connsiteY1" fmla="*/ 0 h 5715000"/>
+                        <a:gd name="connsiteX2" fmla="*/ 27965400 w 27965400"/>
+                        <a:gd name="connsiteY2" fmla="*/ 5715000 h 5715000"/>
+                        <a:gd name="connsiteX3" fmla="*/ 0 w 27965400"/>
+                        <a:gd name="connsiteY3" fmla="*/ 5715000 h 5715000"/>
+                        <a:gd name="connsiteX4" fmla="*/ 0 w 27965400"/>
+                        <a:gd name="connsiteY4" fmla="*/ 0 h 5715000"/>
+                      </a:gdLst>
+                      <a:ahLst/>
+                      <a:cxnLst>
+                        <a:cxn ang="0">
+                          <a:pos x="connsiteX0" y="connsiteY0"/>
+                        </a:cxn>
+                        <a:cxn ang="0">
+                          <a:pos x="connsiteX1" y="connsiteY1"/>
+                        </a:cxn>
+                        <a:cxn ang="0">
+                          <a:pos x="connsiteX2" y="connsiteY2"/>
+                        </a:cxn>
+                        <a:cxn ang="0">
+                          <a:pos x="connsiteX3" y="connsiteY3"/>
+                        </a:cxn>
+                        <a:cxn ang="0">
+                          <a:pos x="connsiteX4" y="connsiteY4"/>
+                        </a:cxn>
+                      </a:cxnLst>
+                      <a:rect l="l" t="t" r="r" b="b"/>
+                      <a:pathLst>
+                        <a:path w="27965400" h="5715000" fill="none" extrusionOk="0">
+                          <a:moveTo>
+                            <a:pt x="0" y="0"/>
+                          </a:moveTo>
+                          <a:cubicBezTo>
+                            <a:pt x="12822961" y="-33775"/>
+                            <a:pt x="23266028" y="138873"/>
+                            <a:pt x="27965400" y="0"/>
+                          </a:cubicBezTo>
+                          <a:cubicBezTo>
+                            <a:pt x="27891629" y="1430944"/>
+                            <a:pt x="27809517" y="3154282"/>
+                            <a:pt x="27965400" y="5715000"/>
+                          </a:cubicBezTo>
+                          <a:cubicBezTo>
+                            <a:pt x="16913084" y="5577670"/>
+                            <a:pt x="9222407" y="5577144"/>
+                            <a:pt x="0" y="5715000"/>
+                          </a:cubicBezTo>
+                          <a:cubicBezTo>
+                            <a:pt x="152408" y="3190664"/>
+                            <a:pt x="73868" y="1414017"/>
+                            <a:pt x="0" y="0"/>
+                          </a:cubicBezTo>
+                          <a:close/>
+                        </a:path>
+                        <a:path w="27965400" h="5715000" stroke="0" extrusionOk="0">
+                          <a:moveTo>
+                            <a:pt x="0" y="0"/>
+                          </a:moveTo>
+                          <a:cubicBezTo>
+                            <a:pt x="6780586" y="-101487"/>
+                            <a:pt x="18516925" y="-162162"/>
+                            <a:pt x="27965400" y="0"/>
+                          </a:cubicBezTo>
+                          <a:cubicBezTo>
+                            <a:pt x="28026113" y="2805299"/>
+                            <a:pt x="27904328" y="3460224"/>
+                            <a:pt x="27965400" y="5715000"/>
+                          </a:cubicBezTo>
+                          <a:cubicBezTo>
+                            <a:pt x="19875670" y="5765065"/>
+                            <a:pt x="9433509" y="5556551"/>
+                            <a:pt x="0" y="5715000"/>
+                          </a:cubicBezTo>
+                          <a:cubicBezTo>
+                            <a:pt x="-24452" y="3845266"/>
+                            <a:pt x="-67663" y="2490616"/>
+                            <a:pt x="0" y="0"/>
+                          </a:cubicBezTo>
+                          <a:close/>
+                        </a:path>
+                      </a:pathLst>
+                    </a:custGeom>
+                    <ask:type>
+                      <ask:lineSketchNone/>
+                    </ask:type>
+                  </ask:lineSketchStyleProps>
+                </a:ext>
+              </a:extLst>
+            </a:ln>
+          </p:spPr>
+          <p:style>
+            <a:lnRef idx="2">
+              <a:schemeClr val="accent6"/>
+            </a:lnRef>
+            <a:fillRef idx="1">
+              <a:schemeClr val="lt1"/>
+            </a:fillRef>
+            <a:effectRef idx="0">
+              <a:schemeClr val="accent6"/>
+            </a:effectRef>
+            <a:fontRef idx="minor">
+              <a:schemeClr val="dk1"/>
+            </a:fontRef>
+          </p:style>
+          <p:txBody>
+            <a:bodyPr rtlCol="0" anchor="ctr"/>
+            <a:lstStyle/>
+            <a:p>
+              <a:pPr algn="ctr"/>
+              <a:endParaRPr kumimoji="1" lang="ja-JP" altLang="en-US" dirty="0"/>
+            </a:p>
+          </p:txBody>
+        </p:sp>
+        <p:sp>
+          <p:nvSpPr>
+            <p:cNvPr id="20" name="テキスト ボックス 19">
+              <a:extLst>
+                <a:ext uri="{FF2B5EF4-FFF2-40B4-BE49-F238E27FC236}">
+                  <a16:creationId xmlns:a16="http://schemas.microsoft.com/office/drawing/2014/main" id="{FA0E2650-C7C7-E339-DFA2-A6913B7F68CD}"/>
+                </a:ext>
+              </a:extLst>
+            </p:cNvPr>
+            <p:cNvSpPr txBox="1">
+              <a:spLocks/>
+            </p:cNvSpPr>
+            <p:nvPr/>
+          </p:nvSpPr>
+          <p:spPr>
+            <a:xfrm>
+              <a:off x="981222" y="5601948"/>
+              <a:ext cx="4324353" cy="769441"/>
+            </a:xfrm>
+            <a:prstGeom prst="rect">
+              <a:avLst/>
+            </a:prstGeom>
+            <a:grpFill/>
+          </p:spPr>
+          <p:txBody>
+            <a:bodyPr wrap="square" rtlCol="0">
+              <a:spAutoFit/>
+            </a:bodyPr>
+            <a:lstStyle/>
+            <a:p>
+              <a:r>
+                <a:rPr lang="ja-JP" altLang="en-US" sz="4400" b="1">
+                  <a:solidFill>
+                    <a:schemeClr val="tx2">
+                      <a:lumMod val="90000"/>
+                      <a:lumOff val="10000"/>
+                    </a:schemeClr>
+                  </a:solidFill>
+                  <a:latin typeface="メイリオ" panose="020B0604030504040204" pitchFamily="50" charset="-128"/>
+                  <a:ea typeface="メイリオ" panose="020B0604030504040204" pitchFamily="50" charset="-128"/>
+                </a:rPr>
+                <a:t>研究背景と目的</a:t>
+              </a:r>
+              <a:endParaRPr kumimoji="1" lang="ja-JP" altLang="en-US" sz="4400" b="1" dirty="0">
+                <a:solidFill>
+                  <a:schemeClr val="tx2">
+                    <a:lumMod val="90000"/>
+                    <a:lumOff val="10000"/>
+                  </a:schemeClr>
+                </a:solidFill>
+                <a:latin typeface="メイリオ" panose="020B0604030504040204" pitchFamily="50" charset="-128"/>
+                <a:ea typeface="メイリオ" panose="020B0604030504040204" pitchFamily="50" charset="-128"/>
+              </a:endParaRPr>
+            </a:p>
+          </p:txBody>
+        </p:sp>
+      </p:grpSp>
+      <p:sp>
+        <p:nvSpPr>
+          <p:cNvPr id="22" name="テキスト ボックス 21">
+            <a:extLst>
+              <a:ext uri="{FF2B5EF4-FFF2-40B4-BE49-F238E27FC236}">
+                <a16:creationId xmlns:a16="http://schemas.microsoft.com/office/drawing/2014/main" id="{9C2A2F50-FA4F-8D80-889A-C8FF6147EE17}"/>
+              </a:ext>
+            </a:extLst>
+          </p:cNvPr>
+          <p:cNvSpPr txBox="1"/>
+          <p:nvPr/>
+        </p:nvSpPr>
+        <p:spPr>
+          <a:xfrm>
+            <a:off x="978734" y="4665619"/>
+            <a:ext cx="28771164" cy="2677656"/>
+          </a:xfrm>
+          <a:prstGeom prst="rect">
+            <a:avLst/>
+          </a:prstGeom>
+          <a:noFill/>
+        </p:spPr>
+        <p:txBody>
+          <a:bodyPr wrap="square" rtlCol="0">
+            <a:spAutoFit/>
+          </a:bodyPr>
+          <a:lstStyle/>
+          <a:p>
+            <a:r>
+              <a:rPr kumimoji="1" lang="en-US" altLang="ja-JP" sz="2800" dirty="0"/>
+              <a:t>1</a:t>
+            </a:r>
+            <a:r>
+              <a:rPr lang="ja-JP" altLang="en-US" sz="2800"/>
+              <a:t>型糖尿病は，血糖値調整を担うインスリンホルモンの体内分泌が停止することによって発症する．患者は外部よりインスリンを投与する必要があり，投与量は患者自身が判断しなければならない．そのため，過剰投与による低血糖リスクなどが生じる．課題解決に向けて人工膵臓の開発が進められている．人工膵臓は血糖値を連続的に計測しながら，適切な投与量を制御アルゴリズムに従い計算し，インスリンを自動投与することによって血糖値を一定の範囲にコントロールする．</a:t>
+            </a:r>
+            <a:endParaRPr lang="en-US" altLang="ja-JP" sz="2800" dirty="0"/>
+          </a:p>
+          <a:p>
+            <a:r>
+              <a:rPr lang="ja-JP" altLang="en-US" sz="2800"/>
+              <a:t>制御アルゴリズムとしてモデル予測制御</a:t>
+            </a:r>
+            <a:r>
+              <a:rPr lang="en-US" altLang="ja-JP" sz="2800" dirty="0"/>
+              <a:t>(MPC)</a:t>
+            </a:r>
+            <a:r>
+              <a:rPr lang="ja-JP" altLang="en-US" sz="2800"/>
+              <a:t>が主に用いられている．</a:t>
+            </a:r>
+            <a:r>
+              <a:rPr lang="en-US" altLang="ja-JP" sz="2800" dirty="0"/>
+              <a:t>MPC</a:t>
+            </a:r>
+            <a:r>
+              <a:rPr lang="ja-JP" altLang="en-US" sz="2800"/>
+              <a:t>に基づく制御では，血糖値の変化を記述するモデルを用いて将来の血糖値を予測し，投与量を決定する．そのためには，モデル内部で扱う状態が現在どのような値であるかを適切に把握する必要がある．本研究では，当研究室で提案されたグルコース</a:t>
+            </a:r>
+            <a:r>
+              <a:rPr lang="en-US" altLang="ja-JP" sz="2800" dirty="0"/>
+              <a:t>-</a:t>
+            </a:r>
+            <a:r>
+              <a:rPr lang="ja-JP" altLang="en-US" sz="2800"/>
+              <a:t>インスリン動態切り換えモデルに対し，血糖値データからモデルの状態を推定する状態推定器の構築を行う．</a:t>
+            </a:r>
+            <a:endParaRPr lang="en-US" altLang="ja-JP" sz="2800" dirty="0"/>
+          </a:p>
+        </p:txBody>
+      </p:sp>
+      <p:grpSp>
+        <p:nvGrpSpPr>
+          <p:cNvPr id="303" name="グループ化 302">
+            <a:extLst>
+              <a:ext uri="{FF2B5EF4-FFF2-40B4-BE49-F238E27FC236}">
+                <a16:creationId xmlns:a16="http://schemas.microsoft.com/office/drawing/2014/main" id="{5A14A247-DE68-3FA6-A9F9-64BE6D8C78E8}"/>
+              </a:ext>
+            </a:extLst>
+          </p:cNvPr>
+          <p:cNvGrpSpPr/>
+          <p:nvPr/>
+        </p:nvGrpSpPr>
+        <p:grpSpPr>
+          <a:xfrm>
+            <a:off x="14425569" y="7042517"/>
+            <a:ext cx="14870910" cy="3177609"/>
+            <a:chOff x="14520672" y="4331265"/>
+            <a:chExt cx="14870910" cy="3177609"/>
           </a:xfrm>
         </p:grpSpPr>
         <p:grpSp>
           <p:nvGrpSpPr>
-            <p:cNvPr id="98" name="グループ化 97">
+            <p:cNvPr id="23" name="グループ化 22">
               <a:extLst>
                 <a:ext uri="{FF2B5EF4-FFF2-40B4-BE49-F238E27FC236}">
-                  <a16:creationId xmlns:a16="http://schemas.microsoft.com/office/drawing/2014/main" id="{4405AD4C-03E7-303A-F529-7E225C2EA867}"/>
+                  <a16:creationId xmlns:a16="http://schemas.microsoft.com/office/drawing/2014/main" id="{59D43F7F-8D8D-0935-35A0-46BFF9815FCE}"/>
                 </a:ext>
               </a:extLst>
             </p:cNvPr>
@@ -4850,18 +5337,203 @@
           </p:nvGrpSpPr>
           <p:grpSpPr>
             <a:xfrm>
-              <a:off x="467604" y="3420000"/>
-              <a:ext cx="29340000" cy="5040000"/>
-              <a:chOff x="467604" y="3420000"/>
-              <a:chExt cx="29340000" cy="5040000"/>
+              <a:off x="14520672" y="4331265"/>
+              <a:ext cx="14870910" cy="3016849"/>
+              <a:chOff x="666370" y="1854257"/>
+              <a:chExt cx="11312270" cy="4016624"/>
             </a:xfrm>
           </p:grpSpPr>
+          <p:sp>
+            <p:nvSpPr>
+              <p:cNvPr id="24" name="正方形/長方形 23">
+                <a:extLst>
+                  <a:ext uri="{FF2B5EF4-FFF2-40B4-BE49-F238E27FC236}">
+                    <a16:creationId xmlns:a16="http://schemas.microsoft.com/office/drawing/2014/main" id="{18E63978-B7C3-0819-58CD-778276F23E2E}"/>
+                  </a:ext>
+                </a:extLst>
+              </p:cNvPr>
+              <p:cNvSpPr/>
+              <p:nvPr/>
+            </p:nvSpPr>
+            <p:spPr>
+              <a:xfrm>
+                <a:off x="9029075" y="3536821"/>
+                <a:ext cx="2195384" cy="793092"/>
+              </a:xfrm>
+              <a:prstGeom prst="rect">
+                <a:avLst/>
+              </a:prstGeom>
+              <a:ln>
+                <a:solidFill>
+                  <a:schemeClr val="tx2">
+                    <a:lumMod val="90000"/>
+                    <a:lumOff val="10000"/>
+                  </a:schemeClr>
+                </a:solidFill>
+              </a:ln>
+            </p:spPr>
+            <p:style>
+              <a:lnRef idx="2">
+                <a:schemeClr val="accent1"/>
+              </a:lnRef>
+              <a:fillRef idx="1">
+                <a:schemeClr val="lt1"/>
+              </a:fillRef>
+              <a:effectRef idx="0">
+                <a:schemeClr val="accent1"/>
+              </a:effectRef>
+              <a:fontRef idx="minor">
+                <a:schemeClr val="dk1"/>
+              </a:fontRef>
+            </p:style>
+            <p:txBody>
+              <a:bodyPr rtlCol="0" anchor="ctr"/>
+              <a:lstStyle/>
+              <a:p>
+                <a:pPr algn="ctr"/>
+                <a:r>
+                  <a:rPr lang="en-US" altLang="ja-JP" sz="1600" b="1" dirty="0">
+                    <a:latin typeface="Hiragino Kaku Gothic ProN W3" panose="020B0300000000000000" pitchFamily="34" charset="-128"/>
+                    <a:ea typeface="Hiragino Kaku Gothic ProN W3" panose="020B0300000000000000" pitchFamily="34" charset="-128"/>
+                    <a:cs typeface="Arial" panose="020B0604020202020204" pitchFamily="34" charset="0"/>
+                  </a:rPr>
+                  <a:t>Subject</a:t>
+                </a:r>
+              </a:p>
+              <a:p>
+                <a:pPr algn="ctr"/>
+                <a:r>
+                  <a:rPr lang="en-US" altLang="ja-JP" sz="1200" b="1" dirty="0">
+                    <a:latin typeface="Hiragino Kaku Gothic ProN W3" panose="020B0300000000000000" pitchFamily="34" charset="-128"/>
+                    <a:ea typeface="Hiragino Kaku Gothic ProN W3" panose="020B0300000000000000" pitchFamily="34" charset="-128"/>
+                    <a:cs typeface="Arial" panose="020B0604020202020204" pitchFamily="34" charset="0"/>
+                  </a:rPr>
+                  <a:t>(UVA/Padova Model)</a:t>
+                </a:r>
+                <a:endParaRPr kumimoji="1" lang="ja-JP" altLang="en-US" sz="1200" b="1">
+                  <a:latin typeface="Hiragino Kaku Gothic ProN W3" panose="020B0300000000000000" pitchFamily="34" charset="-128"/>
+                  <a:ea typeface="Hiragino Kaku Gothic ProN W3" panose="020B0300000000000000" pitchFamily="34" charset="-128"/>
+                  <a:cs typeface="Arial" panose="020B0604020202020204" pitchFamily="34" charset="0"/>
+                </a:endParaRPr>
+              </a:p>
+            </p:txBody>
+          </p:sp>
+          <p:sp>
+            <p:nvSpPr>
+              <p:cNvPr id="25" name="正方形/長方形 24">
+                <a:extLst>
+                  <a:ext uri="{FF2B5EF4-FFF2-40B4-BE49-F238E27FC236}">
+                    <a16:creationId xmlns:a16="http://schemas.microsoft.com/office/drawing/2014/main" id="{384FE5E2-A665-8572-DD2C-1CC1DD3C3776}"/>
+                  </a:ext>
+                </a:extLst>
+              </p:cNvPr>
+              <p:cNvSpPr/>
+              <p:nvPr/>
+            </p:nvSpPr>
+            <p:spPr>
+              <a:xfrm>
+                <a:off x="4712321" y="1931662"/>
+                <a:ext cx="1952849" cy="734540"/>
+              </a:xfrm>
+              <a:prstGeom prst="rect">
+                <a:avLst/>
+              </a:prstGeom>
+              <a:ln>
+                <a:solidFill>
+                  <a:schemeClr val="tx2">
+                    <a:lumMod val="90000"/>
+                    <a:lumOff val="10000"/>
+                  </a:schemeClr>
+                </a:solidFill>
+              </a:ln>
+            </p:spPr>
+            <p:style>
+              <a:lnRef idx="2">
+                <a:schemeClr val="accent1"/>
+              </a:lnRef>
+              <a:fillRef idx="1">
+                <a:schemeClr val="lt1"/>
+              </a:fillRef>
+              <a:effectRef idx="0">
+                <a:schemeClr val="accent1"/>
+              </a:effectRef>
+              <a:fontRef idx="minor">
+                <a:schemeClr val="dk1"/>
+              </a:fontRef>
+            </p:style>
+            <p:txBody>
+              <a:bodyPr rtlCol="0" anchor="ctr"/>
+              <a:lstStyle/>
+              <a:p>
+                <a:pPr algn="ctr"/>
+                <a:r>
+                  <a:rPr kumimoji="1" lang="en-US" altLang="ja-JP" sz="1200" b="1" dirty="0">
+                    <a:latin typeface="Hiragino Kaku Gothic ProN W3" panose="020B0300000000000000" pitchFamily="34" charset="-128"/>
+                    <a:ea typeface="Hiragino Kaku Gothic ProN W3" panose="020B0300000000000000" pitchFamily="34" charset="-128"/>
+                    <a:cs typeface="Arial" panose="020B0604020202020204" pitchFamily="34" charset="0"/>
+                  </a:rPr>
+                  <a:t>Gastrointestinal</a:t>
+                </a:r>
+              </a:p>
+              <a:p>
+                <a:pPr algn="ctr"/>
+                <a:r>
+                  <a:rPr lang="en-US" altLang="ja-JP" sz="1200" b="1" dirty="0" err="1">
+                    <a:latin typeface="Hiragino Kaku Gothic ProN W3" panose="020B0300000000000000" pitchFamily="34" charset="-128"/>
+                    <a:ea typeface="Hiragino Kaku Gothic ProN W3" panose="020B0300000000000000" pitchFamily="34" charset="-128"/>
+                    <a:cs typeface="Arial" panose="020B0604020202020204" pitchFamily="34" charset="0"/>
+                  </a:rPr>
+                  <a:t>submodel</a:t>
+                </a:r>
+                <a:endParaRPr lang="en-US" altLang="ja-JP" sz="1200" b="1" dirty="0">
+                  <a:latin typeface="Hiragino Kaku Gothic ProN W3" panose="020B0300000000000000" pitchFamily="34" charset="-128"/>
+                  <a:ea typeface="Hiragino Kaku Gothic ProN W3" panose="020B0300000000000000" pitchFamily="34" charset="-128"/>
+                  <a:cs typeface="Arial" panose="020B0604020202020204" pitchFamily="34" charset="0"/>
+                </a:endParaRPr>
+              </a:p>
+              <a:p>
+                <a:pPr algn="ctr"/>
+                <a:r>
+                  <a:rPr kumimoji="1" lang="en-US" altLang="ja-JP" sz="1200" b="1" dirty="0">
+                    <a:latin typeface="Hiragino Kaku Gothic ProN W3" panose="020B0300000000000000" pitchFamily="34" charset="-128"/>
+                    <a:ea typeface="Hiragino Kaku Gothic ProN W3" panose="020B0300000000000000" pitchFamily="34" charset="-128"/>
+                    <a:cs typeface="Arial" panose="020B0604020202020204" pitchFamily="34" charset="0"/>
+                  </a:rPr>
+                  <a:t>(</a:t>
+                </a:r>
+                <a:r>
+                  <a:rPr kumimoji="1" lang="en-US" altLang="ja-JP" sz="1200" b="1" dirty="0">
+                    <a:solidFill>
+                      <a:srgbClr val="FF0000"/>
+                    </a:solidFill>
+                    <a:latin typeface="Hiragino Kaku Gothic ProN W3" panose="020B0300000000000000" pitchFamily="34" charset="-128"/>
+                    <a:ea typeface="Hiragino Kaku Gothic ProN W3" panose="020B0300000000000000" pitchFamily="34" charset="-128"/>
+                    <a:cs typeface="Arial" panose="020B0604020202020204" pitchFamily="34" charset="0"/>
+                  </a:rPr>
+                  <a:t>switched system</a:t>
+                </a:r>
+                <a:r>
+                  <a:rPr kumimoji="1" lang="en-US" altLang="ja-JP" sz="1200" b="1" dirty="0">
+                    <a:latin typeface="Hiragino Kaku Gothic ProN W3" panose="020B0300000000000000" pitchFamily="34" charset="-128"/>
+                    <a:ea typeface="Hiragino Kaku Gothic ProN W3" panose="020B0300000000000000" pitchFamily="34" charset="-128"/>
+                    <a:cs typeface="Arial" panose="020B0604020202020204" pitchFamily="34" charset="0"/>
+                  </a:rPr>
+                  <a:t>)</a:t>
+                </a:r>
+                <a:endParaRPr kumimoji="1" lang="ja-JP" altLang="en-US" sz="1200" b="1">
+                  <a:latin typeface="Hiragino Kaku Gothic ProN W3" panose="020B0300000000000000" pitchFamily="34" charset="-128"/>
+                  <a:ea typeface="Hiragino Kaku Gothic ProN W3" panose="020B0300000000000000" pitchFamily="34" charset="-128"/>
+                  <a:cs typeface="Arial" panose="020B0604020202020204" pitchFamily="34" charset="0"/>
+                </a:endParaRPr>
+              </a:p>
+            </p:txBody>
+          </p:sp>
           <p:grpSp>
             <p:nvGrpSpPr>
-              <p:cNvPr id="18" name="グループ化 17">
+              <p:cNvPr id="26" name="グループ化 25">
                 <a:extLst>
                   <a:ext uri="{FF2B5EF4-FFF2-40B4-BE49-F238E27FC236}">
-                    <a16:creationId xmlns:a16="http://schemas.microsoft.com/office/drawing/2014/main" id="{FA0C50E5-6174-8DD0-2B2F-0C3CB2F3300C}"/>
+                    <a16:creationId xmlns:a16="http://schemas.microsoft.com/office/drawing/2014/main" id="{D1E44D45-3DA4-4CFA-F429-5BEDB64951B0}"/>
                   </a:ext>
                 </a:extLst>
               </p:cNvPr>
@@ -4870,318 +5542,18 @@
             </p:nvGrpSpPr>
             <p:grpSpPr>
               <a:xfrm>
-                <a:off x="467604" y="3420000"/>
-                <a:ext cx="29340000" cy="5040000"/>
-                <a:chOff x="478129" y="5290673"/>
-                <a:chExt cx="29260800" cy="4899368"/>
-              </a:xfrm>
-              <a:solidFill>
-                <a:schemeClr val="bg1"/>
-              </a:solidFill>
-            </p:grpSpPr>
-            <p:sp>
-              <p:nvSpPr>
-                <p:cNvPr id="19" name="正方形/長方形 18">
-                  <a:extLst>
-                    <a:ext uri="{FF2B5EF4-FFF2-40B4-BE49-F238E27FC236}">
-                      <a16:creationId xmlns:a16="http://schemas.microsoft.com/office/drawing/2014/main" id="{BAB11EC0-E28A-7672-B114-A70896BB53F2}"/>
-                    </a:ext>
-                  </a:extLst>
-                </p:cNvPr>
-                <p:cNvSpPr>
-                  <a:spLocks/>
-                </p:cNvSpPr>
-                <p:nvPr/>
-              </p:nvSpPr>
-              <p:spPr>
-                <a:xfrm>
-                  <a:off x="478129" y="5290673"/>
-                  <a:ext cx="29260800" cy="4899368"/>
-                </a:xfrm>
-                <a:prstGeom prst="rect">
-                  <a:avLst/>
-                </a:prstGeom>
-                <a:grpFill/>
-                <a:ln w="127000">
-                  <a:solidFill>
-                    <a:schemeClr val="tx2"/>
-                  </a:solidFill>
-                  <a:extLst>
-                    <a:ext uri="{C807C97D-BFC1-408E-A445-0C87EB9F89A2}">
-                      <ask:lineSketchStyleProps xmlns:ask="http://schemas.microsoft.com/office/drawing/2018/sketchyshapes" sd="981765707">
-                        <a:custGeom>
-                          <a:avLst/>
-                          <a:gdLst>
-                            <a:gd name="connsiteX0" fmla="*/ 0 w 27965400"/>
-                            <a:gd name="connsiteY0" fmla="*/ 0 h 5715000"/>
-                            <a:gd name="connsiteX1" fmla="*/ 27965400 w 27965400"/>
-                            <a:gd name="connsiteY1" fmla="*/ 0 h 5715000"/>
-                            <a:gd name="connsiteX2" fmla="*/ 27965400 w 27965400"/>
-                            <a:gd name="connsiteY2" fmla="*/ 5715000 h 5715000"/>
-                            <a:gd name="connsiteX3" fmla="*/ 0 w 27965400"/>
-                            <a:gd name="connsiteY3" fmla="*/ 5715000 h 5715000"/>
-                            <a:gd name="connsiteX4" fmla="*/ 0 w 27965400"/>
-                            <a:gd name="connsiteY4" fmla="*/ 0 h 5715000"/>
-                          </a:gdLst>
-                          <a:ahLst/>
-                          <a:cxnLst>
-                            <a:cxn ang="0">
-                              <a:pos x="connsiteX0" y="connsiteY0"/>
-                            </a:cxn>
-                            <a:cxn ang="0">
-                              <a:pos x="connsiteX1" y="connsiteY1"/>
-                            </a:cxn>
-                            <a:cxn ang="0">
-                              <a:pos x="connsiteX2" y="connsiteY2"/>
-                            </a:cxn>
-                            <a:cxn ang="0">
-                              <a:pos x="connsiteX3" y="connsiteY3"/>
-                            </a:cxn>
-                            <a:cxn ang="0">
-                              <a:pos x="connsiteX4" y="connsiteY4"/>
-                            </a:cxn>
-                          </a:cxnLst>
-                          <a:rect l="l" t="t" r="r" b="b"/>
-                          <a:pathLst>
-                            <a:path w="27965400" h="5715000" fill="none" extrusionOk="0">
-                              <a:moveTo>
-                                <a:pt x="0" y="0"/>
-                              </a:moveTo>
-                              <a:cubicBezTo>
-                                <a:pt x="12822961" y="-33775"/>
-                                <a:pt x="23266028" y="138873"/>
-                                <a:pt x="27965400" y="0"/>
-                              </a:cubicBezTo>
-                              <a:cubicBezTo>
-                                <a:pt x="27891629" y="1430944"/>
-                                <a:pt x="27809517" y="3154282"/>
-                                <a:pt x="27965400" y="5715000"/>
-                              </a:cubicBezTo>
-                              <a:cubicBezTo>
-                                <a:pt x="16913084" y="5577670"/>
-                                <a:pt x="9222407" y="5577144"/>
-                                <a:pt x="0" y="5715000"/>
-                              </a:cubicBezTo>
-                              <a:cubicBezTo>
-                                <a:pt x="152408" y="3190664"/>
-                                <a:pt x="73868" y="1414017"/>
-                                <a:pt x="0" y="0"/>
-                              </a:cubicBezTo>
-                              <a:close/>
-                            </a:path>
-                            <a:path w="27965400" h="5715000" stroke="0" extrusionOk="0">
-                              <a:moveTo>
-                                <a:pt x="0" y="0"/>
-                              </a:moveTo>
-                              <a:cubicBezTo>
-                                <a:pt x="6780586" y="-101487"/>
-                                <a:pt x="18516925" y="-162162"/>
-                                <a:pt x="27965400" y="0"/>
-                              </a:cubicBezTo>
-                              <a:cubicBezTo>
-                                <a:pt x="28026113" y="2805299"/>
-                                <a:pt x="27904328" y="3460224"/>
-                                <a:pt x="27965400" y="5715000"/>
-                              </a:cubicBezTo>
-                              <a:cubicBezTo>
-                                <a:pt x="19875670" y="5765065"/>
-                                <a:pt x="9433509" y="5556551"/>
-                                <a:pt x="0" y="5715000"/>
-                              </a:cubicBezTo>
-                              <a:cubicBezTo>
-                                <a:pt x="-24452" y="3845266"/>
-                                <a:pt x="-67663" y="2490616"/>
-                                <a:pt x="0" y="0"/>
-                              </a:cubicBezTo>
-                              <a:close/>
-                            </a:path>
-                          </a:pathLst>
-                        </a:custGeom>
-                        <ask:type>
-                          <ask:lineSketchNone/>
-                        </ask:type>
-                      </ask:lineSketchStyleProps>
-                    </a:ext>
-                  </a:extLst>
-                </a:ln>
-              </p:spPr>
-              <p:style>
-                <a:lnRef idx="2">
-                  <a:schemeClr val="accent6"/>
-                </a:lnRef>
-                <a:fillRef idx="1">
-                  <a:schemeClr val="lt1"/>
-                </a:fillRef>
-                <a:effectRef idx="0">
-                  <a:schemeClr val="accent6"/>
-                </a:effectRef>
-                <a:fontRef idx="minor">
-                  <a:schemeClr val="dk1"/>
-                </a:fontRef>
-              </p:style>
-              <p:txBody>
-                <a:bodyPr rtlCol="0" anchor="ctr"/>
-                <a:lstStyle/>
-                <a:p>
-                  <a:pPr algn="ctr"/>
-                  <a:endParaRPr kumimoji="1" lang="ja-JP" altLang="en-US" dirty="0"/>
-                </a:p>
-              </p:txBody>
-            </p:sp>
-            <p:sp>
-              <p:nvSpPr>
-                <p:cNvPr id="20" name="テキスト ボックス 19">
-                  <a:extLst>
-                    <a:ext uri="{FF2B5EF4-FFF2-40B4-BE49-F238E27FC236}">
-                      <a16:creationId xmlns:a16="http://schemas.microsoft.com/office/drawing/2014/main" id="{FA0E2650-C7C7-E339-DFA2-A6913B7F68CD}"/>
-                    </a:ext>
-                  </a:extLst>
-                </p:cNvPr>
-                <p:cNvSpPr txBox="1">
-                  <a:spLocks/>
-                </p:cNvSpPr>
-                <p:nvPr/>
-              </p:nvSpPr>
-              <p:spPr>
-                <a:xfrm>
-                  <a:off x="981222" y="5601948"/>
-                  <a:ext cx="4324353" cy="769441"/>
-                </a:xfrm>
-                <a:prstGeom prst="rect">
-                  <a:avLst/>
-                </a:prstGeom>
-                <a:grpFill/>
-              </p:spPr>
-              <p:txBody>
-                <a:bodyPr wrap="square" rtlCol="0">
-                  <a:spAutoFit/>
-                </a:bodyPr>
-                <a:lstStyle/>
-                <a:p>
-                  <a:r>
-                    <a:rPr lang="ja-JP" altLang="en-US" sz="4400" b="1">
-                      <a:solidFill>
-                        <a:schemeClr val="tx2">
-                          <a:lumMod val="90000"/>
-                          <a:lumOff val="10000"/>
-                        </a:schemeClr>
-                      </a:solidFill>
-                      <a:latin typeface="メイリオ" panose="020B0604030504040204" pitchFamily="50" charset="-128"/>
-                      <a:ea typeface="メイリオ" panose="020B0604030504040204" pitchFamily="50" charset="-128"/>
-                    </a:rPr>
-                    <a:t>研究背景と目的</a:t>
-                  </a:r>
-                  <a:endParaRPr kumimoji="1" lang="ja-JP" altLang="en-US" sz="4400" b="1" dirty="0">
-                    <a:solidFill>
-                      <a:schemeClr val="tx2">
-                        <a:lumMod val="90000"/>
-                        <a:lumOff val="10000"/>
-                      </a:schemeClr>
-                    </a:solidFill>
-                    <a:latin typeface="メイリオ" panose="020B0604030504040204" pitchFamily="50" charset="-128"/>
-                    <a:ea typeface="メイリオ" panose="020B0604030504040204" pitchFamily="50" charset="-128"/>
-                  </a:endParaRPr>
-                </a:p>
-              </p:txBody>
-            </p:sp>
-          </p:grpSp>
-          <p:sp>
-            <p:nvSpPr>
-              <p:cNvPr id="22" name="テキスト ボックス 21">
-                <a:extLst>
-                  <a:ext uri="{FF2B5EF4-FFF2-40B4-BE49-F238E27FC236}">
-                    <a16:creationId xmlns:a16="http://schemas.microsoft.com/office/drawing/2014/main" id="{9C2A2F50-FA4F-8D80-889A-C8FF6147EE17}"/>
-                  </a:ext>
-                </a:extLst>
-              </p:cNvPr>
-              <p:cNvSpPr txBox="1"/>
-              <p:nvPr/>
-            </p:nvSpPr>
-            <p:spPr>
-              <a:xfrm>
-                <a:off x="985691" y="4388072"/>
-                <a:ext cx="21299599" cy="3581012"/>
-              </a:xfrm>
-              <a:prstGeom prst="rect">
-                <a:avLst/>
-              </a:prstGeom>
-              <a:noFill/>
-            </p:spPr>
-            <p:txBody>
-              <a:bodyPr wrap="square" rtlCol="0">
-                <a:spAutoFit/>
-              </a:bodyPr>
-              <a:lstStyle/>
-              <a:p>
-                <a:r>
-                  <a:rPr kumimoji="1" lang="en-US" altLang="ja-JP" sz="2800" dirty="0"/>
-                  <a:t>1</a:t>
-                </a:r>
-                <a:r>
-                  <a:rPr lang="ja-JP" altLang="en-US" sz="2800"/>
-                  <a:t>型糖尿病は，血糖値調整を担うインスリンホルモンの体内分泌が停止することによって発症する．患者は外部よりインスリンを投与する必要があり，投与量は患者自身が判断しなければならない．そのため，過剰投与による低血糖リスクなどが生じる．課題解決に向けて人工膵臓の開発が進められている．人工膵臓は血糖値を連続的に計測しながら，適切な投与量を制御アルゴリズムに従い計算し，インスリンを自動投与することによって血糖値を一定の範囲にコントロールする．</a:t>
-                </a:r>
-                <a:endParaRPr lang="en-US" altLang="ja-JP" sz="2800" dirty="0"/>
-              </a:p>
-              <a:p>
-                <a:r>
-                  <a:rPr lang="ja-JP" altLang="en-US" sz="2800"/>
-                  <a:t>制御アルゴリズムとしてモデル予測制御</a:t>
-                </a:r>
-                <a:r>
-                  <a:rPr lang="en-US" altLang="ja-JP" sz="2800" dirty="0"/>
-                  <a:t>(MPC)</a:t>
-                </a:r>
-                <a:r>
-                  <a:rPr lang="ja-JP" altLang="en-US" sz="2800"/>
-                  <a:t>が主に用いられている．</a:t>
-                </a:r>
-                <a:r>
-                  <a:rPr lang="en-US" altLang="ja-JP" sz="2800" dirty="0"/>
-                  <a:t>MPC</a:t>
-                </a:r>
-                <a:r>
-                  <a:rPr lang="ja-JP" altLang="en-US" sz="2800"/>
-                  <a:t>に基づく制御では，血糖値の変化を記述するモデルを用いて将来の血糖値を予測し，投与量を決定する．そのためには，モデル内部で扱う状態が現在どのような値であるかを適切に把握する必要がある．本研究では，当研究室で提案されたグルコース</a:t>
-                </a:r>
-                <a:r>
-                  <a:rPr lang="en-US" altLang="ja-JP" sz="2800" dirty="0"/>
-                  <a:t>-</a:t>
-                </a:r>
-                <a:r>
-                  <a:rPr lang="ja-JP" altLang="en-US" sz="2800"/>
-                  <a:t>インスリン動態切り換えモデルに対し，血糖値データからモデルの状態を推定する状態推定器の構築を行う．</a:t>
-                </a:r>
-                <a:endParaRPr lang="en-US" altLang="ja-JP" sz="2800" dirty="0"/>
-              </a:p>
-            </p:txBody>
-          </p:sp>
-          <p:grpSp>
-            <p:nvGrpSpPr>
-              <p:cNvPr id="23" name="グループ化 22">
-                <a:extLst>
-                  <a:ext uri="{FF2B5EF4-FFF2-40B4-BE49-F238E27FC236}">
-                    <a16:creationId xmlns:a16="http://schemas.microsoft.com/office/drawing/2014/main" id="{59D43F7F-8D8D-0935-35A0-46BFF9815FCE}"/>
-                  </a:ext>
-                </a:extLst>
-              </p:cNvPr>
-              <p:cNvGrpSpPr/>
-              <p:nvPr/>
-            </p:nvGrpSpPr>
-            <p:grpSpPr>
-              <a:xfrm>
-                <a:off x="18086269" y="3634690"/>
-                <a:ext cx="11312270" cy="4574516"/>
-                <a:chOff x="666370" y="1296365"/>
-                <a:chExt cx="11312270" cy="4574516"/>
+                <a:off x="2244780" y="2938800"/>
+                <a:ext cx="6094482" cy="1989135"/>
+                <a:chOff x="3047283" y="2904075"/>
+                <a:chExt cx="6094482" cy="1989135"/>
               </a:xfrm>
             </p:grpSpPr>
             <p:sp>
               <p:nvSpPr>
-                <p:cNvPr id="24" name="正方形/長方形 23">
+                <p:cNvPr id="45" name="正方形/長方形 44">
                   <a:extLst>
                     <a:ext uri="{FF2B5EF4-FFF2-40B4-BE49-F238E27FC236}">
-                      <a16:creationId xmlns:a16="http://schemas.microsoft.com/office/drawing/2014/main" id="{18E63978-B7C3-0819-58CD-778276F23E2E}"/>
+                      <a16:creationId xmlns:a16="http://schemas.microsoft.com/office/drawing/2014/main" id="{0486F3D7-C451-1203-4951-8DFA119C5689}"/>
                     </a:ext>
                   </a:extLst>
                 </p:cNvPr>
@@ -5190,8 +5562,8 @@
               </p:nvSpPr>
               <p:spPr>
                 <a:xfrm>
-                  <a:off x="9029075" y="3536821"/>
-                  <a:ext cx="2195384" cy="793092"/>
+                  <a:off x="3047283" y="2904075"/>
+                  <a:ext cx="6094482" cy="1989135"/>
                 </a:xfrm>
                 <a:prstGeom prst="rect">
                   <a:avLst/>
@@ -5224,39 +5596,28 @@
                 <a:lstStyle/>
                 <a:p>
                   <a:pPr algn="ctr"/>
-                  <a:r>
-                    <a:rPr lang="en-US" altLang="ja-JP" b="1" dirty="0">
-                      <a:latin typeface="Hiragino Kaku Gothic ProN W3" panose="020B0300000000000000" pitchFamily="34" charset="-128"/>
-                      <a:ea typeface="Hiragino Kaku Gothic ProN W3" panose="020B0300000000000000" pitchFamily="34" charset="-128"/>
-                      <a:cs typeface="Arial" panose="020B0604020202020204" pitchFamily="34" charset="0"/>
-                    </a:rPr>
-                    <a:t>Subject</a:t>
-                  </a:r>
-                </a:p>
-                <a:p>
-                  <a:pPr algn="ctr"/>
-                  <a:r>
-                    <a:rPr lang="en-US" altLang="ja-JP" sz="1400" b="1" dirty="0">
-                      <a:latin typeface="Hiragino Kaku Gothic ProN W3" panose="020B0300000000000000" pitchFamily="34" charset="-128"/>
-                      <a:ea typeface="Hiragino Kaku Gothic ProN W3" panose="020B0300000000000000" pitchFamily="34" charset="-128"/>
-                      <a:cs typeface="Arial" panose="020B0604020202020204" pitchFamily="34" charset="0"/>
-                    </a:rPr>
-                    <a:t>(UVA/Padova Model)</a:t>
-                  </a:r>
-                  <a:endParaRPr kumimoji="1" lang="ja-JP" altLang="en-US" sz="1400" b="1">
-                    <a:latin typeface="Hiragino Kaku Gothic ProN W3" panose="020B0300000000000000" pitchFamily="34" charset="-128"/>
-                    <a:ea typeface="Hiragino Kaku Gothic ProN W3" panose="020B0300000000000000" pitchFamily="34" charset="-128"/>
-                    <a:cs typeface="Arial" panose="020B0604020202020204" pitchFamily="34" charset="0"/>
+                  <a:endParaRPr kumimoji="1" lang="ja-JP" altLang="en-US" sz="1600">
+                    <a:ln w="0"/>
+                    <a:solidFill>
+                      <a:schemeClr val="tx1"/>
+                    </a:solidFill>
+                    <a:effectLst>
+                      <a:outerShdw blurRad="38100" dist="19050" dir="2700000" algn="tl" rotWithShape="0">
+                        <a:schemeClr val="dk1">
+                          <a:alpha val="40000"/>
+                        </a:schemeClr>
+                      </a:outerShdw>
+                    </a:effectLst>
                   </a:endParaRPr>
                 </a:p>
               </p:txBody>
             </p:sp>
             <p:sp>
               <p:nvSpPr>
-                <p:cNvPr id="25" name="正方形/長方形 24">
+                <p:cNvPr id="46" name="正方形/長方形 45">
                   <a:extLst>
                     <a:ext uri="{FF2B5EF4-FFF2-40B4-BE49-F238E27FC236}">
-                      <a16:creationId xmlns:a16="http://schemas.microsoft.com/office/drawing/2014/main" id="{384FE5E2-A665-8572-DD2C-1CC1DD3C3776}"/>
+                      <a16:creationId xmlns:a16="http://schemas.microsoft.com/office/drawing/2014/main" id="{C10EE236-4D83-450D-5298-0D79F44FFA44}"/>
                     </a:ext>
                   </a:extLst>
                 </p:cNvPr>
@@ -5265,7 +5626,7 @@
               </p:nvSpPr>
               <p:spPr>
                 <a:xfrm>
-                  <a:off x="4712321" y="1931662"/>
+                  <a:off x="3175590" y="3899127"/>
                   <a:ext cx="1952849" cy="734540"/>
                 </a:xfrm>
                 <a:prstGeom prst="rect">
@@ -5300,60 +5661,44 @@
                 <a:p>
                   <a:pPr algn="ctr"/>
                   <a:r>
-                    <a:rPr kumimoji="1" lang="en-US" altLang="ja-JP" sz="1400" b="1" dirty="0">
+                    <a:rPr kumimoji="1" lang="en-US" altLang="ja-JP" sz="1200" b="1" dirty="0">
                       <a:latin typeface="Hiragino Kaku Gothic ProN W3" panose="020B0300000000000000" pitchFamily="34" charset="-128"/>
                       <a:ea typeface="Hiragino Kaku Gothic ProN W3" panose="020B0300000000000000" pitchFamily="34" charset="-128"/>
                       <a:cs typeface="Arial" panose="020B0604020202020204" pitchFamily="34" charset="0"/>
                     </a:rPr>
-                    <a:t>Gastrointestinal</a:t>
+                    <a:t>Subcutaneous</a:t>
                   </a:r>
                 </a:p>
                 <a:p>
                   <a:pPr algn="ctr"/>
                   <a:r>
-                    <a:rPr lang="en-US" altLang="ja-JP" sz="1400" b="1" dirty="0" err="1">
+                    <a:rPr lang="en-US" altLang="ja-JP" sz="1200" b="1" dirty="0">
+                      <a:latin typeface="Hiragino Kaku Gothic ProN W3" panose="020B0300000000000000" pitchFamily="34" charset="-128"/>
+                      <a:ea typeface="Hiragino Kaku Gothic ProN W3" panose="020B0300000000000000" pitchFamily="34" charset="-128"/>
+                      <a:cs typeface="Arial" panose="020B0604020202020204" pitchFamily="34" charset="0"/>
+                    </a:rPr>
+                    <a:t>Insulin</a:t>
+                  </a:r>
+                </a:p>
+                <a:p>
+                  <a:pPr algn="ctr"/>
+                  <a:r>
+                    <a:rPr kumimoji="1" lang="en-US" altLang="ja-JP" sz="1200" b="1" dirty="0">
+                      <a:latin typeface="Hiragino Kaku Gothic ProN W3" panose="020B0300000000000000" pitchFamily="34" charset="-128"/>
+                      <a:ea typeface="Hiragino Kaku Gothic ProN W3" panose="020B0300000000000000" pitchFamily="34" charset="-128"/>
+                      <a:cs typeface="Arial" panose="020B0604020202020204" pitchFamily="34" charset="0"/>
+                    </a:rPr>
+                    <a:t>Kinetic </a:t>
+                  </a:r>
+                  <a:r>
+                    <a:rPr kumimoji="1" lang="en-US" altLang="ja-JP" sz="1200" b="1" dirty="0" err="1">
                       <a:latin typeface="Hiragino Kaku Gothic ProN W3" panose="020B0300000000000000" pitchFamily="34" charset="-128"/>
                       <a:ea typeface="Hiragino Kaku Gothic ProN W3" panose="020B0300000000000000" pitchFamily="34" charset="-128"/>
                       <a:cs typeface="Arial" panose="020B0604020202020204" pitchFamily="34" charset="0"/>
                     </a:rPr>
                     <a:t>submodel</a:t>
                   </a:r>
-                  <a:endParaRPr lang="en-US" altLang="ja-JP" sz="1400" b="1" dirty="0">
-                    <a:latin typeface="Hiragino Kaku Gothic ProN W3" panose="020B0300000000000000" pitchFamily="34" charset="-128"/>
-                    <a:ea typeface="Hiragino Kaku Gothic ProN W3" panose="020B0300000000000000" pitchFamily="34" charset="-128"/>
-                    <a:cs typeface="Arial" panose="020B0604020202020204" pitchFamily="34" charset="0"/>
-                  </a:endParaRPr>
-                </a:p>
-                <a:p>
-                  <a:pPr algn="ctr"/>
-                  <a:r>
-                    <a:rPr kumimoji="1" lang="en-US" altLang="ja-JP" sz="1400" b="1" dirty="0">
-                      <a:latin typeface="Hiragino Kaku Gothic ProN W3" panose="020B0300000000000000" pitchFamily="34" charset="-128"/>
-                      <a:ea typeface="Hiragino Kaku Gothic ProN W3" panose="020B0300000000000000" pitchFamily="34" charset="-128"/>
-                      <a:cs typeface="Arial" panose="020B0604020202020204" pitchFamily="34" charset="0"/>
-                    </a:rPr>
-                    <a:t>(</a:t>
-                  </a:r>
-                  <a:r>
-                    <a:rPr kumimoji="1" lang="en-US" altLang="ja-JP" sz="1400" b="1" dirty="0">
-                      <a:solidFill>
-                        <a:srgbClr val="FF0000"/>
-                      </a:solidFill>
-                      <a:latin typeface="Hiragino Kaku Gothic ProN W3" panose="020B0300000000000000" pitchFamily="34" charset="-128"/>
-                      <a:ea typeface="Hiragino Kaku Gothic ProN W3" panose="020B0300000000000000" pitchFamily="34" charset="-128"/>
-                      <a:cs typeface="Arial" panose="020B0604020202020204" pitchFamily="34" charset="0"/>
-                    </a:rPr>
-                    <a:t>switched system</a:t>
-                  </a:r>
-                  <a:r>
-                    <a:rPr kumimoji="1" lang="en-US" altLang="ja-JP" sz="1400" b="1" dirty="0">
-                      <a:latin typeface="Hiragino Kaku Gothic ProN W3" panose="020B0300000000000000" pitchFamily="34" charset="-128"/>
-                      <a:ea typeface="Hiragino Kaku Gothic ProN W3" panose="020B0300000000000000" pitchFamily="34" charset="-128"/>
-                      <a:cs typeface="Arial" panose="020B0604020202020204" pitchFamily="34" charset="0"/>
-                    </a:rPr>
-                    <a:t>)</a:t>
-                  </a:r>
-                  <a:endParaRPr kumimoji="1" lang="ja-JP" altLang="en-US" sz="1400" b="1">
+                  <a:endParaRPr kumimoji="1" lang="ja-JP" altLang="en-US" sz="1200" b="1">
                     <a:latin typeface="Hiragino Kaku Gothic ProN W3" panose="020B0300000000000000" pitchFamily="34" charset="-128"/>
                     <a:ea typeface="Hiragino Kaku Gothic ProN W3" panose="020B0300000000000000" pitchFamily="34" charset="-128"/>
                     <a:cs typeface="Arial" panose="020B0604020202020204" pitchFamily="34" charset="0"/>
@@ -5361,704 +5706,12 @@
                 </a:p>
               </p:txBody>
             </p:sp>
-            <p:grpSp>
-              <p:nvGrpSpPr>
-                <p:cNvPr id="26" name="グループ化 25">
+            <p:sp>
+              <p:nvSpPr>
+                <p:cNvPr id="47" name="正方形/長方形 46">
                   <a:extLst>
                     <a:ext uri="{FF2B5EF4-FFF2-40B4-BE49-F238E27FC236}">
-                      <a16:creationId xmlns:a16="http://schemas.microsoft.com/office/drawing/2014/main" id="{D1E44D45-3DA4-4CFA-F429-5BEDB64951B0}"/>
-                    </a:ext>
-                  </a:extLst>
-                </p:cNvPr>
-                <p:cNvGrpSpPr/>
-                <p:nvPr/>
-              </p:nvGrpSpPr>
-              <p:grpSpPr>
-                <a:xfrm>
-                  <a:off x="2244780" y="2938800"/>
-                  <a:ext cx="6094482" cy="1989135"/>
-                  <a:chOff x="3047283" y="2904075"/>
-                  <a:chExt cx="6094482" cy="1989135"/>
-                </a:xfrm>
-              </p:grpSpPr>
-              <p:sp>
-                <p:nvSpPr>
-                  <p:cNvPr id="45" name="正方形/長方形 44">
-                    <a:extLst>
-                      <a:ext uri="{FF2B5EF4-FFF2-40B4-BE49-F238E27FC236}">
-                        <a16:creationId xmlns:a16="http://schemas.microsoft.com/office/drawing/2014/main" id="{0486F3D7-C451-1203-4951-8DFA119C5689}"/>
-                      </a:ext>
-                    </a:extLst>
-                  </p:cNvPr>
-                  <p:cNvSpPr/>
-                  <p:nvPr/>
-                </p:nvSpPr>
-                <p:spPr>
-                  <a:xfrm>
-                    <a:off x="3047283" y="2904075"/>
-                    <a:ext cx="6094482" cy="1989135"/>
-                  </a:xfrm>
-                  <a:prstGeom prst="rect">
-                    <a:avLst/>
-                  </a:prstGeom>
-                  <a:ln>
-                    <a:solidFill>
-                      <a:schemeClr val="tx2">
-                        <a:lumMod val="90000"/>
-                        <a:lumOff val="10000"/>
-                      </a:schemeClr>
-                    </a:solidFill>
-                  </a:ln>
-                </p:spPr>
-                <p:style>
-                  <a:lnRef idx="2">
-                    <a:schemeClr val="accent1"/>
-                  </a:lnRef>
-                  <a:fillRef idx="1">
-                    <a:schemeClr val="lt1"/>
-                  </a:fillRef>
-                  <a:effectRef idx="0">
-                    <a:schemeClr val="accent1"/>
-                  </a:effectRef>
-                  <a:fontRef idx="minor">
-                    <a:schemeClr val="dk1"/>
-                  </a:fontRef>
-                </p:style>
-                <p:txBody>
-                  <a:bodyPr rtlCol="0" anchor="ctr"/>
-                  <a:lstStyle/>
-                  <a:p>
-                    <a:pPr algn="ctr"/>
-                    <a:endParaRPr kumimoji="1" lang="ja-JP" altLang="en-US">
-                      <a:ln w="0"/>
-                      <a:solidFill>
-                        <a:schemeClr val="tx1"/>
-                      </a:solidFill>
-                      <a:effectLst>
-                        <a:outerShdw blurRad="38100" dist="19050" dir="2700000" algn="tl" rotWithShape="0">
-                          <a:schemeClr val="dk1">
-                            <a:alpha val="40000"/>
-                          </a:schemeClr>
-                        </a:outerShdw>
-                      </a:effectLst>
-                    </a:endParaRPr>
-                  </a:p>
-                </p:txBody>
-              </p:sp>
-              <p:sp>
-                <p:nvSpPr>
-                  <p:cNvPr id="46" name="正方形/長方形 45">
-                    <a:extLst>
-                      <a:ext uri="{FF2B5EF4-FFF2-40B4-BE49-F238E27FC236}">
-                        <a16:creationId xmlns:a16="http://schemas.microsoft.com/office/drawing/2014/main" id="{C10EE236-4D83-450D-5298-0D79F44FFA44}"/>
-                      </a:ext>
-                    </a:extLst>
-                  </p:cNvPr>
-                  <p:cNvSpPr/>
-                  <p:nvPr/>
-                </p:nvSpPr>
-                <p:spPr>
-                  <a:xfrm>
-                    <a:off x="3175590" y="3899127"/>
-                    <a:ext cx="1952849" cy="734540"/>
-                  </a:xfrm>
-                  <a:prstGeom prst="rect">
-                    <a:avLst/>
-                  </a:prstGeom>
-                  <a:ln>
-                    <a:solidFill>
-                      <a:schemeClr val="tx2">
-                        <a:lumMod val="90000"/>
-                        <a:lumOff val="10000"/>
-                      </a:schemeClr>
-                    </a:solidFill>
-                  </a:ln>
-                </p:spPr>
-                <p:style>
-                  <a:lnRef idx="2">
-                    <a:schemeClr val="accent1"/>
-                  </a:lnRef>
-                  <a:fillRef idx="1">
-                    <a:schemeClr val="lt1"/>
-                  </a:fillRef>
-                  <a:effectRef idx="0">
-                    <a:schemeClr val="accent1"/>
-                  </a:effectRef>
-                  <a:fontRef idx="minor">
-                    <a:schemeClr val="dk1"/>
-                  </a:fontRef>
-                </p:style>
-                <p:txBody>
-                  <a:bodyPr rtlCol="0" anchor="ctr"/>
-                  <a:lstStyle/>
-                  <a:p>
-                    <a:pPr algn="ctr"/>
-                    <a:r>
-                      <a:rPr kumimoji="1" lang="en-US" altLang="ja-JP" sz="1400" b="1" dirty="0">
-                        <a:latin typeface="Hiragino Kaku Gothic ProN W3" panose="020B0300000000000000" pitchFamily="34" charset="-128"/>
-                        <a:ea typeface="Hiragino Kaku Gothic ProN W3" panose="020B0300000000000000" pitchFamily="34" charset="-128"/>
-                        <a:cs typeface="Arial" panose="020B0604020202020204" pitchFamily="34" charset="0"/>
-                      </a:rPr>
-                      <a:t>Subcutaneous</a:t>
-                    </a:r>
-                  </a:p>
-                  <a:p>
-                    <a:pPr algn="ctr"/>
-                    <a:r>
-                      <a:rPr lang="en-US" altLang="ja-JP" sz="1400" b="1" dirty="0">
-                        <a:latin typeface="Hiragino Kaku Gothic ProN W3" panose="020B0300000000000000" pitchFamily="34" charset="-128"/>
-                        <a:ea typeface="Hiragino Kaku Gothic ProN W3" panose="020B0300000000000000" pitchFamily="34" charset="-128"/>
-                        <a:cs typeface="Arial" panose="020B0604020202020204" pitchFamily="34" charset="0"/>
-                      </a:rPr>
-                      <a:t>Insulin</a:t>
-                    </a:r>
-                  </a:p>
-                  <a:p>
-                    <a:pPr algn="ctr"/>
-                    <a:r>
-                      <a:rPr kumimoji="1" lang="en-US" altLang="ja-JP" sz="1400" b="1" dirty="0">
-                        <a:latin typeface="Hiragino Kaku Gothic ProN W3" panose="020B0300000000000000" pitchFamily="34" charset="-128"/>
-                        <a:ea typeface="Hiragino Kaku Gothic ProN W3" panose="020B0300000000000000" pitchFamily="34" charset="-128"/>
-                        <a:cs typeface="Arial" panose="020B0604020202020204" pitchFamily="34" charset="0"/>
-                      </a:rPr>
-                      <a:t>Kinetic </a:t>
-                    </a:r>
-                    <a:r>
-                      <a:rPr kumimoji="1" lang="en-US" altLang="ja-JP" sz="1400" b="1" dirty="0" err="1">
-                        <a:latin typeface="Hiragino Kaku Gothic ProN W3" panose="020B0300000000000000" pitchFamily="34" charset="-128"/>
-                        <a:ea typeface="Hiragino Kaku Gothic ProN W3" panose="020B0300000000000000" pitchFamily="34" charset="-128"/>
-                        <a:cs typeface="Arial" panose="020B0604020202020204" pitchFamily="34" charset="0"/>
-                      </a:rPr>
-                      <a:t>submodel</a:t>
-                    </a:r>
-                    <a:endParaRPr kumimoji="1" lang="ja-JP" altLang="en-US" sz="1400" b="1">
-                      <a:latin typeface="Hiragino Kaku Gothic ProN W3" panose="020B0300000000000000" pitchFamily="34" charset="-128"/>
-                      <a:ea typeface="Hiragino Kaku Gothic ProN W3" panose="020B0300000000000000" pitchFamily="34" charset="-128"/>
-                      <a:cs typeface="Arial" panose="020B0604020202020204" pitchFamily="34" charset="0"/>
-                    </a:endParaRPr>
-                  </a:p>
-                </p:txBody>
-              </p:sp>
-              <p:sp>
-                <p:nvSpPr>
-                  <p:cNvPr id="47" name="正方形/長方形 46">
-                    <a:extLst>
-                      <a:ext uri="{FF2B5EF4-FFF2-40B4-BE49-F238E27FC236}">
-                        <a16:creationId xmlns:a16="http://schemas.microsoft.com/office/drawing/2014/main" id="{28A2D907-C95C-6165-61F0-3483B8157E57}"/>
-                      </a:ext>
-                    </a:extLst>
-                  </p:cNvPr>
-                  <p:cNvSpPr/>
-                  <p:nvPr/>
-                </p:nvSpPr>
-                <p:spPr>
-                  <a:xfrm>
-                    <a:off x="5190795" y="3307271"/>
-                    <a:ext cx="1810410" cy="734532"/>
-                  </a:xfrm>
-                  <a:prstGeom prst="rect">
-                    <a:avLst/>
-                  </a:prstGeom>
-                  <a:ln>
-                    <a:solidFill>
-                      <a:schemeClr val="tx2">
-                        <a:lumMod val="90000"/>
-                        <a:lumOff val="10000"/>
-                      </a:schemeClr>
-                    </a:solidFill>
-                  </a:ln>
-                </p:spPr>
-                <p:style>
-                  <a:lnRef idx="2">
-                    <a:schemeClr val="accent1"/>
-                  </a:lnRef>
-                  <a:fillRef idx="1">
-                    <a:schemeClr val="lt1"/>
-                  </a:fillRef>
-                  <a:effectRef idx="0">
-                    <a:schemeClr val="accent1"/>
-                  </a:effectRef>
-                  <a:fontRef idx="minor">
-                    <a:schemeClr val="dk1"/>
-                  </a:fontRef>
-                </p:style>
-                <p:txBody>
-                  <a:bodyPr rtlCol="0" anchor="ctr"/>
-                  <a:lstStyle/>
-                  <a:p>
-                    <a:pPr algn="ctr"/>
-                    <a:r>
-                      <a:rPr kumimoji="1" lang="en-US" altLang="ja-JP" sz="1400" b="1" dirty="0">
-                        <a:latin typeface="Hiragino Kaku Gothic ProN W3" panose="020B0300000000000000" pitchFamily="34" charset="-128"/>
-                        <a:ea typeface="Hiragino Kaku Gothic ProN W3" panose="020B0300000000000000" pitchFamily="34" charset="-128"/>
-                        <a:cs typeface="Arial" panose="020B0604020202020204" pitchFamily="34" charset="0"/>
-                      </a:rPr>
-                      <a:t>Core </a:t>
-                    </a:r>
-                    <a:r>
-                      <a:rPr kumimoji="1" lang="en-US" altLang="ja-JP" sz="1400" b="1" dirty="0" err="1">
-                        <a:latin typeface="Hiragino Kaku Gothic ProN W3" panose="020B0300000000000000" pitchFamily="34" charset="-128"/>
-                        <a:ea typeface="Hiragino Kaku Gothic ProN W3" panose="020B0300000000000000" pitchFamily="34" charset="-128"/>
-                        <a:cs typeface="Arial" panose="020B0604020202020204" pitchFamily="34" charset="0"/>
-                      </a:rPr>
-                      <a:t>submodel</a:t>
-                    </a:r>
-                    <a:endParaRPr kumimoji="1" lang="en-US" altLang="ja-JP" sz="1400" b="1" dirty="0">
-                      <a:latin typeface="Hiragino Kaku Gothic ProN W3" panose="020B0300000000000000" pitchFamily="34" charset="-128"/>
-                      <a:ea typeface="Hiragino Kaku Gothic ProN W3" panose="020B0300000000000000" pitchFamily="34" charset="-128"/>
-                      <a:cs typeface="Arial" panose="020B0604020202020204" pitchFamily="34" charset="0"/>
-                    </a:endParaRPr>
-                  </a:p>
-                  <a:p>
-                    <a:pPr algn="ctr"/>
-                    <a:r>
-                      <a:rPr lang="en-US" altLang="ja-JP" sz="1400" b="1" dirty="0">
-                        <a:latin typeface="Hiragino Kaku Gothic ProN W3" panose="020B0300000000000000" pitchFamily="34" charset="-128"/>
-                        <a:ea typeface="Hiragino Kaku Gothic ProN W3" panose="020B0300000000000000" pitchFamily="34" charset="-128"/>
-                        <a:cs typeface="Arial" panose="020B0604020202020204" pitchFamily="34" charset="0"/>
-                      </a:rPr>
-                      <a:t>(Bergman model)</a:t>
-                    </a:r>
-                    <a:endParaRPr kumimoji="1" lang="ja-JP" altLang="en-US" sz="1400" b="1">
-                      <a:latin typeface="Hiragino Kaku Gothic ProN W3" panose="020B0300000000000000" pitchFamily="34" charset="-128"/>
-                      <a:ea typeface="Hiragino Kaku Gothic ProN W3" panose="020B0300000000000000" pitchFamily="34" charset="-128"/>
-                      <a:cs typeface="Arial" panose="020B0604020202020204" pitchFamily="34" charset="0"/>
-                    </a:endParaRPr>
-                  </a:p>
-                </p:txBody>
-              </p:sp>
-              <p:cxnSp>
-                <p:nvCxnSpPr>
-                  <p:cNvPr id="48" name="カギ線コネクタ 47">
-                    <a:extLst>
-                      <a:ext uri="{FF2B5EF4-FFF2-40B4-BE49-F238E27FC236}">
-                        <a16:creationId xmlns:a16="http://schemas.microsoft.com/office/drawing/2014/main" id="{A1E9AACC-4CD1-9B92-0F0C-6539CFAD37A2}"/>
-                      </a:ext>
-                    </a:extLst>
-                  </p:cNvPr>
-                  <p:cNvCxnSpPr>
-                    <a:stCxn id="46" idx="3"/>
-                    <a:endCxn id="47" idx="2"/>
-                  </p:cNvCxnSpPr>
-                  <p:nvPr/>
-                </p:nvCxnSpPr>
-                <p:spPr>
-                  <a:xfrm flipV="1">
-                    <a:off x="5128439" y="4041803"/>
-                    <a:ext cx="967561" cy="224594"/>
-                  </a:xfrm>
-                  <a:prstGeom prst="bentConnector2">
-                    <a:avLst/>
-                  </a:prstGeom>
-                  <a:ln>
-                    <a:tailEnd type="triangle"/>
-                  </a:ln>
-                </p:spPr>
-                <p:style>
-                  <a:lnRef idx="2">
-                    <a:schemeClr val="dk1"/>
-                  </a:lnRef>
-                  <a:fillRef idx="0">
-                    <a:schemeClr val="dk1"/>
-                  </a:fillRef>
-                  <a:effectRef idx="1">
-                    <a:schemeClr val="dk1"/>
-                  </a:effectRef>
-                  <a:fontRef idx="minor">
-                    <a:schemeClr val="tx1"/>
-                  </a:fontRef>
-                </p:style>
-              </p:cxnSp>
-              <p:sp>
-                <p:nvSpPr>
-                  <p:cNvPr id="49" name="正方形/長方形 48">
-                    <a:extLst>
-                      <a:ext uri="{FF2B5EF4-FFF2-40B4-BE49-F238E27FC236}">
-                        <a16:creationId xmlns:a16="http://schemas.microsoft.com/office/drawing/2014/main" id="{169A1ADE-4340-ACF9-6ADC-5C0014862D57}"/>
-                      </a:ext>
-                    </a:extLst>
-                  </p:cNvPr>
-                  <p:cNvSpPr/>
-                  <p:nvPr/>
-                </p:nvSpPr>
-                <p:spPr>
-                  <a:xfrm>
-                    <a:off x="7215243" y="3307271"/>
-                    <a:ext cx="1810410" cy="734532"/>
-                  </a:xfrm>
-                  <a:prstGeom prst="rect">
-                    <a:avLst/>
-                  </a:prstGeom>
-                  <a:ln>
-                    <a:solidFill>
-                      <a:schemeClr val="tx2">
-                        <a:lumMod val="90000"/>
-                        <a:lumOff val="10000"/>
-                      </a:schemeClr>
-                    </a:solidFill>
-                  </a:ln>
-                </p:spPr>
-                <p:style>
-                  <a:lnRef idx="2">
-                    <a:schemeClr val="accent1"/>
-                  </a:lnRef>
-                  <a:fillRef idx="1">
-                    <a:schemeClr val="lt1"/>
-                  </a:fillRef>
-                  <a:effectRef idx="0">
-                    <a:schemeClr val="accent1"/>
-                  </a:effectRef>
-                  <a:fontRef idx="minor">
-                    <a:schemeClr val="dk1"/>
-                  </a:fontRef>
-                </p:style>
-                <p:txBody>
-                  <a:bodyPr rtlCol="0" anchor="ctr"/>
-                  <a:lstStyle/>
-                  <a:p>
-                    <a:pPr algn="ctr"/>
-                    <a:r>
-                      <a:rPr kumimoji="1" lang="en-US" altLang="ja-JP" sz="1400" b="1" dirty="0">
-                        <a:latin typeface="Hiragino Kaku Gothic ProN W3" panose="020B0300000000000000" pitchFamily="34" charset="-128"/>
-                        <a:ea typeface="Hiragino Kaku Gothic ProN W3" panose="020B0300000000000000" pitchFamily="34" charset="-128"/>
-                        <a:cs typeface="Arial" panose="020B0604020202020204" pitchFamily="34" charset="0"/>
-                      </a:rPr>
-                      <a:t>Nonlinear</a:t>
-                    </a:r>
-                  </a:p>
-                  <a:p>
-                    <a:pPr algn="ctr"/>
-                    <a:r>
-                      <a:rPr lang="en-US" altLang="ja-JP" sz="1400" b="1" dirty="0">
-                        <a:latin typeface="Hiragino Kaku Gothic ProN W3" panose="020B0300000000000000" pitchFamily="34" charset="-128"/>
-                        <a:ea typeface="Hiragino Kaku Gothic ProN W3" panose="020B0300000000000000" pitchFamily="34" charset="-128"/>
-                        <a:cs typeface="Arial" panose="020B0604020202020204" pitchFamily="34" charset="0"/>
-                      </a:rPr>
-                      <a:t>Programing</a:t>
-                    </a:r>
-                    <a:endParaRPr kumimoji="1" lang="ja-JP" altLang="en-US" sz="1400" b="1">
-                      <a:latin typeface="Hiragino Kaku Gothic ProN W3" panose="020B0300000000000000" pitchFamily="34" charset="-128"/>
-                      <a:ea typeface="Hiragino Kaku Gothic ProN W3" panose="020B0300000000000000" pitchFamily="34" charset="-128"/>
-                      <a:cs typeface="Arial" panose="020B0604020202020204" pitchFamily="34" charset="0"/>
-                    </a:endParaRPr>
-                  </a:p>
-                </p:txBody>
-              </p:sp>
-              <p:sp>
-                <p:nvSpPr>
-                  <p:cNvPr id="50" name="テキスト ボックス 49">
-                    <a:extLst>
-                      <a:ext uri="{FF2B5EF4-FFF2-40B4-BE49-F238E27FC236}">
-                        <a16:creationId xmlns:a16="http://schemas.microsoft.com/office/drawing/2014/main" id="{B07EE000-F797-AF5C-D4FE-E598A9DBD1EB}"/>
-                      </a:ext>
-                    </a:extLst>
-                  </p:cNvPr>
-                  <p:cNvSpPr txBox="1"/>
-                  <p:nvPr/>
-                </p:nvSpPr>
-                <p:spPr>
-                  <a:xfrm>
-                    <a:off x="7336463" y="2937939"/>
-                    <a:ext cx="1805302" cy="369332"/>
-                  </a:xfrm>
-                  <a:prstGeom prst="rect">
-                    <a:avLst/>
-                  </a:prstGeom>
-                  <a:noFill/>
-                </p:spPr>
-                <p:txBody>
-                  <a:bodyPr wrap="none" rtlCol="0">
-                    <a:spAutoFit/>
-                  </a:bodyPr>
-                  <a:lstStyle/>
-                  <a:p>
-                    <a:r>
-                      <a:rPr kumimoji="1" lang="en-US" altLang="ja-JP" dirty="0"/>
-                      <a:t>Nonlinear MPC</a:t>
-                    </a:r>
-                    <a:endParaRPr kumimoji="1" lang="ja-JP" altLang="en-US"/>
-                  </a:p>
-                </p:txBody>
-              </p:sp>
-            </p:grpSp>
-            <mc:AlternateContent xmlns:mc="http://schemas.openxmlformats.org/markup-compatibility/2006" xmlns:a14="http://schemas.microsoft.com/office/drawing/2010/main">
-              <mc:Choice Requires="a14">
-                <p:sp>
-                  <p:nvSpPr>
-                    <p:cNvPr id="27" name="テキスト ボックス 26">
-                      <a:extLst>
-                        <a:ext uri="{FF2B5EF4-FFF2-40B4-BE49-F238E27FC236}">
-                          <a16:creationId xmlns:a16="http://schemas.microsoft.com/office/drawing/2014/main" id="{12770728-D3E7-1402-48B8-94D9DF6CDD69}"/>
-                        </a:ext>
-                      </a:extLst>
-                    </p:cNvPr>
-                    <p:cNvSpPr txBox="1"/>
-                    <p:nvPr/>
-                  </p:nvSpPr>
-                  <p:spPr>
-                    <a:xfrm>
-                      <a:off x="4001906" y="1966727"/>
-                      <a:ext cx="648059" cy="276999"/>
-                    </a:xfrm>
-                    <a:prstGeom prst="rect">
-                      <a:avLst/>
-                    </a:prstGeom>
-                    <a:noFill/>
-                  </p:spPr>
-                  <p:txBody>
-                    <a:bodyPr wrap="square" lIns="0" tIns="0" rIns="0" bIns="0" rtlCol="0">
-                      <a:spAutoFit/>
-                    </a:bodyPr>
-                    <a:lstStyle/>
-                    <a:p>
-                      <a:pPr/>
-                      <a14:m>
-                        <m:oMathPara xmlns:m="http://schemas.openxmlformats.org/officeDocument/2006/math">
-                          <m:oMathParaPr>
-                            <m:jc m:val="centerGroup"/>
-                          </m:oMathParaPr>
-                          <m:oMath xmlns:m="http://schemas.openxmlformats.org/officeDocument/2006/math">
-                            <m:sSub>
-                              <m:sSubPr>
-                                <m:ctrlPr>
-                                  <a:rPr kumimoji="1" lang="en-US" altLang="ja-JP" b="0" i="1" smtClean="0">
-                                    <a:latin typeface="Cambria Math" panose="02040503050406030204" pitchFamily="18" charset="0"/>
-                                  </a:rPr>
-                                </m:ctrlPr>
-                              </m:sSubPr>
-                              <m:e>
-                                <m:r>
-                                  <a:rPr kumimoji="1" lang="en-US" altLang="ja-JP" b="0" i="1" smtClean="0">
-                                    <a:latin typeface="Cambria Math" panose="02040503050406030204" pitchFamily="18" charset="0"/>
-                                  </a:rPr>
-                                  <m:t>𝑅</m:t>
-                                </m:r>
-                              </m:e>
-                              <m:sub>
-                                <m:r>
-                                  <a:rPr kumimoji="1" lang="en-US" altLang="ja-JP" b="0" i="1" smtClean="0">
-                                    <a:latin typeface="Cambria Math" panose="02040503050406030204" pitchFamily="18" charset="0"/>
-                                  </a:rPr>
-                                  <m:t>𝑎</m:t>
-                                </m:r>
-                              </m:sub>
-                            </m:sSub>
-                          </m:oMath>
-                        </m:oMathPara>
-                      </a14:m>
-                      <a:endParaRPr kumimoji="1" lang="ja-JP" altLang="en-US"/>
-                    </a:p>
-                  </p:txBody>
-                </p:sp>
-              </mc:Choice>
-              <mc:Fallback xmlns="">
-                <p:sp>
-                  <p:nvSpPr>
-                    <p:cNvPr id="27" name="テキスト ボックス 26">
-                      <a:extLst>
-                        <a:ext uri="{FF2B5EF4-FFF2-40B4-BE49-F238E27FC236}">
-                          <a16:creationId xmlns:a16="http://schemas.microsoft.com/office/drawing/2014/main" id="{12770728-D3E7-1402-48B8-94D9DF6CDD69}"/>
-                        </a:ext>
-                      </a:extLst>
-                    </p:cNvPr>
-                    <p:cNvSpPr txBox="1">
-                      <a:spLocks noRot="1" noChangeAspect="1" noMove="1" noResize="1" noEditPoints="1" noAdjustHandles="1" noChangeArrowheads="1" noChangeShapeType="1" noTextEdit="1"/>
-                    </p:cNvSpPr>
-                    <p:nvPr/>
-                  </p:nvSpPr>
-                  <p:spPr>
-                    <a:xfrm>
-                      <a:off x="4001906" y="1966727"/>
-                      <a:ext cx="648059" cy="276999"/>
-                    </a:xfrm>
-                    <a:prstGeom prst="rect">
-                      <a:avLst/>
-                    </a:prstGeom>
-                    <a:blipFill>
-                      <a:blip r:embed="rId3"/>
-                      <a:stretch>
-                        <a:fillRect b="-8696"/>
-                      </a:stretch>
-                    </a:blipFill>
-                  </p:spPr>
-                  <p:txBody>
-                    <a:bodyPr/>
-                    <a:lstStyle/>
-                    <a:p>
-                      <a:r>
-                        <a:rPr lang="ja-JP" altLang="en-US">
-                          <a:noFill/>
-                        </a:rPr>
-                        <a:t> </a:t>
-                      </a:r>
-                    </a:p>
-                  </p:txBody>
-                </p:sp>
-              </mc:Fallback>
-            </mc:AlternateContent>
-            <mc:AlternateContent xmlns:mc="http://schemas.openxmlformats.org/markup-compatibility/2006" xmlns:a14="http://schemas.microsoft.com/office/drawing/2010/main">
-              <mc:Choice Requires="a14">
-                <p:sp>
-                  <p:nvSpPr>
-                    <p:cNvPr id="28" name="テキスト ボックス 27">
-                      <a:extLst>
-                        <a:ext uri="{FF2B5EF4-FFF2-40B4-BE49-F238E27FC236}">
-                          <a16:creationId xmlns:a16="http://schemas.microsoft.com/office/drawing/2014/main" id="{6ACEC2D0-2C6B-F2EB-E9ED-C9F6A051773B}"/>
-                        </a:ext>
-                      </a:extLst>
-                    </p:cNvPr>
-                    <p:cNvSpPr txBox="1"/>
-                    <p:nvPr/>
-                  </p:nvSpPr>
-                  <p:spPr>
-                    <a:xfrm>
-                      <a:off x="10034169" y="1612983"/>
-                      <a:ext cx="812337" cy="369332"/>
-                    </a:xfrm>
-                    <a:prstGeom prst="rect">
-                      <a:avLst/>
-                    </a:prstGeom>
-                    <a:noFill/>
-                  </p:spPr>
-                  <p:txBody>
-                    <a:bodyPr wrap="square" rtlCol="0">
-                      <a:spAutoFit/>
-                    </a:bodyPr>
-                    <a:lstStyle/>
-                    <a:p>
-                      <a:pPr/>
-                      <a14:m>
-                        <m:oMathPara xmlns:m="http://schemas.openxmlformats.org/officeDocument/2006/math">
-                          <m:oMathParaPr>
-                            <m:jc m:val="centerGroup"/>
-                          </m:oMathParaPr>
-                          <m:oMath xmlns:m="http://schemas.openxmlformats.org/officeDocument/2006/math">
-                            <m:sSub>
-                              <m:sSubPr>
-                                <m:ctrlPr>
-                                  <a:rPr kumimoji="1" lang="en-US" altLang="ja-JP" i="1" smtClean="0">
-                                    <a:latin typeface="Cambria Math" panose="02040503050406030204" pitchFamily="18" charset="0"/>
-                                  </a:rPr>
-                                </m:ctrlPr>
-                              </m:sSubPr>
-                              <m:e>
-                                <m:r>
-                                  <a:rPr kumimoji="1" lang="en-US" altLang="ja-JP" b="0" i="1" smtClean="0">
-                                    <a:latin typeface="Cambria Math" panose="02040503050406030204" pitchFamily="18" charset="0"/>
-                                  </a:rPr>
-                                  <m:t>𝑑</m:t>
-                                </m:r>
-                              </m:e>
-                              <m:sub>
-                                <m:r>
-                                  <a:rPr kumimoji="1" lang="en-US" altLang="ja-JP" b="0" i="1" smtClean="0">
-                                    <a:latin typeface="Cambria Math" panose="02040503050406030204" pitchFamily="18" charset="0"/>
-                                  </a:rPr>
-                                  <m:t>𝑚𝑒𝑎𝑙</m:t>
-                                </m:r>
-                              </m:sub>
-                            </m:sSub>
-                          </m:oMath>
-                        </m:oMathPara>
-                      </a14:m>
-                      <a:endParaRPr kumimoji="1" lang="ja-JP" altLang="en-US"/>
-                    </a:p>
-                  </p:txBody>
-                </p:sp>
-              </mc:Choice>
-              <mc:Fallback xmlns="">
-                <p:sp>
-                  <p:nvSpPr>
-                    <p:cNvPr id="28" name="テキスト ボックス 27">
-                      <a:extLst>
-                        <a:ext uri="{FF2B5EF4-FFF2-40B4-BE49-F238E27FC236}">
-                          <a16:creationId xmlns:a16="http://schemas.microsoft.com/office/drawing/2014/main" id="{6ACEC2D0-2C6B-F2EB-E9ED-C9F6A051773B}"/>
-                        </a:ext>
-                      </a:extLst>
-                    </p:cNvPr>
-                    <p:cNvSpPr txBox="1">
-                      <a:spLocks noRot="1" noChangeAspect="1" noMove="1" noResize="1" noEditPoints="1" noAdjustHandles="1" noChangeArrowheads="1" noChangeShapeType="1" noTextEdit="1"/>
-                    </p:cNvSpPr>
-                    <p:nvPr/>
-                  </p:nvSpPr>
-                  <p:spPr>
-                    <a:xfrm>
-                      <a:off x="10034169" y="1612983"/>
-                      <a:ext cx="812337" cy="369332"/>
-                    </a:xfrm>
-                    <a:prstGeom prst="rect">
-                      <a:avLst/>
-                    </a:prstGeom>
-                    <a:blipFill>
-                      <a:blip r:embed="rId4"/>
-                      <a:stretch>
-                        <a:fillRect/>
-                      </a:stretch>
-                    </a:blipFill>
-                  </p:spPr>
-                  <p:txBody>
-                    <a:bodyPr/>
-                    <a:lstStyle/>
-                    <a:p>
-                      <a:r>
-                        <a:rPr lang="ja-JP" altLang="en-US">
-                          <a:noFill/>
-                        </a:rPr>
-                        <a:t> </a:t>
-                      </a:r>
-                    </a:p>
-                  </p:txBody>
-                </p:sp>
-              </mc:Fallback>
-            </mc:AlternateContent>
-            <p:cxnSp>
-              <p:nvCxnSpPr>
-                <p:cNvPr id="29" name="直線矢印コネクタ 28">
-                  <a:extLst>
-                    <a:ext uri="{FF2B5EF4-FFF2-40B4-BE49-F238E27FC236}">
-                      <a16:creationId xmlns:a16="http://schemas.microsoft.com/office/drawing/2014/main" id="{1BA3840E-A789-7C62-8A58-089E15935AED}"/>
-                    </a:ext>
-                  </a:extLst>
-                </p:cNvPr>
-                <p:cNvCxnSpPr>
-                  <a:stCxn id="45" idx="3"/>
-                  <a:endCxn id="24" idx="1"/>
-                </p:cNvCxnSpPr>
-                <p:nvPr/>
-              </p:nvCxnSpPr>
-              <p:spPr>
-                <a:xfrm flipV="1">
-                  <a:off x="8339262" y="3933367"/>
-                  <a:ext cx="689813" cy="1"/>
-                </a:xfrm>
-                <a:prstGeom prst="straightConnector1">
-                  <a:avLst/>
-                </a:prstGeom>
-                <a:ln>
-                  <a:tailEnd type="triangle"/>
-                </a:ln>
-              </p:spPr>
-              <p:style>
-                <a:lnRef idx="2">
-                  <a:schemeClr val="dk1"/>
-                </a:lnRef>
-                <a:fillRef idx="0">
-                  <a:schemeClr val="dk1"/>
-                </a:fillRef>
-                <a:effectRef idx="1">
-                  <a:schemeClr val="dk1"/>
-                </a:effectRef>
-                <a:fontRef idx="minor">
-                  <a:schemeClr val="tx1"/>
-                </a:fontRef>
-              </p:style>
-            </p:cxnSp>
-            <p:sp>
-              <p:nvSpPr>
-                <p:cNvPr id="30" name="正方形/長方形 29">
-                  <a:extLst>
-                    <a:ext uri="{FF2B5EF4-FFF2-40B4-BE49-F238E27FC236}">
-                      <a16:creationId xmlns:a16="http://schemas.microsoft.com/office/drawing/2014/main" id="{30424CBC-224C-4F9B-54B8-2B8B8816E241}"/>
+                      <a16:creationId xmlns:a16="http://schemas.microsoft.com/office/drawing/2014/main" id="{28A2D907-C95C-6165-61F0-3483B8157E57}"/>
                     </a:ext>
                   </a:extLst>
                 </p:cNvPr>
@@ -6067,8 +5720,8 @@
               </p:nvSpPr>
               <p:spPr>
                 <a:xfrm>
-                  <a:off x="5238679" y="5214256"/>
-                  <a:ext cx="1756657" cy="631688"/>
+                  <a:off x="5190795" y="3307271"/>
+                  <a:ext cx="1810410" cy="734532"/>
                 </a:xfrm>
                 <a:prstGeom prst="rect">
                   <a:avLst/>
@@ -6102,411 +5755,66 @@
                 <a:p>
                   <a:pPr algn="ctr"/>
                   <a:r>
-                    <a:rPr kumimoji="1" lang="en-US" altLang="ja-JP" sz="1400" b="1" dirty="0">
+                    <a:rPr kumimoji="1" lang="en-US" altLang="ja-JP" sz="1200" b="1" dirty="0">
                       <a:latin typeface="Hiragino Kaku Gothic ProN W3" panose="020B0300000000000000" pitchFamily="34" charset="-128"/>
                       <a:ea typeface="Hiragino Kaku Gothic ProN W3" panose="020B0300000000000000" pitchFamily="34" charset="-128"/>
                       <a:cs typeface="Arial" panose="020B0604020202020204" pitchFamily="34" charset="0"/>
                     </a:rPr>
-                    <a:t>State Estimator</a:t>
+                    <a:t>Core </a:t>
                   </a:r>
+                  <a:r>
+                    <a:rPr kumimoji="1" lang="en-US" altLang="ja-JP" sz="1200" b="1" dirty="0" err="1">
+                      <a:latin typeface="Hiragino Kaku Gothic ProN W3" panose="020B0300000000000000" pitchFamily="34" charset="-128"/>
+                      <a:ea typeface="Hiragino Kaku Gothic ProN W3" panose="020B0300000000000000" pitchFamily="34" charset="-128"/>
+                      <a:cs typeface="Arial" panose="020B0604020202020204" pitchFamily="34" charset="0"/>
+                    </a:rPr>
+                    <a:t>submodel</a:t>
+                  </a:r>
+                  <a:endParaRPr kumimoji="1" lang="en-US" altLang="ja-JP" sz="1200" b="1" dirty="0">
+                    <a:latin typeface="Hiragino Kaku Gothic ProN W3" panose="020B0300000000000000" pitchFamily="34" charset="-128"/>
+                    <a:ea typeface="Hiragino Kaku Gothic ProN W3" panose="020B0300000000000000" pitchFamily="34" charset="-128"/>
+                    <a:cs typeface="Arial" panose="020B0604020202020204" pitchFamily="34" charset="0"/>
+                  </a:endParaRPr>
+                </a:p>
+                <a:p>
+                  <a:pPr algn="ctr"/>
+                  <a:r>
+                    <a:rPr lang="en-US" altLang="ja-JP" sz="1200" b="1" dirty="0">
+                      <a:latin typeface="Hiragino Kaku Gothic ProN W3" panose="020B0300000000000000" pitchFamily="34" charset="-128"/>
+                      <a:ea typeface="Hiragino Kaku Gothic ProN W3" panose="020B0300000000000000" pitchFamily="34" charset="-128"/>
+                      <a:cs typeface="Arial" panose="020B0604020202020204" pitchFamily="34" charset="0"/>
+                    </a:rPr>
+                    <a:t>(Bergman model)</a:t>
+                  </a:r>
+                  <a:endParaRPr kumimoji="1" lang="ja-JP" altLang="en-US" sz="1200" b="1">
+                    <a:latin typeface="Hiragino Kaku Gothic ProN W3" panose="020B0300000000000000" pitchFamily="34" charset="-128"/>
+                    <a:ea typeface="Hiragino Kaku Gothic ProN W3" panose="020B0300000000000000" pitchFamily="34" charset="-128"/>
+                    <a:cs typeface="Arial" panose="020B0604020202020204" pitchFamily="34" charset="0"/>
+                  </a:endParaRPr>
                 </a:p>
               </p:txBody>
             </p:sp>
             <p:cxnSp>
               <p:nvCxnSpPr>
-                <p:cNvPr id="31" name="カギ線コネクタ 30">
+                <p:cNvPr id="48" name="カギ線コネクタ 47">
                   <a:extLst>
                     <a:ext uri="{FF2B5EF4-FFF2-40B4-BE49-F238E27FC236}">
-                      <a16:creationId xmlns:a16="http://schemas.microsoft.com/office/drawing/2014/main" id="{01D9516D-55C8-B5CD-0D5D-C8923CEAF24D}"/>
+                      <a16:creationId xmlns:a16="http://schemas.microsoft.com/office/drawing/2014/main" id="{A1E9AACC-4CD1-9B92-0F0C-6539CFAD37A2}"/>
                     </a:ext>
                   </a:extLst>
                 </p:cNvPr>
                 <p:cNvCxnSpPr>
-                  <a:stCxn id="24" idx="3"/>
+                  <a:stCxn id="46" idx="3"/>
+                  <a:endCxn id="47" idx="2"/>
                 </p:cNvCxnSpPr>
                 <p:nvPr/>
               </p:nvCxnSpPr>
               <p:spPr>
-                <a:xfrm flipH="1">
-                  <a:off x="6995336" y="3933367"/>
-                  <a:ext cx="4229123" cy="1760272"/>
+                <a:xfrm flipV="1">
+                  <a:off x="5128439" y="4041803"/>
+                  <a:ext cx="967561" cy="224594"/>
                 </a:xfrm>
-                <a:prstGeom prst="bentConnector3">
-                  <a:avLst>
-                    <a:gd name="adj1" fmla="val -5405"/>
-                  </a:avLst>
-                </a:prstGeom>
-                <a:ln>
-                  <a:tailEnd type="triangle"/>
-                </a:ln>
-              </p:spPr>
-              <p:style>
-                <a:lnRef idx="2">
-                  <a:schemeClr val="dk1"/>
-                </a:lnRef>
-                <a:fillRef idx="0">
-                  <a:schemeClr val="dk1"/>
-                </a:fillRef>
-                <a:effectRef idx="1">
-                  <a:schemeClr val="dk1"/>
-                </a:effectRef>
-                <a:fontRef idx="minor">
-                  <a:schemeClr val="tx1"/>
-                </a:fontRef>
-              </p:style>
-            </p:cxnSp>
-            <p:cxnSp>
-              <p:nvCxnSpPr>
-                <p:cNvPr id="32" name="カギ線コネクタ 31">
-                  <a:extLst>
-                    <a:ext uri="{FF2B5EF4-FFF2-40B4-BE49-F238E27FC236}">
-                      <a16:creationId xmlns:a16="http://schemas.microsoft.com/office/drawing/2014/main" id="{8DCF664D-52C1-B748-4EB9-43A0C5D233B6}"/>
-                    </a:ext>
-                  </a:extLst>
-                </p:cNvPr>
-                <p:cNvCxnSpPr/>
-                <p:nvPr/>
-              </p:nvCxnSpPr>
-              <p:spPr>
-                <a:xfrm rot="10800000" flipV="1">
-                  <a:off x="6995336" y="3933367"/>
-                  <a:ext cx="1688832" cy="1472010"/>
-                </a:xfrm>
-                <a:prstGeom prst="bentConnector3">
-                  <a:avLst>
-                    <a:gd name="adj1" fmla="val 654"/>
-                  </a:avLst>
-                </a:prstGeom>
-                <a:ln>
-                  <a:tailEnd type="triangle"/>
-                </a:ln>
-              </p:spPr>
-              <p:style>
-                <a:lnRef idx="2">
-                  <a:schemeClr val="dk1"/>
-                </a:lnRef>
-                <a:fillRef idx="0">
-                  <a:schemeClr val="dk1"/>
-                </a:fillRef>
-                <a:effectRef idx="1">
-                  <a:schemeClr val="dk1"/>
-                </a:effectRef>
-                <a:fontRef idx="minor">
-                  <a:schemeClr val="tx1"/>
-                </a:fontRef>
-              </p:style>
-            </p:cxnSp>
-            <mc:AlternateContent xmlns:mc="http://schemas.openxmlformats.org/markup-compatibility/2006" xmlns:a14="http://schemas.microsoft.com/office/drawing/2010/main">
-              <mc:Choice Requires="a14">
-                <p:sp>
-                  <p:nvSpPr>
-                    <p:cNvPr id="33" name="テキスト ボックス 32">
-                      <a:extLst>
-                        <a:ext uri="{FF2B5EF4-FFF2-40B4-BE49-F238E27FC236}">
-                          <a16:creationId xmlns:a16="http://schemas.microsoft.com/office/drawing/2014/main" id="{DF80E100-C5AF-8E0E-0A05-67E3AE962492}"/>
-                        </a:ext>
-                      </a:extLst>
-                    </p:cNvPr>
-                    <p:cNvSpPr txBox="1"/>
-                    <p:nvPr/>
-                  </p:nvSpPr>
-                  <p:spPr>
-                    <a:xfrm>
-                      <a:off x="8381703" y="3586482"/>
-                      <a:ext cx="561500" cy="298415"/>
-                    </a:xfrm>
-                    <a:prstGeom prst="rect">
-                      <a:avLst/>
-                    </a:prstGeom>
-                    <a:noFill/>
-                  </p:spPr>
-                  <p:txBody>
-                    <a:bodyPr wrap="none" lIns="0" tIns="0" rIns="0" bIns="0" rtlCol="0">
-                      <a:spAutoFit/>
-                    </a:bodyPr>
-                    <a:lstStyle/>
-                    <a:p>
-                      <a:pPr/>
-                      <a14:m>
-                        <m:oMathPara xmlns:m="http://schemas.openxmlformats.org/officeDocument/2006/math">
-                          <m:oMathParaPr>
-                            <m:jc m:val="centerGroup"/>
-                          </m:oMathParaPr>
-                          <m:oMath xmlns:m="http://schemas.openxmlformats.org/officeDocument/2006/math">
-                            <m:sSub>
-                              <m:sSubPr>
-                                <m:ctrlPr>
-                                  <a:rPr kumimoji="1" lang="en-US" altLang="ja-JP" b="0" i="1" smtClean="0">
-                                    <a:latin typeface="Cambria Math" panose="02040503050406030204" pitchFamily="18" charset="0"/>
-                                  </a:rPr>
-                                </m:ctrlPr>
-                              </m:sSubPr>
-                              <m:e>
-                                <m:r>
-                                  <a:rPr kumimoji="1" lang="en-US" altLang="ja-JP" b="0" i="1" smtClean="0">
-                                    <a:latin typeface="Cambria Math" panose="02040503050406030204" pitchFamily="18" charset="0"/>
-                                  </a:rPr>
-                                  <m:t>𝑢</m:t>
-                                </m:r>
-                              </m:e>
-                              <m:sub>
-                                <m:r>
-                                  <a:rPr kumimoji="1" lang="en-US" altLang="ja-JP" b="0" i="1" smtClean="0">
-                                    <a:latin typeface="Cambria Math" panose="02040503050406030204" pitchFamily="18" charset="0"/>
-                                  </a:rPr>
-                                  <m:t>𝑚𝑝𝑐</m:t>
-                                </m:r>
-                              </m:sub>
-                            </m:sSub>
-                          </m:oMath>
-                        </m:oMathPara>
-                      </a14:m>
-                      <a:endParaRPr kumimoji="1" lang="ja-JP" altLang="en-US"/>
-                    </a:p>
-                  </p:txBody>
-                </p:sp>
-              </mc:Choice>
-              <mc:Fallback xmlns="">
-                <p:sp>
-                  <p:nvSpPr>
-                    <p:cNvPr id="33" name="テキスト ボックス 32">
-                      <a:extLst>
-                        <a:ext uri="{FF2B5EF4-FFF2-40B4-BE49-F238E27FC236}">
-                          <a16:creationId xmlns:a16="http://schemas.microsoft.com/office/drawing/2014/main" id="{DF80E100-C5AF-8E0E-0A05-67E3AE962492}"/>
-                        </a:ext>
-                      </a:extLst>
-                    </p:cNvPr>
-                    <p:cNvSpPr txBox="1">
-                      <a:spLocks noRot="1" noChangeAspect="1" noMove="1" noResize="1" noEditPoints="1" noAdjustHandles="1" noChangeArrowheads="1" noChangeShapeType="1" noTextEdit="1"/>
-                    </p:cNvSpPr>
-                    <p:nvPr/>
-                  </p:nvSpPr>
-                  <p:spPr>
-                    <a:xfrm>
-                      <a:off x="8381703" y="3586482"/>
-                      <a:ext cx="561500" cy="298415"/>
-                    </a:xfrm>
-                    <a:prstGeom prst="rect">
-                      <a:avLst/>
-                    </a:prstGeom>
-                    <a:blipFill>
-                      <a:blip r:embed="rId5"/>
-                      <a:stretch>
-                        <a:fillRect l="-4444" r="-2222" b="-16000"/>
-                      </a:stretch>
-                    </a:blipFill>
-                  </p:spPr>
-                  <p:txBody>
-                    <a:bodyPr/>
-                    <a:lstStyle/>
-                    <a:p>
-                      <a:r>
-                        <a:rPr lang="ja-JP" altLang="en-US">
-                          <a:noFill/>
-                        </a:rPr>
-                        <a:t> </a:t>
-                      </a:r>
-                    </a:p>
-                  </p:txBody>
-                </p:sp>
-              </mc:Fallback>
-            </mc:AlternateContent>
-            <mc:AlternateContent xmlns:mc="http://schemas.openxmlformats.org/markup-compatibility/2006" xmlns:a14="http://schemas.microsoft.com/office/drawing/2010/main">
-              <mc:Choice Requires="a14">
-                <p:sp>
-                  <p:nvSpPr>
-                    <p:cNvPr id="34" name="テキスト ボックス 33">
-                      <a:extLst>
-                        <a:ext uri="{FF2B5EF4-FFF2-40B4-BE49-F238E27FC236}">
-                          <a16:creationId xmlns:a16="http://schemas.microsoft.com/office/drawing/2014/main" id="{0601B682-AA34-2309-B1B9-3365FBCB14FD}"/>
-                        </a:ext>
-                      </a:extLst>
-                    </p:cNvPr>
-                    <p:cNvSpPr txBox="1"/>
-                    <p:nvPr/>
-                  </p:nvSpPr>
-                  <p:spPr>
-                    <a:xfrm>
-                      <a:off x="11490686" y="3656368"/>
-                      <a:ext cx="221727" cy="276999"/>
-                    </a:xfrm>
-                    <a:prstGeom prst="rect">
-                      <a:avLst/>
-                    </a:prstGeom>
-                    <a:noFill/>
-                  </p:spPr>
-                  <p:txBody>
-                    <a:bodyPr wrap="none" lIns="0" tIns="0" rIns="0" bIns="0" rtlCol="0">
-                      <a:spAutoFit/>
-                    </a:bodyPr>
-                    <a:lstStyle/>
-                    <a:p>
-                      <a:pPr/>
-                      <a14:m>
-                        <m:oMathPara xmlns:m="http://schemas.openxmlformats.org/officeDocument/2006/math">
-                          <m:oMathParaPr>
-                            <m:jc m:val="centerGroup"/>
-                          </m:oMathParaPr>
-                          <m:oMath xmlns:m="http://schemas.openxmlformats.org/officeDocument/2006/math">
-                            <m:r>
-                              <a:rPr kumimoji="1" lang="en-US" altLang="ja-JP" b="0" i="1" smtClean="0">
-                                <a:latin typeface="Cambria Math" panose="02040503050406030204" pitchFamily="18" charset="0"/>
-                              </a:rPr>
-                              <m:t>𝐺</m:t>
-                            </m:r>
-                          </m:oMath>
-                        </m:oMathPara>
-                      </a14:m>
-                      <a:endParaRPr kumimoji="1" lang="ja-JP" altLang="en-US"/>
-                    </a:p>
-                  </p:txBody>
-                </p:sp>
-              </mc:Choice>
-              <mc:Fallback xmlns="">
-                <p:sp>
-                  <p:nvSpPr>
-                    <p:cNvPr id="34" name="テキスト ボックス 33">
-                      <a:extLst>
-                        <a:ext uri="{FF2B5EF4-FFF2-40B4-BE49-F238E27FC236}">
-                          <a16:creationId xmlns:a16="http://schemas.microsoft.com/office/drawing/2014/main" id="{0601B682-AA34-2309-B1B9-3365FBCB14FD}"/>
-                        </a:ext>
-                      </a:extLst>
-                    </p:cNvPr>
-                    <p:cNvSpPr txBox="1">
-                      <a:spLocks noRot="1" noChangeAspect="1" noMove="1" noResize="1" noEditPoints="1" noAdjustHandles="1" noChangeArrowheads="1" noChangeShapeType="1" noTextEdit="1"/>
-                    </p:cNvSpPr>
-                    <p:nvPr/>
-                  </p:nvSpPr>
-                  <p:spPr>
-                    <a:xfrm>
-                      <a:off x="11490686" y="3656368"/>
-                      <a:ext cx="221727" cy="276999"/>
-                    </a:xfrm>
-                    <a:prstGeom prst="rect">
-                      <a:avLst/>
-                    </a:prstGeom>
-                    <a:blipFill>
-                      <a:blip r:embed="rId6"/>
-                      <a:stretch>
-                        <a:fillRect l="-22222" r="-16667" b="-8696"/>
-                      </a:stretch>
-                    </a:blipFill>
-                  </p:spPr>
-                  <p:txBody>
-                    <a:bodyPr/>
-                    <a:lstStyle/>
-                    <a:p>
-                      <a:r>
-                        <a:rPr lang="ja-JP" altLang="en-US">
-                          <a:noFill/>
-                        </a:rPr>
-                        <a:t> </a:t>
-                      </a:r>
-                    </a:p>
-                  </p:txBody>
-                </p:sp>
-              </mc:Fallback>
-            </mc:AlternateContent>
-            <p:cxnSp>
-              <p:nvCxnSpPr>
-                <p:cNvPr id="35" name="カギ線コネクタ 34">
-                  <a:extLst>
-                    <a:ext uri="{FF2B5EF4-FFF2-40B4-BE49-F238E27FC236}">
-                      <a16:creationId xmlns:a16="http://schemas.microsoft.com/office/drawing/2014/main" id="{7240ACBB-94F6-041B-55FC-30FB6FE7B6CB}"/>
-                    </a:ext>
-                  </a:extLst>
-                </p:cNvPr>
-                <p:cNvCxnSpPr/>
-                <p:nvPr/>
-              </p:nvCxnSpPr>
-              <p:spPr>
-                <a:xfrm rot="10800000">
-                  <a:off x="2244780" y="4522090"/>
-                  <a:ext cx="2993900" cy="916761"/>
-                </a:xfrm>
-                <a:prstGeom prst="bentConnector3">
-                  <a:avLst>
-                    <a:gd name="adj1" fmla="val 115337"/>
-                  </a:avLst>
-                </a:prstGeom>
-                <a:ln>
-                  <a:tailEnd type="triangle"/>
-                </a:ln>
-              </p:spPr>
-              <p:style>
-                <a:lnRef idx="2">
-                  <a:schemeClr val="dk1"/>
-                </a:lnRef>
-                <a:fillRef idx="0">
-                  <a:schemeClr val="dk1"/>
-                </a:fillRef>
-                <a:effectRef idx="1">
-                  <a:schemeClr val="dk1"/>
-                </a:effectRef>
-                <a:fontRef idx="minor">
-                  <a:schemeClr val="tx1"/>
-                </a:fontRef>
-              </p:style>
-            </p:cxnSp>
-            <p:cxnSp>
-              <p:nvCxnSpPr>
-                <p:cNvPr id="36" name="直線矢印コネクタ 35">
-                  <a:extLst>
-                    <a:ext uri="{FF2B5EF4-FFF2-40B4-BE49-F238E27FC236}">
-                      <a16:creationId xmlns:a16="http://schemas.microsoft.com/office/drawing/2014/main" id="{93A409DF-4AB9-47E1-26DC-007822F7C9A1}"/>
-                    </a:ext>
-                  </a:extLst>
-                </p:cNvPr>
-                <p:cNvCxnSpPr/>
-                <p:nvPr/>
-              </p:nvCxnSpPr>
-              <p:spPr>
-                <a:xfrm>
-                  <a:off x="10126767" y="1296365"/>
-                  <a:ext cx="0" cy="2251586"/>
-                </a:xfrm>
-                <a:prstGeom prst="straightConnector1">
-                  <a:avLst/>
-                </a:prstGeom>
-                <a:ln>
-                  <a:tailEnd type="triangle"/>
-                </a:ln>
-              </p:spPr>
-              <p:style>
-                <a:lnRef idx="2">
-                  <a:schemeClr val="dk1"/>
-                </a:lnRef>
-                <a:fillRef idx="0">
-                  <a:schemeClr val="dk1"/>
-                </a:fillRef>
-                <a:effectRef idx="1">
-                  <a:schemeClr val="dk1"/>
-                </a:effectRef>
-                <a:fontRef idx="minor">
-                  <a:schemeClr val="tx1"/>
-                </a:fontRef>
-              </p:style>
-            </p:cxnSp>
-            <p:cxnSp>
-              <p:nvCxnSpPr>
-                <p:cNvPr id="37" name="直線矢印コネクタ 36">
-                  <a:extLst>
-                    <a:ext uri="{FF2B5EF4-FFF2-40B4-BE49-F238E27FC236}">
-                      <a16:creationId xmlns:a16="http://schemas.microsoft.com/office/drawing/2014/main" id="{D6E16A70-C23F-9261-3194-139D7EC5DDBC}"/>
-                    </a:ext>
-                  </a:extLst>
-                </p:cNvPr>
-                <p:cNvCxnSpPr>
-                  <a:endCxn id="25" idx="3"/>
-                </p:cNvCxnSpPr>
-                <p:nvPr/>
-              </p:nvCxnSpPr>
-              <p:spPr>
-                <a:xfrm flipH="1">
-                  <a:off x="6665170" y="2298932"/>
-                  <a:ext cx="3461597" cy="0"/>
-                </a:xfrm>
-                <a:prstGeom prst="straightConnector1">
+                <a:prstGeom prst="bentConnector2">
                   <a:avLst/>
                 </a:prstGeom>
                 <a:ln>
@@ -6530,10 +5838,10 @@
             </p:cxnSp>
             <p:sp>
               <p:nvSpPr>
-                <p:cNvPr id="38" name="円/楕円 37">
+                <p:cNvPr id="49" name="正方形/長方形 48">
                   <a:extLst>
                     <a:ext uri="{FF2B5EF4-FFF2-40B4-BE49-F238E27FC236}">
-                      <a16:creationId xmlns:a16="http://schemas.microsoft.com/office/drawing/2014/main" id="{E7459E71-6B15-73E0-D38B-B15414D6226D}"/>
+                      <a16:creationId xmlns:a16="http://schemas.microsoft.com/office/drawing/2014/main" id="{169A1ADE-4340-ACF9-6ADC-5C0014862D57}"/>
                     </a:ext>
                   </a:extLst>
                 </p:cNvPr>
@@ -6542,27 +5850,33 @@
               </p:nvSpPr>
               <p:spPr>
                 <a:xfrm>
-                  <a:off x="10090768" y="2262931"/>
-                  <a:ext cx="72000" cy="72001"/>
+                  <a:off x="7215243" y="3307271"/>
+                  <a:ext cx="1810410" cy="734532"/>
                 </a:xfrm>
-                <a:prstGeom prst="ellipse">
+                <a:prstGeom prst="rect">
                   <a:avLst/>
                 </a:prstGeom>
+                <a:ln>
+                  <a:solidFill>
+                    <a:schemeClr val="tx2">
+                      <a:lumMod val="90000"/>
+                      <a:lumOff val="10000"/>
+                    </a:schemeClr>
+                  </a:solidFill>
+                </a:ln>
               </p:spPr>
               <p:style>
                 <a:lnRef idx="2">
-                  <a:schemeClr val="dk1">
-                    <a:shade val="15000"/>
-                  </a:schemeClr>
+                  <a:schemeClr val="accent1"/>
                 </a:lnRef>
                 <a:fillRef idx="1">
-                  <a:schemeClr val="dk1"/>
+                  <a:schemeClr val="lt1"/>
                 </a:fillRef>
                 <a:effectRef idx="0">
-                  <a:schemeClr val="dk1"/>
+                  <a:schemeClr val="accent1"/>
                 </a:effectRef>
                 <a:fontRef idx="minor">
-                  <a:schemeClr val="lt1"/>
+                  <a:schemeClr val="dk1"/>
                 </a:fontRef>
               </p:style>
               <p:txBody>
@@ -6570,394 +5884,1251 @@
                 <a:lstStyle/>
                 <a:p>
                   <a:pPr algn="ctr"/>
-                  <a:endParaRPr kumimoji="1" lang="ja-JP" altLang="en-US"/>
+                  <a:r>
+                    <a:rPr kumimoji="1" lang="en-US" altLang="ja-JP" sz="1200" b="1" dirty="0">
+                      <a:latin typeface="Hiragino Kaku Gothic ProN W3" panose="020B0300000000000000" pitchFamily="34" charset="-128"/>
+                      <a:ea typeface="Hiragino Kaku Gothic ProN W3" panose="020B0300000000000000" pitchFamily="34" charset="-128"/>
+                      <a:cs typeface="Arial" panose="020B0604020202020204" pitchFamily="34" charset="0"/>
+                    </a:rPr>
+                    <a:t>Nonlinear</a:t>
+                  </a:r>
+                </a:p>
+                <a:p>
+                  <a:pPr algn="ctr"/>
+                  <a:r>
+                    <a:rPr lang="en-US" altLang="ja-JP" sz="1200" b="1" dirty="0">
+                      <a:latin typeface="Hiragino Kaku Gothic ProN W3" panose="020B0300000000000000" pitchFamily="34" charset="-128"/>
+                      <a:ea typeface="Hiragino Kaku Gothic ProN W3" panose="020B0300000000000000" pitchFamily="34" charset="-128"/>
+                      <a:cs typeface="Arial" panose="020B0604020202020204" pitchFamily="34" charset="0"/>
+                    </a:rPr>
+                    <a:t>Programing</a:t>
+                  </a:r>
+                  <a:endParaRPr kumimoji="1" lang="ja-JP" altLang="en-US" sz="1200" b="1">
+                    <a:latin typeface="Hiragino Kaku Gothic ProN W3" panose="020B0300000000000000" pitchFamily="34" charset="-128"/>
+                    <a:ea typeface="Hiragino Kaku Gothic ProN W3" panose="020B0300000000000000" pitchFamily="34" charset="-128"/>
+                    <a:cs typeface="Arial" panose="020B0604020202020204" pitchFamily="34" charset="0"/>
+                  </a:endParaRPr>
                 </a:p>
               </p:txBody>
             </p:sp>
-            <p:cxnSp>
-              <p:nvCxnSpPr>
-                <p:cNvPr id="39" name="カギ線コネクタ 38">
+            <p:sp>
+              <p:nvSpPr>
+                <p:cNvPr id="50" name="テキスト ボックス 49">
                   <a:extLst>
                     <a:ext uri="{FF2B5EF4-FFF2-40B4-BE49-F238E27FC236}">
-                      <a16:creationId xmlns:a16="http://schemas.microsoft.com/office/drawing/2014/main" id="{080572E4-D6EF-9ABA-6F57-E1438F2CE662}"/>
+                      <a16:creationId xmlns:a16="http://schemas.microsoft.com/office/drawing/2014/main" id="{B07EE000-F797-AF5C-D4FE-E598A9DBD1EB}"/>
                     </a:ext>
                   </a:extLst>
                 </p:cNvPr>
-                <p:cNvCxnSpPr>
-                  <a:cxnSpLocks/>
-                </p:cNvCxnSpPr>
+                <p:cNvSpPr txBox="1"/>
                 <p:nvPr/>
-              </p:nvCxnSpPr>
-              <p:spPr>
-                <a:xfrm rot="10800000" flipH="1" flipV="1">
-                  <a:off x="4712321" y="2398933"/>
-                  <a:ext cx="526358" cy="3471948"/>
-                </a:xfrm>
-                <a:prstGeom prst="bentConnector4">
-                  <a:avLst>
-                    <a:gd name="adj1" fmla="val -618644"/>
-                    <a:gd name="adj2" fmla="val 100062"/>
-                  </a:avLst>
-                </a:prstGeom>
-                <a:ln>
-                  <a:tailEnd type="triangle"/>
-                </a:ln>
-              </p:spPr>
-              <p:style>
-                <a:lnRef idx="2">
-                  <a:schemeClr val="dk1"/>
-                </a:lnRef>
-                <a:fillRef idx="0">
-                  <a:schemeClr val="dk1"/>
-                </a:fillRef>
-                <a:effectRef idx="1">
-                  <a:schemeClr val="dk1"/>
-                </a:effectRef>
-                <a:fontRef idx="minor">
-                  <a:schemeClr val="tx1"/>
-                </a:fontRef>
-              </p:style>
-            </p:cxnSp>
-            <p:cxnSp>
-              <p:nvCxnSpPr>
-                <p:cNvPr id="40" name="直線矢印コネクタ 39">
-                  <a:extLst>
-                    <a:ext uri="{FF2B5EF4-FFF2-40B4-BE49-F238E27FC236}">
-                      <a16:creationId xmlns:a16="http://schemas.microsoft.com/office/drawing/2014/main" id="{F4698661-56F8-0B7A-BDFE-34E66376FE41}"/>
-                    </a:ext>
-                  </a:extLst>
-                </p:cNvPr>
-                <p:cNvCxnSpPr/>
-                <p:nvPr/>
-              </p:nvCxnSpPr>
+              </p:nvSpPr>
               <p:spPr>
                 <a:xfrm>
-                  <a:off x="1453480" y="4076528"/>
-                  <a:ext cx="791299" cy="0"/>
+                  <a:off x="7336463" y="2937939"/>
+                  <a:ext cx="1236717" cy="450750"/>
                 </a:xfrm>
-                <a:prstGeom prst="straightConnector1">
+                <a:prstGeom prst="rect">
                   <a:avLst/>
                 </a:prstGeom>
-                <a:ln>
-                  <a:tailEnd type="triangle"/>
-                </a:ln>
+                <a:noFill/>
               </p:spPr>
-              <p:style>
-                <a:lnRef idx="2">
-                  <a:schemeClr val="dk1"/>
-                </a:lnRef>
-                <a:fillRef idx="0">
-                  <a:schemeClr val="dk1"/>
-                </a:fillRef>
-                <a:effectRef idx="1">
-                  <a:schemeClr val="dk1"/>
-                </a:effectRef>
-                <a:fontRef idx="minor">
-                  <a:schemeClr val="tx1"/>
-                </a:fontRef>
-              </p:style>
-            </p:cxnSp>
-            <p:cxnSp>
-              <p:nvCxnSpPr>
-                <p:cNvPr id="41" name="直線矢印コネクタ 40">
-                  <a:extLst>
-                    <a:ext uri="{FF2B5EF4-FFF2-40B4-BE49-F238E27FC236}">
-                      <a16:creationId xmlns:a16="http://schemas.microsoft.com/office/drawing/2014/main" id="{8B67CF56-C791-6AC6-B07D-7A2F81D18C0A}"/>
-                    </a:ext>
-                  </a:extLst>
-                </p:cNvPr>
-                <p:cNvCxnSpPr>
-                  <a:stCxn id="24" idx="3"/>
-                </p:cNvCxnSpPr>
-                <p:nvPr/>
-              </p:nvCxnSpPr>
-              <p:spPr>
-                <a:xfrm>
-                  <a:off x="11224459" y="3933367"/>
-                  <a:ext cx="754181" cy="0"/>
-                </a:xfrm>
-                <a:prstGeom prst="straightConnector1">
-                  <a:avLst/>
-                </a:prstGeom>
-                <a:ln>
-                  <a:tailEnd type="triangle"/>
-                </a:ln>
-              </p:spPr>
-              <p:style>
-                <a:lnRef idx="2">
-                  <a:schemeClr val="dk1"/>
-                </a:lnRef>
-                <a:fillRef idx="0">
-                  <a:schemeClr val="dk1"/>
-                </a:fillRef>
-                <a:effectRef idx="1">
-                  <a:schemeClr val="dk1"/>
-                </a:effectRef>
-                <a:fontRef idx="minor">
-                  <a:schemeClr val="tx1"/>
-                </a:fontRef>
-              </p:style>
-            </p:cxnSp>
-            <p:cxnSp>
-              <p:nvCxnSpPr>
-                <p:cNvPr id="42" name="直線矢印コネクタ 41">
-                  <a:extLst>
-                    <a:ext uri="{FF2B5EF4-FFF2-40B4-BE49-F238E27FC236}">
-                      <a16:creationId xmlns:a16="http://schemas.microsoft.com/office/drawing/2014/main" id="{9C6A71AD-4A07-9694-67BD-C738C6A619AE}"/>
-                    </a:ext>
-                  </a:extLst>
-                </p:cNvPr>
-                <p:cNvCxnSpPr/>
-                <p:nvPr/>
-              </p:nvCxnSpPr>
-              <p:spPr>
-                <a:xfrm>
-                  <a:off x="666370" y="3614840"/>
-                  <a:ext cx="1574219" cy="0"/>
-                </a:xfrm>
-                <a:prstGeom prst="straightConnector1">
-                  <a:avLst/>
-                </a:prstGeom>
-                <a:ln>
-                  <a:tailEnd type="triangle"/>
-                </a:ln>
-              </p:spPr>
-              <p:style>
-                <a:lnRef idx="2">
-                  <a:schemeClr val="dk1"/>
-                </a:lnRef>
-                <a:fillRef idx="0">
-                  <a:schemeClr val="dk1"/>
-                </a:fillRef>
-                <a:effectRef idx="1">
-                  <a:schemeClr val="dk1"/>
-                </a:effectRef>
-                <a:fontRef idx="minor">
-                  <a:schemeClr val="tx1"/>
-                </a:fontRef>
-              </p:style>
-            </p:cxnSp>
-            <mc:AlternateContent xmlns:mc="http://schemas.openxmlformats.org/markup-compatibility/2006" xmlns:a14="http://schemas.microsoft.com/office/drawing/2010/main">
-              <mc:Choice Requires="a14">
-                <p:sp>
-                  <p:nvSpPr>
-                    <p:cNvPr id="43" name="テキスト ボックス 42">
-                      <a:extLst>
-                        <a:ext uri="{FF2B5EF4-FFF2-40B4-BE49-F238E27FC236}">
-                          <a16:creationId xmlns:a16="http://schemas.microsoft.com/office/drawing/2014/main" id="{271074BB-5BA5-35AE-C09C-069887E2FF41}"/>
-                        </a:ext>
-                      </a:extLst>
-                    </p:cNvPr>
-                    <p:cNvSpPr txBox="1"/>
-                    <p:nvPr/>
-                  </p:nvSpPr>
-                  <p:spPr>
-                    <a:xfrm>
-                      <a:off x="4956521" y="5166843"/>
-                      <a:ext cx="177933" cy="276999"/>
-                    </a:xfrm>
-                    <a:prstGeom prst="rect">
-                      <a:avLst/>
-                    </a:prstGeom>
-                    <a:noFill/>
-                  </p:spPr>
-                  <p:txBody>
-                    <a:bodyPr wrap="none" lIns="0" tIns="0" rIns="0" bIns="0" rtlCol="0">
-                      <a:spAutoFit/>
-                    </a:bodyPr>
-                    <a:lstStyle/>
-                    <a:p>
-                      <a:pPr/>
-                      <a14:m>
-                        <m:oMathPara xmlns:m="http://schemas.openxmlformats.org/officeDocument/2006/math">
-                          <m:oMathParaPr>
-                            <m:jc m:val="centerGroup"/>
-                          </m:oMathParaPr>
-                          <m:oMath xmlns:m="http://schemas.openxmlformats.org/officeDocument/2006/math">
-                            <m:r>
-                              <m:rPr>
-                                <m:sty m:val="p"/>
-                              </m:rPr>
-                              <a:rPr kumimoji="1" lang="en-US" altLang="ja-JP" b="0" i="1" smtClean="0">
-                                <a:latin typeface="Cambria Math" panose="02040503050406030204" pitchFamily="18" charset="0"/>
-                              </a:rPr>
-                              <m:t>x</m:t>
-                            </m:r>
-                            <m:r>
-                              <a:rPr kumimoji="1" lang="en-US" altLang="ja-JP" b="0" i="1" smtClean="0">
-                                <a:latin typeface="Cambria Math" panose="02040503050406030204" pitchFamily="18" charset="0"/>
-                              </a:rPr>
-                              <m:t>̂</m:t>
-                            </m:r>
-                          </m:oMath>
-                        </m:oMathPara>
-                      </a14:m>
-                      <a:endParaRPr kumimoji="1" lang="ja-JP" altLang="en-US"/>
-                    </a:p>
-                  </p:txBody>
-                </p:sp>
-              </mc:Choice>
-              <mc:Fallback xmlns="">
-                <p:sp>
-                  <p:nvSpPr>
-                    <p:cNvPr id="43" name="テキスト ボックス 42">
-                      <a:extLst>
-                        <a:ext uri="{FF2B5EF4-FFF2-40B4-BE49-F238E27FC236}">
-                          <a16:creationId xmlns:a16="http://schemas.microsoft.com/office/drawing/2014/main" id="{271074BB-5BA5-35AE-C09C-069887E2FF41}"/>
-                        </a:ext>
-                      </a:extLst>
-                    </p:cNvPr>
-                    <p:cNvSpPr txBox="1">
-                      <a:spLocks noRot="1" noChangeAspect="1" noMove="1" noResize="1" noEditPoints="1" noAdjustHandles="1" noChangeArrowheads="1" noChangeShapeType="1" noTextEdit="1"/>
-                    </p:cNvSpPr>
-                    <p:nvPr/>
-                  </p:nvSpPr>
-                  <p:spPr>
-                    <a:xfrm>
-                      <a:off x="4956521" y="5166843"/>
-                      <a:ext cx="177933" cy="276999"/>
-                    </a:xfrm>
-                    <a:prstGeom prst="rect">
-                      <a:avLst/>
-                    </a:prstGeom>
-                    <a:blipFill>
-                      <a:blip r:embed="rId7"/>
-                      <a:stretch>
-                        <a:fillRect l="-33333" r="-20000" b="-8696"/>
-                      </a:stretch>
-                    </a:blipFill>
-                  </p:spPr>
-                  <p:txBody>
-                    <a:bodyPr/>
-                    <a:lstStyle/>
-                    <a:p>
-                      <a:r>
-                        <a:rPr lang="ja-JP" altLang="en-US">
-                          <a:noFill/>
-                        </a:rPr>
-                        <a:t> </a:t>
-                      </a:r>
-                    </a:p>
-                  </p:txBody>
-                </p:sp>
-              </mc:Fallback>
-            </mc:AlternateContent>
-            <mc:AlternateContent xmlns:mc="http://schemas.openxmlformats.org/markup-compatibility/2006" xmlns:a14="http://schemas.microsoft.com/office/drawing/2010/main">
-              <mc:Choice Requires="a14">
-                <p:sp>
-                  <p:nvSpPr>
-                    <p:cNvPr id="44" name="テキスト ボックス 43">
-                      <a:extLst>
-                        <a:ext uri="{FF2B5EF4-FFF2-40B4-BE49-F238E27FC236}">
-                          <a16:creationId xmlns:a16="http://schemas.microsoft.com/office/drawing/2014/main" id="{2FB85A9F-8801-B5D7-8938-A23C403B926F}"/>
-                        </a:ext>
-                      </a:extLst>
-                    </p:cNvPr>
-                    <p:cNvSpPr txBox="1"/>
-                    <p:nvPr/>
-                  </p:nvSpPr>
-                  <p:spPr>
-                    <a:xfrm>
-                      <a:off x="717023" y="3237572"/>
-                      <a:ext cx="501035" cy="299249"/>
-                    </a:xfrm>
-                    <a:prstGeom prst="rect">
-                      <a:avLst/>
-                    </a:prstGeom>
-                    <a:noFill/>
-                  </p:spPr>
-                  <p:txBody>
-                    <a:bodyPr wrap="none" lIns="0" tIns="0" rIns="0" bIns="0" rtlCol="0">
-                      <a:spAutoFit/>
-                    </a:bodyPr>
-                    <a:lstStyle/>
-                    <a:p>
-                      <a:pPr/>
-                      <a14:m>
-                        <m:oMathPara xmlns:m="http://schemas.openxmlformats.org/officeDocument/2006/math">
-                          <m:oMathParaPr>
-                            <m:jc m:val="centerGroup"/>
-                          </m:oMathParaPr>
-                          <m:oMath xmlns:m="http://schemas.openxmlformats.org/officeDocument/2006/math">
-                            <m:sSub>
-                              <m:sSubPr>
-                                <m:ctrlPr>
-                                  <a:rPr kumimoji="1" lang="en-US" altLang="ja-JP" b="0" i="1" smtClean="0">
-                                    <a:latin typeface="Cambria Math" panose="02040503050406030204" pitchFamily="18" charset="0"/>
-                                  </a:rPr>
-                                </m:ctrlPr>
-                              </m:sSubPr>
-                              <m:e>
-                                <m:r>
-                                  <a:rPr kumimoji="1" lang="en-US" altLang="ja-JP" b="0" i="1" smtClean="0">
-                                    <a:latin typeface="Cambria Math" panose="02040503050406030204" pitchFamily="18" charset="0"/>
-                                  </a:rPr>
-                                  <m:t>𝐺</m:t>
-                                </m:r>
-                              </m:e>
-                              <m:sub>
-                                <m:r>
-                                  <a:rPr kumimoji="1" lang="en-US" altLang="ja-JP" b="0" i="1" smtClean="0">
-                                    <a:latin typeface="Cambria Math" panose="02040503050406030204" pitchFamily="18" charset="0"/>
-                                  </a:rPr>
-                                  <m:t>𝑟𝑒𝑓</m:t>
-                                </m:r>
-                              </m:sub>
-                            </m:sSub>
-                          </m:oMath>
-                        </m:oMathPara>
-                      </a14:m>
-                      <a:endParaRPr kumimoji="1" lang="ja-JP" altLang="en-US"/>
-                    </a:p>
-                  </p:txBody>
-                </p:sp>
-              </mc:Choice>
-              <mc:Fallback xmlns="">
-                <p:sp>
-                  <p:nvSpPr>
-                    <p:cNvPr id="44" name="テキスト ボックス 43">
-                      <a:extLst>
-                        <a:ext uri="{FF2B5EF4-FFF2-40B4-BE49-F238E27FC236}">
-                          <a16:creationId xmlns:a16="http://schemas.microsoft.com/office/drawing/2014/main" id="{2FB85A9F-8801-B5D7-8938-A23C403B926F}"/>
-                        </a:ext>
-                      </a:extLst>
-                    </p:cNvPr>
-                    <p:cNvSpPr txBox="1">
-                      <a:spLocks noRot="1" noChangeAspect="1" noMove="1" noResize="1" noEditPoints="1" noAdjustHandles="1" noChangeArrowheads="1" noChangeShapeType="1" noTextEdit="1"/>
-                    </p:cNvSpPr>
-                    <p:nvPr/>
-                  </p:nvSpPr>
-                  <p:spPr>
-                    <a:xfrm>
-                      <a:off x="717023" y="3237572"/>
-                      <a:ext cx="501035" cy="299249"/>
-                    </a:xfrm>
-                    <a:prstGeom prst="rect">
-                      <a:avLst/>
-                    </a:prstGeom>
-                    <a:blipFill>
-                      <a:blip r:embed="rId8"/>
-                      <a:stretch>
-                        <a:fillRect l="-10000" r="-5000" b="-25000"/>
-                      </a:stretch>
-                    </a:blipFill>
-                  </p:spPr>
-                  <p:txBody>
-                    <a:bodyPr/>
-                    <a:lstStyle/>
-                    <a:p>
-                      <a:r>
-                        <a:rPr lang="ja-JP" altLang="en-US">
-                          <a:noFill/>
-                        </a:rPr>
-                        <a:t> </a:t>
-                      </a:r>
-                    </a:p>
-                  </p:txBody>
-                </p:sp>
-              </mc:Fallback>
-            </mc:AlternateContent>
+              <p:txBody>
+                <a:bodyPr wrap="none" rtlCol="0">
+                  <a:spAutoFit/>
+                </a:bodyPr>
+                <a:lstStyle/>
+                <a:p>
+                  <a:r>
+                    <a:rPr kumimoji="1" lang="en-US" altLang="ja-JP" sz="1600" dirty="0"/>
+                    <a:t>Nonlinear MPC</a:t>
+                  </a:r>
+                  <a:endParaRPr kumimoji="1" lang="ja-JP" altLang="en-US" sz="1600"/>
+                </a:p>
+              </p:txBody>
+            </p:sp>
           </p:grpSp>
+          <mc:AlternateContent xmlns:mc="http://schemas.openxmlformats.org/markup-compatibility/2006">
+            <mc:Choice xmlns:a14="http://schemas.microsoft.com/office/drawing/2010/main" Requires="a14">
+              <p:sp>
+                <p:nvSpPr>
+                  <p:cNvPr id="27" name="テキスト ボックス 26">
+                    <a:extLst>
+                      <a:ext uri="{FF2B5EF4-FFF2-40B4-BE49-F238E27FC236}">
+                        <a16:creationId xmlns:a16="http://schemas.microsoft.com/office/drawing/2014/main" id="{12770728-D3E7-1402-48B8-94D9DF6CDD69}"/>
+                      </a:ext>
+                    </a:extLst>
+                  </p:cNvPr>
+                  <p:cNvSpPr txBox="1"/>
+                  <p:nvPr/>
+                </p:nvSpPr>
+                <p:spPr>
+                  <a:xfrm>
+                    <a:off x="4001906" y="1966727"/>
+                    <a:ext cx="648059" cy="327818"/>
+                  </a:xfrm>
+                  <a:prstGeom prst="rect">
+                    <a:avLst/>
+                  </a:prstGeom>
+                  <a:noFill/>
+                </p:spPr>
+                <p:txBody>
+                  <a:bodyPr wrap="square" lIns="0" tIns="0" rIns="0" bIns="0" rtlCol="0">
+                    <a:spAutoFit/>
+                  </a:bodyPr>
+                  <a:lstStyle/>
+                  <a:p>
+                    <a:pPr/>
+                    <a14:m>
+                      <m:oMathPara xmlns:m="http://schemas.openxmlformats.org/officeDocument/2006/math">
+                        <m:oMathParaPr>
+                          <m:jc m:val="centerGroup"/>
+                        </m:oMathParaPr>
+                        <m:oMath xmlns:m="http://schemas.openxmlformats.org/officeDocument/2006/math">
+                          <m:sSub>
+                            <m:sSubPr>
+                              <m:ctrlPr>
+                                <a:rPr kumimoji="1" lang="en-US" altLang="ja-JP" sz="1600" b="0" i="1" smtClean="0">
+                                  <a:latin typeface="Cambria Math" panose="02040503050406030204" pitchFamily="18" charset="0"/>
+                                </a:rPr>
+                              </m:ctrlPr>
+                            </m:sSubPr>
+                            <m:e>
+                              <m:r>
+                                <a:rPr kumimoji="1" lang="en-US" altLang="ja-JP" sz="1600" b="0" i="1" smtClean="0">
+                                  <a:latin typeface="Cambria Math" panose="02040503050406030204" pitchFamily="18" charset="0"/>
+                                </a:rPr>
+                                <m:t>𝑅</m:t>
+                              </m:r>
+                            </m:e>
+                            <m:sub>
+                              <m:r>
+                                <a:rPr kumimoji="1" lang="en-US" altLang="ja-JP" sz="1600" b="0" i="1" smtClean="0">
+                                  <a:latin typeface="Cambria Math" panose="02040503050406030204" pitchFamily="18" charset="0"/>
+                                </a:rPr>
+                                <m:t>𝑎</m:t>
+                              </m:r>
+                            </m:sub>
+                          </m:sSub>
+                        </m:oMath>
+                      </m:oMathPara>
+                    </a14:m>
+                    <a:endParaRPr kumimoji="1" lang="ja-JP" altLang="en-US" sz="1600"/>
+                  </a:p>
+                </p:txBody>
+              </p:sp>
+            </mc:Choice>
+            <mc:Fallback>
+              <p:sp>
+                <p:nvSpPr>
+                  <p:cNvPr id="27" name="テキスト ボックス 26">
+                    <a:extLst>
+                      <a:ext uri="{FF2B5EF4-FFF2-40B4-BE49-F238E27FC236}">
+                        <a16:creationId xmlns:a16="http://schemas.microsoft.com/office/drawing/2014/main" id="{12770728-D3E7-1402-48B8-94D9DF6CDD69}"/>
+                      </a:ext>
+                    </a:extLst>
+                  </p:cNvPr>
+                  <p:cNvSpPr txBox="1">
+                    <a:spLocks noRot="1" noChangeAspect="1" noMove="1" noResize="1" noEditPoints="1" noAdjustHandles="1" noChangeArrowheads="1" noChangeShapeType="1" noTextEdit="1"/>
+                  </p:cNvSpPr>
+                  <p:nvPr/>
+                </p:nvSpPr>
+                <p:spPr>
+                  <a:xfrm>
+                    <a:off x="4001906" y="1966727"/>
+                    <a:ext cx="648059" cy="327818"/>
+                  </a:xfrm>
+                  <a:prstGeom prst="rect">
+                    <a:avLst/>
+                  </a:prstGeom>
+                  <a:blipFill>
+                    <a:blip r:embed="rId3"/>
+                    <a:stretch>
+                      <a:fillRect b="-10000"/>
+                    </a:stretch>
+                  </a:blipFill>
+                </p:spPr>
+                <p:txBody>
+                  <a:bodyPr/>
+                  <a:lstStyle/>
+                  <a:p>
+                    <a:r>
+                      <a:rPr lang="ja-JP" altLang="en-US">
+                        <a:noFill/>
+                      </a:rPr>
+                      <a:t> </a:t>
+                    </a:r>
+                  </a:p>
+                </p:txBody>
+              </p:sp>
+            </mc:Fallback>
+          </mc:AlternateContent>
+          <mc:AlternateContent xmlns:mc="http://schemas.openxmlformats.org/markup-compatibility/2006">
+            <mc:Choice xmlns:a14="http://schemas.microsoft.com/office/drawing/2010/main" Requires="a14">
+              <p:sp>
+                <p:nvSpPr>
+                  <p:cNvPr id="28" name="テキスト ボックス 27">
+                    <a:extLst>
+                      <a:ext uri="{FF2B5EF4-FFF2-40B4-BE49-F238E27FC236}">
+                        <a16:creationId xmlns:a16="http://schemas.microsoft.com/office/drawing/2014/main" id="{6ACEC2D0-2C6B-F2EB-E9ED-C9F6A051773B}"/>
+                      </a:ext>
+                    </a:extLst>
+                  </p:cNvPr>
+                  <p:cNvSpPr txBox="1"/>
+                  <p:nvPr/>
+                </p:nvSpPr>
+                <p:spPr>
+                  <a:xfrm>
+                    <a:off x="9977042" y="1854845"/>
+                    <a:ext cx="812337" cy="450750"/>
+                  </a:xfrm>
+                  <a:prstGeom prst="rect">
+                    <a:avLst/>
+                  </a:prstGeom>
+                  <a:noFill/>
+                </p:spPr>
+                <p:txBody>
+                  <a:bodyPr wrap="square" rtlCol="0">
+                    <a:spAutoFit/>
+                  </a:bodyPr>
+                  <a:lstStyle/>
+                  <a:p>
+                    <a:pPr/>
+                    <a14:m>
+                      <m:oMathPara xmlns:m="http://schemas.openxmlformats.org/officeDocument/2006/math">
+                        <m:oMathParaPr>
+                          <m:jc m:val="centerGroup"/>
+                        </m:oMathParaPr>
+                        <m:oMath xmlns:m="http://schemas.openxmlformats.org/officeDocument/2006/math">
+                          <m:sSub>
+                            <m:sSubPr>
+                              <m:ctrlPr>
+                                <a:rPr kumimoji="1" lang="en-US" altLang="ja-JP" sz="1600" i="1" smtClean="0">
+                                  <a:latin typeface="Cambria Math" panose="02040503050406030204" pitchFamily="18" charset="0"/>
+                                </a:rPr>
+                              </m:ctrlPr>
+                            </m:sSubPr>
+                            <m:e>
+                              <m:r>
+                                <a:rPr kumimoji="1" lang="en-US" altLang="ja-JP" sz="1600" b="0" i="1" smtClean="0">
+                                  <a:latin typeface="Cambria Math" panose="02040503050406030204" pitchFamily="18" charset="0"/>
+                                </a:rPr>
+                                <m:t>𝑑</m:t>
+                              </m:r>
+                            </m:e>
+                            <m:sub>
+                              <m:r>
+                                <a:rPr kumimoji="1" lang="en-US" altLang="ja-JP" sz="1600" b="0" i="1" smtClean="0">
+                                  <a:latin typeface="Cambria Math" panose="02040503050406030204" pitchFamily="18" charset="0"/>
+                                </a:rPr>
+                                <m:t>𝑚𝑒𝑎𝑙</m:t>
+                              </m:r>
+                            </m:sub>
+                          </m:sSub>
+                        </m:oMath>
+                      </m:oMathPara>
+                    </a14:m>
+                    <a:endParaRPr kumimoji="1" lang="ja-JP" altLang="en-US" sz="1600"/>
+                  </a:p>
+                </p:txBody>
+              </p:sp>
+            </mc:Choice>
+            <mc:Fallback>
+              <p:sp>
+                <p:nvSpPr>
+                  <p:cNvPr id="28" name="テキスト ボックス 27">
+                    <a:extLst>
+                      <a:ext uri="{FF2B5EF4-FFF2-40B4-BE49-F238E27FC236}">
+                        <a16:creationId xmlns:a16="http://schemas.microsoft.com/office/drawing/2014/main" id="{6ACEC2D0-2C6B-F2EB-E9ED-C9F6A051773B}"/>
+                      </a:ext>
+                    </a:extLst>
+                  </p:cNvPr>
+                  <p:cNvSpPr txBox="1">
+                    <a:spLocks noRot="1" noChangeAspect="1" noMove="1" noResize="1" noEditPoints="1" noAdjustHandles="1" noChangeArrowheads="1" noChangeShapeType="1" noTextEdit="1"/>
+                  </p:cNvSpPr>
+                  <p:nvPr/>
+                </p:nvSpPr>
+                <p:spPr>
+                  <a:xfrm>
+                    <a:off x="9977042" y="1854845"/>
+                    <a:ext cx="812337" cy="450750"/>
+                  </a:xfrm>
+                  <a:prstGeom prst="rect">
+                    <a:avLst/>
+                  </a:prstGeom>
+                  <a:blipFill>
+                    <a:blip r:embed="rId4"/>
+                    <a:stretch>
+                      <a:fillRect/>
+                    </a:stretch>
+                  </a:blipFill>
+                </p:spPr>
+                <p:txBody>
+                  <a:bodyPr/>
+                  <a:lstStyle/>
+                  <a:p>
+                    <a:r>
+                      <a:rPr lang="ja-JP" altLang="en-US">
+                        <a:noFill/>
+                      </a:rPr>
+                      <a:t> </a:t>
+                    </a:r>
+                  </a:p>
+                </p:txBody>
+              </p:sp>
+            </mc:Fallback>
+          </mc:AlternateContent>
+          <p:cxnSp>
+            <p:nvCxnSpPr>
+              <p:cNvPr id="29" name="直線矢印コネクタ 28">
+                <a:extLst>
+                  <a:ext uri="{FF2B5EF4-FFF2-40B4-BE49-F238E27FC236}">
+                    <a16:creationId xmlns:a16="http://schemas.microsoft.com/office/drawing/2014/main" id="{1BA3840E-A789-7C62-8A58-089E15935AED}"/>
+                  </a:ext>
+                </a:extLst>
+              </p:cNvPr>
+              <p:cNvCxnSpPr>
+                <a:stCxn id="45" idx="3"/>
+                <a:endCxn id="24" idx="1"/>
+              </p:cNvCxnSpPr>
+              <p:nvPr/>
+            </p:nvCxnSpPr>
+            <p:spPr>
+              <a:xfrm flipV="1">
+                <a:off x="8339262" y="3933367"/>
+                <a:ext cx="689813" cy="1"/>
+              </a:xfrm>
+              <a:prstGeom prst="straightConnector1">
+                <a:avLst/>
+              </a:prstGeom>
+              <a:ln>
+                <a:tailEnd type="triangle"/>
+              </a:ln>
+            </p:spPr>
+            <p:style>
+              <a:lnRef idx="2">
+                <a:schemeClr val="dk1"/>
+              </a:lnRef>
+              <a:fillRef idx="0">
+                <a:schemeClr val="dk1"/>
+              </a:fillRef>
+              <a:effectRef idx="1">
+                <a:schemeClr val="dk1"/>
+              </a:effectRef>
+              <a:fontRef idx="minor">
+                <a:schemeClr val="tx1"/>
+              </a:fontRef>
+            </p:style>
+          </p:cxnSp>
+          <p:sp>
+            <p:nvSpPr>
+              <p:cNvPr id="30" name="正方形/長方形 29">
+                <a:extLst>
+                  <a:ext uri="{FF2B5EF4-FFF2-40B4-BE49-F238E27FC236}">
+                    <a16:creationId xmlns:a16="http://schemas.microsoft.com/office/drawing/2014/main" id="{30424CBC-224C-4F9B-54B8-2B8B8816E241}"/>
+                  </a:ext>
+                </a:extLst>
+              </p:cNvPr>
+              <p:cNvSpPr/>
+              <p:nvPr/>
+            </p:nvSpPr>
+            <p:spPr>
+              <a:xfrm>
+                <a:off x="5238679" y="5214256"/>
+                <a:ext cx="1756657" cy="631688"/>
+              </a:xfrm>
+              <a:prstGeom prst="rect">
+                <a:avLst/>
+              </a:prstGeom>
+              <a:ln>
+                <a:solidFill>
+                  <a:schemeClr val="tx2">
+                    <a:lumMod val="90000"/>
+                    <a:lumOff val="10000"/>
+                  </a:schemeClr>
+                </a:solidFill>
+              </a:ln>
+            </p:spPr>
+            <p:style>
+              <a:lnRef idx="2">
+                <a:schemeClr val="accent1"/>
+              </a:lnRef>
+              <a:fillRef idx="1">
+                <a:schemeClr val="lt1"/>
+              </a:fillRef>
+              <a:effectRef idx="0">
+                <a:schemeClr val="accent1"/>
+              </a:effectRef>
+              <a:fontRef idx="minor">
+                <a:schemeClr val="dk1"/>
+              </a:fontRef>
+            </p:style>
+            <p:txBody>
+              <a:bodyPr rtlCol="0" anchor="ctr"/>
+              <a:lstStyle/>
+              <a:p>
+                <a:pPr algn="ctr"/>
+                <a:r>
+                  <a:rPr kumimoji="1" lang="en-US" altLang="ja-JP" sz="1200" b="1" dirty="0">
+                    <a:latin typeface="Hiragino Kaku Gothic ProN W3" panose="020B0300000000000000" pitchFamily="34" charset="-128"/>
+                    <a:ea typeface="Hiragino Kaku Gothic ProN W3" panose="020B0300000000000000" pitchFamily="34" charset="-128"/>
+                    <a:cs typeface="Arial" panose="020B0604020202020204" pitchFamily="34" charset="0"/>
+                  </a:rPr>
+                  <a:t>State Estimator</a:t>
+                </a:r>
+              </a:p>
+            </p:txBody>
+          </p:sp>
+          <p:cxnSp>
+            <p:nvCxnSpPr>
+              <p:cNvPr id="31" name="カギ線コネクタ 30">
+                <a:extLst>
+                  <a:ext uri="{FF2B5EF4-FFF2-40B4-BE49-F238E27FC236}">
+                    <a16:creationId xmlns:a16="http://schemas.microsoft.com/office/drawing/2014/main" id="{01D9516D-55C8-B5CD-0D5D-C8923CEAF24D}"/>
+                  </a:ext>
+                </a:extLst>
+              </p:cNvPr>
+              <p:cNvCxnSpPr>
+                <a:cxnSpLocks/>
+                <a:stCxn id="24" idx="3"/>
+              </p:cNvCxnSpPr>
+              <p:nvPr/>
+            </p:nvCxnSpPr>
+            <p:spPr>
+              <a:xfrm flipH="1">
+                <a:off x="6995336" y="3933367"/>
+                <a:ext cx="4229123" cy="1760272"/>
+              </a:xfrm>
+              <a:prstGeom prst="bentConnector3">
+                <a:avLst>
+                  <a:gd name="adj1" fmla="val -5405"/>
+                </a:avLst>
+              </a:prstGeom>
+              <a:ln>
+                <a:tailEnd type="triangle"/>
+              </a:ln>
+            </p:spPr>
+            <p:style>
+              <a:lnRef idx="2">
+                <a:schemeClr val="dk1"/>
+              </a:lnRef>
+              <a:fillRef idx="0">
+                <a:schemeClr val="dk1"/>
+              </a:fillRef>
+              <a:effectRef idx="1">
+                <a:schemeClr val="dk1"/>
+              </a:effectRef>
+              <a:fontRef idx="minor">
+                <a:schemeClr val="tx1"/>
+              </a:fontRef>
+            </p:style>
+          </p:cxnSp>
+          <p:cxnSp>
+            <p:nvCxnSpPr>
+              <p:cNvPr id="32" name="カギ線コネクタ 31">
+                <a:extLst>
+                  <a:ext uri="{FF2B5EF4-FFF2-40B4-BE49-F238E27FC236}">
+                    <a16:creationId xmlns:a16="http://schemas.microsoft.com/office/drawing/2014/main" id="{8DCF664D-52C1-B748-4EB9-43A0C5D233B6}"/>
+                  </a:ext>
+                </a:extLst>
+              </p:cNvPr>
+              <p:cNvCxnSpPr/>
+              <p:nvPr/>
+            </p:nvCxnSpPr>
+            <p:spPr>
+              <a:xfrm rot="10800000" flipV="1">
+                <a:off x="6995336" y="3933367"/>
+                <a:ext cx="1688832" cy="1472010"/>
+              </a:xfrm>
+              <a:prstGeom prst="bentConnector3">
+                <a:avLst>
+                  <a:gd name="adj1" fmla="val 654"/>
+                </a:avLst>
+              </a:prstGeom>
+              <a:ln>
+                <a:tailEnd type="triangle"/>
+              </a:ln>
+            </p:spPr>
+            <p:style>
+              <a:lnRef idx="2">
+                <a:schemeClr val="dk1"/>
+              </a:lnRef>
+              <a:fillRef idx="0">
+                <a:schemeClr val="dk1"/>
+              </a:fillRef>
+              <a:effectRef idx="1">
+                <a:schemeClr val="dk1"/>
+              </a:effectRef>
+              <a:fontRef idx="minor">
+                <a:schemeClr val="tx1"/>
+              </a:fontRef>
+            </p:style>
+          </p:cxnSp>
+          <mc:AlternateContent xmlns:mc="http://schemas.openxmlformats.org/markup-compatibility/2006">
+            <mc:Choice xmlns:a14="http://schemas.microsoft.com/office/drawing/2010/main" Requires="a14">
+              <p:sp>
+                <p:nvSpPr>
+                  <p:cNvPr id="33" name="テキスト ボックス 32">
+                    <a:extLst>
+                      <a:ext uri="{FF2B5EF4-FFF2-40B4-BE49-F238E27FC236}">
+                        <a16:creationId xmlns:a16="http://schemas.microsoft.com/office/drawing/2014/main" id="{DF80E100-C5AF-8E0E-0A05-67E3AE962492}"/>
+                      </a:ext>
+                    </a:extLst>
+                  </p:cNvPr>
+                  <p:cNvSpPr txBox="1"/>
+                  <p:nvPr/>
+                </p:nvSpPr>
+                <p:spPr>
+                  <a:xfrm>
+                    <a:off x="8381703" y="3586482"/>
+                    <a:ext cx="379575" cy="353088"/>
+                  </a:xfrm>
+                  <a:prstGeom prst="rect">
+                    <a:avLst/>
+                  </a:prstGeom>
+                  <a:noFill/>
+                </p:spPr>
+                <p:txBody>
+                  <a:bodyPr wrap="none" lIns="0" tIns="0" rIns="0" bIns="0" rtlCol="0">
+                    <a:spAutoFit/>
+                  </a:bodyPr>
+                  <a:lstStyle/>
+                  <a:p>
+                    <a:pPr/>
+                    <a14:m>
+                      <m:oMathPara xmlns:m="http://schemas.openxmlformats.org/officeDocument/2006/math">
+                        <m:oMathParaPr>
+                          <m:jc m:val="centerGroup"/>
+                        </m:oMathParaPr>
+                        <m:oMath xmlns:m="http://schemas.openxmlformats.org/officeDocument/2006/math">
+                          <m:sSub>
+                            <m:sSubPr>
+                              <m:ctrlPr>
+                                <a:rPr kumimoji="1" lang="en-US" altLang="ja-JP" sz="1600" b="0" i="1" smtClean="0">
+                                  <a:latin typeface="Cambria Math" panose="02040503050406030204" pitchFamily="18" charset="0"/>
+                                </a:rPr>
+                              </m:ctrlPr>
+                            </m:sSubPr>
+                            <m:e>
+                              <m:r>
+                                <a:rPr kumimoji="1" lang="en-US" altLang="ja-JP" sz="1600" b="0" i="1" smtClean="0">
+                                  <a:latin typeface="Cambria Math" panose="02040503050406030204" pitchFamily="18" charset="0"/>
+                                </a:rPr>
+                                <m:t>𝑢</m:t>
+                              </m:r>
+                            </m:e>
+                            <m:sub>
+                              <m:r>
+                                <a:rPr kumimoji="1" lang="en-US" altLang="ja-JP" sz="1600" b="0" i="1" smtClean="0">
+                                  <a:latin typeface="Cambria Math" panose="02040503050406030204" pitchFamily="18" charset="0"/>
+                                </a:rPr>
+                                <m:t>𝑚𝑝𝑐</m:t>
+                              </m:r>
+                            </m:sub>
+                          </m:sSub>
+                        </m:oMath>
+                      </m:oMathPara>
+                    </a14:m>
+                    <a:endParaRPr kumimoji="1" lang="ja-JP" altLang="en-US" sz="1600"/>
+                  </a:p>
+                </p:txBody>
+              </p:sp>
+            </mc:Choice>
+            <mc:Fallback>
+              <p:sp>
+                <p:nvSpPr>
+                  <p:cNvPr id="33" name="テキスト ボックス 32">
+                    <a:extLst>
+                      <a:ext uri="{FF2B5EF4-FFF2-40B4-BE49-F238E27FC236}">
+                        <a16:creationId xmlns:a16="http://schemas.microsoft.com/office/drawing/2014/main" id="{DF80E100-C5AF-8E0E-0A05-67E3AE962492}"/>
+                      </a:ext>
+                    </a:extLst>
+                  </p:cNvPr>
+                  <p:cNvSpPr txBox="1">
+                    <a:spLocks noRot="1" noChangeAspect="1" noMove="1" noResize="1" noEditPoints="1" noAdjustHandles="1" noChangeArrowheads="1" noChangeShapeType="1" noTextEdit="1"/>
+                  </p:cNvSpPr>
+                  <p:nvPr/>
+                </p:nvSpPr>
+                <p:spPr>
+                  <a:xfrm>
+                    <a:off x="8381703" y="3586482"/>
+                    <a:ext cx="379575" cy="353088"/>
+                  </a:xfrm>
+                  <a:prstGeom prst="rect">
+                    <a:avLst/>
+                  </a:prstGeom>
+                  <a:blipFill>
+                    <a:blip r:embed="rId5"/>
+                    <a:stretch>
+                      <a:fillRect l="-5000" r="-2500" b="-19048"/>
+                    </a:stretch>
+                  </a:blipFill>
+                </p:spPr>
+                <p:txBody>
+                  <a:bodyPr/>
+                  <a:lstStyle/>
+                  <a:p>
+                    <a:r>
+                      <a:rPr lang="ja-JP" altLang="en-US">
+                        <a:noFill/>
+                      </a:rPr>
+                      <a:t> </a:t>
+                    </a:r>
+                  </a:p>
+                </p:txBody>
+              </p:sp>
+            </mc:Fallback>
+          </mc:AlternateContent>
+          <mc:AlternateContent xmlns:mc="http://schemas.openxmlformats.org/markup-compatibility/2006">
+            <mc:Choice xmlns:a14="http://schemas.microsoft.com/office/drawing/2010/main" Requires="a14">
+              <p:sp>
+                <p:nvSpPr>
+                  <p:cNvPr id="34" name="テキスト ボックス 33">
+                    <a:extLst>
+                      <a:ext uri="{FF2B5EF4-FFF2-40B4-BE49-F238E27FC236}">
+                        <a16:creationId xmlns:a16="http://schemas.microsoft.com/office/drawing/2014/main" id="{0601B682-AA34-2309-B1B9-3365FBCB14FD}"/>
+                      </a:ext>
+                    </a:extLst>
+                  </p:cNvPr>
+                  <p:cNvSpPr txBox="1"/>
+                  <p:nvPr/>
+                </p:nvSpPr>
+                <p:spPr>
+                  <a:xfrm>
+                    <a:off x="11490686" y="3656368"/>
+                    <a:ext cx="150767" cy="327818"/>
+                  </a:xfrm>
+                  <a:prstGeom prst="rect">
+                    <a:avLst/>
+                  </a:prstGeom>
+                  <a:noFill/>
+                </p:spPr>
+                <p:txBody>
+                  <a:bodyPr wrap="none" lIns="0" tIns="0" rIns="0" bIns="0" rtlCol="0">
+                    <a:spAutoFit/>
+                  </a:bodyPr>
+                  <a:lstStyle/>
+                  <a:p>
+                    <a:pPr/>
+                    <a14:m>
+                      <m:oMathPara xmlns:m="http://schemas.openxmlformats.org/officeDocument/2006/math">
+                        <m:oMathParaPr>
+                          <m:jc m:val="centerGroup"/>
+                        </m:oMathParaPr>
+                        <m:oMath xmlns:m="http://schemas.openxmlformats.org/officeDocument/2006/math">
+                          <m:r>
+                            <a:rPr kumimoji="1" lang="en-US" altLang="ja-JP" sz="1600" b="0" i="1" smtClean="0">
+                              <a:latin typeface="Cambria Math" panose="02040503050406030204" pitchFamily="18" charset="0"/>
+                            </a:rPr>
+                            <m:t>𝐺</m:t>
+                          </m:r>
+                        </m:oMath>
+                      </m:oMathPara>
+                    </a14:m>
+                    <a:endParaRPr kumimoji="1" lang="ja-JP" altLang="en-US" sz="1600"/>
+                  </a:p>
+                </p:txBody>
+              </p:sp>
+            </mc:Choice>
+            <mc:Fallback>
+              <p:sp>
+                <p:nvSpPr>
+                  <p:cNvPr id="34" name="テキスト ボックス 33">
+                    <a:extLst>
+                      <a:ext uri="{FF2B5EF4-FFF2-40B4-BE49-F238E27FC236}">
+                        <a16:creationId xmlns:a16="http://schemas.microsoft.com/office/drawing/2014/main" id="{0601B682-AA34-2309-B1B9-3365FBCB14FD}"/>
+                      </a:ext>
+                    </a:extLst>
+                  </p:cNvPr>
+                  <p:cNvSpPr txBox="1">
+                    <a:spLocks noRot="1" noChangeAspect="1" noMove="1" noResize="1" noEditPoints="1" noAdjustHandles="1" noChangeArrowheads="1" noChangeShapeType="1" noTextEdit="1"/>
+                  </p:cNvSpPr>
+                  <p:nvPr/>
+                </p:nvSpPr>
+                <p:spPr>
+                  <a:xfrm>
+                    <a:off x="11490686" y="3656368"/>
+                    <a:ext cx="150767" cy="327818"/>
+                  </a:xfrm>
+                  <a:prstGeom prst="rect">
+                    <a:avLst/>
+                  </a:prstGeom>
+                  <a:blipFill>
+                    <a:blip r:embed="rId6"/>
+                    <a:stretch>
+                      <a:fillRect l="-18750" r="-18750" b="-9524"/>
+                    </a:stretch>
+                  </a:blipFill>
+                </p:spPr>
+                <p:txBody>
+                  <a:bodyPr/>
+                  <a:lstStyle/>
+                  <a:p>
+                    <a:r>
+                      <a:rPr lang="ja-JP" altLang="en-US">
+                        <a:noFill/>
+                      </a:rPr>
+                      <a:t> </a:t>
+                    </a:r>
+                  </a:p>
+                </p:txBody>
+              </p:sp>
+            </mc:Fallback>
+          </mc:AlternateContent>
+          <p:cxnSp>
+            <p:nvCxnSpPr>
+              <p:cNvPr id="35" name="カギ線コネクタ 34">
+                <a:extLst>
+                  <a:ext uri="{FF2B5EF4-FFF2-40B4-BE49-F238E27FC236}">
+                    <a16:creationId xmlns:a16="http://schemas.microsoft.com/office/drawing/2014/main" id="{7240ACBB-94F6-041B-55FC-30FB6FE7B6CB}"/>
+                  </a:ext>
+                </a:extLst>
+              </p:cNvPr>
+              <p:cNvCxnSpPr/>
+              <p:nvPr/>
+            </p:nvCxnSpPr>
+            <p:spPr>
+              <a:xfrm rot="10800000">
+                <a:off x="2244780" y="4522090"/>
+                <a:ext cx="2993900" cy="916761"/>
+              </a:xfrm>
+              <a:prstGeom prst="bentConnector3">
+                <a:avLst>
+                  <a:gd name="adj1" fmla="val 115337"/>
+                </a:avLst>
+              </a:prstGeom>
+              <a:ln>
+                <a:tailEnd type="triangle"/>
+              </a:ln>
+            </p:spPr>
+            <p:style>
+              <a:lnRef idx="2">
+                <a:schemeClr val="dk1"/>
+              </a:lnRef>
+              <a:fillRef idx="0">
+                <a:schemeClr val="dk1"/>
+              </a:fillRef>
+              <a:effectRef idx="1">
+                <a:schemeClr val="dk1"/>
+              </a:effectRef>
+              <a:fontRef idx="minor">
+                <a:schemeClr val="tx1"/>
+              </a:fontRef>
+            </p:style>
+          </p:cxnSp>
+          <p:cxnSp>
+            <p:nvCxnSpPr>
+              <p:cNvPr id="36" name="直線矢印コネクタ 35">
+                <a:extLst>
+                  <a:ext uri="{FF2B5EF4-FFF2-40B4-BE49-F238E27FC236}">
+                    <a16:creationId xmlns:a16="http://schemas.microsoft.com/office/drawing/2014/main" id="{93A409DF-4AB9-47E1-26DC-007822F7C9A1}"/>
+                  </a:ext>
+                </a:extLst>
+              </p:cNvPr>
+              <p:cNvCxnSpPr>
+                <a:cxnSpLocks/>
+              </p:cNvCxnSpPr>
+              <p:nvPr/>
+            </p:nvCxnSpPr>
+            <p:spPr>
+              <a:xfrm>
+                <a:off x="10126767" y="1854257"/>
+                <a:ext cx="0" cy="1693694"/>
+              </a:xfrm>
+              <a:prstGeom prst="straightConnector1">
+                <a:avLst/>
+              </a:prstGeom>
+              <a:ln>
+                <a:tailEnd type="triangle"/>
+              </a:ln>
+            </p:spPr>
+            <p:style>
+              <a:lnRef idx="2">
+                <a:schemeClr val="dk1"/>
+              </a:lnRef>
+              <a:fillRef idx="0">
+                <a:schemeClr val="dk1"/>
+              </a:fillRef>
+              <a:effectRef idx="1">
+                <a:schemeClr val="dk1"/>
+              </a:effectRef>
+              <a:fontRef idx="minor">
+                <a:schemeClr val="tx1"/>
+              </a:fontRef>
+            </p:style>
+          </p:cxnSp>
+          <p:cxnSp>
+            <p:nvCxnSpPr>
+              <p:cNvPr id="37" name="直線矢印コネクタ 36">
+                <a:extLst>
+                  <a:ext uri="{FF2B5EF4-FFF2-40B4-BE49-F238E27FC236}">
+                    <a16:creationId xmlns:a16="http://schemas.microsoft.com/office/drawing/2014/main" id="{D6E16A70-C23F-9261-3194-139D7EC5DDBC}"/>
+                  </a:ext>
+                </a:extLst>
+              </p:cNvPr>
+              <p:cNvCxnSpPr>
+                <a:endCxn id="25" idx="3"/>
+              </p:cNvCxnSpPr>
+              <p:nvPr/>
+            </p:nvCxnSpPr>
+            <p:spPr>
+              <a:xfrm flipH="1">
+                <a:off x="6665170" y="2298932"/>
+                <a:ext cx="3461597" cy="0"/>
+              </a:xfrm>
+              <a:prstGeom prst="straightConnector1">
+                <a:avLst/>
+              </a:prstGeom>
+              <a:ln>
+                <a:tailEnd type="triangle"/>
+              </a:ln>
+            </p:spPr>
+            <p:style>
+              <a:lnRef idx="2">
+                <a:schemeClr val="dk1"/>
+              </a:lnRef>
+              <a:fillRef idx="0">
+                <a:schemeClr val="dk1"/>
+              </a:fillRef>
+              <a:effectRef idx="1">
+                <a:schemeClr val="dk1"/>
+              </a:effectRef>
+              <a:fontRef idx="minor">
+                <a:schemeClr val="tx1"/>
+              </a:fontRef>
+            </p:style>
+          </p:cxnSp>
+          <p:sp>
+            <p:nvSpPr>
+              <p:cNvPr id="38" name="円/楕円 37">
+                <a:extLst>
+                  <a:ext uri="{FF2B5EF4-FFF2-40B4-BE49-F238E27FC236}">
+                    <a16:creationId xmlns:a16="http://schemas.microsoft.com/office/drawing/2014/main" id="{E7459E71-6B15-73E0-D38B-B15414D6226D}"/>
+                  </a:ext>
+                </a:extLst>
+              </p:cNvPr>
+              <p:cNvSpPr>
+                <a:spLocks/>
+              </p:cNvSpPr>
+              <p:nvPr/>
+            </p:nvSpPr>
+            <p:spPr>
+              <a:xfrm>
+                <a:off x="10098599" y="2255495"/>
+                <a:ext cx="54770" cy="95861"/>
+              </a:xfrm>
+              <a:prstGeom prst="ellipse">
+                <a:avLst/>
+              </a:prstGeom>
+            </p:spPr>
+            <p:style>
+              <a:lnRef idx="2">
+                <a:schemeClr val="dk1">
+                  <a:shade val="15000"/>
+                </a:schemeClr>
+              </a:lnRef>
+              <a:fillRef idx="1">
+                <a:schemeClr val="dk1"/>
+              </a:fillRef>
+              <a:effectRef idx="0">
+                <a:schemeClr val="dk1"/>
+              </a:effectRef>
+              <a:fontRef idx="minor">
+                <a:schemeClr val="lt1"/>
+              </a:fontRef>
+            </p:style>
+            <p:txBody>
+              <a:bodyPr rtlCol="0" anchor="ctr"/>
+              <a:lstStyle/>
+              <a:p>
+                <a:pPr algn="ctr"/>
+                <a:endParaRPr kumimoji="1" lang="ja-JP" altLang="en-US" sz="1600"/>
+              </a:p>
+            </p:txBody>
+          </p:sp>
+          <p:cxnSp>
+            <p:nvCxnSpPr>
+              <p:cNvPr id="39" name="カギ線コネクタ 38">
+                <a:extLst>
+                  <a:ext uri="{FF2B5EF4-FFF2-40B4-BE49-F238E27FC236}">
+                    <a16:creationId xmlns:a16="http://schemas.microsoft.com/office/drawing/2014/main" id="{080572E4-D6EF-9ABA-6F57-E1438F2CE662}"/>
+                  </a:ext>
+                </a:extLst>
+              </p:cNvPr>
+              <p:cNvCxnSpPr>
+                <a:cxnSpLocks/>
+              </p:cNvCxnSpPr>
+              <p:nvPr/>
+            </p:nvCxnSpPr>
+            <p:spPr>
+              <a:xfrm rot="10800000" flipH="1" flipV="1">
+                <a:off x="4712321" y="2398933"/>
+                <a:ext cx="526358" cy="3471948"/>
+              </a:xfrm>
+              <a:prstGeom prst="bentConnector4">
+                <a:avLst>
+                  <a:gd name="adj1" fmla="val -618644"/>
+                  <a:gd name="adj2" fmla="val 100062"/>
+                </a:avLst>
+              </a:prstGeom>
+              <a:ln>
+                <a:tailEnd type="triangle"/>
+              </a:ln>
+            </p:spPr>
+            <p:style>
+              <a:lnRef idx="2">
+                <a:schemeClr val="dk1"/>
+              </a:lnRef>
+              <a:fillRef idx="0">
+                <a:schemeClr val="dk1"/>
+              </a:fillRef>
+              <a:effectRef idx="1">
+                <a:schemeClr val="dk1"/>
+              </a:effectRef>
+              <a:fontRef idx="minor">
+                <a:schemeClr val="tx1"/>
+              </a:fontRef>
+            </p:style>
+          </p:cxnSp>
+          <p:cxnSp>
+            <p:nvCxnSpPr>
+              <p:cNvPr id="40" name="直線矢印コネクタ 39">
+                <a:extLst>
+                  <a:ext uri="{FF2B5EF4-FFF2-40B4-BE49-F238E27FC236}">
+                    <a16:creationId xmlns:a16="http://schemas.microsoft.com/office/drawing/2014/main" id="{F4698661-56F8-0B7A-BDFE-34E66376FE41}"/>
+                  </a:ext>
+                </a:extLst>
+              </p:cNvPr>
+              <p:cNvCxnSpPr/>
+              <p:nvPr/>
+            </p:nvCxnSpPr>
+            <p:spPr>
+              <a:xfrm>
+                <a:off x="1453480" y="4076528"/>
+                <a:ext cx="791299" cy="0"/>
+              </a:xfrm>
+              <a:prstGeom prst="straightConnector1">
+                <a:avLst/>
+              </a:prstGeom>
+              <a:ln>
+                <a:tailEnd type="triangle"/>
+              </a:ln>
+            </p:spPr>
+            <p:style>
+              <a:lnRef idx="2">
+                <a:schemeClr val="dk1"/>
+              </a:lnRef>
+              <a:fillRef idx="0">
+                <a:schemeClr val="dk1"/>
+              </a:fillRef>
+              <a:effectRef idx="1">
+                <a:schemeClr val="dk1"/>
+              </a:effectRef>
+              <a:fontRef idx="minor">
+                <a:schemeClr val="tx1"/>
+              </a:fontRef>
+            </p:style>
+          </p:cxnSp>
+          <p:cxnSp>
+            <p:nvCxnSpPr>
+              <p:cNvPr id="41" name="直線矢印コネクタ 40">
+                <a:extLst>
+                  <a:ext uri="{FF2B5EF4-FFF2-40B4-BE49-F238E27FC236}">
+                    <a16:creationId xmlns:a16="http://schemas.microsoft.com/office/drawing/2014/main" id="{8B67CF56-C791-6AC6-B07D-7A2F81D18C0A}"/>
+                  </a:ext>
+                </a:extLst>
+              </p:cNvPr>
+              <p:cNvCxnSpPr>
+                <a:stCxn id="24" idx="3"/>
+              </p:cNvCxnSpPr>
+              <p:nvPr/>
+            </p:nvCxnSpPr>
+            <p:spPr>
+              <a:xfrm>
+                <a:off x="11224459" y="3933367"/>
+                <a:ext cx="754181" cy="0"/>
+              </a:xfrm>
+              <a:prstGeom prst="straightConnector1">
+                <a:avLst/>
+              </a:prstGeom>
+              <a:ln>
+                <a:tailEnd type="triangle"/>
+              </a:ln>
+            </p:spPr>
+            <p:style>
+              <a:lnRef idx="2">
+                <a:schemeClr val="dk1"/>
+              </a:lnRef>
+              <a:fillRef idx="0">
+                <a:schemeClr val="dk1"/>
+              </a:fillRef>
+              <a:effectRef idx="1">
+                <a:schemeClr val="dk1"/>
+              </a:effectRef>
+              <a:fontRef idx="minor">
+                <a:schemeClr val="tx1"/>
+              </a:fontRef>
+            </p:style>
+          </p:cxnSp>
+          <p:cxnSp>
+            <p:nvCxnSpPr>
+              <p:cNvPr id="42" name="直線矢印コネクタ 41">
+                <a:extLst>
+                  <a:ext uri="{FF2B5EF4-FFF2-40B4-BE49-F238E27FC236}">
+                    <a16:creationId xmlns:a16="http://schemas.microsoft.com/office/drawing/2014/main" id="{9C6A71AD-4A07-9694-67BD-C738C6A619AE}"/>
+                  </a:ext>
+                </a:extLst>
+              </p:cNvPr>
+              <p:cNvCxnSpPr/>
+              <p:nvPr/>
+            </p:nvCxnSpPr>
+            <p:spPr>
+              <a:xfrm>
+                <a:off x="666370" y="3614840"/>
+                <a:ext cx="1574219" cy="0"/>
+              </a:xfrm>
+              <a:prstGeom prst="straightConnector1">
+                <a:avLst/>
+              </a:prstGeom>
+              <a:ln>
+                <a:tailEnd type="triangle"/>
+              </a:ln>
+            </p:spPr>
+            <p:style>
+              <a:lnRef idx="2">
+                <a:schemeClr val="dk1"/>
+              </a:lnRef>
+              <a:fillRef idx="0">
+                <a:schemeClr val="dk1"/>
+              </a:fillRef>
+              <a:effectRef idx="1">
+                <a:schemeClr val="dk1"/>
+              </a:effectRef>
+              <a:fontRef idx="minor">
+                <a:schemeClr val="tx1"/>
+              </a:fontRef>
+            </p:style>
+          </p:cxnSp>
+          <mc:AlternateContent xmlns:mc="http://schemas.openxmlformats.org/markup-compatibility/2006">
+            <mc:Choice xmlns:a14="http://schemas.microsoft.com/office/drawing/2010/main" Requires="a14">
+              <p:sp>
+                <p:nvSpPr>
+                  <p:cNvPr id="43" name="テキスト ボックス 42">
+                    <a:extLst>
+                      <a:ext uri="{FF2B5EF4-FFF2-40B4-BE49-F238E27FC236}">
+                        <a16:creationId xmlns:a16="http://schemas.microsoft.com/office/drawing/2014/main" id="{271074BB-5BA5-35AE-C09C-069887E2FF41}"/>
+                      </a:ext>
+                    </a:extLst>
+                  </p:cNvPr>
+                  <p:cNvSpPr txBox="1"/>
+                  <p:nvPr/>
+                </p:nvSpPr>
+                <p:spPr>
+                  <a:xfrm>
+                    <a:off x="4956521" y="5166844"/>
+                    <a:ext cx="120721" cy="327818"/>
+                  </a:xfrm>
+                  <a:prstGeom prst="rect">
+                    <a:avLst/>
+                  </a:prstGeom>
+                  <a:noFill/>
+                </p:spPr>
+                <p:txBody>
+                  <a:bodyPr wrap="none" lIns="0" tIns="0" rIns="0" bIns="0" rtlCol="0">
+                    <a:spAutoFit/>
+                  </a:bodyPr>
+                  <a:lstStyle/>
+                  <a:p>
+                    <a:pPr/>
+                    <a14:m>
+                      <m:oMathPara xmlns:m="http://schemas.openxmlformats.org/officeDocument/2006/math">
+                        <m:oMathParaPr>
+                          <m:jc m:val="centerGroup"/>
+                        </m:oMathParaPr>
+                        <m:oMath xmlns:m="http://schemas.openxmlformats.org/officeDocument/2006/math">
+                          <m:r>
+                            <m:rPr>
+                              <m:sty m:val="p"/>
+                            </m:rPr>
+                            <a:rPr kumimoji="1" lang="en-US" altLang="ja-JP" sz="1600" b="0" i="1" smtClean="0">
+                              <a:latin typeface="Cambria Math" panose="02040503050406030204" pitchFamily="18" charset="0"/>
+                            </a:rPr>
+                            <m:t>x</m:t>
+                          </m:r>
+                          <m:r>
+                            <a:rPr kumimoji="1" lang="en-US" altLang="ja-JP" sz="1600" b="0" i="1" smtClean="0">
+                              <a:latin typeface="Cambria Math" panose="02040503050406030204" pitchFamily="18" charset="0"/>
+                            </a:rPr>
+                            <m:t>̂</m:t>
+                          </m:r>
+                        </m:oMath>
+                      </m:oMathPara>
+                    </a14:m>
+                    <a:endParaRPr kumimoji="1" lang="ja-JP" altLang="en-US" sz="1600"/>
+                  </a:p>
+                </p:txBody>
+              </p:sp>
+            </mc:Choice>
+            <mc:Fallback>
+              <p:sp>
+                <p:nvSpPr>
+                  <p:cNvPr id="43" name="テキスト ボックス 42">
+                    <a:extLst>
+                      <a:ext uri="{FF2B5EF4-FFF2-40B4-BE49-F238E27FC236}">
+                        <a16:creationId xmlns:a16="http://schemas.microsoft.com/office/drawing/2014/main" id="{271074BB-5BA5-35AE-C09C-069887E2FF41}"/>
+                      </a:ext>
+                    </a:extLst>
+                  </p:cNvPr>
+                  <p:cNvSpPr txBox="1">
+                    <a:spLocks noRot="1" noChangeAspect="1" noMove="1" noResize="1" noEditPoints="1" noAdjustHandles="1" noChangeArrowheads="1" noChangeShapeType="1" noTextEdit="1"/>
+                  </p:cNvSpPr>
+                  <p:nvPr/>
+                </p:nvSpPr>
+                <p:spPr>
+                  <a:xfrm>
+                    <a:off x="4956521" y="5166844"/>
+                    <a:ext cx="120721" cy="327818"/>
+                  </a:xfrm>
+                  <a:prstGeom prst="rect">
+                    <a:avLst/>
+                  </a:prstGeom>
+                  <a:blipFill>
+                    <a:blip r:embed="rId7"/>
+                    <a:stretch>
+                      <a:fillRect l="-30769" r="-23077" b="-10000"/>
+                    </a:stretch>
+                  </a:blipFill>
+                </p:spPr>
+                <p:txBody>
+                  <a:bodyPr/>
+                  <a:lstStyle/>
+                  <a:p>
+                    <a:r>
+                      <a:rPr lang="ja-JP" altLang="en-US">
+                        <a:noFill/>
+                      </a:rPr>
+                      <a:t> </a:t>
+                    </a:r>
+                  </a:p>
+                </p:txBody>
+              </p:sp>
+            </mc:Fallback>
+          </mc:AlternateContent>
+          <mc:AlternateContent xmlns:mc="http://schemas.openxmlformats.org/markup-compatibility/2006">
+            <mc:Choice xmlns:a14="http://schemas.microsoft.com/office/drawing/2010/main" Requires="a14">
+              <p:sp>
+                <p:nvSpPr>
+                  <p:cNvPr id="44" name="テキスト ボックス 43">
+                    <a:extLst>
+                      <a:ext uri="{FF2B5EF4-FFF2-40B4-BE49-F238E27FC236}">
+                        <a16:creationId xmlns:a16="http://schemas.microsoft.com/office/drawing/2014/main" id="{2FB85A9F-8801-B5D7-8938-A23C403B926F}"/>
+                      </a:ext>
+                    </a:extLst>
+                  </p:cNvPr>
+                  <p:cNvSpPr txBox="1"/>
+                  <p:nvPr/>
+                </p:nvSpPr>
+                <p:spPr>
+                  <a:xfrm>
+                    <a:off x="717023" y="3237572"/>
+                    <a:ext cx="339091" cy="354112"/>
+                  </a:xfrm>
+                  <a:prstGeom prst="rect">
+                    <a:avLst/>
+                  </a:prstGeom>
+                  <a:noFill/>
+                </p:spPr>
+                <p:txBody>
+                  <a:bodyPr wrap="none" lIns="0" tIns="0" rIns="0" bIns="0" rtlCol="0">
+                    <a:spAutoFit/>
+                  </a:bodyPr>
+                  <a:lstStyle/>
+                  <a:p>
+                    <a:pPr/>
+                    <a14:m>
+                      <m:oMathPara xmlns:m="http://schemas.openxmlformats.org/officeDocument/2006/math">
+                        <m:oMathParaPr>
+                          <m:jc m:val="centerGroup"/>
+                        </m:oMathParaPr>
+                        <m:oMath xmlns:m="http://schemas.openxmlformats.org/officeDocument/2006/math">
+                          <m:sSub>
+                            <m:sSubPr>
+                              <m:ctrlPr>
+                                <a:rPr kumimoji="1" lang="en-US" altLang="ja-JP" sz="1600" b="0" i="1" smtClean="0">
+                                  <a:latin typeface="Cambria Math" panose="02040503050406030204" pitchFamily="18" charset="0"/>
+                                </a:rPr>
+                              </m:ctrlPr>
+                            </m:sSubPr>
+                            <m:e>
+                              <m:r>
+                                <a:rPr kumimoji="1" lang="en-US" altLang="ja-JP" sz="1600" b="0" i="1" smtClean="0">
+                                  <a:latin typeface="Cambria Math" panose="02040503050406030204" pitchFamily="18" charset="0"/>
+                                </a:rPr>
+                                <m:t>𝐺</m:t>
+                              </m:r>
+                            </m:e>
+                            <m:sub>
+                              <m:r>
+                                <a:rPr kumimoji="1" lang="en-US" altLang="ja-JP" sz="1600" b="0" i="1" smtClean="0">
+                                  <a:latin typeface="Cambria Math" panose="02040503050406030204" pitchFamily="18" charset="0"/>
+                                </a:rPr>
+                                <m:t>𝑟𝑒𝑓</m:t>
+                              </m:r>
+                            </m:sub>
+                          </m:sSub>
+                        </m:oMath>
+                      </m:oMathPara>
+                    </a14:m>
+                    <a:endParaRPr kumimoji="1" lang="ja-JP" altLang="en-US" sz="1600"/>
+                  </a:p>
+                </p:txBody>
+              </p:sp>
+            </mc:Choice>
+            <mc:Fallback>
+              <p:sp>
+                <p:nvSpPr>
+                  <p:cNvPr id="44" name="テキスト ボックス 43">
+                    <a:extLst>
+                      <a:ext uri="{FF2B5EF4-FFF2-40B4-BE49-F238E27FC236}">
+                        <a16:creationId xmlns:a16="http://schemas.microsoft.com/office/drawing/2014/main" id="{2FB85A9F-8801-B5D7-8938-A23C403B926F}"/>
+                      </a:ext>
+                    </a:extLst>
+                  </p:cNvPr>
+                  <p:cNvSpPr txBox="1">
+                    <a:spLocks noRot="1" noChangeAspect="1" noMove="1" noResize="1" noEditPoints="1" noAdjustHandles="1" noChangeArrowheads="1" noChangeShapeType="1" noTextEdit="1"/>
+                  </p:cNvSpPr>
+                  <p:nvPr/>
+                </p:nvSpPr>
+                <p:spPr>
+                  <a:xfrm>
+                    <a:off x="717023" y="3237572"/>
+                    <a:ext cx="339091" cy="354112"/>
+                  </a:xfrm>
+                  <a:prstGeom prst="rect">
+                    <a:avLst/>
+                  </a:prstGeom>
+                  <a:blipFill>
+                    <a:blip r:embed="rId8"/>
+                    <a:stretch>
+                      <a:fillRect l="-8333" r="-5556" b="-18182"/>
+                    </a:stretch>
+                  </a:blipFill>
+                </p:spPr>
+                <p:txBody>
+                  <a:bodyPr/>
+                  <a:lstStyle/>
+                  <a:p>
+                    <a:r>
+                      <a:rPr lang="ja-JP" altLang="en-US">
+                        <a:noFill/>
+                      </a:rPr>
+                      <a:t> </a:t>
+                    </a:r>
+                  </a:p>
+                </p:txBody>
+              </p:sp>
+            </mc:Fallback>
+          </mc:AlternateContent>
         </p:grpSp>
         <p:sp>
           <p:nvSpPr>
@@ -6973,8 +7144,8 @@
           </p:nvSpPr>
           <p:spPr>
             <a:xfrm>
-              <a:off x="22317528" y="7362413"/>
-              <a:ext cx="2275368" cy="956930"/>
+              <a:off x="20084192" y="6768954"/>
+              <a:ext cx="2903814" cy="739920"/>
             </a:xfrm>
             <a:prstGeom prst="roundRect">
               <a:avLst/>
@@ -7007,7 +7178,7 @@
             <a:lstStyle/>
             <a:p>
               <a:pPr algn="ctr"/>
-              <a:endParaRPr kumimoji="1" lang="ja-JP" altLang="en-US"/>
+              <a:endParaRPr kumimoji="1" lang="ja-JP" altLang="en-US" sz="1600"/>
             </a:p>
           </p:txBody>
         </p:sp>
@@ -7026,7 +7197,7 @@
         </p:nvGrpSpPr>
         <p:grpSpPr>
           <a:xfrm>
-            <a:off x="494350" y="9360077"/>
+            <a:off x="467606" y="10932198"/>
             <a:ext cx="29340000" cy="8573811"/>
             <a:chOff x="494350" y="8811437"/>
             <a:chExt cx="29340000" cy="8573811"/>
@@ -9065,7 +9236,7 @@
                   <a:blipFill>
                     <a:blip r:embed="rId22"/>
                     <a:stretch>
-                      <a:fillRect b="-13333"/>
+                      <a:fillRect b="-14286"/>
                     </a:stretch>
                   </a:blipFill>
                 </p:spPr>
@@ -9203,7 +9374,7 @@
                   <a:blipFill>
                     <a:blip r:embed="rId23"/>
                     <a:stretch>
-                      <a:fillRect l="-7692"/>
+                      <a:fillRect l="-7143" r="-7143"/>
                     </a:stretch>
                   </a:blipFill>
                 </p:spPr>
@@ -9872,7 +10043,7 @@
                 <a:blipFill>
                   <a:blip r:embed="rId24"/>
                   <a:stretch>
-                    <a:fillRect l="-2907" t="-233333" b="-331183"/>
+                    <a:fillRect l="-2907" t="-233333" b="-330108"/>
                   </a:stretch>
                 </a:blipFill>
               </p:spPr>
@@ -11134,7 +11305,7 @@
                 <a:blipFill>
                   <a:blip r:embed="rId27"/>
                   <a:stretch>
-                    <a:fillRect t="-102222" b="-157778"/>
+                    <a:fillRect t="-102222" b="-156667"/>
                   </a:stretch>
                 </a:blipFill>
               </p:spPr>
@@ -14241,7 +14412,7 @@
                   <a:blipFill>
                     <a:blip r:embed="rId31"/>
                     <a:stretch>
-                      <a:fillRect l="-4762" b="-6667"/>
+                      <a:fillRect l="-4762" b="-6250"/>
                     </a:stretch>
                   </a:blipFill>
                 </p:spPr>
@@ -14337,7 +14508,7 @@
                   <a:blipFill>
                     <a:blip r:embed="rId32"/>
                     <a:stretch>
-                      <a:fillRect l="-7143" r="-7143"/>
+                      <a:fillRect l="-11111" r="-11111" b="-6667"/>
                     </a:stretch>
                   </a:blipFill>
                 </p:spPr>
@@ -14452,7 +14623,7 @@
                   <a:blipFill>
                     <a:blip r:embed="rId33"/>
                     <a:stretch>
-                      <a:fillRect l="-15789" r="-10526" b="-20000"/>
+                      <a:fillRect l="-10526" r="-5263" b="-20000"/>
                     </a:stretch>
                   </a:blipFill>
                 </p:spPr>
@@ -14548,7 +14719,7 @@
                   <a:blipFill>
                     <a:blip r:embed="rId34"/>
                     <a:stretch>
-                      <a:fillRect l="-25000" r="-25000" b="-6250"/>
+                      <a:fillRect l="-25000" r="-16667" b="-6250"/>
                     </a:stretch>
                   </a:blipFill>
                 </p:spPr>
@@ -14663,7 +14834,7 @@
                   <a:blipFill>
                     <a:blip r:embed="rId35"/>
                     <a:stretch>
-                      <a:fillRect l="-17647" r="-5882" b="-11765"/>
+                      <a:fillRect l="-11111" r="-5556" b="-11765"/>
                     </a:stretch>
                   </a:blipFill>
                 </p:spPr>
@@ -14778,7 +14949,7 @@
                   <a:blipFill>
                     <a:blip r:embed="rId36"/>
                     <a:stretch>
-                      <a:fillRect l="-14286" r="-4762" b="-12500"/>
+                      <a:fillRect l="-9091" r="-9091" b="-18750"/>
                     </a:stretch>
                   </a:blipFill>
                 </p:spPr>
@@ -14893,7 +15064,7 @@
                   <a:blipFill>
                     <a:blip r:embed="rId37"/>
                     <a:stretch>
-                      <a:fillRect l="-18750" b="-12500"/>
+                      <a:fillRect l="-11765" r="-5882" b="-12500"/>
                     </a:stretch>
                   </a:blipFill>
                 </p:spPr>
@@ -15129,7 +15300,7 @@
                   <a:blipFill>
                     <a:blip r:embed="rId39"/>
                     <a:stretch>
-                      <a:fillRect l="-7407" r="-3704" b="-13333"/>
+                      <a:fillRect l="-7407" b="-12500"/>
                     </a:stretch>
                   </a:blipFill>
                 </p:spPr>
@@ -15376,7 +15547,7 @@
                   <a:blipFill>
                     <a:blip r:embed="rId41"/>
                     <a:stretch>
-                      <a:fillRect l="-4000" r="-8000" b="-13333"/>
+                      <a:fillRect l="-3846" b="-12500"/>
                     </a:stretch>
                   </a:blipFill>
                 </p:spPr>
@@ -15491,7 +15662,7 @@
                   <a:blipFill>
                     <a:blip r:embed="rId42"/>
                     <a:stretch>
-                      <a:fillRect l="-5714" b="-13333"/>
+                      <a:fillRect l="-8824" b="-12500"/>
                     </a:stretch>
                   </a:blipFill>
                 </p:spPr>
@@ -15587,7 +15758,7 @@
                   <a:blipFill>
                     <a:blip r:embed="rId43"/>
                     <a:stretch>
-                      <a:fillRect l="-15385" r="-7692" b="-6667"/>
+                      <a:fillRect l="-23077" r="-15385" b="-6667"/>
                     </a:stretch>
                   </a:blipFill>
                 </p:spPr>
@@ -15708,7 +15879,7 @@
                   <a:blipFill>
                     <a:blip r:embed="rId44"/>
                     <a:stretch>
-                      <a:fillRect l="-7692" r="-3846" b="-20000"/>
+                      <a:fillRect l="-11538" r="-3846" b="-20000"/>
                     </a:stretch>
                   </a:blipFill>
                 </p:spPr>
@@ -15804,7 +15975,7 @@
                   <a:blipFill>
                     <a:blip r:embed="rId45"/>
                     <a:stretch>
-                      <a:fillRect l="-21429" r="-14286" b="-6667"/>
+                      <a:fillRect l="-15385" r="-23077" b="-6667"/>
                     </a:stretch>
                   </a:blipFill>
                 </p:spPr>
@@ -15966,7 +16137,7 @@
         </p:nvSpPr>
         <p:spPr>
           <a:xfrm>
-            <a:off x="436645" y="18444864"/>
+            <a:off x="409899" y="19909407"/>
             <a:ext cx="29339999" cy="4960468"/>
           </a:xfrm>
           <a:prstGeom prst="rect">
@@ -16115,7 +16286,7 @@
         </p:nvSpPr>
         <p:spPr>
           <a:xfrm>
-            <a:off x="494350" y="37058161"/>
+            <a:off x="436644" y="38290713"/>
             <a:ext cx="29340000" cy="2803483"/>
           </a:xfrm>
           <a:prstGeom prst="rect">
@@ -16264,7 +16435,7 @@
         </p:nvGrpSpPr>
         <p:grpSpPr>
           <a:xfrm>
-            <a:off x="494351" y="23916312"/>
+            <a:off x="436644" y="25293721"/>
             <a:ext cx="29339999" cy="12630873"/>
             <a:chOff x="494351" y="23623704"/>
             <a:chExt cx="29339999" cy="12630873"/>
@@ -17045,7 +17216,7 @@
         </p:nvSpPr>
         <p:spPr>
           <a:xfrm>
-            <a:off x="494350" y="41129003"/>
+            <a:off x="436645" y="41410603"/>
             <a:ext cx="26490670" cy="1107996"/>
           </a:xfrm>
           <a:prstGeom prst="rect">
@@ -17527,7 +17698,7 @@
         </p:nvGrpSpPr>
         <p:grpSpPr>
           <a:xfrm>
-            <a:off x="19826209" y="21305906"/>
+            <a:off x="18380482" y="22590625"/>
             <a:ext cx="8729543" cy="1766470"/>
             <a:chOff x="16573389" y="19002180"/>
             <a:chExt cx="8729543" cy="1766470"/>
@@ -17731,7 +17902,7 @@
                 <a:blipFill>
                   <a:blip r:embed="rId50"/>
                   <a:stretch>
-                    <a:fillRect l="-12000" t="-4545" r="-54000" b="-36364"/>
+                    <a:fillRect l="-14000" r="-52000" b="-34783"/>
                   </a:stretch>
                 </a:blipFill>
               </p:spPr>
@@ -17864,7 +18035,7 @@
                 <a:blipFill>
                   <a:blip r:embed="rId51"/>
                   <a:stretch>
-                    <a:fillRect l="-3333" r="-10000" b="-34783"/>
+                    <a:fillRect l="-1667" r="-10000" b="-34783"/>
                   </a:stretch>
                 </a:blipFill>
               </p:spPr>
@@ -18427,7 +18598,7 @@
                 <a:blipFill>
                   <a:blip r:embed="rId52"/>
                   <a:stretch>
-                    <a:fillRect l="-3279" t="-4545" r="-8197" b="-36364"/>
+                    <a:fillRect l="-1639" t="-4545" r="-9836" b="-40909"/>
                   </a:stretch>
                 </a:blipFill>
               </p:spPr>
@@ -18541,7 +18712,7 @@
                 <a:blipFill>
                   <a:blip r:embed="rId53"/>
                   <a:stretch>
-                    <a:fillRect l="-5128" t="-4545" r="-15385" b="-36364"/>
+                    <a:fillRect l="-5128" r="-15385" b="-29167"/>
                   </a:stretch>
                 </a:blipFill>
               </p:spPr>
@@ -18864,7 +19035,7 @@
                 <a:blipFill>
                   <a:blip r:embed="rId54"/>
                   <a:stretch>
-                    <a:fillRect l="-7143" r="-14286" b="-34783"/>
+                    <a:fillRect l="-7143" t="-4348" r="-14286" b="-34783"/>
                   </a:stretch>
                 </a:blipFill>
               </p:spPr>
@@ -18978,7 +19149,7 @@
                 <a:blipFill>
                   <a:blip r:embed="rId55"/>
                   <a:stretch>
-                    <a:fillRect l="-9756" r="-17073" b="-29167"/>
+                    <a:fillRect l="-7143" t="-4545" r="-11905" b="-36364"/>
                   </a:stretch>
                 </a:blipFill>
               </p:spPr>
@@ -19104,7 +19275,7 @@
                 <a:blipFill>
                   <a:blip r:embed="rId56"/>
                   <a:stretch>
-                    <a:fillRect l="-2500" t="-13043" r="-15000" b="-34783"/>
+                    <a:fillRect l="-5128" t="-13043" r="-15385" b="-34783"/>
                   </a:stretch>
                 </a:blipFill>
               </p:spPr>
@@ -19324,7 +19495,7 @@
                 <a:blipFill>
                   <a:blip r:embed="rId57"/>
                   <a:stretch>
-                    <a:fillRect l="-6000" r="-12000" b="-34783"/>
+                    <a:fillRect l="-8163" t="-4348" r="-14286" b="-30435"/>
                   </a:stretch>
                 </a:blipFill>
               </p:spPr>
@@ -19344,6 +19515,118 @@
           </mc:Fallback>
         </mc:AlternateContent>
       </p:grpSp>
+      <p:sp>
+        <p:nvSpPr>
+          <p:cNvPr id="302" name="テキスト ボックス 301">
+            <a:extLst>
+              <a:ext uri="{FF2B5EF4-FFF2-40B4-BE49-F238E27FC236}">
+                <a16:creationId xmlns:a16="http://schemas.microsoft.com/office/drawing/2014/main" id="{5FBCA84D-404B-DE02-281E-885C30613F16}"/>
+              </a:ext>
+            </a:extLst>
+          </p:cNvPr>
+          <p:cNvSpPr txBox="1">
+            <a:spLocks/>
+          </p:cNvSpPr>
+          <p:nvPr/>
+        </p:nvSpPr>
+        <p:spPr>
+          <a:xfrm>
+            <a:off x="958907" y="20310844"/>
+            <a:ext cx="3317307" cy="769441"/>
+          </a:xfrm>
+          <a:prstGeom prst="rect">
+            <a:avLst/>
+          </a:prstGeom>
+          <a:noFill/>
+        </p:spPr>
+        <p:txBody>
+          <a:bodyPr wrap="square" rtlCol="0">
+            <a:spAutoFit/>
+          </a:bodyPr>
+          <a:lstStyle/>
+          <a:p>
+            <a:r>
+              <a:rPr lang="ja-JP" altLang="en-US" sz="4400" b="1" dirty="0">
+                <a:solidFill>
+                  <a:schemeClr val="tx2">
+                    <a:lumMod val="90000"/>
+                    <a:lumOff val="10000"/>
+                  </a:schemeClr>
+                </a:solidFill>
+                <a:latin typeface="メイリオ" panose="020B0604030504040204" pitchFamily="50" charset="-128"/>
+                <a:ea typeface="メイリオ" panose="020B0604030504040204" pitchFamily="50" charset="-128"/>
+              </a:rPr>
+              <a:t>状態推定器</a:t>
+            </a:r>
+            <a:endParaRPr lang="en-US" altLang="ja-JP" sz="4400" b="1" dirty="0">
+              <a:solidFill>
+                <a:schemeClr val="tx2">
+                  <a:lumMod val="90000"/>
+                  <a:lumOff val="10000"/>
+                </a:schemeClr>
+              </a:solidFill>
+              <a:latin typeface="メイリオ" panose="020B0604030504040204" pitchFamily="50" charset="-128"/>
+              <a:ea typeface="メイリオ" panose="020B0604030504040204" pitchFamily="50" charset="-128"/>
+            </a:endParaRPr>
+          </a:p>
+        </p:txBody>
+      </p:sp>
+      <p:sp>
+        <p:nvSpPr>
+          <p:cNvPr id="306" name="テキスト ボックス 305">
+            <a:extLst>
+              <a:ext uri="{FF2B5EF4-FFF2-40B4-BE49-F238E27FC236}">
+                <a16:creationId xmlns:a16="http://schemas.microsoft.com/office/drawing/2014/main" id="{17C3A224-2153-33F6-4B8D-D653E8B2A605}"/>
+              </a:ext>
+            </a:extLst>
+          </p:cNvPr>
+          <p:cNvSpPr txBox="1">
+            <a:spLocks/>
+          </p:cNvSpPr>
+          <p:nvPr/>
+        </p:nvSpPr>
+        <p:spPr>
+          <a:xfrm>
+            <a:off x="774897" y="38555380"/>
+            <a:ext cx="1960271" cy="769441"/>
+          </a:xfrm>
+          <a:prstGeom prst="rect">
+            <a:avLst/>
+          </a:prstGeom>
+          <a:noFill/>
+        </p:spPr>
+        <p:txBody>
+          <a:bodyPr wrap="square" rtlCol="0">
+            <a:spAutoFit/>
+          </a:bodyPr>
+          <a:lstStyle/>
+          <a:p>
+            <a:r>
+              <a:rPr lang="ja-JP" altLang="en-US" sz="4400" b="1" dirty="0">
+                <a:solidFill>
+                  <a:schemeClr val="tx2">
+                    <a:lumMod val="90000"/>
+                    <a:lumOff val="10000"/>
+                  </a:schemeClr>
+                </a:solidFill>
+                <a:latin typeface="メイリオ" panose="020B0604030504040204" pitchFamily="50" charset="-128"/>
+                <a:ea typeface="メイリオ" panose="020B0604030504040204" pitchFamily="50" charset="-128"/>
+              </a:rPr>
+              <a:t>結論</a:t>
+            </a:r>
+            <a:endParaRPr lang="en-US" altLang="ja-JP" sz="4400" b="1" dirty="0">
+              <a:solidFill>
+                <a:schemeClr val="tx2">
+                  <a:lumMod val="90000"/>
+                  <a:lumOff val="10000"/>
+                </a:schemeClr>
+              </a:solidFill>
+              <a:latin typeface="メイリオ" panose="020B0604030504040204" pitchFamily="50" charset="-128"/>
+              <a:ea typeface="メイリオ" panose="020B0604030504040204" pitchFamily="50" charset="-128"/>
+            </a:endParaRPr>
+          </a:p>
+        </p:txBody>
+      </p:sp>
     </p:spTree>
     <p:extLst>
       <p:ext uri="{BB962C8B-B14F-4D97-AF65-F5344CB8AC3E}">
